--- a/OceanSimulation/Docs/Large Scale Realistic Ocean Rendering and Simulation.pptx
+++ b/OceanSimulation/Docs/Large Scale Realistic Ocean Rendering and Simulation.pptx
@@ -212,7 +212,7 @@
           <a:p>
             <a:fld id="{4B3F774C-70F7-4ED4-813C-739E51CF8487}" type="datetimeFigureOut">
               <a:rPr lang="en-US" smtClean="0"/>
-              <a:t>2/9/2021</a:t>
+              <a:t>2/23/2021</a:t>
             </a:fld>
             <a:endParaRPr lang="en-US" dirty="0"/>
           </a:p>
@@ -981,7 +981,7 @@
           <a:p>
             <a:fld id="{F9F2E34D-57B0-41D5-A7AF-DF10D1068115}" type="datetime1">
               <a:rPr lang="en-US" smtClean="0"/>
-              <a:t>2/9/2021</a:t>
+              <a:t>2/23/2021</a:t>
             </a:fld>
             <a:endParaRPr lang="en-US" dirty="0"/>
           </a:p>
@@ -1273,7 +1273,7 @@
           <a:p>
             <a:fld id="{DF6E8327-77F4-4A2B-9238-101C8E3404E4}" type="datetime1">
               <a:rPr lang="en-US" smtClean="0"/>
-              <a:t>2/9/2021</a:t>
+              <a:t>2/23/2021</a:t>
             </a:fld>
             <a:endParaRPr lang="en-US" dirty="0"/>
           </a:p>
@@ -1517,7 +1517,7 @@
           <a:p>
             <a:fld id="{5287327A-3B7B-4F18-AD00-4892CF91FF9D}" type="datetime1">
               <a:rPr lang="en-US" smtClean="0"/>
-              <a:t>2/9/2021</a:t>
+              <a:t>2/23/2021</a:t>
             </a:fld>
             <a:endParaRPr lang="en-US" dirty="0"/>
           </a:p>
@@ -2053,7 +2053,7 @@
           <a:p>
             <a:fld id="{84398241-E647-4007-AB01-BB30869910EB}" type="datetime1">
               <a:rPr lang="en-US" smtClean="0"/>
-              <a:t>2/9/2021</a:t>
+              <a:t>2/23/2021</a:t>
             </a:fld>
             <a:endParaRPr lang="en-US" dirty="0"/>
           </a:p>
@@ -2297,7 +2297,7 @@
           <a:p>
             <a:fld id="{A09F5554-C941-4C3B-A197-75ED448862A0}" type="datetime1">
               <a:rPr lang="en-US" smtClean="0"/>
-              <a:t>2/9/2021</a:t>
+              <a:t>2/23/2021</a:t>
             </a:fld>
             <a:endParaRPr lang="en-US" dirty="0"/>
           </a:p>
@@ -2825,7 +2825,7 @@
           <a:p>
             <a:fld id="{DC6B44A0-C3F8-4023-9352-7CF7C034B2C8}" type="datetime1">
               <a:rPr lang="en-US" smtClean="0"/>
-              <a:t>2/9/2021</a:t>
+              <a:t>2/23/2021</a:t>
             </a:fld>
             <a:endParaRPr lang="en-US" dirty="0"/>
           </a:p>
@@ -3118,7 +3118,7 @@
           <a:p>
             <a:fld id="{79C3DC5B-471F-47EA-B884-FE923235A560}" type="datetime1">
               <a:rPr lang="en-US" smtClean="0"/>
-              <a:t>2/9/2021</a:t>
+              <a:t>2/23/2021</a:t>
             </a:fld>
             <a:endParaRPr lang="en-US" dirty="0"/>
           </a:p>
@@ -3288,7 +3288,7 @@
           <a:p>
             <a:fld id="{03F8C408-3247-4796-93FF-B91D6887AEC0}" type="datetime1">
               <a:rPr lang="en-US" smtClean="0"/>
-              <a:t>2/9/2021</a:t>
+              <a:t>2/23/2021</a:t>
             </a:fld>
             <a:endParaRPr lang="en-US" dirty="0"/>
           </a:p>
@@ -3464,7 +3464,7 @@
           <a:p>
             <a:fld id="{BBA1D282-CC74-49F4-B876-75084EFB56F1}" type="datetime1">
               <a:rPr lang="en-US" smtClean="0"/>
-              <a:t>2/9/2021</a:t>
+              <a:t>2/23/2021</a:t>
             </a:fld>
             <a:endParaRPr lang="en-US" dirty="0"/>
           </a:p>
@@ -3630,7 +3630,7 @@
           <a:p>
             <a:fld id="{BF56EAF9-2583-4989-8D87-13F548ED6E0C}" type="datetime1">
               <a:rPr lang="en-US" smtClean="0"/>
-              <a:t>2/9/2021</a:t>
+              <a:t>2/23/2021</a:t>
             </a:fld>
             <a:endParaRPr lang="en-US" dirty="0"/>
           </a:p>
@@ -3877,7 +3877,7 @@
           <a:p>
             <a:fld id="{B70E3CFB-BB1B-4B2A-ADF6-B1A4609854C4}" type="datetime1">
               <a:rPr lang="en-US" smtClean="0"/>
-              <a:t>2/9/2021</a:t>
+              <a:t>2/23/2021</a:t>
             </a:fld>
             <a:endParaRPr lang="en-US" dirty="0"/>
           </a:p>
@@ -4170,7 +4170,7 @@
           <a:p>
             <a:fld id="{2B3AEAA8-1A97-412E-935C-2E918F139579}" type="datetime1">
               <a:rPr lang="en-US" smtClean="0"/>
-              <a:t>2/9/2021</a:t>
+              <a:t>2/23/2021</a:t>
             </a:fld>
             <a:endParaRPr lang="en-US" dirty="0"/>
           </a:p>
@@ -4608,7 +4608,7 @@
           <a:p>
             <a:fld id="{638B0DF1-CA1F-4E36-8C65-C52A9896A8FB}" type="datetime1">
               <a:rPr lang="en-US" smtClean="0"/>
-              <a:t>2/9/2021</a:t>
+              <a:t>2/23/2021</a:t>
             </a:fld>
             <a:endParaRPr lang="en-US" dirty="0"/>
           </a:p>
@@ -4722,7 +4722,7 @@
           <a:p>
             <a:fld id="{DB6173FD-197A-4AD6-8D60-38B6A76F0734}" type="datetime1">
               <a:rPr lang="en-US" smtClean="0"/>
-              <a:t>2/9/2021</a:t>
+              <a:t>2/23/2021</a:t>
             </a:fld>
             <a:endParaRPr lang="en-US" dirty="0"/>
           </a:p>
@@ -4813,7 +4813,7 @@
           <a:p>
             <a:fld id="{6BDC3949-07FA-4C7A-A990-D6D1043EED71}" type="datetime1">
               <a:rPr lang="en-US" smtClean="0"/>
-              <a:t>2/9/2021</a:t>
+              <a:t>2/23/2021</a:t>
             </a:fld>
             <a:endParaRPr lang="en-US" dirty="0"/>
           </a:p>
@@ -5092,7 +5092,7 @@
           <a:p>
             <a:fld id="{2E9E2DE8-6D13-4218-A974-D45AA7B6E4FF}" type="datetime1">
               <a:rPr lang="en-US" smtClean="0"/>
-              <a:t>2/9/2021</a:t>
+              <a:t>2/23/2021</a:t>
             </a:fld>
             <a:endParaRPr lang="en-US" dirty="0"/>
           </a:p>
@@ -5379,7 +5379,7 @@
           <a:p>
             <a:fld id="{9CDAB7D7-4BDA-4ABC-B31D-66201C69A314}" type="datetime1">
               <a:rPr lang="en-US" smtClean="0"/>
-              <a:t>2/9/2021</a:t>
+              <a:t>2/23/2021</a:t>
             </a:fld>
             <a:endParaRPr lang="en-US" dirty="0"/>
           </a:p>
@@ -5905,7 +5905,7 @@
           <a:p>
             <a:fld id="{4E3F0A0B-291C-4112-A023-023C51AB2E85}" type="datetime1">
               <a:rPr lang="en-US" smtClean="0"/>
-              <a:t>2/9/2021</a:t>
+              <a:t>2/23/2021</a:t>
             </a:fld>
             <a:endParaRPr lang="en-US" dirty="0"/>
           </a:p>
@@ -6446,10 +6446,10 @@
           <p:cNvPr id="21" name="Rectangle 20">
             <a:extLst>
               <a:ext uri="{FF2B5EF4-FFF2-40B4-BE49-F238E27FC236}">
-                <a16:creationId xmlns:a16="http://schemas.microsoft.com/office/drawing/2014/main" xmlns="" id="{E5A92FE9-DB05-4D0D-AF5A-BE8664B9FFB4}"/>
+                <a16:creationId xmlns="" xmlns:a16="http://schemas.microsoft.com/office/drawing/2014/main" id="{E5A92FE9-DB05-4D0D-AF5A-BE8664B9FFB4}"/>
               </a:ext>
               <a:ext uri="{C183D7F6-B498-43B3-948B-1728B52AA6E4}">
-                <adec:decorative xmlns:adec="http://schemas.microsoft.com/office/drawing/2017/decorative" xmlns="" val="1"/>
+                <adec:decorative xmlns="" xmlns:adec="http://schemas.microsoft.com/office/drawing/2017/decorative" val="1"/>
               </a:ext>
             </a:extLst>
           </p:cNvPr>
@@ -6459,7 +6459,7 @@
           <p:nvPr>
             <p:extLst>
               <p:ext uri="{386F3935-93C4-4BCD-93E2-E3B085C9AB24}">
-                <p16:designElem xmlns:p16="http://schemas.microsoft.com/office/powerpoint/2015/main" xmlns="" val="1"/>
+                <p16:designElem xmlns="" xmlns:p16="http://schemas.microsoft.com/office/powerpoint/2015/main" val="1"/>
               </p:ext>
             </p:extLst>
           </p:nvPr>
@@ -6506,10 +6506,10 @@
           <p:cNvPr id="23" name="Group 22">
             <a:extLst>
               <a:ext uri="{FF2B5EF4-FFF2-40B4-BE49-F238E27FC236}">
-                <a16:creationId xmlns:a16="http://schemas.microsoft.com/office/drawing/2014/main" xmlns="" id="{53D9B26A-5143-49A7-BA98-D871D5BD719A}"/>
+                <a16:creationId xmlns="" xmlns:a16="http://schemas.microsoft.com/office/drawing/2014/main" id="{53D9B26A-5143-49A7-BA98-D871D5BD719A}"/>
               </a:ext>
               <a:ext uri="{C183D7F6-B498-43B3-948B-1728B52AA6E4}">
-                <adec:decorative xmlns:adec="http://schemas.microsoft.com/office/drawing/2017/decorative" xmlns="" val="1"/>
+                <adec:decorative xmlns="" xmlns:adec="http://schemas.microsoft.com/office/drawing/2017/decorative" val="1"/>
               </a:ext>
             </a:extLst>
           </p:cNvPr>
@@ -6519,7 +6519,7 @@
           <p:nvPr>
             <p:extLst>
               <p:ext uri="{386F3935-93C4-4BCD-93E2-E3B085C9AB24}">
-                <p16:designElem xmlns:p16="http://schemas.microsoft.com/office/powerpoint/2015/main" xmlns="" val="1"/>
+                <p16:designElem xmlns="" xmlns:p16="http://schemas.microsoft.com/office/powerpoint/2015/main" val="1"/>
               </p:ext>
             </p:extLst>
           </p:nvPr>
@@ -6537,10 +6537,10 @@
             <p:cNvPr id="24" name="Freeform 6">
               <a:extLst>
                 <a:ext uri="{FF2B5EF4-FFF2-40B4-BE49-F238E27FC236}">
-                  <a16:creationId xmlns:a16="http://schemas.microsoft.com/office/drawing/2014/main" xmlns="" id="{68B85E55-A2A1-4682-B891-F201358A92D5}"/>
+                  <a16:creationId xmlns="" xmlns:a16="http://schemas.microsoft.com/office/drawing/2014/main" id="{68B85E55-A2A1-4682-B891-F201358A92D5}"/>
                 </a:ext>
                 <a:ext uri="{C183D7F6-B498-43B3-948B-1728B52AA6E4}">
-                  <adec:decorative xmlns:adec="http://schemas.microsoft.com/office/drawing/2017/decorative" xmlns="" val="1"/>
+                  <adec:decorative xmlns="" xmlns:adec="http://schemas.microsoft.com/office/drawing/2017/decorative" val="1"/>
                 </a:ext>
               </a:extLst>
             </p:cNvPr>
@@ -6548,7 +6548,7 @@
             <p:nvPr>
               <p:extLst>
                 <p:ext uri="{386F3935-93C4-4BCD-93E2-E3B085C9AB24}">
-                  <p16:designElem xmlns:p16="http://schemas.microsoft.com/office/powerpoint/2015/main" xmlns="" val="1"/>
+                  <p16:designElem xmlns="" xmlns:p16="http://schemas.microsoft.com/office/powerpoint/2015/main" val="1"/>
                 </p:ext>
               </p:extLst>
             </p:nvPr>
@@ -6598,10 +6598,10 @@
             <p:cNvPr id="25" name="Freeform 7">
               <a:extLst>
                 <a:ext uri="{FF2B5EF4-FFF2-40B4-BE49-F238E27FC236}">
-                  <a16:creationId xmlns:a16="http://schemas.microsoft.com/office/drawing/2014/main" xmlns="" id="{45EF6EDB-9B5D-49E9-96FA-1AE08BF95E57}"/>
+                  <a16:creationId xmlns="" xmlns:a16="http://schemas.microsoft.com/office/drawing/2014/main" id="{45EF6EDB-9B5D-49E9-96FA-1AE08BF95E57}"/>
                 </a:ext>
                 <a:ext uri="{C183D7F6-B498-43B3-948B-1728B52AA6E4}">
-                  <adec:decorative xmlns:adec="http://schemas.microsoft.com/office/drawing/2017/decorative" xmlns="" val="1"/>
+                  <adec:decorative xmlns="" xmlns:adec="http://schemas.microsoft.com/office/drawing/2017/decorative" val="1"/>
                 </a:ext>
               </a:extLst>
             </p:cNvPr>
@@ -6609,7 +6609,7 @@
             <p:nvPr>
               <p:extLst>
                 <p:ext uri="{386F3935-93C4-4BCD-93E2-E3B085C9AB24}">
-                  <p16:designElem xmlns:p16="http://schemas.microsoft.com/office/powerpoint/2015/main" xmlns="" val="1"/>
+                  <p16:designElem xmlns="" xmlns:p16="http://schemas.microsoft.com/office/powerpoint/2015/main" val="1"/>
                 </p:ext>
               </p:extLst>
             </p:nvPr>
@@ -6662,10 +6662,10 @@
             <p:cNvPr id="26" name="Freeform 12">
               <a:extLst>
                 <a:ext uri="{FF2B5EF4-FFF2-40B4-BE49-F238E27FC236}">
-                  <a16:creationId xmlns:a16="http://schemas.microsoft.com/office/drawing/2014/main" xmlns="" id="{38338226-D6E2-4EEE-B271-DB4BD096DBA1}"/>
+                  <a16:creationId xmlns="" xmlns:a16="http://schemas.microsoft.com/office/drawing/2014/main" id="{38338226-D6E2-4EEE-B271-DB4BD096DBA1}"/>
                 </a:ext>
                 <a:ext uri="{C183D7F6-B498-43B3-948B-1728B52AA6E4}">
-                  <adec:decorative xmlns:adec="http://schemas.microsoft.com/office/drawing/2017/decorative" xmlns="" val="1"/>
+                  <adec:decorative xmlns="" xmlns:adec="http://schemas.microsoft.com/office/drawing/2017/decorative" val="1"/>
                 </a:ext>
               </a:extLst>
             </p:cNvPr>
@@ -6673,7 +6673,7 @@
             <p:nvPr>
               <p:extLst>
                 <p:ext uri="{386F3935-93C4-4BCD-93E2-E3B085C9AB24}">
-                  <p16:designElem xmlns:p16="http://schemas.microsoft.com/office/powerpoint/2015/main" xmlns="" val="1"/>
+                  <p16:designElem xmlns="" xmlns:p16="http://schemas.microsoft.com/office/powerpoint/2015/main" val="1"/>
                 </p:ext>
               </p:extLst>
             </p:nvPr>
@@ -6720,10 +6720,10 @@
             <p:cNvPr id="27" name="Freeform 13">
               <a:extLst>
                 <a:ext uri="{FF2B5EF4-FFF2-40B4-BE49-F238E27FC236}">
-                  <a16:creationId xmlns:a16="http://schemas.microsoft.com/office/drawing/2014/main" xmlns="" id="{4878FB48-17B3-4A11-8025-DE0945CD4E71}"/>
+                  <a16:creationId xmlns="" xmlns:a16="http://schemas.microsoft.com/office/drawing/2014/main" id="{4878FB48-17B3-4A11-8025-DE0945CD4E71}"/>
                 </a:ext>
                 <a:ext uri="{C183D7F6-B498-43B3-948B-1728B52AA6E4}">
-                  <adec:decorative xmlns:adec="http://schemas.microsoft.com/office/drawing/2017/decorative" xmlns="" val="1"/>
+                  <adec:decorative xmlns="" xmlns:adec="http://schemas.microsoft.com/office/drawing/2017/decorative" val="1"/>
                 </a:ext>
               </a:extLst>
             </p:cNvPr>
@@ -6731,7 +6731,7 @@
             <p:nvPr>
               <p:extLst>
                 <p:ext uri="{386F3935-93C4-4BCD-93E2-E3B085C9AB24}">
-                  <p16:designElem xmlns:p16="http://schemas.microsoft.com/office/powerpoint/2015/main" xmlns="" val="1"/>
+                  <p16:designElem xmlns="" xmlns:p16="http://schemas.microsoft.com/office/powerpoint/2015/main" val="1"/>
                 </p:ext>
               </p:extLst>
             </p:nvPr>
@@ -6780,10 +6780,10 @@
             <p:cNvPr id="28" name="Freeform 14">
               <a:extLst>
                 <a:ext uri="{FF2B5EF4-FFF2-40B4-BE49-F238E27FC236}">
-                  <a16:creationId xmlns:a16="http://schemas.microsoft.com/office/drawing/2014/main" xmlns="" id="{4150A21C-DD6D-4D3C-9E95-7A3CA263BEB9}"/>
+                  <a16:creationId xmlns="" xmlns:a16="http://schemas.microsoft.com/office/drawing/2014/main" id="{4150A21C-DD6D-4D3C-9E95-7A3CA263BEB9}"/>
                 </a:ext>
                 <a:ext uri="{C183D7F6-B498-43B3-948B-1728B52AA6E4}">
-                  <adec:decorative xmlns:adec="http://schemas.microsoft.com/office/drawing/2017/decorative" xmlns="" val="1"/>
+                  <adec:decorative xmlns="" xmlns:adec="http://schemas.microsoft.com/office/drawing/2017/decorative" val="1"/>
                 </a:ext>
               </a:extLst>
             </p:cNvPr>
@@ -6791,7 +6791,7 @@
             <p:nvPr>
               <p:extLst>
                 <p:ext uri="{386F3935-93C4-4BCD-93E2-E3B085C9AB24}">
-                  <p16:designElem xmlns:p16="http://schemas.microsoft.com/office/powerpoint/2015/main" xmlns="" val="1"/>
+                  <p16:designElem xmlns="" xmlns:p16="http://schemas.microsoft.com/office/powerpoint/2015/main" val="1"/>
                 </p:ext>
               </p:extLst>
             </p:nvPr>
@@ -6846,10 +6846,10 @@
             <p:cNvPr id="29" name="Freeform 15">
               <a:extLst>
                 <a:ext uri="{FF2B5EF4-FFF2-40B4-BE49-F238E27FC236}">
-                  <a16:creationId xmlns:a16="http://schemas.microsoft.com/office/drawing/2014/main" xmlns="" id="{7505BF04-104D-4180-A284-42FCD6B04DD6}"/>
+                  <a16:creationId xmlns="" xmlns:a16="http://schemas.microsoft.com/office/drawing/2014/main" id="{7505BF04-104D-4180-A284-42FCD6B04DD6}"/>
                 </a:ext>
                 <a:ext uri="{C183D7F6-B498-43B3-948B-1728B52AA6E4}">
-                  <adec:decorative xmlns:adec="http://schemas.microsoft.com/office/drawing/2017/decorative" xmlns="" val="1"/>
+                  <adec:decorative xmlns="" xmlns:adec="http://schemas.microsoft.com/office/drawing/2017/decorative" val="1"/>
                 </a:ext>
               </a:extLst>
             </p:cNvPr>
@@ -6857,7 +6857,7 @@
             <p:nvPr>
               <p:extLst>
                 <p:ext uri="{386F3935-93C4-4BCD-93E2-E3B085C9AB24}">
-                  <p16:designElem xmlns:p16="http://schemas.microsoft.com/office/powerpoint/2015/main" xmlns="" val="1"/>
+                  <p16:designElem xmlns="" xmlns:p16="http://schemas.microsoft.com/office/powerpoint/2015/main" val="1"/>
                 </p:ext>
               </p:extLst>
             </p:nvPr>
@@ -6917,7 +6917,7 @@
           <p:cNvPr id="2" name="Title 1">
             <a:extLst>
               <a:ext uri="{FF2B5EF4-FFF2-40B4-BE49-F238E27FC236}">
-                <a16:creationId xmlns:a16="http://schemas.microsoft.com/office/drawing/2014/main" xmlns="" id="{652CD06E-EB43-4697-A9C1-290232C3BAD6}"/>
+                <a16:creationId xmlns="" xmlns:a16="http://schemas.microsoft.com/office/drawing/2014/main" id="{652CD06E-EB43-4697-A9C1-290232C3BAD6}"/>
               </a:ext>
             </a:extLst>
           </p:cNvPr>
@@ -6953,7 +6953,7 @@
           <p:cNvPr id="3" name="Subtitle 2">
             <a:extLst>
               <a:ext uri="{FF2B5EF4-FFF2-40B4-BE49-F238E27FC236}">
-                <a16:creationId xmlns:a16="http://schemas.microsoft.com/office/drawing/2014/main" xmlns="" id="{1FBBDE4E-FFA3-44D5-BA0B-7575E2214B7C}"/>
+                <a16:creationId xmlns="" xmlns:a16="http://schemas.microsoft.com/office/drawing/2014/main" id="{1FBBDE4E-FFA3-44D5-BA0B-7575E2214B7C}"/>
               </a:ext>
             </a:extLst>
           </p:cNvPr>
@@ -7027,10 +7027,10 @@
           <p:cNvPr id="21" name="Rectangle 20">
             <a:extLst>
               <a:ext uri="{FF2B5EF4-FFF2-40B4-BE49-F238E27FC236}">
-                <a16:creationId xmlns:a16="http://schemas.microsoft.com/office/drawing/2014/main" xmlns="" id="{99CAC3B1-4879-424D-8F15-206277196159}"/>
+                <a16:creationId xmlns="" xmlns:a16="http://schemas.microsoft.com/office/drawing/2014/main" id="{99CAC3B1-4879-424D-8F15-206277196159}"/>
               </a:ext>
               <a:ext uri="{C183D7F6-B498-43B3-948B-1728B52AA6E4}">
-                <adec:decorative xmlns:adec="http://schemas.microsoft.com/office/drawing/2017/decorative" xmlns="" val="1"/>
+                <adec:decorative xmlns="" xmlns:adec="http://schemas.microsoft.com/office/drawing/2017/decorative" val="1"/>
               </a:ext>
             </a:extLst>
           </p:cNvPr>
@@ -7040,7 +7040,7 @@
           <p:nvPr>
             <p:extLst>
               <p:ext uri="{386F3935-93C4-4BCD-93E2-E3B085C9AB24}">
-                <p16:designElem xmlns:p16="http://schemas.microsoft.com/office/powerpoint/2015/main" xmlns="" val="1"/>
+                <p16:designElem xmlns="" xmlns:p16="http://schemas.microsoft.com/office/powerpoint/2015/main" val="1"/>
               </p:ext>
             </p:extLst>
           </p:nvPr>
@@ -7087,10 +7087,10 @@
           <p:cNvPr id="23" name="Group 22">
             <a:extLst>
               <a:ext uri="{FF2B5EF4-FFF2-40B4-BE49-F238E27FC236}">
-                <a16:creationId xmlns:a16="http://schemas.microsoft.com/office/drawing/2014/main" xmlns="" id="{4B8492CB-DFBA-4A82-9778-F21493DA36C1}"/>
+                <a16:creationId xmlns="" xmlns:a16="http://schemas.microsoft.com/office/drawing/2014/main" id="{4B8492CB-DFBA-4A82-9778-F21493DA36C1}"/>
               </a:ext>
               <a:ext uri="{C183D7F6-B498-43B3-948B-1728B52AA6E4}">
-                <adec:decorative xmlns:adec="http://schemas.microsoft.com/office/drawing/2017/decorative" xmlns="" val="1"/>
+                <adec:decorative xmlns="" xmlns:adec="http://schemas.microsoft.com/office/drawing/2017/decorative" val="1"/>
               </a:ext>
             </a:extLst>
           </p:cNvPr>
@@ -7100,7 +7100,7 @@
           <p:nvPr>
             <p:extLst>
               <p:ext uri="{386F3935-93C4-4BCD-93E2-E3B085C9AB24}">
-                <p16:designElem xmlns:p16="http://schemas.microsoft.com/office/powerpoint/2015/main" xmlns="" val="1"/>
+                <p16:designElem xmlns="" xmlns:p16="http://schemas.microsoft.com/office/powerpoint/2015/main" val="1"/>
               </p:ext>
             </p:extLst>
           </p:nvPr>
@@ -7118,10 +7118,10 @@
             <p:cNvPr id="24" name="Freeform 6">
               <a:extLst>
                 <a:ext uri="{FF2B5EF4-FFF2-40B4-BE49-F238E27FC236}">
-                  <a16:creationId xmlns:a16="http://schemas.microsoft.com/office/drawing/2014/main" xmlns="" id="{E34CC1C8-EBDD-4AEA-83E6-B27575B62E2E}"/>
+                  <a16:creationId xmlns="" xmlns:a16="http://schemas.microsoft.com/office/drawing/2014/main" id="{E34CC1C8-EBDD-4AEA-83E6-B27575B62E2E}"/>
                 </a:ext>
                 <a:ext uri="{C183D7F6-B498-43B3-948B-1728B52AA6E4}">
-                  <adec:decorative xmlns:adec="http://schemas.microsoft.com/office/drawing/2017/decorative" xmlns="" val="1"/>
+                  <adec:decorative xmlns="" xmlns:adec="http://schemas.microsoft.com/office/drawing/2017/decorative" val="1"/>
                 </a:ext>
               </a:extLst>
             </p:cNvPr>
@@ -7129,7 +7129,7 @@
             <p:nvPr>
               <p:extLst>
                 <p:ext uri="{386F3935-93C4-4BCD-93E2-E3B085C9AB24}">
-                  <p16:designElem xmlns:p16="http://schemas.microsoft.com/office/powerpoint/2015/main" xmlns="" val="1"/>
+                  <p16:designElem xmlns="" xmlns:p16="http://schemas.microsoft.com/office/powerpoint/2015/main" val="1"/>
                 </p:ext>
               </p:extLst>
             </p:nvPr>
@@ -7179,10 +7179,10 @@
             <p:cNvPr id="25" name="Freeform 7">
               <a:extLst>
                 <a:ext uri="{FF2B5EF4-FFF2-40B4-BE49-F238E27FC236}">
-                  <a16:creationId xmlns:a16="http://schemas.microsoft.com/office/drawing/2014/main" xmlns="" id="{D6B38644-B85D-4211-9526-5B4C2A662BF7}"/>
+                  <a16:creationId xmlns="" xmlns:a16="http://schemas.microsoft.com/office/drawing/2014/main" id="{D6B38644-B85D-4211-9526-5B4C2A662BF7}"/>
                 </a:ext>
                 <a:ext uri="{C183D7F6-B498-43B3-948B-1728B52AA6E4}">
-                  <adec:decorative xmlns:adec="http://schemas.microsoft.com/office/drawing/2017/decorative" xmlns="" val="1"/>
+                  <adec:decorative xmlns="" xmlns:adec="http://schemas.microsoft.com/office/drawing/2017/decorative" val="1"/>
                 </a:ext>
               </a:extLst>
             </p:cNvPr>
@@ -7190,7 +7190,7 @@
             <p:nvPr>
               <p:extLst>
                 <p:ext uri="{386F3935-93C4-4BCD-93E2-E3B085C9AB24}">
-                  <p16:designElem xmlns:p16="http://schemas.microsoft.com/office/powerpoint/2015/main" xmlns="" val="1"/>
+                  <p16:designElem xmlns="" xmlns:p16="http://schemas.microsoft.com/office/powerpoint/2015/main" val="1"/>
                 </p:ext>
               </p:extLst>
             </p:nvPr>
@@ -7243,10 +7243,10 @@
             <p:cNvPr id="26" name="Freeform 12">
               <a:extLst>
                 <a:ext uri="{FF2B5EF4-FFF2-40B4-BE49-F238E27FC236}">
-                  <a16:creationId xmlns:a16="http://schemas.microsoft.com/office/drawing/2014/main" xmlns="" id="{8A8B2820-6B8F-4C19-BFC5-D28EE44E54CB}"/>
+                  <a16:creationId xmlns="" xmlns:a16="http://schemas.microsoft.com/office/drawing/2014/main" id="{8A8B2820-6B8F-4C19-BFC5-D28EE44E54CB}"/>
                 </a:ext>
                 <a:ext uri="{C183D7F6-B498-43B3-948B-1728B52AA6E4}">
-                  <adec:decorative xmlns:adec="http://schemas.microsoft.com/office/drawing/2017/decorative" xmlns="" val="1"/>
+                  <adec:decorative xmlns="" xmlns:adec="http://schemas.microsoft.com/office/drawing/2017/decorative" val="1"/>
                 </a:ext>
               </a:extLst>
             </p:cNvPr>
@@ -7254,7 +7254,7 @@
             <p:nvPr>
               <p:extLst>
                 <p:ext uri="{386F3935-93C4-4BCD-93E2-E3B085C9AB24}">
-                  <p16:designElem xmlns:p16="http://schemas.microsoft.com/office/powerpoint/2015/main" xmlns="" val="1"/>
+                  <p16:designElem xmlns="" xmlns:p16="http://schemas.microsoft.com/office/powerpoint/2015/main" val="1"/>
                 </p:ext>
               </p:extLst>
             </p:nvPr>
@@ -7301,10 +7301,10 @@
             <p:cNvPr id="27" name="Freeform 13">
               <a:extLst>
                 <a:ext uri="{FF2B5EF4-FFF2-40B4-BE49-F238E27FC236}">
-                  <a16:creationId xmlns:a16="http://schemas.microsoft.com/office/drawing/2014/main" xmlns="" id="{773528ED-4D37-4A77-A8CA-86B6221C5E82}"/>
+                  <a16:creationId xmlns="" xmlns:a16="http://schemas.microsoft.com/office/drawing/2014/main" id="{773528ED-4D37-4A77-A8CA-86B6221C5E82}"/>
                 </a:ext>
                 <a:ext uri="{C183D7F6-B498-43B3-948B-1728B52AA6E4}">
-                  <adec:decorative xmlns:adec="http://schemas.microsoft.com/office/drawing/2017/decorative" xmlns="" val="1"/>
+                  <adec:decorative xmlns="" xmlns:adec="http://schemas.microsoft.com/office/drawing/2017/decorative" val="1"/>
                 </a:ext>
               </a:extLst>
             </p:cNvPr>
@@ -7312,7 +7312,7 @@
             <p:nvPr>
               <p:extLst>
                 <p:ext uri="{386F3935-93C4-4BCD-93E2-E3B085C9AB24}">
-                  <p16:designElem xmlns:p16="http://schemas.microsoft.com/office/powerpoint/2015/main" xmlns="" val="1"/>
+                  <p16:designElem xmlns="" xmlns:p16="http://schemas.microsoft.com/office/powerpoint/2015/main" val="1"/>
                 </p:ext>
               </p:extLst>
             </p:nvPr>
@@ -7361,10 +7361,10 @@
             <p:cNvPr id="28" name="Freeform 14">
               <a:extLst>
                 <a:ext uri="{FF2B5EF4-FFF2-40B4-BE49-F238E27FC236}">
-                  <a16:creationId xmlns:a16="http://schemas.microsoft.com/office/drawing/2014/main" xmlns="" id="{8A58A902-E944-4399-9A93-A91A6A82B166}"/>
+                  <a16:creationId xmlns="" xmlns:a16="http://schemas.microsoft.com/office/drawing/2014/main" id="{8A58A902-E944-4399-9A93-A91A6A82B166}"/>
                 </a:ext>
                 <a:ext uri="{C183D7F6-B498-43B3-948B-1728B52AA6E4}">
-                  <adec:decorative xmlns:adec="http://schemas.microsoft.com/office/drawing/2017/decorative" xmlns="" val="1"/>
+                  <adec:decorative xmlns="" xmlns:adec="http://schemas.microsoft.com/office/drawing/2017/decorative" val="1"/>
                 </a:ext>
               </a:extLst>
             </p:cNvPr>
@@ -7372,7 +7372,7 @@
             <p:nvPr>
               <p:extLst>
                 <p:ext uri="{386F3935-93C4-4BCD-93E2-E3B085C9AB24}">
-                  <p16:designElem xmlns:p16="http://schemas.microsoft.com/office/powerpoint/2015/main" xmlns="" val="1"/>
+                  <p16:designElem xmlns="" xmlns:p16="http://schemas.microsoft.com/office/powerpoint/2015/main" val="1"/>
                 </p:ext>
               </p:extLst>
             </p:nvPr>
@@ -7427,10 +7427,10 @@
             <p:cNvPr id="29" name="Freeform 15">
               <a:extLst>
                 <a:ext uri="{FF2B5EF4-FFF2-40B4-BE49-F238E27FC236}">
-                  <a16:creationId xmlns:a16="http://schemas.microsoft.com/office/drawing/2014/main" xmlns="" id="{4EDB1155-2E8E-4FB8-AD42-101FE4383231}"/>
+                  <a16:creationId xmlns="" xmlns:a16="http://schemas.microsoft.com/office/drawing/2014/main" id="{4EDB1155-2E8E-4FB8-AD42-101FE4383231}"/>
                 </a:ext>
                 <a:ext uri="{C183D7F6-B498-43B3-948B-1728B52AA6E4}">
-                  <adec:decorative xmlns:adec="http://schemas.microsoft.com/office/drawing/2017/decorative" xmlns="" val="1"/>
+                  <adec:decorative xmlns="" xmlns:adec="http://schemas.microsoft.com/office/drawing/2017/decorative" val="1"/>
                 </a:ext>
               </a:extLst>
             </p:cNvPr>
@@ -7438,7 +7438,7 @@
             <p:nvPr>
               <p:extLst>
                 <p:ext uri="{386F3935-93C4-4BCD-93E2-E3B085C9AB24}">
-                  <p16:designElem xmlns:p16="http://schemas.microsoft.com/office/powerpoint/2015/main" xmlns="" val="1"/>
+                  <p16:designElem xmlns="" xmlns:p16="http://schemas.microsoft.com/office/powerpoint/2015/main" val="1"/>
                 </p:ext>
               </p:extLst>
             </p:nvPr>
@@ -7498,7 +7498,7 @@
           <p:cNvPr id="2" name="Title 1">
             <a:extLst>
               <a:ext uri="{FF2B5EF4-FFF2-40B4-BE49-F238E27FC236}">
-                <a16:creationId xmlns:a16="http://schemas.microsoft.com/office/drawing/2014/main" xmlns="" id="{C7492CCE-C435-464E-A19A-D4C606FDBE3D}"/>
+                <a16:creationId xmlns="" xmlns:a16="http://schemas.microsoft.com/office/drawing/2014/main" id="{C7492CCE-C435-464E-A19A-D4C606FDBE3D}"/>
               </a:ext>
             </a:extLst>
           </p:cNvPr>
@@ -7534,7 +7534,7 @@
           <p:cNvPr id="3" name="Content Placeholder 2">
             <a:extLst>
               <a:ext uri="{FF2B5EF4-FFF2-40B4-BE49-F238E27FC236}">
-                <a16:creationId xmlns:a16="http://schemas.microsoft.com/office/drawing/2014/main" xmlns="" id="{60DFF4FA-F598-4962-B6AB-31A8BE724E52}"/>
+                <a16:creationId xmlns="" xmlns:a16="http://schemas.microsoft.com/office/drawing/2014/main" id="{60DFF4FA-F598-4962-B6AB-31A8BE724E52}"/>
               </a:ext>
             </a:extLst>
           </p:cNvPr>
@@ -7638,10 +7638,10 @@
           <p:cNvPr id="21" name="Rectangle 20">
             <a:extLst>
               <a:ext uri="{FF2B5EF4-FFF2-40B4-BE49-F238E27FC236}">
-                <a16:creationId xmlns:a16="http://schemas.microsoft.com/office/drawing/2014/main" xmlns="" id="{99CAC3B1-4879-424D-8F15-206277196159}"/>
+                <a16:creationId xmlns="" xmlns:a16="http://schemas.microsoft.com/office/drawing/2014/main" id="{99CAC3B1-4879-424D-8F15-206277196159}"/>
               </a:ext>
               <a:ext uri="{C183D7F6-B498-43B3-948B-1728B52AA6E4}">
-                <adec:decorative xmlns:adec="http://schemas.microsoft.com/office/drawing/2017/decorative" xmlns="" val="1"/>
+                <adec:decorative xmlns="" xmlns:adec="http://schemas.microsoft.com/office/drawing/2017/decorative" val="1"/>
               </a:ext>
             </a:extLst>
           </p:cNvPr>
@@ -7651,7 +7651,7 @@
           <p:nvPr>
             <p:extLst>
               <p:ext uri="{386F3935-93C4-4BCD-93E2-E3B085C9AB24}">
-                <p16:designElem xmlns:p16="http://schemas.microsoft.com/office/powerpoint/2015/main" xmlns="" val="1"/>
+                <p16:designElem xmlns="" xmlns:p16="http://schemas.microsoft.com/office/powerpoint/2015/main" val="1"/>
               </p:ext>
             </p:extLst>
           </p:nvPr>
@@ -7698,10 +7698,10 @@
           <p:cNvPr id="23" name="Group 22">
             <a:extLst>
               <a:ext uri="{FF2B5EF4-FFF2-40B4-BE49-F238E27FC236}">
-                <a16:creationId xmlns:a16="http://schemas.microsoft.com/office/drawing/2014/main" xmlns="" id="{4B8492CB-DFBA-4A82-9778-F21493DA36C1}"/>
+                <a16:creationId xmlns="" xmlns:a16="http://schemas.microsoft.com/office/drawing/2014/main" id="{4B8492CB-DFBA-4A82-9778-F21493DA36C1}"/>
               </a:ext>
               <a:ext uri="{C183D7F6-B498-43B3-948B-1728B52AA6E4}">
-                <adec:decorative xmlns:adec="http://schemas.microsoft.com/office/drawing/2017/decorative" xmlns="" val="1"/>
+                <adec:decorative xmlns="" xmlns:adec="http://schemas.microsoft.com/office/drawing/2017/decorative" val="1"/>
               </a:ext>
             </a:extLst>
           </p:cNvPr>
@@ -7711,7 +7711,7 @@
           <p:nvPr>
             <p:extLst>
               <p:ext uri="{386F3935-93C4-4BCD-93E2-E3B085C9AB24}">
-                <p16:designElem xmlns:p16="http://schemas.microsoft.com/office/powerpoint/2015/main" xmlns="" val="1"/>
+                <p16:designElem xmlns="" xmlns:p16="http://schemas.microsoft.com/office/powerpoint/2015/main" val="1"/>
               </p:ext>
             </p:extLst>
           </p:nvPr>
@@ -7729,10 +7729,10 @@
             <p:cNvPr id="24" name="Freeform 6">
               <a:extLst>
                 <a:ext uri="{FF2B5EF4-FFF2-40B4-BE49-F238E27FC236}">
-                  <a16:creationId xmlns:a16="http://schemas.microsoft.com/office/drawing/2014/main" xmlns="" id="{E34CC1C8-EBDD-4AEA-83E6-B27575B62E2E}"/>
+                  <a16:creationId xmlns="" xmlns:a16="http://schemas.microsoft.com/office/drawing/2014/main" id="{E34CC1C8-EBDD-4AEA-83E6-B27575B62E2E}"/>
                 </a:ext>
                 <a:ext uri="{C183D7F6-B498-43B3-948B-1728B52AA6E4}">
-                  <adec:decorative xmlns:adec="http://schemas.microsoft.com/office/drawing/2017/decorative" xmlns="" val="1"/>
+                  <adec:decorative xmlns="" xmlns:adec="http://schemas.microsoft.com/office/drawing/2017/decorative" val="1"/>
                 </a:ext>
               </a:extLst>
             </p:cNvPr>
@@ -7740,7 +7740,7 @@
             <p:nvPr>
               <p:extLst>
                 <p:ext uri="{386F3935-93C4-4BCD-93E2-E3B085C9AB24}">
-                  <p16:designElem xmlns:p16="http://schemas.microsoft.com/office/powerpoint/2015/main" xmlns="" val="1"/>
+                  <p16:designElem xmlns="" xmlns:p16="http://schemas.microsoft.com/office/powerpoint/2015/main" val="1"/>
                 </p:ext>
               </p:extLst>
             </p:nvPr>
@@ -7790,10 +7790,10 @@
             <p:cNvPr id="25" name="Freeform 7">
               <a:extLst>
                 <a:ext uri="{FF2B5EF4-FFF2-40B4-BE49-F238E27FC236}">
-                  <a16:creationId xmlns:a16="http://schemas.microsoft.com/office/drawing/2014/main" xmlns="" id="{D6B38644-B85D-4211-9526-5B4C2A662BF7}"/>
+                  <a16:creationId xmlns="" xmlns:a16="http://schemas.microsoft.com/office/drawing/2014/main" id="{D6B38644-B85D-4211-9526-5B4C2A662BF7}"/>
                 </a:ext>
                 <a:ext uri="{C183D7F6-B498-43B3-948B-1728B52AA6E4}">
-                  <adec:decorative xmlns:adec="http://schemas.microsoft.com/office/drawing/2017/decorative" xmlns="" val="1"/>
+                  <adec:decorative xmlns="" xmlns:adec="http://schemas.microsoft.com/office/drawing/2017/decorative" val="1"/>
                 </a:ext>
               </a:extLst>
             </p:cNvPr>
@@ -7801,7 +7801,7 @@
             <p:nvPr>
               <p:extLst>
                 <p:ext uri="{386F3935-93C4-4BCD-93E2-E3B085C9AB24}">
-                  <p16:designElem xmlns:p16="http://schemas.microsoft.com/office/powerpoint/2015/main" xmlns="" val="1"/>
+                  <p16:designElem xmlns="" xmlns:p16="http://schemas.microsoft.com/office/powerpoint/2015/main" val="1"/>
                 </p:ext>
               </p:extLst>
             </p:nvPr>
@@ -7854,10 +7854,10 @@
             <p:cNvPr id="26" name="Freeform 12">
               <a:extLst>
                 <a:ext uri="{FF2B5EF4-FFF2-40B4-BE49-F238E27FC236}">
-                  <a16:creationId xmlns:a16="http://schemas.microsoft.com/office/drawing/2014/main" xmlns="" id="{8A8B2820-6B8F-4C19-BFC5-D28EE44E54CB}"/>
+                  <a16:creationId xmlns="" xmlns:a16="http://schemas.microsoft.com/office/drawing/2014/main" id="{8A8B2820-6B8F-4C19-BFC5-D28EE44E54CB}"/>
                 </a:ext>
                 <a:ext uri="{C183D7F6-B498-43B3-948B-1728B52AA6E4}">
-                  <adec:decorative xmlns:adec="http://schemas.microsoft.com/office/drawing/2017/decorative" xmlns="" val="1"/>
+                  <adec:decorative xmlns="" xmlns:adec="http://schemas.microsoft.com/office/drawing/2017/decorative" val="1"/>
                 </a:ext>
               </a:extLst>
             </p:cNvPr>
@@ -7865,7 +7865,7 @@
             <p:nvPr>
               <p:extLst>
                 <p:ext uri="{386F3935-93C4-4BCD-93E2-E3B085C9AB24}">
-                  <p16:designElem xmlns:p16="http://schemas.microsoft.com/office/powerpoint/2015/main" xmlns="" val="1"/>
+                  <p16:designElem xmlns="" xmlns:p16="http://schemas.microsoft.com/office/powerpoint/2015/main" val="1"/>
                 </p:ext>
               </p:extLst>
             </p:nvPr>
@@ -7912,10 +7912,10 @@
             <p:cNvPr id="27" name="Freeform 13">
               <a:extLst>
                 <a:ext uri="{FF2B5EF4-FFF2-40B4-BE49-F238E27FC236}">
-                  <a16:creationId xmlns:a16="http://schemas.microsoft.com/office/drawing/2014/main" xmlns="" id="{773528ED-4D37-4A77-A8CA-86B6221C5E82}"/>
+                  <a16:creationId xmlns="" xmlns:a16="http://schemas.microsoft.com/office/drawing/2014/main" id="{773528ED-4D37-4A77-A8CA-86B6221C5E82}"/>
                 </a:ext>
                 <a:ext uri="{C183D7F6-B498-43B3-948B-1728B52AA6E4}">
-                  <adec:decorative xmlns:adec="http://schemas.microsoft.com/office/drawing/2017/decorative" xmlns="" val="1"/>
+                  <adec:decorative xmlns="" xmlns:adec="http://schemas.microsoft.com/office/drawing/2017/decorative" val="1"/>
                 </a:ext>
               </a:extLst>
             </p:cNvPr>
@@ -7923,7 +7923,7 @@
             <p:nvPr>
               <p:extLst>
                 <p:ext uri="{386F3935-93C4-4BCD-93E2-E3B085C9AB24}">
-                  <p16:designElem xmlns:p16="http://schemas.microsoft.com/office/powerpoint/2015/main" xmlns="" val="1"/>
+                  <p16:designElem xmlns="" xmlns:p16="http://schemas.microsoft.com/office/powerpoint/2015/main" val="1"/>
                 </p:ext>
               </p:extLst>
             </p:nvPr>
@@ -7972,10 +7972,10 @@
             <p:cNvPr id="28" name="Freeform 14">
               <a:extLst>
                 <a:ext uri="{FF2B5EF4-FFF2-40B4-BE49-F238E27FC236}">
-                  <a16:creationId xmlns:a16="http://schemas.microsoft.com/office/drawing/2014/main" xmlns="" id="{8A58A902-E944-4399-9A93-A91A6A82B166}"/>
+                  <a16:creationId xmlns="" xmlns:a16="http://schemas.microsoft.com/office/drawing/2014/main" id="{8A58A902-E944-4399-9A93-A91A6A82B166}"/>
                 </a:ext>
                 <a:ext uri="{C183D7F6-B498-43B3-948B-1728B52AA6E4}">
-                  <adec:decorative xmlns:adec="http://schemas.microsoft.com/office/drawing/2017/decorative" xmlns="" val="1"/>
+                  <adec:decorative xmlns="" xmlns:adec="http://schemas.microsoft.com/office/drawing/2017/decorative" val="1"/>
                 </a:ext>
               </a:extLst>
             </p:cNvPr>
@@ -7983,7 +7983,7 @@
             <p:nvPr>
               <p:extLst>
                 <p:ext uri="{386F3935-93C4-4BCD-93E2-E3B085C9AB24}">
-                  <p16:designElem xmlns:p16="http://schemas.microsoft.com/office/powerpoint/2015/main" xmlns="" val="1"/>
+                  <p16:designElem xmlns="" xmlns:p16="http://schemas.microsoft.com/office/powerpoint/2015/main" val="1"/>
                 </p:ext>
               </p:extLst>
             </p:nvPr>
@@ -8038,10 +8038,10 @@
             <p:cNvPr id="29" name="Freeform 15">
               <a:extLst>
                 <a:ext uri="{FF2B5EF4-FFF2-40B4-BE49-F238E27FC236}">
-                  <a16:creationId xmlns:a16="http://schemas.microsoft.com/office/drawing/2014/main" xmlns="" id="{4EDB1155-2E8E-4FB8-AD42-101FE4383231}"/>
+                  <a16:creationId xmlns="" xmlns:a16="http://schemas.microsoft.com/office/drawing/2014/main" id="{4EDB1155-2E8E-4FB8-AD42-101FE4383231}"/>
                 </a:ext>
                 <a:ext uri="{C183D7F6-B498-43B3-948B-1728B52AA6E4}">
-                  <adec:decorative xmlns:adec="http://schemas.microsoft.com/office/drawing/2017/decorative" xmlns="" val="1"/>
+                  <adec:decorative xmlns="" xmlns:adec="http://schemas.microsoft.com/office/drawing/2017/decorative" val="1"/>
                 </a:ext>
               </a:extLst>
             </p:cNvPr>
@@ -8049,7 +8049,7 @@
             <p:nvPr>
               <p:extLst>
                 <p:ext uri="{386F3935-93C4-4BCD-93E2-E3B085C9AB24}">
-                  <p16:designElem xmlns:p16="http://schemas.microsoft.com/office/powerpoint/2015/main" xmlns="" val="1"/>
+                  <p16:designElem xmlns="" xmlns:p16="http://schemas.microsoft.com/office/powerpoint/2015/main" val="1"/>
                 </p:ext>
               </p:extLst>
             </p:nvPr>
@@ -8109,7 +8109,7 @@
           <p:cNvPr id="2" name="Title 1">
             <a:extLst>
               <a:ext uri="{FF2B5EF4-FFF2-40B4-BE49-F238E27FC236}">
-                <a16:creationId xmlns:a16="http://schemas.microsoft.com/office/drawing/2014/main" xmlns="" id="{C7492CCE-C435-464E-A19A-D4C606FDBE3D}"/>
+                <a16:creationId xmlns="" xmlns:a16="http://schemas.microsoft.com/office/drawing/2014/main" id="{C7492CCE-C435-464E-A19A-D4C606FDBE3D}"/>
               </a:ext>
             </a:extLst>
           </p:cNvPr>
@@ -8142,7 +8142,7 @@
           <p:cNvPr id="3" name="Content Placeholder 2">
             <a:extLst>
               <a:ext uri="{FF2B5EF4-FFF2-40B4-BE49-F238E27FC236}">
-                <a16:creationId xmlns:a16="http://schemas.microsoft.com/office/drawing/2014/main" xmlns="" id="{60DFF4FA-F598-4962-B6AB-31A8BE724E52}"/>
+                <a16:creationId xmlns="" xmlns:a16="http://schemas.microsoft.com/office/drawing/2014/main" id="{60DFF4FA-F598-4962-B6AB-31A8BE724E52}"/>
               </a:ext>
             </a:extLst>
           </p:cNvPr>
@@ -8174,7 +8174,7 @@
           <p:cNvPr id="5" name="TextBox 4">
             <a:extLst>
               <a:ext uri="{FF2B5EF4-FFF2-40B4-BE49-F238E27FC236}">
-                <a16:creationId xmlns:a16="http://schemas.microsoft.com/office/drawing/2014/main" xmlns="" id="{466A409B-90E2-4ACB-8A16-0329B5CEE6DF}"/>
+                <a16:creationId xmlns="" xmlns:a16="http://schemas.microsoft.com/office/drawing/2014/main" id="{466A409B-90E2-4ACB-8A16-0329B5CEE6DF}"/>
               </a:ext>
             </a:extLst>
           </p:cNvPr>
@@ -8225,7 +8225,7 @@
           <p:cNvPr id="7" name="Straight Arrow Connector 6">
             <a:extLst>
               <a:ext uri="{FF2B5EF4-FFF2-40B4-BE49-F238E27FC236}">
-                <a16:creationId xmlns:a16="http://schemas.microsoft.com/office/drawing/2014/main" xmlns="" id="{6C986E87-252D-4CDD-90A3-050A5080DF44}"/>
+                <a16:creationId xmlns="" xmlns:a16="http://schemas.microsoft.com/office/drawing/2014/main" id="{6C986E87-252D-4CDD-90A3-050A5080DF44}"/>
               </a:ext>
             </a:extLst>
           </p:cNvPr>
@@ -8266,7 +8266,7 @@
           <p:cNvPr id="17" name="Straight Arrow Connector 16">
             <a:extLst>
               <a:ext uri="{FF2B5EF4-FFF2-40B4-BE49-F238E27FC236}">
-                <a16:creationId xmlns:a16="http://schemas.microsoft.com/office/drawing/2014/main" xmlns="" id="{8B32EEAB-6F30-4731-8D76-02708A63C23C}"/>
+                <a16:creationId xmlns="" xmlns:a16="http://schemas.microsoft.com/office/drawing/2014/main" id="{8B32EEAB-6F30-4731-8D76-02708A63C23C}"/>
               </a:ext>
             </a:extLst>
           </p:cNvPr>
@@ -8307,7 +8307,7 @@
           <p:cNvPr id="18" name="Straight Arrow Connector 17">
             <a:extLst>
               <a:ext uri="{FF2B5EF4-FFF2-40B4-BE49-F238E27FC236}">
-                <a16:creationId xmlns:a16="http://schemas.microsoft.com/office/drawing/2014/main" xmlns="" id="{E930BBA9-7BA1-48A0-A9E1-F9545CD11BAA}"/>
+                <a16:creationId xmlns="" xmlns:a16="http://schemas.microsoft.com/office/drawing/2014/main" id="{E930BBA9-7BA1-48A0-A9E1-F9545CD11BAA}"/>
               </a:ext>
             </a:extLst>
           </p:cNvPr>
@@ -8348,7 +8348,7 @@
           <p:cNvPr id="19" name="Straight Arrow Connector 18">
             <a:extLst>
               <a:ext uri="{FF2B5EF4-FFF2-40B4-BE49-F238E27FC236}">
-                <a16:creationId xmlns:a16="http://schemas.microsoft.com/office/drawing/2014/main" xmlns="" id="{72D8D5ED-08A2-4E59-AA33-3E70202E855D}"/>
+                <a16:creationId xmlns="" xmlns:a16="http://schemas.microsoft.com/office/drawing/2014/main" id="{72D8D5ED-08A2-4E59-AA33-3E70202E855D}"/>
               </a:ext>
             </a:extLst>
           </p:cNvPr>
@@ -8427,10 +8427,10 @@
           <p:cNvPr id="21" name="Rectangle 20">
             <a:extLst>
               <a:ext uri="{FF2B5EF4-FFF2-40B4-BE49-F238E27FC236}">
-                <a16:creationId xmlns:a16="http://schemas.microsoft.com/office/drawing/2014/main" xmlns="" id="{99CAC3B1-4879-424D-8F15-206277196159}"/>
+                <a16:creationId xmlns="" xmlns:a16="http://schemas.microsoft.com/office/drawing/2014/main" id="{99CAC3B1-4879-424D-8F15-206277196159}"/>
               </a:ext>
               <a:ext uri="{C183D7F6-B498-43B3-948B-1728B52AA6E4}">
-                <adec:decorative xmlns:adec="http://schemas.microsoft.com/office/drawing/2017/decorative" xmlns="" val="1"/>
+                <adec:decorative xmlns="" xmlns:adec="http://schemas.microsoft.com/office/drawing/2017/decorative" val="1"/>
               </a:ext>
             </a:extLst>
           </p:cNvPr>
@@ -8440,7 +8440,7 @@
           <p:nvPr>
             <p:extLst>
               <p:ext uri="{386F3935-93C4-4BCD-93E2-E3B085C9AB24}">
-                <p16:designElem xmlns:p16="http://schemas.microsoft.com/office/powerpoint/2015/main" xmlns="" val="1"/>
+                <p16:designElem xmlns="" xmlns:p16="http://schemas.microsoft.com/office/powerpoint/2015/main" val="1"/>
               </p:ext>
             </p:extLst>
           </p:nvPr>
@@ -8487,10 +8487,10 @@
           <p:cNvPr id="23" name="Group 22">
             <a:extLst>
               <a:ext uri="{FF2B5EF4-FFF2-40B4-BE49-F238E27FC236}">
-                <a16:creationId xmlns:a16="http://schemas.microsoft.com/office/drawing/2014/main" xmlns="" id="{4B8492CB-DFBA-4A82-9778-F21493DA36C1}"/>
+                <a16:creationId xmlns="" xmlns:a16="http://schemas.microsoft.com/office/drawing/2014/main" id="{4B8492CB-DFBA-4A82-9778-F21493DA36C1}"/>
               </a:ext>
               <a:ext uri="{C183D7F6-B498-43B3-948B-1728B52AA6E4}">
-                <adec:decorative xmlns:adec="http://schemas.microsoft.com/office/drawing/2017/decorative" xmlns="" val="1"/>
+                <adec:decorative xmlns="" xmlns:adec="http://schemas.microsoft.com/office/drawing/2017/decorative" val="1"/>
               </a:ext>
             </a:extLst>
           </p:cNvPr>
@@ -8500,7 +8500,7 @@
           <p:nvPr>
             <p:extLst>
               <p:ext uri="{386F3935-93C4-4BCD-93E2-E3B085C9AB24}">
-                <p16:designElem xmlns:p16="http://schemas.microsoft.com/office/powerpoint/2015/main" xmlns="" val="1"/>
+                <p16:designElem xmlns="" xmlns:p16="http://schemas.microsoft.com/office/powerpoint/2015/main" val="1"/>
               </p:ext>
             </p:extLst>
           </p:nvPr>
@@ -8518,10 +8518,10 @@
             <p:cNvPr id="24" name="Freeform 6">
               <a:extLst>
                 <a:ext uri="{FF2B5EF4-FFF2-40B4-BE49-F238E27FC236}">
-                  <a16:creationId xmlns:a16="http://schemas.microsoft.com/office/drawing/2014/main" xmlns="" id="{E34CC1C8-EBDD-4AEA-83E6-B27575B62E2E}"/>
+                  <a16:creationId xmlns="" xmlns:a16="http://schemas.microsoft.com/office/drawing/2014/main" id="{E34CC1C8-EBDD-4AEA-83E6-B27575B62E2E}"/>
                 </a:ext>
                 <a:ext uri="{C183D7F6-B498-43B3-948B-1728B52AA6E4}">
-                  <adec:decorative xmlns:adec="http://schemas.microsoft.com/office/drawing/2017/decorative" xmlns="" val="1"/>
+                  <adec:decorative xmlns="" xmlns:adec="http://schemas.microsoft.com/office/drawing/2017/decorative" val="1"/>
                 </a:ext>
               </a:extLst>
             </p:cNvPr>
@@ -8529,7 +8529,7 @@
             <p:nvPr>
               <p:extLst>
                 <p:ext uri="{386F3935-93C4-4BCD-93E2-E3B085C9AB24}">
-                  <p16:designElem xmlns:p16="http://schemas.microsoft.com/office/powerpoint/2015/main" xmlns="" val="1"/>
+                  <p16:designElem xmlns="" xmlns:p16="http://schemas.microsoft.com/office/powerpoint/2015/main" val="1"/>
                 </p:ext>
               </p:extLst>
             </p:nvPr>
@@ -8579,10 +8579,10 @@
             <p:cNvPr id="25" name="Freeform 7">
               <a:extLst>
                 <a:ext uri="{FF2B5EF4-FFF2-40B4-BE49-F238E27FC236}">
-                  <a16:creationId xmlns:a16="http://schemas.microsoft.com/office/drawing/2014/main" xmlns="" id="{D6B38644-B85D-4211-9526-5B4C2A662BF7}"/>
+                  <a16:creationId xmlns="" xmlns:a16="http://schemas.microsoft.com/office/drawing/2014/main" id="{D6B38644-B85D-4211-9526-5B4C2A662BF7}"/>
                 </a:ext>
                 <a:ext uri="{C183D7F6-B498-43B3-948B-1728B52AA6E4}">
-                  <adec:decorative xmlns:adec="http://schemas.microsoft.com/office/drawing/2017/decorative" xmlns="" val="1"/>
+                  <adec:decorative xmlns="" xmlns:adec="http://schemas.microsoft.com/office/drawing/2017/decorative" val="1"/>
                 </a:ext>
               </a:extLst>
             </p:cNvPr>
@@ -8590,7 +8590,7 @@
             <p:nvPr>
               <p:extLst>
                 <p:ext uri="{386F3935-93C4-4BCD-93E2-E3B085C9AB24}">
-                  <p16:designElem xmlns:p16="http://schemas.microsoft.com/office/powerpoint/2015/main" xmlns="" val="1"/>
+                  <p16:designElem xmlns="" xmlns:p16="http://schemas.microsoft.com/office/powerpoint/2015/main" val="1"/>
                 </p:ext>
               </p:extLst>
             </p:nvPr>
@@ -8643,10 +8643,10 @@
             <p:cNvPr id="26" name="Freeform 12">
               <a:extLst>
                 <a:ext uri="{FF2B5EF4-FFF2-40B4-BE49-F238E27FC236}">
-                  <a16:creationId xmlns:a16="http://schemas.microsoft.com/office/drawing/2014/main" xmlns="" id="{8A8B2820-6B8F-4C19-BFC5-D28EE44E54CB}"/>
+                  <a16:creationId xmlns="" xmlns:a16="http://schemas.microsoft.com/office/drawing/2014/main" id="{8A8B2820-6B8F-4C19-BFC5-D28EE44E54CB}"/>
                 </a:ext>
                 <a:ext uri="{C183D7F6-B498-43B3-948B-1728B52AA6E4}">
-                  <adec:decorative xmlns:adec="http://schemas.microsoft.com/office/drawing/2017/decorative" xmlns="" val="1"/>
+                  <adec:decorative xmlns="" xmlns:adec="http://schemas.microsoft.com/office/drawing/2017/decorative" val="1"/>
                 </a:ext>
               </a:extLst>
             </p:cNvPr>
@@ -8654,7 +8654,7 @@
             <p:nvPr>
               <p:extLst>
                 <p:ext uri="{386F3935-93C4-4BCD-93E2-E3B085C9AB24}">
-                  <p16:designElem xmlns:p16="http://schemas.microsoft.com/office/powerpoint/2015/main" xmlns="" val="1"/>
+                  <p16:designElem xmlns="" xmlns:p16="http://schemas.microsoft.com/office/powerpoint/2015/main" val="1"/>
                 </p:ext>
               </p:extLst>
             </p:nvPr>
@@ -8701,10 +8701,10 @@
             <p:cNvPr id="27" name="Freeform 13">
               <a:extLst>
                 <a:ext uri="{FF2B5EF4-FFF2-40B4-BE49-F238E27FC236}">
-                  <a16:creationId xmlns:a16="http://schemas.microsoft.com/office/drawing/2014/main" xmlns="" id="{773528ED-4D37-4A77-A8CA-86B6221C5E82}"/>
+                  <a16:creationId xmlns="" xmlns:a16="http://schemas.microsoft.com/office/drawing/2014/main" id="{773528ED-4D37-4A77-A8CA-86B6221C5E82}"/>
                 </a:ext>
                 <a:ext uri="{C183D7F6-B498-43B3-948B-1728B52AA6E4}">
-                  <adec:decorative xmlns:adec="http://schemas.microsoft.com/office/drawing/2017/decorative" xmlns="" val="1"/>
+                  <adec:decorative xmlns="" xmlns:adec="http://schemas.microsoft.com/office/drawing/2017/decorative" val="1"/>
                 </a:ext>
               </a:extLst>
             </p:cNvPr>
@@ -8712,7 +8712,7 @@
             <p:nvPr>
               <p:extLst>
                 <p:ext uri="{386F3935-93C4-4BCD-93E2-E3B085C9AB24}">
-                  <p16:designElem xmlns:p16="http://schemas.microsoft.com/office/powerpoint/2015/main" xmlns="" val="1"/>
+                  <p16:designElem xmlns="" xmlns:p16="http://schemas.microsoft.com/office/powerpoint/2015/main" val="1"/>
                 </p:ext>
               </p:extLst>
             </p:nvPr>
@@ -8761,10 +8761,10 @@
             <p:cNvPr id="28" name="Freeform 14">
               <a:extLst>
                 <a:ext uri="{FF2B5EF4-FFF2-40B4-BE49-F238E27FC236}">
-                  <a16:creationId xmlns:a16="http://schemas.microsoft.com/office/drawing/2014/main" xmlns="" id="{8A58A902-E944-4399-9A93-A91A6A82B166}"/>
+                  <a16:creationId xmlns="" xmlns:a16="http://schemas.microsoft.com/office/drawing/2014/main" id="{8A58A902-E944-4399-9A93-A91A6A82B166}"/>
                 </a:ext>
                 <a:ext uri="{C183D7F6-B498-43B3-948B-1728B52AA6E4}">
-                  <adec:decorative xmlns:adec="http://schemas.microsoft.com/office/drawing/2017/decorative" xmlns="" val="1"/>
+                  <adec:decorative xmlns="" xmlns:adec="http://schemas.microsoft.com/office/drawing/2017/decorative" val="1"/>
                 </a:ext>
               </a:extLst>
             </p:cNvPr>
@@ -8772,7 +8772,7 @@
             <p:nvPr>
               <p:extLst>
                 <p:ext uri="{386F3935-93C4-4BCD-93E2-E3B085C9AB24}">
-                  <p16:designElem xmlns:p16="http://schemas.microsoft.com/office/powerpoint/2015/main" xmlns="" val="1"/>
+                  <p16:designElem xmlns="" xmlns:p16="http://schemas.microsoft.com/office/powerpoint/2015/main" val="1"/>
                 </p:ext>
               </p:extLst>
             </p:nvPr>
@@ -8827,10 +8827,10 @@
             <p:cNvPr id="29" name="Freeform 15">
               <a:extLst>
                 <a:ext uri="{FF2B5EF4-FFF2-40B4-BE49-F238E27FC236}">
-                  <a16:creationId xmlns:a16="http://schemas.microsoft.com/office/drawing/2014/main" xmlns="" id="{4EDB1155-2E8E-4FB8-AD42-101FE4383231}"/>
+                  <a16:creationId xmlns="" xmlns:a16="http://schemas.microsoft.com/office/drawing/2014/main" id="{4EDB1155-2E8E-4FB8-AD42-101FE4383231}"/>
                 </a:ext>
                 <a:ext uri="{C183D7F6-B498-43B3-948B-1728B52AA6E4}">
-                  <adec:decorative xmlns:adec="http://schemas.microsoft.com/office/drawing/2017/decorative" xmlns="" val="1"/>
+                  <adec:decorative xmlns="" xmlns:adec="http://schemas.microsoft.com/office/drawing/2017/decorative" val="1"/>
                 </a:ext>
               </a:extLst>
             </p:cNvPr>
@@ -8838,7 +8838,7 @@
             <p:nvPr>
               <p:extLst>
                 <p:ext uri="{386F3935-93C4-4BCD-93E2-E3B085C9AB24}">
-                  <p16:designElem xmlns:p16="http://schemas.microsoft.com/office/powerpoint/2015/main" xmlns="" val="1"/>
+                  <p16:designElem xmlns="" xmlns:p16="http://schemas.microsoft.com/office/powerpoint/2015/main" val="1"/>
                 </p:ext>
               </p:extLst>
             </p:nvPr>
@@ -8898,7 +8898,7 @@
           <p:cNvPr id="2" name="Title 1">
             <a:extLst>
               <a:ext uri="{FF2B5EF4-FFF2-40B4-BE49-F238E27FC236}">
-                <a16:creationId xmlns:a16="http://schemas.microsoft.com/office/drawing/2014/main" xmlns="" id="{C7492CCE-C435-464E-A19A-D4C606FDBE3D}"/>
+                <a16:creationId xmlns="" xmlns:a16="http://schemas.microsoft.com/office/drawing/2014/main" id="{C7492CCE-C435-464E-A19A-D4C606FDBE3D}"/>
               </a:ext>
             </a:extLst>
           </p:cNvPr>
@@ -8934,7 +8934,7 @@
           <p:cNvPr id="3" name="Content Placeholder 2">
             <a:extLst>
               <a:ext uri="{FF2B5EF4-FFF2-40B4-BE49-F238E27FC236}">
-                <a16:creationId xmlns:a16="http://schemas.microsoft.com/office/drawing/2014/main" xmlns="" id="{60DFF4FA-F598-4962-B6AB-31A8BE724E52}"/>
+                <a16:creationId xmlns="" xmlns:a16="http://schemas.microsoft.com/office/drawing/2014/main" id="{60DFF4FA-F598-4962-B6AB-31A8BE724E52}"/>
               </a:ext>
             </a:extLst>
           </p:cNvPr>
@@ -9038,10 +9038,10 @@
           <p:cNvPr id="21" name="Rectangle 20">
             <a:extLst>
               <a:ext uri="{FF2B5EF4-FFF2-40B4-BE49-F238E27FC236}">
-                <a16:creationId xmlns:a16="http://schemas.microsoft.com/office/drawing/2014/main" xmlns="" id="{99CAC3B1-4879-424D-8F15-206277196159}"/>
+                <a16:creationId xmlns="" xmlns:a16="http://schemas.microsoft.com/office/drawing/2014/main" id="{99CAC3B1-4879-424D-8F15-206277196159}"/>
               </a:ext>
               <a:ext uri="{C183D7F6-B498-43B3-948B-1728B52AA6E4}">
-                <adec:decorative xmlns:adec="http://schemas.microsoft.com/office/drawing/2017/decorative" xmlns="" val="1"/>
+                <adec:decorative xmlns="" xmlns:adec="http://schemas.microsoft.com/office/drawing/2017/decorative" val="1"/>
               </a:ext>
             </a:extLst>
           </p:cNvPr>
@@ -9051,7 +9051,7 @@
           <p:nvPr>
             <p:extLst>
               <p:ext uri="{386F3935-93C4-4BCD-93E2-E3B085C9AB24}">
-                <p16:designElem xmlns:p16="http://schemas.microsoft.com/office/powerpoint/2015/main" xmlns="" val="1"/>
+                <p16:designElem xmlns="" xmlns:p16="http://schemas.microsoft.com/office/powerpoint/2015/main" val="1"/>
               </p:ext>
             </p:extLst>
           </p:nvPr>
@@ -9098,10 +9098,10 @@
           <p:cNvPr id="23" name="Group 22">
             <a:extLst>
               <a:ext uri="{FF2B5EF4-FFF2-40B4-BE49-F238E27FC236}">
-                <a16:creationId xmlns:a16="http://schemas.microsoft.com/office/drawing/2014/main" xmlns="" id="{4B8492CB-DFBA-4A82-9778-F21493DA36C1}"/>
+                <a16:creationId xmlns="" xmlns:a16="http://schemas.microsoft.com/office/drawing/2014/main" id="{4B8492CB-DFBA-4A82-9778-F21493DA36C1}"/>
               </a:ext>
               <a:ext uri="{C183D7F6-B498-43B3-948B-1728B52AA6E4}">
-                <adec:decorative xmlns:adec="http://schemas.microsoft.com/office/drawing/2017/decorative" xmlns="" val="1"/>
+                <adec:decorative xmlns="" xmlns:adec="http://schemas.microsoft.com/office/drawing/2017/decorative" val="1"/>
               </a:ext>
             </a:extLst>
           </p:cNvPr>
@@ -9111,7 +9111,7 @@
           <p:nvPr>
             <p:extLst>
               <p:ext uri="{386F3935-93C4-4BCD-93E2-E3B085C9AB24}">
-                <p16:designElem xmlns:p16="http://schemas.microsoft.com/office/powerpoint/2015/main" xmlns="" val="1"/>
+                <p16:designElem xmlns="" xmlns:p16="http://schemas.microsoft.com/office/powerpoint/2015/main" val="1"/>
               </p:ext>
             </p:extLst>
           </p:nvPr>
@@ -9129,10 +9129,10 @@
             <p:cNvPr id="24" name="Freeform 6">
               <a:extLst>
                 <a:ext uri="{FF2B5EF4-FFF2-40B4-BE49-F238E27FC236}">
-                  <a16:creationId xmlns:a16="http://schemas.microsoft.com/office/drawing/2014/main" xmlns="" id="{E34CC1C8-EBDD-4AEA-83E6-B27575B62E2E}"/>
+                  <a16:creationId xmlns="" xmlns:a16="http://schemas.microsoft.com/office/drawing/2014/main" id="{E34CC1C8-EBDD-4AEA-83E6-B27575B62E2E}"/>
                 </a:ext>
                 <a:ext uri="{C183D7F6-B498-43B3-948B-1728B52AA6E4}">
-                  <adec:decorative xmlns:adec="http://schemas.microsoft.com/office/drawing/2017/decorative" xmlns="" val="1"/>
+                  <adec:decorative xmlns="" xmlns:adec="http://schemas.microsoft.com/office/drawing/2017/decorative" val="1"/>
                 </a:ext>
               </a:extLst>
             </p:cNvPr>
@@ -9140,7 +9140,7 @@
             <p:nvPr>
               <p:extLst>
                 <p:ext uri="{386F3935-93C4-4BCD-93E2-E3B085C9AB24}">
-                  <p16:designElem xmlns:p16="http://schemas.microsoft.com/office/powerpoint/2015/main" xmlns="" val="1"/>
+                  <p16:designElem xmlns="" xmlns:p16="http://schemas.microsoft.com/office/powerpoint/2015/main" val="1"/>
                 </p:ext>
               </p:extLst>
             </p:nvPr>
@@ -9190,10 +9190,10 @@
             <p:cNvPr id="25" name="Freeform 7">
               <a:extLst>
                 <a:ext uri="{FF2B5EF4-FFF2-40B4-BE49-F238E27FC236}">
-                  <a16:creationId xmlns:a16="http://schemas.microsoft.com/office/drawing/2014/main" xmlns="" id="{D6B38644-B85D-4211-9526-5B4C2A662BF7}"/>
+                  <a16:creationId xmlns="" xmlns:a16="http://schemas.microsoft.com/office/drawing/2014/main" id="{D6B38644-B85D-4211-9526-5B4C2A662BF7}"/>
                 </a:ext>
                 <a:ext uri="{C183D7F6-B498-43B3-948B-1728B52AA6E4}">
-                  <adec:decorative xmlns:adec="http://schemas.microsoft.com/office/drawing/2017/decorative" xmlns="" val="1"/>
+                  <adec:decorative xmlns="" xmlns:adec="http://schemas.microsoft.com/office/drawing/2017/decorative" val="1"/>
                 </a:ext>
               </a:extLst>
             </p:cNvPr>
@@ -9201,7 +9201,7 @@
             <p:nvPr>
               <p:extLst>
                 <p:ext uri="{386F3935-93C4-4BCD-93E2-E3B085C9AB24}">
-                  <p16:designElem xmlns:p16="http://schemas.microsoft.com/office/powerpoint/2015/main" xmlns="" val="1"/>
+                  <p16:designElem xmlns="" xmlns:p16="http://schemas.microsoft.com/office/powerpoint/2015/main" val="1"/>
                 </p:ext>
               </p:extLst>
             </p:nvPr>
@@ -9254,10 +9254,10 @@
             <p:cNvPr id="26" name="Freeform 12">
               <a:extLst>
                 <a:ext uri="{FF2B5EF4-FFF2-40B4-BE49-F238E27FC236}">
-                  <a16:creationId xmlns:a16="http://schemas.microsoft.com/office/drawing/2014/main" xmlns="" id="{8A8B2820-6B8F-4C19-BFC5-D28EE44E54CB}"/>
+                  <a16:creationId xmlns="" xmlns:a16="http://schemas.microsoft.com/office/drawing/2014/main" id="{8A8B2820-6B8F-4C19-BFC5-D28EE44E54CB}"/>
                 </a:ext>
                 <a:ext uri="{C183D7F6-B498-43B3-948B-1728B52AA6E4}">
-                  <adec:decorative xmlns:adec="http://schemas.microsoft.com/office/drawing/2017/decorative" xmlns="" val="1"/>
+                  <adec:decorative xmlns="" xmlns:adec="http://schemas.microsoft.com/office/drawing/2017/decorative" val="1"/>
                 </a:ext>
               </a:extLst>
             </p:cNvPr>
@@ -9265,7 +9265,7 @@
             <p:nvPr>
               <p:extLst>
                 <p:ext uri="{386F3935-93C4-4BCD-93E2-E3B085C9AB24}">
-                  <p16:designElem xmlns:p16="http://schemas.microsoft.com/office/powerpoint/2015/main" xmlns="" val="1"/>
+                  <p16:designElem xmlns="" xmlns:p16="http://schemas.microsoft.com/office/powerpoint/2015/main" val="1"/>
                 </p:ext>
               </p:extLst>
             </p:nvPr>
@@ -9312,10 +9312,10 @@
             <p:cNvPr id="27" name="Freeform 13">
               <a:extLst>
                 <a:ext uri="{FF2B5EF4-FFF2-40B4-BE49-F238E27FC236}">
-                  <a16:creationId xmlns:a16="http://schemas.microsoft.com/office/drawing/2014/main" xmlns="" id="{773528ED-4D37-4A77-A8CA-86B6221C5E82}"/>
+                  <a16:creationId xmlns="" xmlns:a16="http://schemas.microsoft.com/office/drawing/2014/main" id="{773528ED-4D37-4A77-A8CA-86B6221C5E82}"/>
                 </a:ext>
                 <a:ext uri="{C183D7F6-B498-43B3-948B-1728B52AA6E4}">
-                  <adec:decorative xmlns:adec="http://schemas.microsoft.com/office/drawing/2017/decorative" xmlns="" val="1"/>
+                  <adec:decorative xmlns="" xmlns:adec="http://schemas.microsoft.com/office/drawing/2017/decorative" val="1"/>
                 </a:ext>
               </a:extLst>
             </p:cNvPr>
@@ -9323,7 +9323,7 @@
             <p:nvPr>
               <p:extLst>
                 <p:ext uri="{386F3935-93C4-4BCD-93E2-E3B085C9AB24}">
-                  <p16:designElem xmlns:p16="http://schemas.microsoft.com/office/powerpoint/2015/main" xmlns="" val="1"/>
+                  <p16:designElem xmlns="" xmlns:p16="http://schemas.microsoft.com/office/powerpoint/2015/main" val="1"/>
                 </p:ext>
               </p:extLst>
             </p:nvPr>
@@ -9372,10 +9372,10 @@
             <p:cNvPr id="28" name="Freeform 14">
               <a:extLst>
                 <a:ext uri="{FF2B5EF4-FFF2-40B4-BE49-F238E27FC236}">
-                  <a16:creationId xmlns:a16="http://schemas.microsoft.com/office/drawing/2014/main" xmlns="" id="{8A58A902-E944-4399-9A93-A91A6A82B166}"/>
+                  <a16:creationId xmlns="" xmlns:a16="http://schemas.microsoft.com/office/drawing/2014/main" id="{8A58A902-E944-4399-9A93-A91A6A82B166}"/>
                 </a:ext>
                 <a:ext uri="{C183D7F6-B498-43B3-948B-1728B52AA6E4}">
-                  <adec:decorative xmlns:adec="http://schemas.microsoft.com/office/drawing/2017/decorative" xmlns="" val="1"/>
+                  <adec:decorative xmlns="" xmlns:adec="http://schemas.microsoft.com/office/drawing/2017/decorative" val="1"/>
                 </a:ext>
               </a:extLst>
             </p:cNvPr>
@@ -9383,7 +9383,7 @@
             <p:nvPr>
               <p:extLst>
                 <p:ext uri="{386F3935-93C4-4BCD-93E2-E3B085C9AB24}">
-                  <p16:designElem xmlns:p16="http://schemas.microsoft.com/office/powerpoint/2015/main" xmlns="" val="1"/>
+                  <p16:designElem xmlns="" xmlns:p16="http://schemas.microsoft.com/office/powerpoint/2015/main" val="1"/>
                 </p:ext>
               </p:extLst>
             </p:nvPr>
@@ -9438,10 +9438,10 @@
             <p:cNvPr id="29" name="Freeform 15">
               <a:extLst>
                 <a:ext uri="{FF2B5EF4-FFF2-40B4-BE49-F238E27FC236}">
-                  <a16:creationId xmlns:a16="http://schemas.microsoft.com/office/drawing/2014/main" xmlns="" id="{4EDB1155-2E8E-4FB8-AD42-101FE4383231}"/>
+                  <a16:creationId xmlns="" xmlns:a16="http://schemas.microsoft.com/office/drawing/2014/main" id="{4EDB1155-2E8E-4FB8-AD42-101FE4383231}"/>
                 </a:ext>
                 <a:ext uri="{C183D7F6-B498-43B3-948B-1728B52AA6E4}">
-                  <adec:decorative xmlns:adec="http://schemas.microsoft.com/office/drawing/2017/decorative" xmlns="" val="1"/>
+                  <adec:decorative xmlns="" xmlns:adec="http://schemas.microsoft.com/office/drawing/2017/decorative" val="1"/>
                 </a:ext>
               </a:extLst>
             </p:cNvPr>
@@ -9449,7 +9449,7 @@
             <p:nvPr>
               <p:extLst>
                 <p:ext uri="{386F3935-93C4-4BCD-93E2-E3B085C9AB24}">
-                  <p16:designElem xmlns:p16="http://schemas.microsoft.com/office/powerpoint/2015/main" xmlns="" val="1"/>
+                  <p16:designElem xmlns="" xmlns:p16="http://schemas.microsoft.com/office/powerpoint/2015/main" val="1"/>
                 </p:ext>
               </p:extLst>
             </p:nvPr>
@@ -9509,7 +9509,7 @@
           <p:cNvPr id="2" name="Title 1">
             <a:extLst>
               <a:ext uri="{FF2B5EF4-FFF2-40B4-BE49-F238E27FC236}">
-                <a16:creationId xmlns:a16="http://schemas.microsoft.com/office/drawing/2014/main" xmlns="" id="{C7492CCE-C435-464E-A19A-D4C606FDBE3D}"/>
+                <a16:creationId xmlns="" xmlns:a16="http://schemas.microsoft.com/office/drawing/2014/main" id="{C7492CCE-C435-464E-A19A-D4C606FDBE3D}"/>
               </a:ext>
             </a:extLst>
           </p:cNvPr>
@@ -9542,7 +9542,7 @@
           <p:cNvPr id="3" name="Content Placeholder 2">
             <a:extLst>
               <a:ext uri="{FF2B5EF4-FFF2-40B4-BE49-F238E27FC236}">
-                <a16:creationId xmlns:a16="http://schemas.microsoft.com/office/drawing/2014/main" xmlns="" id="{60DFF4FA-F598-4962-B6AB-31A8BE724E52}"/>
+                <a16:creationId xmlns="" xmlns:a16="http://schemas.microsoft.com/office/drawing/2014/main" id="{60DFF4FA-F598-4962-B6AB-31A8BE724E52}"/>
               </a:ext>
             </a:extLst>
           </p:cNvPr>
@@ -9574,7 +9574,7 @@
           <p:cNvPr id="5" name="TextBox 4">
             <a:extLst>
               <a:ext uri="{FF2B5EF4-FFF2-40B4-BE49-F238E27FC236}">
-                <a16:creationId xmlns:a16="http://schemas.microsoft.com/office/drawing/2014/main" xmlns="" id="{466A409B-90E2-4ACB-8A16-0329B5CEE6DF}"/>
+                <a16:creationId xmlns="" xmlns:a16="http://schemas.microsoft.com/office/drawing/2014/main" id="{466A409B-90E2-4ACB-8A16-0329B5CEE6DF}"/>
               </a:ext>
             </a:extLst>
           </p:cNvPr>
@@ -9625,7 +9625,7 @@
           <p:cNvPr id="7" name="Straight Arrow Connector 6">
             <a:extLst>
               <a:ext uri="{FF2B5EF4-FFF2-40B4-BE49-F238E27FC236}">
-                <a16:creationId xmlns:a16="http://schemas.microsoft.com/office/drawing/2014/main" xmlns="" id="{6C986E87-252D-4CDD-90A3-050A5080DF44}"/>
+                <a16:creationId xmlns="" xmlns:a16="http://schemas.microsoft.com/office/drawing/2014/main" id="{6C986E87-252D-4CDD-90A3-050A5080DF44}"/>
               </a:ext>
             </a:extLst>
           </p:cNvPr>
@@ -9666,7 +9666,7 @@
           <p:cNvPr id="17" name="Straight Arrow Connector 16">
             <a:extLst>
               <a:ext uri="{FF2B5EF4-FFF2-40B4-BE49-F238E27FC236}">
-                <a16:creationId xmlns:a16="http://schemas.microsoft.com/office/drawing/2014/main" xmlns="" id="{8B32EEAB-6F30-4731-8D76-02708A63C23C}"/>
+                <a16:creationId xmlns="" xmlns:a16="http://schemas.microsoft.com/office/drawing/2014/main" id="{8B32EEAB-6F30-4731-8D76-02708A63C23C}"/>
               </a:ext>
             </a:extLst>
           </p:cNvPr>
@@ -9707,7 +9707,7 @@
           <p:cNvPr id="18" name="Straight Arrow Connector 17">
             <a:extLst>
               <a:ext uri="{FF2B5EF4-FFF2-40B4-BE49-F238E27FC236}">
-                <a16:creationId xmlns:a16="http://schemas.microsoft.com/office/drawing/2014/main" xmlns="" id="{E930BBA9-7BA1-48A0-A9E1-F9545CD11BAA}"/>
+                <a16:creationId xmlns="" xmlns:a16="http://schemas.microsoft.com/office/drawing/2014/main" id="{E930BBA9-7BA1-48A0-A9E1-F9545CD11BAA}"/>
               </a:ext>
             </a:extLst>
           </p:cNvPr>
@@ -9748,7 +9748,7 @@
           <p:cNvPr id="19" name="Straight Arrow Connector 18">
             <a:extLst>
               <a:ext uri="{FF2B5EF4-FFF2-40B4-BE49-F238E27FC236}">
-                <a16:creationId xmlns:a16="http://schemas.microsoft.com/office/drawing/2014/main" xmlns="" id="{72D8D5ED-08A2-4E59-AA33-3E70202E855D}"/>
+                <a16:creationId xmlns="" xmlns:a16="http://schemas.microsoft.com/office/drawing/2014/main" id="{72D8D5ED-08A2-4E59-AA33-3E70202E855D}"/>
               </a:ext>
             </a:extLst>
           </p:cNvPr>
@@ -9827,10 +9827,10 @@
           <p:cNvPr id="21" name="Rectangle 20">
             <a:extLst>
               <a:ext uri="{FF2B5EF4-FFF2-40B4-BE49-F238E27FC236}">
-                <a16:creationId xmlns:a16="http://schemas.microsoft.com/office/drawing/2014/main" xmlns="" id="{99CAC3B1-4879-424D-8F15-206277196159}"/>
+                <a16:creationId xmlns="" xmlns:a16="http://schemas.microsoft.com/office/drawing/2014/main" id="{99CAC3B1-4879-424D-8F15-206277196159}"/>
               </a:ext>
               <a:ext uri="{C183D7F6-B498-43B3-948B-1728B52AA6E4}">
-                <adec:decorative xmlns:adec="http://schemas.microsoft.com/office/drawing/2017/decorative" xmlns="" val="1"/>
+                <adec:decorative xmlns="" xmlns:adec="http://schemas.microsoft.com/office/drawing/2017/decorative" val="1"/>
               </a:ext>
             </a:extLst>
           </p:cNvPr>
@@ -9840,7 +9840,7 @@
           <p:nvPr>
             <p:extLst>
               <p:ext uri="{386F3935-93C4-4BCD-93E2-E3B085C9AB24}">
-                <p16:designElem xmlns:p16="http://schemas.microsoft.com/office/powerpoint/2015/main" xmlns="" val="1"/>
+                <p16:designElem xmlns="" xmlns:p16="http://schemas.microsoft.com/office/powerpoint/2015/main" val="1"/>
               </p:ext>
             </p:extLst>
           </p:nvPr>
@@ -9887,10 +9887,10 @@
           <p:cNvPr id="23" name="Group 22">
             <a:extLst>
               <a:ext uri="{FF2B5EF4-FFF2-40B4-BE49-F238E27FC236}">
-                <a16:creationId xmlns:a16="http://schemas.microsoft.com/office/drawing/2014/main" xmlns="" id="{4B8492CB-DFBA-4A82-9778-F21493DA36C1}"/>
+                <a16:creationId xmlns="" xmlns:a16="http://schemas.microsoft.com/office/drawing/2014/main" id="{4B8492CB-DFBA-4A82-9778-F21493DA36C1}"/>
               </a:ext>
               <a:ext uri="{C183D7F6-B498-43B3-948B-1728B52AA6E4}">
-                <adec:decorative xmlns:adec="http://schemas.microsoft.com/office/drawing/2017/decorative" xmlns="" val="1"/>
+                <adec:decorative xmlns="" xmlns:adec="http://schemas.microsoft.com/office/drawing/2017/decorative" val="1"/>
               </a:ext>
             </a:extLst>
           </p:cNvPr>
@@ -9900,7 +9900,7 @@
           <p:nvPr>
             <p:extLst>
               <p:ext uri="{386F3935-93C4-4BCD-93E2-E3B085C9AB24}">
-                <p16:designElem xmlns:p16="http://schemas.microsoft.com/office/powerpoint/2015/main" xmlns="" val="1"/>
+                <p16:designElem xmlns="" xmlns:p16="http://schemas.microsoft.com/office/powerpoint/2015/main" val="1"/>
               </p:ext>
             </p:extLst>
           </p:nvPr>
@@ -9918,10 +9918,10 @@
             <p:cNvPr id="24" name="Freeform 6">
               <a:extLst>
                 <a:ext uri="{FF2B5EF4-FFF2-40B4-BE49-F238E27FC236}">
-                  <a16:creationId xmlns:a16="http://schemas.microsoft.com/office/drawing/2014/main" xmlns="" id="{E34CC1C8-EBDD-4AEA-83E6-B27575B62E2E}"/>
+                  <a16:creationId xmlns="" xmlns:a16="http://schemas.microsoft.com/office/drawing/2014/main" id="{E34CC1C8-EBDD-4AEA-83E6-B27575B62E2E}"/>
                 </a:ext>
                 <a:ext uri="{C183D7F6-B498-43B3-948B-1728B52AA6E4}">
-                  <adec:decorative xmlns:adec="http://schemas.microsoft.com/office/drawing/2017/decorative" xmlns="" val="1"/>
+                  <adec:decorative xmlns="" xmlns:adec="http://schemas.microsoft.com/office/drawing/2017/decorative" val="1"/>
                 </a:ext>
               </a:extLst>
             </p:cNvPr>
@@ -9929,7 +9929,7 @@
             <p:nvPr>
               <p:extLst>
                 <p:ext uri="{386F3935-93C4-4BCD-93E2-E3B085C9AB24}">
-                  <p16:designElem xmlns:p16="http://schemas.microsoft.com/office/powerpoint/2015/main" xmlns="" val="1"/>
+                  <p16:designElem xmlns="" xmlns:p16="http://schemas.microsoft.com/office/powerpoint/2015/main" val="1"/>
                 </p:ext>
               </p:extLst>
             </p:nvPr>
@@ -9979,10 +9979,10 @@
             <p:cNvPr id="25" name="Freeform 7">
               <a:extLst>
                 <a:ext uri="{FF2B5EF4-FFF2-40B4-BE49-F238E27FC236}">
-                  <a16:creationId xmlns:a16="http://schemas.microsoft.com/office/drawing/2014/main" xmlns="" id="{D6B38644-B85D-4211-9526-5B4C2A662BF7}"/>
+                  <a16:creationId xmlns="" xmlns:a16="http://schemas.microsoft.com/office/drawing/2014/main" id="{D6B38644-B85D-4211-9526-5B4C2A662BF7}"/>
                 </a:ext>
                 <a:ext uri="{C183D7F6-B498-43B3-948B-1728B52AA6E4}">
-                  <adec:decorative xmlns:adec="http://schemas.microsoft.com/office/drawing/2017/decorative" xmlns="" val="1"/>
+                  <adec:decorative xmlns="" xmlns:adec="http://schemas.microsoft.com/office/drawing/2017/decorative" val="1"/>
                 </a:ext>
               </a:extLst>
             </p:cNvPr>
@@ -9990,7 +9990,7 @@
             <p:nvPr>
               <p:extLst>
                 <p:ext uri="{386F3935-93C4-4BCD-93E2-E3B085C9AB24}">
-                  <p16:designElem xmlns:p16="http://schemas.microsoft.com/office/powerpoint/2015/main" xmlns="" val="1"/>
+                  <p16:designElem xmlns="" xmlns:p16="http://schemas.microsoft.com/office/powerpoint/2015/main" val="1"/>
                 </p:ext>
               </p:extLst>
             </p:nvPr>
@@ -10043,10 +10043,10 @@
             <p:cNvPr id="26" name="Freeform 12">
               <a:extLst>
                 <a:ext uri="{FF2B5EF4-FFF2-40B4-BE49-F238E27FC236}">
-                  <a16:creationId xmlns:a16="http://schemas.microsoft.com/office/drawing/2014/main" xmlns="" id="{8A8B2820-6B8F-4C19-BFC5-D28EE44E54CB}"/>
+                  <a16:creationId xmlns="" xmlns:a16="http://schemas.microsoft.com/office/drawing/2014/main" id="{8A8B2820-6B8F-4C19-BFC5-D28EE44E54CB}"/>
                 </a:ext>
                 <a:ext uri="{C183D7F6-B498-43B3-948B-1728B52AA6E4}">
-                  <adec:decorative xmlns:adec="http://schemas.microsoft.com/office/drawing/2017/decorative" xmlns="" val="1"/>
+                  <adec:decorative xmlns="" xmlns:adec="http://schemas.microsoft.com/office/drawing/2017/decorative" val="1"/>
                 </a:ext>
               </a:extLst>
             </p:cNvPr>
@@ -10054,7 +10054,7 @@
             <p:nvPr>
               <p:extLst>
                 <p:ext uri="{386F3935-93C4-4BCD-93E2-E3B085C9AB24}">
-                  <p16:designElem xmlns:p16="http://schemas.microsoft.com/office/powerpoint/2015/main" xmlns="" val="1"/>
+                  <p16:designElem xmlns="" xmlns:p16="http://schemas.microsoft.com/office/powerpoint/2015/main" val="1"/>
                 </p:ext>
               </p:extLst>
             </p:nvPr>
@@ -10101,10 +10101,10 @@
             <p:cNvPr id="27" name="Freeform 13">
               <a:extLst>
                 <a:ext uri="{FF2B5EF4-FFF2-40B4-BE49-F238E27FC236}">
-                  <a16:creationId xmlns:a16="http://schemas.microsoft.com/office/drawing/2014/main" xmlns="" id="{773528ED-4D37-4A77-A8CA-86B6221C5E82}"/>
+                  <a16:creationId xmlns="" xmlns:a16="http://schemas.microsoft.com/office/drawing/2014/main" id="{773528ED-4D37-4A77-A8CA-86B6221C5E82}"/>
                 </a:ext>
                 <a:ext uri="{C183D7F6-B498-43B3-948B-1728B52AA6E4}">
-                  <adec:decorative xmlns:adec="http://schemas.microsoft.com/office/drawing/2017/decorative" xmlns="" val="1"/>
+                  <adec:decorative xmlns="" xmlns:adec="http://schemas.microsoft.com/office/drawing/2017/decorative" val="1"/>
                 </a:ext>
               </a:extLst>
             </p:cNvPr>
@@ -10112,7 +10112,7 @@
             <p:nvPr>
               <p:extLst>
                 <p:ext uri="{386F3935-93C4-4BCD-93E2-E3B085C9AB24}">
-                  <p16:designElem xmlns:p16="http://schemas.microsoft.com/office/powerpoint/2015/main" xmlns="" val="1"/>
+                  <p16:designElem xmlns="" xmlns:p16="http://schemas.microsoft.com/office/powerpoint/2015/main" val="1"/>
                 </p:ext>
               </p:extLst>
             </p:nvPr>
@@ -10161,10 +10161,10 @@
             <p:cNvPr id="28" name="Freeform 14">
               <a:extLst>
                 <a:ext uri="{FF2B5EF4-FFF2-40B4-BE49-F238E27FC236}">
-                  <a16:creationId xmlns:a16="http://schemas.microsoft.com/office/drawing/2014/main" xmlns="" id="{8A58A902-E944-4399-9A93-A91A6A82B166}"/>
+                  <a16:creationId xmlns="" xmlns:a16="http://schemas.microsoft.com/office/drawing/2014/main" id="{8A58A902-E944-4399-9A93-A91A6A82B166}"/>
                 </a:ext>
                 <a:ext uri="{C183D7F6-B498-43B3-948B-1728B52AA6E4}">
-                  <adec:decorative xmlns:adec="http://schemas.microsoft.com/office/drawing/2017/decorative" xmlns="" val="1"/>
+                  <adec:decorative xmlns="" xmlns:adec="http://schemas.microsoft.com/office/drawing/2017/decorative" val="1"/>
                 </a:ext>
               </a:extLst>
             </p:cNvPr>
@@ -10172,7 +10172,7 @@
             <p:nvPr>
               <p:extLst>
                 <p:ext uri="{386F3935-93C4-4BCD-93E2-E3B085C9AB24}">
-                  <p16:designElem xmlns:p16="http://schemas.microsoft.com/office/powerpoint/2015/main" xmlns="" val="1"/>
+                  <p16:designElem xmlns="" xmlns:p16="http://schemas.microsoft.com/office/powerpoint/2015/main" val="1"/>
                 </p:ext>
               </p:extLst>
             </p:nvPr>
@@ -10227,10 +10227,10 @@
             <p:cNvPr id="29" name="Freeform 15">
               <a:extLst>
                 <a:ext uri="{FF2B5EF4-FFF2-40B4-BE49-F238E27FC236}">
-                  <a16:creationId xmlns:a16="http://schemas.microsoft.com/office/drawing/2014/main" xmlns="" id="{4EDB1155-2E8E-4FB8-AD42-101FE4383231}"/>
+                  <a16:creationId xmlns="" xmlns:a16="http://schemas.microsoft.com/office/drawing/2014/main" id="{4EDB1155-2E8E-4FB8-AD42-101FE4383231}"/>
                 </a:ext>
                 <a:ext uri="{C183D7F6-B498-43B3-948B-1728B52AA6E4}">
-                  <adec:decorative xmlns:adec="http://schemas.microsoft.com/office/drawing/2017/decorative" xmlns="" val="1"/>
+                  <adec:decorative xmlns="" xmlns:adec="http://schemas.microsoft.com/office/drawing/2017/decorative" val="1"/>
                 </a:ext>
               </a:extLst>
             </p:cNvPr>
@@ -10238,7 +10238,7 @@
             <p:nvPr>
               <p:extLst>
                 <p:ext uri="{386F3935-93C4-4BCD-93E2-E3B085C9AB24}">
-                  <p16:designElem xmlns:p16="http://schemas.microsoft.com/office/powerpoint/2015/main" xmlns="" val="1"/>
+                  <p16:designElem xmlns="" xmlns:p16="http://schemas.microsoft.com/office/powerpoint/2015/main" val="1"/>
                 </p:ext>
               </p:extLst>
             </p:nvPr>
@@ -10298,7 +10298,7 @@
           <p:cNvPr id="2" name="Title 1">
             <a:extLst>
               <a:ext uri="{FF2B5EF4-FFF2-40B4-BE49-F238E27FC236}">
-                <a16:creationId xmlns:a16="http://schemas.microsoft.com/office/drawing/2014/main" xmlns="" id="{C7492CCE-C435-464E-A19A-D4C606FDBE3D}"/>
+                <a16:creationId xmlns="" xmlns:a16="http://schemas.microsoft.com/office/drawing/2014/main" id="{C7492CCE-C435-464E-A19A-D4C606FDBE3D}"/>
               </a:ext>
             </a:extLst>
           </p:cNvPr>
@@ -10334,7 +10334,7 @@
           <p:cNvPr id="3" name="Content Placeholder 2">
             <a:extLst>
               <a:ext uri="{FF2B5EF4-FFF2-40B4-BE49-F238E27FC236}">
-                <a16:creationId xmlns:a16="http://schemas.microsoft.com/office/drawing/2014/main" xmlns="" id="{60DFF4FA-F598-4962-B6AB-31A8BE724E52}"/>
+                <a16:creationId xmlns="" xmlns:a16="http://schemas.microsoft.com/office/drawing/2014/main" id="{60DFF4FA-F598-4962-B6AB-31A8BE724E52}"/>
               </a:ext>
             </a:extLst>
           </p:cNvPr>
@@ -10438,10 +10438,10 @@
           <p:cNvPr id="21" name="Rectangle 20">
             <a:extLst>
               <a:ext uri="{FF2B5EF4-FFF2-40B4-BE49-F238E27FC236}">
-                <a16:creationId xmlns:a16="http://schemas.microsoft.com/office/drawing/2014/main" xmlns="" id="{99CAC3B1-4879-424D-8F15-206277196159}"/>
+                <a16:creationId xmlns="" xmlns:a16="http://schemas.microsoft.com/office/drawing/2014/main" id="{99CAC3B1-4879-424D-8F15-206277196159}"/>
               </a:ext>
               <a:ext uri="{C183D7F6-B498-43B3-948B-1728B52AA6E4}">
-                <adec:decorative xmlns:adec="http://schemas.microsoft.com/office/drawing/2017/decorative" xmlns="" val="1"/>
+                <adec:decorative xmlns="" xmlns:adec="http://schemas.microsoft.com/office/drawing/2017/decorative" val="1"/>
               </a:ext>
             </a:extLst>
           </p:cNvPr>
@@ -10451,7 +10451,7 @@
           <p:nvPr>
             <p:extLst>
               <p:ext uri="{386F3935-93C4-4BCD-93E2-E3B085C9AB24}">
-                <p16:designElem xmlns:p16="http://schemas.microsoft.com/office/powerpoint/2015/main" xmlns="" val="1"/>
+                <p16:designElem xmlns="" xmlns:p16="http://schemas.microsoft.com/office/powerpoint/2015/main" val="1"/>
               </p:ext>
             </p:extLst>
           </p:nvPr>
@@ -10498,10 +10498,10 @@
           <p:cNvPr id="23" name="Group 22">
             <a:extLst>
               <a:ext uri="{FF2B5EF4-FFF2-40B4-BE49-F238E27FC236}">
-                <a16:creationId xmlns:a16="http://schemas.microsoft.com/office/drawing/2014/main" xmlns="" id="{4B8492CB-DFBA-4A82-9778-F21493DA36C1}"/>
+                <a16:creationId xmlns="" xmlns:a16="http://schemas.microsoft.com/office/drawing/2014/main" id="{4B8492CB-DFBA-4A82-9778-F21493DA36C1}"/>
               </a:ext>
               <a:ext uri="{C183D7F6-B498-43B3-948B-1728B52AA6E4}">
-                <adec:decorative xmlns:adec="http://schemas.microsoft.com/office/drawing/2017/decorative" xmlns="" val="1"/>
+                <adec:decorative xmlns="" xmlns:adec="http://schemas.microsoft.com/office/drawing/2017/decorative" val="1"/>
               </a:ext>
             </a:extLst>
           </p:cNvPr>
@@ -10511,7 +10511,7 @@
           <p:nvPr>
             <p:extLst>
               <p:ext uri="{386F3935-93C4-4BCD-93E2-E3B085C9AB24}">
-                <p16:designElem xmlns:p16="http://schemas.microsoft.com/office/powerpoint/2015/main" xmlns="" val="1"/>
+                <p16:designElem xmlns="" xmlns:p16="http://schemas.microsoft.com/office/powerpoint/2015/main" val="1"/>
               </p:ext>
             </p:extLst>
           </p:nvPr>
@@ -10529,10 +10529,10 @@
             <p:cNvPr id="24" name="Freeform 6">
               <a:extLst>
                 <a:ext uri="{FF2B5EF4-FFF2-40B4-BE49-F238E27FC236}">
-                  <a16:creationId xmlns:a16="http://schemas.microsoft.com/office/drawing/2014/main" xmlns="" id="{E34CC1C8-EBDD-4AEA-83E6-B27575B62E2E}"/>
+                  <a16:creationId xmlns="" xmlns:a16="http://schemas.microsoft.com/office/drawing/2014/main" id="{E34CC1C8-EBDD-4AEA-83E6-B27575B62E2E}"/>
                 </a:ext>
                 <a:ext uri="{C183D7F6-B498-43B3-948B-1728B52AA6E4}">
-                  <adec:decorative xmlns:adec="http://schemas.microsoft.com/office/drawing/2017/decorative" xmlns="" val="1"/>
+                  <adec:decorative xmlns="" xmlns:adec="http://schemas.microsoft.com/office/drawing/2017/decorative" val="1"/>
                 </a:ext>
               </a:extLst>
             </p:cNvPr>
@@ -10540,7 +10540,7 @@
             <p:nvPr>
               <p:extLst>
                 <p:ext uri="{386F3935-93C4-4BCD-93E2-E3B085C9AB24}">
-                  <p16:designElem xmlns:p16="http://schemas.microsoft.com/office/powerpoint/2015/main" xmlns="" val="1"/>
+                  <p16:designElem xmlns="" xmlns:p16="http://schemas.microsoft.com/office/powerpoint/2015/main" val="1"/>
                 </p:ext>
               </p:extLst>
             </p:nvPr>
@@ -10590,10 +10590,10 @@
             <p:cNvPr id="25" name="Freeform 7">
               <a:extLst>
                 <a:ext uri="{FF2B5EF4-FFF2-40B4-BE49-F238E27FC236}">
-                  <a16:creationId xmlns:a16="http://schemas.microsoft.com/office/drawing/2014/main" xmlns="" id="{D6B38644-B85D-4211-9526-5B4C2A662BF7}"/>
+                  <a16:creationId xmlns="" xmlns:a16="http://schemas.microsoft.com/office/drawing/2014/main" id="{D6B38644-B85D-4211-9526-5B4C2A662BF7}"/>
                 </a:ext>
                 <a:ext uri="{C183D7F6-B498-43B3-948B-1728B52AA6E4}">
-                  <adec:decorative xmlns:adec="http://schemas.microsoft.com/office/drawing/2017/decorative" xmlns="" val="1"/>
+                  <adec:decorative xmlns="" xmlns:adec="http://schemas.microsoft.com/office/drawing/2017/decorative" val="1"/>
                 </a:ext>
               </a:extLst>
             </p:cNvPr>
@@ -10601,7 +10601,7 @@
             <p:nvPr>
               <p:extLst>
                 <p:ext uri="{386F3935-93C4-4BCD-93E2-E3B085C9AB24}">
-                  <p16:designElem xmlns:p16="http://schemas.microsoft.com/office/powerpoint/2015/main" xmlns="" val="1"/>
+                  <p16:designElem xmlns="" xmlns:p16="http://schemas.microsoft.com/office/powerpoint/2015/main" val="1"/>
                 </p:ext>
               </p:extLst>
             </p:nvPr>
@@ -10654,10 +10654,10 @@
             <p:cNvPr id="26" name="Freeform 12">
               <a:extLst>
                 <a:ext uri="{FF2B5EF4-FFF2-40B4-BE49-F238E27FC236}">
-                  <a16:creationId xmlns:a16="http://schemas.microsoft.com/office/drawing/2014/main" xmlns="" id="{8A8B2820-6B8F-4C19-BFC5-D28EE44E54CB}"/>
+                  <a16:creationId xmlns="" xmlns:a16="http://schemas.microsoft.com/office/drawing/2014/main" id="{8A8B2820-6B8F-4C19-BFC5-D28EE44E54CB}"/>
                 </a:ext>
                 <a:ext uri="{C183D7F6-B498-43B3-948B-1728B52AA6E4}">
-                  <adec:decorative xmlns:adec="http://schemas.microsoft.com/office/drawing/2017/decorative" xmlns="" val="1"/>
+                  <adec:decorative xmlns="" xmlns:adec="http://schemas.microsoft.com/office/drawing/2017/decorative" val="1"/>
                 </a:ext>
               </a:extLst>
             </p:cNvPr>
@@ -10665,7 +10665,7 @@
             <p:nvPr>
               <p:extLst>
                 <p:ext uri="{386F3935-93C4-4BCD-93E2-E3B085C9AB24}">
-                  <p16:designElem xmlns:p16="http://schemas.microsoft.com/office/powerpoint/2015/main" xmlns="" val="1"/>
+                  <p16:designElem xmlns="" xmlns:p16="http://schemas.microsoft.com/office/powerpoint/2015/main" val="1"/>
                 </p:ext>
               </p:extLst>
             </p:nvPr>
@@ -10712,10 +10712,10 @@
             <p:cNvPr id="27" name="Freeform 13">
               <a:extLst>
                 <a:ext uri="{FF2B5EF4-FFF2-40B4-BE49-F238E27FC236}">
-                  <a16:creationId xmlns:a16="http://schemas.microsoft.com/office/drawing/2014/main" xmlns="" id="{773528ED-4D37-4A77-A8CA-86B6221C5E82}"/>
+                  <a16:creationId xmlns="" xmlns:a16="http://schemas.microsoft.com/office/drawing/2014/main" id="{773528ED-4D37-4A77-A8CA-86B6221C5E82}"/>
                 </a:ext>
                 <a:ext uri="{C183D7F6-B498-43B3-948B-1728B52AA6E4}">
-                  <adec:decorative xmlns:adec="http://schemas.microsoft.com/office/drawing/2017/decorative" xmlns="" val="1"/>
+                  <adec:decorative xmlns="" xmlns:adec="http://schemas.microsoft.com/office/drawing/2017/decorative" val="1"/>
                 </a:ext>
               </a:extLst>
             </p:cNvPr>
@@ -10723,7 +10723,7 @@
             <p:nvPr>
               <p:extLst>
                 <p:ext uri="{386F3935-93C4-4BCD-93E2-E3B085C9AB24}">
-                  <p16:designElem xmlns:p16="http://schemas.microsoft.com/office/powerpoint/2015/main" xmlns="" val="1"/>
+                  <p16:designElem xmlns="" xmlns:p16="http://schemas.microsoft.com/office/powerpoint/2015/main" val="1"/>
                 </p:ext>
               </p:extLst>
             </p:nvPr>
@@ -10772,10 +10772,10 @@
             <p:cNvPr id="28" name="Freeform 14">
               <a:extLst>
                 <a:ext uri="{FF2B5EF4-FFF2-40B4-BE49-F238E27FC236}">
-                  <a16:creationId xmlns:a16="http://schemas.microsoft.com/office/drawing/2014/main" xmlns="" id="{8A58A902-E944-4399-9A93-A91A6A82B166}"/>
+                  <a16:creationId xmlns="" xmlns:a16="http://schemas.microsoft.com/office/drawing/2014/main" id="{8A58A902-E944-4399-9A93-A91A6A82B166}"/>
                 </a:ext>
                 <a:ext uri="{C183D7F6-B498-43B3-948B-1728B52AA6E4}">
-                  <adec:decorative xmlns:adec="http://schemas.microsoft.com/office/drawing/2017/decorative" xmlns="" val="1"/>
+                  <adec:decorative xmlns="" xmlns:adec="http://schemas.microsoft.com/office/drawing/2017/decorative" val="1"/>
                 </a:ext>
               </a:extLst>
             </p:cNvPr>
@@ -10783,7 +10783,7 @@
             <p:nvPr>
               <p:extLst>
                 <p:ext uri="{386F3935-93C4-4BCD-93E2-E3B085C9AB24}">
-                  <p16:designElem xmlns:p16="http://schemas.microsoft.com/office/powerpoint/2015/main" xmlns="" val="1"/>
+                  <p16:designElem xmlns="" xmlns:p16="http://schemas.microsoft.com/office/powerpoint/2015/main" val="1"/>
                 </p:ext>
               </p:extLst>
             </p:nvPr>
@@ -10838,10 +10838,10 @@
             <p:cNvPr id="29" name="Freeform 15">
               <a:extLst>
                 <a:ext uri="{FF2B5EF4-FFF2-40B4-BE49-F238E27FC236}">
-                  <a16:creationId xmlns:a16="http://schemas.microsoft.com/office/drawing/2014/main" xmlns="" id="{4EDB1155-2E8E-4FB8-AD42-101FE4383231}"/>
+                  <a16:creationId xmlns="" xmlns:a16="http://schemas.microsoft.com/office/drawing/2014/main" id="{4EDB1155-2E8E-4FB8-AD42-101FE4383231}"/>
                 </a:ext>
                 <a:ext uri="{C183D7F6-B498-43B3-948B-1728B52AA6E4}">
-                  <adec:decorative xmlns:adec="http://schemas.microsoft.com/office/drawing/2017/decorative" xmlns="" val="1"/>
+                  <adec:decorative xmlns="" xmlns:adec="http://schemas.microsoft.com/office/drawing/2017/decorative" val="1"/>
                 </a:ext>
               </a:extLst>
             </p:cNvPr>
@@ -10849,7 +10849,7 @@
             <p:nvPr>
               <p:extLst>
                 <p:ext uri="{386F3935-93C4-4BCD-93E2-E3B085C9AB24}">
-                  <p16:designElem xmlns:p16="http://schemas.microsoft.com/office/powerpoint/2015/main" xmlns="" val="1"/>
+                  <p16:designElem xmlns="" xmlns:p16="http://schemas.microsoft.com/office/powerpoint/2015/main" val="1"/>
                 </p:ext>
               </p:extLst>
             </p:nvPr>
@@ -10909,7 +10909,7 @@
           <p:cNvPr id="2" name="Title 1">
             <a:extLst>
               <a:ext uri="{FF2B5EF4-FFF2-40B4-BE49-F238E27FC236}">
-                <a16:creationId xmlns:a16="http://schemas.microsoft.com/office/drawing/2014/main" xmlns="" id="{C7492CCE-C435-464E-A19A-D4C606FDBE3D}"/>
+                <a16:creationId xmlns="" xmlns:a16="http://schemas.microsoft.com/office/drawing/2014/main" id="{C7492CCE-C435-464E-A19A-D4C606FDBE3D}"/>
               </a:ext>
             </a:extLst>
           </p:cNvPr>
@@ -10942,7 +10942,7 @@
           <p:cNvPr id="3" name="Content Placeholder 2">
             <a:extLst>
               <a:ext uri="{FF2B5EF4-FFF2-40B4-BE49-F238E27FC236}">
-                <a16:creationId xmlns:a16="http://schemas.microsoft.com/office/drawing/2014/main" xmlns="" id="{60DFF4FA-F598-4962-B6AB-31A8BE724E52}"/>
+                <a16:creationId xmlns="" xmlns:a16="http://schemas.microsoft.com/office/drawing/2014/main" id="{60DFF4FA-F598-4962-B6AB-31A8BE724E52}"/>
               </a:ext>
             </a:extLst>
           </p:cNvPr>
@@ -10974,7 +10974,7 @@
           <p:cNvPr id="5" name="TextBox 4">
             <a:extLst>
               <a:ext uri="{FF2B5EF4-FFF2-40B4-BE49-F238E27FC236}">
-                <a16:creationId xmlns:a16="http://schemas.microsoft.com/office/drawing/2014/main" xmlns="" id="{466A409B-90E2-4ACB-8A16-0329B5CEE6DF}"/>
+                <a16:creationId xmlns="" xmlns:a16="http://schemas.microsoft.com/office/drawing/2014/main" id="{466A409B-90E2-4ACB-8A16-0329B5CEE6DF}"/>
               </a:ext>
             </a:extLst>
           </p:cNvPr>
@@ -11021,7 +11021,7 @@
           <p:cNvPr id="7" name="Straight Arrow Connector 6">
             <a:extLst>
               <a:ext uri="{FF2B5EF4-FFF2-40B4-BE49-F238E27FC236}">
-                <a16:creationId xmlns:a16="http://schemas.microsoft.com/office/drawing/2014/main" xmlns="" id="{6C986E87-252D-4CDD-90A3-050A5080DF44}"/>
+                <a16:creationId xmlns="" xmlns:a16="http://schemas.microsoft.com/office/drawing/2014/main" id="{6C986E87-252D-4CDD-90A3-050A5080DF44}"/>
               </a:ext>
             </a:extLst>
           </p:cNvPr>
@@ -11062,7 +11062,7 @@
           <p:cNvPr id="17" name="Straight Arrow Connector 16">
             <a:extLst>
               <a:ext uri="{FF2B5EF4-FFF2-40B4-BE49-F238E27FC236}">
-                <a16:creationId xmlns:a16="http://schemas.microsoft.com/office/drawing/2014/main" xmlns="" id="{8B32EEAB-6F30-4731-8D76-02708A63C23C}"/>
+                <a16:creationId xmlns="" xmlns:a16="http://schemas.microsoft.com/office/drawing/2014/main" id="{8B32EEAB-6F30-4731-8D76-02708A63C23C}"/>
               </a:ext>
             </a:extLst>
           </p:cNvPr>
@@ -11103,7 +11103,7 @@
           <p:cNvPr id="18" name="Straight Arrow Connector 17">
             <a:extLst>
               <a:ext uri="{FF2B5EF4-FFF2-40B4-BE49-F238E27FC236}">
-                <a16:creationId xmlns:a16="http://schemas.microsoft.com/office/drawing/2014/main" xmlns="" id="{E930BBA9-7BA1-48A0-A9E1-F9545CD11BAA}"/>
+                <a16:creationId xmlns="" xmlns:a16="http://schemas.microsoft.com/office/drawing/2014/main" id="{E930BBA9-7BA1-48A0-A9E1-F9545CD11BAA}"/>
               </a:ext>
             </a:extLst>
           </p:cNvPr>
@@ -11144,7 +11144,7 @@
           <p:cNvPr id="19" name="Straight Arrow Connector 18">
             <a:extLst>
               <a:ext uri="{FF2B5EF4-FFF2-40B4-BE49-F238E27FC236}">
-                <a16:creationId xmlns:a16="http://schemas.microsoft.com/office/drawing/2014/main" xmlns="" id="{72D8D5ED-08A2-4E59-AA33-3E70202E855D}"/>
+                <a16:creationId xmlns="" xmlns:a16="http://schemas.microsoft.com/office/drawing/2014/main" id="{72D8D5ED-08A2-4E59-AA33-3E70202E855D}"/>
               </a:ext>
             </a:extLst>
           </p:cNvPr>
@@ -11223,10 +11223,10 @@
           <p:cNvPr id="21" name="Rectangle 20">
             <a:extLst>
               <a:ext uri="{FF2B5EF4-FFF2-40B4-BE49-F238E27FC236}">
-                <a16:creationId xmlns:a16="http://schemas.microsoft.com/office/drawing/2014/main" xmlns="" id="{99CAC3B1-4879-424D-8F15-206277196159}"/>
+                <a16:creationId xmlns="" xmlns:a16="http://schemas.microsoft.com/office/drawing/2014/main" id="{99CAC3B1-4879-424D-8F15-206277196159}"/>
               </a:ext>
               <a:ext uri="{C183D7F6-B498-43B3-948B-1728B52AA6E4}">
-                <adec:decorative xmlns:adec="http://schemas.microsoft.com/office/drawing/2017/decorative" xmlns="" val="1"/>
+                <adec:decorative xmlns="" xmlns:adec="http://schemas.microsoft.com/office/drawing/2017/decorative" val="1"/>
               </a:ext>
             </a:extLst>
           </p:cNvPr>
@@ -11236,7 +11236,7 @@
           <p:nvPr>
             <p:extLst>
               <p:ext uri="{386F3935-93C4-4BCD-93E2-E3B085C9AB24}">
-                <p16:designElem xmlns:p16="http://schemas.microsoft.com/office/powerpoint/2015/main" xmlns="" val="1"/>
+                <p16:designElem xmlns="" xmlns:p16="http://schemas.microsoft.com/office/powerpoint/2015/main" val="1"/>
               </p:ext>
             </p:extLst>
           </p:nvPr>
@@ -11283,10 +11283,10 @@
           <p:cNvPr id="23" name="Group 22">
             <a:extLst>
               <a:ext uri="{FF2B5EF4-FFF2-40B4-BE49-F238E27FC236}">
-                <a16:creationId xmlns:a16="http://schemas.microsoft.com/office/drawing/2014/main" xmlns="" id="{4B8492CB-DFBA-4A82-9778-F21493DA36C1}"/>
+                <a16:creationId xmlns="" xmlns:a16="http://schemas.microsoft.com/office/drawing/2014/main" id="{4B8492CB-DFBA-4A82-9778-F21493DA36C1}"/>
               </a:ext>
               <a:ext uri="{C183D7F6-B498-43B3-948B-1728B52AA6E4}">
-                <adec:decorative xmlns:adec="http://schemas.microsoft.com/office/drawing/2017/decorative" xmlns="" val="1"/>
+                <adec:decorative xmlns="" xmlns:adec="http://schemas.microsoft.com/office/drawing/2017/decorative" val="1"/>
               </a:ext>
             </a:extLst>
           </p:cNvPr>
@@ -11296,7 +11296,7 @@
           <p:nvPr>
             <p:extLst>
               <p:ext uri="{386F3935-93C4-4BCD-93E2-E3B085C9AB24}">
-                <p16:designElem xmlns:p16="http://schemas.microsoft.com/office/powerpoint/2015/main" xmlns="" val="1"/>
+                <p16:designElem xmlns="" xmlns:p16="http://schemas.microsoft.com/office/powerpoint/2015/main" val="1"/>
               </p:ext>
             </p:extLst>
           </p:nvPr>
@@ -11314,10 +11314,10 @@
             <p:cNvPr id="24" name="Freeform 6">
               <a:extLst>
                 <a:ext uri="{FF2B5EF4-FFF2-40B4-BE49-F238E27FC236}">
-                  <a16:creationId xmlns:a16="http://schemas.microsoft.com/office/drawing/2014/main" xmlns="" id="{E34CC1C8-EBDD-4AEA-83E6-B27575B62E2E}"/>
+                  <a16:creationId xmlns="" xmlns:a16="http://schemas.microsoft.com/office/drawing/2014/main" id="{E34CC1C8-EBDD-4AEA-83E6-B27575B62E2E}"/>
                 </a:ext>
                 <a:ext uri="{C183D7F6-B498-43B3-948B-1728B52AA6E4}">
-                  <adec:decorative xmlns:adec="http://schemas.microsoft.com/office/drawing/2017/decorative" xmlns="" val="1"/>
+                  <adec:decorative xmlns="" xmlns:adec="http://schemas.microsoft.com/office/drawing/2017/decorative" val="1"/>
                 </a:ext>
               </a:extLst>
             </p:cNvPr>
@@ -11325,7 +11325,7 @@
             <p:nvPr>
               <p:extLst>
                 <p:ext uri="{386F3935-93C4-4BCD-93E2-E3B085C9AB24}">
-                  <p16:designElem xmlns:p16="http://schemas.microsoft.com/office/powerpoint/2015/main" xmlns="" val="1"/>
+                  <p16:designElem xmlns="" xmlns:p16="http://schemas.microsoft.com/office/powerpoint/2015/main" val="1"/>
                 </p:ext>
               </p:extLst>
             </p:nvPr>
@@ -11375,10 +11375,10 @@
             <p:cNvPr id="25" name="Freeform 7">
               <a:extLst>
                 <a:ext uri="{FF2B5EF4-FFF2-40B4-BE49-F238E27FC236}">
-                  <a16:creationId xmlns:a16="http://schemas.microsoft.com/office/drawing/2014/main" xmlns="" id="{D6B38644-B85D-4211-9526-5B4C2A662BF7}"/>
+                  <a16:creationId xmlns="" xmlns:a16="http://schemas.microsoft.com/office/drawing/2014/main" id="{D6B38644-B85D-4211-9526-5B4C2A662BF7}"/>
                 </a:ext>
                 <a:ext uri="{C183D7F6-B498-43B3-948B-1728B52AA6E4}">
-                  <adec:decorative xmlns:adec="http://schemas.microsoft.com/office/drawing/2017/decorative" xmlns="" val="1"/>
+                  <adec:decorative xmlns="" xmlns:adec="http://schemas.microsoft.com/office/drawing/2017/decorative" val="1"/>
                 </a:ext>
               </a:extLst>
             </p:cNvPr>
@@ -11386,7 +11386,7 @@
             <p:nvPr>
               <p:extLst>
                 <p:ext uri="{386F3935-93C4-4BCD-93E2-E3B085C9AB24}">
-                  <p16:designElem xmlns:p16="http://schemas.microsoft.com/office/powerpoint/2015/main" xmlns="" val="1"/>
+                  <p16:designElem xmlns="" xmlns:p16="http://schemas.microsoft.com/office/powerpoint/2015/main" val="1"/>
                 </p:ext>
               </p:extLst>
             </p:nvPr>
@@ -11439,10 +11439,10 @@
             <p:cNvPr id="26" name="Freeform 12">
               <a:extLst>
                 <a:ext uri="{FF2B5EF4-FFF2-40B4-BE49-F238E27FC236}">
-                  <a16:creationId xmlns:a16="http://schemas.microsoft.com/office/drawing/2014/main" xmlns="" id="{8A8B2820-6B8F-4C19-BFC5-D28EE44E54CB}"/>
+                  <a16:creationId xmlns="" xmlns:a16="http://schemas.microsoft.com/office/drawing/2014/main" id="{8A8B2820-6B8F-4C19-BFC5-D28EE44E54CB}"/>
                 </a:ext>
                 <a:ext uri="{C183D7F6-B498-43B3-948B-1728B52AA6E4}">
-                  <adec:decorative xmlns:adec="http://schemas.microsoft.com/office/drawing/2017/decorative" xmlns="" val="1"/>
+                  <adec:decorative xmlns="" xmlns:adec="http://schemas.microsoft.com/office/drawing/2017/decorative" val="1"/>
                 </a:ext>
               </a:extLst>
             </p:cNvPr>
@@ -11450,7 +11450,7 @@
             <p:nvPr>
               <p:extLst>
                 <p:ext uri="{386F3935-93C4-4BCD-93E2-E3B085C9AB24}">
-                  <p16:designElem xmlns:p16="http://schemas.microsoft.com/office/powerpoint/2015/main" xmlns="" val="1"/>
+                  <p16:designElem xmlns="" xmlns:p16="http://schemas.microsoft.com/office/powerpoint/2015/main" val="1"/>
                 </p:ext>
               </p:extLst>
             </p:nvPr>
@@ -11497,10 +11497,10 @@
             <p:cNvPr id="27" name="Freeform 13">
               <a:extLst>
                 <a:ext uri="{FF2B5EF4-FFF2-40B4-BE49-F238E27FC236}">
-                  <a16:creationId xmlns:a16="http://schemas.microsoft.com/office/drawing/2014/main" xmlns="" id="{773528ED-4D37-4A77-A8CA-86B6221C5E82}"/>
+                  <a16:creationId xmlns="" xmlns:a16="http://schemas.microsoft.com/office/drawing/2014/main" id="{773528ED-4D37-4A77-A8CA-86B6221C5E82}"/>
                 </a:ext>
                 <a:ext uri="{C183D7F6-B498-43B3-948B-1728B52AA6E4}">
-                  <adec:decorative xmlns:adec="http://schemas.microsoft.com/office/drawing/2017/decorative" xmlns="" val="1"/>
+                  <adec:decorative xmlns="" xmlns:adec="http://schemas.microsoft.com/office/drawing/2017/decorative" val="1"/>
                 </a:ext>
               </a:extLst>
             </p:cNvPr>
@@ -11508,7 +11508,7 @@
             <p:nvPr>
               <p:extLst>
                 <p:ext uri="{386F3935-93C4-4BCD-93E2-E3B085C9AB24}">
-                  <p16:designElem xmlns:p16="http://schemas.microsoft.com/office/powerpoint/2015/main" xmlns="" val="1"/>
+                  <p16:designElem xmlns="" xmlns:p16="http://schemas.microsoft.com/office/powerpoint/2015/main" val="1"/>
                 </p:ext>
               </p:extLst>
             </p:nvPr>
@@ -11557,10 +11557,10 @@
             <p:cNvPr id="28" name="Freeform 14">
               <a:extLst>
                 <a:ext uri="{FF2B5EF4-FFF2-40B4-BE49-F238E27FC236}">
-                  <a16:creationId xmlns:a16="http://schemas.microsoft.com/office/drawing/2014/main" xmlns="" id="{8A58A902-E944-4399-9A93-A91A6A82B166}"/>
+                  <a16:creationId xmlns="" xmlns:a16="http://schemas.microsoft.com/office/drawing/2014/main" id="{8A58A902-E944-4399-9A93-A91A6A82B166}"/>
                 </a:ext>
                 <a:ext uri="{C183D7F6-B498-43B3-948B-1728B52AA6E4}">
-                  <adec:decorative xmlns:adec="http://schemas.microsoft.com/office/drawing/2017/decorative" xmlns="" val="1"/>
+                  <adec:decorative xmlns="" xmlns:adec="http://schemas.microsoft.com/office/drawing/2017/decorative" val="1"/>
                 </a:ext>
               </a:extLst>
             </p:cNvPr>
@@ -11568,7 +11568,7 @@
             <p:nvPr>
               <p:extLst>
                 <p:ext uri="{386F3935-93C4-4BCD-93E2-E3B085C9AB24}">
-                  <p16:designElem xmlns:p16="http://schemas.microsoft.com/office/powerpoint/2015/main" xmlns="" val="1"/>
+                  <p16:designElem xmlns="" xmlns:p16="http://schemas.microsoft.com/office/powerpoint/2015/main" val="1"/>
                 </p:ext>
               </p:extLst>
             </p:nvPr>
@@ -11623,10 +11623,10 @@
             <p:cNvPr id="29" name="Freeform 15">
               <a:extLst>
                 <a:ext uri="{FF2B5EF4-FFF2-40B4-BE49-F238E27FC236}">
-                  <a16:creationId xmlns:a16="http://schemas.microsoft.com/office/drawing/2014/main" xmlns="" id="{4EDB1155-2E8E-4FB8-AD42-101FE4383231}"/>
+                  <a16:creationId xmlns="" xmlns:a16="http://schemas.microsoft.com/office/drawing/2014/main" id="{4EDB1155-2E8E-4FB8-AD42-101FE4383231}"/>
                 </a:ext>
                 <a:ext uri="{C183D7F6-B498-43B3-948B-1728B52AA6E4}">
-                  <adec:decorative xmlns:adec="http://schemas.microsoft.com/office/drawing/2017/decorative" xmlns="" val="1"/>
+                  <adec:decorative xmlns="" xmlns:adec="http://schemas.microsoft.com/office/drawing/2017/decorative" val="1"/>
                 </a:ext>
               </a:extLst>
             </p:cNvPr>
@@ -11634,7 +11634,7 @@
             <p:nvPr>
               <p:extLst>
                 <p:ext uri="{386F3935-93C4-4BCD-93E2-E3B085C9AB24}">
-                  <p16:designElem xmlns:p16="http://schemas.microsoft.com/office/powerpoint/2015/main" xmlns="" val="1"/>
+                  <p16:designElem xmlns="" xmlns:p16="http://schemas.microsoft.com/office/powerpoint/2015/main" val="1"/>
                 </p:ext>
               </p:extLst>
             </p:nvPr>
@@ -11694,7 +11694,7 @@
           <p:cNvPr id="2" name="Title 1">
             <a:extLst>
               <a:ext uri="{FF2B5EF4-FFF2-40B4-BE49-F238E27FC236}">
-                <a16:creationId xmlns:a16="http://schemas.microsoft.com/office/drawing/2014/main" xmlns="" id="{C7492CCE-C435-464E-A19A-D4C606FDBE3D}"/>
+                <a16:creationId xmlns="" xmlns:a16="http://schemas.microsoft.com/office/drawing/2014/main" id="{C7492CCE-C435-464E-A19A-D4C606FDBE3D}"/>
               </a:ext>
             </a:extLst>
           </p:cNvPr>
@@ -11731,7 +11731,7 @@
           <p:cNvPr id="5" name="TextBox 4">
             <a:extLst>
               <a:ext uri="{FF2B5EF4-FFF2-40B4-BE49-F238E27FC236}">
-                <a16:creationId xmlns:a16="http://schemas.microsoft.com/office/drawing/2014/main" xmlns="" id="{466A409B-90E2-4ACB-8A16-0329B5CEE6DF}"/>
+                <a16:creationId xmlns="" xmlns:a16="http://schemas.microsoft.com/office/drawing/2014/main" id="{466A409B-90E2-4ACB-8A16-0329B5CEE6DF}"/>
               </a:ext>
             </a:extLst>
           </p:cNvPr>
@@ -11778,7 +11778,7 @@
           <p:cNvPr id="7" name="Straight Arrow Connector 6">
             <a:extLst>
               <a:ext uri="{FF2B5EF4-FFF2-40B4-BE49-F238E27FC236}">
-                <a16:creationId xmlns:a16="http://schemas.microsoft.com/office/drawing/2014/main" xmlns="" id="{6C986E87-252D-4CDD-90A3-050A5080DF44}"/>
+                <a16:creationId xmlns="" xmlns:a16="http://schemas.microsoft.com/office/drawing/2014/main" id="{6C986E87-252D-4CDD-90A3-050A5080DF44}"/>
               </a:ext>
             </a:extLst>
           </p:cNvPr>
@@ -11819,7 +11819,7 @@
           <p:cNvPr id="17" name="Straight Arrow Connector 16">
             <a:extLst>
               <a:ext uri="{FF2B5EF4-FFF2-40B4-BE49-F238E27FC236}">
-                <a16:creationId xmlns:a16="http://schemas.microsoft.com/office/drawing/2014/main" xmlns="" id="{8B32EEAB-6F30-4731-8D76-02708A63C23C}"/>
+                <a16:creationId xmlns="" xmlns:a16="http://schemas.microsoft.com/office/drawing/2014/main" id="{8B32EEAB-6F30-4731-8D76-02708A63C23C}"/>
               </a:ext>
             </a:extLst>
           </p:cNvPr>
@@ -11860,7 +11860,7 @@
           <p:cNvPr id="18" name="Straight Arrow Connector 17">
             <a:extLst>
               <a:ext uri="{FF2B5EF4-FFF2-40B4-BE49-F238E27FC236}">
-                <a16:creationId xmlns:a16="http://schemas.microsoft.com/office/drawing/2014/main" xmlns="" id="{E930BBA9-7BA1-48A0-A9E1-F9545CD11BAA}"/>
+                <a16:creationId xmlns="" xmlns:a16="http://schemas.microsoft.com/office/drawing/2014/main" id="{E930BBA9-7BA1-48A0-A9E1-F9545CD11BAA}"/>
               </a:ext>
             </a:extLst>
           </p:cNvPr>
@@ -11901,7 +11901,7 @@
           <p:cNvPr id="19" name="Straight Arrow Connector 18">
             <a:extLst>
               <a:ext uri="{FF2B5EF4-FFF2-40B4-BE49-F238E27FC236}">
-                <a16:creationId xmlns:a16="http://schemas.microsoft.com/office/drawing/2014/main" xmlns="" id="{72D8D5ED-08A2-4E59-AA33-3E70202E855D}"/>
+                <a16:creationId xmlns="" xmlns:a16="http://schemas.microsoft.com/office/drawing/2014/main" id="{72D8D5ED-08A2-4E59-AA33-3E70202E855D}"/>
               </a:ext>
             </a:extLst>
           </p:cNvPr>
@@ -12527,10 +12527,10 @@
           <p:cNvPr id="21" name="Rectangle 20">
             <a:extLst>
               <a:ext uri="{FF2B5EF4-FFF2-40B4-BE49-F238E27FC236}">
-                <a16:creationId xmlns:a16="http://schemas.microsoft.com/office/drawing/2014/main" xmlns="" id="{99CAC3B1-4879-424D-8F15-206277196159}"/>
+                <a16:creationId xmlns="" xmlns:a16="http://schemas.microsoft.com/office/drawing/2014/main" id="{99CAC3B1-4879-424D-8F15-206277196159}"/>
               </a:ext>
               <a:ext uri="{C183D7F6-B498-43B3-948B-1728B52AA6E4}">
-                <adec:decorative xmlns:adec="http://schemas.microsoft.com/office/drawing/2017/decorative" xmlns="" val="1"/>
+                <adec:decorative xmlns="" xmlns:adec="http://schemas.microsoft.com/office/drawing/2017/decorative" val="1"/>
               </a:ext>
             </a:extLst>
           </p:cNvPr>
@@ -12540,7 +12540,7 @@
           <p:nvPr>
             <p:extLst>
               <p:ext uri="{386F3935-93C4-4BCD-93E2-E3B085C9AB24}">
-                <p16:designElem xmlns:p16="http://schemas.microsoft.com/office/powerpoint/2015/main" xmlns="" val="1"/>
+                <p16:designElem xmlns="" xmlns:p16="http://schemas.microsoft.com/office/powerpoint/2015/main" val="1"/>
               </p:ext>
             </p:extLst>
           </p:nvPr>
@@ -12587,10 +12587,10 @@
           <p:cNvPr id="23" name="Group 22">
             <a:extLst>
               <a:ext uri="{FF2B5EF4-FFF2-40B4-BE49-F238E27FC236}">
-                <a16:creationId xmlns:a16="http://schemas.microsoft.com/office/drawing/2014/main" xmlns="" id="{4B8492CB-DFBA-4A82-9778-F21493DA36C1}"/>
+                <a16:creationId xmlns="" xmlns:a16="http://schemas.microsoft.com/office/drawing/2014/main" id="{4B8492CB-DFBA-4A82-9778-F21493DA36C1}"/>
               </a:ext>
               <a:ext uri="{C183D7F6-B498-43B3-948B-1728B52AA6E4}">
-                <adec:decorative xmlns:adec="http://schemas.microsoft.com/office/drawing/2017/decorative" xmlns="" val="1"/>
+                <adec:decorative xmlns="" xmlns:adec="http://schemas.microsoft.com/office/drawing/2017/decorative" val="1"/>
               </a:ext>
             </a:extLst>
           </p:cNvPr>
@@ -12600,7 +12600,7 @@
           <p:nvPr>
             <p:extLst>
               <p:ext uri="{386F3935-93C4-4BCD-93E2-E3B085C9AB24}">
-                <p16:designElem xmlns:p16="http://schemas.microsoft.com/office/powerpoint/2015/main" xmlns="" val="1"/>
+                <p16:designElem xmlns="" xmlns:p16="http://schemas.microsoft.com/office/powerpoint/2015/main" val="1"/>
               </p:ext>
             </p:extLst>
           </p:nvPr>
@@ -12618,10 +12618,10 @@
             <p:cNvPr id="24" name="Freeform 6">
               <a:extLst>
                 <a:ext uri="{FF2B5EF4-FFF2-40B4-BE49-F238E27FC236}">
-                  <a16:creationId xmlns:a16="http://schemas.microsoft.com/office/drawing/2014/main" xmlns="" id="{E34CC1C8-EBDD-4AEA-83E6-B27575B62E2E}"/>
+                  <a16:creationId xmlns="" xmlns:a16="http://schemas.microsoft.com/office/drawing/2014/main" id="{E34CC1C8-EBDD-4AEA-83E6-B27575B62E2E}"/>
                 </a:ext>
                 <a:ext uri="{C183D7F6-B498-43B3-948B-1728B52AA6E4}">
-                  <adec:decorative xmlns:adec="http://schemas.microsoft.com/office/drawing/2017/decorative" xmlns="" val="1"/>
+                  <adec:decorative xmlns="" xmlns:adec="http://schemas.microsoft.com/office/drawing/2017/decorative" val="1"/>
                 </a:ext>
               </a:extLst>
             </p:cNvPr>
@@ -12629,7 +12629,7 @@
             <p:nvPr>
               <p:extLst>
                 <p:ext uri="{386F3935-93C4-4BCD-93E2-E3B085C9AB24}">
-                  <p16:designElem xmlns:p16="http://schemas.microsoft.com/office/powerpoint/2015/main" xmlns="" val="1"/>
+                  <p16:designElem xmlns="" xmlns:p16="http://schemas.microsoft.com/office/powerpoint/2015/main" val="1"/>
                 </p:ext>
               </p:extLst>
             </p:nvPr>
@@ -12679,10 +12679,10 @@
             <p:cNvPr id="25" name="Freeform 7">
               <a:extLst>
                 <a:ext uri="{FF2B5EF4-FFF2-40B4-BE49-F238E27FC236}">
-                  <a16:creationId xmlns:a16="http://schemas.microsoft.com/office/drawing/2014/main" xmlns="" id="{D6B38644-B85D-4211-9526-5B4C2A662BF7}"/>
+                  <a16:creationId xmlns="" xmlns:a16="http://schemas.microsoft.com/office/drawing/2014/main" id="{D6B38644-B85D-4211-9526-5B4C2A662BF7}"/>
                 </a:ext>
                 <a:ext uri="{C183D7F6-B498-43B3-948B-1728B52AA6E4}">
-                  <adec:decorative xmlns:adec="http://schemas.microsoft.com/office/drawing/2017/decorative" xmlns="" val="1"/>
+                  <adec:decorative xmlns="" xmlns:adec="http://schemas.microsoft.com/office/drawing/2017/decorative" val="1"/>
                 </a:ext>
               </a:extLst>
             </p:cNvPr>
@@ -12690,7 +12690,7 @@
             <p:nvPr>
               <p:extLst>
                 <p:ext uri="{386F3935-93C4-4BCD-93E2-E3B085C9AB24}">
-                  <p16:designElem xmlns:p16="http://schemas.microsoft.com/office/powerpoint/2015/main" xmlns="" val="1"/>
+                  <p16:designElem xmlns="" xmlns:p16="http://schemas.microsoft.com/office/powerpoint/2015/main" val="1"/>
                 </p:ext>
               </p:extLst>
             </p:nvPr>
@@ -12743,10 +12743,10 @@
             <p:cNvPr id="26" name="Freeform 12">
               <a:extLst>
                 <a:ext uri="{FF2B5EF4-FFF2-40B4-BE49-F238E27FC236}">
-                  <a16:creationId xmlns:a16="http://schemas.microsoft.com/office/drawing/2014/main" xmlns="" id="{8A8B2820-6B8F-4C19-BFC5-D28EE44E54CB}"/>
+                  <a16:creationId xmlns="" xmlns:a16="http://schemas.microsoft.com/office/drawing/2014/main" id="{8A8B2820-6B8F-4C19-BFC5-D28EE44E54CB}"/>
                 </a:ext>
                 <a:ext uri="{C183D7F6-B498-43B3-948B-1728B52AA6E4}">
-                  <adec:decorative xmlns:adec="http://schemas.microsoft.com/office/drawing/2017/decorative" xmlns="" val="1"/>
+                  <adec:decorative xmlns="" xmlns:adec="http://schemas.microsoft.com/office/drawing/2017/decorative" val="1"/>
                 </a:ext>
               </a:extLst>
             </p:cNvPr>
@@ -12754,7 +12754,7 @@
             <p:nvPr>
               <p:extLst>
                 <p:ext uri="{386F3935-93C4-4BCD-93E2-E3B085C9AB24}">
-                  <p16:designElem xmlns:p16="http://schemas.microsoft.com/office/powerpoint/2015/main" xmlns="" val="1"/>
+                  <p16:designElem xmlns="" xmlns:p16="http://schemas.microsoft.com/office/powerpoint/2015/main" val="1"/>
                 </p:ext>
               </p:extLst>
             </p:nvPr>
@@ -12801,10 +12801,10 @@
             <p:cNvPr id="27" name="Freeform 13">
               <a:extLst>
                 <a:ext uri="{FF2B5EF4-FFF2-40B4-BE49-F238E27FC236}">
-                  <a16:creationId xmlns:a16="http://schemas.microsoft.com/office/drawing/2014/main" xmlns="" id="{773528ED-4D37-4A77-A8CA-86B6221C5E82}"/>
+                  <a16:creationId xmlns="" xmlns:a16="http://schemas.microsoft.com/office/drawing/2014/main" id="{773528ED-4D37-4A77-A8CA-86B6221C5E82}"/>
                 </a:ext>
                 <a:ext uri="{C183D7F6-B498-43B3-948B-1728B52AA6E4}">
-                  <adec:decorative xmlns:adec="http://schemas.microsoft.com/office/drawing/2017/decorative" xmlns="" val="1"/>
+                  <adec:decorative xmlns="" xmlns:adec="http://schemas.microsoft.com/office/drawing/2017/decorative" val="1"/>
                 </a:ext>
               </a:extLst>
             </p:cNvPr>
@@ -12812,7 +12812,7 @@
             <p:nvPr>
               <p:extLst>
                 <p:ext uri="{386F3935-93C4-4BCD-93E2-E3B085C9AB24}">
-                  <p16:designElem xmlns:p16="http://schemas.microsoft.com/office/powerpoint/2015/main" xmlns="" val="1"/>
+                  <p16:designElem xmlns="" xmlns:p16="http://schemas.microsoft.com/office/powerpoint/2015/main" val="1"/>
                 </p:ext>
               </p:extLst>
             </p:nvPr>
@@ -12861,10 +12861,10 @@
             <p:cNvPr id="28" name="Freeform 14">
               <a:extLst>
                 <a:ext uri="{FF2B5EF4-FFF2-40B4-BE49-F238E27FC236}">
-                  <a16:creationId xmlns:a16="http://schemas.microsoft.com/office/drawing/2014/main" xmlns="" id="{8A58A902-E944-4399-9A93-A91A6A82B166}"/>
+                  <a16:creationId xmlns="" xmlns:a16="http://schemas.microsoft.com/office/drawing/2014/main" id="{8A58A902-E944-4399-9A93-A91A6A82B166}"/>
                 </a:ext>
                 <a:ext uri="{C183D7F6-B498-43B3-948B-1728B52AA6E4}">
-                  <adec:decorative xmlns:adec="http://schemas.microsoft.com/office/drawing/2017/decorative" xmlns="" val="1"/>
+                  <adec:decorative xmlns="" xmlns:adec="http://schemas.microsoft.com/office/drawing/2017/decorative" val="1"/>
                 </a:ext>
               </a:extLst>
             </p:cNvPr>
@@ -12872,7 +12872,7 @@
             <p:nvPr>
               <p:extLst>
                 <p:ext uri="{386F3935-93C4-4BCD-93E2-E3B085C9AB24}">
-                  <p16:designElem xmlns:p16="http://schemas.microsoft.com/office/powerpoint/2015/main" xmlns="" val="1"/>
+                  <p16:designElem xmlns="" xmlns:p16="http://schemas.microsoft.com/office/powerpoint/2015/main" val="1"/>
                 </p:ext>
               </p:extLst>
             </p:nvPr>
@@ -12927,10 +12927,10 @@
             <p:cNvPr id="29" name="Freeform 15">
               <a:extLst>
                 <a:ext uri="{FF2B5EF4-FFF2-40B4-BE49-F238E27FC236}">
-                  <a16:creationId xmlns:a16="http://schemas.microsoft.com/office/drawing/2014/main" xmlns="" id="{4EDB1155-2E8E-4FB8-AD42-101FE4383231}"/>
+                  <a16:creationId xmlns="" xmlns:a16="http://schemas.microsoft.com/office/drawing/2014/main" id="{4EDB1155-2E8E-4FB8-AD42-101FE4383231}"/>
                 </a:ext>
                 <a:ext uri="{C183D7F6-B498-43B3-948B-1728B52AA6E4}">
-                  <adec:decorative xmlns:adec="http://schemas.microsoft.com/office/drawing/2017/decorative" xmlns="" val="1"/>
+                  <adec:decorative xmlns="" xmlns:adec="http://schemas.microsoft.com/office/drawing/2017/decorative" val="1"/>
                 </a:ext>
               </a:extLst>
             </p:cNvPr>
@@ -12938,7 +12938,7 @@
             <p:nvPr>
               <p:extLst>
                 <p:ext uri="{386F3935-93C4-4BCD-93E2-E3B085C9AB24}">
-                  <p16:designElem xmlns:p16="http://schemas.microsoft.com/office/powerpoint/2015/main" xmlns="" val="1"/>
+                  <p16:designElem xmlns="" xmlns:p16="http://schemas.microsoft.com/office/powerpoint/2015/main" val="1"/>
                 </p:ext>
               </p:extLst>
             </p:nvPr>
@@ -12998,7 +12998,7 @@
           <p:cNvPr id="2" name="Title 1">
             <a:extLst>
               <a:ext uri="{FF2B5EF4-FFF2-40B4-BE49-F238E27FC236}">
-                <a16:creationId xmlns:a16="http://schemas.microsoft.com/office/drawing/2014/main" xmlns="" id="{C7492CCE-C435-464E-A19A-D4C606FDBE3D}"/>
+                <a16:creationId xmlns="" xmlns:a16="http://schemas.microsoft.com/office/drawing/2014/main" id="{C7492CCE-C435-464E-A19A-D4C606FDBE3D}"/>
               </a:ext>
             </a:extLst>
           </p:cNvPr>
@@ -13034,7 +13034,7 @@
           <p:cNvPr id="3" name="Content Placeholder 2">
             <a:extLst>
               <a:ext uri="{FF2B5EF4-FFF2-40B4-BE49-F238E27FC236}">
-                <a16:creationId xmlns:a16="http://schemas.microsoft.com/office/drawing/2014/main" xmlns="" id="{60DFF4FA-F598-4962-B6AB-31A8BE724E52}"/>
+                <a16:creationId xmlns="" xmlns:a16="http://schemas.microsoft.com/office/drawing/2014/main" id="{60DFF4FA-F598-4962-B6AB-31A8BE724E52}"/>
               </a:ext>
             </a:extLst>
           </p:cNvPr>
@@ -13134,10 +13134,10 @@
           <p:cNvPr id="21" name="Rectangle 20">
             <a:extLst>
               <a:ext uri="{FF2B5EF4-FFF2-40B4-BE49-F238E27FC236}">
-                <a16:creationId xmlns:a16="http://schemas.microsoft.com/office/drawing/2014/main" xmlns="" id="{99CAC3B1-4879-424D-8F15-206277196159}"/>
+                <a16:creationId xmlns="" xmlns:a16="http://schemas.microsoft.com/office/drawing/2014/main" id="{99CAC3B1-4879-424D-8F15-206277196159}"/>
               </a:ext>
               <a:ext uri="{C183D7F6-B498-43B3-948B-1728B52AA6E4}">
-                <adec:decorative xmlns:adec="http://schemas.microsoft.com/office/drawing/2017/decorative" xmlns="" val="1"/>
+                <adec:decorative xmlns="" xmlns:adec="http://schemas.microsoft.com/office/drawing/2017/decorative" val="1"/>
               </a:ext>
             </a:extLst>
           </p:cNvPr>
@@ -13147,7 +13147,7 @@
           <p:nvPr>
             <p:extLst>
               <p:ext uri="{386F3935-93C4-4BCD-93E2-E3B085C9AB24}">
-                <p16:designElem xmlns:p16="http://schemas.microsoft.com/office/powerpoint/2015/main" xmlns="" val="1"/>
+                <p16:designElem xmlns="" xmlns:p16="http://schemas.microsoft.com/office/powerpoint/2015/main" val="1"/>
               </p:ext>
             </p:extLst>
           </p:nvPr>
@@ -13194,10 +13194,10 @@
           <p:cNvPr id="23" name="Group 22">
             <a:extLst>
               <a:ext uri="{FF2B5EF4-FFF2-40B4-BE49-F238E27FC236}">
-                <a16:creationId xmlns:a16="http://schemas.microsoft.com/office/drawing/2014/main" xmlns="" id="{4B8492CB-DFBA-4A82-9778-F21493DA36C1}"/>
+                <a16:creationId xmlns="" xmlns:a16="http://schemas.microsoft.com/office/drawing/2014/main" id="{4B8492CB-DFBA-4A82-9778-F21493DA36C1}"/>
               </a:ext>
               <a:ext uri="{C183D7F6-B498-43B3-948B-1728B52AA6E4}">
-                <adec:decorative xmlns:adec="http://schemas.microsoft.com/office/drawing/2017/decorative" xmlns="" val="1"/>
+                <adec:decorative xmlns="" xmlns:adec="http://schemas.microsoft.com/office/drawing/2017/decorative" val="1"/>
               </a:ext>
             </a:extLst>
           </p:cNvPr>
@@ -13207,7 +13207,7 @@
           <p:nvPr>
             <p:extLst>
               <p:ext uri="{386F3935-93C4-4BCD-93E2-E3B085C9AB24}">
-                <p16:designElem xmlns:p16="http://schemas.microsoft.com/office/powerpoint/2015/main" xmlns="" val="1"/>
+                <p16:designElem xmlns="" xmlns:p16="http://schemas.microsoft.com/office/powerpoint/2015/main" val="1"/>
               </p:ext>
             </p:extLst>
           </p:nvPr>
@@ -13225,10 +13225,10 @@
             <p:cNvPr id="24" name="Freeform 6">
               <a:extLst>
                 <a:ext uri="{FF2B5EF4-FFF2-40B4-BE49-F238E27FC236}">
-                  <a16:creationId xmlns:a16="http://schemas.microsoft.com/office/drawing/2014/main" xmlns="" id="{E34CC1C8-EBDD-4AEA-83E6-B27575B62E2E}"/>
+                  <a16:creationId xmlns="" xmlns:a16="http://schemas.microsoft.com/office/drawing/2014/main" id="{E34CC1C8-EBDD-4AEA-83E6-B27575B62E2E}"/>
                 </a:ext>
                 <a:ext uri="{C183D7F6-B498-43B3-948B-1728B52AA6E4}">
-                  <adec:decorative xmlns:adec="http://schemas.microsoft.com/office/drawing/2017/decorative" xmlns="" val="1"/>
+                  <adec:decorative xmlns="" xmlns:adec="http://schemas.microsoft.com/office/drawing/2017/decorative" val="1"/>
                 </a:ext>
               </a:extLst>
             </p:cNvPr>
@@ -13236,7 +13236,7 @@
             <p:nvPr>
               <p:extLst>
                 <p:ext uri="{386F3935-93C4-4BCD-93E2-E3B085C9AB24}">
-                  <p16:designElem xmlns:p16="http://schemas.microsoft.com/office/powerpoint/2015/main" xmlns="" val="1"/>
+                  <p16:designElem xmlns="" xmlns:p16="http://schemas.microsoft.com/office/powerpoint/2015/main" val="1"/>
                 </p:ext>
               </p:extLst>
             </p:nvPr>
@@ -13286,10 +13286,10 @@
             <p:cNvPr id="25" name="Freeform 7">
               <a:extLst>
                 <a:ext uri="{FF2B5EF4-FFF2-40B4-BE49-F238E27FC236}">
-                  <a16:creationId xmlns:a16="http://schemas.microsoft.com/office/drawing/2014/main" xmlns="" id="{D6B38644-B85D-4211-9526-5B4C2A662BF7}"/>
+                  <a16:creationId xmlns="" xmlns:a16="http://schemas.microsoft.com/office/drawing/2014/main" id="{D6B38644-B85D-4211-9526-5B4C2A662BF7}"/>
                 </a:ext>
                 <a:ext uri="{C183D7F6-B498-43B3-948B-1728B52AA6E4}">
-                  <adec:decorative xmlns:adec="http://schemas.microsoft.com/office/drawing/2017/decorative" xmlns="" val="1"/>
+                  <adec:decorative xmlns="" xmlns:adec="http://schemas.microsoft.com/office/drawing/2017/decorative" val="1"/>
                 </a:ext>
               </a:extLst>
             </p:cNvPr>
@@ -13297,7 +13297,7 @@
             <p:nvPr>
               <p:extLst>
                 <p:ext uri="{386F3935-93C4-4BCD-93E2-E3B085C9AB24}">
-                  <p16:designElem xmlns:p16="http://schemas.microsoft.com/office/powerpoint/2015/main" xmlns="" val="1"/>
+                  <p16:designElem xmlns="" xmlns:p16="http://schemas.microsoft.com/office/powerpoint/2015/main" val="1"/>
                 </p:ext>
               </p:extLst>
             </p:nvPr>
@@ -13350,10 +13350,10 @@
             <p:cNvPr id="26" name="Freeform 12">
               <a:extLst>
                 <a:ext uri="{FF2B5EF4-FFF2-40B4-BE49-F238E27FC236}">
-                  <a16:creationId xmlns:a16="http://schemas.microsoft.com/office/drawing/2014/main" xmlns="" id="{8A8B2820-6B8F-4C19-BFC5-D28EE44E54CB}"/>
+                  <a16:creationId xmlns="" xmlns:a16="http://schemas.microsoft.com/office/drawing/2014/main" id="{8A8B2820-6B8F-4C19-BFC5-D28EE44E54CB}"/>
                 </a:ext>
                 <a:ext uri="{C183D7F6-B498-43B3-948B-1728B52AA6E4}">
-                  <adec:decorative xmlns:adec="http://schemas.microsoft.com/office/drawing/2017/decorative" xmlns="" val="1"/>
+                  <adec:decorative xmlns="" xmlns:adec="http://schemas.microsoft.com/office/drawing/2017/decorative" val="1"/>
                 </a:ext>
               </a:extLst>
             </p:cNvPr>
@@ -13361,7 +13361,7 @@
             <p:nvPr>
               <p:extLst>
                 <p:ext uri="{386F3935-93C4-4BCD-93E2-E3B085C9AB24}">
-                  <p16:designElem xmlns:p16="http://schemas.microsoft.com/office/powerpoint/2015/main" xmlns="" val="1"/>
+                  <p16:designElem xmlns="" xmlns:p16="http://schemas.microsoft.com/office/powerpoint/2015/main" val="1"/>
                 </p:ext>
               </p:extLst>
             </p:nvPr>
@@ -13408,10 +13408,10 @@
             <p:cNvPr id="27" name="Freeform 13">
               <a:extLst>
                 <a:ext uri="{FF2B5EF4-FFF2-40B4-BE49-F238E27FC236}">
-                  <a16:creationId xmlns:a16="http://schemas.microsoft.com/office/drawing/2014/main" xmlns="" id="{773528ED-4D37-4A77-A8CA-86B6221C5E82}"/>
+                  <a16:creationId xmlns="" xmlns:a16="http://schemas.microsoft.com/office/drawing/2014/main" id="{773528ED-4D37-4A77-A8CA-86B6221C5E82}"/>
                 </a:ext>
                 <a:ext uri="{C183D7F6-B498-43B3-948B-1728B52AA6E4}">
-                  <adec:decorative xmlns:adec="http://schemas.microsoft.com/office/drawing/2017/decorative" xmlns="" val="1"/>
+                  <adec:decorative xmlns="" xmlns:adec="http://schemas.microsoft.com/office/drawing/2017/decorative" val="1"/>
                 </a:ext>
               </a:extLst>
             </p:cNvPr>
@@ -13419,7 +13419,7 @@
             <p:nvPr>
               <p:extLst>
                 <p:ext uri="{386F3935-93C4-4BCD-93E2-E3B085C9AB24}">
-                  <p16:designElem xmlns:p16="http://schemas.microsoft.com/office/powerpoint/2015/main" xmlns="" val="1"/>
+                  <p16:designElem xmlns="" xmlns:p16="http://schemas.microsoft.com/office/powerpoint/2015/main" val="1"/>
                 </p:ext>
               </p:extLst>
             </p:nvPr>
@@ -13468,10 +13468,10 @@
             <p:cNvPr id="28" name="Freeform 14">
               <a:extLst>
                 <a:ext uri="{FF2B5EF4-FFF2-40B4-BE49-F238E27FC236}">
-                  <a16:creationId xmlns:a16="http://schemas.microsoft.com/office/drawing/2014/main" xmlns="" id="{8A58A902-E944-4399-9A93-A91A6A82B166}"/>
+                  <a16:creationId xmlns="" xmlns:a16="http://schemas.microsoft.com/office/drawing/2014/main" id="{8A58A902-E944-4399-9A93-A91A6A82B166}"/>
                 </a:ext>
                 <a:ext uri="{C183D7F6-B498-43B3-948B-1728B52AA6E4}">
-                  <adec:decorative xmlns:adec="http://schemas.microsoft.com/office/drawing/2017/decorative" xmlns="" val="1"/>
+                  <adec:decorative xmlns="" xmlns:adec="http://schemas.microsoft.com/office/drawing/2017/decorative" val="1"/>
                 </a:ext>
               </a:extLst>
             </p:cNvPr>
@@ -13479,7 +13479,7 @@
             <p:nvPr>
               <p:extLst>
                 <p:ext uri="{386F3935-93C4-4BCD-93E2-E3B085C9AB24}">
-                  <p16:designElem xmlns:p16="http://schemas.microsoft.com/office/powerpoint/2015/main" xmlns="" val="1"/>
+                  <p16:designElem xmlns="" xmlns:p16="http://schemas.microsoft.com/office/powerpoint/2015/main" val="1"/>
                 </p:ext>
               </p:extLst>
             </p:nvPr>
@@ -13534,10 +13534,10 @@
             <p:cNvPr id="29" name="Freeform 15">
               <a:extLst>
                 <a:ext uri="{FF2B5EF4-FFF2-40B4-BE49-F238E27FC236}">
-                  <a16:creationId xmlns:a16="http://schemas.microsoft.com/office/drawing/2014/main" xmlns="" id="{4EDB1155-2E8E-4FB8-AD42-101FE4383231}"/>
+                  <a16:creationId xmlns="" xmlns:a16="http://schemas.microsoft.com/office/drawing/2014/main" id="{4EDB1155-2E8E-4FB8-AD42-101FE4383231}"/>
                 </a:ext>
                 <a:ext uri="{C183D7F6-B498-43B3-948B-1728B52AA6E4}">
-                  <adec:decorative xmlns:adec="http://schemas.microsoft.com/office/drawing/2017/decorative" xmlns="" val="1"/>
+                  <adec:decorative xmlns="" xmlns:adec="http://schemas.microsoft.com/office/drawing/2017/decorative" val="1"/>
                 </a:ext>
               </a:extLst>
             </p:cNvPr>
@@ -13545,7 +13545,7 @@
             <p:nvPr>
               <p:extLst>
                 <p:ext uri="{386F3935-93C4-4BCD-93E2-E3B085C9AB24}">
-                  <p16:designElem xmlns:p16="http://schemas.microsoft.com/office/powerpoint/2015/main" xmlns="" val="1"/>
+                  <p16:designElem xmlns="" xmlns:p16="http://schemas.microsoft.com/office/powerpoint/2015/main" val="1"/>
                 </p:ext>
               </p:extLst>
             </p:nvPr>
@@ -13605,7 +13605,7 @@
           <p:cNvPr id="2" name="Title 1">
             <a:extLst>
               <a:ext uri="{FF2B5EF4-FFF2-40B4-BE49-F238E27FC236}">
-                <a16:creationId xmlns:a16="http://schemas.microsoft.com/office/drawing/2014/main" xmlns="" id="{C7492CCE-C435-464E-A19A-D4C606FDBE3D}"/>
+                <a16:creationId xmlns="" xmlns:a16="http://schemas.microsoft.com/office/drawing/2014/main" id="{C7492CCE-C435-464E-A19A-D4C606FDBE3D}"/>
               </a:ext>
             </a:extLst>
           </p:cNvPr>
@@ -13641,7 +13641,7 @@
           <p:cNvPr id="3" name="Content Placeholder 2">
             <a:extLst>
               <a:ext uri="{FF2B5EF4-FFF2-40B4-BE49-F238E27FC236}">
-                <a16:creationId xmlns:a16="http://schemas.microsoft.com/office/drawing/2014/main" xmlns="" id="{60DFF4FA-F598-4962-B6AB-31A8BE724E52}"/>
+                <a16:creationId xmlns="" xmlns:a16="http://schemas.microsoft.com/office/drawing/2014/main" id="{60DFF4FA-F598-4962-B6AB-31A8BE724E52}"/>
               </a:ext>
             </a:extLst>
           </p:cNvPr>
@@ -13745,10 +13745,10 @@
           <p:cNvPr id="21" name="Rectangle 20">
             <a:extLst>
               <a:ext uri="{FF2B5EF4-FFF2-40B4-BE49-F238E27FC236}">
-                <a16:creationId xmlns:a16="http://schemas.microsoft.com/office/drawing/2014/main" xmlns="" id="{99CAC3B1-4879-424D-8F15-206277196159}"/>
+                <a16:creationId xmlns="" xmlns:a16="http://schemas.microsoft.com/office/drawing/2014/main" id="{99CAC3B1-4879-424D-8F15-206277196159}"/>
               </a:ext>
               <a:ext uri="{C183D7F6-B498-43B3-948B-1728B52AA6E4}">
-                <adec:decorative xmlns:adec="http://schemas.microsoft.com/office/drawing/2017/decorative" xmlns="" val="1"/>
+                <adec:decorative xmlns="" xmlns:adec="http://schemas.microsoft.com/office/drawing/2017/decorative" val="1"/>
               </a:ext>
             </a:extLst>
           </p:cNvPr>
@@ -13758,7 +13758,7 @@
           <p:nvPr>
             <p:extLst>
               <p:ext uri="{386F3935-93C4-4BCD-93E2-E3B085C9AB24}">
-                <p16:designElem xmlns:p16="http://schemas.microsoft.com/office/powerpoint/2015/main" xmlns="" val="1"/>
+                <p16:designElem xmlns="" xmlns:p16="http://schemas.microsoft.com/office/powerpoint/2015/main" val="1"/>
               </p:ext>
             </p:extLst>
           </p:nvPr>
@@ -13805,10 +13805,10 @@
           <p:cNvPr id="23" name="Group 22">
             <a:extLst>
               <a:ext uri="{FF2B5EF4-FFF2-40B4-BE49-F238E27FC236}">
-                <a16:creationId xmlns:a16="http://schemas.microsoft.com/office/drawing/2014/main" xmlns="" id="{4B8492CB-DFBA-4A82-9778-F21493DA36C1}"/>
+                <a16:creationId xmlns="" xmlns:a16="http://schemas.microsoft.com/office/drawing/2014/main" id="{4B8492CB-DFBA-4A82-9778-F21493DA36C1}"/>
               </a:ext>
               <a:ext uri="{C183D7F6-B498-43B3-948B-1728B52AA6E4}">
-                <adec:decorative xmlns:adec="http://schemas.microsoft.com/office/drawing/2017/decorative" xmlns="" val="1"/>
+                <adec:decorative xmlns="" xmlns:adec="http://schemas.microsoft.com/office/drawing/2017/decorative" val="1"/>
               </a:ext>
             </a:extLst>
           </p:cNvPr>
@@ -13818,7 +13818,7 @@
           <p:nvPr>
             <p:extLst>
               <p:ext uri="{386F3935-93C4-4BCD-93E2-E3B085C9AB24}">
-                <p16:designElem xmlns:p16="http://schemas.microsoft.com/office/powerpoint/2015/main" xmlns="" val="1"/>
+                <p16:designElem xmlns="" xmlns:p16="http://schemas.microsoft.com/office/powerpoint/2015/main" val="1"/>
               </p:ext>
             </p:extLst>
           </p:nvPr>
@@ -13836,10 +13836,10 @@
             <p:cNvPr id="24" name="Freeform 6">
               <a:extLst>
                 <a:ext uri="{FF2B5EF4-FFF2-40B4-BE49-F238E27FC236}">
-                  <a16:creationId xmlns:a16="http://schemas.microsoft.com/office/drawing/2014/main" xmlns="" id="{E34CC1C8-EBDD-4AEA-83E6-B27575B62E2E}"/>
+                  <a16:creationId xmlns="" xmlns:a16="http://schemas.microsoft.com/office/drawing/2014/main" id="{E34CC1C8-EBDD-4AEA-83E6-B27575B62E2E}"/>
                 </a:ext>
                 <a:ext uri="{C183D7F6-B498-43B3-948B-1728B52AA6E4}">
-                  <adec:decorative xmlns:adec="http://schemas.microsoft.com/office/drawing/2017/decorative" xmlns="" val="1"/>
+                  <adec:decorative xmlns="" xmlns:adec="http://schemas.microsoft.com/office/drawing/2017/decorative" val="1"/>
                 </a:ext>
               </a:extLst>
             </p:cNvPr>
@@ -13847,7 +13847,7 @@
             <p:nvPr>
               <p:extLst>
                 <p:ext uri="{386F3935-93C4-4BCD-93E2-E3B085C9AB24}">
-                  <p16:designElem xmlns:p16="http://schemas.microsoft.com/office/powerpoint/2015/main" xmlns="" val="1"/>
+                  <p16:designElem xmlns="" xmlns:p16="http://schemas.microsoft.com/office/powerpoint/2015/main" val="1"/>
                 </p:ext>
               </p:extLst>
             </p:nvPr>
@@ -13897,10 +13897,10 @@
             <p:cNvPr id="25" name="Freeform 7">
               <a:extLst>
                 <a:ext uri="{FF2B5EF4-FFF2-40B4-BE49-F238E27FC236}">
-                  <a16:creationId xmlns:a16="http://schemas.microsoft.com/office/drawing/2014/main" xmlns="" id="{D6B38644-B85D-4211-9526-5B4C2A662BF7}"/>
+                  <a16:creationId xmlns="" xmlns:a16="http://schemas.microsoft.com/office/drawing/2014/main" id="{D6B38644-B85D-4211-9526-5B4C2A662BF7}"/>
                 </a:ext>
                 <a:ext uri="{C183D7F6-B498-43B3-948B-1728B52AA6E4}">
-                  <adec:decorative xmlns:adec="http://schemas.microsoft.com/office/drawing/2017/decorative" xmlns="" val="1"/>
+                  <adec:decorative xmlns="" xmlns:adec="http://schemas.microsoft.com/office/drawing/2017/decorative" val="1"/>
                 </a:ext>
               </a:extLst>
             </p:cNvPr>
@@ -13908,7 +13908,7 @@
             <p:nvPr>
               <p:extLst>
                 <p:ext uri="{386F3935-93C4-4BCD-93E2-E3B085C9AB24}">
-                  <p16:designElem xmlns:p16="http://schemas.microsoft.com/office/powerpoint/2015/main" xmlns="" val="1"/>
+                  <p16:designElem xmlns="" xmlns:p16="http://schemas.microsoft.com/office/powerpoint/2015/main" val="1"/>
                 </p:ext>
               </p:extLst>
             </p:nvPr>
@@ -13961,10 +13961,10 @@
             <p:cNvPr id="26" name="Freeform 12">
               <a:extLst>
                 <a:ext uri="{FF2B5EF4-FFF2-40B4-BE49-F238E27FC236}">
-                  <a16:creationId xmlns:a16="http://schemas.microsoft.com/office/drawing/2014/main" xmlns="" id="{8A8B2820-6B8F-4C19-BFC5-D28EE44E54CB}"/>
+                  <a16:creationId xmlns="" xmlns:a16="http://schemas.microsoft.com/office/drawing/2014/main" id="{8A8B2820-6B8F-4C19-BFC5-D28EE44E54CB}"/>
                 </a:ext>
                 <a:ext uri="{C183D7F6-B498-43B3-948B-1728B52AA6E4}">
-                  <adec:decorative xmlns:adec="http://schemas.microsoft.com/office/drawing/2017/decorative" xmlns="" val="1"/>
+                  <adec:decorative xmlns="" xmlns:adec="http://schemas.microsoft.com/office/drawing/2017/decorative" val="1"/>
                 </a:ext>
               </a:extLst>
             </p:cNvPr>
@@ -13972,7 +13972,7 @@
             <p:nvPr>
               <p:extLst>
                 <p:ext uri="{386F3935-93C4-4BCD-93E2-E3B085C9AB24}">
-                  <p16:designElem xmlns:p16="http://schemas.microsoft.com/office/powerpoint/2015/main" xmlns="" val="1"/>
+                  <p16:designElem xmlns="" xmlns:p16="http://schemas.microsoft.com/office/powerpoint/2015/main" val="1"/>
                 </p:ext>
               </p:extLst>
             </p:nvPr>
@@ -14019,10 +14019,10 @@
             <p:cNvPr id="27" name="Freeform 13">
               <a:extLst>
                 <a:ext uri="{FF2B5EF4-FFF2-40B4-BE49-F238E27FC236}">
-                  <a16:creationId xmlns:a16="http://schemas.microsoft.com/office/drawing/2014/main" xmlns="" id="{773528ED-4D37-4A77-A8CA-86B6221C5E82}"/>
+                  <a16:creationId xmlns="" xmlns:a16="http://schemas.microsoft.com/office/drawing/2014/main" id="{773528ED-4D37-4A77-A8CA-86B6221C5E82}"/>
                 </a:ext>
                 <a:ext uri="{C183D7F6-B498-43B3-948B-1728B52AA6E4}">
-                  <adec:decorative xmlns:adec="http://schemas.microsoft.com/office/drawing/2017/decorative" xmlns="" val="1"/>
+                  <adec:decorative xmlns="" xmlns:adec="http://schemas.microsoft.com/office/drawing/2017/decorative" val="1"/>
                 </a:ext>
               </a:extLst>
             </p:cNvPr>
@@ -14030,7 +14030,7 @@
             <p:nvPr>
               <p:extLst>
                 <p:ext uri="{386F3935-93C4-4BCD-93E2-E3B085C9AB24}">
-                  <p16:designElem xmlns:p16="http://schemas.microsoft.com/office/powerpoint/2015/main" xmlns="" val="1"/>
+                  <p16:designElem xmlns="" xmlns:p16="http://schemas.microsoft.com/office/powerpoint/2015/main" val="1"/>
                 </p:ext>
               </p:extLst>
             </p:nvPr>
@@ -14079,10 +14079,10 @@
             <p:cNvPr id="28" name="Freeform 14">
               <a:extLst>
                 <a:ext uri="{FF2B5EF4-FFF2-40B4-BE49-F238E27FC236}">
-                  <a16:creationId xmlns:a16="http://schemas.microsoft.com/office/drawing/2014/main" xmlns="" id="{8A58A902-E944-4399-9A93-A91A6A82B166}"/>
+                  <a16:creationId xmlns="" xmlns:a16="http://schemas.microsoft.com/office/drawing/2014/main" id="{8A58A902-E944-4399-9A93-A91A6A82B166}"/>
                 </a:ext>
                 <a:ext uri="{C183D7F6-B498-43B3-948B-1728B52AA6E4}">
-                  <adec:decorative xmlns:adec="http://schemas.microsoft.com/office/drawing/2017/decorative" xmlns="" val="1"/>
+                  <adec:decorative xmlns="" xmlns:adec="http://schemas.microsoft.com/office/drawing/2017/decorative" val="1"/>
                 </a:ext>
               </a:extLst>
             </p:cNvPr>
@@ -14090,7 +14090,7 @@
             <p:nvPr>
               <p:extLst>
                 <p:ext uri="{386F3935-93C4-4BCD-93E2-E3B085C9AB24}">
-                  <p16:designElem xmlns:p16="http://schemas.microsoft.com/office/powerpoint/2015/main" xmlns="" val="1"/>
+                  <p16:designElem xmlns="" xmlns:p16="http://schemas.microsoft.com/office/powerpoint/2015/main" val="1"/>
                 </p:ext>
               </p:extLst>
             </p:nvPr>
@@ -14145,10 +14145,10 @@
             <p:cNvPr id="29" name="Freeform 15">
               <a:extLst>
                 <a:ext uri="{FF2B5EF4-FFF2-40B4-BE49-F238E27FC236}">
-                  <a16:creationId xmlns:a16="http://schemas.microsoft.com/office/drawing/2014/main" xmlns="" id="{4EDB1155-2E8E-4FB8-AD42-101FE4383231}"/>
+                  <a16:creationId xmlns="" xmlns:a16="http://schemas.microsoft.com/office/drawing/2014/main" id="{4EDB1155-2E8E-4FB8-AD42-101FE4383231}"/>
                 </a:ext>
                 <a:ext uri="{C183D7F6-B498-43B3-948B-1728B52AA6E4}">
-                  <adec:decorative xmlns:adec="http://schemas.microsoft.com/office/drawing/2017/decorative" xmlns="" val="1"/>
+                  <adec:decorative xmlns="" xmlns:adec="http://schemas.microsoft.com/office/drawing/2017/decorative" val="1"/>
                 </a:ext>
               </a:extLst>
             </p:cNvPr>
@@ -14156,7 +14156,7 @@
             <p:nvPr>
               <p:extLst>
                 <p:ext uri="{386F3935-93C4-4BCD-93E2-E3B085C9AB24}">
-                  <p16:designElem xmlns:p16="http://schemas.microsoft.com/office/powerpoint/2015/main" xmlns="" val="1"/>
+                  <p16:designElem xmlns="" xmlns:p16="http://schemas.microsoft.com/office/powerpoint/2015/main" val="1"/>
                 </p:ext>
               </p:extLst>
             </p:nvPr>
@@ -14216,7 +14216,7 @@
           <p:cNvPr id="2" name="Title 1">
             <a:extLst>
               <a:ext uri="{FF2B5EF4-FFF2-40B4-BE49-F238E27FC236}">
-                <a16:creationId xmlns:a16="http://schemas.microsoft.com/office/drawing/2014/main" xmlns="" id="{C7492CCE-C435-464E-A19A-D4C606FDBE3D}"/>
+                <a16:creationId xmlns="" xmlns:a16="http://schemas.microsoft.com/office/drawing/2014/main" id="{C7492CCE-C435-464E-A19A-D4C606FDBE3D}"/>
               </a:ext>
             </a:extLst>
           </p:cNvPr>
@@ -14252,7 +14252,7 @@
           <p:cNvPr id="3" name="Content Placeholder 2">
             <a:extLst>
               <a:ext uri="{FF2B5EF4-FFF2-40B4-BE49-F238E27FC236}">
-                <a16:creationId xmlns:a16="http://schemas.microsoft.com/office/drawing/2014/main" xmlns="" id="{60DFF4FA-F598-4962-B6AB-31A8BE724E52}"/>
+                <a16:creationId xmlns="" xmlns:a16="http://schemas.microsoft.com/office/drawing/2014/main" id="{60DFF4FA-F598-4962-B6AB-31A8BE724E52}"/>
               </a:ext>
             </a:extLst>
           </p:cNvPr>
@@ -14282,10 +14282,25 @@
           </a:p>
           <a:p>
             <a:r>
-              <a:rPr lang="en-US" sz="1800"/>
-              <a:t>Large Scale Ocean surface simulation</a:t>
+              <a:rPr lang="en-US" sz="1800" dirty="0"/>
+              <a:t>Large </a:t>
             </a:r>
-            <a:endParaRPr lang="en-US" sz="1800" dirty="0"/>
+            <a:r>
+              <a:rPr lang="en-US" sz="1800" dirty="0" smtClean="0"/>
+              <a:t>scale </a:t>
+            </a:r>
+            <a:r>
+              <a:rPr lang="en-US" sz="1800" dirty="0"/>
+              <a:t>o</a:t>
+            </a:r>
+            <a:r>
+              <a:rPr lang="en-US" sz="1800" dirty="0" smtClean="0"/>
+              <a:t>cean </a:t>
+            </a:r>
+            <a:r>
+              <a:rPr lang="en-US" sz="1800" dirty="0"/>
+              <a:t>surface simulation</a:t>
+            </a:r>
           </a:p>
           <a:p>
             <a:r>
@@ -14306,7 +14321,7 @@
           <p:cNvPr id="5" name="TextBox 4">
             <a:extLst>
               <a:ext uri="{FF2B5EF4-FFF2-40B4-BE49-F238E27FC236}">
-                <a16:creationId xmlns:a16="http://schemas.microsoft.com/office/drawing/2014/main" xmlns="" id="{466A409B-90E2-4ACB-8A16-0329B5CEE6DF}"/>
+                <a16:creationId xmlns="" xmlns:a16="http://schemas.microsoft.com/office/drawing/2014/main" id="{466A409B-90E2-4ACB-8A16-0329B5CEE6DF}"/>
               </a:ext>
             </a:extLst>
           </p:cNvPr>
@@ -14353,7 +14368,7 @@
           <p:cNvPr id="7" name="Straight Arrow Connector 6">
             <a:extLst>
               <a:ext uri="{FF2B5EF4-FFF2-40B4-BE49-F238E27FC236}">
-                <a16:creationId xmlns:a16="http://schemas.microsoft.com/office/drawing/2014/main" xmlns="" id="{6C986E87-252D-4CDD-90A3-050A5080DF44}"/>
+                <a16:creationId xmlns="" xmlns:a16="http://schemas.microsoft.com/office/drawing/2014/main" id="{6C986E87-252D-4CDD-90A3-050A5080DF44}"/>
               </a:ext>
             </a:extLst>
           </p:cNvPr>
@@ -14394,7 +14409,7 @@
           <p:cNvPr id="17" name="Straight Arrow Connector 16">
             <a:extLst>
               <a:ext uri="{FF2B5EF4-FFF2-40B4-BE49-F238E27FC236}">
-                <a16:creationId xmlns:a16="http://schemas.microsoft.com/office/drawing/2014/main" xmlns="" id="{8B32EEAB-6F30-4731-8D76-02708A63C23C}"/>
+                <a16:creationId xmlns="" xmlns:a16="http://schemas.microsoft.com/office/drawing/2014/main" id="{8B32EEAB-6F30-4731-8D76-02708A63C23C}"/>
               </a:ext>
             </a:extLst>
           </p:cNvPr>
@@ -14435,7 +14450,7 @@
           <p:cNvPr id="18" name="Straight Arrow Connector 17">
             <a:extLst>
               <a:ext uri="{FF2B5EF4-FFF2-40B4-BE49-F238E27FC236}">
-                <a16:creationId xmlns:a16="http://schemas.microsoft.com/office/drawing/2014/main" xmlns="" id="{E930BBA9-7BA1-48A0-A9E1-F9545CD11BAA}"/>
+                <a16:creationId xmlns="" xmlns:a16="http://schemas.microsoft.com/office/drawing/2014/main" id="{E930BBA9-7BA1-48A0-A9E1-F9545CD11BAA}"/>
               </a:ext>
             </a:extLst>
           </p:cNvPr>
@@ -14476,7 +14491,7 @@
           <p:cNvPr id="19" name="Straight Arrow Connector 18">
             <a:extLst>
               <a:ext uri="{FF2B5EF4-FFF2-40B4-BE49-F238E27FC236}">
-                <a16:creationId xmlns:a16="http://schemas.microsoft.com/office/drawing/2014/main" xmlns="" id="{72D8D5ED-08A2-4E59-AA33-3E70202E855D}"/>
+                <a16:creationId xmlns="" xmlns:a16="http://schemas.microsoft.com/office/drawing/2014/main" id="{72D8D5ED-08A2-4E59-AA33-3E70202E855D}"/>
               </a:ext>
             </a:extLst>
           </p:cNvPr>
@@ -14555,10 +14570,10 @@
           <p:cNvPr id="21" name="Rectangle 20">
             <a:extLst>
               <a:ext uri="{FF2B5EF4-FFF2-40B4-BE49-F238E27FC236}">
-                <a16:creationId xmlns:a16="http://schemas.microsoft.com/office/drawing/2014/main" xmlns="" id="{99CAC3B1-4879-424D-8F15-206277196159}"/>
+                <a16:creationId xmlns="" xmlns:a16="http://schemas.microsoft.com/office/drawing/2014/main" id="{99CAC3B1-4879-424D-8F15-206277196159}"/>
               </a:ext>
               <a:ext uri="{C183D7F6-B498-43B3-948B-1728B52AA6E4}">
-                <adec:decorative xmlns:adec="http://schemas.microsoft.com/office/drawing/2017/decorative" xmlns="" val="1"/>
+                <adec:decorative xmlns="" xmlns:adec="http://schemas.microsoft.com/office/drawing/2017/decorative" val="1"/>
               </a:ext>
             </a:extLst>
           </p:cNvPr>
@@ -14568,7 +14583,7 @@
           <p:nvPr>
             <p:extLst>
               <p:ext uri="{386F3935-93C4-4BCD-93E2-E3B085C9AB24}">
-                <p16:designElem xmlns:p16="http://schemas.microsoft.com/office/powerpoint/2015/main" xmlns="" val="1"/>
+                <p16:designElem xmlns="" xmlns:p16="http://schemas.microsoft.com/office/powerpoint/2015/main" val="1"/>
               </p:ext>
             </p:extLst>
           </p:nvPr>
@@ -14615,10 +14630,10 @@
           <p:cNvPr id="23" name="Group 22">
             <a:extLst>
               <a:ext uri="{FF2B5EF4-FFF2-40B4-BE49-F238E27FC236}">
-                <a16:creationId xmlns:a16="http://schemas.microsoft.com/office/drawing/2014/main" xmlns="" id="{4B8492CB-DFBA-4A82-9778-F21493DA36C1}"/>
+                <a16:creationId xmlns="" xmlns:a16="http://schemas.microsoft.com/office/drawing/2014/main" id="{4B8492CB-DFBA-4A82-9778-F21493DA36C1}"/>
               </a:ext>
               <a:ext uri="{C183D7F6-B498-43B3-948B-1728B52AA6E4}">
-                <adec:decorative xmlns:adec="http://schemas.microsoft.com/office/drawing/2017/decorative" xmlns="" val="1"/>
+                <adec:decorative xmlns="" xmlns:adec="http://schemas.microsoft.com/office/drawing/2017/decorative" val="1"/>
               </a:ext>
             </a:extLst>
           </p:cNvPr>
@@ -14628,7 +14643,7 @@
           <p:nvPr>
             <p:extLst>
               <p:ext uri="{386F3935-93C4-4BCD-93E2-E3B085C9AB24}">
-                <p16:designElem xmlns:p16="http://schemas.microsoft.com/office/powerpoint/2015/main" xmlns="" val="1"/>
+                <p16:designElem xmlns="" xmlns:p16="http://schemas.microsoft.com/office/powerpoint/2015/main" val="1"/>
               </p:ext>
             </p:extLst>
           </p:nvPr>
@@ -14646,10 +14661,10 @@
             <p:cNvPr id="24" name="Freeform 6">
               <a:extLst>
                 <a:ext uri="{FF2B5EF4-FFF2-40B4-BE49-F238E27FC236}">
-                  <a16:creationId xmlns:a16="http://schemas.microsoft.com/office/drawing/2014/main" xmlns="" id="{E34CC1C8-EBDD-4AEA-83E6-B27575B62E2E}"/>
+                  <a16:creationId xmlns="" xmlns:a16="http://schemas.microsoft.com/office/drawing/2014/main" id="{E34CC1C8-EBDD-4AEA-83E6-B27575B62E2E}"/>
                 </a:ext>
                 <a:ext uri="{C183D7F6-B498-43B3-948B-1728B52AA6E4}">
-                  <adec:decorative xmlns:adec="http://schemas.microsoft.com/office/drawing/2017/decorative" xmlns="" val="1"/>
+                  <adec:decorative xmlns="" xmlns:adec="http://schemas.microsoft.com/office/drawing/2017/decorative" val="1"/>
                 </a:ext>
               </a:extLst>
             </p:cNvPr>
@@ -14657,7 +14672,7 @@
             <p:nvPr>
               <p:extLst>
                 <p:ext uri="{386F3935-93C4-4BCD-93E2-E3B085C9AB24}">
-                  <p16:designElem xmlns:p16="http://schemas.microsoft.com/office/powerpoint/2015/main" xmlns="" val="1"/>
+                  <p16:designElem xmlns="" xmlns:p16="http://schemas.microsoft.com/office/powerpoint/2015/main" val="1"/>
                 </p:ext>
               </p:extLst>
             </p:nvPr>
@@ -14707,10 +14722,10 @@
             <p:cNvPr id="25" name="Freeform 7">
               <a:extLst>
                 <a:ext uri="{FF2B5EF4-FFF2-40B4-BE49-F238E27FC236}">
-                  <a16:creationId xmlns:a16="http://schemas.microsoft.com/office/drawing/2014/main" xmlns="" id="{D6B38644-B85D-4211-9526-5B4C2A662BF7}"/>
+                  <a16:creationId xmlns="" xmlns:a16="http://schemas.microsoft.com/office/drawing/2014/main" id="{D6B38644-B85D-4211-9526-5B4C2A662BF7}"/>
                 </a:ext>
                 <a:ext uri="{C183D7F6-B498-43B3-948B-1728B52AA6E4}">
-                  <adec:decorative xmlns:adec="http://schemas.microsoft.com/office/drawing/2017/decorative" xmlns="" val="1"/>
+                  <adec:decorative xmlns="" xmlns:adec="http://schemas.microsoft.com/office/drawing/2017/decorative" val="1"/>
                 </a:ext>
               </a:extLst>
             </p:cNvPr>
@@ -14718,7 +14733,7 @@
             <p:nvPr>
               <p:extLst>
                 <p:ext uri="{386F3935-93C4-4BCD-93E2-E3B085C9AB24}">
-                  <p16:designElem xmlns:p16="http://schemas.microsoft.com/office/powerpoint/2015/main" xmlns="" val="1"/>
+                  <p16:designElem xmlns="" xmlns:p16="http://schemas.microsoft.com/office/powerpoint/2015/main" val="1"/>
                 </p:ext>
               </p:extLst>
             </p:nvPr>
@@ -14771,10 +14786,10 @@
             <p:cNvPr id="26" name="Freeform 12">
               <a:extLst>
                 <a:ext uri="{FF2B5EF4-FFF2-40B4-BE49-F238E27FC236}">
-                  <a16:creationId xmlns:a16="http://schemas.microsoft.com/office/drawing/2014/main" xmlns="" id="{8A8B2820-6B8F-4C19-BFC5-D28EE44E54CB}"/>
+                  <a16:creationId xmlns="" xmlns:a16="http://schemas.microsoft.com/office/drawing/2014/main" id="{8A8B2820-6B8F-4C19-BFC5-D28EE44E54CB}"/>
                 </a:ext>
                 <a:ext uri="{C183D7F6-B498-43B3-948B-1728B52AA6E4}">
-                  <adec:decorative xmlns:adec="http://schemas.microsoft.com/office/drawing/2017/decorative" xmlns="" val="1"/>
+                  <adec:decorative xmlns="" xmlns:adec="http://schemas.microsoft.com/office/drawing/2017/decorative" val="1"/>
                 </a:ext>
               </a:extLst>
             </p:cNvPr>
@@ -14782,7 +14797,7 @@
             <p:nvPr>
               <p:extLst>
                 <p:ext uri="{386F3935-93C4-4BCD-93E2-E3B085C9AB24}">
-                  <p16:designElem xmlns:p16="http://schemas.microsoft.com/office/powerpoint/2015/main" xmlns="" val="1"/>
+                  <p16:designElem xmlns="" xmlns:p16="http://schemas.microsoft.com/office/powerpoint/2015/main" val="1"/>
                 </p:ext>
               </p:extLst>
             </p:nvPr>
@@ -14829,10 +14844,10 @@
             <p:cNvPr id="27" name="Freeform 13">
               <a:extLst>
                 <a:ext uri="{FF2B5EF4-FFF2-40B4-BE49-F238E27FC236}">
-                  <a16:creationId xmlns:a16="http://schemas.microsoft.com/office/drawing/2014/main" xmlns="" id="{773528ED-4D37-4A77-A8CA-86B6221C5E82}"/>
+                  <a16:creationId xmlns="" xmlns:a16="http://schemas.microsoft.com/office/drawing/2014/main" id="{773528ED-4D37-4A77-A8CA-86B6221C5E82}"/>
                 </a:ext>
                 <a:ext uri="{C183D7F6-B498-43B3-948B-1728B52AA6E4}">
-                  <adec:decorative xmlns:adec="http://schemas.microsoft.com/office/drawing/2017/decorative" xmlns="" val="1"/>
+                  <adec:decorative xmlns="" xmlns:adec="http://schemas.microsoft.com/office/drawing/2017/decorative" val="1"/>
                 </a:ext>
               </a:extLst>
             </p:cNvPr>
@@ -14840,7 +14855,7 @@
             <p:nvPr>
               <p:extLst>
                 <p:ext uri="{386F3935-93C4-4BCD-93E2-E3B085C9AB24}">
-                  <p16:designElem xmlns:p16="http://schemas.microsoft.com/office/powerpoint/2015/main" xmlns="" val="1"/>
+                  <p16:designElem xmlns="" xmlns:p16="http://schemas.microsoft.com/office/powerpoint/2015/main" val="1"/>
                 </p:ext>
               </p:extLst>
             </p:nvPr>
@@ -14889,10 +14904,10 @@
             <p:cNvPr id="28" name="Freeform 14">
               <a:extLst>
                 <a:ext uri="{FF2B5EF4-FFF2-40B4-BE49-F238E27FC236}">
-                  <a16:creationId xmlns:a16="http://schemas.microsoft.com/office/drawing/2014/main" xmlns="" id="{8A58A902-E944-4399-9A93-A91A6A82B166}"/>
+                  <a16:creationId xmlns="" xmlns:a16="http://schemas.microsoft.com/office/drawing/2014/main" id="{8A58A902-E944-4399-9A93-A91A6A82B166}"/>
                 </a:ext>
                 <a:ext uri="{C183D7F6-B498-43B3-948B-1728B52AA6E4}">
-                  <adec:decorative xmlns:adec="http://schemas.microsoft.com/office/drawing/2017/decorative" xmlns="" val="1"/>
+                  <adec:decorative xmlns="" xmlns:adec="http://schemas.microsoft.com/office/drawing/2017/decorative" val="1"/>
                 </a:ext>
               </a:extLst>
             </p:cNvPr>
@@ -14900,7 +14915,7 @@
             <p:nvPr>
               <p:extLst>
                 <p:ext uri="{386F3935-93C4-4BCD-93E2-E3B085C9AB24}">
-                  <p16:designElem xmlns:p16="http://schemas.microsoft.com/office/powerpoint/2015/main" xmlns="" val="1"/>
+                  <p16:designElem xmlns="" xmlns:p16="http://schemas.microsoft.com/office/powerpoint/2015/main" val="1"/>
                 </p:ext>
               </p:extLst>
             </p:nvPr>
@@ -14955,10 +14970,10 @@
             <p:cNvPr id="29" name="Freeform 15">
               <a:extLst>
                 <a:ext uri="{FF2B5EF4-FFF2-40B4-BE49-F238E27FC236}">
-                  <a16:creationId xmlns:a16="http://schemas.microsoft.com/office/drawing/2014/main" xmlns="" id="{4EDB1155-2E8E-4FB8-AD42-101FE4383231}"/>
+                  <a16:creationId xmlns="" xmlns:a16="http://schemas.microsoft.com/office/drawing/2014/main" id="{4EDB1155-2E8E-4FB8-AD42-101FE4383231}"/>
                 </a:ext>
                 <a:ext uri="{C183D7F6-B498-43B3-948B-1728B52AA6E4}">
-                  <adec:decorative xmlns:adec="http://schemas.microsoft.com/office/drawing/2017/decorative" xmlns="" val="1"/>
+                  <adec:decorative xmlns="" xmlns:adec="http://schemas.microsoft.com/office/drawing/2017/decorative" val="1"/>
                 </a:ext>
               </a:extLst>
             </p:cNvPr>
@@ -14966,7 +14981,7 @@
             <p:nvPr>
               <p:extLst>
                 <p:ext uri="{386F3935-93C4-4BCD-93E2-E3B085C9AB24}">
-                  <p16:designElem xmlns:p16="http://schemas.microsoft.com/office/powerpoint/2015/main" xmlns="" val="1"/>
+                  <p16:designElem xmlns="" xmlns:p16="http://schemas.microsoft.com/office/powerpoint/2015/main" val="1"/>
                 </p:ext>
               </p:extLst>
             </p:nvPr>
@@ -15026,7 +15041,7 @@
           <p:cNvPr id="5" name="TextBox 4">
             <a:extLst>
               <a:ext uri="{FF2B5EF4-FFF2-40B4-BE49-F238E27FC236}">
-                <a16:creationId xmlns:a16="http://schemas.microsoft.com/office/drawing/2014/main" xmlns="" id="{466A409B-90E2-4ACB-8A16-0329B5CEE6DF}"/>
+                <a16:creationId xmlns="" xmlns:a16="http://schemas.microsoft.com/office/drawing/2014/main" id="{466A409B-90E2-4ACB-8A16-0329B5CEE6DF}"/>
               </a:ext>
             </a:extLst>
           </p:cNvPr>
@@ -15073,7 +15088,7 @@
           <p:cNvPr id="7" name="Straight Arrow Connector 6">
             <a:extLst>
               <a:ext uri="{FF2B5EF4-FFF2-40B4-BE49-F238E27FC236}">
-                <a16:creationId xmlns:a16="http://schemas.microsoft.com/office/drawing/2014/main" xmlns="" id="{6C986E87-252D-4CDD-90A3-050A5080DF44}"/>
+                <a16:creationId xmlns="" xmlns:a16="http://schemas.microsoft.com/office/drawing/2014/main" id="{6C986E87-252D-4CDD-90A3-050A5080DF44}"/>
               </a:ext>
             </a:extLst>
           </p:cNvPr>
@@ -15114,7 +15129,7 @@
           <p:cNvPr id="17" name="Straight Arrow Connector 16">
             <a:extLst>
               <a:ext uri="{FF2B5EF4-FFF2-40B4-BE49-F238E27FC236}">
-                <a16:creationId xmlns:a16="http://schemas.microsoft.com/office/drawing/2014/main" xmlns="" id="{8B32EEAB-6F30-4731-8D76-02708A63C23C}"/>
+                <a16:creationId xmlns="" xmlns:a16="http://schemas.microsoft.com/office/drawing/2014/main" id="{8B32EEAB-6F30-4731-8D76-02708A63C23C}"/>
               </a:ext>
             </a:extLst>
           </p:cNvPr>
@@ -15155,7 +15170,7 @@
           <p:cNvPr id="18" name="Straight Arrow Connector 17">
             <a:extLst>
               <a:ext uri="{FF2B5EF4-FFF2-40B4-BE49-F238E27FC236}">
-                <a16:creationId xmlns:a16="http://schemas.microsoft.com/office/drawing/2014/main" xmlns="" id="{E930BBA9-7BA1-48A0-A9E1-F9545CD11BAA}"/>
+                <a16:creationId xmlns="" xmlns:a16="http://schemas.microsoft.com/office/drawing/2014/main" id="{E930BBA9-7BA1-48A0-A9E1-F9545CD11BAA}"/>
               </a:ext>
             </a:extLst>
           </p:cNvPr>
@@ -15196,7 +15211,7 @@
           <p:cNvPr id="19" name="Straight Arrow Connector 18">
             <a:extLst>
               <a:ext uri="{FF2B5EF4-FFF2-40B4-BE49-F238E27FC236}">
-                <a16:creationId xmlns:a16="http://schemas.microsoft.com/office/drawing/2014/main" xmlns="" id="{72D8D5ED-08A2-4E59-AA33-3E70202E855D}"/>
+                <a16:creationId xmlns="" xmlns:a16="http://schemas.microsoft.com/office/drawing/2014/main" id="{72D8D5ED-08A2-4E59-AA33-3E70202E855D}"/>
               </a:ext>
             </a:extLst>
           </p:cNvPr>
@@ -15237,7 +15252,7 @@
           <p:cNvPr id="34" name="Picture 33">
             <a:extLst>
               <a:ext uri="{FF2B5EF4-FFF2-40B4-BE49-F238E27FC236}">
-                <a16:creationId xmlns="" xmlns:a16="http://schemas.microsoft.com/office/drawing/2014/main" xmlns:lc="http://schemas.openxmlformats.org/drawingml/2006/lockedCanvas" id="{C796CA00-FA13-476A-9ABE-1A17344ABC61}"/>
+                <a16:creationId xmlns:lc="http://schemas.openxmlformats.org/drawingml/2006/lockedCanvas" xmlns:a16="http://schemas.microsoft.com/office/drawing/2014/main" xmlns="" id="{C796CA00-FA13-476A-9ABE-1A17344ABC61}"/>
               </a:ext>
             </a:extLst>
           </p:cNvPr>
@@ -15267,7 +15282,7 @@
           <p:cNvPr id="35" name="Picture 34">
             <a:extLst>
               <a:ext uri="{FF2B5EF4-FFF2-40B4-BE49-F238E27FC236}">
-                <a16:creationId xmlns="" xmlns:a16="http://schemas.microsoft.com/office/drawing/2014/main" xmlns:lc="http://schemas.openxmlformats.org/drawingml/2006/lockedCanvas" id="{A79A5D21-C558-490D-B09E-AE5E23A6C111}"/>
+                <a16:creationId xmlns:lc="http://schemas.openxmlformats.org/drawingml/2006/lockedCanvas" xmlns:a16="http://schemas.microsoft.com/office/drawing/2014/main" xmlns="" id="{A79A5D21-C558-490D-B09E-AE5E23A6C111}"/>
               </a:ext>
             </a:extLst>
           </p:cNvPr>
@@ -15297,7 +15312,7 @@
           <p:cNvPr id="36" name="Picture 35">
             <a:extLst>
               <a:ext uri="{FF2B5EF4-FFF2-40B4-BE49-F238E27FC236}">
-                <a16:creationId xmlns="" xmlns:a16="http://schemas.microsoft.com/office/drawing/2014/main" xmlns:lc="http://schemas.openxmlformats.org/drawingml/2006/lockedCanvas" id="{24BE2ABE-8A1A-4A61-8921-27405C2CCB19}"/>
+                <a16:creationId xmlns:lc="http://schemas.openxmlformats.org/drawingml/2006/lockedCanvas" xmlns:a16="http://schemas.microsoft.com/office/drawing/2014/main" xmlns="" id="{24BE2ABE-8A1A-4A61-8921-27405C2CCB19}"/>
               </a:ext>
             </a:extLst>
           </p:cNvPr>
@@ -15327,7 +15342,7 @@
           <p:cNvPr id="37" name="TextBox 11">
             <a:extLst>
               <a:ext uri="{FF2B5EF4-FFF2-40B4-BE49-F238E27FC236}">
-                <a16:creationId xmlns="" xmlns:a16="http://schemas.microsoft.com/office/drawing/2014/main" xmlns:lc="http://schemas.openxmlformats.org/drawingml/2006/lockedCanvas" id="{3ED8D828-23F6-4F62-895A-0C04DE02C6A7}"/>
+                <a16:creationId xmlns:lc="http://schemas.openxmlformats.org/drawingml/2006/lockedCanvas" xmlns:a16="http://schemas.microsoft.com/office/drawing/2014/main" xmlns="" id="{3ED8D828-23F6-4F62-895A-0C04DE02C6A7}"/>
               </a:ext>
             </a:extLst>
           </p:cNvPr>
@@ -15456,7 +15471,7 @@
           <p:cNvPr id="38" name="TextBox 13">
             <a:extLst>
               <a:ext uri="{FF2B5EF4-FFF2-40B4-BE49-F238E27FC236}">
-                <a16:creationId xmlns="" xmlns:a16="http://schemas.microsoft.com/office/drawing/2014/main" xmlns:lc="http://schemas.openxmlformats.org/drawingml/2006/lockedCanvas" id="{0FFC0F84-7529-4C07-88EE-CFAA4120297D}"/>
+                <a16:creationId xmlns:lc="http://schemas.openxmlformats.org/drawingml/2006/lockedCanvas" xmlns:a16="http://schemas.microsoft.com/office/drawing/2014/main" xmlns="" id="{0FFC0F84-7529-4C07-88EE-CFAA4120297D}"/>
               </a:ext>
             </a:extLst>
           </p:cNvPr>
@@ -15585,7 +15600,7 @@
           <p:cNvPr id="39" name="TextBox 2">
             <a:extLst>
               <a:ext uri="{FF2B5EF4-FFF2-40B4-BE49-F238E27FC236}">
-                <a16:creationId xmlns="" xmlns:a16="http://schemas.microsoft.com/office/drawing/2014/main" xmlns:lc="http://schemas.openxmlformats.org/drawingml/2006/lockedCanvas" id="{0D872DD5-0F01-4E78-8D4F-A7666652FBC9}"/>
+                <a16:creationId xmlns:lc="http://schemas.openxmlformats.org/drawingml/2006/lockedCanvas" xmlns:a16="http://schemas.microsoft.com/office/drawing/2014/main" xmlns="" id="{0D872DD5-0F01-4E78-8D4F-A7666652FBC9}"/>
               </a:ext>
             </a:extLst>
           </p:cNvPr>
@@ -15752,10 +15767,10 @@
           <p:cNvPr id="21" name="Rectangle 20">
             <a:extLst>
               <a:ext uri="{FF2B5EF4-FFF2-40B4-BE49-F238E27FC236}">
-                <a16:creationId xmlns:a16="http://schemas.microsoft.com/office/drawing/2014/main" xmlns="" id="{99CAC3B1-4879-424D-8F15-206277196159}"/>
+                <a16:creationId xmlns="" xmlns:a16="http://schemas.microsoft.com/office/drawing/2014/main" id="{99CAC3B1-4879-424D-8F15-206277196159}"/>
               </a:ext>
               <a:ext uri="{C183D7F6-B498-43B3-948B-1728B52AA6E4}">
-                <adec:decorative xmlns:adec="http://schemas.microsoft.com/office/drawing/2017/decorative" xmlns="" val="1"/>
+                <adec:decorative xmlns="" xmlns:adec="http://schemas.microsoft.com/office/drawing/2017/decorative" val="1"/>
               </a:ext>
             </a:extLst>
           </p:cNvPr>
@@ -15765,7 +15780,7 @@
           <p:nvPr>
             <p:extLst>
               <p:ext uri="{386F3935-93C4-4BCD-93E2-E3B085C9AB24}">
-                <p16:designElem xmlns:p16="http://schemas.microsoft.com/office/powerpoint/2015/main" xmlns="" val="1"/>
+                <p16:designElem xmlns="" xmlns:p16="http://schemas.microsoft.com/office/powerpoint/2015/main" val="1"/>
               </p:ext>
             </p:extLst>
           </p:nvPr>
@@ -15812,10 +15827,10 @@
           <p:cNvPr id="23" name="Group 22">
             <a:extLst>
               <a:ext uri="{FF2B5EF4-FFF2-40B4-BE49-F238E27FC236}">
-                <a16:creationId xmlns:a16="http://schemas.microsoft.com/office/drawing/2014/main" xmlns="" id="{4B8492CB-DFBA-4A82-9778-F21493DA36C1}"/>
+                <a16:creationId xmlns="" xmlns:a16="http://schemas.microsoft.com/office/drawing/2014/main" id="{4B8492CB-DFBA-4A82-9778-F21493DA36C1}"/>
               </a:ext>
               <a:ext uri="{C183D7F6-B498-43B3-948B-1728B52AA6E4}">
-                <adec:decorative xmlns:adec="http://schemas.microsoft.com/office/drawing/2017/decorative" xmlns="" val="1"/>
+                <adec:decorative xmlns="" xmlns:adec="http://schemas.microsoft.com/office/drawing/2017/decorative" val="1"/>
               </a:ext>
             </a:extLst>
           </p:cNvPr>
@@ -15825,7 +15840,7 @@
           <p:nvPr>
             <p:extLst>
               <p:ext uri="{386F3935-93C4-4BCD-93E2-E3B085C9AB24}">
-                <p16:designElem xmlns:p16="http://schemas.microsoft.com/office/powerpoint/2015/main" xmlns="" val="1"/>
+                <p16:designElem xmlns="" xmlns:p16="http://schemas.microsoft.com/office/powerpoint/2015/main" val="1"/>
               </p:ext>
             </p:extLst>
           </p:nvPr>
@@ -15843,10 +15858,10 @@
             <p:cNvPr id="24" name="Freeform 6">
               <a:extLst>
                 <a:ext uri="{FF2B5EF4-FFF2-40B4-BE49-F238E27FC236}">
-                  <a16:creationId xmlns:a16="http://schemas.microsoft.com/office/drawing/2014/main" xmlns="" id="{E34CC1C8-EBDD-4AEA-83E6-B27575B62E2E}"/>
+                  <a16:creationId xmlns="" xmlns:a16="http://schemas.microsoft.com/office/drawing/2014/main" id="{E34CC1C8-EBDD-4AEA-83E6-B27575B62E2E}"/>
                 </a:ext>
                 <a:ext uri="{C183D7F6-B498-43B3-948B-1728B52AA6E4}">
-                  <adec:decorative xmlns:adec="http://schemas.microsoft.com/office/drawing/2017/decorative" xmlns="" val="1"/>
+                  <adec:decorative xmlns="" xmlns:adec="http://schemas.microsoft.com/office/drawing/2017/decorative" val="1"/>
                 </a:ext>
               </a:extLst>
             </p:cNvPr>
@@ -15854,7 +15869,7 @@
             <p:nvPr>
               <p:extLst>
                 <p:ext uri="{386F3935-93C4-4BCD-93E2-E3B085C9AB24}">
-                  <p16:designElem xmlns:p16="http://schemas.microsoft.com/office/powerpoint/2015/main" xmlns="" val="1"/>
+                  <p16:designElem xmlns="" xmlns:p16="http://schemas.microsoft.com/office/powerpoint/2015/main" val="1"/>
                 </p:ext>
               </p:extLst>
             </p:nvPr>
@@ -15904,10 +15919,10 @@
             <p:cNvPr id="25" name="Freeform 7">
               <a:extLst>
                 <a:ext uri="{FF2B5EF4-FFF2-40B4-BE49-F238E27FC236}">
-                  <a16:creationId xmlns:a16="http://schemas.microsoft.com/office/drawing/2014/main" xmlns="" id="{D6B38644-B85D-4211-9526-5B4C2A662BF7}"/>
+                  <a16:creationId xmlns="" xmlns:a16="http://schemas.microsoft.com/office/drawing/2014/main" id="{D6B38644-B85D-4211-9526-5B4C2A662BF7}"/>
                 </a:ext>
                 <a:ext uri="{C183D7F6-B498-43B3-948B-1728B52AA6E4}">
-                  <adec:decorative xmlns:adec="http://schemas.microsoft.com/office/drawing/2017/decorative" xmlns="" val="1"/>
+                  <adec:decorative xmlns="" xmlns:adec="http://schemas.microsoft.com/office/drawing/2017/decorative" val="1"/>
                 </a:ext>
               </a:extLst>
             </p:cNvPr>
@@ -15915,7 +15930,7 @@
             <p:nvPr>
               <p:extLst>
                 <p:ext uri="{386F3935-93C4-4BCD-93E2-E3B085C9AB24}">
-                  <p16:designElem xmlns:p16="http://schemas.microsoft.com/office/powerpoint/2015/main" xmlns="" val="1"/>
+                  <p16:designElem xmlns="" xmlns:p16="http://schemas.microsoft.com/office/powerpoint/2015/main" val="1"/>
                 </p:ext>
               </p:extLst>
             </p:nvPr>
@@ -15968,10 +15983,10 @@
             <p:cNvPr id="26" name="Freeform 12">
               <a:extLst>
                 <a:ext uri="{FF2B5EF4-FFF2-40B4-BE49-F238E27FC236}">
-                  <a16:creationId xmlns:a16="http://schemas.microsoft.com/office/drawing/2014/main" xmlns="" id="{8A8B2820-6B8F-4C19-BFC5-D28EE44E54CB}"/>
+                  <a16:creationId xmlns="" xmlns:a16="http://schemas.microsoft.com/office/drawing/2014/main" id="{8A8B2820-6B8F-4C19-BFC5-D28EE44E54CB}"/>
                 </a:ext>
                 <a:ext uri="{C183D7F6-B498-43B3-948B-1728B52AA6E4}">
-                  <adec:decorative xmlns:adec="http://schemas.microsoft.com/office/drawing/2017/decorative" xmlns="" val="1"/>
+                  <adec:decorative xmlns="" xmlns:adec="http://schemas.microsoft.com/office/drawing/2017/decorative" val="1"/>
                 </a:ext>
               </a:extLst>
             </p:cNvPr>
@@ -15979,7 +15994,7 @@
             <p:nvPr>
               <p:extLst>
                 <p:ext uri="{386F3935-93C4-4BCD-93E2-E3B085C9AB24}">
-                  <p16:designElem xmlns:p16="http://schemas.microsoft.com/office/powerpoint/2015/main" xmlns="" val="1"/>
+                  <p16:designElem xmlns="" xmlns:p16="http://schemas.microsoft.com/office/powerpoint/2015/main" val="1"/>
                 </p:ext>
               </p:extLst>
             </p:nvPr>
@@ -16026,10 +16041,10 @@
             <p:cNvPr id="27" name="Freeform 13">
               <a:extLst>
                 <a:ext uri="{FF2B5EF4-FFF2-40B4-BE49-F238E27FC236}">
-                  <a16:creationId xmlns:a16="http://schemas.microsoft.com/office/drawing/2014/main" xmlns="" id="{773528ED-4D37-4A77-A8CA-86B6221C5E82}"/>
+                  <a16:creationId xmlns="" xmlns:a16="http://schemas.microsoft.com/office/drawing/2014/main" id="{773528ED-4D37-4A77-A8CA-86B6221C5E82}"/>
                 </a:ext>
                 <a:ext uri="{C183D7F6-B498-43B3-948B-1728B52AA6E4}">
-                  <adec:decorative xmlns:adec="http://schemas.microsoft.com/office/drawing/2017/decorative" xmlns="" val="1"/>
+                  <adec:decorative xmlns="" xmlns:adec="http://schemas.microsoft.com/office/drawing/2017/decorative" val="1"/>
                 </a:ext>
               </a:extLst>
             </p:cNvPr>
@@ -16037,7 +16052,7 @@
             <p:nvPr>
               <p:extLst>
                 <p:ext uri="{386F3935-93C4-4BCD-93E2-E3B085C9AB24}">
-                  <p16:designElem xmlns:p16="http://schemas.microsoft.com/office/powerpoint/2015/main" xmlns="" val="1"/>
+                  <p16:designElem xmlns="" xmlns:p16="http://schemas.microsoft.com/office/powerpoint/2015/main" val="1"/>
                 </p:ext>
               </p:extLst>
             </p:nvPr>
@@ -16086,10 +16101,10 @@
             <p:cNvPr id="28" name="Freeform 14">
               <a:extLst>
                 <a:ext uri="{FF2B5EF4-FFF2-40B4-BE49-F238E27FC236}">
-                  <a16:creationId xmlns:a16="http://schemas.microsoft.com/office/drawing/2014/main" xmlns="" id="{8A58A902-E944-4399-9A93-A91A6A82B166}"/>
+                  <a16:creationId xmlns="" xmlns:a16="http://schemas.microsoft.com/office/drawing/2014/main" id="{8A58A902-E944-4399-9A93-A91A6A82B166}"/>
                 </a:ext>
                 <a:ext uri="{C183D7F6-B498-43B3-948B-1728B52AA6E4}">
-                  <adec:decorative xmlns:adec="http://schemas.microsoft.com/office/drawing/2017/decorative" xmlns="" val="1"/>
+                  <adec:decorative xmlns="" xmlns:adec="http://schemas.microsoft.com/office/drawing/2017/decorative" val="1"/>
                 </a:ext>
               </a:extLst>
             </p:cNvPr>
@@ -16097,7 +16112,7 @@
             <p:nvPr>
               <p:extLst>
                 <p:ext uri="{386F3935-93C4-4BCD-93E2-E3B085C9AB24}">
-                  <p16:designElem xmlns:p16="http://schemas.microsoft.com/office/powerpoint/2015/main" xmlns="" val="1"/>
+                  <p16:designElem xmlns="" xmlns:p16="http://schemas.microsoft.com/office/powerpoint/2015/main" val="1"/>
                 </p:ext>
               </p:extLst>
             </p:nvPr>
@@ -16152,10 +16167,10 @@
             <p:cNvPr id="29" name="Freeform 15">
               <a:extLst>
                 <a:ext uri="{FF2B5EF4-FFF2-40B4-BE49-F238E27FC236}">
-                  <a16:creationId xmlns:a16="http://schemas.microsoft.com/office/drawing/2014/main" xmlns="" id="{4EDB1155-2E8E-4FB8-AD42-101FE4383231}"/>
+                  <a16:creationId xmlns="" xmlns:a16="http://schemas.microsoft.com/office/drawing/2014/main" id="{4EDB1155-2E8E-4FB8-AD42-101FE4383231}"/>
                 </a:ext>
                 <a:ext uri="{C183D7F6-B498-43B3-948B-1728B52AA6E4}">
-                  <adec:decorative xmlns:adec="http://schemas.microsoft.com/office/drawing/2017/decorative" xmlns="" val="1"/>
+                  <adec:decorative xmlns="" xmlns:adec="http://schemas.microsoft.com/office/drawing/2017/decorative" val="1"/>
                 </a:ext>
               </a:extLst>
             </p:cNvPr>
@@ -16163,7 +16178,7 @@
             <p:nvPr>
               <p:extLst>
                 <p:ext uri="{386F3935-93C4-4BCD-93E2-E3B085C9AB24}">
-                  <p16:designElem xmlns:p16="http://schemas.microsoft.com/office/powerpoint/2015/main" xmlns="" val="1"/>
+                  <p16:designElem xmlns="" xmlns:p16="http://schemas.microsoft.com/office/powerpoint/2015/main" val="1"/>
                 </p:ext>
               </p:extLst>
             </p:nvPr>
@@ -16223,7 +16238,7 @@
           <p:cNvPr id="2" name="Title 1">
             <a:extLst>
               <a:ext uri="{FF2B5EF4-FFF2-40B4-BE49-F238E27FC236}">
-                <a16:creationId xmlns:a16="http://schemas.microsoft.com/office/drawing/2014/main" xmlns="" id="{C7492CCE-C435-464E-A19A-D4C606FDBE3D}"/>
+                <a16:creationId xmlns="" xmlns:a16="http://schemas.microsoft.com/office/drawing/2014/main" id="{C7492CCE-C435-464E-A19A-D4C606FDBE3D}"/>
               </a:ext>
             </a:extLst>
           </p:cNvPr>
@@ -16259,7 +16274,7 @@
           <p:cNvPr id="3" name="Content Placeholder 2">
             <a:extLst>
               <a:ext uri="{FF2B5EF4-FFF2-40B4-BE49-F238E27FC236}">
-                <a16:creationId xmlns:a16="http://schemas.microsoft.com/office/drawing/2014/main" xmlns="" id="{60DFF4FA-F598-4962-B6AB-31A8BE724E52}"/>
+                <a16:creationId xmlns="" xmlns:a16="http://schemas.microsoft.com/office/drawing/2014/main" id="{60DFF4FA-F598-4962-B6AB-31A8BE724E52}"/>
               </a:ext>
             </a:extLst>
           </p:cNvPr>
@@ -16363,10 +16378,10 @@
           <p:cNvPr id="21" name="Rectangle 20">
             <a:extLst>
               <a:ext uri="{FF2B5EF4-FFF2-40B4-BE49-F238E27FC236}">
-                <a16:creationId xmlns:a16="http://schemas.microsoft.com/office/drawing/2014/main" xmlns="" id="{99CAC3B1-4879-424D-8F15-206277196159}"/>
+                <a16:creationId xmlns="" xmlns:a16="http://schemas.microsoft.com/office/drawing/2014/main" id="{99CAC3B1-4879-424D-8F15-206277196159}"/>
               </a:ext>
               <a:ext uri="{C183D7F6-B498-43B3-948B-1728B52AA6E4}">
-                <adec:decorative xmlns:adec="http://schemas.microsoft.com/office/drawing/2017/decorative" xmlns="" val="1"/>
+                <adec:decorative xmlns="" xmlns:adec="http://schemas.microsoft.com/office/drawing/2017/decorative" val="1"/>
               </a:ext>
             </a:extLst>
           </p:cNvPr>
@@ -16376,7 +16391,7 @@
           <p:nvPr>
             <p:extLst>
               <p:ext uri="{386F3935-93C4-4BCD-93E2-E3B085C9AB24}">
-                <p16:designElem xmlns:p16="http://schemas.microsoft.com/office/powerpoint/2015/main" xmlns="" val="1"/>
+                <p16:designElem xmlns="" xmlns:p16="http://schemas.microsoft.com/office/powerpoint/2015/main" val="1"/>
               </p:ext>
             </p:extLst>
           </p:nvPr>
@@ -16423,10 +16438,10 @@
           <p:cNvPr id="23" name="Group 22">
             <a:extLst>
               <a:ext uri="{FF2B5EF4-FFF2-40B4-BE49-F238E27FC236}">
-                <a16:creationId xmlns:a16="http://schemas.microsoft.com/office/drawing/2014/main" xmlns="" id="{4B8492CB-DFBA-4A82-9778-F21493DA36C1}"/>
+                <a16:creationId xmlns="" xmlns:a16="http://schemas.microsoft.com/office/drawing/2014/main" id="{4B8492CB-DFBA-4A82-9778-F21493DA36C1}"/>
               </a:ext>
               <a:ext uri="{C183D7F6-B498-43B3-948B-1728B52AA6E4}">
-                <adec:decorative xmlns:adec="http://schemas.microsoft.com/office/drawing/2017/decorative" xmlns="" val="1"/>
+                <adec:decorative xmlns="" xmlns:adec="http://schemas.microsoft.com/office/drawing/2017/decorative" val="1"/>
               </a:ext>
             </a:extLst>
           </p:cNvPr>
@@ -16436,7 +16451,7 @@
           <p:nvPr>
             <p:extLst>
               <p:ext uri="{386F3935-93C4-4BCD-93E2-E3B085C9AB24}">
-                <p16:designElem xmlns:p16="http://schemas.microsoft.com/office/powerpoint/2015/main" xmlns="" val="1"/>
+                <p16:designElem xmlns="" xmlns:p16="http://schemas.microsoft.com/office/powerpoint/2015/main" val="1"/>
               </p:ext>
             </p:extLst>
           </p:nvPr>
@@ -16454,10 +16469,10 @@
             <p:cNvPr id="24" name="Freeform 6">
               <a:extLst>
                 <a:ext uri="{FF2B5EF4-FFF2-40B4-BE49-F238E27FC236}">
-                  <a16:creationId xmlns:a16="http://schemas.microsoft.com/office/drawing/2014/main" xmlns="" id="{E34CC1C8-EBDD-4AEA-83E6-B27575B62E2E}"/>
+                  <a16:creationId xmlns="" xmlns:a16="http://schemas.microsoft.com/office/drawing/2014/main" id="{E34CC1C8-EBDD-4AEA-83E6-B27575B62E2E}"/>
                 </a:ext>
                 <a:ext uri="{C183D7F6-B498-43B3-948B-1728B52AA6E4}">
-                  <adec:decorative xmlns:adec="http://schemas.microsoft.com/office/drawing/2017/decorative" xmlns="" val="1"/>
+                  <adec:decorative xmlns="" xmlns:adec="http://schemas.microsoft.com/office/drawing/2017/decorative" val="1"/>
                 </a:ext>
               </a:extLst>
             </p:cNvPr>
@@ -16465,7 +16480,7 @@
             <p:nvPr>
               <p:extLst>
                 <p:ext uri="{386F3935-93C4-4BCD-93E2-E3B085C9AB24}">
-                  <p16:designElem xmlns:p16="http://schemas.microsoft.com/office/powerpoint/2015/main" xmlns="" val="1"/>
+                  <p16:designElem xmlns="" xmlns:p16="http://schemas.microsoft.com/office/powerpoint/2015/main" val="1"/>
                 </p:ext>
               </p:extLst>
             </p:nvPr>
@@ -16515,10 +16530,10 @@
             <p:cNvPr id="25" name="Freeform 7">
               <a:extLst>
                 <a:ext uri="{FF2B5EF4-FFF2-40B4-BE49-F238E27FC236}">
-                  <a16:creationId xmlns:a16="http://schemas.microsoft.com/office/drawing/2014/main" xmlns="" id="{D6B38644-B85D-4211-9526-5B4C2A662BF7}"/>
+                  <a16:creationId xmlns="" xmlns:a16="http://schemas.microsoft.com/office/drawing/2014/main" id="{D6B38644-B85D-4211-9526-5B4C2A662BF7}"/>
                 </a:ext>
                 <a:ext uri="{C183D7F6-B498-43B3-948B-1728B52AA6E4}">
-                  <adec:decorative xmlns:adec="http://schemas.microsoft.com/office/drawing/2017/decorative" xmlns="" val="1"/>
+                  <adec:decorative xmlns="" xmlns:adec="http://schemas.microsoft.com/office/drawing/2017/decorative" val="1"/>
                 </a:ext>
               </a:extLst>
             </p:cNvPr>
@@ -16526,7 +16541,7 @@
             <p:nvPr>
               <p:extLst>
                 <p:ext uri="{386F3935-93C4-4BCD-93E2-E3B085C9AB24}">
-                  <p16:designElem xmlns:p16="http://schemas.microsoft.com/office/powerpoint/2015/main" xmlns="" val="1"/>
+                  <p16:designElem xmlns="" xmlns:p16="http://schemas.microsoft.com/office/powerpoint/2015/main" val="1"/>
                 </p:ext>
               </p:extLst>
             </p:nvPr>
@@ -16579,10 +16594,10 @@
             <p:cNvPr id="26" name="Freeform 12">
               <a:extLst>
                 <a:ext uri="{FF2B5EF4-FFF2-40B4-BE49-F238E27FC236}">
-                  <a16:creationId xmlns:a16="http://schemas.microsoft.com/office/drawing/2014/main" xmlns="" id="{8A8B2820-6B8F-4C19-BFC5-D28EE44E54CB}"/>
+                  <a16:creationId xmlns="" xmlns:a16="http://schemas.microsoft.com/office/drawing/2014/main" id="{8A8B2820-6B8F-4C19-BFC5-D28EE44E54CB}"/>
                 </a:ext>
                 <a:ext uri="{C183D7F6-B498-43B3-948B-1728B52AA6E4}">
-                  <adec:decorative xmlns:adec="http://schemas.microsoft.com/office/drawing/2017/decorative" xmlns="" val="1"/>
+                  <adec:decorative xmlns="" xmlns:adec="http://schemas.microsoft.com/office/drawing/2017/decorative" val="1"/>
                 </a:ext>
               </a:extLst>
             </p:cNvPr>
@@ -16590,7 +16605,7 @@
             <p:nvPr>
               <p:extLst>
                 <p:ext uri="{386F3935-93C4-4BCD-93E2-E3B085C9AB24}">
-                  <p16:designElem xmlns:p16="http://schemas.microsoft.com/office/powerpoint/2015/main" xmlns="" val="1"/>
+                  <p16:designElem xmlns="" xmlns:p16="http://schemas.microsoft.com/office/powerpoint/2015/main" val="1"/>
                 </p:ext>
               </p:extLst>
             </p:nvPr>
@@ -16637,10 +16652,10 @@
             <p:cNvPr id="27" name="Freeform 13">
               <a:extLst>
                 <a:ext uri="{FF2B5EF4-FFF2-40B4-BE49-F238E27FC236}">
-                  <a16:creationId xmlns:a16="http://schemas.microsoft.com/office/drawing/2014/main" xmlns="" id="{773528ED-4D37-4A77-A8CA-86B6221C5E82}"/>
+                  <a16:creationId xmlns="" xmlns:a16="http://schemas.microsoft.com/office/drawing/2014/main" id="{773528ED-4D37-4A77-A8CA-86B6221C5E82}"/>
                 </a:ext>
                 <a:ext uri="{C183D7F6-B498-43B3-948B-1728B52AA6E4}">
-                  <adec:decorative xmlns:adec="http://schemas.microsoft.com/office/drawing/2017/decorative" xmlns="" val="1"/>
+                  <adec:decorative xmlns="" xmlns:adec="http://schemas.microsoft.com/office/drawing/2017/decorative" val="1"/>
                 </a:ext>
               </a:extLst>
             </p:cNvPr>
@@ -16648,7 +16663,7 @@
             <p:nvPr>
               <p:extLst>
                 <p:ext uri="{386F3935-93C4-4BCD-93E2-E3B085C9AB24}">
-                  <p16:designElem xmlns:p16="http://schemas.microsoft.com/office/powerpoint/2015/main" xmlns="" val="1"/>
+                  <p16:designElem xmlns="" xmlns:p16="http://schemas.microsoft.com/office/powerpoint/2015/main" val="1"/>
                 </p:ext>
               </p:extLst>
             </p:nvPr>
@@ -16697,10 +16712,10 @@
             <p:cNvPr id="28" name="Freeform 14">
               <a:extLst>
                 <a:ext uri="{FF2B5EF4-FFF2-40B4-BE49-F238E27FC236}">
-                  <a16:creationId xmlns:a16="http://schemas.microsoft.com/office/drawing/2014/main" xmlns="" id="{8A58A902-E944-4399-9A93-A91A6A82B166}"/>
+                  <a16:creationId xmlns="" xmlns:a16="http://schemas.microsoft.com/office/drawing/2014/main" id="{8A58A902-E944-4399-9A93-A91A6A82B166}"/>
                 </a:ext>
                 <a:ext uri="{C183D7F6-B498-43B3-948B-1728B52AA6E4}">
-                  <adec:decorative xmlns:adec="http://schemas.microsoft.com/office/drawing/2017/decorative" xmlns="" val="1"/>
+                  <adec:decorative xmlns="" xmlns:adec="http://schemas.microsoft.com/office/drawing/2017/decorative" val="1"/>
                 </a:ext>
               </a:extLst>
             </p:cNvPr>
@@ -16708,7 +16723,7 @@
             <p:nvPr>
               <p:extLst>
                 <p:ext uri="{386F3935-93C4-4BCD-93E2-E3B085C9AB24}">
-                  <p16:designElem xmlns:p16="http://schemas.microsoft.com/office/powerpoint/2015/main" xmlns="" val="1"/>
+                  <p16:designElem xmlns="" xmlns:p16="http://schemas.microsoft.com/office/powerpoint/2015/main" val="1"/>
                 </p:ext>
               </p:extLst>
             </p:nvPr>
@@ -16763,10 +16778,10 @@
             <p:cNvPr id="29" name="Freeform 15">
               <a:extLst>
                 <a:ext uri="{FF2B5EF4-FFF2-40B4-BE49-F238E27FC236}">
-                  <a16:creationId xmlns:a16="http://schemas.microsoft.com/office/drawing/2014/main" xmlns="" id="{4EDB1155-2E8E-4FB8-AD42-101FE4383231}"/>
+                  <a16:creationId xmlns="" xmlns:a16="http://schemas.microsoft.com/office/drawing/2014/main" id="{4EDB1155-2E8E-4FB8-AD42-101FE4383231}"/>
                 </a:ext>
                 <a:ext uri="{C183D7F6-B498-43B3-948B-1728B52AA6E4}">
-                  <adec:decorative xmlns:adec="http://schemas.microsoft.com/office/drawing/2017/decorative" xmlns="" val="1"/>
+                  <adec:decorative xmlns="" xmlns:adec="http://schemas.microsoft.com/office/drawing/2017/decorative" val="1"/>
                 </a:ext>
               </a:extLst>
             </p:cNvPr>
@@ -16774,7 +16789,7 @@
             <p:nvPr>
               <p:extLst>
                 <p:ext uri="{386F3935-93C4-4BCD-93E2-E3B085C9AB24}">
-                  <p16:designElem xmlns:p16="http://schemas.microsoft.com/office/powerpoint/2015/main" xmlns="" val="1"/>
+                  <p16:designElem xmlns="" xmlns:p16="http://schemas.microsoft.com/office/powerpoint/2015/main" val="1"/>
                 </p:ext>
               </p:extLst>
             </p:nvPr>
@@ -16834,7 +16849,7 @@
           <p:cNvPr id="2" name="Title 1">
             <a:extLst>
               <a:ext uri="{FF2B5EF4-FFF2-40B4-BE49-F238E27FC236}">
-                <a16:creationId xmlns:a16="http://schemas.microsoft.com/office/drawing/2014/main" xmlns="" id="{C7492CCE-C435-464E-A19A-D4C606FDBE3D}"/>
+                <a16:creationId xmlns="" xmlns:a16="http://schemas.microsoft.com/office/drawing/2014/main" id="{C7492CCE-C435-464E-A19A-D4C606FDBE3D}"/>
               </a:ext>
             </a:extLst>
           </p:cNvPr>
@@ -16897,7 +16912,7 @@
           <p:cNvPr id="5" name="TextBox 4">
             <a:extLst>
               <a:ext uri="{FF2B5EF4-FFF2-40B4-BE49-F238E27FC236}">
-                <a16:creationId xmlns:a16="http://schemas.microsoft.com/office/drawing/2014/main" xmlns="" id="{466A409B-90E2-4ACB-8A16-0329B5CEE6DF}"/>
+                <a16:creationId xmlns="" xmlns:a16="http://schemas.microsoft.com/office/drawing/2014/main" id="{466A409B-90E2-4ACB-8A16-0329B5CEE6DF}"/>
               </a:ext>
             </a:extLst>
           </p:cNvPr>
@@ -16948,7 +16963,7 @@
           <p:cNvPr id="7" name="Straight Arrow Connector 6">
             <a:extLst>
               <a:ext uri="{FF2B5EF4-FFF2-40B4-BE49-F238E27FC236}">
-                <a16:creationId xmlns:a16="http://schemas.microsoft.com/office/drawing/2014/main" xmlns="" id="{6C986E87-252D-4CDD-90A3-050A5080DF44}"/>
+                <a16:creationId xmlns="" xmlns:a16="http://schemas.microsoft.com/office/drawing/2014/main" id="{6C986E87-252D-4CDD-90A3-050A5080DF44}"/>
               </a:ext>
             </a:extLst>
           </p:cNvPr>
@@ -16989,7 +17004,7 @@
           <p:cNvPr id="17" name="Straight Arrow Connector 16">
             <a:extLst>
               <a:ext uri="{FF2B5EF4-FFF2-40B4-BE49-F238E27FC236}">
-                <a16:creationId xmlns:a16="http://schemas.microsoft.com/office/drawing/2014/main" xmlns="" id="{8B32EEAB-6F30-4731-8D76-02708A63C23C}"/>
+                <a16:creationId xmlns="" xmlns:a16="http://schemas.microsoft.com/office/drawing/2014/main" id="{8B32EEAB-6F30-4731-8D76-02708A63C23C}"/>
               </a:ext>
             </a:extLst>
           </p:cNvPr>
@@ -17030,7 +17045,7 @@
           <p:cNvPr id="18" name="Straight Arrow Connector 17">
             <a:extLst>
               <a:ext uri="{FF2B5EF4-FFF2-40B4-BE49-F238E27FC236}">
-                <a16:creationId xmlns:a16="http://schemas.microsoft.com/office/drawing/2014/main" xmlns="" id="{E930BBA9-7BA1-48A0-A9E1-F9545CD11BAA}"/>
+                <a16:creationId xmlns="" xmlns:a16="http://schemas.microsoft.com/office/drawing/2014/main" id="{E930BBA9-7BA1-48A0-A9E1-F9545CD11BAA}"/>
               </a:ext>
             </a:extLst>
           </p:cNvPr>
@@ -17071,7 +17086,7 @@
           <p:cNvPr id="19" name="Straight Arrow Connector 18">
             <a:extLst>
               <a:ext uri="{FF2B5EF4-FFF2-40B4-BE49-F238E27FC236}">
-                <a16:creationId xmlns:a16="http://schemas.microsoft.com/office/drawing/2014/main" xmlns="" id="{72D8D5ED-08A2-4E59-AA33-3E70202E855D}"/>
+                <a16:creationId xmlns="" xmlns:a16="http://schemas.microsoft.com/office/drawing/2014/main" id="{72D8D5ED-08A2-4E59-AA33-3E70202E855D}"/>
               </a:ext>
             </a:extLst>
           </p:cNvPr>
@@ -17136,7 +17151,7 @@
           <p:cNvPr id="20" name="TextBox 11">
             <a:extLst>
               <a:ext uri="{FF2B5EF4-FFF2-40B4-BE49-F238E27FC236}">
-                <a16:creationId xmlns="" xmlns:a16="http://schemas.microsoft.com/office/drawing/2014/main" xmlns:lc="http://schemas.openxmlformats.org/drawingml/2006/lockedCanvas" id="{3ED8D828-23F6-4F62-895A-0C04DE02C6A7}"/>
+                <a16:creationId xmlns:lc="http://schemas.openxmlformats.org/drawingml/2006/lockedCanvas" xmlns:a16="http://schemas.microsoft.com/office/drawing/2014/main" xmlns="" id="{3ED8D828-23F6-4F62-895A-0C04DE02C6A7}"/>
               </a:ext>
             </a:extLst>
           </p:cNvPr>
@@ -17270,7 +17285,7 @@
           <p:cNvPr id="22" name="TextBox 11">
             <a:extLst>
               <a:ext uri="{FF2B5EF4-FFF2-40B4-BE49-F238E27FC236}">
-                <a16:creationId xmlns="" xmlns:a16="http://schemas.microsoft.com/office/drawing/2014/main" xmlns:lc="http://schemas.openxmlformats.org/drawingml/2006/lockedCanvas" id="{3ED8D828-23F6-4F62-895A-0C04DE02C6A7}"/>
+                <a16:creationId xmlns:lc="http://schemas.openxmlformats.org/drawingml/2006/lockedCanvas" xmlns:a16="http://schemas.microsoft.com/office/drawing/2014/main" xmlns="" id="{3ED8D828-23F6-4F62-895A-0C04DE02C6A7}"/>
               </a:ext>
             </a:extLst>
           </p:cNvPr>
@@ -17442,10 +17457,10 @@
           <p:cNvPr id="21" name="Rectangle 20">
             <a:extLst>
               <a:ext uri="{FF2B5EF4-FFF2-40B4-BE49-F238E27FC236}">
-                <a16:creationId xmlns:a16="http://schemas.microsoft.com/office/drawing/2014/main" xmlns="" id="{99CAC3B1-4879-424D-8F15-206277196159}"/>
+                <a16:creationId xmlns="" xmlns:a16="http://schemas.microsoft.com/office/drawing/2014/main" id="{99CAC3B1-4879-424D-8F15-206277196159}"/>
               </a:ext>
               <a:ext uri="{C183D7F6-B498-43B3-948B-1728B52AA6E4}">
-                <adec:decorative xmlns:adec="http://schemas.microsoft.com/office/drawing/2017/decorative" xmlns="" val="1"/>
+                <adec:decorative xmlns="" xmlns:adec="http://schemas.microsoft.com/office/drawing/2017/decorative" val="1"/>
               </a:ext>
             </a:extLst>
           </p:cNvPr>
@@ -17455,7 +17470,7 @@
           <p:nvPr>
             <p:extLst>
               <p:ext uri="{386F3935-93C4-4BCD-93E2-E3B085C9AB24}">
-                <p16:designElem xmlns:p16="http://schemas.microsoft.com/office/powerpoint/2015/main" xmlns="" val="1"/>
+                <p16:designElem xmlns="" xmlns:p16="http://schemas.microsoft.com/office/powerpoint/2015/main" val="1"/>
               </p:ext>
             </p:extLst>
           </p:nvPr>
@@ -17502,10 +17517,10 @@
           <p:cNvPr id="23" name="Group 22">
             <a:extLst>
               <a:ext uri="{FF2B5EF4-FFF2-40B4-BE49-F238E27FC236}">
-                <a16:creationId xmlns:a16="http://schemas.microsoft.com/office/drawing/2014/main" xmlns="" id="{4B8492CB-DFBA-4A82-9778-F21493DA36C1}"/>
+                <a16:creationId xmlns="" xmlns:a16="http://schemas.microsoft.com/office/drawing/2014/main" id="{4B8492CB-DFBA-4A82-9778-F21493DA36C1}"/>
               </a:ext>
               <a:ext uri="{C183D7F6-B498-43B3-948B-1728B52AA6E4}">
-                <adec:decorative xmlns:adec="http://schemas.microsoft.com/office/drawing/2017/decorative" xmlns="" val="1"/>
+                <adec:decorative xmlns="" xmlns:adec="http://schemas.microsoft.com/office/drawing/2017/decorative" val="1"/>
               </a:ext>
             </a:extLst>
           </p:cNvPr>
@@ -17515,7 +17530,7 @@
           <p:nvPr>
             <p:extLst>
               <p:ext uri="{386F3935-93C4-4BCD-93E2-E3B085C9AB24}">
-                <p16:designElem xmlns:p16="http://schemas.microsoft.com/office/powerpoint/2015/main" xmlns="" val="1"/>
+                <p16:designElem xmlns="" xmlns:p16="http://schemas.microsoft.com/office/powerpoint/2015/main" val="1"/>
               </p:ext>
             </p:extLst>
           </p:nvPr>
@@ -17533,10 +17548,10 @@
             <p:cNvPr id="24" name="Freeform 6">
               <a:extLst>
                 <a:ext uri="{FF2B5EF4-FFF2-40B4-BE49-F238E27FC236}">
-                  <a16:creationId xmlns:a16="http://schemas.microsoft.com/office/drawing/2014/main" xmlns="" id="{E34CC1C8-EBDD-4AEA-83E6-B27575B62E2E}"/>
+                  <a16:creationId xmlns="" xmlns:a16="http://schemas.microsoft.com/office/drawing/2014/main" id="{E34CC1C8-EBDD-4AEA-83E6-B27575B62E2E}"/>
                 </a:ext>
                 <a:ext uri="{C183D7F6-B498-43B3-948B-1728B52AA6E4}">
-                  <adec:decorative xmlns:adec="http://schemas.microsoft.com/office/drawing/2017/decorative" xmlns="" val="1"/>
+                  <adec:decorative xmlns="" xmlns:adec="http://schemas.microsoft.com/office/drawing/2017/decorative" val="1"/>
                 </a:ext>
               </a:extLst>
             </p:cNvPr>
@@ -17544,7 +17559,7 @@
             <p:nvPr>
               <p:extLst>
                 <p:ext uri="{386F3935-93C4-4BCD-93E2-E3B085C9AB24}">
-                  <p16:designElem xmlns:p16="http://schemas.microsoft.com/office/powerpoint/2015/main" xmlns="" val="1"/>
+                  <p16:designElem xmlns="" xmlns:p16="http://schemas.microsoft.com/office/powerpoint/2015/main" val="1"/>
                 </p:ext>
               </p:extLst>
             </p:nvPr>
@@ -17594,10 +17609,10 @@
             <p:cNvPr id="25" name="Freeform 7">
               <a:extLst>
                 <a:ext uri="{FF2B5EF4-FFF2-40B4-BE49-F238E27FC236}">
-                  <a16:creationId xmlns:a16="http://schemas.microsoft.com/office/drawing/2014/main" xmlns="" id="{D6B38644-B85D-4211-9526-5B4C2A662BF7}"/>
+                  <a16:creationId xmlns="" xmlns:a16="http://schemas.microsoft.com/office/drawing/2014/main" id="{D6B38644-B85D-4211-9526-5B4C2A662BF7}"/>
                 </a:ext>
                 <a:ext uri="{C183D7F6-B498-43B3-948B-1728B52AA6E4}">
-                  <adec:decorative xmlns:adec="http://schemas.microsoft.com/office/drawing/2017/decorative" xmlns="" val="1"/>
+                  <adec:decorative xmlns="" xmlns:adec="http://schemas.microsoft.com/office/drawing/2017/decorative" val="1"/>
                 </a:ext>
               </a:extLst>
             </p:cNvPr>
@@ -17605,7 +17620,7 @@
             <p:nvPr>
               <p:extLst>
                 <p:ext uri="{386F3935-93C4-4BCD-93E2-E3B085C9AB24}">
-                  <p16:designElem xmlns:p16="http://schemas.microsoft.com/office/powerpoint/2015/main" xmlns="" val="1"/>
+                  <p16:designElem xmlns="" xmlns:p16="http://schemas.microsoft.com/office/powerpoint/2015/main" val="1"/>
                 </p:ext>
               </p:extLst>
             </p:nvPr>
@@ -17658,10 +17673,10 @@
             <p:cNvPr id="26" name="Freeform 12">
               <a:extLst>
                 <a:ext uri="{FF2B5EF4-FFF2-40B4-BE49-F238E27FC236}">
-                  <a16:creationId xmlns:a16="http://schemas.microsoft.com/office/drawing/2014/main" xmlns="" id="{8A8B2820-6B8F-4C19-BFC5-D28EE44E54CB}"/>
+                  <a16:creationId xmlns="" xmlns:a16="http://schemas.microsoft.com/office/drawing/2014/main" id="{8A8B2820-6B8F-4C19-BFC5-D28EE44E54CB}"/>
                 </a:ext>
                 <a:ext uri="{C183D7F6-B498-43B3-948B-1728B52AA6E4}">
-                  <adec:decorative xmlns:adec="http://schemas.microsoft.com/office/drawing/2017/decorative" xmlns="" val="1"/>
+                  <adec:decorative xmlns="" xmlns:adec="http://schemas.microsoft.com/office/drawing/2017/decorative" val="1"/>
                 </a:ext>
               </a:extLst>
             </p:cNvPr>
@@ -17669,7 +17684,7 @@
             <p:nvPr>
               <p:extLst>
                 <p:ext uri="{386F3935-93C4-4BCD-93E2-E3B085C9AB24}">
-                  <p16:designElem xmlns:p16="http://schemas.microsoft.com/office/powerpoint/2015/main" xmlns="" val="1"/>
+                  <p16:designElem xmlns="" xmlns:p16="http://schemas.microsoft.com/office/powerpoint/2015/main" val="1"/>
                 </p:ext>
               </p:extLst>
             </p:nvPr>
@@ -17716,10 +17731,10 @@
             <p:cNvPr id="27" name="Freeform 13">
               <a:extLst>
                 <a:ext uri="{FF2B5EF4-FFF2-40B4-BE49-F238E27FC236}">
-                  <a16:creationId xmlns:a16="http://schemas.microsoft.com/office/drawing/2014/main" xmlns="" id="{773528ED-4D37-4A77-A8CA-86B6221C5E82}"/>
+                  <a16:creationId xmlns="" xmlns:a16="http://schemas.microsoft.com/office/drawing/2014/main" id="{773528ED-4D37-4A77-A8CA-86B6221C5E82}"/>
                 </a:ext>
                 <a:ext uri="{C183D7F6-B498-43B3-948B-1728B52AA6E4}">
-                  <adec:decorative xmlns:adec="http://schemas.microsoft.com/office/drawing/2017/decorative" xmlns="" val="1"/>
+                  <adec:decorative xmlns="" xmlns:adec="http://schemas.microsoft.com/office/drawing/2017/decorative" val="1"/>
                 </a:ext>
               </a:extLst>
             </p:cNvPr>
@@ -17727,7 +17742,7 @@
             <p:nvPr>
               <p:extLst>
                 <p:ext uri="{386F3935-93C4-4BCD-93E2-E3B085C9AB24}">
-                  <p16:designElem xmlns:p16="http://schemas.microsoft.com/office/powerpoint/2015/main" xmlns="" val="1"/>
+                  <p16:designElem xmlns="" xmlns:p16="http://schemas.microsoft.com/office/powerpoint/2015/main" val="1"/>
                 </p:ext>
               </p:extLst>
             </p:nvPr>
@@ -17776,10 +17791,10 @@
             <p:cNvPr id="28" name="Freeform 14">
               <a:extLst>
                 <a:ext uri="{FF2B5EF4-FFF2-40B4-BE49-F238E27FC236}">
-                  <a16:creationId xmlns:a16="http://schemas.microsoft.com/office/drawing/2014/main" xmlns="" id="{8A58A902-E944-4399-9A93-A91A6A82B166}"/>
+                  <a16:creationId xmlns="" xmlns:a16="http://schemas.microsoft.com/office/drawing/2014/main" id="{8A58A902-E944-4399-9A93-A91A6A82B166}"/>
                 </a:ext>
                 <a:ext uri="{C183D7F6-B498-43B3-948B-1728B52AA6E4}">
-                  <adec:decorative xmlns:adec="http://schemas.microsoft.com/office/drawing/2017/decorative" xmlns="" val="1"/>
+                  <adec:decorative xmlns="" xmlns:adec="http://schemas.microsoft.com/office/drawing/2017/decorative" val="1"/>
                 </a:ext>
               </a:extLst>
             </p:cNvPr>
@@ -17787,7 +17802,7 @@
             <p:nvPr>
               <p:extLst>
                 <p:ext uri="{386F3935-93C4-4BCD-93E2-E3B085C9AB24}">
-                  <p16:designElem xmlns:p16="http://schemas.microsoft.com/office/powerpoint/2015/main" xmlns="" val="1"/>
+                  <p16:designElem xmlns="" xmlns:p16="http://schemas.microsoft.com/office/powerpoint/2015/main" val="1"/>
                 </p:ext>
               </p:extLst>
             </p:nvPr>
@@ -17842,10 +17857,10 @@
             <p:cNvPr id="29" name="Freeform 15">
               <a:extLst>
                 <a:ext uri="{FF2B5EF4-FFF2-40B4-BE49-F238E27FC236}">
-                  <a16:creationId xmlns:a16="http://schemas.microsoft.com/office/drawing/2014/main" xmlns="" id="{4EDB1155-2E8E-4FB8-AD42-101FE4383231}"/>
+                  <a16:creationId xmlns="" xmlns:a16="http://schemas.microsoft.com/office/drawing/2014/main" id="{4EDB1155-2E8E-4FB8-AD42-101FE4383231}"/>
                 </a:ext>
                 <a:ext uri="{C183D7F6-B498-43B3-948B-1728B52AA6E4}">
-                  <adec:decorative xmlns:adec="http://schemas.microsoft.com/office/drawing/2017/decorative" xmlns="" val="1"/>
+                  <adec:decorative xmlns="" xmlns:adec="http://schemas.microsoft.com/office/drawing/2017/decorative" val="1"/>
                 </a:ext>
               </a:extLst>
             </p:cNvPr>
@@ -17853,7 +17868,7 @@
             <p:nvPr>
               <p:extLst>
                 <p:ext uri="{386F3935-93C4-4BCD-93E2-E3B085C9AB24}">
-                  <p16:designElem xmlns:p16="http://schemas.microsoft.com/office/powerpoint/2015/main" xmlns="" val="1"/>
+                  <p16:designElem xmlns="" xmlns:p16="http://schemas.microsoft.com/office/powerpoint/2015/main" val="1"/>
                 </p:ext>
               </p:extLst>
             </p:nvPr>
@@ -17913,7 +17928,7 @@
           <p:cNvPr id="2" name="Title 1">
             <a:extLst>
               <a:ext uri="{FF2B5EF4-FFF2-40B4-BE49-F238E27FC236}">
-                <a16:creationId xmlns:a16="http://schemas.microsoft.com/office/drawing/2014/main" xmlns="" id="{C7492CCE-C435-464E-A19A-D4C606FDBE3D}"/>
+                <a16:creationId xmlns="" xmlns:a16="http://schemas.microsoft.com/office/drawing/2014/main" id="{C7492CCE-C435-464E-A19A-D4C606FDBE3D}"/>
               </a:ext>
             </a:extLst>
           </p:cNvPr>
@@ -17950,7 +17965,7 @@
           <p:cNvPr id="5" name="TextBox 4">
             <a:extLst>
               <a:ext uri="{FF2B5EF4-FFF2-40B4-BE49-F238E27FC236}">
-                <a16:creationId xmlns:a16="http://schemas.microsoft.com/office/drawing/2014/main" xmlns="" id="{466A409B-90E2-4ACB-8A16-0329B5CEE6DF}"/>
+                <a16:creationId xmlns="" xmlns:a16="http://schemas.microsoft.com/office/drawing/2014/main" id="{466A409B-90E2-4ACB-8A16-0329B5CEE6DF}"/>
               </a:ext>
             </a:extLst>
           </p:cNvPr>
@@ -18001,7 +18016,7 @@
           <p:cNvPr id="7" name="Straight Arrow Connector 6">
             <a:extLst>
               <a:ext uri="{FF2B5EF4-FFF2-40B4-BE49-F238E27FC236}">
-                <a16:creationId xmlns:a16="http://schemas.microsoft.com/office/drawing/2014/main" xmlns="" id="{6C986E87-252D-4CDD-90A3-050A5080DF44}"/>
+                <a16:creationId xmlns="" xmlns:a16="http://schemas.microsoft.com/office/drawing/2014/main" id="{6C986E87-252D-4CDD-90A3-050A5080DF44}"/>
               </a:ext>
             </a:extLst>
           </p:cNvPr>
@@ -18042,7 +18057,7 @@
           <p:cNvPr id="17" name="Straight Arrow Connector 16">
             <a:extLst>
               <a:ext uri="{FF2B5EF4-FFF2-40B4-BE49-F238E27FC236}">
-                <a16:creationId xmlns:a16="http://schemas.microsoft.com/office/drawing/2014/main" xmlns="" id="{8B32EEAB-6F30-4731-8D76-02708A63C23C}"/>
+                <a16:creationId xmlns="" xmlns:a16="http://schemas.microsoft.com/office/drawing/2014/main" id="{8B32EEAB-6F30-4731-8D76-02708A63C23C}"/>
               </a:ext>
             </a:extLst>
           </p:cNvPr>
@@ -18083,7 +18098,7 @@
           <p:cNvPr id="18" name="Straight Arrow Connector 17">
             <a:extLst>
               <a:ext uri="{FF2B5EF4-FFF2-40B4-BE49-F238E27FC236}">
-                <a16:creationId xmlns:a16="http://schemas.microsoft.com/office/drawing/2014/main" xmlns="" id="{E930BBA9-7BA1-48A0-A9E1-F9545CD11BAA}"/>
+                <a16:creationId xmlns="" xmlns:a16="http://schemas.microsoft.com/office/drawing/2014/main" id="{E930BBA9-7BA1-48A0-A9E1-F9545CD11BAA}"/>
               </a:ext>
             </a:extLst>
           </p:cNvPr>
@@ -18124,7 +18139,7 @@
           <p:cNvPr id="19" name="Straight Arrow Connector 18">
             <a:extLst>
               <a:ext uri="{FF2B5EF4-FFF2-40B4-BE49-F238E27FC236}">
-                <a16:creationId xmlns:a16="http://schemas.microsoft.com/office/drawing/2014/main" xmlns="" id="{72D8D5ED-08A2-4E59-AA33-3E70202E855D}"/>
+                <a16:creationId xmlns="" xmlns:a16="http://schemas.microsoft.com/office/drawing/2014/main" id="{72D8D5ED-08A2-4E59-AA33-3E70202E855D}"/>
               </a:ext>
             </a:extLst>
           </p:cNvPr>
@@ -18215,7 +18230,7 @@
           <p:cNvPr id="30" name="TextBox 11">
             <a:extLst>
               <a:ext uri="{FF2B5EF4-FFF2-40B4-BE49-F238E27FC236}">
-                <a16:creationId xmlns="" xmlns:a16="http://schemas.microsoft.com/office/drawing/2014/main" xmlns:lc="http://schemas.openxmlformats.org/drawingml/2006/lockedCanvas" id="{3ED8D828-23F6-4F62-895A-0C04DE02C6A7}"/>
+                <a16:creationId xmlns:lc="http://schemas.openxmlformats.org/drawingml/2006/lockedCanvas" xmlns:a16="http://schemas.microsoft.com/office/drawing/2014/main" xmlns="" id="{3ED8D828-23F6-4F62-895A-0C04DE02C6A7}"/>
               </a:ext>
             </a:extLst>
           </p:cNvPr>
@@ -18334,11 +18349,7 @@
           <a:p>
             <a:r>
               <a:rPr lang="en-US" sz="1000" dirty="0"/>
-              <a:t>Figure </a:t>
-            </a:r>
-            <a:r>
-              <a:rPr lang="en-US" sz="1000" dirty="0"/>
-              <a:t>6</a:t>
+              <a:t>Figure 6</a:t>
             </a:r>
             <a:r>
               <a:rPr lang="en-US" sz="1000" dirty="0" smtClean="0"/>
@@ -18353,7 +18364,7 @@
           <p:cNvPr id="31" name="TextBox 11">
             <a:extLst>
               <a:ext uri="{FF2B5EF4-FFF2-40B4-BE49-F238E27FC236}">
-                <a16:creationId xmlns="" xmlns:a16="http://schemas.microsoft.com/office/drawing/2014/main" xmlns:lc="http://schemas.openxmlformats.org/drawingml/2006/lockedCanvas" id="{3ED8D828-23F6-4F62-895A-0C04DE02C6A7}"/>
+                <a16:creationId xmlns:lc="http://schemas.openxmlformats.org/drawingml/2006/lockedCanvas" xmlns:a16="http://schemas.microsoft.com/office/drawing/2014/main" xmlns="" id="{3ED8D828-23F6-4F62-895A-0C04DE02C6A7}"/>
               </a:ext>
             </a:extLst>
           </p:cNvPr>
@@ -18472,11 +18483,7 @@
           <a:p>
             <a:r>
               <a:rPr lang="en-US" sz="1000" dirty="0"/>
-              <a:t>Figure </a:t>
-            </a:r>
-            <a:r>
-              <a:rPr lang="en-US" sz="1000" dirty="0"/>
-              <a:t>7</a:t>
+              <a:t>Figure 7</a:t>
             </a:r>
             <a:r>
               <a:rPr lang="en-US" sz="1000" dirty="0" smtClean="0"/>
@@ -18529,10 +18536,10 @@
           <p:cNvPr id="21" name="Rectangle 20">
             <a:extLst>
               <a:ext uri="{FF2B5EF4-FFF2-40B4-BE49-F238E27FC236}">
-                <a16:creationId xmlns:a16="http://schemas.microsoft.com/office/drawing/2014/main" xmlns="" id="{99CAC3B1-4879-424D-8F15-206277196159}"/>
+                <a16:creationId xmlns="" xmlns:a16="http://schemas.microsoft.com/office/drawing/2014/main" id="{99CAC3B1-4879-424D-8F15-206277196159}"/>
               </a:ext>
               <a:ext uri="{C183D7F6-B498-43B3-948B-1728B52AA6E4}">
-                <adec:decorative xmlns:adec="http://schemas.microsoft.com/office/drawing/2017/decorative" xmlns="" val="1"/>
+                <adec:decorative xmlns="" xmlns:adec="http://schemas.microsoft.com/office/drawing/2017/decorative" val="1"/>
               </a:ext>
             </a:extLst>
           </p:cNvPr>
@@ -18542,7 +18549,7 @@
           <p:nvPr>
             <p:extLst>
               <p:ext uri="{386F3935-93C4-4BCD-93E2-E3B085C9AB24}">
-                <p16:designElem xmlns:p16="http://schemas.microsoft.com/office/powerpoint/2015/main" xmlns="" val="1"/>
+                <p16:designElem xmlns="" xmlns:p16="http://schemas.microsoft.com/office/powerpoint/2015/main" val="1"/>
               </p:ext>
             </p:extLst>
           </p:nvPr>
@@ -18589,10 +18596,10 @@
           <p:cNvPr id="23" name="Group 22">
             <a:extLst>
               <a:ext uri="{FF2B5EF4-FFF2-40B4-BE49-F238E27FC236}">
-                <a16:creationId xmlns:a16="http://schemas.microsoft.com/office/drawing/2014/main" xmlns="" id="{4B8492CB-DFBA-4A82-9778-F21493DA36C1}"/>
+                <a16:creationId xmlns="" xmlns:a16="http://schemas.microsoft.com/office/drawing/2014/main" id="{4B8492CB-DFBA-4A82-9778-F21493DA36C1}"/>
               </a:ext>
               <a:ext uri="{C183D7F6-B498-43B3-948B-1728B52AA6E4}">
-                <adec:decorative xmlns:adec="http://schemas.microsoft.com/office/drawing/2017/decorative" xmlns="" val="1"/>
+                <adec:decorative xmlns="" xmlns:adec="http://schemas.microsoft.com/office/drawing/2017/decorative" val="1"/>
               </a:ext>
             </a:extLst>
           </p:cNvPr>
@@ -18602,7 +18609,7 @@
           <p:nvPr>
             <p:extLst>
               <p:ext uri="{386F3935-93C4-4BCD-93E2-E3B085C9AB24}">
-                <p16:designElem xmlns:p16="http://schemas.microsoft.com/office/powerpoint/2015/main" xmlns="" val="1"/>
+                <p16:designElem xmlns="" xmlns:p16="http://schemas.microsoft.com/office/powerpoint/2015/main" val="1"/>
               </p:ext>
             </p:extLst>
           </p:nvPr>
@@ -18620,10 +18627,10 @@
             <p:cNvPr id="24" name="Freeform 6">
               <a:extLst>
                 <a:ext uri="{FF2B5EF4-FFF2-40B4-BE49-F238E27FC236}">
-                  <a16:creationId xmlns:a16="http://schemas.microsoft.com/office/drawing/2014/main" xmlns="" id="{E34CC1C8-EBDD-4AEA-83E6-B27575B62E2E}"/>
+                  <a16:creationId xmlns="" xmlns:a16="http://schemas.microsoft.com/office/drawing/2014/main" id="{E34CC1C8-EBDD-4AEA-83E6-B27575B62E2E}"/>
                 </a:ext>
                 <a:ext uri="{C183D7F6-B498-43B3-948B-1728B52AA6E4}">
-                  <adec:decorative xmlns:adec="http://schemas.microsoft.com/office/drawing/2017/decorative" xmlns="" val="1"/>
+                  <adec:decorative xmlns="" xmlns:adec="http://schemas.microsoft.com/office/drawing/2017/decorative" val="1"/>
                 </a:ext>
               </a:extLst>
             </p:cNvPr>
@@ -18631,7 +18638,7 @@
             <p:nvPr>
               <p:extLst>
                 <p:ext uri="{386F3935-93C4-4BCD-93E2-E3B085C9AB24}">
-                  <p16:designElem xmlns:p16="http://schemas.microsoft.com/office/powerpoint/2015/main" xmlns="" val="1"/>
+                  <p16:designElem xmlns="" xmlns:p16="http://schemas.microsoft.com/office/powerpoint/2015/main" val="1"/>
                 </p:ext>
               </p:extLst>
             </p:nvPr>
@@ -18681,10 +18688,10 @@
             <p:cNvPr id="25" name="Freeform 7">
               <a:extLst>
                 <a:ext uri="{FF2B5EF4-FFF2-40B4-BE49-F238E27FC236}">
-                  <a16:creationId xmlns:a16="http://schemas.microsoft.com/office/drawing/2014/main" xmlns="" id="{D6B38644-B85D-4211-9526-5B4C2A662BF7}"/>
+                  <a16:creationId xmlns="" xmlns:a16="http://schemas.microsoft.com/office/drawing/2014/main" id="{D6B38644-B85D-4211-9526-5B4C2A662BF7}"/>
                 </a:ext>
                 <a:ext uri="{C183D7F6-B498-43B3-948B-1728B52AA6E4}">
-                  <adec:decorative xmlns:adec="http://schemas.microsoft.com/office/drawing/2017/decorative" xmlns="" val="1"/>
+                  <adec:decorative xmlns="" xmlns:adec="http://schemas.microsoft.com/office/drawing/2017/decorative" val="1"/>
                 </a:ext>
               </a:extLst>
             </p:cNvPr>
@@ -18692,7 +18699,7 @@
             <p:nvPr>
               <p:extLst>
                 <p:ext uri="{386F3935-93C4-4BCD-93E2-E3B085C9AB24}">
-                  <p16:designElem xmlns:p16="http://schemas.microsoft.com/office/powerpoint/2015/main" xmlns="" val="1"/>
+                  <p16:designElem xmlns="" xmlns:p16="http://schemas.microsoft.com/office/powerpoint/2015/main" val="1"/>
                 </p:ext>
               </p:extLst>
             </p:nvPr>
@@ -18745,10 +18752,10 @@
             <p:cNvPr id="26" name="Freeform 12">
               <a:extLst>
                 <a:ext uri="{FF2B5EF4-FFF2-40B4-BE49-F238E27FC236}">
-                  <a16:creationId xmlns:a16="http://schemas.microsoft.com/office/drawing/2014/main" xmlns="" id="{8A8B2820-6B8F-4C19-BFC5-D28EE44E54CB}"/>
+                  <a16:creationId xmlns="" xmlns:a16="http://schemas.microsoft.com/office/drawing/2014/main" id="{8A8B2820-6B8F-4C19-BFC5-D28EE44E54CB}"/>
                 </a:ext>
                 <a:ext uri="{C183D7F6-B498-43B3-948B-1728B52AA6E4}">
-                  <adec:decorative xmlns:adec="http://schemas.microsoft.com/office/drawing/2017/decorative" xmlns="" val="1"/>
+                  <adec:decorative xmlns="" xmlns:adec="http://schemas.microsoft.com/office/drawing/2017/decorative" val="1"/>
                 </a:ext>
               </a:extLst>
             </p:cNvPr>
@@ -18756,7 +18763,7 @@
             <p:nvPr>
               <p:extLst>
                 <p:ext uri="{386F3935-93C4-4BCD-93E2-E3B085C9AB24}">
-                  <p16:designElem xmlns:p16="http://schemas.microsoft.com/office/powerpoint/2015/main" xmlns="" val="1"/>
+                  <p16:designElem xmlns="" xmlns:p16="http://schemas.microsoft.com/office/powerpoint/2015/main" val="1"/>
                 </p:ext>
               </p:extLst>
             </p:nvPr>
@@ -18803,10 +18810,10 @@
             <p:cNvPr id="27" name="Freeform 13">
               <a:extLst>
                 <a:ext uri="{FF2B5EF4-FFF2-40B4-BE49-F238E27FC236}">
-                  <a16:creationId xmlns:a16="http://schemas.microsoft.com/office/drawing/2014/main" xmlns="" id="{773528ED-4D37-4A77-A8CA-86B6221C5E82}"/>
+                  <a16:creationId xmlns="" xmlns:a16="http://schemas.microsoft.com/office/drawing/2014/main" id="{773528ED-4D37-4A77-A8CA-86B6221C5E82}"/>
                 </a:ext>
                 <a:ext uri="{C183D7F6-B498-43B3-948B-1728B52AA6E4}">
-                  <adec:decorative xmlns:adec="http://schemas.microsoft.com/office/drawing/2017/decorative" xmlns="" val="1"/>
+                  <adec:decorative xmlns="" xmlns:adec="http://schemas.microsoft.com/office/drawing/2017/decorative" val="1"/>
                 </a:ext>
               </a:extLst>
             </p:cNvPr>
@@ -18814,7 +18821,7 @@
             <p:nvPr>
               <p:extLst>
                 <p:ext uri="{386F3935-93C4-4BCD-93E2-E3B085C9AB24}">
-                  <p16:designElem xmlns:p16="http://schemas.microsoft.com/office/powerpoint/2015/main" xmlns="" val="1"/>
+                  <p16:designElem xmlns="" xmlns:p16="http://schemas.microsoft.com/office/powerpoint/2015/main" val="1"/>
                 </p:ext>
               </p:extLst>
             </p:nvPr>
@@ -18863,10 +18870,10 @@
             <p:cNvPr id="28" name="Freeform 14">
               <a:extLst>
                 <a:ext uri="{FF2B5EF4-FFF2-40B4-BE49-F238E27FC236}">
-                  <a16:creationId xmlns:a16="http://schemas.microsoft.com/office/drawing/2014/main" xmlns="" id="{8A58A902-E944-4399-9A93-A91A6A82B166}"/>
+                  <a16:creationId xmlns="" xmlns:a16="http://schemas.microsoft.com/office/drawing/2014/main" id="{8A58A902-E944-4399-9A93-A91A6A82B166}"/>
                 </a:ext>
                 <a:ext uri="{C183D7F6-B498-43B3-948B-1728B52AA6E4}">
-                  <adec:decorative xmlns:adec="http://schemas.microsoft.com/office/drawing/2017/decorative" xmlns="" val="1"/>
+                  <adec:decorative xmlns="" xmlns:adec="http://schemas.microsoft.com/office/drawing/2017/decorative" val="1"/>
                 </a:ext>
               </a:extLst>
             </p:cNvPr>
@@ -18874,7 +18881,7 @@
             <p:nvPr>
               <p:extLst>
                 <p:ext uri="{386F3935-93C4-4BCD-93E2-E3B085C9AB24}">
-                  <p16:designElem xmlns:p16="http://schemas.microsoft.com/office/powerpoint/2015/main" xmlns="" val="1"/>
+                  <p16:designElem xmlns="" xmlns:p16="http://schemas.microsoft.com/office/powerpoint/2015/main" val="1"/>
                 </p:ext>
               </p:extLst>
             </p:nvPr>
@@ -18929,10 +18936,10 @@
             <p:cNvPr id="29" name="Freeform 15">
               <a:extLst>
                 <a:ext uri="{FF2B5EF4-FFF2-40B4-BE49-F238E27FC236}">
-                  <a16:creationId xmlns:a16="http://schemas.microsoft.com/office/drawing/2014/main" xmlns="" id="{4EDB1155-2E8E-4FB8-AD42-101FE4383231}"/>
+                  <a16:creationId xmlns="" xmlns:a16="http://schemas.microsoft.com/office/drawing/2014/main" id="{4EDB1155-2E8E-4FB8-AD42-101FE4383231}"/>
                 </a:ext>
                 <a:ext uri="{C183D7F6-B498-43B3-948B-1728B52AA6E4}">
-                  <adec:decorative xmlns:adec="http://schemas.microsoft.com/office/drawing/2017/decorative" xmlns="" val="1"/>
+                  <adec:decorative xmlns="" xmlns:adec="http://schemas.microsoft.com/office/drawing/2017/decorative" val="1"/>
                 </a:ext>
               </a:extLst>
             </p:cNvPr>
@@ -18940,7 +18947,7 @@
             <p:nvPr>
               <p:extLst>
                 <p:ext uri="{386F3935-93C4-4BCD-93E2-E3B085C9AB24}">
-                  <p16:designElem xmlns:p16="http://schemas.microsoft.com/office/powerpoint/2015/main" xmlns="" val="1"/>
+                  <p16:designElem xmlns="" xmlns:p16="http://schemas.microsoft.com/office/powerpoint/2015/main" val="1"/>
                 </p:ext>
               </p:extLst>
             </p:nvPr>
@@ -19000,7 +19007,7 @@
           <p:cNvPr id="2" name="Title 1">
             <a:extLst>
               <a:ext uri="{FF2B5EF4-FFF2-40B4-BE49-F238E27FC236}">
-                <a16:creationId xmlns:a16="http://schemas.microsoft.com/office/drawing/2014/main" xmlns="" id="{C7492CCE-C435-464E-A19A-D4C606FDBE3D}"/>
+                <a16:creationId xmlns="" xmlns:a16="http://schemas.microsoft.com/office/drawing/2014/main" id="{C7492CCE-C435-464E-A19A-D4C606FDBE3D}"/>
               </a:ext>
             </a:extLst>
           </p:cNvPr>
@@ -19037,7 +19044,7 @@
           <p:cNvPr id="5" name="TextBox 4">
             <a:extLst>
               <a:ext uri="{FF2B5EF4-FFF2-40B4-BE49-F238E27FC236}">
-                <a16:creationId xmlns:a16="http://schemas.microsoft.com/office/drawing/2014/main" xmlns="" id="{466A409B-90E2-4ACB-8A16-0329B5CEE6DF}"/>
+                <a16:creationId xmlns="" xmlns:a16="http://schemas.microsoft.com/office/drawing/2014/main" id="{466A409B-90E2-4ACB-8A16-0329B5CEE6DF}"/>
               </a:ext>
             </a:extLst>
           </p:cNvPr>
@@ -19088,7 +19095,7 @@
           <p:cNvPr id="7" name="Straight Arrow Connector 6">
             <a:extLst>
               <a:ext uri="{FF2B5EF4-FFF2-40B4-BE49-F238E27FC236}">
-                <a16:creationId xmlns:a16="http://schemas.microsoft.com/office/drawing/2014/main" xmlns="" id="{6C986E87-252D-4CDD-90A3-050A5080DF44}"/>
+                <a16:creationId xmlns="" xmlns:a16="http://schemas.microsoft.com/office/drawing/2014/main" id="{6C986E87-252D-4CDD-90A3-050A5080DF44}"/>
               </a:ext>
             </a:extLst>
           </p:cNvPr>
@@ -19129,7 +19136,7 @@
           <p:cNvPr id="17" name="Straight Arrow Connector 16">
             <a:extLst>
               <a:ext uri="{FF2B5EF4-FFF2-40B4-BE49-F238E27FC236}">
-                <a16:creationId xmlns:a16="http://schemas.microsoft.com/office/drawing/2014/main" xmlns="" id="{8B32EEAB-6F30-4731-8D76-02708A63C23C}"/>
+                <a16:creationId xmlns="" xmlns:a16="http://schemas.microsoft.com/office/drawing/2014/main" id="{8B32EEAB-6F30-4731-8D76-02708A63C23C}"/>
               </a:ext>
             </a:extLst>
           </p:cNvPr>
@@ -19170,7 +19177,7 @@
           <p:cNvPr id="18" name="Straight Arrow Connector 17">
             <a:extLst>
               <a:ext uri="{FF2B5EF4-FFF2-40B4-BE49-F238E27FC236}">
-                <a16:creationId xmlns:a16="http://schemas.microsoft.com/office/drawing/2014/main" xmlns="" id="{E930BBA9-7BA1-48A0-A9E1-F9545CD11BAA}"/>
+                <a16:creationId xmlns="" xmlns:a16="http://schemas.microsoft.com/office/drawing/2014/main" id="{E930BBA9-7BA1-48A0-A9E1-F9545CD11BAA}"/>
               </a:ext>
             </a:extLst>
           </p:cNvPr>
@@ -19211,7 +19218,7 @@
           <p:cNvPr id="19" name="Straight Arrow Connector 18">
             <a:extLst>
               <a:ext uri="{FF2B5EF4-FFF2-40B4-BE49-F238E27FC236}">
-                <a16:creationId xmlns:a16="http://schemas.microsoft.com/office/drawing/2014/main" xmlns="" id="{72D8D5ED-08A2-4E59-AA33-3E70202E855D}"/>
+                <a16:creationId xmlns="" xmlns:a16="http://schemas.microsoft.com/office/drawing/2014/main" id="{72D8D5ED-08A2-4E59-AA33-3E70202E855D}"/>
               </a:ext>
             </a:extLst>
           </p:cNvPr>
@@ -19276,7 +19283,7 @@
           <p:cNvPr id="20" name="TextBox 11">
             <a:extLst>
               <a:ext uri="{FF2B5EF4-FFF2-40B4-BE49-F238E27FC236}">
-                <a16:creationId xmlns="" xmlns:a16="http://schemas.microsoft.com/office/drawing/2014/main" xmlns:lc="http://schemas.openxmlformats.org/drawingml/2006/lockedCanvas" id="{3ED8D828-23F6-4F62-895A-0C04DE02C6A7}"/>
+                <a16:creationId xmlns:lc="http://schemas.openxmlformats.org/drawingml/2006/lockedCanvas" xmlns:a16="http://schemas.microsoft.com/office/drawing/2014/main" xmlns="" id="{3ED8D828-23F6-4F62-895A-0C04DE02C6A7}"/>
               </a:ext>
             </a:extLst>
           </p:cNvPr>
@@ -19970,6 +19977,23 @@
 </file>
 
 <file path=customXml/item1.xml><?xml version="1.0" encoding="utf-8"?>
+<p:properties xmlns:p="http://schemas.microsoft.com/office/2006/metadata/properties" xmlns:xsi="http://www.w3.org/2001/XMLSchema-instance" xmlns:pc="http://schemas.microsoft.com/office/infopath/2007/PartnerControls">
+  <documentManagement>
+    <MediaServiceKeyPoints xmlns="71af3243-3dd4-4a8d-8c0d-dd76da1f02a5" xsi:nil="true"/>
+  </documentManagement>
+</p:properties>
+</file>
+
+<file path=customXml/item2.xml><?xml version="1.0" encoding="utf-8"?>
+<?mso-contentType ?>
+<FormTemplates xmlns="http://schemas.microsoft.com/sharepoint/v3/contenttype/forms">
+  <Display>DocumentLibraryForm</Display>
+  <Edit>DocumentLibraryForm</Edit>
+  <New>DocumentLibraryForm</New>
+</FormTemplates>
+</file>
+
+<file path=customXml/item3.xml><?xml version="1.0" encoding="utf-8"?>
 <ct:contentTypeSchema xmlns:ct="http://schemas.microsoft.com/office/2006/metadata/contentType" xmlns:ma="http://schemas.microsoft.com/office/2006/metadata/properties/metaAttributes" ct:_="" ma:_="" ma:contentTypeName="Document" ma:contentTypeID="0x01010079F111ED35F8CC479449609E8A0923A6" ma:contentTypeVersion="11" ma:contentTypeDescription="Create a new document." ma:contentTypeScope="" ma:versionID="9677210f24a1be23c92c90fd886aa0aa">
   <xsd:schema xmlns:xsd="http://www.w3.org/2001/XMLSchema" xmlns:xs="http://www.w3.org/2001/XMLSchema" xmlns:p="http://schemas.microsoft.com/office/2006/metadata/properties" xmlns:ns2="71af3243-3dd4-4a8d-8c0d-dd76da1f02a5" xmlns:ns3="16c05727-aa75-4e4a-9b5f-8a80a1165891" targetNamespace="http://schemas.microsoft.com/office/2006/metadata/properties" ma:root="true" ma:fieldsID="60e05723c5c1908df1a1a4ebf11d344e" ns2:_="" ns3:_="">
     <xsd:import namespace="71af3243-3dd4-4a8d-8c0d-dd76da1f02a5"/>
@@ -20180,24 +20204,25 @@
 </ct:contentTypeSchema>
 </file>
 
-<file path=customXml/item2.xml><?xml version="1.0" encoding="utf-8"?>
-<?mso-contentType ?>
-<FormTemplates xmlns="http://schemas.microsoft.com/sharepoint/v3/contenttype/forms">
-  <Display>DocumentLibraryForm</Display>
-  <Edit>DocumentLibraryForm</Edit>
-  <New>DocumentLibraryForm</New>
-</FormTemplates>
+<file path=customXml/itemProps1.xml><?xml version="1.0" encoding="utf-8"?>
+<ds:datastoreItem xmlns:ds="http://schemas.openxmlformats.org/officeDocument/2006/customXml" ds:itemID="{D7023227-530E-4024-91EF-312A851A758C}">
+  <ds:schemaRefs>
+    <ds:schemaRef ds:uri="http://schemas.microsoft.com/office/2006/metadata/properties"/>
+    <ds:schemaRef ds:uri="http://schemas.microsoft.com/office/infopath/2007/PartnerControls"/>
+    <ds:schemaRef ds:uri="71af3243-3dd4-4a8d-8c0d-dd76da1f02a5"/>
+  </ds:schemaRefs>
+</ds:datastoreItem>
 </file>
 
-<file path=customXml/item3.xml><?xml version="1.0" encoding="utf-8"?>
-<p:properties xmlns:p="http://schemas.microsoft.com/office/2006/metadata/properties" xmlns:xsi="http://www.w3.org/2001/XMLSchema-instance" xmlns:pc="http://schemas.microsoft.com/office/infopath/2007/PartnerControls">
-  <documentManagement>
-    <MediaServiceKeyPoints xmlns="71af3243-3dd4-4a8d-8c0d-dd76da1f02a5" xsi:nil="true"/>
-  </documentManagement>
-</p:properties>
+<file path=customXml/itemProps2.xml><?xml version="1.0" encoding="utf-8"?>
+<ds:datastoreItem xmlns:ds="http://schemas.openxmlformats.org/officeDocument/2006/customXml" ds:itemID="{33315AA3-EAE3-44ED-8368-BAC2FFFB4817}">
+  <ds:schemaRefs>
+    <ds:schemaRef ds:uri="http://schemas.microsoft.com/sharepoint/v3/contenttype/forms"/>
+  </ds:schemaRefs>
+</ds:datastoreItem>
 </file>
 
-<file path=customXml/itemProps1.xml><?xml version="1.0" encoding="utf-8"?>
+<file path=customXml/itemProps3.xml><?xml version="1.0" encoding="utf-8"?>
 <ds:datastoreItem xmlns:ds="http://schemas.openxmlformats.org/officeDocument/2006/customXml" ds:itemID="{627C19A7-3107-4CB2-BD0D-F7C79BE028CC}">
   <ds:schemaRefs>
     <ds:schemaRef ds:uri="http://schemas.microsoft.com/office/2006/metadata/contentType"/>
@@ -20214,22 +20239,4 @@
     <ds:schemaRef ds:uri="http://schemas.microsoft.com/internal/obd"/>
   </ds:schemaRefs>
 </ds:datastoreItem>
-</file>
-
-<file path=customXml/itemProps2.xml><?xml version="1.0" encoding="utf-8"?>
-<ds:datastoreItem xmlns:ds="http://schemas.openxmlformats.org/officeDocument/2006/customXml" ds:itemID="{33315AA3-EAE3-44ED-8368-BAC2FFFB4817}">
-  <ds:schemaRefs>
-    <ds:schemaRef ds:uri="http://schemas.microsoft.com/sharepoint/v3/contenttype/forms"/>
-  </ds:schemaRefs>
-</ds:datastoreItem>
-</file>
-
-<file path=customXml/itemProps3.xml><?xml version="1.0" encoding="utf-8"?>
-<ds:datastoreItem xmlns:ds="http://schemas.openxmlformats.org/officeDocument/2006/customXml" ds:itemID="{D7023227-530E-4024-91EF-312A851A758C}">
-  <ds:schemaRefs>
-    <ds:schemaRef ds:uri="http://schemas.microsoft.com/office/2006/metadata/properties"/>
-    <ds:schemaRef ds:uri="http://schemas.microsoft.com/office/infopath/2007/PartnerControls"/>
-    <ds:schemaRef ds:uri="71af3243-3dd4-4a8d-8c0d-dd76da1f02a5"/>
-  </ds:schemaRefs>
-</ds:datastoreItem>
 </file>
--- a/OceanSimulation/Docs/Large Scale Realistic Ocean Rendering and Simulation.pptx
+++ b/OceanSimulation/Docs/Large Scale Realistic Ocean Rendering and Simulation.pptx
@@ -6446,10 +6446,10 @@
           <p:cNvPr id="21" name="Rectangle 20">
             <a:extLst>
               <a:ext uri="{FF2B5EF4-FFF2-40B4-BE49-F238E27FC236}">
-                <a16:creationId xmlns="" xmlns:a16="http://schemas.microsoft.com/office/drawing/2014/main" id="{E5A92FE9-DB05-4D0D-AF5A-BE8664B9FFB4}"/>
+                <a16:creationId xmlns:a16="http://schemas.microsoft.com/office/drawing/2014/main" id="{E5A92FE9-DB05-4D0D-AF5A-BE8664B9FFB4}"/>
               </a:ext>
               <a:ext uri="{C183D7F6-B498-43B3-948B-1728B52AA6E4}">
-                <adec:decorative xmlns="" xmlns:adec="http://schemas.microsoft.com/office/drawing/2017/decorative" val="1"/>
+                <adec:decorative xmlns:adec="http://schemas.microsoft.com/office/drawing/2017/decorative" val="1"/>
               </a:ext>
             </a:extLst>
           </p:cNvPr>
@@ -6459,7 +6459,7 @@
           <p:nvPr>
             <p:extLst>
               <p:ext uri="{386F3935-93C4-4BCD-93E2-E3B085C9AB24}">
-                <p16:designElem xmlns="" xmlns:p16="http://schemas.microsoft.com/office/powerpoint/2015/main" val="1"/>
+                <p16:designElem xmlns:p16="http://schemas.microsoft.com/office/powerpoint/2015/main" val="1"/>
               </p:ext>
             </p:extLst>
           </p:nvPr>
@@ -6506,10 +6506,10 @@
           <p:cNvPr id="23" name="Group 22">
             <a:extLst>
               <a:ext uri="{FF2B5EF4-FFF2-40B4-BE49-F238E27FC236}">
-                <a16:creationId xmlns="" xmlns:a16="http://schemas.microsoft.com/office/drawing/2014/main" id="{53D9B26A-5143-49A7-BA98-D871D5BD719A}"/>
+                <a16:creationId xmlns:a16="http://schemas.microsoft.com/office/drawing/2014/main" id="{53D9B26A-5143-49A7-BA98-D871D5BD719A}"/>
               </a:ext>
               <a:ext uri="{C183D7F6-B498-43B3-948B-1728B52AA6E4}">
-                <adec:decorative xmlns="" xmlns:adec="http://schemas.microsoft.com/office/drawing/2017/decorative" val="1"/>
+                <adec:decorative xmlns:adec="http://schemas.microsoft.com/office/drawing/2017/decorative" val="1"/>
               </a:ext>
             </a:extLst>
           </p:cNvPr>
@@ -6519,7 +6519,7 @@
           <p:nvPr>
             <p:extLst>
               <p:ext uri="{386F3935-93C4-4BCD-93E2-E3B085C9AB24}">
-                <p16:designElem xmlns="" xmlns:p16="http://schemas.microsoft.com/office/powerpoint/2015/main" val="1"/>
+                <p16:designElem xmlns:p16="http://schemas.microsoft.com/office/powerpoint/2015/main" val="1"/>
               </p:ext>
             </p:extLst>
           </p:nvPr>
@@ -6537,10 +6537,10 @@
             <p:cNvPr id="24" name="Freeform 6">
               <a:extLst>
                 <a:ext uri="{FF2B5EF4-FFF2-40B4-BE49-F238E27FC236}">
-                  <a16:creationId xmlns="" xmlns:a16="http://schemas.microsoft.com/office/drawing/2014/main" id="{68B85E55-A2A1-4682-B891-F201358A92D5}"/>
+                  <a16:creationId xmlns:a16="http://schemas.microsoft.com/office/drawing/2014/main" id="{68B85E55-A2A1-4682-B891-F201358A92D5}"/>
                 </a:ext>
                 <a:ext uri="{C183D7F6-B498-43B3-948B-1728B52AA6E4}">
-                  <adec:decorative xmlns="" xmlns:adec="http://schemas.microsoft.com/office/drawing/2017/decorative" val="1"/>
+                  <adec:decorative xmlns:adec="http://schemas.microsoft.com/office/drawing/2017/decorative" val="1"/>
                 </a:ext>
               </a:extLst>
             </p:cNvPr>
@@ -6548,7 +6548,7 @@
             <p:nvPr>
               <p:extLst>
                 <p:ext uri="{386F3935-93C4-4BCD-93E2-E3B085C9AB24}">
-                  <p16:designElem xmlns="" xmlns:p16="http://schemas.microsoft.com/office/powerpoint/2015/main" val="1"/>
+                  <p16:designElem xmlns:p16="http://schemas.microsoft.com/office/powerpoint/2015/main" val="1"/>
                 </p:ext>
               </p:extLst>
             </p:nvPr>
@@ -6598,10 +6598,10 @@
             <p:cNvPr id="25" name="Freeform 7">
               <a:extLst>
                 <a:ext uri="{FF2B5EF4-FFF2-40B4-BE49-F238E27FC236}">
-                  <a16:creationId xmlns="" xmlns:a16="http://schemas.microsoft.com/office/drawing/2014/main" id="{45EF6EDB-9B5D-49E9-96FA-1AE08BF95E57}"/>
+                  <a16:creationId xmlns:a16="http://schemas.microsoft.com/office/drawing/2014/main" id="{45EF6EDB-9B5D-49E9-96FA-1AE08BF95E57}"/>
                 </a:ext>
                 <a:ext uri="{C183D7F6-B498-43B3-948B-1728B52AA6E4}">
-                  <adec:decorative xmlns="" xmlns:adec="http://schemas.microsoft.com/office/drawing/2017/decorative" val="1"/>
+                  <adec:decorative xmlns:adec="http://schemas.microsoft.com/office/drawing/2017/decorative" val="1"/>
                 </a:ext>
               </a:extLst>
             </p:cNvPr>
@@ -6609,7 +6609,7 @@
             <p:nvPr>
               <p:extLst>
                 <p:ext uri="{386F3935-93C4-4BCD-93E2-E3B085C9AB24}">
-                  <p16:designElem xmlns="" xmlns:p16="http://schemas.microsoft.com/office/powerpoint/2015/main" val="1"/>
+                  <p16:designElem xmlns:p16="http://schemas.microsoft.com/office/powerpoint/2015/main" val="1"/>
                 </p:ext>
               </p:extLst>
             </p:nvPr>
@@ -6662,10 +6662,10 @@
             <p:cNvPr id="26" name="Freeform 12">
               <a:extLst>
                 <a:ext uri="{FF2B5EF4-FFF2-40B4-BE49-F238E27FC236}">
-                  <a16:creationId xmlns="" xmlns:a16="http://schemas.microsoft.com/office/drawing/2014/main" id="{38338226-D6E2-4EEE-B271-DB4BD096DBA1}"/>
+                  <a16:creationId xmlns:a16="http://schemas.microsoft.com/office/drawing/2014/main" id="{38338226-D6E2-4EEE-B271-DB4BD096DBA1}"/>
                 </a:ext>
                 <a:ext uri="{C183D7F6-B498-43B3-948B-1728B52AA6E4}">
-                  <adec:decorative xmlns="" xmlns:adec="http://schemas.microsoft.com/office/drawing/2017/decorative" val="1"/>
+                  <adec:decorative xmlns:adec="http://schemas.microsoft.com/office/drawing/2017/decorative" val="1"/>
                 </a:ext>
               </a:extLst>
             </p:cNvPr>
@@ -6673,7 +6673,7 @@
             <p:nvPr>
               <p:extLst>
                 <p:ext uri="{386F3935-93C4-4BCD-93E2-E3B085C9AB24}">
-                  <p16:designElem xmlns="" xmlns:p16="http://schemas.microsoft.com/office/powerpoint/2015/main" val="1"/>
+                  <p16:designElem xmlns:p16="http://schemas.microsoft.com/office/powerpoint/2015/main" val="1"/>
                 </p:ext>
               </p:extLst>
             </p:nvPr>
@@ -6720,10 +6720,10 @@
             <p:cNvPr id="27" name="Freeform 13">
               <a:extLst>
                 <a:ext uri="{FF2B5EF4-FFF2-40B4-BE49-F238E27FC236}">
-                  <a16:creationId xmlns="" xmlns:a16="http://schemas.microsoft.com/office/drawing/2014/main" id="{4878FB48-17B3-4A11-8025-DE0945CD4E71}"/>
+                  <a16:creationId xmlns:a16="http://schemas.microsoft.com/office/drawing/2014/main" id="{4878FB48-17B3-4A11-8025-DE0945CD4E71}"/>
                 </a:ext>
                 <a:ext uri="{C183D7F6-B498-43B3-948B-1728B52AA6E4}">
-                  <adec:decorative xmlns="" xmlns:adec="http://schemas.microsoft.com/office/drawing/2017/decorative" val="1"/>
+                  <adec:decorative xmlns:adec="http://schemas.microsoft.com/office/drawing/2017/decorative" val="1"/>
                 </a:ext>
               </a:extLst>
             </p:cNvPr>
@@ -6731,7 +6731,7 @@
             <p:nvPr>
               <p:extLst>
                 <p:ext uri="{386F3935-93C4-4BCD-93E2-E3B085C9AB24}">
-                  <p16:designElem xmlns="" xmlns:p16="http://schemas.microsoft.com/office/powerpoint/2015/main" val="1"/>
+                  <p16:designElem xmlns:p16="http://schemas.microsoft.com/office/powerpoint/2015/main" val="1"/>
                 </p:ext>
               </p:extLst>
             </p:nvPr>
@@ -6780,10 +6780,10 @@
             <p:cNvPr id="28" name="Freeform 14">
               <a:extLst>
                 <a:ext uri="{FF2B5EF4-FFF2-40B4-BE49-F238E27FC236}">
-                  <a16:creationId xmlns="" xmlns:a16="http://schemas.microsoft.com/office/drawing/2014/main" id="{4150A21C-DD6D-4D3C-9E95-7A3CA263BEB9}"/>
+                  <a16:creationId xmlns:a16="http://schemas.microsoft.com/office/drawing/2014/main" id="{4150A21C-DD6D-4D3C-9E95-7A3CA263BEB9}"/>
                 </a:ext>
                 <a:ext uri="{C183D7F6-B498-43B3-948B-1728B52AA6E4}">
-                  <adec:decorative xmlns="" xmlns:adec="http://schemas.microsoft.com/office/drawing/2017/decorative" val="1"/>
+                  <adec:decorative xmlns:adec="http://schemas.microsoft.com/office/drawing/2017/decorative" val="1"/>
                 </a:ext>
               </a:extLst>
             </p:cNvPr>
@@ -6791,7 +6791,7 @@
             <p:nvPr>
               <p:extLst>
                 <p:ext uri="{386F3935-93C4-4BCD-93E2-E3B085C9AB24}">
-                  <p16:designElem xmlns="" xmlns:p16="http://schemas.microsoft.com/office/powerpoint/2015/main" val="1"/>
+                  <p16:designElem xmlns:p16="http://schemas.microsoft.com/office/powerpoint/2015/main" val="1"/>
                 </p:ext>
               </p:extLst>
             </p:nvPr>
@@ -6846,10 +6846,10 @@
             <p:cNvPr id="29" name="Freeform 15">
               <a:extLst>
                 <a:ext uri="{FF2B5EF4-FFF2-40B4-BE49-F238E27FC236}">
-                  <a16:creationId xmlns="" xmlns:a16="http://schemas.microsoft.com/office/drawing/2014/main" id="{7505BF04-104D-4180-A284-42FCD6B04DD6}"/>
+                  <a16:creationId xmlns:a16="http://schemas.microsoft.com/office/drawing/2014/main" id="{7505BF04-104D-4180-A284-42FCD6B04DD6}"/>
                 </a:ext>
                 <a:ext uri="{C183D7F6-B498-43B3-948B-1728B52AA6E4}">
-                  <adec:decorative xmlns="" xmlns:adec="http://schemas.microsoft.com/office/drawing/2017/decorative" val="1"/>
+                  <adec:decorative xmlns:adec="http://schemas.microsoft.com/office/drawing/2017/decorative" val="1"/>
                 </a:ext>
               </a:extLst>
             </p:cNvPr>
@@ -6857,7 +6857,7 @@
             <p:nvPr>
               <p:extLst>
                 <p:ext uri="{386F3935-93C4-4BCD-93E2-E3B085C9AB24}">
-                  <p16:designElem xmlns="" xmlns:p16="http://schemas.microsoft.com/office/powerpoint/2015/main" val="1"/>
+                  <p16:designElem xmlns:p16="http://schemas.microsoft.com/office/powerpoint/2015/main" val="1"/>
                 </p:ext>
               </p:extLst>
             </p:nvPr>
@@ -6917,7 +6917,7 @@
           <p:cNvPr id="2" name="Title 1">
             <a:extLst>
               <a:ext uri="{FF2B5EF4-FFF2-40B4-BE49-F238E27FC236}">
-                <a16:creationId xmlns="" xmlns:a16="http://schemas.microsoft.com/office/drawing/2014/main" id="{652CD06E-EB43-4697-A9C1-290232C3BAD6}"/>
+                <a16:creationId xmlns:a16="http://schemas.microsoft.com/office/drawing/2014/main" id="{652CD06E-EB43-4697-A9C1-290232C3BAD6}"/>
               </a:ext>
             </a:extLst>
           </p:cNvPr>
@@ -6953,7 +6953,7 @@
           <p:cNvPr id="3" name="Subtitle 2">
             <a:extLst>
               <a:ext uri="{FF2B5EF4-FFF2-40B4-BE49-F238E27FC236}">
-                <a16:creationId xmlns="" xmlns:a16="http://schemas.microsoft.com/office/drawing/2014/main" id="{1FBBDE4E-FFA3-44D5-BA0B-7575E2214B7C}"/>
+                <a16:creationId xmlns:a16="http://schemas.microsoft.com/office/drawing/2014/main" id="{1FBBDE4E-FFA3-44D5-BA0B-7575E2214B7C}"/>
               </a:ext>
             </a:extLst>
           </p:cNvPr>
@@ -7027,10 +7027,10 @@
           <p:cNvPr id="21" name="Rectangle 20">
             <a:extLst>
               <a:ext uri="{FF2B5EF4-FFF2-40B4-BE49-F238E27FC236}">
-                <a16:creationId xmlns="" xmlns:a16="http://schemas.microsoft.com/office/drawing/2014/main" id="{99CAC3B1-4879-424D-8F15-206277196159}"/>
+                <a16:creationId xmlns:a16="http://schemas.microsoft.com/office/drawing/2014/main" id="{99CAC3B1-4879-424D-8F15-206277196159}"/>
               </a:ext>
               <a:ext uri="{C183D7F6-B498-43B3-948B-1728B52AA6E4}">
-                <adec:decorative xmlns="" xmlns:adec="http://schemas.microsoft.com/office/drawing/2017/decorative" val="1"/>
+                <adec:decorative xmlns:adec="http://schemas.microsoft.com/office/drawing/2017/decorative" val="1"/>
               </a:ext>
             </a:extLst>
           </p:cNvPr>
@@ -7040,7 +7040,7 @@
           <p:nvPr>
             <p:extLst>
               <p:ext uri="{386F3935-93C4-4BCD-93E2-E3B085C9AB24}">
-                <p16:designElem xmlns="" xmlns:p16="http://schemas.microsoft.com/office/powerpoint/2015/main" val="1"/>
+                <p16:designElem xmlns:p16="http://schemas.microsoft.com/office/powerpoint/2015/main" val="1"/>
               </p:ext>
             </p:extLst>
           </p:nvPr>
@@ -7087,10 +7087,10 @@
           <p:cNvPr id="23" name="Group 22">
             <a:extLst>
               <a:ext uri="{FF2B5EF4-FFF2-40B4-BE49-F238E27FC236}">
-                <a16:creationId xmlns="" xmlns:a16="http://schemas.microsoft.com/office/drawing/2014/main" id="{4B8492CB-DFBA-4A82-9778-F21493DA36C1}"/>
+                <a16:creationId xmlns:a16="http://schemas.microsoft.com/office/drawing/2014/main" id="{4B8492CB-DFBA-4A82-9778-F21493DA36C1}"/>
               </a:ext>
               <a:ext uri="{C183D7F6-B498-43B3-948B-1728B52AA6E4}">
-                <adec:decorative xmlns="" xmlns:adec="http://schemas.microsoft.com/office/drawing/2017/decorative" val="1"/>
+                <adec:decorative xmlns:adec="http://schemas.microsoft.com/office/drawing/2017/decorative" val="1"/>
               </a:ext>
             </a:extLst>
           </p:cNvPr>
@@ -7100,7 +7100,7 @@
           <p:nvPr>
             <p:extLst>
               <p:ext uri="{386F3935-93C4-4BCD-93E2-E3B085C9AB24}">
-                <p16:designElem xmlns="" xmlns:p16="http://schemas.microsoft.com/office/powerpoint/2015/main" val="1"/>
+                <p16:designElem xmlns:p16="http://schemas.microsoft.com/office/powerpoint/2015/main" val="1"/>
               </p:ext>
             </p:extLst>
           </p:nvPr>
@@ -7118,10 +7118,10 @@
             <p:cNvPr id="24" name="Freeform 6">
               <a:extLst>
                 <a:ext uri="{FF2B5EF4-FFF2-40B4-BE49-F238E27FC236}">
-                  <a16:creationId xmlns="" xmlns:a16="http://schemas.microsoft.com/office/drawing/2014/main" id="{E34CC1C8-EBDD-4AEA-83E6-B27575B62E2E}"/>
+                  <a16:creationId xmlns:a16="http://schemas.microsoft.com/office/drawing/2014/main" id="{E34CC1C8-EBDD-4AEA-83E6-B27575B62E2E}"/>
                 </a:ext>
                 <a:ext uri="{C183D7F6-B498-43B3-948B-1728B52AA6E4}">
-                  <adec:decorative xmlns="" xmlns:adec="http://schemas.microsoft.com/office/drawing/2017/decorative" val="1"/>
+                  <adec:decorative xmlns:adec="http://schemas.microsoft.com/office/drawing/2017/decorative" val="1"/>
                 </a:ext>
               </a:extLst>
             </p:cNvPr>
@@ -7129,7 +7129,7 @@
             <p:nvPr>
               <p:extLst>
                 <p:ext uri="{386F3935-93C4-4BCD-93E2-E3B085C9AB24}">
-                  <p16:designElem xmlns="" xmlns:p16="http://schemas.microsoft.com/office/powerpoint/2015/main" val="1"/>
+                  <p16:designElem xmlns:p16="http://schemas.microsoft.com/office/powerpoint/2015/main" val="1"/>
                 </p:ext>
               </p:extLst>
             </p:nvPr>
@@ -7179,10 +7179,10 @@
             <p:cNvPr id="25" name="Freeform 7">
               <a:extLst>
                 <a:ext uri="{FF2B5EF4-FFF2-40B4-BE49-F238E27FC236}">
-                  <a16:creationId xmlns="" xmlns:a16="http://schemas.microsoft.com/office/drawing/2014/main" id="{D6B38644-B85D-4211-9526-5B4C2A662BF7}"/>
+                  <a16:creationId xmlns:a16="http://schemas.microsoft.com/office/drawing/2014/main" id="{D6B38644-B85D-4211-9526-5B4C2A662BF7}"/>
                 </a:ext>
                 <a:ext uri="{C183D7F6-B498-43B3-948B-1728B52AA6E4}">
-                  <adec:decorative xmlns="" xmlns:adec="http://schemas.microsoft.com/office/drawing/2017/decorative" val="1"/>
+                  <adec:decorative xmlns:adec="http://schemas.microsoft.com/office/drawing/2017/decorative" val="1"/>
                 </a:ext>
               </a:extLst>
             </p:cNvPr>
@@ -7190,7 +7190,7 @@
             <p:nvPr>
               <p:extLst>
                 <p:ext uri="{386F3935-93C4-4BCD-93E2-E3B085C9AB24}">
-                  <p16:designElem xmlns="" xmlns:p16="http://schemas.microsoft.com/office/powerpoint/2015/main" val="1"/>
+                  <p16:designElem xmlns:p16="http://schemas.microsoft.com/office/powerpoint/2015/main" val="1"/>
                 </p:ext>
               </p:extLst>
             </p:nvPr>
@@ -7243,10 +7243,10 @@
             <p:cNvPr id="26" name="Freeform 12">
               <a:extLst>
                 <a:ext uri="{FF2B5EF4-FFF2-40B4-BE49-F238E27FC236}">
-                  <a16:creationId xmlns="" xmlns:a16="http://schemas.microsoft.com/office/drawing/2014/main" id="{8A8B2820-6B8F-4C19-BFC5-D28EE44E54CB}"/>
+                  <a16:creationId xmlns:a16="http://schemas.microsoft.com/office/drawing/2014/main" id="{8A8B2820-6B8F-4C19-BFC5-D28EE44E54CB}"/>
                 </a:ext>
                 <a:ext uri="{C183D7F6-B498-43B3-948B-1728B52AA6E4}">
-                  <adec:decorative xmlns="" xmlns:adec="http://schemas.microsoft.com/office/drawing/2017/decorative" val="1"/>
+                  <adec:decorative xmlns:adec="http://schemas.microsoft.com/office/drawing/2017/decorative" val="1"/>
                 </a:ext>
               </a:extLst>
             </p:cNvPr>
@@ -7254,7 +7254,7 @@
             <p:nvPr>
               <p:extLst>
                 <p:ext uri="{386F3935-93C4-4BCD-93E2-E3B085C9AB24}">
-                  <p16:designElem xmlns="" xmlns:p16="http://schemas.microsoft.com/office/powerpoint/2015/main" val="1"/>
+                  <p16:designElem xmlns:p16="http://schemas.microsoft.com/office/powerpoint/2015/main" val="1"/>
                 </p:ext>
               </p:extLst>
             </p:nvPr>
@@ -7301,10 +7301,10 @@
             <p:cNvPr id="27" name="Freeform 13">
               <a:extLst>
                 <a:ext uri="{FF2B5EF4-FFF2-40B4-BE49-F238E27FC236}">
-                  <a16:creationId xmlns="" xmlns:a16="http://schemas.microsoft.com/office/drawing/2014/main" id="{773528ED-4D37-4A77-A8CA-86B6221C5E82}"/>
+                  <a16:creationId xmlns:a16="http://schemas.microsoft.com/office/drawing/2014/main" id="{773528ED-4D37-4A77-A8CA-86B6221C5E82}"/>
                 </a:ext>
                 <a:ext uri="{C183D7F6-B498-43B3-948B-1728B52AA6E4}">
-                  <adec:decorative xmlns="" xmlns:adec="http://schemas.microsoft.com/office/drawing/2017/decorative" val="1"/>
+                  <adec:decorative xmlns:adec="http://schemas.microsoft.com/office/drawing/2017/decorative" val="1"/>
                 </a:ext>
               </a:extLst>
             </p:cNvPr>
@@ -7312,7 +7312,7 @@
             <p:nvPr>
               <p:extLst>
                 <p:ext uri="{386F3935-93C4-4BCD-93E2-E3B085C9AB24}">
-                  <p16:designElem xmlns="" xmlns:p16="http://schemas.microsoft.com/office/powerpoint/2015/main" val="1"/>
+                  <p16:designElem xmlns:p16="http://schemas.microsoft.com/office/powerpoint/2015/main" val="1"/>
                 </p:ext>
               </p:extLst>
             </p:nvPr>
@@ -7361,10 +7361,10 @@
             <p:cNvPr id="28" name="Freeform 14">
               <a:extLst>
                 <a:ext uri="{FF2B5EF4-FFF2-40B4-BE49-F238E27FC236}">
-                  <a16:creationId xmlns="" xmlns:a16="http://schemas.microsoft.com/office/drawing/2014/main" id="{8A58A902-E944-4399-9A93-A91A6A82B166}"/>
+                  <a16:creationId xmlns:a16="http://schemas.microsoft.com/office/drawing/2014/main" id="{8A58A902-E944-4399-9A93-A91A6A82B166}"/>
                 </a:ext>
                 <a:ext uri="{C183D7F6-B498-43B3-948B-1728B52AA6E4}">
-                  <adec:decorative xmlns="" xmlns:adec="http://schemas.microsoft.com/office/drawing/2017/decorative" val="1"/>
+                  <adec:decorative xmlns:adec="http://schemas.microsoft.com/office/drawing/2017/decorative" val="1"/>
                 </a:ext>
               </a:extLst>
             </p:cNvPr>
@@ -7372,7 +7372,7 @@
             <p:nvPr>
               <p:extLst>
                 <p:ext uri="{386F3935-93C4-4BCD-93E2-E3B085C9AB24}">
-                  <p16:designElem xmlns="" xmlns:p16="http://schemas.microsoft.com/office/powerpoint/2015/main" val="1"/>
+                  <p16:designElem xmlns:p16="http://schemas.microsoft.com/office/powerpoint/2015/main" val="1"/>
                 </p:ext>
               </p:extLst>
             </p:nvPr>
@@ -7427,10 +7427,10 @@
             <p:cNvPr id="29" name="Freeform 15">
               <a:extLst>
                 <a:ext uri="{FF2B5EF4-FFF2-40B4-BE49-F238E27FC236}">
-                  <a16:creationId xmlns="" xmlns:a16="http://schemas.microsoft.com/office/drawing/2014/main" id="{4EDB1155-2E8E-4FB8-AD42-101FE4383231}"/>
+                  <a16:creationId xmlns:a16="http://schemas.microsoft.com/office/drawing/2014/main" id="{4EDB1155-2E8E-4FB8-AD42-101FE4383231}"/>
                 </a:ext>
                 <a:ext uri="{C183D7F6-B498-43B3-948B-1728B52AA6E4}">
-                  <adec:decorative xmlns="" xmlns:adec="http://schemas.microsoft.com/office/drawing/2017/decorative" val="1"/>
+                  <adec:decorative xmlns:adec="http://schemas.microsoft.com/office/drawing/2017/decorative" val="1"/>
                 </a:ext>
               </a:extLst>
             </p:cNvPr>
@@ -7438,7 +7438,7 @@
             <p:nvPr>
               <p:extLst>
                 <p:ext uri="{386F3935-93C4-4BCD-93E2-E3B085C9AB24}">
-                  <p16:designElem xmlns="" xmlns:p16="http://schemas.microsoft.com/office/powerpoint/2015/main" val="1"/>
+                  <p16:designElem xmlns:p16="http://schemas.microsoft.com/office/powerpoint/2015/main" val="1"/>
                 </p:ext>
               </p:extLst>
             </p:nvPr>
@@ -7498,7 +7498,7 @@
           <p:cNvPr id="2" name="Title 1">
             <a:extLst>
               <a:ext uri="{FF2B5EF4-FFF2-40B4-BE49-F238E27FC236}">
-                <a16:creationId xmlns="" xmlns:a16="http://schemas.microsoft.com/office/drawing/2014/main" id="{C7492CCE-C435-464E-A19A-D4C606FDBE3D}"/>
+                <a16:creationId xmlns:a16="http://schemas.microsoft.com/office/drawing/2014/main" id="{C7492CCE-C435-464E-A19A-D4C606FDBE3D}"/>
               </a:ext>
             </a:extLst>
           </p:cNvPr>
@@ -7534,7 +7534,7 @@
           <p:cNvPr id="3" name="Content Placeholder 2">
             <a:extLst>
               <a:ext uri="{FF2B5EF4-FFF2-40B4-BE49-F238E27FC236}">
-                <a16:creationId xmlns="" xmlns:a16="http://schemas.microsoft.com/office/drawing/2014/main" id="{60DFF4FA-F598-4962-B6AB-31A8BE724E52}"/>
+                <a16:creationId xmlns:a16="http://schemas.microsoft.com/office/drawing/2014/main" id="{60DFF4FA-F598-4962-B6AB-31A8BE724E52}"/>
               </a:ext>
             </a:extLst>
           </p:cNvPr>
@@ -7638,10 +7638,10 @@
           <p:cNvPr id="21" name="Rectangle 20">
             <a:extLst>
               <a:ext uri="{FF2B5EF4-FFF2-40B4-BE49-F238E27FC236}">
-                <a16:creationId xmlns="" xmlns:a16="http://schemas.microsoft.com/office/drawing/2014/main" id="{99CAC3B1-4879-424D-8F15-206277196159}"/>
+                <a16:creationId xmlns:a16="http://schemas.microsoft.com/office/drawing/2014/main" id="{99CAC3B1-4879-424D-8F15-206277196159}"/>
               </a:ext>
               <a:ext uri="{C183D7F6-B498-43B3-948B-1728B52AA6E4}">
-                <adec:decorative xmlns="" xmlns:adec="http://schemas.microsoft.com/office/drawing/2017/decorative" val="1"/>
+                <adec:decorative xmlns:adec="http://schemas.microsoft.com/office/drawing/2017/decorative" val="1"/>
               </a:ext>
             </a:extLst>
           </p:cNvPr>
@@ -7651,7 +7651,7 @@
           <p:nvPr>
             <p:extLst>
               <p:ext uri="{386F3935-93C4-4BCD-93E2-E3B085C9AB24}">
-                <p16:designElem xmlns="" xmlns:p16="http://schemas.microsoft.com/office/powerpoint/2015/main" val="1"/>
+                <p16:designElem xmlns:p16="http://schemas.microsoft.com/office/powerpoint/2015/main" val="1"/>
               </p:ext>
             </p:extLst>
           </p:nvPr>
@@ -7698,10 +7698,10 @@
           <p:cNvPr id="23" name="Group 22">
             <a:extLst>
               <a:ext uri="{FF2B5EF4-FFF2-40B4-BE49-F238E27FC236}">
-                <a16:creationId xmlns="" xmlns:a16="http://schemas.microsoft.com/office/drawing/2014/main" id="{4B8492CB-DFBA-4A82-9778-F21493DA36C1}"/>
+                <a16:creationId xmlns:a16="http://schemas.microsoft.com/office/drawing/2014/main" id="{4B8492CB-DFBA-4A82-9778-F21493DA36C1}"/>
               </a:ext>
               <a:ext uri="{C183D7F6-B498-43B3-948B-1728B52AA6E4}">
-                <adec:decorative xmlns="" xmlns:adec="http://schemas.microsoft.com/office/drawing/2017/decorative" val="1"/>
+                <adec:decorative xmlns:adec="http://schemas.microsoft.com/office/drawing/2017/decorative" val="1"/>
               </a:ext>
             </a:extLst>
           </p:cNvPr>
@@ -7711,7 +7711,7 @@
           <p:nvPr>
             <p:extLst>
               <p:ext uri="{386F3935-93C4-4BCD-93E2-E3B085C9AB24}">
-                <p16:designElem xmlns="" xmlns:p16="http://schemas.microsoft.com/office/powerpoint/2015/main" val="1"/>
+                <p16:designElem xmlns:p16="http://schemas.microsoft.com/office/powerpoint/2015/main" val="1"/>
               </p:ext>
             </p:extLst>
           </p:nvPr>
@@ -7729,10 +7729,10 @@
             <p:cNvPr id="24" name="Freeform 6">
               <a:extLst>
                 <a:ext uri="{FF2B5EF4-FFF2-40B4-BE49-F238E27FC236}">
-                  <a16:creationId xmlns="" xmlns:a16="http://schemas.microsoft.com/office/drawing/2014/main" id="{E34CC1C8-EBDD-4AEA-83E6-B27575B62E2E}"/>
+                  <a16:creationId xmlns:a16="http://schemas.microsoft.com/office/drawing/2014/main" id="{E34CC1C8-EBDD-4AEA-83E6-B27575B62E2E}"/>
                 </a:ext>
                 <a:ext uri="{C183D7F6-B498-43B3-948B-1728B52AA6E4}">
-                  <adec:decorative xmlns="" xmlns:adec="http://schemas.microsoft.com/office/drawing/2017/decorative" val="1"/>
+                  <adec:decorative xmlns:adec="http://schemas.microsoft.com/office/drawing/2017/decorative" val="1"/>
                 </a:ext>
               </a:extLst>
             </p:cNvPr>
@@ -7740,7 +7740,7 @@
             <p:nvPr>
               <p:extLst>
                 <p:ext uri="{386F3935-93C4-4BCD-93E2-E3B085C9AB24}">
-                  <p16:designElem xmlns="" xmlns:p16="http://schemas.microsoft.com/office/powerpoint/2015/main" val="1"/>
+                  <p16:designElem xmlns:p16="http://schemas.microsoft.com/office/powerpoint/2015/main" val="1"/>
                 </p:ext>
               </p:extLst>
             </p:nvPr>
@@ -7790,10 +7790,10 @@
             <p:cNvPr id="25" name="Freeform 7">
               <a:extLst>
                 <a:ext uri="{FF2B5EF4-FFF2-40B4-BE49-F238E27FC236}">
-                  <a16:creationId xmlns="" xmlns:a16="http://schemas.microsoft.com/office/drawing/2014/main" id="{D6B38644-B85D-4211-9526-5B4C2A662BF7}"/>
+                  <a16:creationId xmlns:a16="http://schemas.microsoft.com/office/drawing/2014/main" id="{D6B38644-B85D-4211-9526-5B4C2A662BF7}"/>
                 </a:ext>
                 <a:ext uri="{C183D7F6-B498-43B3-948B-1728B52AA6E4}">
-                  <adec:decorative xmlns="" xmlns:adec="http://schemas.microsoft.com/office/drawing/2017/decorative" val="1"/>
+                  <adec:decorative xmlns:adec="http://schemas.microsoft.com/office/drawing/2017/decorative" val="1"/>
                 </a:ext>
               </a:extLst>
             </p:cNvPr>
@@ -7801,7 +7801,7 @@
             <p:nvPr>
               <p:extLst>
                 <p:ext uri="{386F3935-93C4-4BCD-93E2-E3B085C9AB24}">
-                  <p16:designElem xmlns="" xmlns:p16="http://schemas.microsoft.com/office/powerpoint/2015/main" val="1"/>
+                  <p16:designElem xmlns:p16="http://schemas.microsoft.com/office/powerpoint/2015/main" val="1"/>
                 </p:ext>
               </p:extLst>
             </p:nvPr>
@@ -7854,10 +7854,10 @@
             <p:cNvPr id="26" name="Freeform 12">
               <a:extLst>
                 <a:ext uri="{FF2B5EF4-FFF2-40B4-BE49-F238E27FC236}">
-                  <a16:creationId xmlns="" xmlns:a16="http://schemas.microsoft.com/office/drawing/2014/main" id="{8A8B2820-6B8F-4C19-BFC5-D28EE44E54CB}"/>
+                  <a16:creationId xmlns:a16="http://schemas.microsoft.com/office/drawing/2014/main" id="{8A8B2820-6B8F-4C19-BFC5-D28EE44E54CB}"/>
                 </a:ext>
                 <a:ext uri="{C183D7F6-B498-43B3-948B-1728B52AA6E4}">
-                  <adec:decorative xmlns="" xmlns:adec="http://schemas.microsoft.com/office/drawing/2017/decorative" val="1"/>
+                  <adec:decorative xmlns:adec="http://schemas.microsoft.com/office/drawing/2017/decorative" val="1"/>
                 </a:ext>
               </a:extLst>
             </p:cNvPr>
@@ -7865,7 +7865,7 @@
             <p:nvPr>
               <p:extLst>
                 <p:ext uri="{386F3935-93C4-4BCD-93E2-E3B085C9AB24}">
-                  <p16:designElem xmlns="" xmlns:p16="http://schemas.microsoft.com/office/powerpoint/2015/main" val="1"/>
+                  <p16:designElem xmlns:p16="http://schemas.microsoft.com/office/powerpoint/2015/main" val="1"/>
                 </p:ext>
               </p:extLst>
             </p:nvPr>
@@ -7912,10 +7912,10 @@
             <p:cNvPr id="27" name="Freeform 13">
               <a:extLst>
                 <a:ext uri="{FF2B5EF4-FFF2-40B4-BE49-F238E27FC236}">
-                  <a16:creationId xmlns="" xmlns:a16="http://schemas.microsoft.com/office/drawing/2014/main" id="{773528ED-4D37-4A77-A8CA-86B6221C5E82}"/>
+                  <a16:creationId xmlns:a16="http://schemas.microsoft.com/office/drawing/2014/main" id="{773528ED-4D37-4A77-A8CA-86B6221C5E82}"/>
                 </a:ext>
                 <a:ext uri="{C183D7F6-B498-43B3-948B-1728B52AA6E4}">
-                  <adec:decorative xmlns="" xmlns:adec="http://schemas.microsoft.com/office/drawing/2017/decorative" val="1"/>
+                  <adec:decorative xmlns:adec="http://schemas.microsoft.com/office/drawing/2017/decorative" val="1"/>
                 </a:ext>
               </a:extLst>
             </p:cNvPr>
@@ -7923,7 +7923,7 @@
             <p:nvPr>
               <p:extLst>
                 <p:ext uri="{386F3935-93C4-4BCD-93E2-E3B085C9AB24}">
-                  <p16:designElem xmlns="" xmlns:p16="http://schemas.microsoft.com/office/powerpoint/2015/main" val="1"/>
+                  <p16:designElem xmlns:p16="http://schemas.microsoft.com/office/powerpoint/2015/main" val="1"/>
                 </p:ext>
               </p:extLst>
             </p:nvPr>
@@ -7972,10 +7972,10 @@
             <p:cNvPr id="28" name="Freeform 14">
               <a:extLst>
                 <a:ext uri="{FF2B5EF4-FFF2-40B4-BE49-F238E27FC236}">
-                  <a16:creationId xmlns="" xmlns:a16="http://schemas.microsoft.com/office/drawing/2014/main" id="{8A58A902-E944-4399-9A93-A91A6A82B166}"/>
+                  <a16:creationId xmlns:a16="http://schemas.microsoft.com/office/drawing/2014/main" id="{8A58A902-E944-4399-9A93-A91A6A82B166}"/>
                 </a:ext>
                 <a:ext uri="{C183D7F6-B498-43B3-948B-1728B52AA6E4}">
-                  <adec:decorative xmlns="" xmlns:adec="http://schemas.microsoft.com/office/drawing/2017/decorative" val="1"/>
+                  <adec:decorative xmlns:adec="http://schemas.microsoft.com/office/drawing/2017/decorative" val="1"/>
                 </a:ext>
               </a:extLst>
             </p:cNvPr>
@@ -7983,7 +7983,7 @@
             <p:nvPr>
               <p:extLst>
                 <p:ext uri="{386F3935-93C4-4BCD-93E2-E3B085C9AB24}">
-                  <p16:designElem xmlns="" xmlns:p16="http://schemas.microsoft.com/office/powerpoint/2015/main" val="1"/>
+                  <p16:designElem xmlns:p16="http://schemas.microsoft.com/office/powerpoint/2015/main" val="1"/>
                 </p:ext>
               </p:extLst>
             </p:nvPr>
@@ -8038,10 +8038,10 @@
             <p:cNvPr id="29" name="Freeform 15">
               <a:extLst>
                 <a:ext uri="{FF2B5EF4-FFF2-40B4-BE49-F238E27FC236}">
-                  <a16:creationId xmlns="" xmlns:a16="http://schemas.microsoft.com/office/drawing/2014/main" id="{4EDB1155-2E8E-4FB8-AD42-101FE4383231}"/>
+                  <a16:creationId xmlns:a16="http://schemas.microsoft.com/office/drawing/2014/main" id="{4EDB1155-2E8E-4FB8-AD42-101FE4383231}"/>
                 </a:ext>
                 <a:ext uri="{C183D7F6-B498-43B3-948B-1728B52AA6E4}">
-                  <adec:decorative xmlns="" xmlns:adec="http://schemas.microsoft.com/office/drawing/2017/decorative" val="1"/>
+                  <adec:decorative xmlns:adec="http://schemas.microsoft.com/office/drawing/2017/decorative" val="1"/>
                 </a:ext>
               </a:extLst>
             </p:cNvPr>
@@ -8049,7 +8049,7 @@
             <p:nvPr>
               <p:extLst>
                 <p:ext uri="{386F3935-93C4-4BCD-93E2-E3B085C9AB24}">
-                  <p16:designElem xmlns="" xmlns:p16="http://schemas.microsoft.com/office/powerpoint/2015/main" val="1"/>
+                  <p16:designElem xmlns:p16="http://schemas.microsoft.com/office/powerpoint/2015/main" val="1"/>
                 </p:ext>
               </p:extLst>
             </p:nvPr>
@@ -8109,7 +8109,7 @@
           <p:cNvPr id="2" name="Title 1">
             <a:extLst>
               <a:ext uri="{FF2B5EF4-FFF2-40B4-BE49-F238E27FC236}">
-                <a16:creationId xmlns="" xmlns:a16="http://schemas.microsoft.com/office/drawing/2014/main" id="{C7492CCE-C435-464E-A19A-D4C606FDBE3D}"/>
+                <a16:creationId xmlns:a16="http://schemas.microsoft.com/office/drawing/2014/main" id="{C7492CCE-C435-464E-A19A-D4C606FDBE3D}"/>
               </a:ext>
             </a:extLst>
           </p:cNvPr>
@@ -8142,7 +8142,7 @@
           <p:cNvPr id="3" name="Content Placeholder 2">
             <a:extLst>
               <a:ext uri="{FF2B5EF4-FFF2-40B4-BE49-F238E27FC236}">
-                <a16:creationId xmlns="" xmlns:a16="http://schemas.microsoft.com/office/drawing/2014/main" id="{60DFF4FA-F598-4962-B6AB-31A8BE724E52}"/>
+                <a16:creationId xmlns:a16="http://schemas.microsoft.com/office/drawing/2014/main" id="{60DFF4FA-F598-4962-B6AB-31A8BE724E52}"/>
               </a:ext>
             </a:extLst>
           </p:cNvPr>
@@ -8174,7 +8174,7 @@
           <p:cNvPr id="5" name="TextBox 4">
             <a:extLst>
               <a:ext uri="{FF2B5EF4-FFF2-40B4-BE49-F238E27FC236}">
-                <a16:creationId xmlns="" xmlns:a16="http://schemas.microsoft.com/office/drawing/2014/main" id="{466A409B-90E2-4ACB-8A16-0329B5CEE6DF}"/>
+                <a16:creationId xmlns:a16="http://schemas.microsoft.com/office/drawing/2014/main" id="{466A409B-90E2-4ACB-8A16-0329B5CEE6DF}"/>
               </a:ext>
             </a:extLst>
           </p:cNvPr>
@@ -8225,7 +8225,7 @@
           <p:cNvPr id="7" name="Straight Arrow Connector 6">
             <a:extLst>
               <a:ext uri="{FF2B5EF4-FFF2-40B4-BE49-F238E27FC236}">
-                <a16:creationId xmlns="" xmlns:a16="http://schemas.microsoft.com/office/drawing/2014/main" id="{6C986E87-252D-4CDD-90A3-050A5080DF44}"/>
+                <a16:creationId xmlns:a16="http://schemas.microsoft.com/office/drawing/2014/main" id="{6C986E87-252D-4CDD-90A3-050A5080DF44}"/>
               </a:ext>
             </a:extLst>
           </p:cNvPr>
@@ -8266,7 +8266,7 @@
           <p:cNvPr id="17" name="Straight Arrow Connector 16">
             <a:extLst>
               <a:ext uri="{FF2B5EF4-FFF2-40B4-BE49-F238E27FC236}">
-                <a16:creationId xmlns="" xmlns:a16="http://schemas.microsoft.com/office/drawing/2014/main" id="{8B32EEAB-6F30-4731-8D76-02708A63C23C}"/>
+                <a16:creationId xmlns:a16="http://schemas.microsoft.com/office/drawing/2014/main" id="{8B32EEAB-6F30-4731-8D76-02708A63C23C}"/>
               </a:ext>
             </a:extLst>
           </p:cNvPr>
@@ -8307,7 +8307,7 @@
           <p:cNvPr id="18" name="Straight Arrow Connector 17">
             <a:extLst>
               <a:ext uri="{FF2B5EF4-FFF2-40B4-BE49-F238E27FC236}">
-                <a16:creationId xmlns="" xmlns:a16="http://schemas.microsoft.com/office/drawing/2014/main" id="{E930BBA9-7BA1-48A0-A9E1-F9545CD11BAA}"/>
+                <a16:creationId xmlns:a16="http://schemas.microsoft.com/office/drawing/2014/main" id="{E930BBA9-7BA1-48A0-A9E1-F9545CD11BAA}"/>
               </a:ext>
             </a:extLst>
           </p:cNvPr>
@@ -8348,7 +8348,7 @@
           <p:cNvPr id="19" name="Straight Arrow Connector 18">
             <a:extLst>
               <a:ext uri="{FF2B5EF4-FFF2-40B4-BE49-F238E27FC236}">
-                <a16:creationId xmlns="" xmlns:a16="http://schemas.microsoft.com/office/drawing/2014/main" id="{72D8D5ED-08A2-4E59-AA33-3E70202E855D}"/>
+                <a16:creationId xmlns:a16="http://schemas.microsoft.com/office/drawing/2014/main" id="{72D8D5ED-08A2-4E59-AA33-3E70202E855D}"/>
               </a:ext>
             </a:extLst>
           </p:cNvPr>
@@ -8427,10 +8427,10 @@
           <p:cNvPr id="21" name="Rectangle 20">
             <a:extLst>
               <a:ext uri="{FF2B5EF4-FFF2-40B4-BE49-F238E27FC236}">
-                <a16:creationId xmlns="" xmlns:a16="http://schemas.microsoft.com/office/drawing/2014/main" id="{99CAC3B1-4879-424D-8F15-206277196159}"/>
+                <a16:creationId xmlns:a16="http://schemas.microsoft.com/office/drawing/2014/main" id="{99CAC3B1-4879-424D-8F15-206277196159}"/>
               </a:ext>
               <a:ext uri="{C183D7F6-B498-43B3-948B-1728B52AA6E4}">
-                <adec:decorative xmlns="" xmlns:adec="http://schemas.microsoft.com/office/drawing/2017/decorative" val="1"/>
+                <adec:decorative xmlns:adec="http://schemas.microsoft.com/office/drawing/2017/decorative" val="1"/>
               </a:ext>
             </a:extLst>
           </p:cNvPr>
@@ -8440,7 +8440,7 @@
           <p:nvPr>
             <p:extLst>
               <p:ext uri="{386F3935-93C4-4BCD-93E2-E3B085C9AB24}">
-                <p16:designElem xmlns="" xmlns:p16="http://schemas.microsoft.com/office/powerpoint/2015/main" val="1"/>
+                <p16:designElem xmlns:p16="http://schemas.microsoft.com/office/powerpoint/2015/main" val="1"/>
               </p:ext>
             </p:extLst>
           </p:nvPr>
@@ -8487,10 +8487,10 @@
           <p:cNvPr id="23" name="Group 22">
             <a:extLst>
               <a:ext uri="{FF2B5EF4-FFF2-40B4-BE49-F238E27FC236}">
-                <a16:creationId xmlns="" xmlns:a16="http://schemas.microsoft.com/office/drawing/2014/main" id="{4B8492CB-DFBA-4A82-9778-F21493DA36C1}"/>
+                <a16:creationId xmlns:a16="http://schemas.microsoft.com/office/drawing/2014/main" id="{4B8492CB-DFBA-4A82-9778-F21493DA36C1}"/>
               </a:ext>
               <a:ext uri="{C183D7F6-B498-43B3-948B-1728B52AA6E4}">
-                <adec:decorative xmlns="" xmlns:adec="http://schemas.microsoft.com/office/drawing/2017/decorative" val="1"/>
+                <adec:decorative xmlns:adec="http://schemas.microsoft.com/office/drawing/2017/decorative" val="1"/>
               </a:ext>
             </a:extLst>
           </p:cNvPr>
@@ -8500,7 +8500,7 @@
           <p:nvPr>
             <p:extLst>
               <p:ext uri="{386F3935-93C4-4BCD-93E2-E3B085C9AB24}">
-                <p16:designElem xmlns="" xmlns:p16="http://schemas.microsoft.com/office/powerpoint/2015/main" val="1"/>
+                <p16:designElem xmlns:p16="http://schemas.microsoft.com/office/powerpoint/2015/main" val="1"/>
               </p:ext>
             </p:extLst>
           </p:nvPr>
@@ -8518,10 +8518,10 @@
             <p:cNvPr id="24" name="Freeform 6">
               <a:extLst>
                 <a:ext uri="{FF2B5EF4-FFF2-40B4-BE49-F238E27FC236}">
-                  <a16:creationId xmlns="" xmlns:a16="http://schemas.microsoft.com/office/drawing/2014/main" id="{E34CC1C8-EBDD-4AEA-83E6-B27575B62E2E}"/>
+                  <a16:creationId xmlns:a16="http://schemas.microsoft.com/office/drawing/2014/main" id="{E34CC1C8-EBDD-4AEA-83E6-B27575B62E2E}"/>
                 </a:ext>
                 <a:ext uri="{C183D7F6-B498-43B3-948B-1728B52AA6E4}">
-                  <adec:decorative xmlns="" xmlns:adec="http://schemas.microsoft.com/office/drawing/2017/decorative" val="1"/>
+                  <adec:decorative xmlns:adec="http://schemas.microsoft.com/office/drawing/2017/decorative" val="1"/>
                 </a:ext>
               </a:extLst>
             </p:cNvPr>
@@ -8529,7 +8529,7 @@
             <p:nvPr>
               <p:extLst>
                 <p:ext uri="{386F3935-93C4-4BCD-93E2-E3B085C9AB24}">
-                  <p16:designElem xmlns="" xmlns:p16="http://schemas.microsoft.com/office/powerpoint/2015/main" val="1"/>
+                  <p16:designElem xmlns:p16="http://schemas.microsoft.com/office/powerpoint/2015/main" val="1"/>
                 </p:ext>
               </p:extLst>
             </p:nvPr>
@@ -8579,10 +8579,10 @@
             <p:cNvPr id="25" name="Freeform 7">
               <a:extLst>
                 <a:ext uri="{FF2B5EF4-FFF2-40B4-BE49-F238E27FC236}">
-                  <a16:creationId xmlns="" xmlns:a16="http://schemas.microsoft.com/office/drawing/2014/main" id="{D6B38644-B85D-4211-9526-5B4C2A662BF7}"/>
+                  <a16:creationId xmlns:a16="http://schemas.microsoft.com/office/drawing/2014/main" id="{D6B38644-B85D-4211-9526-5B4C2A662BF7}"/>
                 </a:ext>
                 <a:ext uri="{C183D7F6-B498-43B3-948B-1728B52AA6E4}">
-                  <adec:decorative xmlns="" xmlns:adec="http://schemas.microsoft.com/office/drawing/2017/decorative" val="1"/>
+                  <adec:decorative xmlns:adec="http://schemas.microsoft.com/office/drawing/2017/decorative" val="1"/>
                 </a:ext>
               </a:extLst>
             </p:cNvPr>
@@ -8590,7 +8590,7 @@
             <p:nvPr>
               <p:extLst>
                 <p:ext uri="{386F3935-93C4-4BCD-93E2-E3B085C9AB24}">
-                  <p16:designElem xmlns="" xmlns:p16="http://schemas.microsoft.com/office/powerpoint/2015/main" val="1"/>
+                  <p16:designElem xmlns:p16="http://schemas.microsoft.com/office/powerpoint/2015/main" val="1"/>
                 </p:ext>
               </p:extLst>
             </p:nvPr>
@@ -8643,10 +8643,10 @@
             <p:cNvPr id="26" name="Freeform 12">
               <a:extLst>
                 <a:ext uri="{FF2B5EF4-FFF2-40B4-BE49-F238E27FC236}">
-                  <a16:creationId xmlns="" xmlns:a16="http://schemas.microsoft.com/office/drawing/2014/main" id="{8A8B2820-6B8F-4C19-BFC5-D28EE44E54CB}"/>
+                  <a16:creationId xmlns:a16="http://schemas.microsoft.com/office/drawing/2014/main" id="{8A8B2820-6B8F-4C19-BFC5-D28EE44E54CB}"/>
                 </a:ext>
                 <a:ext uri="{C183D7F6-B498-43B3-948B-1728B52AA6E4}">
-                  <adec:decorative xmlns="" xmlns:adec="http://schemas.microsoft.com/office/drawing/2017/decorative" val="1"/>
+                  <adec:decorative xmlns:adec="http://schemas.microsoft.com/office/drawing/2017/decorative" val="1"/>
                 </a:ext>
               </a:extLst>
             </p:cNvPr>
@@ -8654,7 +8654,7 @@
             <p:nvPr>
               <p:extLst>
                 <p:ext uri="{386F3935-93C4-4BCD-93E2-E3B085C9AB24}">
-                  <p16:designElem xmlns="" xmlns:p16="http://schemas.microsoft.com/office/powerpoint/2015/main" val="1"/>
+                  <p16:designElem xmlns:p16="http://schemas.microsoft.com/office/powerpoint/2015/main" val="1"/>
                 </p:ext>
               </p:extLst>
             </p:nvPr>
@@ -8701,10 +8701,10 @@
             <p:cNvPr id="27" name="Freeform 13">
               <a:extLst>
                 <a:ext uri="{FF2B5EF4-FFF2-40B4-BE49-F238E27FC236}">
-                  <a16:creationId xmlns="" xmlns:a16="http://schemas.microsoft.com/office/drawing/2014/main" id="{773528ED-4D37-4A77-A8CA-86B6221C5E82}"/>
+                  <a16:creationId xmlns:a16="http://schemas.microsoft.com/office/drawing/2014/main" id="{773528ED-4D37-4A77-A8CA-86B6221C5E82}"/>
                 </a:ext>
                 <a:ext uri="{C183D7F6-B498-43B3-948B-1728B52AA6E4}">
-                  <adec:decorative xmlns="" xmlns:adec="http://schemas.microsoft.com/office/drawing/2017/decorative" val="1"/>
+                  <adec:decorative xmlns:adec="http://schemas.microsoft.com/office/drawing/2017/decorative" val="1"/>
                 </a:ext>
               </a:extLst>
             </p:cNvPr>
@@ -8712,7 +8712,7 @@
             <p:nvPr>
               <p:extLst>
                 <p:ext uri="{386F3935-93C4-4BCD-93E2-E3B085C9AB24}">
-                  <p16:designElem xmlns="" xmlns:p16="http://schemas.microsoft.com/office/powerpoint/2015/main" val="1"/>
+                  <p16:designElem xmlns:p16="http://schemas.microsoft.com/office/powerpoint/2015/main" val="1"/>
                 </p:ext>
               </p:extLst>
             </p:nvPr>
@@ -8761,10 +8761,10 @@
             <p:cNvPr id="28" name="Freeform 14">
               <a:extLst>
                 <a:ext uri="{FF2B5EF4-FFF2-40B4-BE49-F238E27FC236}">
-                  <a16:creationId xmlns="" xmlns:a16="http://schemas.microsoft.com/office/drawing/2014/main" id="{8A58A902-E944-4399-9A93-A91A6A82B166}"/>
+                  <a16:creationId xmlns:a16="http://schemas.microsoft.com/office/drawing/2014/main" id="{8A58A902-E944-4399-9A93-A91A6A82B166}"/>
                 </a:ext>
                 <a:ext uri="{C183D7F6-B498-43B3-948B-1728B52AA6E4}">
-                  <adec:decorative xmlns="" xmlns:adec="http://schemas.microsoft.com/office/drawing/2017/decorative" val="1"/>
+                  <adec:decorative xmlns:adec="http://schemas.microsoft.com/office/drawing/2017/decorative" val="1"/>
                 </a:ext>
               </a:extLst>
             </p:cNvPr>
@@ -8772,7 +8772,7 @@
             <p:nvPr>
               <p:extLst>
                 <p:ext uri="{386F3935-93C4-4BCD-93E2-E3B085C9AB24}">
-                  <p16:designElem xmlns="" xmlns:p16="http://schemas.microsoft.com/office/powerpoint/2015/main" val="1"/>
+                  <p16:designElem xmlns:p16="http://schemas.microsoft.com/office/powerpoint/2015/main" val="1"/>
                 </p:ext>
               </p:extLst>
             </p:nvPr>
@@ -8827,10 +8827,10 @@
             <p:cNvPr id="29" name="Freeform 15">
               <a:extLst>
                 <a:ext uri="{FF2B5EF4-FFF2-40B4-BE49-F238E27FC236}">
-                  <a16:creationId xmlns="" xmlns:a16="http://schemas.microsoft.com/office/drawing/2014/main" id="{4EDB1155-2E8E-4FB8-AD42-101FE4383231}"/>
+                  <a16:creationId xmlns:a16="http://schemas.microsoft.com/office/drawing/2014/main" id="{4EDB1155-2E8E-4FB8-AD42-101FE4383231}"/>
                 </a:ext>
                 <a:ext uri="{C183D7F6-B498-43B3-948B-1728B52AA6E4}">
-                  <adec:decorative xmlns="" xmlns:adec="http://schemas.microsoft.com/office/drawing/2017/decorative" val="1"/>
+                  <adec:decorative xmlns:adec="http://schemas.microsoft.com/office/drawing/2017/decorative" val="1"/>
                 </a:ext>
               </a:extLst>
             </p:cNvPr>
@@ -8838,7 +8838,7 @@
             <p:nvPr>
               <p:extLst>
                 <p:ext uri="{386F3935-93C4-4BCD-93E2-E3B085C9AB24}">
-                  <p16:designElem xmlns="" xmlns:p16="http://schemas.microsoft.com/office/powerpoint/2015/main" val="1"/>
+                  <p16:designElem xmlns:p16="http://schemas.microsoft.com/office/powerpoint/2015/main" val="1"/>
                 </p:ext>
               </p:extLst>
             </p:nvPr>
@@ -8898,7 +8898,7 @@
           <p:cNvPr id="2" name="Title 1">
             <a:extLst>
               <a:ext uri="{FF2B5EF4-FFF2-40B4-BE49-F238E27FC236}">
-                <a16:creationId xmlns="" xmlns:a16="http://schemas.microsoft.com/office/drawing/2014/main" id="{C7492CCE-C435-464E-A19A-D4C606FDBE3D}"/>
+                <a16:creationId xmlns:a16="http://schemas.microsoft.com/office/drawing/2014/main" id="{C7492CCE-C435-464E-A19A-D4C606FDBE3D}"/>
               </a:ext>
             </a:extLst>
           </p:cNvPr>
@@ -8934,7 +8934,7 @@
           <p:cNvPr id="3" name="Content Placeholder 2">
             <a:extLst>
               <a:ext uri="{FF2B5EF4-FFF2-40B4-BE49-F238E27FC236}">
-                <a16:creationId xmlns="" xmlns:a16="http://schemas.microsoft.com/office/drawing/2014/main" id="{60DFF4FA-F598-4962-B6AB-31A8BE724E52}"/>
+                <a16:creationId xmlns:a16="http://schemas.microsoft.com/office/drawing/2014/main" id="{60DFF4FA-F598-4962-B6AB-31A8BE724E52}"/>
               </a:ext>
             </a:extLst>
           </p:cNvPr>
@@ -9038,10 +9038,10 @@
           <p:cNvPr id="21" name="Rectangle 20">
             <a:extLst>
               <a:ext uri="{FF2B5EF4-FFF2-40B4-BE49-F238E27FC236}">
-                <a16:creationId xmlns="" xmlns:a16="http://schemas.microsoft.com/office/drawing/2014/main" id="{99CAC3B1-4879-424D-8F15-206277196159}"/>
+                <a16:creationId xmlns:a16="http://schemas.microsoft.com/office/drawing/2014/main" id="{99CAC3B1-4879-424D-8F15-206277196159}"/>
               </a:ext>
               <a:ext uri="{C183D7F6-B498-43B3-948B-1728B52AA6E4}">
-                <adec:decorative xmlns="" xmlns:adec="http://schemas.microsoft.com/office/drawing/2017/decorative" val="1"/>
+                <adec:decorative xmlns:adec="http://schemas.microsoft.com/office/drawing/2017/decorative" val="1"/>
               </a:ext>
             </a:extLst>
           </p:cNvPr>
@@ -9051,7 +9051,7 @@
           <p:nvPr>
             <p:extLst>
               <p:ext uri="{386F3935-93C4-4BCD-93E2-E3B085C9AB24}">
-                <p16:designElem xmlns="" xmlns:p16="http://schemas.microsoft.com/office/powerpoint/2015/main" val="1"/>
+                <p16:designElem xmlns:p16="http://schemas.microsoft.com/office/powerpoint/2015/main" val="1"/>
               </p:ext>
             </p:extLst>
           </p:nvPr>
@@ -9098,10 +9098,10 @@
           <p:cNvPr id="23" name="Group 22">
             <a:extLst>
               <a:ext uri="{FF2B5EF4-FFF2-40B4-BE49-F238E27FC236}">
-                <a16:creationId xmlns="" xmlns:a16="http://schemas.microsoft.com/office/drawing/2014/main" id="{4B8492CB-DFBA-4A82-9778-F21493DA36C1}"/>
+                <a16:creationId xmlns:a16="http://schemas.microsoft.com/office/drawing/2014/main" id="{4B8492CB-DFBA-4A82-9778-F21493DA36C1}"/>
               </a:ext>
               <a:ext uri="{C183D7F6-B498-43B3-948B-1728B52AA6E4}">
-                <adec:decorative xmlns="" xmlns:adec="http://schemas.microsoft.com/office/drawing/2017/decorative" val="1"/>
+                <adec:decorative xmlns:adec="http://schemas.microsoft.com/office/drawing/2017/decorative" val="1"/>
               </a:ext>
             </a:extLst>
           </p:cNvPr>
@@ -9111,7 +9111,7 @@
           <p:nvPr>
             <p:extLst>
               <p:ext uri="{386F3935-93C4-4BCD-93E2-E3B085C9AB24}">
-                <p16:designElem xmlns="" xmlns:p16="http://schemas.microsoft.com/office/powerpoint/2015/main" val="1"/>
+                <p16:designElem xmlns:p16="http://schemas.microsoft.com/office/powerpoint/2015/main" val="1"/>
               </p:ext>
             </p:extLst>
           </p:nvPr>
@@ -9129,10 +9129,10 @@
             <p:cNvPr id="24" name="Freeform 6">
               <a:extLst>
                 <a:ext uri="{FF2B5EF4-FFF2-40B4-BE49-F238E27FC236}">
-                  <a16:creationId xmlns="" xmlns:a16="http://schemas.microsoft.com/office/drawing/2014/main" id="{E34CC1C8-EBDD-4AEA-83E6-B27575B62E2E}"/>
+                  <a16:creationId xmlns:a16="http://schemas.microsoft.com/office/drawing/2014/main" id="{E34CC1C8-EBDD-4AEA-83E6-B27575B62E2E}"/>
                 </a:ext>
                 <a:ext uri="{C183D7F6-B498-43B3-948B-1728B52AA6E4}">
-                  <adec:decorative xmlns="" xmlns:adec="http://schemas.microsoft.com/office/drawing/2017/decorative" val="1"/>
+                  <adec:decorative xmlns:adec="http://schemas.microsoft.com/office/drawing/2017/decorative" val="1"/>
                 </a:ext>
               </a:extLst>
             </p:cNvPr>
@@ -9140,7 +9140,7 @@
             <p:nvPr>
               <p:extLst>
                 <p:ext uri="{386F3935-93C4-4BCD-93E2-E3B085C9AB24}">
-                  <p16:designElem xmlns="" xmlns:p16="http://schemas.microsoft.com/office/powerpoint/2015/main" val="1"/>
+                  <p16:designElem xmlns:p16="http://schemas.microsoft.com/office/powerpoint/2015/main" val="1"/>
                 </p:ext>
               </p:extLst>
             </p:nvPr>
@@ -9190,10 +9190,10 @@
             <p:cNvPr id="25" name="Freeform 7">
               <a:extLst>
                 <a:ext uri="{FF2B5EF4-FFF2-40B4-BE49-F238E27FC236}">
-                  <a16:creationId xmlns="" xmlns:a16="http://schemas.microsoft.com/office/drawing/2014/main" id="{D6B38644-B85D-4211-9526-5B4C2A662BF7}"/>
+                  <a16:creationId xmlns:a16="http://schemas.microsoft.com/office/drawing/2014/main" id="{D6B38644-B85D-4211-9526-5B4C2A662BF7}"/>
                 </a:ext>
                 <a:ext uri="{C183D7F6-B498-43B3-948B-1728B52AA6E4}">
-                  <adec:decorative xmlns="" xmlns:adec="http://schemas.microsoft.com/office/drawing/2017/decorative" val="1"/>
+                  <adec:decorative xmlns:adec="http://schemas.microsoft.com/office/drawing/2017/decorative" val="1"/>
                 </a:ext>
               </a:extLst>
             </p:cNvPr>
@@ -9201,7 +9201,7 @@
             <p:nvPr>
               <p:extLst>
                 <p:ext uri="{386F3935-93C4-4BCD-93E2-E3B085C9AB24}">
-                  <p16:designElem xmlns="" xmlns:p16="http://schemas.microsoft.com/office/powerpoint/2015/main" val="1"/>
+                  <p16:designElem xmlns:p16="http://schemas.microsoft.com/office/powerpoint/2015/main" val="1"/>
                 </p:ext>
               </p:extLst>
             </p:nvPr>
@@ -9254,10 +9254,10 @@
             <p:cNvPr id="26" name="Freeform 12">
               <a:extLst>
                 <a:ext uri="{FF2B5EF4-FFF2-40B4-BE49-F238E27FC236}">
-                  <a16:creationId xmlns="" xmlns:a16="http://schemas.microsoft.com/office/drawing/2014/main" id="{8A8B2820-6B8F-4C19-BFC5-D28EE44E54CB}"/>
+                  <a16:creationId xmlns:a16="http://schemas.microsoft.com/office/drawing/2014/main" id="{8A8B2820-6B8F-4C19-BFC5-D28EE44E54CB}"/>
                 </a:ext>
                 <a:ext uri="{C183D7F6-B498-43B3-948B-1728B52AA6E4}">
-                  <adec:decorative xmlns="" xmlns:adec="http://schemas.microsoft.com/office/drawing/2017/decorative" val="1"/>
+                  <adec:decorative xmlns:adec="http://schemas.microsoft.com/office/drawing/2017/decorative" val="1"/>
                 </a:ext>
               </a:extLst>
             </p:cNvPr>
@@ -9265,7 +9265,7 @@
             <p:nvPr>
               <p:extLst>
                 <p:ext uri="{386F3935-93C4-4BCD-93E2-E3B085C9AB24}">
-                  <p16:designElem xmlns="" xmlns:p16="http://schemas.microsoft.com/office/powerpoint/2015/main" val="1"/>
+                  <p16:designElem xmlns:p16="http://schemas.microsoft.com/office/powerpoint/2015/main" val="1"/>
                 </p:ext>
               </p:extLst>
             </p:nvPr>
@@ -9312,10 +9312,10 @@
             <p:cNvPr id="27" name="Freeform 13">
               <a:extLst>
                 <a:ext uri="{FF2B5EF4-FFF2-40B4-BE49-F238E27FC236}">
-                  <a16:creationId xmlns="" xmlns:a16="http://schemas.microsoft.com/office/drawing/2014/main" id="{773528ED-4D37-4A77-A8CA-86B6221C5E82}"/>
+                  <a16:creationId xmlns:a16="http://schemas.microsoft.com/office/drawing/2014/main" id="{773528ED-4D37-4A77-A8CA-86B6221C5E82}"/>
                 </a:ext>
                 <a:ext uri="{C183D7F6-B498-43B3-948B-1728B52AA6E4}">
-                  <adec:decorative xmlns="" xmlns:adec="http://schemas.microsoft.com/office/drawing/2017/decorative" val="1"/>
+                  <adec:decorative xmlns:adec="http://schemas.microsoft.com/office/drawing/2017/decorative" val="1"/>
                 </a:ext>
               </a:extLst>
             </p:cNvPr>
@@ -9323,7 +9323,7 @@
             <p:nvPr>
               <p:extLst>
                 <p:ext uri="{386F3935-93C4-4BCD-93E2-E3B085C9AB24}">
-                  <p16:designElem xmlns="" xmlns:p16="http://schemas.microsoft.com/office/powerpoint/2015/main" val="1"/>
+                  <p16:designElem xmlns:p16="http://schemas.microsoft.com/office/powerpoint/2015/main" val="1"/>
                 </p:ext>
               </p:extLst>
             </p:nvPr>
@@ -9372,10 +9372,10 @@
             <p:cNvPr id="28" name="Freeform 14">
               <a:extLst>
                 <a:ext uri="{FF2B5EF4-FFF2-40B4-BE49-F238E27FC236}">
-                  <a16:creationId xmlns="" xmlns:a16="http://schemas.microsoft.com/office/drawing/2014/main" id="{8A58A902-E944-4399-9A93-A91A6A82B166}"/>
+                  <a16:creationId xmlns:a16="http://schemas.microsoft.com/office/drawing/2014/main" id="{8A58A902-E944-4399-9A93-A91A6A82B166}"/>
                 </a:ext>
                 <a:ext uri="{C183D7F6-B498-43B3-948B-1728B52AA6E4}">
-                  <adec:decorative xmlns="" xmlns:adec="http://schemas.microsoft.com/office/drawing/2017/decorative" val="1"/>
+                  <adec:decorative xmlns:adec="http://schemas.microsoft.com/office/drawing/2017/decorative" val="1"/>
                 </a:ext>
               </a:extLst>
             </p:cNvPr>
@@ -9383,7 +9383,7 @@
             <p:nvPr>
               <p:extLst>
                 <p:ext uri="{386F3935-93C4-4BCD-93E2-E3B085C9AB24}">
-                  <p16:designElem xmlns="" xmlns:p16="http://schemas.microsoft.com/office/powerpoint/2015/main" val="1"/>
+                  <p16:designElem xmlns:p16="http://schemas.microsoft.com/office/powerpoint/2015/main" val="1"/>
                 </p:ext>
               </p:extLst>
             </p:nvPr>
@@ -9438,10 +9438,10 @@
             <p:cNvPr id="29" name="Freeform 15">
               <a:extLst>
                 <a:ext uri="{FF2B5EF4-FFF2-40B4-BE49-F238E27FC236}">
-                  <a16:creationId xmlns="" xmlns:a16="http://schemas.microsoft.com/office/drawing/2014/main" id="{4EDB1155-2E8E-4FB8-AD42-101FE4383231}"/>
+                  <a16:creationId xmlns:a16="http://schemas.microsoft.com/office/drawing/2014/main" id="{4EDB1155-2E8E-4FB8-AD42-101FE4383231}"/>
                 </a:ext>
                 <a:ext uri="{C183D7F6-B498-43B3-948B-1728B52AA6E4}">
-                  <adec:decorative xmlns="" xmlns:adec="http://schemas.microsoft.com/office/drawing/2017/decorative" val="1"/>
+                  <adec:decorative xmlns:adec="http://schemas.microsoft.com/office/drawing/2017/decorative" val="1"/>
                 </a:ext>
               </a:extLst>
             </p:cNvPr>
@@ -9449,7 +9449,7 @@
             <p:nvPr>
               <p:extLst>
                 <p:ext uri="{386F3935-93C4-4BCD-93E2-E3B085C9AB24}">
-                  <p16:designElem xmlns="" xmlns:p16="http://schemas.microsoft.com/office/powerpoint/2015/main" val="1"/>
+                  <p16:designElem xmlns:p16="http://schemas.microsoft.com/office/powerpoint/2015/main" val="1"/>
                 </p:ext>
               </p:extLst>
             </p:nvPr>
@@ -9509,7 +9509,7 @@
           <p:cNvPr id="2" name="Title 1">
             <a:extLst>
               <a:ext uri="{FF2B5EF4-FFF2-40B4-BE49-F238E27FC236}">
-                <a16:creationId xmlns="" xmlns:a16="http://schemas.microsoft.com/office/drawing/2014/main" id="{C7492CCE-C435-464E-A19A-D4C606FDBE3D}"/>
+                <a16:creationId xmlns:a16="http://schemas.microsoft.com/office/drawing/2014/main" id="{C7492CCE-C435-464E-A19A-D4C606FDBE3D}"/>
               </a:ext>
             </a:extLst>
           </p:cNvPr>
@@ -9542,7 +9542,7 @@
           <p:cNvPr id="3" name="Content Placeholder 2">
             <a:extLst>
               <a:ext uri="{FF2B5EF4-FFF2-40B4-BE49-F238E27FC236}">
-                <a16:creationId xmlns="" xmlns:a16="http://schemas.microsoft.com/office/drawing/2014/main" id="{60DFF4FA-F598-4962-B6AB-31A8BE724E52}"/>
+                <a16:creationId xmlns:a16="http://schemas.microsoft.com/office/drawing/2014/main" id="{60DFF4FA-F598-4962-B6AB-31A8BE724E52}"/>
               </a:ext>
             </a:extLst>
           </p:cNvPr>
@@ -9574,7 +9574,7 @@
           <p:cNvPr id="5" name="TextBox 4">
             <a:extLst>
               <a:ext uri="{FF2B5EF4-FFF2-40B4-BE49-F238E27FC236}">
-                <a16:creationId xmlns="" xmlns:a16="http://schemas.microsoft.com/office/drawing/2014/main" id="{466A409B-90E2-4ACB-8A16-0329B5CEE6DF}"/>
+                <a16:creationId xmlns:a16="http://schemas.microsoft.com/office/drawing/2014/main" id="{466A409B-90E2-4ACB-8A16-0329B5CEE6DF}"/>
               </a:ext>
             </a:extLst>
           </p:cNvPr>
@@ -9625,7 +9625,7 @@
           <p:cNvPr id="7" name="Straight Arrow Connector 6">
             <a:extLst>
               <a:ext uri="{FF2B5EF4-FFF2-40B4-BE49-F238E27FC236}">
-                <a16:creationId xmlns="" xmlns:a16="http://schemas.microsoft.com/office/drawing/2014/main" id="{6C986E87-252D-4CDD-90A3-050A5080DF44}"/>
+                <a16:creationId xmlns:a16="http://schemas.microsoft.com/office/drawing/2014/main" id="{6C986E87-252D-4CDD-90A3-050A5080DF44}"/>
               </a:ext>
             </a:extLst>
           </p:cNvPr>
@@ -9666,7 +9666,7 @@
           <p:cNvPr id="17" name="Straight Arrow Connector 16">
             <a:extLst>
               <a:ext uri="{FF2B5EF4-FFF2-40B4-BE49-F238E27FC236}">
-                <a16:creationId xmlns="" xmlns:a16="http://schemas.microsoft.com/office/drawing/2014/main" id="{8B32EEAB-6F30-4731-8D76-02708A63C23C}"/>
+                <a16:creationId xmlns:a16="http://schemas.microsoft.com/office/drawing/2014/main" id="{8B32EEAB-6F30-4731-8D76-02708A63C23C}"/>
               </a:ext>
             </a:extLst>
           </p:cNvPr>
@@ -9707,7 +9707,7 @@
           <p:cNvPr id="18" name="Straight Arrow Connector 17">
             <a:extLst>
               <a:ext uri="{FF2B5EF4-FFF2-40B4-BE49-F238E27FC236}">
-                <a16:creationId xmlns="" xmlns:a16="http://schemas.microsoft.com/office/drawing/2014/main" id="{E930BBA9-7BA1-48A0-A9E1-F9545CD11BAA}"/>
+                <a16:creationId xmlns:a16="http://schemas.microsoft.com/office/drawing/2014/main" id="{E930BBA9-7BA1-48A0-A9E1-F9545CD11BAA}"/>
               </a:ext>
             </a:extLst>
           </p:cNvPr>
@@ -9748,7 +9748,7 @@
           <p:cNvPr id="19" name="Straight Arrow Connector 18">
             <a:extLst>
               <a:ext uri="{FF2B5EF4-FFF2-40B4-BE49-F238E27FC236}">
-                <a16:creationId xmlns="" xmlns:a16="http://schemas.microsoft.com/office/drawing/2014/main" id="{72D8D5ED-08A2-4E59-AA33-3E70202E855D}"/>
+                <a16:creationId xmlns:a16="http://schemas.microsoft.com/office/drawing/2014/main" id="{72D8D5ED-08A2-4E59-AA33-3E70202E855D}"/>
               </a:ext>
             </a:extLst>
           </p:cNvPr>
@@ -9827,10 +9827,10 @@
           <p:cNvPr id="21" name="Rectangle 20">
             <a:extLst>
               <a:ext uri="{FF2B5EF4-FFF2-40B4-BE49-F238E27FC236}">
-                <a16:creationId xmlns="" xmlns:a16="http://schemas.microsoft.com/office/drawing/2014/main" id="{99CAC3B1-4879-424D-8F15-206277196159}"/>
+                <a16:creationId xmlns:a16="http://schemas.microsoft.com/office/drawing/2014/main" id="{99CAC3B1-4879-424D-8F15-206277196159}"/>
               </a:ext>
               <a:ext uri="{C183D7F6-B498-43B3-948B-1728B52AA6E4}">
-                <adec:decorative xmlns="" xmlns:adec="http://schemas.microsoft.com/office/drawing/2017/decorative" val="1"/>
+                <adec:decorative xmlns:adec="http://schemas.microsoft.com/office/drawing/2017/decorative" val="1"/>
               </a:ext>
             </a:extLst>
           </p:cNvPr>
@@ -9840,7 +9840,7 @@
           <p:nvPr>
             <p:extLst>
               <p:ext uri="{386F3935-93C4-4BCD-93E2-E3B085C9AB24}">
-                <p16:designElem xmlns="" xmlns:p16="http://schemas.microsoft.com/office/powerpoint/2015/main" val="1"/>
+                <p16:designElem xmlns:p16="http://schemas.microsoft.com/office/powerpoint/2015/main" val="1"/>
               </p:ext>
             </p:extLst>
           </p:nvPr>
@@ -9887,10 +9887,10 @@
           <p:cNvPr id="23" name="Group 22">
             <a:extLst>
               <a:ext uri="{FF2B5EF4-FFF2-40B4-BE49-F238E27FC236}">
-                <a16:creationId xmlns="" xmlns:a16="http://schemas.microsoft.com/office/drawing/2014/main" id="{4B8492CB-DFBA-4A82-9778-F21493DA36C1}"/>
+                <a16:creationId xmlns:a16="http://schemas.microsoft.com/office/drawing/2014/main" id="{4B8492CB-DFBA-4A82-9778-F21493DA36C1}"/>
               </a:ext>
               <a:ext uri="{C183D7F6-B498-43B3-948B-1728B52AA6E4}">
-                <adec:decorative xmlns="" xmlns:adec="http://schemas.microsoft.com/office/drawing/2017/decorative" val="1"/>
+                <adec:decorative xmlns:adec="http://schemas.microsoft.com/office/drawing/2017/decorative" val="1"/>
               </a:ext>
             </a:extLst>
           </p:cNvPr>
@@ -9900,7 +9900,7 @@
           <p:nvPr>
             <p:extLst>
               <p:ext uri="{386F3935-93C4-4BCD-93E2-E3B085C9AB24}">
-                <p16:designElem xmlns="" xmlns:p16="http://schemas.microsoft.com/office/powerpoint/2015/main" val="1"/>
+                <p16:designElem xmlns:p16="http://schemas.microsoft.com/office/powerpoint/2015/main" val="1"/>
               </p:ext>
             </p:extLst>
           </p:nvPr>
@@ -9918,10 +9918,10 @@
             <p:cNvPr id="24" name="Freeform 6">
               <a:extLst>
                 <a:ext uri="{FF2B5EF4-FFF2-40B4-BE49-F238E27FC236}">
-                  <a16:creationId xmlns="" xmlns:a16="http://schemas.microsoft.com/office/drawing/2014/main" id="{E34CC1C8-EBDD-4AEA-83E6-B27575B62E2E}"/>
+                  <a16:creationId xmlns:a16="http://schemas.microsoft.com/office/drawing/2014/main" id="{E34CC1C8-EBDD-4AEA-83E6-B27575B62E2E}"/>
                 </a:ext>
                 <a:ext uri="{C183D7F6-B498-43B3-948B-1728B52AA6E4}">
-                  <adec:decorative xmlns="" xmlns:adec="http://schemas.microsoft.com/office/drawing/2017/decorative" val="1"/>
+                  <adec:decorative xmlns:adec="http://schemas.microsoft.com/office/drawing/2017/decorative" val="1"/>
                 </a:ext>
               </a:extLst>
             </p:cNvPr>
@@ -9929,7 +9929,7 @@
             <p:nvPr>
               <p:extLst>
                 <p:ext uri="{386F3935-93C4-4BCD-93E2-E3B085C9AB24}">
-                  <p16:designElem xmlns="" xmlns:p16="http://schemas.microsoft.com/office/powerpoint/2015/main" val="1"/>
+                  <p16:designElem xmlns:p16="http://schemas.microsoft.com/office/powerpoint/2015/main" val="1"/>
                 </p:ext>
               </p:extLst>
             </p:nvPr>
@@ -9979,10 +9979,10 @@
             <p:cNvPr id="25" name="Freeform 7">
               <a:extLst>
                 <a:ext uri="{FF2B5EF4-FFF2-40B4-BE49-F238E27FC236}">
-                  <a16:creationId xmlns="" xmlns:a16="http://schemas.microsoft.com/office/drawing/2014/main" id="{D6B38644-B85D-4211-9526-5B4C2A662BF7}"/>
+                  <a16:creationId xmlns:a16="http://schemas.microsoft.com/office/drawing/2014/main" id="{D6B38644-B85D-4211-9526-5B4C2A662BF7}"/>
                 </a:ext>
                 <a:ext uri="{C183D7F6-B498-43B3-948B-1728B52AA6E4}">
-                  <adec:decorative xmlns="" xmlns:adec="http://schemas.microsoft.com/office/drawing/2017/decorative" val="1"/>
+                  <adec:decorative xmlns:adec="http://schemas.microsoft.com/office/drawing/2017/decorative" val="1"/>
                 </a:ext>
               </a:extLst>
             </p:cNvPr>
@@ -9990,7 +9990,7 @@
             <p:nvPr>
               <p:extLst>
                 <p:ext uri="{386F3935-93C4-4BCD-93E2-E3B085C9AB24}">
-                  <p16:designElem xmlns="" xmlns:p16="http://schemas.microsoft.com/office/powerpoint/2015/main" val="1"/>
+                  <p16:designElem xmlns:p16="http://schemas.microsoft.com/office/powerpoint/2015/main" val="1"/>
                 </p:ext>
               </p:extLst>
             </p:nvPr>
@@ -10043,10 +10043,10 @@
             <p:cNvPr id="26" name="Freeform 12">
               <a:extLst>
                 <a:ext uri="{FF2B5EF4-FFF2-40B4-BE49-F238E27FC236}">
-                  <a16:creationId xmlns="" xmlns:a16="http://schemas.microsoft.com/office/drawing/2014/main" id="{8A8B2820-6B8F-4C19-BFC5-D28EE44E54CB}"/>
+                  <a16:creationId xmlns:a16="http://schemas.microsoft.com/office/drawing/2014/main" id="{8A8B2820-6B8F-4C19-BFC5-D28EE44E54CB}"/>
                 </a:ext>
                 <a:ext uri="{C183D7F6-B498-43B3-948B-1728B52AA6E4}">
-                  <adec:decorative xmlns="" xmlns:adec="http://schemas.microsoft.com/office/drawing/2017/decorative" val="1"/>
+                  <adec:decorative xmlns:adec="http://schemas.microsoft.com/office/drawing/2017/decorative" val="1"/>
                 </a:ext>
               </a:extLst>
             </p:cNvPr>
@@ -10054,7 +10054,7 @@
             <p:nvPr>
               <p:extLst>
                 <p:ext uri="{386F3935-93C4-4BCD-93E2-E3B085C9AB24}">
-                  <p16:designElem xmlns="" xmlns:p16="http://schemas.microsoft.com/office/powerpoint/2015/main" val="1"/>
+                  <p16:designElem xmlns:p16="http://schemas.microsoft.com/office/powerpoint/2015/main" val="1"/>
                 </p:ext>
               </p:extLst>
             </p:nvPr>
@@ -10101,10 +10101,10 @@
             <p:cNvPr id="27" name="Freeform 13">
               <a:extLst>
                 <a:ext uri="{FF2B5EF4-FFF2-40B4-BE49-F238E27FC236}">
-                  <a16:creationId xmlns="" xmlns:a16="http://schemas.microsoft.com/office/drawing/2014/main" id="{773528ED-4D37-4A77-A8CA-86B6221C5E82}"/>
+                  <a16:creationId xmlns:a16="http://schemas.microsoft.com/office/drawing/2014/main" id="{773528ED-4D37-4A77-A8CA-86B6221C5E82}"/>
                 </a:ext>
                 <a:ext uri="{C183D7F6-B498-43B3-948B-1728B52AA6E4}">
-                  <adec:decorative xmlns="" xmlns:adec="http://schemas.microsoft.com/office/drawing/2017/decorative" val="1"/>
+                  <adec:decorative xmlns:adec="http://schemas.microsoft.com/office/drawing/2017/decorative" val="1"/>
                 </a:ext>
               </a:extLst>
             </p:cNvPr>
@@ -10112,7 +10112,7 @@
             <p:nvPr>
               <p:extLst>
                 <p:ext uri="{386F3935-93C4-4BCD-93E2-E3B085C9AB24}">
-                  <p16:designElem xmlns="" xmlns:p16="http://schemas.microsoft.com/office/powerpoint/2015/main" val="1"/>
+                  <p16:designElem xmlns:p16="http://schemas.microsoft.com/office/powerpoint/2015/main" val="1"/>
                 </p:ext>
               </p:extLst>
             </p:nvPr>
@@ -10161,10 +10161,10 @@
             <p:cNvPr id="28" name="Freeform 14">
               <a:extLst>
                 <a:ext uri="{FF2B5EF4-FFF2-40B4-BE49-F238E27FC236}">
-                  <a16:creationId xmlns="" xmlns:a16="http://schemas.microsoft.com/office/drawing/2014/main" id="{8A58A902-E944-4399-9A93-A91A6A82B166}"/>
+                  <a16:creationId xmlns:a16="http://schemas.microsoft.com/office/drawing/2014/main" id="{8A58A902-E944-4399-9A93-A91A6A82B166}"/>
                 </a:ext>
                 <a:ext uri="{C183D7F6-B498-43B3-948B-1728B52AA6E4}">
-                  <adec:decorative xmlns="" xmlns:adec="http://schemas.microsoft.com/office/drawing/2017/decorative" val="1"/>
+                  <adec:decorative xmlns:adec="http://schemas.microsoft.com/office/drawing/2017/decorative" val="1"/>
                 </a:ext>
               </a:extLst>
             </p:cNvPr>
@@ -10172,7 +10172,7 @@
             <p:nvPr>
               <p:extLst>
                 <p:ext uri="{386F3935-93C4-4BCD-93E2-E3B085C9AB24}">
-                  <p16:designElem xmlns="" xmlns:p16="http://schemas.microsoft.com/office/powerpoint/2015/main" val="1"/>
+                  <p16:designElem xmlns:p16="http://schemas.microsoft.com/office/powerpoint/2015/main" val="1"/>
                 </p:ext>
               </p:extLst>
             </p:nvPr>
@@ -10227,10 +10227,10 @@
             <p:cNvPr id="29" name="Freeform 15">
               <a:extLst>
                 <a:ext uri="{FF2B5EF4-FFF2-40B4-BE49-F238E27FC236}">
-                  <a16:creationId xmlns="" xmlns:a16="http://schemas.microsoft.com/office/drawing/2014/main" id="{4EDB1155-2E8E-4FB8-AD42-101FE4383231}"/>
+                  <a16:creationId xmlns:a16="http://schemas.microsoft.com/office/drawing/2014/main" id="{4EDB1155-2E8E-4FB8-AD42-101FE4383231}"/>
                 </a:ext>
                 <a:ext uri="{C183D7F6-B498-43B3-948B-1728B52AA6E4}">
-                  <adec:decorative xmlns="" xmlns:adec="http://schemas.microsoft.com/office/drawing/2017/decorative" val="1"/>
+                  <adec:decorative xmlns:adec="http://schemas.microsoft.com/office/drawing/2017/decorative" val="1"/>
                 </a:ext>
               </a:extLst>
             </p:cNvPr>
@@ -10238,7 +10238,7 @@
             <p:nvPr>
               <p:extLst>
                 <p:ext uri="{386F3935-93C4-4BCD-93E2-E3B085C9AB24}">
-                  <p16:designElem xmlns="" xmlns:p16="http://schemas.microsoft.com/office/powerpoint/2015/main" val="1"/>
+                  <p16:designElem xmlns:p16="http://schemas.microsoft.com/office/powerpoint/2015/main" val="1"/>
                 </p:ext>
               </p:extLst>
             </p:nvPr>
@@ -10298,7 +10298,7 @@
           <p:cNvPr id="2" name="Title 1">
             <a:extLst>
               <a:ext uri="{FF2B5EF4-FFF2-40B4-BE49-F238E27FC236}">
-                <a16:creationId xmlns="" xmlns:a16="http://schemas.microsoft.com/office/drawing/2014/main" id="{C7492CCE-C435-464E-A19A-D4C606FDBE3D}"/>
+                <a16:creationId xmlns:a16="http://schemas.microsoft.com/office/drawing/2014/main" id="{C7492CCE-C435-464E-A19A-D4C606FDBE3D}"/>
               </a:ext>
             </a:extLst>
           </p:cNvPr>
@@ -10334,7 +10334,7 @@
           <p:cNvPr id="3" name="Content Placeholder 2">
             <a:extLst>
               <a:ext uri="{FF2B5EF4-FFF2-40B4-BE49-F238E27FC236}">
-                <a16:creationId xmlns="" xmlns:a16="http://schemas.microsoft.com/office/drawing/2014/main" id="{60DFF4FA-F598-4962-B6AB-31A8BE724E52}"/>
+                <a16:creationId xmlns:a16="http://schemas.microsoft.com/office/drawing/2014/main" id="{60DFF4FA-F598-4962-B6AB-31A8BE724E52}"/>
               </a:ext>
             </a:extLst>
           </p:cNvPr>
@@ -10438,10 +10438,10 @@
           <p:cNvPr id="21" name="Rectangle 20">
             <a:extLst>
               <a:ext uri="{FF2B5EF4-FFF2-40B4-BE49-F238E27FC236}">
-                <a16:creationId xmlns="" xmlns:a16="http://schemas.microsoft.com/office/drawing/2014/main" id="{99CAC3B1-4879-424D-8F15-206277196159}"/>
+                <a16:creationId xmlns:a16="http://schemas.microsoft.com/office/drawing/2014/main" id="{99CAC3B1-4879-424D-8F15-206277196159}"/>
               </a:ext>
               <a:ext uri="{C183D7F6-B498-43B3-948B-1728B52AA6E4}">
-                <adec:decorative xmlns="" xmlns:adec="http://schemas.microsoft.com/office/drawing/2017/decorative" val="1"/>
+                <adec:decorative xmlns:adec="http://schemas.microsoft.com/office/drawing/2017/decorative" val="1"/>
               </a:ext>
             </a:extLst>
           </p:cNvPr>
@@ -10451,7 +10451,7 @@
           <p:nvPr>
             <p:extLst>
               <p:ext uri="{386F3935-93C4-4BCD-93E2-E3B085C9AB24}">
-                <p16:designElem xmlns="" xmlns:p16="http://schemas.microsoft.com/office/powerpoint/2015/main" val="1"/>
+                <p16:designElem xmlns:p16="http://schemas.microsoft.com/office/powerpoint/2015/main" val="1"/>
               </p:ext>
             </p:extLst>
           </p:nvPr>
@@ -10498,10 +10498,10 @@
           <p:cNvPr id="23" name="Group 22">
             <a:extLst>
               <a:ext uri="{FF2B5EF4-FFF2-40B4-BE49-F238E27FC236}">
-                <a16:creationId xmlns="" xmlns:a16="http://schemas.microsoft.com/office/drawing/2014/main" id="{4B8492CB-DFBA-4A82-9778-F21493DA36C1}"/>
+                <a16:creationId xmlns:a16="http://schemas.microsoft.com/office/drawing/2014/main" id="{4B8492CB-DFBA-4A82-9778-F21493DA36C1}"/>
               </a:ext>
               <a:ext uri="{C183D7F6-B498-43B3-948B-1728B52AA6E4}">
-                <adec:decorative xmlns="" xmlns:adec="http://schemas.microsoft.com/office/drawing/2017/decorative" val="1"/>
+                <adec:decorative xmlns:adec="http://schemas.microsoft.com/office/drawing/2017/decorative" val="1"/>
               </a:ext>
             </a:extLst>
           </p:cNvPr>
@@ -10511,7 +10511,7 @@
           <p:nvPr>
             <p:extLst>
               <p:ext uri="{386F3935-93C4-4BCD-93E2-E3B085C9AB24}">
-                <p16:designElem xmlns="" xmlns:p16="http://schemas.microsoft.com/office/powerpoint/2015/main" val="1"/>
+                <p16:designElem xmlns:p16="http://schemas.microsoft.com/office/powerpoint/2015/main" val="1"/>
               </p:ext>
             </p:extLst>
           </p:nvPr>
@@ -10529,10 +10529,10 @@
             <p:cNvPr id="24" name="Freeform 6">
               <a:extLst>
                 <a:ext uri="{FF2B5EF4-FFF2-40B4-BE49-F238E27FC236}">
-                  <a16:creationId xmlns="" xmlns:a16="http://schemas.microsoft.com/office/drawing/2014/main" id="{E34CC1C8-EBDD-4AEA-83E6-B27575B62E2E}"/>
+                  <a16:creationId xmlns:a16="http://schemas.microsoft.com/office/drawing/2014/main" id="{E34CC1C8-EBDD-4AEA-83E6-B27575B62E2E}"/>
                 </a:ext>
                 <a:ext uri="{C183D7F6-B498-43B3-948B-1728B52AA6E4}">
-                  <adec:decorative xmlns="" xmlns:adec="http://schemas.microsoft.com/office/drawing/2017/decorative" val="1"/>
+                  <adec:decorative xmlns:adec="http://schemas.microsoft.com/office/drawing/2017/decorative" val="1"/>
                 </a:ext>
               </a:extLst>
             </p:cNvPr>
@@ -10540,7 +10540,7 @@
             <p:nvPr>
               <p:extLst>
                 <p:ext uri="{386F3935-93C4-4BCD-93E2-E3B085C9AB24}">
-                  <p16:designElem xmlns="" xmlns:p16="http://schemas.microsoft.com/office/powerpoint/2015/main" val="1"/>
+                  <p16:designElem xmlns:p16="http://schemas.microsoft.com/office/powerpoint/2015/main" val="1"/>
                 </p:ext>
               </p:extLst>
             </p:nvPr>
@@ -10590,10 +10590,10 @@
             <p:cNvPr id="25" name="Freeform 7">
               <a:extLst>
                 <a:ext uri="{FF2B5EF4-FFF2-40B4-BE49-F238E27FC236}">
-                  <a16:creationId xmlns="" xmlns:a16="http://schemas.microsoft.com/office/drawing/2014/main" id="{D6B38644-B85D-4211-9526-5B4C2A662BF7}"/>
+                  <a16:creationId xmlns:a16="http://schemas.microsoft.com/office/drawing/2014/main" id="{D6B38644-B85D-4211-9526-5B4C2A662BF7}"/>
                 </a:ext>
                 <a:ext uri="{C183D7F6-B498-43B3-948B-1728B52AA6E4}">
-                  <adec:decorative xmlns="" xmlns:adec="http://schemas.microsoft.com/office/drawing/2017/decorative" val="1"/>
+                  <adec:decorative xmlns:adec="http://schemas.microsoft.com/office/drawing/2017/decorative" val="1"/>
                 </a:ext>
               </a:extLst>
             </p:cNvPr>
@@ -10601,7 +10601,7 @@
             <p:nvPr>
               <p:extLst>
                 <p:ext uri="{386F3935-93C4-4BCD-93E2-E3B085C9AB24}">
-                  <p16:designElem xmlns="" xmlns:p16="http://schemas.microsoft.com/office/powerpoint/2015/main" val="1"/>
+                  <p16:designElem xmlns:p16="http://schemas.microsoft.com/office/powerpoint/2015/main" val="1"/>
                 </p:ext>
               </p:extLst>
             </p:nvPr>
@@ -10654,10 +10654,10 @@
             <p:cNvPr id="26" name="Freeform 12">
               <a:extLst>
                 <a:ext uri="{FF2B5EF4-FFF2-40B4-BE49-F238E27FC236}">
-                  <a16:creationId xmlns="" xmlns:a16="http://schemas.microsoft.com/office/drawing/2014/main" id="{8A8B2820-6B8F-4C19-BFC5-D28EE44E54CB}"/>
+                  <a16:creationId xmlns:a16="http://schemas.microsoft.com/office/drawing/2014/main" id="{8A8B2820-6B8F-4C19-BFC5-D28EE44E54CB}"/>
                 </a:ext>
                 <a:ext uri="{C183D7F6-B498-43B3-948B-1728B52AA6E4}">
-                  <adec:decorative xmlns="" xmlns:adec="http://schemas.microsoft.com/office/drawing/2017/decorative" val="1"/>
+                  <adec:decorative xmlns:adec="http://schemas.microsoft.com/office/drawing/2017/decorative" val="1"/>
                 </a:ext>
               </a:extLst>
             </p:cNvPr>
@@ -10665,7 +10665,7 @@
             <p:nvPr>
               <p:extLst>
                 <p:ext uri="{386F3935-93C4-4BCD-93E2-E3B085C9AB24}">
-                  <p16:designElem xmlns="" xmlns:p16="http://schemas.microsoft.com/office/powerpoint/2015/main" val="1"/>
+                  <p16:designElem xmlns:p16="http://schemas.microsoft.com/office/powerpoint/2015/main" val="1"/>
                 </p:ext>
               </p:extLst>
             </p:nvPr>
@@ -10712,10 +10712,10 @@
             <p:cNvPr id="27" name="Freeform 13">
               <a:extLst>
                 <a:ext uri="{FF2B5EF4-FFF2-40B4-BE49-F238E27FC236}">
-                  <a16:creationId xmlns="" xmlns:a16="http://schemas.microsoft.com/office/drawing/2014/main" id="{773528ED-4D37-4A77-A8CA-86B6221C5E82}"/>
+                  <a16:creationId xmlns:a16="http://schemas.microsoft.com/office/drawing/2014/main" id="{773528ED-4D37-4A77-A8CA-86B6221C5E82}"/>
                 </a:ext>
                 <a:ext uri="{C183D7F6-B498-43B3-948B-1728B52AA6E4}">
-                  <adec:decorative xmlns="" xmlns:adec="http://schemas.microsoft.com/office/drawing/2017/decorative" val="1"/>
+                  <adec:decorative xmlns:adec="http://schemas.microsoft.com/office/drawing/2017/decorative" val="1"/>
                 </a:ext>
               </a:extLst>
             </p:cNvPr>
@@ -10723,7 +10723,7 @@
             <p:nvPr>
               <p:extLst>
                 <p:ext uri="{386F3935-93C4-4BCD-93E2-E3B085C9AB24}">
-                  <p16:designElem xmlns="" xmlns:p16="http://schemas.microsoft.com/office/powerpoint/2015/main" val="1"/>
+                  <p16:designElem xmlns:p16="http://schemas.microsoft.com/office/powerpoint/2015/main" val="1"/>
                 </p:ext>
               </p:extLst>
             </p:nvPr>
@@ -10772,10 +10772,10 @@
             <p:cNvPr id="28" name="Freeform 14">
               <a:extLst>
                 <a:ext uri="{FF2B5EF4-FFF2-40B4-BE49-F238E27FC236}">
-                  <a16:creationId xmlns="" xmlns:a16="http://schemas.microsoft.com/office/drawing/2014/main" id="{8A58A902-E944-4399-9A93-A91A6A82B166}"/>
+                  <a16:creationId xmlns:a16="http://schemas.microsoft.com/office/drawing/2014/main" id="{8A58A902-E944-4399-9A93-A91A6A82B166}"/>
                 </a:ext>
                 <a:ext uri="{C183D7F6-B498-43B3-948B-1728B52AA6E4}">
-                  <adec:decorative xmlns="" xmlns:adec="http://schemas.microsoft.com/office/drawing/2017/decorative" val="1"/>
+                  <adec:decorative xmlns:adec="http://schemas.microsoft.com/office/drawing/2017/decorative" val="1"/>
                 </a:ext>
               </a:extLst>
             </p:cNvPr>
@@ -10783,7 +10783,7 @@
             <p:nvPr>
               <p:extLst>
                 <p:ext uri="{386F3935-93C4-4BCD-93E2-E3B085C9AB24}">
-                  <p16:designElem xmlns="" xmlns:p16="http://schemas.microsoft.com/office/powerpoint/2015/main" val="1"/>
+                  <p16:designElem xmlns:p16="http://schemas.microsoft.com/office/powerpoint/2015/main" val="1"/>
                 </p:ext>
               </p:extLst>
             </p:nvPr>
@@ -10838,10 +10838,10 @@
             <p:cNvPr id="29" name="Freeform 15">
               <a:extLst>
                 <a:ext uri="{FF2B5EF4-FFF2-40B4-BE49-F238E27FC236}">
-                  <a16:creationId xmlns="" xmlns:a16="http://schemas.microsoft.com/office/drawing/2014/main" id="{4EDB1155-2E8E-4FB8-AD42-101FE4383231}"/>
+                  <a16:creationId xmlns:a16="http://schemas.microsoft.com/office/drawing/2014/main" id="{4EDB1155-2E8E-4FB8-AD42-101FE4383231}"/>
                 </a:ext>
                 <a:ext uri="{C183D7F6-B498-43B3-948B-1728B52AA6E4}">
-                  <adec:decorative xmlns="" xmlns:adec="http://schemas.microsoft.com/office/drawing/2017/decorative" val="1"/>
+                  <adec:decorative xmlns:adec="http://schemas.microsoft.com/office/drawing/2017/decorative" val="1"/>
                 </a:ext>
               </a:extLst>
             </p:cNvPr>
@@ -10849,7 +10849,7 @@
             <p:nvPr>
               <p:extLst>
                 <p:ext uri="{386F3935-93C4-4BCD-93E2-E3B085C9AB24}">
-                  <p16:designElem xmlns="" xmlns:p16="http://schemas.microsoft.com/office/powerpoint/2015/main" val="1"/>
+                  <p16:designElem xmlns:p16="http://schemas.microsoft.com/office/powerpoint/2015/main" val="1"/>
                 </p:ext>
               </p:extLst>
             </p:nvPr>
@@ -10909,7 +10909,7 @@
           <p:cNvPr id="2" name="Title 1">
             <a:extLst>
               <a:ext uri="{FF2B5EF4-FFF2-40B4-BE49-F238E27FC236}">
-                <a16:creationId xmlns="" xmlns:a16="http://schemas.microsoft.com/office/drawing/2014/main" id="{C7492CCE-C435-464E-A19A-D4C606FDBE3D}"/>
+                <a16:creationId xmlns:a16="http://schemas.microsoft.com/office/drawing/2014/main" id="{C7492CCE-C435-464E-A19A-D4C606FDBE3D}"/>
               </a:ext>
             </a:extLst>
           </p:cNvPr>
@@ -10942,7 +10942,7 @@
           <p:cNvPr id="3" name="Content Placeholder 2">
             <a:extLst>
               <a:ext uri="{FF2B5EF4-FFF2-40B4-BE49-F238E27FC236}">
-                <a16:creationId xmlns="" xmlns:a16="http://schemas.microsoft.com/office/drawing/2014/main" id="{60DFF4FA-F598-4962-B6AB-31A8BE724E52}"/>
+                <a16:creationId xmlns:a16="http://schemas.microsoft.com/office/drawing/2014/main" id="{60DFF4FA-F598-4962-B6AB-31A8BE724E52}"/>
               </a:ext>
             </a:extLst>
           </p:cNvPr>
@@ -10974,7 +10974,7 @@
           <p:cNvPr id="5" name="TextBox 4">
             <a:extLst>
               <a:ext uri="{FF2B5EF4-FFF2-40B4-BE49-F238E27FC236}">
-                <a16:creationId xmlns="" xmlns:a16="http://schemas.microsoft.com/office/drawing/2014/main" id="{466A409B-90E2-4ACB-8A16-0329B5CEE6DF}"/>
+                <a16:creationId xmlns:a16="http://schemas.microsoft.com/office/drawing/2014/main" id="{466A409B-90E2-4ACB-8A16-0329B5CEE6DF}"/>
               </a:ext>
             </a:extLst>
           </p:cNvPr>
@@ -11021,7 +11021,7 @@
           <p:cNvPr id="7" name="Straight Arrow Connector 6">
             <a:extLst>
               <a:ext uri="{FF2B5EF4-FFF2-40B4-BE49-F238E27FC236}">
-                <a16:creationId xmlns="" xmlns:a16="http://schemas.microsoft.com/office/drawing/2014/main" id="{6C986E87-252D-4CDD-90A3-050A5080DF44}"/>
+                <a16:creationId xmlns:a16="http://schemas.microsoft.com/office/drawing/2014/main" id="{6C986E87-252D-4CDD-90A3-050A5080DF44}"/>
               </a:ext>
             </a:extLst>
           </p:cNvPr>
@@ -11062,7 +11062,7 @@
           <p:cNvPr id="17" name="Straight Arrow Connector 16">
             <a:extLst>
               <a:ext uri="{FF2B5EF4-FFF2-40B4-BE49-F238E27FC236}">
-                <a16:creationId xmlns="" xmlns:a16="http://schemas.microsoft.com/office/drawing/2014/main" id="{8B32EEAB-6F30-4731-8D76-02708A63C23C}"/>
+                <a16:creationId xmlns:a16="http://schemas.microsoft.com/office/drawing/2014/main" id="{8B32EEAB-6F30-4731-8D76-02708A63C23C}"/>
               </a:ext>
             </a:extLst>
           </p:cNvPr>
@@ -11103,7 +11103,7 @@
           <p:cNvPr id="18" name="Straight Arrow Connector 17">
             <a:extLst>
               <a:ext uri="{FF2B5EF4-FFF2-40B4-BE49-F238E27FC236}">
-                <a16:creationId xmlns="" xmlns:a16="http://schemas.microsoft.com/office/drawing/2014/main" id="{E930BBA9-7BA1-48A0-A9E1-F9545CD11BAA}"/>
+                <a16:creationId xmlns:a16="http://schemas.microsoft.com/office/drawing/2014/main" id="{E930BBA9-7BA1-48A0-A9E1-F9545CD11BAA}"/>
               </a:ext>
             </a:extLst>
           </p:cNvPr>
@@ -11144,7 +11144,7 @@
           <p:cNvPr id="19" name="Straight Arrow Connector 18">
             <a:extLst>
               <a:ext uri="{FF2B5EF4-FFF2-40B4-BE49-F238E27FC236}">
-                <a16:creationId xmlns="" xmlns:a16="http://schemas.microsoft.com/office/drawing/2014/main" id="{72D8D5ED-08A2-4E59-AA33-3E70202E855D}"/>
+                <a16:creationId xmlns:a16="http://schemas.microsoft.com/office/drawing/2014/main" id="{72D8D5ED-08A2-4E59-AA33-3E70202E855D}"/>
               </a:ext>
             </a:extLst>
           </p:cNvPr>
@@ -11223,10 +11223,10 @@
           <p:cNvPr id="21" name="Rectangle 20">
             <a:extLst>
               <a:ext uri="{FF2B5EF4-FFF2-40B4-BE49-F238E27FC236}">
-                <a16:creationId xmlns="" xmlns:a16="http://schemas.microsoft.com/office/drawing/2014/main" id="{99CAC3B1-4879-424D-8F15-206277196159}"/>
+                <a16:creationId xmlns:a16="http://schemas.microsoft.com/office/drawing/2014/main" id="{99CAC3B1-4879-424D-8F15-206277196159}"/>
               </a:ext>
               <a:ext uri="{C183D7F6-B498-43B3-948B-1728B52AA6E4}">
-                <adec:decorative xmlns="" xmlns:adec="http://schemas.microsoft.com/office/drawing/2017/decorative" val="1"/>
+                <adec:decorative xmlns:adec="http://schemas.microsoft.com/office/drawing/2017/decorative" val="1"/>
               </a:ext>
             </a:extLst>
           </p:cNvPr>
@@ -11236,7 +11236,7 @@
           <p:nvPr>
             <p:extLst>
               <p:ext uri="{386F3935-93C4-4BCD-93E2-E3B085C9AB24}">
-                <p16:designElem xmlns="" xmlns:p16="http://schemas.microsoft.com/office/powerpoint/2015/main" val="1"/>
+                <p16:designElem xmlns:p16="http://schemas.microsoft.com/office/powerpoint/2015/main" val="1"/>
               </p:ext>
             </p:extLst>
           </p:nvPr>
@@ -11283,10 +11283,10 @@
           <p:cNvPr id="23" name="Group 22">
             <a:extLst>
               <a:ext uri="{FF2B5EF4-FFF2-40B4-BE49-F238E27FC236}">
-                <a16:creationId xmlns="" xmlns:a16="http://schemas.microsoft.com/office/drawing/2014/main" id="{4B8492CB-DFBA-4A82-9778-F21493DA36C1}"/>
+                <a16:creationId xmlns:a16="http://schemas.microsoft.com/office/drawing/2014/main" id="{4B8492CB-DFBA-4A82-9778-F21493DA36C1}"/>
               </a:ext>
               <a:ext uri="{C183D7F6-B498-43B3-948B-1728B52AA6E4}">
-                <adec:decorative xmlns="" xmlns:adec="http://schemas.microsoft.com/office/drawing/2017/decorative" val="1"/>
+                <adec:decorative xmlns:adec="http://schemas.microsoft.com/office/drawing/2017/decorative" val="1"/>
               </a:ext>
             </a:extLst>
           </p:cNvPr>
@@ -11296,7 +11296,7 @@
           <p:nvPr>
             <p:extLst>
               <p:ext uri="{386F3935-93C4-4BCD-93E2-E3B085C9AB24}">
-                <p16:designElem xmlns="" xmlns:p16="http://schemas.microsoft.com/office/powerpoint/2015/main" val="1"/>
+                <p16:designElem xmlns:p16="http://schemas.microsoft.com/office/powerpoint/2015/main" val="1"/>
               </p:ext>
             </p:extLst>
           </p:nvPr>
@@ -11314,10 +11314,10 @@
             <p:cNvPr id="24" name="Freeform 6">
               <a:extLst>
                 <a:ext uri="{FF2B5EF4-FFF2-40B4-BE49-F238E27FC236}">
-                  <a16:creationId xmlns="" xmlns:a16="http://schemas.microsoft.com/office/drawing/2014/main" id="{E34CC1C8-EBDD-4AEA-83E6-B27575B62E2E}"/>
+                  <a16:creationId xmlns:a16="http://schemas.microsoft.com/office/drawing/2014/main" id="{E34CC1C8-EBDD-4AEA-83E6-B27575B62E2E}"/>
                 </a:ext>
                 <a:ext uri="{C183D7F6-B498-43B3-948B-1728B52AA6E4}">
-                  <adec:decorative xmlns="" xmlns:adec="http://schemas.microsoft.com/office/drawing/2017/decorative" val="1"/>
+                  <adec:decorative xmlns:adec="http://schemas.microsoft.com/office/drawing/2017/decorative" val="1"/>
                 </a:ext>
               </a:extLst>
             </p:cNvPr>
@@ -11325,7 +11325,7 @@
             <p:nvPr>
               <p:extLst>
                 <p:ext uri="{386F3935-93C4-4BCD-93E2-E3B085C9AB24}">
-                  <p16:designElem xmlns="" xmlns:p16="http://schemas.microsoft.com/office/powerpoint/2015/main" val="1"/>
+                  <p16:designElem xmlns:p16="http://schemas.microsoft.com/office/powerpoint/2015/main" val="1"/>
                 </p:ext>
               </p:extLst>
             </p:nvPr>
@@ -11375,10 +11375,10 @@
             <p:cNvPr id="25" name="Freeform 7">
               <a:extLst>
                 <a:ext uri="{FF2B5EF4-FFF2-40B4-BE49-F238E27FC236}">
-                  <a16:creationId xmlns="" xmlns:a16="http://schemas.microsoft.com/office/drawing/2014/main" id="{D6B38644-B85D-4211-9526-5B4C2A662BF7}"/>
+                  <a16:creationId xmlns:a16="http://schemas.microsoft.com/office/drawing/2014/main" id="{D6B38644-B85D-4211-9526-5B4C2A662BF7}"/>
                 </a:ext>
                 <a:ext uri="{C183D7F6-B498-43B3-948B-1728B52AA6E4}">
-                  <adec:decorative xmlns="" xmlns:adec="http://schemas.microsoft.com/office/drawing/2017/decorative" val="1"/>
+                  <adec:decorative xmlns:adec="http://schemas.microsoft.com/office/drawing/2017/decorative" val="1"/>
                 </a:ext>
               </a:extLst>
             </p:cNvPr>
@@ -11386,7 +11386,7 @@
             <p:nvPr>
               <p:extLst>
                 <p:ext uri="{386F3935-93C4-4BCD-93E2-E3B085C9AB24}">
-                  <p16:designElem xmlns="" xmlns:p16="http://schemas.microsoft.com/office/powerpoint/2015/main" val="1"/>
+                  <p16:designElem xmlns:p16="http://schemas.microsoft.com/office/powerpoint/2015/main" val="1"/>
                 </p:ext>
               </p:extLst>
             </p:nvPr>
@@ -11439,10 +11439,10 @@
             <p:cNvPr id="26" name="Freeform 12">
               <a:extLst>
                 <a:ext uri="{FF2B5EF4-FFF2-40B4-BE49-F238E27FC236}">
-                  <a16:creationId xmlns="" xmlns:a16="http://schemas.microsoft.com/office/drawing/2014/main" id="{8A8B2820-6B8F-4C19-BFC5-D28EE44E54CB}"/>
+                  <a16:creationId xmlns:a16="http://schemas.microsoft.com/office/drawing/2014/main" id="{8A8B2820-6B8F-4C19-BFC5-D28EE44E54CB}"/>
                 </a:ext>
                 <a:ext uri="{C183D7F6-B498-43B3-948B-1728B52AA6E4}">
-                  <adec:decorative xmlns="" xmlns:adec="http://schemas.microsoft.com/office/drawing/2017/decorative" val="1"/>
+                  <adec:decorative xmlns:adec="http://schemas.microsoft.com/office/drawing/2017/decorative" val="1"/>
                 </a:ext>
               </a:extLst>
             </p:cNvPr>
@@ -11450,7 +11450,7 @@
             <p:nvPr>
               <p:extLst>
                 <p:ext uri="{386F3935-93C4-4BCD-93E2-E3B085C9AB24}">
-                  <p16:designElem xmlns="" xmlns:p16="http://schemas.microsoft.com/office/powerpoint/2015/main" val="1"/>
+                  <p16:designElem xmlns:p16="http://schemas.microsoft.com/office/powerpoint/2015/main" val="1"/>
                 </p:ext>
               </p:extLst>
             </p:nvPr>
@@ -11497,10 +11497,10 @@
             <p:cNvPr id="27" name="Freeform 13">
               <a:extLst>
                 <a:ext uri="{FF2B5EF4-FFF2-40B4-BE49-F238E27FC236}">
-                  <a16:creationId xmlns="" xmlns:a16="http://schemas.microsoft.com/office/drawing/2014/main" id="{773528ED-4D37-4A77-A8CA-86B6221C5E82}"/>
+                  <a16:creationId xmlns:a16="http://schemas.microsoft.com/office/drawing/2014/main" id="{773528ED-4D37-4A77-A8CA-86B6221C5E82}"/>
                 </a:ext>
                 <a:ext uri="{C183D7F6-B498-43B3-948B-1728B52AA6E4}">
-                  <adec:decorative xmlns="" xmlns:adec="http://schemas.microsoft.com/office/drawing/2017/decorative" val="1"/>
+                  <adec:decorative xmlns:adec="http://schemas.microsoft.com/office/drawing/2017/decorative" val="1"/>
                 </a:ext>
               </a:extLst>
             </p:cNvPr>
@@ -11508,7 +11508,7 @@
             <p:nvPr>
               <p:extLst>
                 <p:ext uri="{386F3935-93C4-4BCD-93E2-E3B085C9AB24}">
-                  <p16:designElem xmlns="" xmlns:p16="http://schemas.microsoft.com/office/powerpoint/2015/main" val="1"/>
+                  <p16:designElem xmlns:p16="http://schemas.microsoft.com/office/powerpoint/2015/main" val="1"/>
                 </p:ext>
               </p:extLst>
             </p:nvPr>
@@ -11557,10 +11557,10 @@
             <p:cNvPr id="28" name="Freeform 14">
               <a:extLst>
                 <a:ext uri="{FF2B5EF4-FFF2-40B4-BE49-F238E27FC236}">
-                  <a16:creationId xmlns="" xmlns:a16="http://schemas.microsoft.com/office/drawing/2014/main" id="{8A58A902-E944-4399-9A93-A91A6A82B166}"/>
+                  <a16:creationId xmlns:a16="http://schemas.microsoft.com/office/drawing/2014/main" id="{8A58A902-E944-4399-9A93-A91A6A82B166}"/>
                 </a:ext>
                 <a:ext uri="{C183D7F6-B498-43B3-948B-1728B52AA6E4}">
-                  <adec:decorative xmlns="" xmlns:adec="http://schemas.microsoft.com/office/drawing/2017/decorative" val="1"/>
+                  <adec:decorative xmlns:adec="http://schemas.microsoft.com/office/drawing/2017/decorative" val="1"/>
                 </a:ext>
               </a:extLst>
             </p:cNvPr>
@@ -11568,7 +11568,7 @@
             <p:nvPr>
               <p:extLst>
                 <p:ext uri="{386F3935-93C4-4BCD-93E2-E3B085C9AB24}">
-                  <p16:designElem xmlns="" xmlns:p16="http://schemas.microsoft.com/office/powerpoint/2015/main" val="1"/>
+                  <p16:designElem xmlns:p16="http://schemas.microsoft.com/office/powerpoint/2015/main" val="1"/>
                 </p:ext>
               </p:extLst>
             </p:nvPr>
@@ -11623,10 +11623,10 @@
             <p:cNvPr id="29" name="Freeform 15">
               <a:extLst>
                 <a:ext uri="{FF2B5EF4-FFF2-40B4-BE49-F238E27FC236}">
-                  <a16:creationId xmlns="" xmlns:a16="http://schemas.microsoft.com/office/drawing/2014/main" id="{4EDB1155-2E8E-4FB8-AD42-101FE4383231}"/>
+                  <a16:creationId xmlns:a16="http://schemas.microsoft.com/office/drawing/2014/main" id="{4EDB1155-2E8E-4FB8-AD42-101FE4383231}"/>
                 </a:ext>
                 <a:ext uri="{C183D7F6-B498-43B3-948B-1728B52AA6E4}">
-                  <adec:decorative xmlns="" xmlns:adec="http://schemas.microsoft.com/office/drawing/2017/decorative" val="1"/>
+                  <adec:decorative xmlns:adec="http://schemas.microsoft.com/office/drawing/2017/decorative" val="1"/>
                 </a:ext>
               </a:extLst>
             </p:cNvPr>
@@ -11634,7 +11634,7 @@
             <p:nvPr>
               <p:extLst>
                 <p:ext uri="{386F3935-93C4-4BCD-93E2-E3B085C9AB24}">
-                  <p16:designElem xmlns="" xmlns:p16="http://schemas.microsoft.com/office/powerpoint/2015/main" val="1"/>
+                  <p16:designElem xmlns:p16="http://schemas.microsoft.com/office/powerpoint/2015/main" val="1"/>
                 </p:ext>
               </p:extLst>
             </p:nvPr>
@@ -11694,7 +11694,7 @@
           <p:cNvPr id="2" name="Title 1">
             <a:extLst>
               <a:ext uri="{FF2B5EF4-FFF2-40B4-BE49-F238E27FC236}">
-                <a16:creationId xmlns="" xmlns:a16="http://schemas.microsoft.com/office/drawing/2014/main" id="{C7492CCE-C435-464E-A19A-D4C606FDBE3D}"/>
+                <a16:creationId xmlns:a16="http://schemas.microsoft.com/office/drawing/2014/main" id="{C7492CCE-C435-464E-A19A-D4C606FDBE3D}"/>
               </a:ext>
             </a:extLst>
           </p:cNvPr>
@@ -11719,10 +11719,9 @@
           <a:p>
             <a:pPr algn="l"/>
             <a:r>
-              <a:rPr lang="en-US" dirty="0" smtClean="0"/>
+              <a:rPr lang="en-US" dirty="0"/>
               <a:t>References</a:t>
             </a:r>
-            <a:endParaRPr lang="en-US" dirty="0"/>
           </a:p>
         </p:txBody>
       </p:sp>
@@ -11731,7 +11730,7 @@
           <p:cNvPr id="5" name="TextBox 4">
             <a:extLst>
               <a:ext uri="{FF2B5EF4-FFF2-40B4-BE49-F238E27FC236}">
-                <a16:creationId xmlns="" xmlns:a16="http://schemas.microsoft.com/office/drawing/2014/main" id="{466A409B-90E2-4ACB-8A16-0329B5CEE6DF}"/>
+                <a16:creationId xmlns:a16="http://schemas.microsoft.com/office/drawing/2014/main" id="{466A409B-90E2-4ACB-8A16-0329B5CEE6DF}"/>
               </a:ext>
             </a:extLst>
           </p:cNvPr>
@@ -11778,7 +11777,7 @@
           <p:cNvPr id="7" name="Straight Arrow Connector 6">
             <a:extLst>
               <a:ext uri="{FF2B5EF4-FFF2-40B4-BE49-F238E27FC236}">
-                <a16:creationId xmlns="" xmlns:a16="http://schemas.microsoft.com/office/drawing/2014/main" id="{6C986E87-252D-4CDD-90A3-050A5080DF44}"/>
+                <a16:creationId xmlns:a16="http://schemas.microsoft.com/office/drawing/2014/main" id="{6C986E87-252D-4CDD-90A3-050A5080DF44}"/>
               </a:ext>
             </a:extLst>
           </p:cNvPr>
@@ -11819,7 +11818,7 @@
           <p:cNvPr id="17" name="Straight Arrow Connector 16">
             <a:extLst>
               <a:ext uri="{FF2B5EF4-FFF2-40B4-BE49-F238E27FC236}">
-                <a16:creationId xmlns="" xmlns:a16="http://schemas.microsoft.com/office/drawing/2014/main" id="{8B32EEAB-6F30-4731-8D76-02708A63C23C}"/>
+                <a16:creationId xmlns:a16="http://schemas.microsoft.com/office/drawing/2014/main" id="{8B32EEAB-6F30-4731-8D76-02708A63C23C}"/>
               </a:ext>
             </a:extLst>
           </p:cNvPr>
@@ -11860,7 +11859,7 @@
           <p:cNvPr id="18" name="Straight Arrow Connector 17">
             <a:extLst>
               <a:ext uri="{FF2B5EF4-FFF2-40B4-BE49-F238E27FC236}">
-                <a16:creationId xmlns="" xmlns:a16="http://schemas.microsoft.com/office/drawing/2014/main" id="{E930BBA9-7BA1-48A0-A9E1-F9545CD11BAA}"/>
+                <a16:creationId xmlns:a16="http://schemas.microsoft.com/office/drawing/2014/main" id="{E930BBA9-7BA1-48A0-A9E1-F9545CD11BAA}"/>
               </a:ext>
             </a:extLst>
           </p:cNvPr>
@@ -11901,7 +11900,7 @@
           <p:cNvPr id="19" name="Straight Arrow Connector 18">
             <a:extLst>
               <a:ext uri="{FF2B5EF4-FFF2-40B4-BE49-F238E27FC236}">
-                <a16:creationId xmlns="" xmlns:a16="http://schemas.microsoft.com/office/drawing/2014/main" id="{72D8D5ED-08A2-4E59-AA33-3E70202E855D}"/>
+                <a16:creationId xmlns:a16="http://schemas.microsoft.com/office/drawing/2014/main" id="{72D8D5ED-08A2-4E59-AA33-3E70202E855D}"/>
               </a:ext>
             </a:extLst>
           </p:cNvPr>
@@ -11962,8 +11961,20 @@
                 <a:tableStyleId>{5C22544A-7EE6-4342-B048-85BDC9FD1C3A}</a:tableStyleId>
               </a:tblPr>
               <a:tblGrid>
-                <a:gridCol w="208692"/>
-                <a:gridCol w="8545159"/>
+                <a:gridCol w="208692">
+                  <a:extLst>
+                    <a:ext uri="{9D8B030D-6E8A-4147-A177-3AD203B41FA5}">
+                      <a16:colId xmlns:a16="http://schemas.microsoft.com/office/drawing/2014/main" val="20000"/>
+                    </a:ext>
+                  </a:extLst>
+                </a:gridCol>
+                <a:gridCol w="8545159">
+                  <a:extLst>
+                    <a:ext uri="{9D8B030D-6E8A-4147-A177-3AD203B41FA5}">
+                      <a16:colId xmlns:a16="http://schemas.microsoft.com/office/drawing/2014/main" val="20001"/>
+                    </a:ext>
+                  </a:extLst>
+                </a:gridCol>
               </a:tblGrid>
               <a:tr h="532063">
                 <a:tc>
@@ -12086,6 +12097,11 @@
                     <a:noFill/>
                   </a:tcPr>
                 </a:tc>
+                <a:extLst>
+                  <a:ext uri="{0D108BD9-81ED-4DB2-BD59-A6C34878D82A}">
+                    <a16:rowId xmlns:a16="http://schemas.microsoft.com/office/drawing/2014/main" val="10000"/>
+                  </a:ext>
+                </a:extLst>
               </a:tr>
               <a:tr h="378204">
                 <a:tc>
@@ -12208,6 +12224,11 @@
                     <a:noFill/>
                   </a:tcPr>
                 </a:tc>
+                <a:extLst>
+                  <a:ext uri="{0D108BD9-81ED-4DB2-BD59-A6C34878D82A}">
+                    <a16:rowId xmlns:a16="http://schemas.microsoft.com/office/drawing/2014/main" val="10001"/>
+                  </a:ext>
+                </a:extLst>
               </a:tr>
               <a:tr h="403654">
                 <a:tc>
@@ -12233,16 +12254,7 @@
                           </a:solidFill>
                           <a:effectLst/>
                         </a:rPr>
-                        <a:t>[</a:t>
-                      </a:r>
-                      <a:r>
-                        <a:rPr lang="en-US" sz="1100" b="0" dirty="0" smtClean="0">
-                          <a:solidFill>
-                            <a:schemeClr val="tx1"/>
-                          </a:solidFill>
-                          <a:effectLst/>
-                        </a:rPr>
-                        <a:t>3] </a:t>
+                        <a:t>[3] </a:t>
                       </a:r>
                       <a:endParaRPr lang="en-US" sz="1100" b="0" dirty="0">
                         <a:solidFill>
@@ -12339,6 +12351,11 @@
                     <a:noFill/>
                   </a:tcPr>
                 </a:tc>
+                <a:extLst>
+                  <a:ext uri="{0D108BD9-81ED-4DB2-BD59-A6C34878D82A}">
+                    <a16:rowId xmlns:a16="http://schemas.microsoft.com/office/drawing/2014/main" val="10002"/>
+                  </a:ext>
+                </a:extLst>
               </a:tr>
               <a:tr h="411892">
                 <a:tc>
@@ -12479,6 +12496,11 @@
                     <a:noFill/>
                   </a:tcPr>
                 </a:tc>
+                <a:extLst>
+                  <a:ext uri="{0D108BD9-81ED-4DB2-BD59-A6C34878D82A}">
+                    <a16:rowId xmlns:a16="http://schemas.microsoft.com/office/drawing/2014/main" val="10003"/>
+                  </a:ext>
+                </a:extLst>
               </a:tr>
             </a:tbl>
           </a:graphicData>
@@ -12527,10 +12549,10 @@
           <p:cNvPr id="21" name="Rectangle 20">
             <a:extLst>
               <a:ext uri="{FF2B5EF4-FFF2-40B4-BE49-F238E27FC236}">
-                <a16:creationId xmlns="" xmlns:a16="http://schemas.microsoft.com/office/drawing/2014/main" id="{99CAC3B1-4879-424D-8F15-206277196159}"/>
+                <a16:creationId xmlns:a16="http://schemas.microsoft.com/office/drawing/2014/main" id="{99CAC3B1-4879-424D-8F15-206277196159}"/>
               </a:ext>
               <a:ext uri="{C183D7F6-B498-43B3-948B-1728B52AA6E4}">
-                <adec:decorative xmlns="" xmlns:adec="http://schemas.microsoft.com/office/drawing/2017/decorative" val="1"/>
+                <adec:decorative xmlns:adec="http://schemas.microsoft.com/office/drawing/2017/decorative" val="1"/>
               </a:ext>
             </a:extLst>
           </p:cNvPr>
@@ -12540,7 +12562,7 @@
           <p:nvPr>
             <p:extLst>
               <p:ext uri="{386F3935-93C4-4BCD-93E2-E3B085C9AB24}">
-                <p16:designElem xmlns="" xmlns:p16="http://schemas.microsoft.com/office/powerpoint/2015/main" val="1"/>
+                <p16:designElem xmlns:p16="http://schemas.microsoft.com/office/powerpoint/2015/main" val="1"/>
               </p:ext>
             </p:extLst>
           </p:nvPr>
@@ -12587,10 +12609,10 @@
           <p:cNvPr id="23" name="Group 22">
             <a:extLst>
               <a:ext uri="{FF2B5EF4-FFF2-40B4-BE49-F238E27FC236}">
-                <a16:creationId xmlns="" xmlns:a16="http://schemas.microsoft.com/office/drawing/2014/main" id="{4B8492CB-DFBA-4A82-9778-F21493DA36C1}"/>
+                <a16:creationId xmlns:a16="http://schemas.microsoft.com/office/drawing/2014/main" id="{4B8492CB-DFBA-4A82-9778-F21493DA36C1}"/>
               </a:ext>
               <a:ext uri="{C183D7F6-B498-43B3-948B-1728B52AA6E4}">
-                <adec:decorative xmlns="" xmlns:adec="http://schemas.microsoft.com/office/drawing/2017/decorative" val="1"/>
+                <adec:decorative xmlns:adec="http://schemas.microsoft.com/office/drawing/2017/decorative" val="1"/>
               </a:ext>
             </a:extLst>
           </p:cNvPr>
@@ -12600,7 +12622,7 @@
           <p:nvPr>
             <p:extLst>
               <p:ext uri="{386F3935-93C4-4BCD-93E2-E3B085C9AB24}">
-                <p16:designElem xmlns="" xmlns:p16="http://schemas.microsoft.com/office/powerpoint/2015/main" val="1"/>
+                <p16:designElem xmlns:p16="http://schemas.microsoft.com/office/powerpoint/2015/main" val="1"/>
               </p:ext>
             </p:extLst>
           </p:nvPr>
@@ -12618,10 +12640,10 @@
             <p:cNvPr id="24" name="Freeform 6">
               <a:extLst>
                 <a:ext uri="{FF2B5EF4-FFF2-40B4-BE49-F238E27FC236}">
-                  <a16:creationId xmlns="" xmlns:a16="http://schemas.microsoft.com/office/drawing/2014/main" id="{E34CC1C8-EBDD-4AEA-83E6-B27575B62E2E}"/>
+                  <a16:creationId xmlns:a16="http://schemas.microsoft.com/office/drawing/2014/main" id="{E34CC1C8-EBDD-4AEA-83E6-B27575B62E2E}"/>
                 </a:ext>
                 <a:ext uri="{C183D7F6-B498-43B3-948B-1728B52AA6E4}">
-                  <adec:decorative xmlns="" xmlns:adec="http://schemas.microsoft.com/office/drawing/2017/decorative" val="1"/>
+                  <adec:decorative xmlns:adec="http://schemas.microsoft.com/office/drawing/2017/decorative" val="1"/>
                 </a:ext>
               </a:extLst>
             </p:cNvPr>
@@ -12629,7 +12651,7 @@
             <p:nvPr>
               <p:extLst>
                 <p:ext uri="{386F3935-93C4-4BCD-93E2-E3B085C9AB24}">
-                  <p16:designElem xmlns="" xmlns:p16="http://schemas.microsoft.com/office/powerpoint/2015/main" val="1"/>
+                  <p16:designElem xmlns:p16="http://schemas.microsoft.com/office/powerpoint/2015/main" val="1"/>
                 </p:ext>
               </p:extLst>
             </p:nvPr>
@@ -12679,10 +12701,10 @@
             <p:cNvPr id="25" name="Freeform 7">
               <a:extLst>
                 <a:ext uri="{FF2B5EF4-FFF2-40B4-BE49-F238E27FC236}">
-                  <a16:creationId xmlns="" xmlns:a16="http://schemas.microsoft.com/office/drawing/2014/main" id="{D6B38644-B85D-4211-9526-5B4C2A662BF7}"/>
+                  <a16:creationId xmlns:a16="http://schemas.microsoft.com/office/drawing/2014/main" id="{D6B38644-B85D-4211-9526-5B4C2A662BF7}"/>
                 </a:ext>
                 <a:ext uri="{C183D7F6-B498-43B3-948B-1728B52AA6E4}">
-                  <adec:decorative xmlns="" xmlns:adec="http://schemas.microsoft.com/office/drawing/2017/decorative" val="1"/>
+                  <adec:decorative xmlns:adec="http://schemas.microsoft.com/office/drawing/2017/decorative" val="1"/>
                 </a:ext>
               </a:extLst>
             </p:cNvPr>
@@ -12690,7 +12712,7 @@
             <p:nvPr>
               <p:extLst>
                 <p:ext uri="{386F3935-93C4-4BCD-93E2-E3B085C9AB24}">
-                  <p16:designElem xmlns="" xmlns:p16="http://schemas.microsoft.com/office/powerpoint/2015/main" val="1"/>
+                  <p16:designElem xmlns:p16="http://schemas.microsoft.com/office/powerpoint/2015/main" val="1"/>
                 </p:ext>
               </p:extLst>
             </p:nvPr>
@@ -12743,10 +12765,10 @@
             <p:cNvPr id="26" name="Freeform 12">
               <a:extLst>
                 <a:ext uri="{FF2B5EF4-FFF2-40B4-BE49-F238E27FC236}">
-                  <a16:creationId xmlns="" xmlns:a16="http://schemas.microsoft.com/office/drawing/2014/main" id="{8A8B2820-6B8F-4C19-BFC5-D28EE44E54CB}"/>
+                  <a16:creationId xmlns:a16="http://schemas.microsoft.com/office/drawing/2014/main" id="{8A8B2820-6B8F-4C19-BFC5-D28EE44E54CB}"/>
                 </a:ext>
                 <a:ext uri="{C183D7F6-B498-43B3-948B-1728B52AA6E4}">
-                  <adec:decorative xmlns="" xmlns:adec="http://schemas.microsoft.com/office/drawing/2017/decorative" val="1"/>
+                  <adec:decorative xmlns:adec="http://schemas.microsoft.com/office/drawing/2017/decorative" val="1"/>
                 </a:ext>
               </a:extLst>
             </p:cNvPr>
@@ -12754,7 +12776,7 @@
             <p:nvPr>
               <p:extLst>
                 <p:ext uri="{386F3935-93C4-4BCD-93E2-E3B085C9AB24}">
-                  <p16:designElem xmlns="" xmlns:p16="http://schemas.microsoft.com/office/powerpoint/2015/main" val="1"/>
+                  <p16:designElem xmlns:p16="http://schemas.microsoft.com/office/powerpoint/2015/main" val="1"/>
                 </p:ext>
               </p:extLst>
             </p:nvPr>
@@ -12801,10 +12823,10 @@
             <p:cNvPr id="27" name="Freeform 13">
               <a:extLst>
                 <a:ext uri="{FF2B5EF4-FFF2-40B4-BE49-F238E27FC236}">
-                  <a16:creationId xmlns="" xmlns:a16="http://schemas.microsoft.com/office/drawing/2014/main" id="{773528ED-4D37-4A77-A8CA-86B6221C5E82}"/>
+                  <a16:creationId xmlns:a16="http://schemas.microsoft.com/office/drawing/2014/main" id="{773528ED-4D37-4A77-A8CA-86B6221C5E82}"/>
                 </a:ext>
                 <a:ext uri="{C183D7F6-B498-43B3-948B-1728B52AA6E4}">
-                  <adec:decorative xmlns="" xmlns:adec="http://schemas.microsoft.com/office/drawing/2017/decorative" val="1"/>
+                  <adec:decorative xmlns:adec="http://schemas.microsoft.com/office/drawing/2017/decorative" val="1"/>
                 </a:ext>
               </a:extLst>
             </p:cNvPr>
@@ -12812,7 +12834,7 @@
             <p:nvPr>
               <p:extLst>
                 <p:ext uri="{386F3935-93C4-4BCD-93E2-E3B085C9AB24}">
-                  <p16:designElem xmlns="" xmlns:p16="http://schemas.microsoft.com/office/powerpoint/2015/main" val="1"/>
+                  <p16:designElem xmlns:p16="http://schemas.microsoft.com/office/powerpoint/2015/main" val="1"/>
                 </p:ext>
               </p:extLst>
             </p:nvPr>
@@ -12861,10 +12883,10 @@
             <p:cNvPr id="28" name="Freeform 14">
               <a:extLst>
                 <a:ext uri="{FF2B5EF4-FFF2-40B4-BE49-F238E27FC236}">
-                  <a16:creationId xmlns="" xmlns:a16="http://schemas.microsoft.com/office/drawing/2014/main" id="{8A58A902-E944-4399-9A93-A91A6A82B166}"/>
+                  <a16:creationId xmlns:a16="http://schemas.microsoft.com/office/drawing/2014/main" id="{8A58A902-E944-4399-9A93-A91A6A82B166}"/>
                 </a:ext>
                 <a:ext uri="{C183D7F6-B498-43B3-948B-1728B52AA6E4}">
-                  <adec:decorative xmlns="" xmlns:adec="http://schemas.microsoft.com/office/drawing/2017/decorative" val="1"/>
+                  <adec:decorative xmlns:adec="http://schemas.microsoft.com/office/drawing/2017/decorative" val="1"/>
                 </a:ext>
               </a:extLst>
             </p:cNvPr>
@@ -12872,7 +12894,7 @@
             <p:nvPr>
               <p:extLst>
                 <p:ext uri="{386F3935-93C4-4BCD-93E2-E3B085C9AB24}">
-                  <p16:designElem xmlns="" xmlns:p16="http://schemas.microsoft.com/office/powerpoint/2015/main" val="1"/>
+                  <p16:designElem xmlns:p16="http://schemas.microsoft.com/office/powerpoint/2015/main" val="1"/>
                 </p:ext>
               </p:extLst>
             </p:nvPr>
@@ -12927,10 +12949,10 @@
             <p:cNvPr id="29" name="Freeform 15">
               <a:extLst>
                 <a:ext uri="{FF2B5EF4-FFF2-40B4-BE49-F238E27FC236}">
-                  <a16:creationId xmlns="" xmlns:a16="http://schemas.microsoft.com/office/drawing/2014/main" id="{4EDB1155-2E8E-4FB8-AD42-101FE4383231}"/>
+                  <a16:creationId xmlns:a16="http://schemas.microsoft.com/office/drawing/2014/main" id="{4EDB1155-2E8E-4FB8-AD42-101FE4383231}"/>
                 </a:ext>
                 <a:ext uri="{C183D7F6-B498-43B3-948B-1728B52AA6E4}">
-                  <adec:decorative xmlns="" xmlns:adec="http://schemas.microsoft.com/office/drawing/2017/decorative" val="1"/>
+                  <adec:decorative xmlns:adec="http://schemas.microsoft.com/office/drawing/2017/decorative" val="1"/>
                 </a:ext>
               </a:extLst>
             </p:cNvPr>
@@ -12938,7 +12960,7 @@
             <p:nvPr>
               <p:extLst>
                 <p:ext uri="{386F3935-93C4-4BCD-93E2-E3B085C9AB24}">
-                  <p16:designElem xmlns="" xmlns:p16="http://schemas.microsoft.com/office/powerpoint/2015/main" val="1"/>
+                  <p16:designElem xmlns:p16="http://schemas.microsoft.com/office/powerpoint/2015/main" val="1"/>
                 </p:ext>
               </p:extLst>
             </p:nvPr>
@@ -12998,7 +13020,7 @@
           <p:cNvPr id="2" name="Title 1">
             <a:extLst>
               <a:ext uri="{FF2B5EF4-FFF2-40B4-BE49-F238E27FC236}">
-                <a16:creationId xmlns="" xmlns:a16="http://schemas.microsoft.com/office/drawing/2014/main" id="{C7492CCE-C435-464E-A19A-D4C606FDBE3D}"/>
+                <a16:creationId xmlns:a16="http://schemas.microsoft.com/office/drawing/2014/main" id="{C7492CCE-C435-464E-A19A-D4C606FDBE3D}"/>
               </a:ext>
             </a:extLst>
           </p:cNvPr>
@@ -13034,7 +13056,7 @@
           <p:cNvPr id="3" name="Content Placeholder 2">
             <a:extLst>
               <a:ext uri="{FF2B5EF4-FFF2-40B4-BE49-F238E27FC236}">
-                <a16:creationId xmlns="" xmlns:a16="http://schemas.microsoft.com/office/drawing/2014/main" id="{60DFF4FA-F598-4962-B6AB-31A8BE724E52}"/>
+                <a16:creationId xmlns:a16="http://schemas.microsoft.com/office/drawing/2014/main" id="{60DFF4FA-F598-4962-B6AB-31A8BE724E52}"/>
               </a:ext>
             </a:extLst>
           </p:cNvPr>
@@ -13134,10 +13156,10 @@
           <p:cNvPr id="21" name="Rectangle 20">
             <a:extLst>
               <a:ext uri="{FF2B5EF4-FFF2-40B4-BE49-F238E27FC236}">
-                <a16:creationId xmlns="" xmlns:a16="http://schemas.microsoft.com/office/drawing/2014/main" id="{99CAC3B1-4879-424D-8F15-206277196159}"/>
+                <a16:creationId xmlns:a16="http://schemas.microsoft.com/office/drawing/2014/main" id="{99CAC3B1-4879-424D-8F15-206277196159}"/>
               </a:ext>
               <a:ext uri="{C183D7F6-B498-43B3-948B-1728B52AA6E4}">
-                <adec:decorative xmlns="" xmlns:adec="http://schemas.microsoft.com/office/drawing/2017/decorative" val="1"/>
+                <adec:decorative xmlns:adec="http://schemas.microsoft.com/office/drawing/2017/decorative" val="1"/>
               </a:ext>
             </a:extLst>
           </p:cNvPr>
@@ -13147,7 +13169,7 @@
           <p:nvPr>
             <p:extLst>
               <p:ext uri="{386F3935-93C4-4BCD-93E2-E3B085C9AB24}">
-                <p16:designElem xmlns="" xmlns:p16="http://schemas.microsoft.com/office/powerpoint/2015/main" val="1"/>
+                <p16:designElem xmlns:p16="http://schemas.microsoft.com/office/powerpoint/2015/main" val="1"/>
               </p:ext>
             </p:extLst>
           </p:nvPr>
@@ -13194,10 +13216,10 @@
           <p:cNvPr id="23" name="Group 22">
             <a:extLst>
               <a:ext uri="{FF2B5EF4-FFF2-40B4-BE49-F238E27FC236}">
-                <a16:creationId xmlns="" xmlns:a16="http://schemas.microsoft.com/office/drawing/2014/main" id="{4B8492CB-DFBA-4A82-9778-F21493DA36C1}"/>
+                <a16:creationId xmlns:a16="http://schemas.microsoft.com/office/drawing/2014/main" id="{4B8492CB-DFBA-4A82-9778-F21493DA36C1}"/>
               </a:ext>
               <a:ext uri="{C183D7F6-B498-43B3-948B-1728B52AA6E4}">
-                <adec:decorative xmlns="" xmlns:adec="http://schemas.microsoft.com/office/drawing/2017/decorative" val="1"/>
+                <adec:decorative xmlns:adec="http://schemas.microsoft.com/office/drawing/2017/decorative" val="1"/>
               </a:ext>
             </a:extLst>
           </p:cNvPr>
@@ -13207,7 +13229,7 @@
           <p:nvPr>
             <p:extLst>
               <p:ext uri="{386F3935-93C4-4BCD-93E2-E3B085C9AB24}">
-                <p16:designElem xmlns="" xmlns:p16="http://schemas.microsoft.com/office/powerpoint/2015/main" val="1"/>
+                <p16:designElem xmlns:p16="http://schemas.microsoft.com/office/powerpoint/2015/main" val="1"/>
               </p:ext>
             </p:extLst>
           </p:nvPr>
@@ -13225,10 +13247,10 @@
             <p:cNvPr id="24" name="Freeform 6">
               <a:extLst>
                 <a:ext uri="{FF2B5EF4-FFF2-40B4-BE49-F238E27FC236}">
-                  <a16:creationId xmlns="" xmlns:a16="http://schemas.microsoft.com/office/drawing/2014/main" id="{E34CC1C8-EBDD-4AEA-83E6-B27575B62E2E}"/>
+                  <a16:creationId xmlns:a16="http://schemas.microsoft.com/office/drawing/2014/main" id="{E34CC1C8-EBDD-4AEA-83E6-B27575B62E2E}"/>
                 </a:ext>
                 <a:ext uri="{C183D7F6-B498-43B3-948B-1728B52AA6E4}">
-                  <adec:decorative xmlns="" xmlns:adec="http://schemas.microsoft.com/office/drawing/2017/decorative" val="1"/>
+                  <adec:decorative xmlns:adec="http://schemas.microsoft.com/office/drawing/2017/decorative" val="1"/>
                 </a:ext>
               </a:extLst>
             </p:cNvPr>
@@ -13236,7 +13258,7 @@
             <p:nvPr>
               <p:extLst>
                 <p:ext uri="{386F3935-93C4-4BCD-93E2-E3B085C9AB24}">
-                  <p16:designElem xmlns="" xmlns:p16="http://schemas.microsoft.com/office/powerpoint/2015/main" val="1"/>
+                  <p16:designElem xmlns:p16="http://schemas.microsoft.com/office/powerpoint/2015/main" val="1"/>
                 </p:ext>
               </p:extLst>
             </p:nvPr>
@@ -13286,10 +13308,10 @@
             <p:cNvPr id="25" name="Freeform 7">
               <a:extLst>
                 <a:ext uri="{FF2B5EF4-FFF2-40B4-BE49-F238E27FC236}">
-                  <a16:creationId xmlns="" xmlns:a16="http://schemas.microsoft.com/office/drawing/2014/main" id="{D6B38644-B85D-4211-9526-5B4C2A662BF7}"/>
+                  <a16:creationId xmlns:a16="http://schemas.microsoft.com/office/drawing/2014/main" id="{D6B38644-B85D-4211-9526-5B4C2A662BF7}"/>
                 </a:ext>
                 <a:ext uri="{C183D7F6-B498-43B3-948B-1728B52AA6E4}">
-                  <adec:decorative xmlns="" xmlns:adec="http://schemas.microsoft.com/office/drawing/2017/decorative" val="1"/>
+                  <adec:decorative xmlns:adec="http://schemas.microsoft.com/office/drawing/2017/decorative" val="1"/>
                 </a:ext>
               </a:extLst>
             </p:cNvPr>
@@ -13297,7 +13319,7 @@
             <p:nvPr>
               <p:extLst>
                 <p:ext uri="{386F3935-93C4-4BCD-93E2-E3B085C9AB24}">
-                  <p16:designElem xmlns="" xmlns:p16="http://schemas.microsoft.com/office/powerpoint/2015/main" val="1"/>
+                  <p16:designElem xmlns:p16="http://schemas.microsoft.com/office/powerpoint/2015/main" val="1"/>
                 </p:ext>
               </p:extLst>
             </p:nvPr>
@@ -13350,10 +13372,10 @@
             <p:cNvPr id="26" name="Freeform 12">
               <a:extLst>
                 <a:ext uri="{FF2B5EF4-FFF2-40B4-BE49-F238E27FC236}">
-                  <a16:creationId xmlns="" xmlns:a16="http://schemas.microsoft.com/office/drawing/2014/main" id="{8A8B2820-6B8F-4C19-BFC5-D28EE44E54CB}"/>
+                  <a16:creationId xmlns:a16="http://schemas.microsoft.com/office/drawing/2014/main" id="{8A8B2820-6B8F-4C19-BFC5-D28EE44E54CB}"/>
                 </a:ext>
                 <a:ext uri="{C183D7F6-B498-43B3-948B-1728B52AA6E4}">
-                  <adec:decorative xmlns="" xmlns:adec="http://schemas.microsoft.com/office/drawing/2017/decorative" val="1"/>
+                  <adec:decorative xmlns:adec="http://schemas.microsoft.com/office/drawing/2017/decorative" val="1"/>
                 </a:ext>
               </a:extLst>
             </p:cNvPr>
@@ -13361,7 +13383,7 @@
             <p:nvPr>
               <p:extLst>
                 <p:ext uri="{386F3935-93C4-4BCD-93E2-E3B085C9AB24}">
-                  <p16:designElem xmlns="" xmlns:p16="http://schemas.microsoft.com/office/powerpoint/2015/main" val="1"/>
+                  <p16:designElem xmlns:p16="http://schemas.microsoft.com/office/powerpoint/2015/main" val="1"/>
                 </p:ext>
               </p:extLst>
             </p:nvPr>
@@ -13408,10 +13430,10 @@
             <p:cNvPr id="27" name="Freeform 13">
               <a:extLst>
                 <a:ext uri="{FF2B5EF4-FFF2-40B4-BE49-F238E27FC236}">
-                  <a16:creationId xmlns="" xmlns:a16="http://schemas.microsoft.com/office/drawing/2014/main" id="{773528ED-4D37-4A77-A8CA-86B6221C5E82}"/>
+                  <a16:creationId xmlns:a16="http://schemas.microsoft.com/office/drawing/2014/main" id="{773528ED-4D37-4A77-A8CA-86B6221C5E82}"/>
                 </a:ext>
                 <a:ext uri="{C183D7F6-B498-43B3-948B-1728B52AA6E4}">
-                  <adec:decorative xmlns="" xmlns:adec="http://schemas.microsoft.com/office/drawing/2017/decorative" val="1"/>
+                  <adec:decorative xmlns:adec="http://schemas.microsoft.com/office/drawing/2017/decorative" val="1"/>
                 </a:ext>
               </a:extLst>
             </p:cNvPr>
@@ -13419,7 +13441,7 @@
             <p:nvPr>
               <p:extLst>
                 <p:ext uri="{386F3935-93C4-4BCD-93E2-E3B085C9AB24}">
-                  <p16:designElem xmlns="" xmlns:p16="http://schemas.microsoft.com/office/powerpoint/2015/main" val="1"/>
+                  <p16:designElem xmlns:p16="http://schemas.microsoft.com/office/powerpoint/2015/main" val="1"/>
                 </p:ext>
               </p:extLst>
             </p:nvPr>
@@ -13468,10 +13490,10 @@
             <p:cNvPr id="28" name="Freeform 14">
               <a:extLst>
                 <a:ext uri="{FF2B5EF4-FFF2-40B4-BE49-F238E27FC236}">
-                  <a16:creationId xmlns="" xmlns:a16="http://schemas.microsoft.com/office/drawing/2014/main" id="{8A58A902-E944-4399-9A93-A91A6A82B166}"/>
+                  <a16:creationId xmlns:a16="http://schemas.microsoft.com/office/drawing/2014/main" id="{8A58A902-E944-4399-9A93-A91A6A82B166}"/>
                 </a:ext>
                 <a:ext uri="{C183D7F6-B498-43B3-948B-1728B52AA6E4}">
-                  <adec:decorative xmlns="" xmlns:adec="http://schemas.microsoft.com/office/drawing/2017/decorative" val="1"/>
+                  <adec:decorative xmlns:adec="http://schemas.microsoft.com/office/drawing/2017/decorative" val="1"/>
                 </a:ext>
               </a:extLst>
             </p:cNvPr>
@@ -13479,7 +13501,7 @@
             <p:nvPr>
               <p:extLst>
                 <p:ext uri="{386F3935-93C4-4BCD-93E2-E3B085C9AB24}">
-                  <p16:designElem xmlns="" xmlns:p16="http://schemas.microsoft.com/office/powerpoint/2015/main" val="1"/>
+                  <p16:designElem xmlns:p16="http://schemas.microsoft.com/office/powerpoint/2015/main" val="1"/>
                 </p:ext>
               </p:extLst>
             </p:nvPr>
@@ -13534,10 +13556,10 @@
             <p:cNvPr id="29" name="Freeform 15">
               <a:extLst>
                 <a:ext uri="{FF2B5EF4-FFF2-40B4-BE49-F238E27FC236}">
-                  <a16:creationId xmlns="" xmlns:a16="http://schemas.microsoft.com/office/drawing/2014/main" id="{4EDB1155-2E8E-4FB8-AD42-101FE4383231}"/>
+                  <a16:creationId xmlns:a16="http://schemas.microsoft.com/office/drawing/2014/main" id="{4EDB1155-2E8E-4FB8-AD42-101FE4383231}"/>
                 </a:ext>
                 <a:ext uri="{C183D7F6-B498-43B3-948B-1728B52AA6E4}">
-                  <adec:decorative xmlns="" xmlns:adec="http://schemas.microsoft.com/office/drawing/2017/decorative" val="1"/>
+                  <adec:decorative xmlns:adec="http://schemas.microsoft.com/office/drawing/2017/decorative" val="1"/>
                 </a:ext>
               </a:extLst>
             </p:cNvPr>
@@ -13545,7 +13567,7 @@
             <p:nvPr>
               <p:extLst>
                 <p:ext uri="{386F3935-93C4-4BCD-93E2-E3B085C9AB24}">
-                  <p16:designElem xmlns="" xmlns:p16="http://schemas.microsoft.com/office/powerpoint/2015/main" val="1"/>
+                  <p16:designElem xmlns:p16="http://schemas.microsoft.com/office/powerpoint/2015/main" val="1"/>
                 </p:ext>
               </p:extLst>
             </p:nvPr>
@@ -13605,7 +13627,7 @@
           <p:cNvPr id="2" name="Title 1">
             <a:extLst>
               <a:ext uri="{FF2B5EF4-FFF2-40B4-BE49-F238E27FC236}">
-                <a16:creationId xmlns="" xmlns:a16="http://schemas.microsoft.com/office/drawing/2014/main" id="{C7492CCE-C435-464E-A19A-D4C606FDBE3D}"/>
+                <a16:creationId xmlns:a16="http://schemas.microsoft.com/office/drawing/2014/main" id="{C7492CCE-C435-464E-A19A-D4C606FDBE3D}"/>
               </a:ext>
             </a:extLst>
           </p:cNvPr>
@@ -13641,7 +13663,7 @@
           <p:cNvPr id="3" name="Content Placeholder 2">
             <a:extLst>
               <a:ext uri="{FF2B5EF4-FFF2-40B4-BE49-F238E27FC236}">
-                <a16:creationId xmlns="" xmlns:a16="http://schemas.microsoft.com/office/drawing/2014/main" id="{60DFF4FA-F598-4962-B6AB-31A8BE724E52}"/>
+                <a16:creationId xmlns:a16="http://schemas.microsoft.com/office/drawing/2014/main" id="{60DFF4FA-F598-4962-B6AB-31A8BE724E52}"/>
               </a:ext>
             </a:extLst>
           </p:cNvPr>
@@ -13745,10 +13767,10 @@
           <p:cNvPr id="21" name="Rectangle 20">
             <a:extLst>
               <a:ext uri="{FF2B5EF4-FFF2-40B4-BE49-F238E27FC236}">
-                <a16:creationId xmlns="" xmlns:a16="http://schemas.microsoft.com/office/drawing/2014/main" id="{99CAC3B1-4879-424D-8F15-206277196159}"/>
+                <a16:creationId xmlns:a16="http://schemas.microsoft.com/office/drawing/2014/main" id="{99CAC3B1-4879-424D-8F15-206277196159}"/>
               </a:ext>
               <a:ext uri="{C183D7F6-B498-43B3-948B-1728B52AA6E4}">
-                <adec:decorative xmlns="" xmlns:adec="http://schemas.microsoft.com/office/drawing/2017/decorative" val="1"/>
+                <adec:decorative xmlns:adec="http://schemas.microsoft.com/office/drawing/2017/decorative" val="1"/>
               </a:ext>
             </a:extLst>
           </p:cNvPr>
@@ -13758,7 +13780,7 @@
           <p:nvPr>
             <p:extLst>
               <p:ext uri="{386F3935-93C4-4BCD-93E2-E3B085C9AB24}">
-                <p16:designElem xmlns="" xmlns:p16="http://schemas.microsoft.com/office/powerpoint/2015/main" val="1"/>
+                <p16:designElem xmlns:p16="http://schemas.microsoft.com/office/powerpoint/2015/main" val="1"/>
               </p:ext>
             </p:extLst>
           </p:nvPr>
@@ -13805,10 +13827,10 @@
           <p:cNvPr id="23" name="Group 22">
             <a:extLst>
               <a:ext uri="{FF2B5EF4-FFF2-40B4-BE49-F238E27FC236}">
-                <a16:creationId xmlns="" xmlns:a16="http://schemas.microsoft.com/office/drawing/2014/main" id="{4B8492CB-DFBA-4A82-9778-F21493DA36C1}"/>
+                <a16:creationId xmlns:a16="http://schemas.microsoft.com/office/drawing/2014/main" id="{4B8492CB-DFBA-4A82-9778-F21493DA36C1}"/>
               </a:ext>
               <a:ext uri="{C183D7F6-B498-43B3-948B-1728B52AA6E4}">
-                <adec:decorative xmlns="" xmlns:adec="http://schemas.microsoft.com/office/drawing/2017/decorative" val="1"/>
+                <adec:decorative xmlns:adec="http://schemas.microsoft.com/office/drawing/2017/decorative" val="1"/>
               </a:ext>
             </a:extLst>
           </p:cNvPr>
@@ -13818,7 +13840,7 @@
           <p:nvPr>
             <p:extLst>
               <p:ext uri="{386F3935-93C4-4BCD-93E2-E3B085C9AB24}">
-                <p16:designElem xmlns="" xmlns:p16="http://schemas.microsoft.com/office/powerpoint/2015/main" val="1"/>
+                <p16:designElem xmlns:p16="http://schemas.microsoft.com/office/powerpoint/2015/main" val="1"/>
               </p:ext>
             </p:extLst>
           </p:nvPr>
@@ -13836,10 +13858,10 @@
             <p:cNvPr id="24" name="Freeform 6">
               <a:extLst>
                 <a:ext uri="{FF2B5EF4-FFF2-40B4-BE49-F238E27FC236}">
-                  <a16:creationId xmlns="" xmlns:a16="http://schemas.microsoft.com/office/drawing/2014/main" id="{E34CC1C8-EBDD-4AEA-83E6-B27575B62E2E}"/>
+                  <a16:creationId xmlns:a16="http://schemas.microsoft.com/office/drawing/2014/main" id="{E34CC1C8-EBDD-4AEA-83E6-B27575B62E2E}"/>
                 </a:ext>
                 <a:ext uri="{C183D7F6-B498-43B3-948B-1728B52AA6E4}">
-                  <adec:decorative xmlns="" xmlns:adec="http://schemas.microsoft.com/office/drawing/2017/decorative" val="1"/>
+                  <adec:decorative xmlns:adec="http://schemas.microsoft.com/office/drawing/2017/decorative" val="1"/>
                 </a:ext>
               </a:extLst>
             </p:cNvPr>
@@ -13847,7 +13869,7 @@
             <p:nvPr>
               <p:extLst>
                 <p:ext uri="{386F3935-93C4-4BCD-93E2-E3B085C9AB24}">
-                  <p16:designElem xmlns="" xmlns:p16="http://schemas.microsoft.com/office/powerpoint/2015/main" val="1"/>
+                  <p16:designElem xmlns:p16="http://schemas.microsoft.com/office/powerpoint/2015/main" val="1"/>
                 </p:ext>
               </p:extLst>
             </p:nvPr>
@@ -13897,10 +13919,10 @@
             <p:cNvPr id="25" name="Freeform 7">
               <a:extLst>
                 <a:ext uri="{FF2B5EF4-FFF2-40B4-BE49-F238E27FC236}">
-                  <a16:creationId xmlns="" xmlns:a16="http://schemas.microsoft.com/office/drawing/2014/main" id="{D6B38644-B85D-4211-9526-5B4C2A662BF7}"/>
+                  <a16:creationId xmlns:a16="http://schemas.microsoft.com/office/drawing/2014/main" id="{D6B38644-B85D-4211-9526-5B4C2A662BF7}"/>
                 </a:ext>
                 <a:ext uri="{C183D7F6-B498-43B3-948B-1728B52AA6E4}">
-                  <adec:decorative xmlns="" xmlns:adec="http://schemas.microsoft.com/office/drawing/2017/decorative" val="1"/>
+                  <adec:decorative xmlns:adec="http://schemas.microsoft.com/office/drawing/2017/decorative" val="1"/>
                 </a:ext>
               </a:extLst>
             </p:cNvPr>
@@ -13908,7 +13930,7 @@
             <p:nvPr>
               <p:extLst>
                 <p:ext uri="{386F3935-93C4-4BCD-93E2-E3B085C9AB24}">
-                  <p16:designElem xmlns="" xmlns:p16="http://schemas.microsoft.com/office/powerpoint/2015/main" val="1"/>
+                  <p16:designElem xmlns:p16="http://schemas.microsoft.com/office/powerpoint/2015/main" val="1"/>
                 </p:ext>
               </p:extLst>
             </p:nvPr>
@@ -13961,10 +13983,10 @@
             <p:cNvPr id="26" name="Freeform 12">
               <a:extLst>
                 <a:ext uri="{FF2B5EF4-FFF2-40B4-BE49-F238E27FC236}">
-                  <a16:creationId xmlns="" xmlns:a16="http://schemas.microsoft.com/office/drawing/2014/main" id="{8A8B2820-6B8F-4C19-BFC5-D28EE44E54CB}"/>
+                  <a16:creationId xmlns:a16="http://schemas.microsoft.com/office/drawing/2014/main" id="{8A8B2820-6B8F-4C19-BFC5-D28EE44E54CB}"/>
                 </a:ext>
                 <a:ext uri="{C183D7F6-B498-43B3-948B-1728B52AA6E4}">
-                  <adec:decorative xmlns="" xmlns:adec="http://schemas.microsoft.com/office/drawing/2017/decorative" val="1"/>
+                  <adec:decorative xmlns:adec="http://schemas.microsoft.com/office/drawing/2017/decorative" val="1"/>
                 </a:ext>
               </a:extLst>
             </p:cNvPr>
@@ -13972,7 +13994,7 @@
             <p:nvPr>
               <p:extLst>
                 <p:ext uri="{386F3935-93C4-4BCD-93E2-E3B085C9AB24}">
-                  <p16:designElem xmlns="" xmlns:p16="http://schemas.microsoft.com/office/powerpoint/2015/main" val="1"/>
+                  <p16:designElem xmlns:p16="http://schemas.microsoft.com/office/powerpoint/2015/main" val="1"/>
                 </p:ext>
               </p:extLst>
             </p:nvPr>
@@ -14019,10 +14041,10 @@
             <p:cNvPr id="27" name="Freeform 13">
               <a:extLst>
                 <a:ext uri="{FF2B5EF4-FFF2-40B4-BE49-F238E27FC236}">
-                  <a16:creationId xmlns="" xmlns:a16="http://schemas.microsoft.com/office/drawing/2014/main" id="{773528ED-4D37-4A77-A8CA-86B6221C5E82}"/>
+                  <a16:creationId xmlns:a16="http://schemas.microsoft.com/office/drawing/2014/main" id="{773528ED-4D37-4A77-A8CA-86B6221C5E82}"/>
                 </a:ext>
                 <a:ext uri="{C183D7F6-B498-43B3-948B-1728B52AA6E4}">
-                  <adec:decorative xmlns="" xmlns:adec="http://schemas.microsoft.com/office/drawing/2017/decorative" val="1"/>
+                  <adec:decorative xmlns:adec="http://schemas.microsoft.com/office/drawing/2017/decorative" val="1"/>
                 </a:ext>
               </a:extLst>
             </p:cNvPr>
@@ -14030,7 +14052,7 @@
             <p:nvPr>
               <p:extLst>
                 <p:ext uri="{386F3935-93C4-4BCD-93E2-E3B085C9AB24}">
-                  <p16:designElem xmlns="" xmlns:p16="http://schemas.microsoft.com/office/powerpoint/2015/main" val="1"/>
+                  <p16:designElem xmlns:p16="http://schemas.microsoft.com/office/powerpoint/2015/main" val="1"/>
                 </p:ext>
               </p:extLst>
             </p:nvPr>
@@ -14079,10 +14101,10 @@
             <p:cNvPr id="28" name="Freeform 14">
               <a:extLst>
                 <a:ext uri="{FF2B5EF4-FFF2-40B4-BE49-F238E27FC236}">
-                  <a16:creationId xmlns="" xmlns:a16="http://schemas.microsoft.com/office/drawing/2014/main" id="{8A58A902-E944-4399-9A93-A91A6A82B166}"/>
+                  <a16:creationId xmlns:a16="http://schemas.microsoft.com/office/drawing/2014/main" id="{8A58A902-E944-4399-9A93-A91A6A82B166}"/>
                 </a:ext>
                 <a:ext uri="{C183D7F6-B498-43B3-948B-1728B52AA6E4}">
-                  <adec:decorative xmlns="" xmlns:adec="http://schemas.microsoft.com/office/drawing/2017/decorative" val="1"/>
+                  <adec:decorative xmlns:adec="http://schemas.microsoft.com/office/drawing/2017/decorative" val="1"/>
                 </a:ext>
               </a:extLst>
             </p:cNvPr>
@@ -14090,7 +14112,7 @@
             <p:nvPr>
               <p:extLst>
                 <p:ext uri="{386F3935-93C4-4BCD-93E2-E3B085C9AB24}">
-                  <p16:designElem xmlns="" xmlns:p16="http://schemas.microsoft.com/office/powerpoint/2015/main" val="1"/>
+                  <p16:designElem xmlns:p16="http://schemas.microsoft.com/office/powerpoint/2015/main" val="1"/>
                 </p:ext>
               </p:extLst>
             </p:nvPr>
@@ -14145,10 +14167,10 @@
             <p:cNvPr id="29" name="Freeform 15">
               <a:extLst>
                 <a:ext uri="{FF2B5EF4-FFF2-40B4-BE49-F238E27FC236}">
-                  <a16:creationId xmlns="" xmlns:a16="http://schemas.microsoft.com/office/drawing/2014/main" id="{4EDB1155-2E8E-4FB8-AD42-101FE4383231}"/>
+                  <a16:creationId xmlns:a16="http://schemas.microsoft.com/office/drawing/2014/main" id="{4EDB1155-2E8E-4FB8-AD42-101FE4383231}"/>
                 </a:ext>
                 <a:ext uri="{C183D7F6-B498-43B3-948B-1728B52AA6E4}">
-                  <adec:decorative xmlns="" xmlns:adec="http://schemas.microsoft.com/office/drawing/2017/decorative" val="1"/>
+                  <adec:decorative xmlns:adec="http://schemas.microsoft.com/office/drawing/2017/decorative" val="1"/>
                 </a:ext>
               </a:extLst>
             </p:cNvPr>
@@ -14156,7 +14178,7 @@
             <p:nvPr>
               <p:extLst>
                 <p:ext uri="{386F3935-93C4-4BCD-93E2-E3B085C9AB24}">
-                  <p16:designElem xmlns="" xmlns:p16="http://schemas.microsoft.com/office/powerpoint/2015/main" val="1"/>
+                  <p16:designElem xmlns:p16="http://schemas.microsoft.com/office/powerpoint/2015/main" val="1"/>
                 </p:ext>
               </p:extLst>
             </p:nvPr>
@@ -14216,7 +14238,7 @@
           <p:cNvPr id="2" name="Title 1">
             <a:extLst>
               <a:ext uri="{FF2B5EF4-FFF2-40B4-BE49-F238E27FC236}">
-                <a16:creationId xmlns="" xmlns:a16="http://schemas.microsoft.com/office/drawing/2014/main" id="{C7492CCE-C435-464E-A19A-D4C606FDBE3D}"/>
+                <a16:creationId xmlns:a16="http://schemas.microsoft.com/office/drawing/2014/main" id="{C7492CCE-C435-464E-A19A-D4C606FDBE3D}"/>
               </a:ext>
             </a:extLst>
           </p:cNvPr>
@@ -14252,7 +14274,7 @@
           <p:cNvPr id="3" name="Content Placeholder 2">
             <a:extLst>
               <a:ext uri="{FF2B5EF4-FFF2-40B4-BE49-F238E27FC236}">
-                <a16:creationId xmlns="" xmlns:a16="http://schemas.microsoft.com/office/drawing/2014/main" id="{60DFF4FA-F598-4962-B6AB-31A8BE724E52}"/>
+                <a16:creationId xmlns:a16="http://schemas.microsoft.com/office/drawing/2014/main" id="{60DFF4FA-F598-4962-B6AB-31A8BE724E52}"/>
               </a:ext>
             </a:extLst>
           </p:cNvPr>
@@ -14283,23 +14305,7 @@
           <a:p>
             <a:r>
               <a:rPr lang="en-US" sz="1800" dirty="0"/>
-              <a:t>Large </a:t>
-            </a:r>
-            <a:r>
-              <a:rPr lang="en-US" sz="1800" dirty="0" smtClean="0"/>
-              <a:t>scale </a:t>
-            </a:r>
-            <a:r>
-              <a:rPr lang="en-US" sz="1800" dirty="0"/>
-              <a:t>o</a:t>
-            </a:r>
-            <a:r>
-              <a:rPr lang="en-US" sz="1800" dirty="0" smtClean="0"/>
-              <a:t>cean </a:t>
-            </a:r>
-            <a:r>
-              <a:rPr lang="en-US" sz="1800" dirty="0"/>
-              <a:t>surface simulation</a:t>
+              <a:t>Large scale ocean surface simulation</a:t>
             </a:r>
           </a:p>
           <a:p>
@@ -14321,7 +14327,7 @@
           <p:cNvPr id="5" name="TextBox 4">
             <a:extLst>
               <a:ext uri="{FF2B5EF4-FFF2-40B4-BE49-F238E27FC236}">
-                <a16:creationId xmlns="" xmlns:a16="http://schemas.microsoft.com/office/drawing/2014/main" id="{466A409B-90E2-4ACB-8A16-0329B5CEE6DF}"/>
+                <a16:creationId xmlns:a16="http://schemas.microsoft.com/office/drawing/2014/main" id="{466A409B-90E2-4ACB-8A16-0329B5CEE6DF}"/>
               </a:ext>
             </a:extLst>
           </p:cNvPr>
@@ -14368,7 +14374,7 @@
           <p:cNvPr id="7" name="Straight Arrow Connector 6">
             <a:extLst>
               <a:ext uri="{FF2B5EF4-FFF2-40B4-BE49-F238E27FC236}">
-                <a16:creationId xmlns="" xmlns:a16="http://schemas.microsoft.com/office/drawing/2014/main" id="{6C986E87-252D-4CDD-90A3-050A5080DF44}"/>
+                <a16:creationId xmlns:a16="http://schemas.microsoft.com/office/drawing/2014/main" id="{6C986E87-252D-4CDD-90A3-050A5080DF44}"/>
               </a:ext>
             </a:extLst>
           </p:cNvPr>
@@ -14409,7 +14415,7 @@
           <p:cNvPr id="17" name="Straight Arrow Connector 16">
             <a:extLst>
               <a:ext uri="{FF2B5EF4-FFF2-40B4-BE49-F238E27FC236}">
-                <a16:creationId xmlns="" xmlns:a16="http://schemas.microsoft.com/office/drawing/2014/main" id="{8B32EEAB-6F30-4731-8D76-02708A63C23C}"/>
+                <a16:creationId xmlns:a16="http://schemas.microsoft.com/office/drawing/2014/main" id="{8B32EEAB-6F30-4731-8D76-02708A63C23C}"/>
               </a:ext>
             </a:extLst>
           </p:cNvPr>
@@ -14450,7 +14456,7 @@
           <p:cNvPr id="18" name="Straight Arrow Connector 17">
             <a:extLst>
               <a:ext uri="{FF2B5EF4-FFF2-40B4-BE49-F238E27FC236}">
-                <a16:creationId xmlns="" xmlns:a16="http://schemas.microsoft.com/office/drawing/2014/main" id="{E930BBA9-7BA1-48A0-A9E1-F9545CD11BAA}"/>
+                <a16:creationId xmlns:a16="http://schemas.microsoft.com/office/drawing/2014/main" id="{E930BBA9-7BA1-48A0-A9E1-F9545CD11BAA}"/>
               </a:ext>
             </a:extLst>
           </p:cNvPr>
@@ -14491,7 +14497,7 @@
           <p:cNvPr id="19" name="Straight Arrow Connector 18">
             <a:extLst>
               <a:ext uri="{FF2B5EF4-FFF2-40B4-BE49-F238E27FC236}">
-                <a16:creationId xmlns="" xmlns:a16="http://schemas.microsoft.com/office/drawing/2014/main" id="{72D8D5ED-08A2-4E59-AA33-3E70202E855D}"/>
+                <a16:creationId xmlns:a16="http://schemas.microsoft.com/office/drawing/2014/main" id="{72D8D5ED-08A2-4E59-AA33-3E70202E855D}"/>
               </a:ext>
             </a:extLst>
           </p:cNvPr>
@@ -14537,6 +14543,499 @@
   <p:clrMapOvr>
     <a:overrideClrMapping bg1="dk1" tx1="lt1" bg2="dk2" tx2="lt2" accent1="accent1" accent2="accent2" accent3="accent3" accent4="accent4" accent5="accent5" accent6="accent6" hlink="hlink" folHlink="folHlink"/>
   </p:clrMapOvr>
+  <p:timing>
+    <p:tnLst>
+      <p:par>
+        <p:cTn id="1" dur="indefinite" restart="never" nodeType="tmRoot">
+          <p:childTnLst>
+            <p:seq concurrent="1" nextAc="seek">
+              <p:cTn id="2" dur="indefinite" nodeType="mainSeq">
+                <p:childTnLst>
+                  <p:par>
+                    <p:cTn id="3" fill="hold">
+                      <p:stCondLst>
+                        <p:cond delay="indefinite"/>
+                      </p:stCondLst>
+                      <p:childTnLst>
+                        <p:par>
+                          <p:cTn id="4" fill="hold">
+                            <p:stCondLst>
+                              <p:cond delay="0"/>
+                            </p:stCondLst>
+                            <p:childTnLst>
+                              <p:par>
+                                <p:cTn id="5" presetID="42" presetClass="entr" presetSubtype="0" fill="hold" grpId="0" nodeType="clickEffect">
+                                  <p:stCondLst>
+                                    <p:cond delay="0"/>
+                                  </p:stCondLst>
+                                  <p:childTnLst>
+                                    <p:set>
+                                      <p:cBhvr>
+                                        <p:cTn id="6" dur="1" fill="hold">
+                                          <p:stCondLst>
+                                            <p:cond delay="0"/>
+                                          </p:stCondLst>
+                                        </p:cTn>
+                                        <p:tgtEl>
+                                          <p:spTgt spid="3">
+                                            <p:txEl>
+                                              <p:pRg st="0" end="0"/>
+                                            </p:txEl>
+                                          </p:spTgt>
+                                        </p:tgtEl>
+                                        <p:attrNameLst>
+                                          <p:attrName>style.visibility</p:attrName>
+                                        </p:attrNameLst>
+                                      </p:cBhvr>
+                                      <p:to>
+                                        <p:strVal val="visible"/>
+                                      </p:to>
+                                    </p:set>
+                                    <p:animEffect transition="in" filter="fade">
+                                      <p:cBhvr>
+                                        <p:cTn id="7" dur="1000"/>
+                                        <p:tgtEl>
+                                          <p:spTgt spid="3">
+                                            <p:txEl>
+                                              <p:pRg st="0" end="0"/>
+                                            </p:txEl>
+                                          </p:spTgt>
+                                        </p:tgtEl>
+                                      </p:cBhvr>
+                                    </p:animEffect>
+                                    <p:anim calcmode="lin" valueType="num">
+                                      <p:cBhvr>
+                                        <p:cTn id="8" dur="1000" fill="hold"/>
+                                        <p:tgtEl>
+                                          <p:spTgt spid="3">
+                                            <p:txEl>
+                                              <p:pRg st="0" end="0"/>
+                                            </p:txEl>
+                                          </p:spTgt>
+                                        </p:tgtEl>
+                                        <p:attrNameLst>
+                                          <p:attrName>ppt_x</p:attrName>
+                                        </p:attrNameLst>
+                                      </p:cBhvr>
+                                      <p:tavLst>
+                                        <p:tav tm="0">
+                                          <p:val>
+                                            <p:strVal val="#ppt_x"/>
+                                          </p:val>
+                                        </p:tav>
+                                        <p:tav tm="100000">
+                                          <p:val>
+                                            <p:strVal val="#ppt_x"/>
+                                          </p:val>
+                                        </p:tav>
+                                      </p:tavLst>
+                                    </p:anim>
+                                    <p:anim calcmode="lin" valueType="num">
+                                      <p:cBhvr>
+                                        <p:cTn id="9" dur="1000" fill="hold"/>
+                                        <p:tgtEl>
+                                          <p:spTgt spid="3">
+                                            <p:txEl>
+                                              <p:pRg st="0" end="0"/>
+                                            </p:txEl>
+                                          </p:spTgt>
+                                        </p:tgtEl>
+                                        <p:attrNameLst>
+                                          <p:attrName>ppt_y</p:attrName>
+                                        </p:attrNameLst>
+                                      </p:cBhvr>
+                                      <p:tavLst>
+                                        <p:tav tm="0">
+                                          <p:val>
+                                            <p:strVal val="#ppt_y+.1"/>
+                                          </p:val>
+                                        </p:tav>
+                                        <p:tav tm="100000">
+                                          <p:val>
+                                            <p:strVal val="#ppt_y"/>
+                                          </p:val>
+                                        </p:tav>
+                                      </p:tavLst>
+                                    </p:anim>
+                                  </p:childTnLst>
+                                </p:cTn>
+                              </p:par>
+                            </p:childTnLst>
+                          </p:cTn>
+                        </p:par>
+                      </p:childTnLst>
+                    </p:cTn>
+                  </p:par>
+                  <p:par>
+                    <p:cTn id="10" fill="hold">
+                      <p:stCondLst>
+                        <p:cond delay="indefinite"/>
+                      </p:stCondLst>
+                      <p:childTnLst>
+                        <p:par>
+                          <p:cTn id="11" fill="hold">
+                            <p:stCondLst>
+                              <p:cond delay="0"/>
+                            </p:stCondLst>
+                            <p:childTnLst>
+                              <p:par>
+                                <p:cTn id="12" presetID="42" presetClass="entr" presetSubtype="0" fill="hold" grpId="0" nodeType="clickEffect">
+                                  <p:stCondLst>
+                                    <p:cond delay="0"/>
+                                  </p:stCondLst>
+                                  <p:childTnLst>
+                                    <p:set>
+                                      <p:cBhvr>
+                                        <p:cTn id="13" dur="1" fill="hold">
+                                          <p:stCondLst>
+                                            <p:cond delay="0"/>
+                                          </p:stCondLst>
+                                        </p:cTn>
+                                        <p:tgtEl>
+                                          <p:spTgt spid="3">
+                                            <p:txEl>
+                                              <p:pRg st="1" end="1"/>
+                                            </p:txEl>
+                                          </p:spTgt>
+                                        </p:tgtEl>
+                                        <p:attrNameLst>
+                                          <p:attrName>style.visibility</p:attrName>
+                                        </p:attrNameLst>
+                                      </p:cBhvr>
+                                      <p:to>
+                                        <p:strVal val="visible"/>
+                                      </p:to>
+                                    </p:set>
+                                    <p:animEffect transition="in" filter="fade">
+                                      <p:cBhvr>
+                                        <p:cTn id="14" dur="1000"/>
+                                        <p:tgtEl>
+                                          <p:spTgt spid="3">
+                                            <p:txEl>
+                                              <p:pRg st="1" end="1"/>
+                                            </p:txEl>
+                                          </p:spTgt>
+                                        </p:tgtEl>
+                                      </p:cBhvr>
+                                    </p:animEffect>
+                                    <p:anim calcmode="lin" valueType="num">
+                                      <p:cBhvr>
+                                        <p:cTn id="15" dur="1000" fill="hold"/>
+                                        <p:tgtEl>
+                                          <p:spTgt spid="3">
+                                            <p:txEl>
+                                              <p:pRg st="1" end="1"/>
+                                            </p:txEl>
+                                          </p:spTgt>
+                                        </p:tgtEl>
+                                        <p:attrNameLst>
+                                          <p:attrName>ppt_x</p:attrName>
+                                        </p:attrNameLst>
+                                      </p:cBhvr>
+                                      <p:tavLst>
+                                        <p:tav tm="0">
+                                          <p:val>
+                                            <p:strVal val="#ppt_x"/>
+                                          </p:val>
+                                        </p:tav>
+                                        <p:tav tm="100000">
+                                          <p:val>
+                                            <p:strVal val="#ppt_x"/>
+                                          </p:val>
+                                        </p:tav>
+                                      </p:tavLst>
+                                    </p:anim>
+                                    <p:anim calcmode="lin" valueType="num">
+                                      <p:cBhvr>
+                                        <p:cTn id="16" dur="1000" fill="hold"/>
+                                        <p:tgtEl>
+                                          <p:spTgt spid="3">
+                                            <p:txEl>
+                                              <p:pRg st="1" end="1"/>
+                                            </p:txEl>
+                                          </p:spTgt>
+                                        </p:tgtEl>
+                                        <p:attrNameLst>
+                                          <p:attrName>ppt_y</p:attrName>
+                                        </p:attrNameLst>
+                                      </p:cBhvr>
+                                      <p:tavLst>
+                                        <p:tav tm="0">
+                                          <p:val>
+                                            <p:strVal val="#ppt_y+.1"/>
+                                          </p:val>
+                                        </p:tav>
+                                        <p:tav tm="100000">
+                                          <p:val>
+                                            <p:strVal val="#ppt_y"/>
+                                          </p:val>
+                                        </p:tav>
+                                      </p:tavLst>
+                                    </p:anim>
+                                  </p:childTnLst>
+                                </p:cTn>
+                              </p:par>
+                            </p:childTnLst>
+                          </p:cTn>
+                        </p:par>
+                      </p:childTnLst>
+                    </p:cTn>
+                  </p:par>
+                  <p:par>
+                    <p:cTn id="17" fill="hold">
+                      <p:stCondLst>
+                        <p:cond delay="indefinite"/>
+                      </p:stCondLst>
+                      <p:childTnLst>
+                        <p:par>
+                          <p:cTn id="18" fill="hold">
+                            <p:stCondLst>
+                              <p:cond delay="0"/>
+                            </p:stCondLst>
+                            <p:childTnLst>
+                              <p:par>
+                                <p:cTn id="19" presetID="42" presetClass="entr" presetSubtype="0" fill="hold" grpId="0" nodeType="clickEffect">
+                                  <p:stCondLst>
+                                    <p:cond delay="0"/>
+                                  </p:stCondLst>
+                                  <p:childTnLst>
+                                    <p:set>
+                                      <p:cBhvr>
+                                        <p:cTn id="20" dur="1" fill="hold">
+                                          <p:stCondLst>
+                                            <p:cond delay="0"/>
+                                          </p:stCondLst>
+                                        </p:cTn>
+                                        <p:tgtEl>
+                                          <p:spTgt spid="3">
+                                            <p:txEl>
+                                              <p:pRg st="2" end="2"/>
+                                            </p:txEl>
+                                          </p:spTgt>
+                                        </p:tgtEl>
+                                        <p:attrNameLst>
+                                          <p:attrName>style.visibility</p:attrName>
+                                        </p:attrNameLst>
+                                      </p:cBhvr>
+                                      <p:to>
+                                        <p:strVal val="visible"/>
+                                      </p:to>
+                                    </p:set>
+                                    <p:animEffect transition="in" filter="fade">
+                                      <p:cBhvr>
+                                        <p:cTn id="21" dur="1000"/>
+                                        <p:tgtEl>
+                                          <p:spTgt spid="3">
+                                            <p:txEl>
+                                              <p:pRg st="2" end="2"/>
+                                            </p:txEl>
+                                          </p:spTgt>
+                                        </p:tgtEl>
+                                      </p:cBhvr>
+                                    </p:animEffect>
+                                    <p:anim calcmode="lin" valueType="num">
+                                      <p:cBhvr>
+                                        <p:cTn id="22" dur="1000" fill="hold"/>
+                                        <p:tgtEl>
+                                          <p:spTgt spid="3">
+                                            <p:txEl>
+                                              <p:pRg st="2" end="2"/>
+                                            </p:txEl>
+                                          </p:spTgt>
+                                        </p:tgtEl>
+                                        <p:attrNameLst>
+                                          <p:attrName>ppt_x</p:attrName>
+                                        </p:attrNameLst>
+                                      </p:cBhvr>
+                                      <p:tavLst>
+                                        <p:tav tm="0">
+                                          <p:val>
+                                            <p:strVal val="#ppt_x"/>
+                                          </p:val>
+                                        </p:tav>
+                                        <p:tav tm="100000">
+                                          <p:val>
+                                            <p:strVal val="#ppt_x"/>
+                                          </p:val>
+                                        </p:tav>
+                                      </p:tavLst>
+                                    </p:anim>
+                                    <p:anim calcmode="lin" valueType="num">
+                                      <p:cBhvr>
+                                        <p:cTn id="23" dur="1000" fill="hold"/>
+                                        <p:tgtEl>
+                                          <p:spTgt spid="3">
+                                            <p:txEl>
+                                              <p:pRg st="2" end="2"/>
+                                            </p:txEl>
+                                          </p:spTgt>
+                                        </p:tgtEl>
+                                        <p:attrNameLst>
+                                          <p:attrName>ppt_y</p:attrName>
+                                        </p:attrNameLst>
+                                      </p:cBhvr>
+                                      <p:tavLst>
+                                        <p:tav tm="0">
+                                          <p:val>
+                                            <p:strVal val="#ppt_y+.1"/>
+                                          </p:val>
+                                        </p:tav>
+                                        <p:tav tm="100000">
+                                          <p:val>
+                                            <p:strVal val="#ppt_y"/>
+                                          </p:val>
+                                        </p:tav>
+                                      </p:tavLst>
+                                    </p:anim>
+                                  </p:childTnLst>
+                                </p:cTn>
+                              </p:par>
+                            </p:childTnLst>
+                          </p:cTn>
+                        </p:par>
+                      </p:childTnLst>
+                    </p:cTn>
+                  </p:par>
+                  <p:par>
+                    <p:cTn id="24" fill="hold">
+                      <p:stCondLst>
+                        <p:cond delay="indefinite"/>
+                      </p:stCondLst>
+                      <p:childTnLst>
+                        <p:par>
+                          <p:cTn id="25" fill="hold">
+                            <p:stCondLst>
+                              <p:cond delay="0"/>
+                            </p:stCondLst>
+                            <p:childTnLst>
+                              <p:par>
+                                <p:cTn id="26" presetID="42" presetClass="entr" presetSubtype="0" fill="hold" grpId="0" nodeType="clickEffect">
+                                  <p:stCondLst>
+                                    <p:cond delay="0"/>
+                                  </p:stCondLst>
+                                  <p:childTnLst>
+                                    <p:set>
+                                      <p:cBhvr>
+                                        <p:cTn id="27" dur="1" fill="hold">
+                                          <p:stCondLst>
+                                            <p:cond delay="0"/>
+                                          </p:stCondLst>
+                                        </p:cTn>
+                                        <p:tgtEl>
+                                          <p:spTgt spid="3">
+                                            <p:txEl>
+                                              <p:pRg st="3" end="3"/>
+                                            </p:txEl>
+                                          </p:spTgt>
+                                        </p:tgtEl>
+                                        <p:attrNameLst>
+                                          <p:attrName>style.visibility</p:attrName>
+                                        </p:attrNameLst>
+                                      </p:cBhvr>
+                                      <p:to>
+                                        <p:strVal val="visible"/>
+                                      </p:to>
+                                    </p:set>
+                                    <p:animEffect transition="in" filter="fade">
+                                      <p:cBhvr>
+                                        <p:cTn id="28" dur="1000"/>
+                                        <p:tgtEl>
+                                          <p:spTgt spid="3">
+                                            <p:txEl>
+                                              <p:pRg st="3" end="3"/>
+                                            </p:txEl>
+                                          </p:spTgt>
+                                        </p:tgtEl>
+                                      </p:cBhvr>
+                                    </p:animEffect>
+                                    <p:anim calcmode="lin" valueType="num">
+                                      <p:cBhvr>
+                                        <p:cTn id="29" dur="1000" fill="hold"/>
+                                        <p:tgtEl>
+                                          <p:spTgt spid="3">
+                                            <p:txEl>
+                                              <p:pRg st="3" end="3"/>
+                                            </p:txEl>
+                                          </p:spTgt>
+                                        </p:tgtEl>
+                                        <p:attrNameLst>
+                                          <p:attrName>ppt_x</p:attrName>
+                                        </p:attrNameLst>
+                                      </p:cBhvr>
+                                      <p:tavLst>
+                                        <p:tav tm="0">
+                                          <p:val>
+                                            <p:strVal val="#ppt_x"/>
+                                          </p:val>
+                                        </p:tav>
+                                        <p:tav tm="100000">
+                                          <p:val>
+                                            <p:strVal val="#ppt_x"/>
+                                          </p:val>
+                                        </p:tav>
+                                      </p:tavLst>
+                                    </p:anim>
+                                    <p:anim calcmode="lin" valueType="num">
+                                      <p:cBhvr>
+                                        <p:cTn id="30" dur="1000" fill="hold"/>
+                                        <p:tgtEl>
+                                          <p:spTgt spid="3">
+                                            <p:txEl>
+                                              <p:pRg st="3" end="3"/>
+                                            </p:txEl>
+                                          </p:spTgt>
+                                        </p:tgtEl>
+                                        <p:attrNameLst>
+                                          <p:attrName>ppt_y</p:attrName>
+                                        </p:attrNameLst>
+                                      </p:cBhvr>
+                                      <p:tavLst>
+                                        <p:tav tm="0">
+                                          <p:val>
+                                            <p:strVal val="#ppt_y+.1"/>
+                                          </p:val>
+                                        </p:tav>
+                                        <p:tav tm="100000">
+                                          <p:val>
+                                            <p:strVal val="#ppt_y"/>
+                                          </p:val>
+                                        </p:tav>
+                                      </p:tavLst>
+                                    </p:anim>
+                                  </p:childTnLst>
+                                </p:cTn>
+                              </p:par>
+                            </p:childTnLst>
+                          </p:cTn>
+                        </p:par>
+                      </p:childTnLst>
+                    </p:cTn>
+                  </p:par>
+                </p:childTnLst>
+              </p:cTn>
+              <p:prevCondLst>
+                <p:cond evt="onPrev" delay="0">
+                  <p:tgtEl>
+                    <p:sldTgt/>
+                  </p:tgtEl>
+                </p:cond>
+              </p:prevCondLst>
+              <p:nextCondLst>
+                <p:cond evt="onNext" delay="0">
+                  <p:tgtEl>
+                    <p:sldTgt/>
+                  </p:tgtEl>
+                </p:cond>
+              </p:nextCondLst>
+            </p:seq>
+          </p:childTnLst>
+        </p:cTn>
+      </p:par>
+    </p:tnLst>
+    <p:bldLst>
+      <p:bldP spid="3" grpId="0" build="p"/>
+    </p:bldLst>
+  </p:timing>
 </p:sld>
 </file>
 
@@ -14570,10 +15069,10 @@
           <p:cNvPr id="21" name="Rectangle 20">
             <a:extLst>
               <a:ext uri="{FF2B5EF4-FFF2-40B4-BE49-F238E27FC236}">
-                <a16:creationId xmlns="" xmlns:a16="http://schemas.microsoft.com/office/drawing/2014/main" id="{99CAC3B1-4879-424D-8F15-206277196159}"/>
+                <a16:creationId xmlns:a16="http://schemas.microsoft.com/office/drawing/2014/main" id="{99CAC3B1-4879-424D-8F15-206277196159}"/>
               </a:ext>
               <a:ext uri="{C183D7F6-B498-43B3-948B-1728B52AA6E4}">
-                <adec:decorative xmlns="" xmlns:adec="http://schemas.microsoft.com/office/drawing/2017/decorative" val="1"/>
+                <adec:decorative xmlns:adec="http://schemas.microsoft.com/office/drawing/2017/decorative" val="1"/>
               </a:ext>
             </a:extLst>
           </p:cNvPr>
@@ -14583,7 +15082,7 @@
           <p:nvPr>
             <p:extLst>
               <p:ext uri="{386F3935-93C4-4BCD-93E2-E3B085C9AB24}">
-                <p16:designElem xmlns="" xmlns:p16="http://schemas.microsoft.com/office/powerpoint/2015/main" val="1"/>
+                <p16:designElem xmlns:p16="http://schemas.microsoft.com/office/powerpoint/2015/main" val="1"/>
               </p:ext>
             </p:extLst>
           </p:nvPr>
@@ -14630,10 +15129,10 @@
           <p:cNvPr id="23" name="Group 22">
             <a:extLst>
               <a:ext uri="{FF2B5EF4-FFF2-40B4-BE49-F238E27FC236}">
-                <a16:creationId xmlns="" xmlns:a16="http://schemas.microsoft.com/office/drawing/2014/main" id="{4B8492CB-DFBA-4A82-9778-F21493DA36C1}"/>
+                <a16:creationId xmlns:a16="http://schemas.microsoft.com/office/drawing/2014/main" id="{4B8492CB-DFBA-4A82-9778-F21493DA36C1}"/>
               </a:ext>
               <a:ext uri="{C183D7F6-B498-43B3-948B-1728B52AA6E4}">
-                <adec:decorative xmlns="" xmlns:adec="http://schemas.microsoft.com/office/drawing/2017/decorative" val="1"/>
+                <adec:decorative xmlns:adec="http://schemas.microsoft.com/office/drawing/2017/decorative" val="1"/>
               </a:ext>
             </a:extLst>
           </p:cNvPr>
@@ -14643,7 +15142,7 @@
           <p:nvPr>
             <p:extLst>
               <p:ext uri="{386F3935-93C4-4BCD-93E2-E3B085C9AB24}">
-                <p16:designElem xmlns="" xmlns:p16="http://schemas.microsoft.com/office/powerpoint/2015/main" val="1"/>
+                <p16:designElem xmlns:p16="http://schemas.microsoft.com/office/powerpoint/2015/main" val="1"/>
               </p:ext>
             </p:extLst>
           </p:nvPr>
@@ -14661,10 +15160,10 @@
             <p:cNvPr id="24" name="Freeform 6">
               <a:extLst>
                 <a:ext uri="{FF2B5EF4-FFF2-40B4-BE49-F238E27FC236}">
-                  <a16:creationId xmlns="" xmlns:a16="http://schemas.microsoft.com/office/drawing/2014/main" id="{E34CC1C8-EBDD-4AEA-83E6-B27575B62E2E}"/>
+                  <a16:creationId xmlns:a16="http://schemas.microsoft.com/office/drawing/2014/main" id="{E34CC1C8-EBDD-4AEA-83E6-B27575B62E2E}"/>
                 </a:ext>
                 <a:ext uri="{C183D7F6-B498-43B3-948B-1728B52AA6E4}">
-                  <adec:decorative xmlns="" xmlns:adec="http://schemas.microsoft.com/office/drawing/2017/decorative" val="1"/>
+                  <adec:decorative xmlns:adec="http://schemas.microsoft.com/office/drawing/2017/decorative" val="1"/>
                 </a:ext>
               </a:extLst>
             </p:cNvPr>
@@ -14672,7 +15171,7 @@
             <p:nvPr>
               <p:extLst>
                 <p:ext uri="{386F3935-93C4-4BCD-93E2-E3B085C9AB24}">
-                  <p16:designElem xmlns="" xmlns:p16="http://schemas.microsoft.com/office/powerpoint/2015/main" val="1"/>
+                  <p16:designElem xmlns:p16="http://schemas.microsoft.com/office/powerpoint/2015/main" val="1"/>
                 </p:ext>
               </p:extLst>
             </p:nvPr>
@@ -14722,10 +15221,10 @@
             <p:cNvPr id="25" name="Freeform 7">
               <a:extLst>
                 <a:ext uri="{FF2B5EF4-FFF2-40B4-BE49-F238E27FC236}">
-                  <a16:creationId xmlns="" xmlns:a16="http://schemas.microsoft.com/office/drawing/2014/main" id="{D6B38644-B85D-4211-9526-5B4C2A662BF7}"/>
+                  <a16:creationId xmlns:a16="http://schemas.microsoft.com/office/drawing/2014/main" id="{D6B38644-B85D-4211-9526-5B4C2A662BF7}"/>
                 </a:ext>
                 <a:ext uri="{C183D7F6-B498-43B3-948B-1728B52AA6E4}">
-                  <adec:decorative xmlns="" xmlns:adec="http://schemas.microsoft.com/office/drawing/2017/decorative" val="1"/>
+                  <adec:decorative xmlns:adec="http://schemas.microsoft.com/office/drawing/2017/decorative" val="1"/>
                 </a:ext>
               </a:extLst>
             </p:cNvPr>
@@ -14733,7 +15232,7 @@
             <p:nvPr>
               <p:extLst>
                 <p:ext uri="{386F3935-93C4-4BCD-93E2-E3B085C9AB24}">
-                  <p16:designElem xmlns="" xmlns:p16="http://schemas.microsoft.com/office/powerpoint/2015/main" val="1"/>
+                  <p16:designElem xmlns:p16="http://schemas.microsoft.com/office/powerpoint/2015/main" val="1"/>
                 </p:ext>
               </p:extLst>
             </p:nvPr>
@@ -14786,10 +15285,10 @@
             <p:cNvPr id="26" name="Freeform 12">
               <a:extLst>
                 <a:ext uri="{FF2B5EF4-FFF2-40B4-BE49-F238E27FC236}">
-                  <a16:creationId xmlns="" xmlns:a16="http://schemas.microsoft.com/office/drawing/2014/main" id="{8A8B2820-6B8F-4C19-BFC5-D28EE44E54CB}"/>
+                  <a16:creationId xmlns:a16="http://schemas.microsoft.com/office/drawing/2014/main" id="{8A8B2820-6B8F-4C19-BFC5-D28EE44E54CB}"/>
                 </a:ext>
                 <a:ext uri="{C183D7F6-B498-43B3-948B-1728B52AA6E4}">
-                  <adec:decorative xmlns="" xmlns:adec="http://schemas.microsoft.com/office/drawing/2017/decorative" val="1"/>
+                  <adec:decorative xmlns:adec="http://schemas.microsoft.com/office/drawing/2017/decorative" val="1"/>
                 </a:ext>
               </a:extLst>
             </p:cNvPr>
@@ -14797,7 +15296,7 @@
             <p:nvPr>
               <p:extLst>
                 <p:ext uri="{386F3935-93C4-4BCD-93E2-E3B085C9AB24}">
-                  <p16:designElem xmlns="" xmlns:p16="http://schemas.microsoft.com/office/powerpoint/2015/main" val="1"/>
+                  <p16:designElem xmlns:p16="http://schemas.microsoft.com/office/powerpoint/2015/main" val="1"/>
                 </p:ext>
               </p:extLst>
             </p:nvPr>
@@ -14844,10 +15343,10 @@
             <p:cNvPr id="27" name="Freeform 13">
               <a:extLst>
                 <a:ext uri="{FF2B5EF4-FFF2-40B4-BE49-F238E27FC236}">
-                  <a16:creationId xmlns="" xmlns:a16="http://schemas.microsoft.com/office/drawing/2014/main" id="{773528ED-4D37-4A77-A8CA-86B6221C5E82}"/>
+                  <a16:creationId xmlns:a16="http://schemas.microsoft.com/office/drawing/2014/main" id="{773528ED-4D37-4A77-A8CA-86B6221C5E82}"/>
                 </a:ext>
                 <a:ext uri="{C183D7F6-B498-43B3-948B-1728B52AA6E4}">
-                  <adec:decorative xmlns="" xmlns:adec="http://schemas.microsoft.com/office/drawing/2017/decorative" val="1"/>
+                  <adec:decorative xmlns:adec="http://schemas.microsoft.com/office/drawing/2017/decorative" val="1"/>
                 </a:ext>
               </a:extLst>
             </p:cNvPr>
@@ -14855,7 +15354,7 @@
             <p:nvPr>
               <p:extLst>
                 <p:ext uri="{386F3935-93C4-4BCD-93E2-E3B085C9AB24}">
-                  <p16:designElem xmlns="" xmlns:p16="http://schemas.microsoft.com/office/powerpoint/2015/main" val="1"/>
+                  <p16:designElem xmlns:p16="http://schemas.microsoft.com/office/powerpoint/2015/main" val="1"/>
                 </p:ext>
               </p:extLst>
             </p:nvPr>
@@ -14904,10 +15403,10 @@
             <p:cNvPr id="28" name="Freeform 14">
               <a:extLst>
                 <a:ext uri="{FF2B5EF4-FFF2-40B4-BE49-F238E27FC236}">
-                  <a16:creationId xmlns="" xmlns:a16="http://schemas.microsoft.com/office/drawing/2014/main" id="{8A58A902-E944-4399-9A93-A91A6A82B166}"/>
+                  <a16:creationId xmlns:a16="http://schemas.microsoft.com/office/drawing/2014/main" id="{8A58A902-E944-4399-9A93-A91A6A82B166}"/>
                 </a:ext>
                 <a:ext uri="{C183D7F6-B498-43B3-948B-1728B52AA6E4}">
-                  <adec:decorative xmlns="" xmlns:adec="http://schemas.microsoft.com/office/drawing/2017/decorative" val="1"/>
+                  <adec:decorative xmlns:adec="http://schemas.microsoft.com/office/drawing/2017/decorative" val="1"/>
                 </a:ext>
               </a:extLst>
             </p:cNvPr>
@@ -14915,7 +15414,7 @@
             <p:nvPr>
               <p:extLst>
                 <p:ext uri="{386F3935-93C4-4BCD-93E2-E3B085C9AB24}">
-                  <p16:designElem xmlns="" xmlns:p16="http://schemas.microsoft.com/office/powerpoint/2015/main" val="1"/>
+                  <p16:designElem xmlns:p16="http://schemas.microsoft.com/office/powerpoint/2015/main" val="1"/>
                 </p:ext>
               </p:extLst>
             </p:nvPr>
@@ -14970,10 +15469,10 @@
             <p:cNvPr id="29" name="Freeform 15">
               <a:extLst>
                 <a:ext uri="{FF2B5EF4-FFF2-40B4-BE49-F238E27FC236}">
-                  <a16:creationId xmlns="" xmlns:a16="http://schemas.microsoft.com/office/drawing/2014/main" id="{4EDB1155-2E8E-4FB8-AD42-101FE4383231}"/>
+                  <a16:creationId xmlns:a16="http://schemas.microsoft.com/office/drawing/2014/main" id="{4EDB1155-2E8E-4FB8-AD42-101FE4383231}"/>
                 </a:ext>
                 <a:ext uri="{C183D7F6-B498-43B3-948B-1728B52AA6E4}">
-                  <adec:decorative xmlns="" xmlns:adec="http://schemas.microsoft.com/office/drawing/2017/decorative" val="1"/>
+                  <adec:decorative xmlns:adec="http://schemas.microsoft.com/office/drawing/2017/decorative" val="1"/>
                 </a:ext>
               </a:extLst>
             </p:cNvPr>
@@ -14981,7 +15480,7 @@
             <p:nvPr>
               <p:extLst>
                 <p:ext uri="{386F3935-93C4-4BCD-93E2-E3B085C9AB24}">
-                  <p16:designElem xmlns="" xmlns:p16="http://schemas.microsoft.com/office/powerpoint/2015/main" val="1"/>
+                  <p16:designElem xmlns:p16="http://schemas.microsoft.com/office/powerpoint/2015/main" val="1"/>
                 </p:ext>
               </p:extLst>
             </p:nvPr>
@@ -15041,7 +15540,7 @@
           <p:cNvPr id="5" name="TextBox 4">
             <a:extLst>
               <a:ext uri="{FF2B5EF4-FFF2-40B4-BE49-F238E27FC236}">
-                <a16:creationId xmlns="" xmlns:a16="http://schemas.microsoft.com/office/drawing/2014/main" id="{466A409B-90E2-4ACB-8A16-0329B5CEE6DF}"/>
+                <a16:creationId xmlns:a16="http://schemas.microsoft.com/office/drawing/2014/main" id="{466A409B-90E2-4ACB-8A16-0329B5CEE6DF}"/>
               </a:ext>
             </a:extLst>
           </p:cNvPr>
@@ -15088,7 +15587,7 @@
           <p:cNvPr id="7" name="Straight Arrow Connector 6">
             <a:extLst>
               <a:ext uri="{FF2B5EF4-FFF2-40B4-BE49-F238E27FC236}">
-                <a16:creationId xmlns="" xmlns:a16="http://schemas.microsoft.com/office/drawing/2014/main" id="{6C986E87-252D-4CDD-90A3-050A5080DF44}"/>
+                <a16:creationId xmlns:a16="http://schemas.microsoft.com/office/drawing/2014/main" id="{6C986E87-252D-4CDD-90A3-050A5080DF44}"/>
               </a:ext>
             </a:extLst>
           </p:cNvPr>
@@ -15129,7 +15628,7 @@
           <p:cNvPr id="17" name="Straight Arrow Connector 16">
             <a:extLst>
               <a:ext uri="{FF2B5EF4-FFF2-40B4-BE49-F238E27FC236}">
-                <a16:creationId xmlns="" xmlns:a16="http://schemas.microsoft.com/office/drawing/2014/main" id="{8B32EEAB-6F30-4731-8D76-02708A63C23C}"/>
+                <a16:creationId xmlns:a16="http://schemas.microsoft.com/office/drawing/2014/main" id="{8B32EEAB-6F30-4731-8D76-02708A63C23C}"/>
               </a:ext>
             </a:extLst>
           </p:cNvPr>
@@ -15170,7 +15669,7 @@
           <p:cNvPr id="18" name="Straight Arrow Connector 17">
             <a:extLst>
               <a:ext uri="{FF2B5EF4-FFF2-40B4-BE49-F238E27FC236}">
-                <a16:creationId xmlns="" xmlns:a16="http://schemas.microsoft.com/office/drawing/2014/main" id="{E930BBA9-7BA1-48A0-A9E1-F9545CD11BAA}"/>
+                <a16:creationId xmlns:a16="http://schemas.microsoft.com/office/drawing/2014/main" id="{E930BBA9-7BA1-48A0-A9E1-F9545CD11BAA}"/>
               </a:ext>
             </a:extLst>
           </p:cNvPr>
@@ -15211,7 +15710,7 @@
           <p:cNvPr id="19" name="Straight Arrow Connector 18">
             <a:extLst>
               <a:ext uri="{FF2B5EF4-FFF2-40B4-BE49-F238E27FC236}">
-                <a16:creationId xmlns="" xmlns:a16="http://schemas.microsoft.com/office/drawing/2014/main" id="{72D8D5ED-08A2-4E59-AA33-3E70202E855D}"/>
+                <a16:creationId xmlns:a16="http://schemas.microsoft.com/office/drawing/2014/main" id="{72D8D5ED-08A2-4E59-AA33-3E70202E855D}"/>
               </a:ext>
             </a:extLst>
           </p:cNvPr>
@@ -15252,7 +15751,7 @@
           <p:cNvPr id="34" name="Picture 33">
             <a:extLst>
               <a:ext uri="{FF2B5EF4-FFF2-40B4-BE49-F238E27FC236}">
-                <a16:creationId xmlns:lc="http://schemas.openxmlformats.org/drawingml/2006/lockedCanvas" xmlns:a16="http://schemas.microsoft.com/office/drawing/2014/main" xmlns="" id="{C796CA00-FA13-476A-9ABE-1A17344ABC61}"/>
+                <a16:creationId xmlns:a16="http://schemas.microsoft.com/office/drawing/2014/main" id="{C796CA00-FA13-476A-9ABE-1A17344ABC61}"/>
               </a:ext>
             </a:extLst>
           </p:cNvPr>
@@ -15282,7 +15781,7 @@
           <p:cNvPr id="35" name="Picture 34">
             <a:extLst>
               <a:ext uri="{FF2B5EF4-FFF2-40B4-BE49-F238E27FC236}">
-                <a16:creationId xmlns:lc="http://schemas.openxmlformats.org/drawingml/2006/lockedCanvas" xmlns:a16="http://schemas.microsoft.com/office/drawing/2014/main" xmlns="" id="{A79A5D21-C558-490D-B09E-AE5E23A6C111}"/>
+                <a16:creationId xmlns:a16="http://schemas.microsoft.com/office/drawing/2014/main" id="{A79A5D21-C558-490D-B09E-AE5E23A6C111}"/>
               </a:ext>
             </a:extLst>
           </p:cNvPr>
@@ -15312,7 +15811,7 @@
           <p:cNvPr id="36" name="Picture 35">
             <a:extLst>
               <a:ext uri="{FF2B5EF4-FFF2-40B4-BE49-F238E27FC236}">
-                <a16:creationId xmlns:lc="http://schemas.openxmlformats.org/drawingml/2006/lockedCanvas" xmlns:a16="http://schemas.microsoft.com/office/drawing/2014/main" xmlns="" id="{24BE2ABE-8A1A-4A61-8921-27405C2CCB19}"/>
+                <a16:creationId xmlns:a16="http://schemas.microsoft.com/office/drawing/2014/main" id="{24BE2ABE-8A1A-4A61-8921-27405C2CCB19}"/>
               </a:ext>
             </a:extLst>
           </p:cNvPr>
@@ -15342,7 +15841,7 @@
           <p:cNvPr id="37" name="TextBox 11">
             <a:extLst>
               <a:ext uri="{FF2B5EF4-FFF2-40B4-BE49-F238E27FC236}">
-                <a16:creationId xmlns:lc="http://schemas.openxmlformats.org/drawingml/2006/lockedCanvas" xmlns:a16="http://schemas.microsoft.com/office/drawing/2014/main" xmlns="" id="{3ED8D828-23F6-4F62-895A-0C04DE02C6A7}"/>
+                <a16:creationId xmlns:a16="http://schemas.microsoft.com/office/drawing/2014/main" id="{3ED8D828-23F6-4F62-895A-0C04DE02C6A7}"/>
               </a:ext>
             </a:extLst>
           </p:cNvPr>
@@ -15471,7 +15970,7 @@
           <p:cNvPr id="38" name="TextBox 13">
             <a:extLst>
               <a:ext uri="{FF2B5EF4-FFF2-40B4-BE49-F238E27FC236}">
-                <a16:creationId xmlns:lc="http://schemas.openxmlformats.org/drawingml/2006/lockedCanvas" xmlns:a16="http://schemas.microsoft.com/office/drawing/2014/main" xmlns="" id="{0FFC0F84-7529-4C07-88EE-CFAA4120297D}"/>
+                <a16:creationId xmlns:a16="http://schemas.microsoft.com/office/drawing/2014/main" id="{0FFC0F84-7529-4C07-88EE-CFAA4120297D}"/>
               </a:ext>
             </a:extLst>
           </p:cNvPr>
@@ -15600,7 +16099,7 @@
           <p:cNvPr id="39" name="TextBox 2">
             <a:extLst>
               <a:ext uri="{FF2B5EF4-FFF2-40B4-BE49-F238E27FC236}">
-                <a16:creationId xmlns:lc="http://schemas.openxmlformats.org/drawingml/2006/lockedCanvas" xmlns:a16="http://schemas.microsoft.com/office/drawing/2014/main" xmlns="" id="{0D872DD5-0F01-4E78-8D4F-A7666652FBC9}"/>
+                <a16:creationId xmlns:a16="http://schemas.microsoft.com/office/drawing/2014/main" id="{0D872DD5-0F01-4E78-8D4F-A7666652FBC9}"/>
               </a:ext>
             </a:extLst>
           </p:cNvPr>
@@ -15734,6 +16233,168 @@
   <p:clrMapOvr>
     <a:overrideClrMapping bg1="dk1" tx1="lt1" bg2="dk2" tx2="lt2" accent1="accent1" accent2="accent2" accent3="accent3" accent4="accent4" accent5="accent5" accent6="accent6" hlink="hlink" folHlink="folHlink"/>
   </p:clrMapOvr>
+  <p:timing>
+    <p:tnLst>
+      <p:par>
+        <p:cTn id="1" dur="indefinite" restart="never" nodeType="tmRoot">
+          <p:childTnLst>
+            <p:seq concurrent="1" nextAc="seek">
+              <p:cTn id="2" dur="indefinite" nodeType="mainSeq">
+                <p:childTnLst>
+                  <p:par>
+                    <p:cTn id="3" fill="hold">
+                      <p:stCondLst>
+                        <p:cond delay="indefinite"/>
+                      </p:stCondLst>
+                      <p:childTnLst>
+                        <p:par>
+                          <p:cTn id="4" fill="hold">
+                            <p:stCondLst>
+                              <p:cond delay="0"/>
+                            </p:stCondLst>
+                            <p:childTnLst>
+                              <p:par>
+                                <p:cTn id="5" presetID="26" presetClass="emph" presetSubtype="0" fill="hold" nodeType="clickEffect">
+                                  <p:stCondLst>
+                                    <p:cond delay="0"/>
+                                  </p:stCondLst>
+                                  <p:childTnLst>
+                                    <p:animEffect transition="out" filter="fade">
+                                      <p:cBhvr>
+                                        <p:cTn id="6" dur="500" tmFilter="0, 0; .2, .5; .8, .5; 1, 0"/>
+                                        <p:tgtEl>
+                                          <p:spTgt spid="36"/>
+                                        </p:tgtEl>
+                                      </p:cBhvr>
+                                    </p:animEffect>
+                                    <p:animScale>
+                                      <p:cBhvr>
+                                        <p:cTn id="7" dur="250" autoRev="1" fill="hold"/>
+                                        <p:tgtEl>
+                                          <p:spTgt spid="36"/>
+                                        </p:tgtEl>
+                                      </p:cBhvr>
+                                      <p:by x="105000" y="105000"/>
+                                    </p:animScale>
+                                  </p:childTnLst>
+                                </p:cTn>
+                              </p:par>
+                            </p:childTnLst>
+                          </p:cTn>
+                        </p:par>
+                      </p:childTnLst>
+                    </p:cTn>
+                  </p:par>
+                  <p:par>
+                    <p:cTn id="8" fill="hold">
+                      <p:stCondLst>
+                        <p:cond delay="indefinite"/>
+                      </p:stCondLst>
+                      <p:childTnLst>
+                        <p:par>
+                          <p:cTn id="9" fill="hold">
+                            <p:stCondLst>
+                              <p:cond delay="0"/>
+                            </p:stCondLst>
+                            <p:childTnLst>
+                              <p:par>
+                                <p:cTn id="10" presetID="26" presetClass="emph" presetSubtype="0" fill="hold" nodeType="clickEffect">
+                                  <p:stCondLst>
+                                    <p:cond delay="0"/>
+                                  </p:stCondLst>
+                                  <p:childTnLst>
+                                    <p:animEffect transition="out" filter="fade">
+                                      <p:cBhvr>
+                                        <p:cTn id="11" dur="500" tmFilter="0, 0; .2, .5; .8, .5; 1, 0"/>
+                                        <p:tgtEl>
+                                          <p:spTgt spid="35"/>
+                                        </p:tgtEl>
+                                      </p:cBhvr>
+                                    </p:animEffect>
+                                    <p:animScale>
+                                      <p:cBhvr>
+                                        <p:cTn id="12" dur="250" autoRev="1" fill="hold"/>
+                                        <p:tgtEl>
+                                          <p:spTgt spid="35"/>
+                                        </p:tgtEl>
+                                      </p:cBhvr>
+                                      <p:by x="105000" y="105000"/>
+                                    </p:animScale>
+                                  </p:childTnLst>
+                                </p:cTn>
+                              </p:par>
+                            </p:childTnLst>
+                          </p:cTn>
+                        </p:par>
+                      </p:childTnLst>
+                    </p:cTn>
+                  </p:par>
+                  <p:par>
+                    <p:cTn id="13" fill="hold">
+                      <p:stCondLst>
+                        <p:cond delay="indefinite"/>
+                      </p:stCondLst>
+                      <p:childTnLst>
+                        <p:par>
+                          <p:cTn id="14" fill="hold">
+                            <p:stCondLst>
+                              <p:cond delay="0"/>
+                            </p:stCondLst>
+                            <p:childTnLst>
+                              <p:par>
+                                <p:cTn id="15" presetID="26" presetClass="emph" presetSubtype="0" fill="hold" nodeType="clickEffect">
+                                  <p:stCondLst>
+                                    <p:cond delay="0"/>
+                                  </p:stCondLst>
+                                  <p:childTnLst>
+                                    <p:animEffect transition="out" filter="fade">
+                                      <p:cBhvr>
+                                        <p:cTn id="16" dur="500" tmFilter="0, 0; .2, .5; .8, .5; 1, 0"/>
+                                        <p:tgtEl>
+                                          <p:spTgt spid="34"/>
+                                        </p:tgtEl>
+                                      </p:cBhvr>
+                                    </p:animEffect>
+                                    <p:animScale>
+                                      <p:cBhvr>
+                                        <p:cTn id="17" dur="250" autoRev="1" fill="hold"/>
+                                        <p:tgtEl>
+                                          <p:spTgt spid="34"/>
+                                        </p:tgtEl>
+                                      </p:cBhvr>
+                                      <p:by x="105000" y="105000"/>
+                                    </p:animScale>
+                                  </p:childTnLst>
+                                </p:cTn>
+                              </p:par>
+                            </p:childTnLst>
+                          </p:cTn>
+                        </p:par>
+                      </p:childTnLst>
+                    </p:cTn>
+                  </p:par>
+                </p:childTnLst>
+              </p:cTn>
+              <p:prevCondLst>
+                <p:cond evt="onPrev" delay="0">
+                  <p:tgtEl>
+                    <p:sldTgt/>
+                  </p:tgtEl>
+                </p:cond>
+              </p:prevCondLst>
+              <p:nextCondLst>
+                <p:cond evt="onNext" delay="0">
+                  <p:tgtEl>
+                    <p:sldTgt/>
+                  </p:tgtEl>
+                </p:cond>
+              </p:nextCondLst>
+            </p:seq>
+          </p:childTnLst>
+        </p:cTn>
+      </p:par>
+    </p:tnLst>
+  </p:timing>
 </p:sld>
 </file>
 
@@ -15767,10 +16428,10 @@
           <p:cNvPr id="21" name="Rectangle 20">
             <a:extLst>
               <a:ext uri="{FF2B5EF4-FFF2-40B4-BE49-F238E27FC236}">
-                <a16:creationId xmlns="" xmlns:a16="http://schemas.microsoft.com/office/drawing/2014/main" id="{99CAC3B1-4879-424D-8F15-206277196159}"/>
+                <a16:creationId xmlns:a16="http://schemas.microsoft.com/office/drawing/2014/main" id="{99CAC3B1-4879-424D-8F15-206277196159}"/>
               </a:ext>
               <a:ext uri="{C183D7F6-B498-43B3-948B-1728B52AA6E4}">
-                <adec:decorative xmlns="" xmlns:adec="http://schemas.microsoft.com/office/drawing/2017/decorative" val="1"/>
+                <adec:decorative xmlns:adec="http://schemas.microsoft.com/office/drawing/2017/decorative" val="1"/>
               </a:ext>
             </a:extLst>
           </p:cNvPr>
@@ -15780,7 +16441,7 @@
           <p:nvPr>
             <p:extLst>
               <p:ext uri="{386F3935-93C4-4BCD-93E2-E3B085C9AB24}">
-                <p16:designElem xmlns="" xmlns:p16="http://schemas.microsoft.com/office/powerpoint/2015/main" val="1"/>
+                <p16:designElem xmlns:p16="http://schemas.microsoft.com/office/powerpoint/2015/main" val="1"/>
               </p:ext>
             </p:extLst>
           </p:nvPr>
@@ -15827,10 +16488,10 @@
           <p:cNvPr id="23" name="Group 22">
             <a:extLst>
               <a:ext uri="{FF2B5EF4-FFF2-40B4-BE49-F238E27FC236}">
-                <a16:creationId xmlns="" xmlns:a16="http://schemas.microsoft.com/office/drawing/2014/main" id="{4B8492CB-DFBA-4A82-9778-F21493DA36C1}"/>
+                <a16:creationId xmlns:a16="http://schemas.microsoft.com/office/drawing/2014/main" id="{4B8492CB-DFBA-4A82-9778-F21493DA36C1}"/>
               </a:ext>
               <a:ext uri="{C183D7F6-B498-43B3-948B-1728B52AA6E4}">
-                <adec:decorative xmlns="" xmlns:adec="http://schemas.microsoft.com/office/drawing/2017/decorative" val="1"/>
+                <adec:decorative xmlns:adec="http://schemas.microsoft.com/office/drawing/2017/decorative" val="1"/>
               </a:ext>
             </a:extLst>
           </p:cNvPr>
@@ -15840,7 +16501,7 @@
           <p:nvPr>
             <p:extLst>
               <p:ext uri="{386F3935-93C4-4BCD-93E2-E3B085C9AB24}">
-                <p16:designElem xmlns="" xmlns:p16="http://schemas.microsoft.com/office/powerpoint/2015/main" val="1"/>
+                <p16:designElem xmlns:p16="http://schemas.microsoft.com/office/powerpoint/2015/main" val="1"/>
               </p:ext>
             </p:extLst>
           </p:nvPr>
@@ -15858,10 +16519,10 @@
             <p:cNvPr id="24" name="Freeform 6">
               <a:extLst>
                 <a:ext uri="{FF2B5EF4-FFF2-40B4-BE49-F238E27FC236}">
-                  <a16:creationId xmlns="" xmlns:a16="http://schemas.microsoft.com/office/drawing/2014/main" id="{E34CC1C8-EBDD-4AEA-83E6-B27575B62E2E}"/>
+                  <a16:creationId xmlns:a16="http://schemas.microsoft.com/office/drawing/2014/main" id="{E34CC1C8-EBDD-4AEA-83E6-B27575B62E2E}"/>
                 </a:ext>
                 <a:ext uri="{C183D7F6-B498-43B3-948B-1728B52AA6E4}">
-                  <adec:decorative xmlns="" xmlns:adec="http://schemas.microsoft.com/office/drawing/2017/decorative" val="1"/>
+                  <adec:decorative xmlns:adec="http://schemas.microsoft.com/office/drawing/2017/decorative" val="1"/>
                 </a:ext>
               </a:extLst>
             </p:cNvPr>
@@ -15869,7 +16530,7 @@
             <p:nvPr>
               <p:extLst>
                 <p:ext uri="{386F3935-93C4-4BCD-93E2-E3B085C9AB24}">
-                  <p16:designElem xmlns="" xmlns:p16="http://schemas.microsoft.com/office/powerpoint/2015/main" val="1"/>
+                  <p16:designElem xmlns:p16="http://schemas.microsoft.com/office/powerpoint/2015/main" val="1"/>
                 </p:ext>
               </p:extLst>
             </p:nvPr>
@@ -15919,10 +16580,10 @@
             <p:cNvPr id="25" name="Freeform 7">
               <a:extLst>
                 <a:ext uri="{FF2B5EF4-FFF2-40B4-BE49-F238E27FC236}">
-                  <a16:creationId xmlns="" xmlns:a16="http://schemas.microsoft.com/office/drawing/2014/main" id="{D6B38644-B85D-4211-9526-5B4C2A662BF7}"/>
+                  <a16:creationId xmlns:a16="http://schemas.microsoft.com/office/drawing/2014/main" id="{D6B38644-B85D-4211-9526-5B4C2A662BF7}"/>
                 </a:ext>
                 <a:ext uri="{C183D7F6-B498-43B3-948B-1728B52AA6E4}">
-                  <adec:decorative xmlns="" xmlns:adec="http://schemas.microsoft.com/office/drawing/2017/decorative" val="1"/>
+                  <adec:decorative xmlns:adec="http://schemas.microsoft.com/office/drawing/2017/decorative" val="1"/>
                 </a:ext>
               </a:extLst>
             </p:cNvPr>
@@ -15930,7 +16591,7 @@
             <p:nvPr>
               <p:extLst>
                 <p:ext uri="{386F3935-93C4-4BCD-93E2-E3B085C9AB24}">
-                  <p16:designElem xmlns="" xmlns:p16="http://schemas.microsoft.com/office/powerpoint/2015/main" val="1"/>
+                  <p16:designElem xmlns:p16="http://schemas.microsoft.com/office/powerpoint/2015/main" val="1"/>
                 </p:ext>
               </p:extLst>
             </p:nvPr>
@@ -15983,10 +16644,10 @@
             <p:cNvPr id="26" name="Freeform 12">
               <a:extLst>
                 <a:ext uri="{FF2B5EF4-FFF2-40B4-BE49-F238E27FC236}">
-                  <a16:creationId xmlns="" xmlns:a16="http://schemas.microsoft.com/office/drawing/2014/main" id="{8A8B2820-6B8F-4C19-BFC5-D28EE44E54CB}"/>
+                  <a16:creationId xmlns:a16="http://schemas.microsoft.com/office/drawing/2014/main" id="{8A8B2820-6B8F-4C19-BFC5-D28EE44E54CB}"/>
                 </a:ext>
                 <a:ext uri="{C183D7F6-B498-43B3-948B-1728B52AA6E4}">
-                  <adec:decorative xmlns="" xmlns:adec="http://schemas.microsoft.com/office/drawing/2017/decorative" val="1"/>
+                  <adec:decorative xmlns:adec="http://schemas.microsoft.com/office/drawing/2017/decorative" val="1"/>
                 </a:ext>
               </a:extLst>
             </p:cNvPr>
@@ -15994,7 +16655,7 @@
             <p:nvPr>
               <p:extLst>
                 <p:ext uri="{386F3935-93C4-4BCD-93E2-E3B085C9AB24}">
-                  <p16:designElem xmlns="" xmlns:p16="http://schemas.microsoft.com/office/powerpoint/2015/main" val="1"/>
+                  <p16:designElem xmlns:p16="http://schemas.microsoft.com/office/powerpoint/2015/main" val="1"/>
                 </p:ext>
               </p:extLst>
             </p:nvPr>
@@ -16041,10 +16702,10 @@
             <p:cNvPr id="27" name="Freeform 13">
               <a:extLst>
                 <a:ext uri="{FF2B5EF4-FFF2-40B4-BE49-F238E27FC236}">
-                  <a16:creationId xmlns="" xmlns:a16="http://schemas.microsoft.com/office/drawing/2014/main" id="{773528ED-4D37-4A77-A8CA-86B6221C5E82}"/>
+                  <a16:creationId xmlns:a16="http://schemas.microsoft.com/office/drawing/2014/main" id="{773528ED-4D37-4A77-A8CA-86B6221C5E82}"/>
                 </a:ext>
                 <a:ext uri="{C183D7F6-B498-43B3-948B-1728B52AA6E4}">
-                  <adec:decorative xmlns="" xmlns:adec="http://schemas.microsoft.com/office/drawing/2017/decorative" val="1"/>
+                  <adec:decorative xmlns:adec="http://schemas.microsoft.com/office/drawing/2017/decorative" val="1"/>
                 </a:ext>
               </a:extLst>
             </p:cNvPr>
@@ -16052,7 +16713,7 @@
             <p:nvPr>
               <p:extLst>
                 <p:ext uri="{386F3935-93C4-4BCD-93E2-E3B085C9AB24}">
-                  <p16:designElem xmlns="" xmlns:p16="http://schemas.microsoft.com/office/powerpoint/2015/main" val="1"/>
+                  <p16:designElem xmlns:p16="http://schemas.microsoft.com/office/powerpoint/2015/main" val="1"/>
                 </p:ext>
               </p:extLst>
             </p:nvPr>
@@ -16101,10 +16762,10 @@
             <p:cNvPr id="28" name="Freeform 14">
               <a:extLst>
                 <a:ext uri="{FF2B5EF4-FFF2-40B4-BE49-F238E27FC236}">
-                  <a16:creationId xmlns="" xmlns:a16="http://schemas.microsoft.com/office/drawing/2014/main" id="{8A58A902-E944-4399-9A93-A91A6A82B166}"/>
+                  <a16:creationId xmlns:a16="http://schemas.microsoft.com/office/drawing/2014/main" id="{8A58A902-E944-4399-9A93-A91A6A82B166}"/>
                 </a:ext>
                 <a:ext uri="{C183D7F6-B498-43B3-948B-1728B52AA6E4}">
-                  <adec:decorative xmlns="" xmlns:adec="http://schemas.microsoft.com/office/drawing/2017/decorative" val="1"/>
+                  <adec:decorative xmlns:adec="http://schemas.microsoft.com/office/drawing/2017/decorative" val="1"/>
                 </a:ext>
               </a:extLst>
             </p:cNvPr>
@@ -16112,7 +16773,7 @@
             <p:nvPr>
               <p:extLst>
                 <p:ext uri="{386F3935-93C4-4BCD-93E2-E3B085C9AB24}">
-                  <p16:designElem xmlns="" xmlns:p16="http://schemas.microsoft.com/office/powerpoint/2015/main" val="1"/>
+                  <p16:designElem xmlns:p16="http://schemas.microsoft.com/office/powerpoint/2015/main" val="1"/>
                 </p:ext>
               </p:extLst>
             </p:nvPr>
@@ -16167,10 +16828,10 @@
             <p:cNvPr id="29" name="Freeform 15">
               <a:extLst>
                 <a:ext uri="{FF2B5EF4-FFF2-40B4-BE49-F238E27FC236}">
-                  <a16:creationId xmlns="" xmlns:a16="http://schemas.microsoft.com/office/drawing/2014/main" id="{4EDB1155-2E8E-4FB8-AD42-101FE4383231}"/>
+                  <a16:creationId xmlns:a16="http://schemas.microsoft.com/office/drawing/2014/main" id="{4EDB1155-2E8E-4FB8-AD42-101FE4383231}"/>
                 </a:ext>
                 <a:ext uri="{C183D7F6-B498-43B3-948B-1728B52AA6E4}">
-                  <adec:decorative xmlns="" xmlns:adec="http://schemas.microsoft.com/office/drawing/2017/decorative" val="1"/>
+                  <adec:decorative xmlns:adec="http://schemas.microsoft.com/office/drawing/2017/decorative" val="1"/>
                 </a:ext>
               </a:extLst>
             </p:cNvPr>
@@ -16178,7 +16839,7 @@
             <p:nvPr>
               <p:extLst>
                 <p:ext uri="{386F3935-93C4-4BCD-93E2-E3B085C9AB24}">
-                  <p16:designElem xmlns="" xmlns:p16="http://schemas.microsoft.com/office/powerpoint/2015/main" val="1"/>
+                  <p16:designElem xmlns:p16="http://schemas.microsoft.com/office/powerpoint/2015/main" val="1"/>
                 </p:ext>
               </p:extLst>
             </p:nvPr>
@@ -16238,7 +16899,7 @@
           <p:cNvPr id="2" name="Title 1">
             <a:extLst>
               <a:ext uri="{FF2B5EF4-FFF2-40B4-BE49-F238E27FC236}">
-                <a16:creationId xmlns="" xmlns:a16="http://schemas.microsoft.com/office/drawing/2014/main" id="{C7492CCE-C435-464E-A19A-D4C606FDBE3D}"/>
+                <a16:creationId xmlns:a16="http://schemas.microsoft.com/office/drawing/2014/main" id="{C7492CCE-C435-464E-A19A-D4C606FDBE3D}"/>
               </a:ext>
             </a:extLst>
           </p:cNvPr>
@@ -16274,7 +16935,7 @@
           <p:cNvPr id="3" name="Content Placeholder 2">
             <a:extLst>
               <a:ext uri="{FF2B5EF4-FFF2-40B4-BE49-F238E27FC236}">
-                <a16:creationId xmlns="" xmlns:a16="http://schemas.microsoft.com/office/drawing/2014/main" id="{60DFF4FA-F598-4962-B6AB-31A8BE724E52}"/>
+                <a16:creationId xmlns:a16="http://schemas.microsoft.com/office/drawing/2014/main" id="{60DFF4FA-F598-4962-B6AB-31A8BE724E52}"/>
               </a:ext>
             </a:extLst>
           </p:cNvPr>
@@ -16378,10 +17039,10 @@
           <p:cNvPr id="21" name="Rectangle 20">
             <a:extLst>
               <a:ext uri="{FF2B5EF4-FFF2-40B4-BE49-F238E27FC236}">
-                <a16:creationId xmlns="" xmlns:a16="http://schemas.microsoft.com/office/drawing/2014/main" id="{99CAC3B1-4879-424D-8F15-206277196159}"/>
+                <a16:creationId xmlns:a16="http://schemas.microsoft.com/office/drawing/2014/main" id="{99CAC3B1-4879-424D-8F15-206277196159}"/>
               </a:ext>
               <a:ext uri="{C183D7F6-B498-43B3-948B-1728B52AA6E4}">
-                <adec:decorative xmlns="" xmlns:adec="http://schemas.microsoft.com/office/drawing/2017/decorative" val="1"/>
+                <adec:decorative xmlns:adec="http://schemas.microsoft.com/office/drawing/2017/decorative" val="1"/>
               </a:ext>
             </a:extLst>
           </p:cNvPr>
@@ -16391,7 +17052,7 @@
           <p:nvPr>
             <p:extLst>
               <p:ext uri="{386F3935-93C4-4BCD-93E2-E3B085C9AB24}">
-                <p16:designElem xmlns="" xmlns:p16="http://schemas.microsoft.com/office/powerpoint/2015/main" val="1"/>
+                <p16:designElem xmlns:p16="http://schemas.microsoft.com/office/powerpoint/2015/main" val="1"/>
               </p:ext>
             </p:extLst>
           </p:nvPr>
@@ -16438,10 +17099,10 @@
           <p:cNvPr id="23" name="Group 22">
             <a:extLst>
               <a:ext uri="{FF2B5EF4-FFF2-40B4-BE49-F238E27FC236}">
-                <a16:creationId xmlns="" xmlns:a16="http://schemas.microsoft.com/office/drawing/2014/main" id="{4B8492CB-DFBA-4A82-9778-F21493DA36C1}"/>
+                <a16:creationId xmlns:a16="http://schemas.microsoft.com/office/drawing/2014/main" id="{4B8492CB-DFBA-4A82-9778-F21493DA36C1}"/>
               </a:ext>
               <a:ext uri="{C183D7F6-B498-43B3-948B-1728B52AA6E4}">
-                <adec:decorative xmlns="" xmlns:adec="http://schemas.microsoft.com/office/drawing/2017/decorative" val="1"/>
+                <adec:decorative xmlns:adec="http://schemas.microsoft.com/office/drawing/2017/decorative" val="1"/>
               </a:ext>
             </a:extLst>
           </p:cNvPr>
@@ -16451,7 +17112,7 @@
           <p:nvPr>
             <p:extLst>
               <p:ext uri="{386F3935-93C4-4BCD-93E2-E3B085C9AB24}">
-                <p16:designElem xmlns="" xmlns:p16="http://schemas.microsoft.com/office/powerpoint/2015/main" val="1"/>
+                <p16:designElem xmlns:p16="http://schemas.microsoft.com/office/powerpoint/2015/main" val="1"/>
               </p:ext>
             </p:extLst>
           </p:nvPr>
@@ -16469,10 +17130,10 @@
             <p:cNvPr id="24" name="Freeform 6">
               <a:extLst>
                 <a:ext uri="{FF2B5EF4-FFF2-40B4-BE49-F238E27FC236}">
-                  <a16:creationId xmlns="" xmlns:a16="http://schemas.microsoft.com/office/drawing/2014/main" id="{E34CC1C8-EBDD-4AEA-83E6-B27575B62E2E}"/>
+                  <a16:creationId xmlns:a16="http://schemas.microsoft.com/office/drawing/2014/main" id="{E34CC1C8-EBDD-4AEA-83E6-B27575B62E2E}"/>
                 </a:ext>
                 <a:ext uri="{C183D7F6-B498-43B3-948B-1728B52AA6E4}">
-                  <adec:decorative xmlns="" xmlns:adec="http://schemas.microsoft.com/office/drawing/2017/decorative" val="1"/>
+                  <adec:decorative xmlns:adec="http://schemas.microsoft.com/office/drawing/2017/decorative" val="1"/>
                 </a:ext>
               </a:extLst>
             </p:cNvPr>
@@ -16480,7 +17141,7 @@
             <p:nvPr>
               <p:extLst>
                 <p:ext uri="{386F3935-93C4-4BCD-93E2-E3B085C9AB24}">
-                  <p16:designElem xmlns="" xmlns:p16="http://schemas.microsoft.com/office/powerpoint/2015/main" val="1"/>
+                  <p16:designElem xmlns:p16="http://schemas.microsoft.com/office/powerpoint/2015/main" val="1"/>
                 </p:ext>
               </p:extLst>
             </p:nvPr>
@@ -16530,10 +17191,10 @@
             <p:cNvPr id="25" name="Freeform 7">
               <a:extLst>
                 <a:ext uri="{FF2B5EF4-FFF2-40B4-BE49-F238E27FC236}">
-                  <a16:creationId xmlns="" xmlns:a16="http://schemas.microsoft.com/office/drawing/2014/main" id="{D6B38644-B85D-4211-9526-5B4C2A662BF7}"/>
+                  <a16:creationId xmlns:a16="http://schemas.microsoft.com/office/drawing/2014/main" id="{D6B38644-B85D-4211-9526-5B4C2A662BF7}"/>
                 </a:ext>
                 <a:ext uri="{C183D7F6-B498-43B3-948B-1728B52AA6E4}">
-                  <adec:decorative xmlns="" xmlns:adec="http://schemas.microsoft.com/office/drawing/2017/decorative" val="1"/>
+                  <adec:decorative xmlns:adec="http://schemas.microsoft.com/office/drawing/2017/decorative" val="1"/>
                 </a:ext>
               </a:extLst>
             </p:cNvPr>
@@ -16541,7 +17202,7 @@
             <p:nvPr>
               <p:extLst>
                 <p:ext uri="{386F3935-93C4-4BCD-93E2-E3B085C9AB24}">
-                  <p16:designElem xmlns="" xmlns:p16="http://schemas.microsoft.com/office/powerpoint/2015/main" val="1"/>
+                  <p16:designElem xmlns:p16="http://schemas.microsoft.com/office/powerpoint/2015/main" val="1"/>
                 </p:ext>
               </p:extLst>
             </p:nvPr>
@@ -16594,10 +17255,10 @@
             <p:cNvPr id="26" name="Freeform 12">
               <a:extLst>
                 <a:ext uri="{FF2B5EF4-FFF2-40B4-BE49-F238E27FC236}">
-                  <a16:creationId xmlns="" xmlns:a16="http://schemas.microsoft.com/office/drawing/2014/main" id="{8A8B2820-6B8F-4C19-BFC5-D28EE44E54CB}"/>
+                  <a16:creationId xmlns:a16="http://schemas.microsoft.com/office/drawing/2014/main" id="{8A8B2820-6B8F-4C19-BFC5-D28EE44E54CB}"/>
                 </a:ext>
                 <a:ext uri="{C183D7F6-B498-43B3-948B-1728B52AA6E4}">
-                  <adec:decorative xmlns="" xmlns:adec="http://schemas.microsoft.com/office/drawing/2017/decorative" val="1"/>
+                  <adec:decorative xmlns:adec="http://schemas.microsoft.com/office/drawing/2017/decorative" val="1"/>
                 </a:ext>
               </a:extLst>
             </p:cNvPr>
@@ -16605,7 +17266,7 @@
             <p:nvPr>
               <p:extLst>
                 <p:ext uri="{386F3935-93C4-4BCD-93E2-E3B085C9AB24}">
-                  <p16:designElem xmlns="" xmlns:p16="http://schemas.microsoft.com/office/powerpoint/2015/main" val="1"/>
+                  <p16:designElem xmlns:p16="http://schemas.microsoft.com/office/powerpoint/2015/main" val="1"/>
                 </p:ext>
               </p:extLst>
             </p:nvPr>
@@ -16652,10 +17313,10 @@
             <p:cNvPr id="27" name="Freeform 13">
               <a:extLst>
                 <a:ext uri="{FF2B5EF4-FFF2-40B4-BE49-F238E27FC236}">
-                  <a16:creationId xmlns="" xmlns:a16="http://schemas.microsoft.com/office/drawing/2014/main" id="{773528ED-4D37-4A77-A8CA-86B6221C5E82}"/>
+                  <a16:creationId xmlns:a16="http://schemas.microsoft.com/office/drawing/2014/main" id="{773528ED-4D37-4A77-A8CA-86B6221C5E82}"/>
                 </a:ext>
                 <a:ext uri="{C183D7F6-B498-43B3-948B-1728B52AA6E4}">
-                  <adec:decorative xmlns="" xmlns:adec="http://schemas.microsoft.com/office/drawing/2017/decorative" val="1"/>
+                  <adec:decorative xmlns:adec="http://schemas.microsoft.com/office/drawing/2017/decorative" val="1"/>
                 </a:ext>
               </a:extLst>
             </p:cNvPr>
@@ -16663,7 +17324,7 @@
             <p:nvPr>
               <p:extLst>
                 <p:ext uri="{386F3935-93C4-4BCD-93E2-E3B085C9AB24}">
-                  <p16:designElem xmlns="" xmlns:p16="http://schemas.microsoft.com/office/powerpoint/2015/main" val="1"/>
+                  <p16:designElem xmlns:p16="http://schemas.microsoft.com/office/powerpoint/2015/main" val="1"/>
                 </p:ext>
               </p:extLst>
             </p:nvPr>
@@ -16712,10 +17373,10 @@
             <p:cNvPr id="28" name="Freeform 14">
               <a:extLst>
                 <a:ext uri="{FF2B5EF4-FFF2-40B4-BE49-F238E27FC236}">
-                  <a16:creationId xmlns="" xmlns:a16="http://schemas.microsoft.com/office/drawing/2014/main" id="{8A58A902-E944-4399-9A93-A91A6A82B166}"/>
+                  <a16:creationId xmlns:a16="http://schemas.microsoft.com/office/drawing/2014/main" id="{8A58A902-E944-4399-9A93-A91A6A82B166}"/>
                 </a:ext>
                 <a:ext uri="{C183D7F6-B498-43B3-948B-1728B52AA6E4}">
-                  <adec:decorative xmlns="" xmlns:adec="http://schemas.microsoft.com/office/drawing/2017/decorative" val="1"/>
+                  <adec:decorative xmlns:adec="http://schemas.microsoft.com/office/drawing/2017/decorative" val="1"/>
                 </a:ext>
               </a:extLst>
             </p:cNvPr>
@@ -16723,7 +17384,7 @@
             <p:nvPr>
               <p:extLst>
                 <p:ext uri="{386F3935-93C4-4BCD-93E2-E3B085C9AB24}">
-                  <p16:designElem xmlns="" xmlns:p16="http://schemas.microsoft.com/office/powerpoint/2015/main" val="1"/>
+                  <p16:designElem xmlns:p16="http://schemas.microsoft.com/office/powerpoint/2015/main" val="1"/>
                 </p:ext>
               </p:extLst>
             </p:nvPr>
@@ -16778,10 +17439,10 @@
             <p:cNvPr id="29" name="Freeform 15">
               <a:extLst>
                 <a:ext uri="{FF2B5EF4-FFF2-40B4-BE49-F238E27FC236}">
-                  <a16:creationId xmlns="" xmlns:a16="http://schemas.microsoft.com/office/drawing/2014/main" id="{4EDB1155-2E8E-4FB8-AD42-101FE4383231}"/>
+                  <a16:creationId xmlns:a16="http://schemas.microsoft.com/office/drawing/2014/main" id="{4EDB1155-2E8E-4FB8-AD42-101FE4383231}"/>
                 </a:ext>
                 <a:ext uri="{C183D7F6-B498-43B3-948B-1728B52AA6E4}">
-                  <adec:decorative xmlns="" xmlns:adec="http://schemas.microsoft.com/office/drawing/2017/decorative" val="1"/>
+                  <adec:decorative xmlns:adec="http://schemas.microsoft.com/office/drawing/2017/decorative" val="1"/>
                 </a:ext>
               </a:extLst>
             </p:cNvPr>
@@ -16789,7 +17450,7 @@
             <p:nvPr>
               <p:extLst>
                 <p:ext uri="{386F3935-93C4-4BCD-93E2-E3B085C9AB24}">
-                  <p16:designElem xmlns="" xmlns:p16="http://schemas.microsoft.com/office/powerpoint/2015/main" val="1"/>
+                  <p16:designElem xmlns:p16="http://schemas.microsoft.com/office/powerpoint/2015/main" val="1"/>
                 </p:ext>
               </p:extLst>
             </p:nvPr>
@@ -16849,7 +17510,7 @@
           <p:cNvPr id="2" name="Title 1">
             <a:extLst>
               <a:ext uri="{FF2B5EF4-FFF2-40B4-BE49-F238E27FC236}">
-                <a16:creationId xmlns="" xmlns:a16="http://schemas.microsoft.com/office/drawing/2014/main" id="{C7492CCE-C435-464E-A19A-D4C606FDBE3D}"/>
+                <a16:creationId xmlns:a16="http://schemas.microsoft.com/office/drawing/2014/main" id="{C7492CCE-C435-464E-A19A-D4C606FDBE3D}"/>
               </a:ext>
             </a:extLst>
           </p:cNvPr>
@@ -16874,10 +17535,9 @@
           <a:p>
             <a:pPr algn="l"/>
             <a:r>
-              <a:rPr lang="en-US" dirty="0" smtClean="0"/>
+              <a:rPr lang="en-US" dirty="0"/>
               <a:t>Gerstner Waves</a:t>
             </a:r>
-            <a:endParaRPr lang="en-US" dirty="0"/>
           </a:p>
         </p:txBody>
       </p:sp>
@@ -16912,7 +17572,7 @@
           <p:cNvPr id="5" name="TextBox 4">
             <a:extLst>
               <a:ext uri="{FF2B5EF4-FFF2-40B4-BE49-F238E27FC236}">
-                <a16:creationId xmlns="" xmlns:a16="http://schemas.microsoft.com/office/drawing/2014/main" id="{466A409B-90E2-4ACB-8A16-0329B5CEE6DF}"/>
+                <a16:creationId xmlns:a16="http://schemas.microsoft.com/office/drawing/2014/main" id="{466A409B-90E2-4ACB-8A16-0329B5CEE6DF}"/>
               </a:ext>
             </a:extLst>
           </p:cNvPr>
@@ -16963,7 +17623,7 @@
           <p:cNvPr id="7" name="Straight Arrow Connector 6">
             <a:extLst>
               <a:ext uri="{FF2B5EF4-FFF2-40B4-BE49-F238E27FC236}">
-                <a16:creationId xmlns="" xmlns:a16="http://schemas.microsoft.com/office/drawing/2014/main" id="{6C986E87-252D-4CDD-90A3-050A5080DF44}"/>
+                <a16:creationId xmlns:a16="http://schemas.microsoft.com/office/drawing/2014/main" id="{6C986E87-252D-4CDD-90A3-050A5080DF44}"/>
               </a:ext>
             </a:extLst>
           </p:cNvPr>
@@ -17004,7 +17664,7 @@
           <p:cNvPr id="17" name="Straight Arrow Connector 16">
             <a:extLst>
               <a:ext uri="{FF2B5EF4-FFF2-40B4-BE49-F238E27FC236}">
-                <a16:creationId xmlns="" xmlns:a16="http://schemas.microsoft.com/office/drawing/2014/main" id="{8B32EEAB-6F30-4731-8D76-02708A63C23C}"/>
+                <a16:creationId xmlns:a16="http://schemas.microsoft.com/office/drawing/2014/main" id="{8B32EEAB-6F30-4731-8D76-02708A63C23C}"/>
               </a:ext>
             </a:extLst>
           </p:cNvPr>
@@ -17045,7 +17705,7 @@
           <p:cNvPr id="18" name="Straight Arrow Connector 17">
             <a:extLst>
               <a:ext uri="{FF2B5EF4-FFF2-40B4-BE49-F238E27FC236}">
-                <a16:creationId xmlns="" xmlns:a16="http://schemas.microsoft.com/office/drawing/2014/main" id="{E930BBA9-7BA1-48A0-A9E1-F9545CD11BAA}"/>
+                <a16:creationId xmlns:a16="http://schemas.microsoft.com/office/drawing/2014/main" id="{E930BBA9-7BA1-48A0-A9E1-F9545CD11BAA}"/>
               </a:ext>
             </a:extLst>
           </p:cNvPr>
@@ -17086,7 +17746,7 @@
           <p:cNvPr id="19" name="Straight Arrow Connector 18">
             <a:extLst>
               <a:ext uri="{FF2B5EF4-FFF2-40B4-BE49-F238E27FC236}">
-                <a16:creationId xmlns="" xmlns:a16="http://schemas.microsoft.com/office/drawing/2014/main" id="{72D8D5ED-08A2-4E59-AA33-3E70202E855D}"/>
+                <a16:creationId xmlns:a16="http://schemas.microsoft.com/office/drawing/2014/main" id="{72D8D5ED-08A2-4E59-AA33-3E70202E855D}"/>
               </a:ext>
             </a:extLst>
           </p:cNvPr>
@@ -17151,7 +17811,7 @@
           <p:cNvPr id="20" name="TextBox 11">
             <a:extLst>
               <a:ext uri="{FF2B5EF4-FFF2-40B4-BE49-F238E27FC236}">
-                <a16:creationId xmlns:lc="http://schemas.openxmlformats.org/drawingml/2006/lockedCanvas" xmlns:a16="http://schemas.microsoft.com/office/drawing/2014/main" xmlns="" id="{3ED8D828-23F6-4F62-895A-0C04DE02C6A7}"/>
+                <a16:creationId xmlns:a16="http://schemas.microsoft.com/office/drawing/2014/main" id="{3ED8D828-23F6-4F62-895A-0C04DE02C6A7}"/>
               </a:ext>
             </a:extLst>
           </p:cNvPr>
@@ -17270,13 +17930,8 @@
           <a:p>
             <a:r>
               <a:rPr lang="en-US" sz="1000" dirty="0"/>
-              <a:t>Figure </a:t>
+              <a:t>Figure 4: Potential issues with Gerstner Waves [4]</a:t>
             </a:r>
-            <a:r>
-              <a:rPr lang="en-US" sz="1000" dirty="0" smtClean="0"/>
-              <a:t>4: Potential issues with Gerstner Waves [4]</a:t>
-            </a:r>
-            <a:endParaRPr lang="en-US" sz="1000" dirty="0"/>
           </a:p>
         </p:txBody>
       </p:sp>
@@ -17285,7 +17940,7 @@
           <p:cNvPr id="22" name="TextBox 11">
             <a:extLst>
               <a:ext uri="{FF2B5EF4-FFF2-40B4-BE49-F238E27FC236}">
-                <a16:creationId xmlns:lc="http://schemas.openxmlformats.org/drawingml/2006/lockedCanvas" xmlns:a16="http://schemas.microsoft.com/office/drawing/2014/main" xmlns="" id="{3ED8D828-23F6-4F62-895A-0C04DE02C6A7}"/>
+                <a16:creationId xmlns:a16="http://schemas.microsoft.com/office/drawing/2014/main" id="{3ED8D828-23F6-4F62-895A-0C04DE02C6A7}"/>
               </a:ext>
             </a:extLst>
           </p:cNvPr>
@@ -17404,13 +18059,8 @@
           <a:p>
             <a:r>
               <a:rPr lang="en-US" sz="1000" dirty="0"/>
-              <a:t>Figure </a:t>
+              <a:t>Figure 5: Gerstner Wave Equations [4]</a:t>
             </a:r>
-            <a:r>
-              <a:rPr lang="en-US" sz="1000" dirty="0" smtClean="0"/>
-              <a:t>5: Gerstner Wave Equations [4]</a:t>
-            </a:r>
-            <a:endParaRPr lang="en-US" sz="1000" dirty="0"/>
           </a:p>
         </p:txBody>
       </p:sp>
@@ -17457,10 +18107,10 @@
           <p:cNvPr id="21" name="Rectangle 20">
             <a:extLst>
               <a:ext uri="{FF2B5EF4-FFF2-40B4-BE49-F238E27FC236}">
-                <a16:creationId xmlns="" xmlns:a16="http://schemas.microsoft.com/office/drawing/2014/main" id="{99CAC3B1-4879-424D-8F15-206277196159}"/>
+                <a16:creationId xmlns:a16="http://schemas.microsoft.com/office/drawing/2014/main" id="{99CAC3B1-4879-424D-8F15-206277196159}"/>
               </a:ext>
               <a:ext uri="{C183D7F6-B498-43B3-948B-1728B52AA6E4}">
-                <adec:decorative xmlns="" xmlns:adec="http://schemas.microsoft.com/office/drawing/2017/decorative" val="1"/>
+                <adec:decorative xmlns:adec="http://schemas.microsoft.com/office/drawing/2017/decorative" val="1"/>
               </a:ext>
             </a:extLst>
           </p:cNvPr>
@@ -17470,7 +18120,7 @@
           <p:nvPr>
             <p:extLst>
               <p:ext uri="{386F3935-93C4-4BCD-93E2-E3B085C9AB24}">
-                <p16:designElem xmlns="" xmlns:p16="http://schemas.microsoft.com/office/powerpoint/2015/main" val="1"/>
+                <p16:designElem xmlns:p16="http://schemas.microsoft.com/office/powerpoint/2015/main" val="1"/>
               </p:ext>
             </p:extLst>
           </p:nvPr>
@@ -17517,10 +18167,10 @@
           <p:cNvPr id="23" name="Group 22">
             <a:extLst>
               <a:ext uri="{FF2B5EF4-FFF2-40B4-BE49-F238E27FC236}">
-                <a16:creationId xmlns="" xmlns:a16="http://schemas.microsoft.com/office/drawing/2014/main" id="{4B8492CB-DFBA-4A82-9778-F21493DA36C1}"/>
+                <a16:creationId xmlns:a16="http://schemas.microsoft.com/office/drawing/2014/main" id="{4B8492CB-DFBA-4A82-9778-F21493DA36C1}"/>
               </a:ext>
               <a:ext uri="{C183D7F6-B498-43B3-948B-1728B52AA6E4}">
-                <adec:decorative xmlns="" xmlns:adec="http://schemas.microsoft.com/office/drawing/2017/decorative" val="1"/>
+                <adec:decorative xmlns:adec="http://schemas.microsoft.com/office/drawing/2017/decorative" val="1"/>
               </a:ext>
             </a:extLst>
           </p:cNvPr>
@@ -17530,7 +18180,7 @@
           <p:nvPr>
             <p:extLst>
               <p:ext uri="{386F3935-93C4-4BCD-93E2-E3B085C9AB24}">
-                <p16:designElem xmlns="" xmlns:p16="http://schemas.microsoft.com/office/powerpoint/2015/main" val="1"/>
+                <p16:designElem xmlns:p16="http://schemas.microsoft.com/office/powerpoint/2015/main" val="1"/>
               </p:ext>
             </p:extLst>
           </p:nvPr>
@@ -17548,10 +18198,10 @@
             <p:cNvPr id="24" name="Freeform 6">
               <a:extLst>
                 <a:ext uri="{FF2B5EF4-FFF2-40B4-BE49-F238E27FC236}">
-                  <a16:creationId xmlns="" xmlns:a16="http://schemas.microsoft.com/office/drawing/2014/main" id="{E34CC1C8-EBDD-4AEA-83E6-B27575B62E2E}"/>
+                  <a16:creationId xmlns:a16="http://schemas.microsoft.com/office/drawing/2014/main" id="{E34CC1C8-EBDD-4AEA-83E6-B27575B62E2E}"/>
                 </a:ext>
                 <a:ext uri="{C183D7F6-B498-43B3-948B-1728B52AA6E4}">
-                  <adec:decorative xmlns="" xmlns:adec="http://schemas.microsoft.com/office/drawing/2017/decorative" val="1"/>
+                  <adec:decorative xmlns:adec="http://schemas.microsoft.com/office/drawing/2017/decorative" val="1"/>
                 </a:ext>
               </a:extLst>
             </p:cNvPr>
@@ -17559,7 +18209,7 @@
             <p:nvPr>
               <p:extLst>
                 <p:ext uri="{386F3935-93C4-4BCD-93E2-E3B085C9AB24}">
-                  <p16:designElem xmlns="" xmlns:p16="http://schemas.microsoft.com/office/powerpoint/2015/main" val="1"/>
+                  <p16:designElem xmlns:p16="http://schemas.microsoft.com/office/powerpoint/2015/main" val="1"/>
                 </p:ext>
               </p:extLst>
             </p:nvPr>
@@ -17609,10 +18259,10 @@
             <p:cNvPr id="25" name="Freeform 7">
               <a:extLst>
                 <a:ext uri="{FF2B5EF4-FFF2-40B4-BE49-F238E27FC236}">
-                  <a16:creationId xmlns="" xmlns:a16="http://schemas.microsoft.com/office/drawing/2014/main" id="{D6B38644-B85D-4211-9526-5B4C2A662BF7}"/>
+                  <a16:creationId xmlns:a16="http://schemas.microsoft.com/office/drawing/2014/main" id="{D6B38644-B85D-4211-9526-5B4C2A662BF7}"/>
                 </a:ext>
                 <a:ext uri="{C183D7F6-B498-43B3-948B-1728B52AA6E4}">
-                  <adec:decorative xmlns="" xmlns:adec="http://schemas.microsoft.com/office/drawing/2017/decorative" val="1"/>
+                  <adec:decorative xmlns:adec="http://schemas.microsoft.com/office/drawing/2017/decorative" val="1"/>
                 </a:ext>
               </a:extLst>
             </p:cNvPr>
@@ -17620,7 +18270,7 @@
             <p:nvPr>
               <p:extLst>
                 <p:ext uri="{386F3935-93C4-4BCD-93E2-E3B085C9AB24}">
-                  <p16:designElem xmlns="" xmlns:p16="http://schemas.microsoft.com/office/powerpoint/2015/main" val="1"/>
+                  <p16:designElem xmlns:p16="http://schemas.microsoft.com/office/powerpoint/2015/main" val="1"/>
                 </p:ext>
               </p:extLst>
             </p:nvPr>
@@ -17673,10 +18323,10 @@
             <p:cNvPr id="26" name="Freeform 12">
               <a:extLst>
                 <a:ext uri="{FF2B5EF4-FFF2-40B4-BE49-F238E27FC236}">
-                  <a16:creationId xmlns="" xmlns:a16="http://schemas.microsoft.com/office/drawing/2014/main" id="{8A8B2820-6B8F-4C19-BFC5-D28EE44E54CB}"/>
+                  <a16:creationId xmlns:a16="http://schemas.microsoft.com/office/drawing/2014/main" id="{8A8B2820-6B8F-4C19-BFC5-D28EE44E54CB}"/>
                 </a:ext>
                 <a:ext uri="{C183D7F6-B498-43B3-948B-1728B52AA6E4}">
-                  <adec:decorative xmlns="" xmlns:adec="http://schemas.microsoft.com/office/drawing/2017/decorative" val="1"/>
+                  <adec:decorative xmlns:adec="http://schemas.microsoft.com/office/drawing/2017/decorative" val="1"/>
                 </a:ext>
               </a:extLst>
             </p:cNvPr>
@@ -17684,7 +18334,7 @@
             <p:nvPr>
               <p:extLst>
                 <p:ext uri="{386F3935-93C4-4BCD-93E2-E3B085C9AB24}">
-                  <p16:designElem xmlns="" xmlns:p16="http://schemas.microsoft.com/office/powerpoint/2015/main" val="1"/>
+                  <p16:designElem xmlns:p16="http://schemas.microsoft.com/office/powerpoint/2015/main" val="1"/>
                 </p:ext>
               </p:extLst>
             </p:nvPr>
@@ -17731,10 +18381,10 @@
             <p:cNvPr id="27" name="Freeform 13">
               <a:extLst>
                 <a:ext uri="{FF2B5EF4-FFF2-40B4-BE49-F238E27FC236}">
-                  <a16:creationId xmlns="" xmlns:a16="http://schemas.microsoft.com/office/drawing/2014/main" id="{773528ED-4D37-4A77-A8CA-86B6221C5E82}"/>
+                  <a16:creationId xmlns:a16="http://schemas.microsoft.com/office/drawing/2014/main" id="{773528ED-4D37-4A77-A8CA-86B6221C5E82}"/>
                 </a:ext>
                 <a:ext uri="{C183D7F6-B498-43B3-948B-1728B52AA6E4}">
-                  <adec:decorative xmlns="" xmlns:adec="http://schemas.microsoft.com/office/drawing/2017/decorative" val="1"/>
+                  <adec:decorative xmlns:adec="http://schemas.microsoft.com/office/drawing/2017/decorative" val="1"/>
                 </a:ext>
               </a:extLst>
             </p:cNvPr>
@@ -17742,7 +18392,7 @@
             <p:nvPr>
               <p:extLst>
                 <p:ext uri="{386F3935-93C4-4BCD-93E2-E3B085C9AB24}">
-                  <p16:designElem xmlns="" xmlns:p16="http://schemas.microsoft.com/office/powerpoint/2015/main" val="1"/>
+                  <p16:designElem xmlns:p16="http://schemas.microsoft.com/office/powerpoint/2015/main" val="1"/>
                 </p:ext>
               </p:extLst>
             </p:nvPr>
@@ -17791,10 +18441,10 @@
             <p:cNvPr id="28" name="Freeform 14">
               <a:extLst>
                 <a:ext uri="{FF2B5EF4-FFF2-40B4-BE49-F238E27FC236}">
-                  <a16:creationId xmlns="" xmlns:a16="http://schemas.microsoft.com/office/drawing/2014/main" id="{8A58A902-E944-4399-9A93-A91A6A82B166}"/>
+                  <a16:creationId xmlns:a16="http://schemas.microsoft.com/office/drawing/2014/main" id="{8A58A902-E944-4399-9A93-A91A6A82B166}"/>
                 </a:ext>
                 <a:ext uri="{C183D7F6-B498-43B3-948B-1728B52AA6E4}">
-                  <adec:decorative xmlns="" xmlns:adec="http://schemas.microsoft.com/office/drawing/2017/decorative" val="1"/>
+                  <adec:decorative xmlns:adec="http://schemas.microsoft.com/office/drawing/2017/decorative" val="1"/>
                 </a:ext>
               </a:extLst>
             </p:cNvPr>
@@ -17802,7 +18452,7 @@
             <p:nvPr>
               <p:extLst>
                 <p:ext uri="{386F3935-93C4-4BCD-93E2-E3B085C9AB24}">
-                  <p16:designElem xmlns="" xmlns:p16="http://schemas.microsoft.com/office/powerpoint/2015/main" val="1"/>
+                  <p16:designElem xmlns:p16="http://schemas.microsoft.com/office/powerpoint/2015/main" val="1"/>
                 </p:ext>
               </p:extLst>
             </p:nvPr>
@@ -17857,10 +18507,10 @@
             <p:cNvPr id="29" name="Freeform 15">
               <a:extLst>
                 <a:ext uri="{FF2B5EF4-FFF2-40B4-BE49-F238E27FC236}">
-                  <a16:creationId xmlns="" xmlns:a16="http://schemas.microsoft.com/office/drawing/2014/main" id="{4EDB1155-2E8E-4FB8-AD42-101FE4383231}"/>
+                  <a16:creationId xmlns:a16="http://schemas.microsoft.com/office/drawing/2014/main" id="{4EDB1155-2E8E-4FB8-AD42-101FE4383231}"/>
                 </a:ext>
                 <a:ext uri="{C183D7F6-B498-43B3-948B-1728B52AA6E4}">
-                  <adec:decorative xmlns="" xmlns:adec="http://schemas.microsoft.com/office/drawing/2017/decorative" val="1"/>
+                  <adec:decorative xmlns:adec="http://schemas.microsoft.com/office/drawing/2017/decorative" val="1"/>
                 </a:ext>
               </a:extLst>
             </p:cNvPr>
@@ -17868,7 +18518,7 @@
             <p:nvPr>
               <p:extLst>
                 <p:ext uri="{386F3935-93C4-4BCD-93E2-E3B085C9AB24}">
-                  <p16:designElem xmlns="" xmlns:p16="http://schemas.microsoft.com/office/powerpoint/2015/main" val="1"/>
+                  <p16:designElem xmlns:p16="http://schemas.microsoft.com/office/powerpoint/2015/main" val="1"/>
                 </p:ext>
               </p:extLst>
             </p:nvPr>
@@ -17928,7 +18578,7 @@
           <p:cNvPr id="2" name="Title 1">
             <a:extLst>
               <a:ext uri="{FF2B5EF4-FFF2-40B4-BE49-F238E27FC236}">
-                <a16:creationId xmlns="" xmlns:a16="http://schemas.microsoft.com/office/drawing/2014/main" id="{C7492CCE-C435-464E-A19A-D4C606FDBE3D}"/>
+                <a16:creationId xmlns:a16="http://schemas.microsoft.com/office/drawing/2014/main" id="{C7492CCE-C435-464E-A19A-D4C606FDBE3D}"/>
               </a:ext>
             </a:extLst>
           </p:cNvPr>
@@ -17953,10 +18603,9 @@
           <a:p>
             <a:pPr algn="l"/>
             <a:r>
-              <a:rPr lang="en-US" dirty="0" smtClean="0"/>
+              <a:rPr lang="en-US" dirty="0"/>
               <a:t>Discrete Fourier Transform (DFT) Waves</a:t>
             </a:r>
-            <a:endParaRPr lang="en-US" dirty="0"/>
           </a:p>
         </p:txBody>
       </p:sp>
@@ -17965,7 +18614,7 @@
           <p:cNvPr id="5" name="TextBox 4">
             <a:extLst>
               <a:ext uri="{FF2B5EF4-FFF2-40B4-BE49-F238E27FC236}">
-                <a16:creationId xmlns="" xmlns:a16="http://schemas.microsoft.com/office/drawing/2014/main" id="{466A409B-90E2-4ACB-8A16-0329B5CEE6DF}"/>
+                <a16:creationId xmlns:a16="http://schemas.microsoft.com/office/drawing/2014/main" id="{466A409B-90E2-4ACB-8A16-0329B5CEE6DF}"/>
               </a:ext>
             </a:extLst>
           </p:cNvPr>
@@ -18016,7 +18665,7 @@
           <p:cNvPr id="7" name="Straight Arrow Connector 6">
             <a:extLst>
               <a:ext uri="{FF2B5EF4-FFF2-40B4-BE49-F238E27FC236}">
-                <a16:creationId xmlns="" xmlns:a16="http://schemas.microsoft.com/office/drawing/2014/main" id="{6C986E87-252D-4CDD-90A3-050A5080DF44}"/>
+                <a16:creationId xmlns:a16="http://schemas.microsoft.com/office/drawing/2014/main" id="{6C986E87-252D-4CDD-90A3-050A5080DF44}"/>
               </a:ext>
             </a:extLst>
           </p:cNvPr>
@@ -18057,7 +18706,7 @@
           <p:cNvPr id="17" name="Straight Arrow Connector 16">
             <a:extLst>
               <a:ext uri="{FF2B5EF4-FFF2-40B4-BE49-F238E27FC236}">
-                <a16:creationId xmlns="" xmlns:a16="http://schemas.microsoft.com/office/drawing/2014/main" id="{8B32EEAB-6F30-4731-8D76-02708A63C23C}"/>
+                <a16:creationId xmlns:a16="http://schemas.microsoft.com/office/drawing/2014/main" id="{8B32EEAB-6F30-4731-8D76-02708A63C23C}"/>
               </a:ext>
             </a:extLst>
           </p:cNvPr>
@@ -18098,7 +18747,7 @@
           <p:cNvPr id="18" name="Straight Arrow Connector 17">
             <a:extLst>
               <a:ext uri="{FF2B5EF4-FFF2-40B4-BE49-F238E27FC236}">
-                <a16:creationId xmlns="" xmlns:a16="http://schemas.microsoft.com/office/drawing/2014/main" id="{E930BBA9-7BA1-48A0-A9E1-F9545CD11BAA}"/>
+                <a16:creationId xmlns:a16="http://schemas.microsoft.com/office/drawing/2014/main" id="{E930BBA9-7BA1-48A0-A9E1-F9545CD11BAA}"/>
               </a:ext>
             </a:extLst>
           </p:cNvPr>
@@ -18139,7 +18788,7 @@
           <p:cNvPr id="19" name="Straight Arrow Connector 18">
             <a:extLst>
               <a:ext uri="{FF2B5EF4-FFF2-40B4-BE49-F238E27FC236}">
-                <a16:creationId xmlns="" xmlns:a16="http://schemas.microsoft.com/office/drawing/2014/main" id="{72D8D5ED-08A2-4E59-AA33-3E70202E855D}"/>
+                <a16:creationId xmlns:a16="http://schemas.microsoft.com/office/drawing/2014/main" id="{72D8D5ED-08A2-4E59-AA33-3E70202E855D}"/>
               </a:ext>
             </a:extLst>
           </p:cNvPr>
@@ -18230,7 +18879,7 @@
           <p:cNvPr id="30" name="TextBox 11">
             <a:extLst>
               <a:ext uri="{FF2B5EF4-FFF2-40B4-BE49-F238E27FC236}">
-                <a16:creationId xmlns:lc="http://schemas.openxmlformats.org/drawingml/2006/lockedCanvas" xmlns:a16="http://schemas.microsoft.com/office/drawing/2014/main" xmlns="" id="{3ED8D828-23F6-4F62-895A-0C04DE02C6A7}"/>
+                <a16:creationId xmlns:a16="http://schemas.microsoft.com/office/drawing/2014/main" id="{3ED8D828-23F6-4F62-895A-0C04DE02C6A7}"/>
               </a:ext>
             </a:extLst>
           </p:cNvPr>
@@ -18349,13 +18998,8 @@
           <a:p>
             <a:r>
               <a:rPr lang="en-US" sz="1000" dirty="0"/>
-              <a:t>Figure 6</a:t>
+              <a:t>Figure 6: Implementation of DFT Waves</a:t>
             </a:r>
-            <a:r>
-              <a:rPr lang="en-US" sz="1000" dirty="0" smtClean="0"/>
-              <a:t>: Implementation of DFT Waves</a:t>
-            </a:r>
-            <a:endParaRPr lang="en-US" sz="1000" dirty="0"/>
           </a:p>
         </p:txBody>
       </p:sp>
@@ -18364,7 +19008,7 @@
           <p:cNvPr id="31" name="TextBox 11">
             <a:extLst>
               <a:ext uri="{FF2B5EF4-FFF2-40B4-BE49-F238E27FC236}">
-                <a16:creationId xmlns:lc="http://schemas.openxmlformats.org/drawingml/2006/lockedCanvas" xmlns:a16="http://schemas.microsoft.com/office/drawing/2014/main" xmlns="" id="{3ED8D828-23F6-4F62-895A-0C04DE02C6A7}"/>
+                <a16:creationId xmlns:a16="http://schemas.microsoft.com/office/drawing/2014/main" id="{3ED8D828-23F6-4F62-895A-0C04DE02C6A7}"/>
               </a:ext>
             </a:extLst>
           </p:cNvPr>
@@ -18483,13 +19127,8 @@
           <a:p>
             <a:r>
               <a:rPr lang="en-US" sz="1000" dirty="0"/>
-              <a:t>Figure 7</a:t>
+              <a:t>Figure 7: Implementation of DFT Waves</a:t>
             </a:r>
-            <a:r>
-              <a:rPr lang="en-US" sz="1000" dirty="0" smtClean="0"/>
-              <a:t>: Implementation of DFT Waves</a:t>
-            </a:r>
-            <a:endParaRPr lang="en-US" sz="1000" dirty="0"/>
           </a:p>
         </p:txBody>
       </p:sp>
@@ -18536,10 +19175,10 @@
           <p:cNvPr id="21" name="Rectangle 20">
             <a:extLst>
               <a:ext uri="{FF2B5EF4-FFF2-40B4-BE49-F238E27FC236}">
-                <a16:creationId xmlns="" xmlns:a16="http://schemas.microsoft.com/office/drawing/2014/main" id="{99CAC3B1-4879-424D-8F15-206277196159}"/>
+                <a16:creationId xmlns:a16="http://schemas.microsoft.com/office/drawing/2014/main" id="{99CAC3B1-4879-424D-8F15-206277196159}"/>
               </a:ext>
               <a:ext uri="{C183D7F6-B498-43B3-948B-1728B52AA6E4}">
-                <adec:decorative xmlns="" xmlns:adec="http://schemas.microsoft.com/office/drawing/2017/decorative" val="1"/>
+                <adec:decorative xmlns:adec="http://schemas.microsoft.com/office/drawing/2017/decorative" val="1"/>
               </a:ext>
             </a:extLst>
           </p:cNvPr>
@@ -18549,7 +19188,7 @@
           <p:nvPr>
             <p:extLst>
               <p:ext uri="{386F3935-93C4-4BCD-93E2-E3B085C9AB24}">
-                <p16:designElem xmlns="" xmlns:p16="http://schemas.microsoft.com/office/powerpoint/2015/main" val="1"/>
+                <p16:designElem xmlns:p16="http://schemas.microsoft.com/office/powerpoint/2015/main" val="1"/>
               </p:ext>
             </p:extLst>
           </p:nvPr>
@@ -18596,10 +19235,10 @@
           <p:cNvPr id="23" name="Group 22">
             <a:extLst>
               <a:ext uri="{FF2B5EF4-FFF2-40B4-BE49-F238E27FC236}">
-                <a16:creationId xmlns="" xmlns:a16="http://schemas.microsoft.com/office/drawing/2014/main" id="{4B8492CB-DFBA-4A82-9778-F21493DA36C1}"/>
+                <a16:creationId xmlns:a16="http://schemas.microsoft.com/office/drawing/2014/main" id="{4B8492CB-DFBA-4A82-9778-F21493DA36C1}"/>
               </a:ext>
               <a:ext uri="{C183D7F6-B498-43B3-948B-1728B52AA6E4}">
-                <adec:decorative xmlns="" xmlns:adec="http://schemas.microsoft.com/office/drawing/2017/decorative" val="1"/>
+                <adec:decorative xmlns:adec="http://schemas.microsoft.com/office/drawing/2017/decorative" val="1"/>
               </a:ext>
             </a:extLst>
           </p:cNvPr>
@@ -18609,7 +19248,7 @@
           <p:nvPr>
             <p:extLst>
               <p:ext uri="{386F3935-93C4-4BCD-93E2-E3B085C9AB24}">
-                <p16:designElem xmlns="" xmlns:p16="http://schemas.microsoft.com/office/powerpoint/2015/main" val="1"/>
+                <p16:designElem xmlns:p16="http://schemas.microsoft.com/office/powerpoint/2015/main" val="1"/>
               </p:ext>
             </p:extLst>
           </p:nvPr>
@@ -18627,10 +19266,10 @@
             <p:cNvPr id="24" name="Freeform 6">
               <a:extLst>
                 <a:ext uri="{FF2B5EF4-FFF2-40B4-BE49-F238E27FC236}">
-                  <a16:creationId xmlns="" xmlns:a16="http://schemas.microsoft.com/office/drawing/2014/main" id="{E34CC1C8-EBDD-4AEA-83E6-B27575B62E2E}"/>
+                  <a16:creationId xmlns:a16="http://schemas.microsoft.com/office/drawing/2014/main" id="{E34CC1C8-EBDD-4AEA-83E6-B27575B62E2E}"/>
                 </a:ext>
                 <a:ext uri="{C183D7F6-B498-43B3-948B-1728B52AA6E4}">
-                  <adec:decorative xmlns="" xmlns:adec="http://schemas.microsoft.com/office/drawing/2017/decorative" val="1"/>
+                  <adec:decorative xmlns:adec="http://schemas.microsoft.com/office/drawing/2017/decorative" val="1"/>
                 </a:ext>
               </a:extLst>
             </p:cNvPr>
@@ -18638,7 +19277,7 @@
             <p:nvPr>
               <p:extLst>
                 <p:ext uri="{386F3935-93C4-4BCD-93E2-E3B085C9AB24}">
-                  <p16:designElem xmlns="" xmlns:p16="http://schemas.microsoft.com/office/powerpoint/2015/main" val="1"/>
+                  <p16:designElem xmlns:p16="http://schemas.microsoft.com/office/powerpoint/2015/main" val="1"/>
                 </p:ext>
               </p:extLst>
             </p:nvPr>
@@ -18688,10 +19327,10 @@
             <p:cNvPr id="25" name="Freeform 7">
               <a:extLst>
                 <a:ext uri="{FF2B5EF4-FFF2-40B4-BE49-F238E27FC236}">
-                  <a16:creationId xmlns="" xmlns:a16="http://schemas.microsoft.com/office/drawing/2014/main" id="{D6B38644-B85D-4211-9526-5B4C2A662BF7}"/>
+                  <a16:creationId xmlns:a16="http://schemas.microsoft.com/office/drawing/2014/main" id="{D6B38644-B85D-4211-9526-5B4C2A662BF7}"/>
                 </a:ext>
                 <a:ext uri="{C183D7F6-B498-43B3-948B-1728B52AA6E4}">
-                  <adec:decorative xmlns="" xmlns:adec="http://schemas.microsoft.com/office/drawing/2017/decorative" val="1"/>
+                  <adec:decorative xmlns:adec="http://schemas.microsoft.com/office/drawing/2017/decorative" val="1"/>
                 </a:ext>
               </a:extLst>
             </p:cNvPr>
@@ -18699,7 +19338,7 @@
             <p:nvPr>
               <p:extLst>
                 <p:ext uri="{386F3935-93C4-4BCD-93E2-E3B085C9AB24}">
-                  <p16:designElem xmlns="" xmlns:p16="http://schemas.microsoft.com/office/powerpoint/2015/main" val="1"/>
+                  <p16:designElem xmlns:p16="http://schemas.microsoft.com/office/powerpoint/2015/main" val="1"/>
                 </p:ext>
               </p:extLst>
             </p:nvPr>
@@ -18752,10 +19391,10 @@
             <p:cNvPr id="26" name="Freeform 12">
               <a:extLst>
                 <a:ext uri="{FF2B5EF4-FFF2-40B4-BE49-F238E27FC236}">
-                  <a16:creationId xmlns="" xmlns:a16="http://schemas.microsoft.com/office/drawing/2014/main" id="{8A8B2820-6B8F-4C19-BFC5-D28EE44E54CB}"/>
+                  <a16:creationId xmlns:a16="http://schemas.microsoft.com/office/drawing/2014/main" id="{8A8B2820-6B8F-4C19-BFC5-D28EE44E54CB}"/>
                 </a:ext>
                 <a:ext uri="{C183D7F6-B498-43B3-948B-1728B52AA6E4}">
-                  <adec:decorative xmlns="" xmlns:adec="http://schemas.microsoft.com/office/drawing/2017/decorative" val="1"/>
+                  <adec:decorative xmlns:adec="http://schemas.microsoft.com/office/drawing/2017/decorative" val="1"/>
                 </a:ext>
               </a:extLst>
             </p:cNvPr>
@@ -18763,7 +19402,7 @@
             <p:nvPr>
               <p:extLst>
                 <p:ext uri="{386F3935-93C4-4BCD-93E2-E3B085C9AB24}">
-                  <p16:designElem xmlns="" xmlns:p16="http://schemas.microsoft.com/office/powerpoint/2015/main" val="1"/>
+                  <p16:designElem xmlns:p16="http://schemas.microsoft.com/office/powerpoint/2015/main" val="1"/>
                 </p:ext>
               </p:extLst>
             </p:nvPr>
@@ -18810,10 +19449,10 @@
             <p:cNvPr id="27" name="Freeform 13">
               <a:extLst>
                 <a:ext uri="{FF2B5EF4-FFF2-40B4-BE49-F238E27FC236}">
-                  <a16:creationId xmlns="" xmlns:a16="http://schemas.microsoft.com/office/drawing/2014/main" id="{773528ED-4D37-4A77-A8CA-86B6221C5E82}"/>
+                  <a16:creationId xmlns:a16="http://schemas.microsoft.com/office/drawing/2014/main" id="{773528ED-4D37-4A77-A8CA-86B6221C5E82}"/>
                 </a:ext>
                 <a:ext uri="{C183D7F6-B498-43B3-948B-1728B52AA6E4}">
-                  <adec:decorative xmlns="" xmlns:adec="http://schemas.microsoft.com/office/drawing/2017/decorative" val="1"/>
+                  <adec:decorative xmlns:adec="http://schemas.microsoft.com/office/drawing/2017/decorative" val="1"/>
                 </a:ext>
               </a:extLst>
             </p:cNvPr>
@@ -18821,7 +19460,7 @@
             <p:nvPr>
               <p:extLst>
                 <p:ext uri="{386F3935-93C4-4BCD-93E2-E3B085C9AB24}">
-                  <p16:designElem xmlns="" xmlns:p16="http://schemas.microsoft.com/office/powerpoint/2015/main" val="1"/>
+                  <p16:designElem xmlns:p16="http://schemas.microsoft.com/office/powerpoint/2015/main" val="1"/>
                 </p:ext>
               </p:extLst>
             </p:nvPr>
@@ -18870,10 +19509,10 @@
             <p:cNvPr id="28" name="Freeform 14">
               <a:extLst>
                 <a:ext uri="{FF2B5EF4-FFF2-40B4-BE49-F238E27FC236}">
-                  <a16:creationId xmlns="" xmlns:a16="http://schemas.microsoft.com/office/drawing/2014/main" id="{8A58A902-E944-4399-9A93-A91A6A82B166}"/>
+                  <a16:creationId xmlns:a16="http://schemas.microsoft.com/office/drawing/2014/main" id="{8A58A902-E944-4399-9A93-A91A6A82B166}"/>
                 </a:ext>
                 <a:ext uri="{C183D7F6-B498-43B3-948B-1728B52AA6E4}">
-                  <adec:decorative xmlns="" xmlns:adec="http://schemas.microsoft.com/office/drawing/2017/decorative" val="1"/>
+                  <adec:decorative xmlns:adec="http://schemas.microsoft.com/office/drawing/2017/decorative" val="1"/>
                 </a:ext>
               </a:extLst>
             </p:cNvPr>
@@ -18881,7 +19520,7 @@
             <p:nvPr>
               <p:extLst>
                 <p:ext uri="{386F3935-93C4-4BCD-93E2-E3B085C9AB24}">
-                  <p16:designElem xmlns="" xmlns:p16="http://schemas.microsoft.com/office/powerpoint/2015/main" val="1"/>
+                  <p16:designElem xmlns:p16="http://schemas.microsoft.com/office/powerpoint/2015/main" val="1"/>
                 </p:ext>
               </p:extLst>
             </p:nvPr>
@@ -18936,10 +19575,10 @@
             <p:cNvPr id="29" name="Freeform 15">
               <a:extLst>
                 <a:ext uri="{FF2B5EF4-FFF2-40B4-BE49-F238E27FC236}">
-                  <a16:creationId xmlns="" xmlns:a16="http://schemas.microsoft.com/office/drawing/2014/main" id="{4EDB1155-2E8E-4FB8-AD42-101FE4383231}"/>
+                  <a16:creationId xmlns:a16="http://schemas.microsoft.com/office/drawing/2014/main" id="{4EDB1155-2E8E-4FB8-AD42-101FE4383231}"/>
                 </a:ext>
                 <a:ext uri="{C183D7F6-B498-43B3-948B-1728B52AA6E4}">
-                  <adec:decorative xmlns="" xmlns:adec="http://schemas.microsoft.com/office/drawing/2017/decorative" val="1"/>
+                  <adec:decorative xmlns:adec="http://schemas.microsoft.com/office/drawing/2017/decorative" val="1"/>
                 </a:ext>
               </a:extLst>
             </p:cNvPr>
@@ -18947,7 +19586,7 @@
             <p:nvPr>
               <p:extLst>
                 <p:ext uri="{386F3935-93C4-4BCD-93E2-E3B085C9AB24}">
-                  <p16:designElem xmlns="" xmlns:p16="http://schemas.microsoft.com/office/powerpoint/2015/main" val="1"/>
+                  <p16:designElem xmlns:p16="http://schemas.microsoft.com/office/powerpoint/2015/main" val="1"/>
                 </p:ext>
               </p:extLst>
             </p:nvPr>
@@ -19007,7 +19646,7 @@
           <p:cNvPr id="2" name="Title 1">
             <a:extLst>
               <a:ext uri="{FF2B5EF4-FFF2-40B4-BE49-F238E27FC236}">
-                <a16:creationId xmlns="" xmlns:a16="http://schemas.microsoft.com/office/drawing/2014/main" id="{C7492CCE-C435-464E-A19A-D4C606FDBE3D}"/>
+                <a16:creationId xmlns:a16="http://schemas.microsoft.com/office/drawing/2014/main" id="{C7492CCE-C435-464E-A19A-D4C606FDBE3D}"/>
               </a:ext>
             </a:extLst>
           </p:cNvPr>
@@ -19032,10 +19671,9 @@
           <a:p>
             <a:pPr algn="l"/>
             <a:r>
-              <a:rPr lang="en-US" dirty="0" smtClean="0"/>
+              <a:rPr lang="en-US" dirty="0"/>
               <a:t>Discrete Fourier Transform Waves</a:t>
             </a:r>
-            <a:endParaRPr lang="en-US" dirty="0"/>
           </a:p>
         </p:txBody>
       </p:sp>
@@ -19044,7 +19682,7 @@
           <p:cNvPr id="5" name="TextBox 4">
             <a:extLst>
               <a:ext uri="{FF2B5EF4-FFF2-40B4-BE49-F238E27FC236}">
-                <a16:creationId xmlns="" xmlns:a16="http://schemas.microsoft.com/office/drawing/2014/main" id="{466A409B-90E2-4ACB-8A16-0329B5CEE6DF}"/>
+                <a16:creationId xmlns:a16="http://schemas.microsoft.com/office/drawing/2014/main" id="{466A409B-90E2-4ACB-8A16-0329B5CEE6DF}"/>
               </a:ext>
             </a:extLst>
           </p:cNvPr>
@@ -19095,7 +19733,7 @@
           <p:cNvPr id="7" name="Straight Arrow Connector 6">
             <a:extLst>
               <a:ext uri="{FF2B5EF4-FFF2-40B4-BE49-F238E27FC236}">
-                <a16:creationId xmlns="" xmlns:a16="http://schemas.microsoft.com/office/drawing/2014/main" id="{6C986E87-252D-4CDD-90A3-050A5080DF44}"/>
+                <a16:creationId xmlns:a16="http://schemas.microsoft.com/office/drawing/2014/main" id="{6C986E87-252D-4CDD-90A3-050A5080DF44}"/>
               </a:ext>
             </a:extLst>
           </p:cNvPr>
@@ -19136,7 +19774,7 @@
           <p:cNvPr id="17" name="Straight Arrow Connector 16">
             <a:extLst>
               <a:ext uri="{FF2B5EF4-FFF2-40B4-BE49-F238E27FC236}">
-                <a16:creationId xmlns="" xmlns:a16="http://schemas.microsoft.com/office/drawing/2014/main" id="{8B32EEAB-6F30-4731-8D76-02708A63C23C}"/>
+                <a16:creationId xmlns:a16="http://schemas.microsoft.com/office/drawing/2014/main" id="{8B32EEAB-6F30-4731-8D76-02708A63C23C}"/>
               </a:ext>
             </a:extLst>
           </p:cNvPr>
@@ -19177,7 +19815,7 @@
           <p:cNvPr id="18" name="Straight Arrow Connector 17">
             <a:extLst>
               <a:ext uri="{FF2B5EF4-FFF2-40B4-BE49-F238E27FC236}">
-                <a16:creationId xmlns="" xmlns:a16="http://schemas.microsoft.com/office/drawing/2014/main" id="{E930BBA9-7BA1-48A0-A9E1-F9545CD11BAA}"/>
+                <a16:creationId xmlns:a16="http://schemas.microsoft.com/office/drawing/2014/main" id="{E930BBA9-7BA1-48A0-A9E1-F9545CD11BAA}"/>
               </a:ext>
             </a:extLst>
           </p:cNvPr>
@@ -19218,7 +19856,7 @@
           <p:cNvPr id="19" name="Straight Arrow Connector 18">
             <a:extLst>
               <a:ext uri="{FF2B5EF4-FFF2-40B4-BE49-F238E27FC236}">
-                <a16:creationId xmlns="" xmlns:a16="http://schemas.microsoft.com/office/drawing/2014/main" id="{72D8D5ED-08A2-4E59-AA33-3E70202E855D}"/>
+                <a16:creationId xmlns:a16="http://schemas.microsoft.com/office/drawing/2014/main" id="{72D8D5ED-08A2-4E59-AA33-3E70202E855D}"/>
               </a:ext>
             </a:extLst>
           </p:cNvPr>
@@ -19283,7 +19921,7 @@
           <p:cNvPr id="20" name="TextBox 11">
             <a:extLst>
               <a:ext uri="{FF2B5EF4-FFF2-40B4-BE49-F238E27FC236}">
-                <a16:creationId xmlns:lc="http://schemas.openxmlformats.org/drawingml/2006/lockedCanvas" xmlns:a16="http://schemas.microsoft.com/office/drawing/2014/main" xmlns="" id="{3ED8D828-23F6-4F62-895A-0C04DE02C6A7}"/>
+                <a16:creationId xmlns:a16="http://schemas.microsoft.com/office/drawing/2014/main" id="{3ED8D828-23F6-4F62-895A-0C04DE02C6A7}"/>
               </a:ext>
             </a:extLst>
           </p:cNvPr>
@@ -19402,13 +20040,8 @@
           <a:p>
             <a:r>
               <a:rPr lang="en-US" sz="1000" dirty="0"/>
-              <a:t>Figure </a:t>
+              <a:t>Figure 8: Implementation of DFT Waves</a:t>
             </a:r>
-            <a:r>
-              <a:rPr lang="en-US" sz="1000" dirty="0" smtClean="0"/>
-              <a:t>8: Implementation of DFT Waves</a:t>
-            </a:r>
-            <a:endParaRPr lang="en-US" sz="1000" dirty="0"/>
           </a:p>
         </p:txBody>
       </p:sp>
@@ -19985,15 +20618,6 @@
 </file>
 
 <file path=customXml/item2.xml><?xml version="1.0" encoding="utf-8"?>
-<?mso-contentType ?>
-<FormTemplates xmlns="http://schemas.microsoft.com/sharepoint/v3/contenttype/forms">
-  <Display>DocumentLibraryForm</Display>
-  <Edit>DocumentLibraryForm</Edit>
-  <New>DocumentLibraryForm</New>
-</FormTemplates>
-</file>
-
-<file path=customXml/item3.xml><?xml version="1.0" encoding="utf-8"?>
 <ct:contentTypeSchema xmlns:ct="http://schemas.microsoft.com/office/2006/metadata/contentType" xmlns:ma="http://schemas.microsoft.com/office/2006/metadata/properties/metaAttributes" ct:_="" ma:_="" ma:contentTypeName="Document" ma:contentTypeID="0x01010079F111ED35F8CC479449609E8A0923A6" ma:contentTypeVersion="11" ma:contentTypeDescription="Create a new document." ma:contentTypeScope="" ma:versionID="9677210f24a1be23c92c90fd886aa0aa">
   <xsd:schema xmlns:xsd="http://www.w3.org/2001/XMLSchema" xmlns:xs="http://www.w3.org/2001/XMLSchema" xmlns:p="http://schemas.microsoft.com/office/2006/metadata/properties" xmlns:ns2="71af3243-3dd4-4a8d-8c0d-dd76da1f02a5" xmlns:ns3="16c05727-aa75-4e4a-9b5f-8a80a1165891" targetNamespace="http://schemas.microsoft.com/office/2006/metadata/properties" ma:root="true" ma:fieldsID="60e05723c5c1908df1a1a4ebf11d344e" ns2:_="" ns3:_="">
     <xsd:import namespace="71af3243-3dd4-4a8d-8c0d-dd76da1f02a5"/>
@@ -20204,6 +20828,15 @@
 </ct:contentTypeSchema>
 </file>
 
+<file path=customXml/item3.xml><?xml version="1.0" encoding="utf-8"?>
+<?mso-contentType ?>
+<FormTemplates xmlns="http://schemas.microsoft.com/sharepoint/v3/contenttype/forms">
+  <Display>DocumentLibraryForm</Display>
+  <Edit>DocumentLibraryForm</Edit>
+  <New>DocumentLibraryForm</New>
+</FormTemplates>
+</file>
+
 <file path=customXml/itemProps1.xml><?xml version="1.0" encoding="utf-8"?>
 <ds:datastoreItem xmlns:ds="http://schemas.openxmlformats.org/officeDocument/2006/customXml" ds:itemID="{D7023227-530E-4024-91EF-312A851A758C}">
   <ds:schemaRefs>
@@ -20215,14 +20848,6 @@
 </file>
 
 <file path=customXml/itemProps2.xml><?xml version="1.0" encoding="utf-8"?>
-<ds:datastoreItem xmlns:ds="http://schemas.openxmlformats.org/officeDocument/2006/customXml" ds:itemID="{33315AA3-EAE3-44ED-8368-BAC2FFFB4817}">
-  <ds:schemaRefs>
-    <ds:schemaRef ds:uri="http://schemas.microsoft.com/sharepoint/v3/contenttype/forms"/>
-  </ds:schemaRefs>
-</ds:datastoreItem>
-</file>
-
-<file path=customXml/itemProps3.xml><?xml version="1.0" encoding="utf-8"?>
 <ds:datastoreItem xmlns:ds="http://schemas.openxmlformats.org/officeDocument/2006/customXml" ds:itemID="{627C19A7-3107-4CB2-BD0D-F7C79BE028CC}">
   <ds:schemaRefs>
     <ds:schemaRef ds:uri="http://schemas.microsoft.com/office/2006/metadata/contentType"/>
@@ -20239,4 +20864,12 @@
     <ds:schemaRef ds:uri="http://schemas.microsoft.com/internal/obd"/>
   </ds:schemaRefs>
 </ds:datastoreItem>
+</file>
+
+<file path=customXml/itemProps3.xml><?xml version="1.0" encoding="utf-8"?>
+<ds:datastoreItem xmlns:ds="http://schemas.openxmlformats.org/officeDocument/2006/customXml" ds:itemID="{33315AA3-EAE3-44ED-8368-BAC2FFFB4817}">
+  <ds:schemaRefs>
+    <ds:schemaRef ds:uri="http://schemas.microsoft.com/sharepoint/v3/contenttype/forms"/>
+  </ds:schemaRefs>
+</ds:datastoreItem>
 </file>
--- a/OceanSimulation/Docs/Large Scale Realistic Ocean Rendering and Simulation.pptx
+++ b/OceanSimulation/Docs/Large Scale Realistic Ocean Rendering and Simulation.pptx
@@ -5,7 +5,7 @@
     <p:sldMasterId id="2147483648" r:id="rId4"/>
   </p:sldMasterIdLst>
   <p:notesMasterIdLst>
-    <p:notesMasterId r:id="rId21"/>
+    <p:notesMasterId r:id="rId23"/>
   </p:notesMasterIdLst>
   <p:sldIdLst>
     <p:sldId id="260" r:id="rId5"/>
@@ -23,7 +23,9 @@
     <p:sldId id="269" r:id="rId17"/>
     <p:sldId id="265" r:id="rId18"/>
     <p:sldId id="270" r:id="rId19"/>
-    <p:sldId id="275" r:id="rId20"/>
+    <p:sldId id="276" r:id="rId20"/>
+    <p:sldId id="277" r:id="rId21"/>
+    <p:sldId id="275" r:id="rId22"/>
   </p:sldIdLst>
   <p:sldSz cx="12192000" cy="6858000"/>
   <p:notesSz cx="6858000" cy="9144000"/>
@@ -212,7 +214,7 @@
           <a:p>
             <a:fld id="{4B3F774C-70F7-4ED4-813C-739E51CF8487}" type="datetimeFigureOut">
               <a:rPr lang="en-US" smtClean="0"/>
-              <a:t>2/23/2021</a:t>
+              <a:t>3/9/2021</a:t>
             </a:fld>
             <a:endParaRPr lang="en-US" dirty="0"/>
           </a:p>
@@ -981,7 +983,7 @@
           <a:p>
             <a:fld id="{F9F2E34D-57B0-41D5-A7AF-DF10D1068115}" type="datetime1">
               <a:rPr lang="en-US" smtClean="0"/>
-              <a:t>2/23/2021</a:t>
+              <a:t>3/9/2021</a:t>
             </a:fld>
             <a:endParaRPr lang="en-US" dirty="0"/>
           </a:p>
@@ -1273,7 +1275,7 @@
           <a:p>
             <a:fld id="{DF6E8327-77F4-4A2B-9238-101C8E3404E4}" type="datetime1">
               <a:rPr lang="en-US" smtClean="0"/>
-              <a:t>2/23/2021</a:t>
+              <a:t>3/9/2021</a:t>
             </a:fld>
             <a:endParaRPr lang="en-US" dirty="0"/>
           </a:p>
@@ -1517,7 +1519,7 @@
           <a:p>
             <a:fld id="{5287327A-3B7B-4F18-AD00-4892CF91FF9D}" type="datetime1">
               <a:rPr lang="en-US" smtClean="0"/>
-              <a:t>2/23/2021</a:t>
+              <a:t>3/9/2021</a:t>
             </a:fld>
             <a:endParaRPr lang="en-US" dirty="0"/>
           </a:p>
@@ -2053,7 +2055,7 @@
           <a:p>
             <a:fld id="{84398241-E647-4007-AB01-BB30869910EB}" type="datetime1">
               <a:rPr lang="en-US" smtClean="0"/>
-              <a:t>2/23/2021</a:t>
+              <a:t>3/9/2021</a:t>
             </a:fld>
             <a:endParaRPr lang="en-US" dirty="0"/>
           </a:p>
@@ -2297,7 +2299,7 @@
           <a:p>
             <a:fld id="{A09F5554-C941-4C3B-A197-75ED448862A0}" type="datetime1">
               <a:rPr lang="en-US" smtClean="0"/>
-              <a:t>2/23/2021</a:t>
+              <a:t>3/9/2021</a:t>
             </a:fld>
             <a:endParaRPr lang="en-US" dirty="0"/>
           </a:p>
@@ -2825,7 +2827,7 @@
           <a:p>
             <a:fld id="{DC6B44A0-C3F8-4023-9352-7CF7C034B2C8}" type="datetime1">
               <a:rPr lang="en-US" smtClean="0"/>
-              <a:t>2/23/2021</a:t>
+              <a:t>3/9/2021</a:t>
             </a:fld>
             <a:endParaRPr lang="en-US" dirty="0"/>
           </a:p>
@@ -3118,7 +3120,7 @@
           <a:p>
             <a:fld id="{79C3DC5B-471F-47EA-B884-FE923235A560}" type="datetime1">
               <a:rPr lang="en-US" smtClean="0"/>
-              <a:t>2/23/2021</a:t>
+              <a:t>3/9/2021</a:t>
             </a:fld>
             <a:endParaRPr lang="en-US" dirty="0"/>
           </a:p>
@@ -3288,7 +3290,7 @@
           <a:p>
             <a:fld id="{03F8C408-3247-4796-93FF-B91D6887AEC0}" type="datetime1">
               <a:rPr lang="en-US" smtClean="0"/>
-              <a:t>2/23/2021</a:t>
+              <a:t>3/9/2021</a:t>
             </a:fld>
             <a:endParaRPr lang="en-US" dirty="0"/>
           </a:p>
@@ -3464,7 +3466,7 @@
           <a:p>
             <a:fld id="{BBA1D282-CC74-49F4-B876-75084EFB56F1}" type="datetime1">
               <a:rPr lang="en-US" smtClean="0"/>
-              <a:t>2/23/2021</a:t>
+              <a:t>3/9/2021</a:t>
             </a:fld>
             <a:endParaRPr lang="en-US" dirty="0"/>
           </a:p>
@@ -3630,7 +3632,7 @@
           <a:p>
             <a:fld id="{BF56EAF9-2583-4989-8D87-13F548ED6E0C}" type="datetime1">
               <a:rPr lang="en-US" smtClean="0"/>
-              <a:t>2/23/2021</a:t>
+              <a:t>3/9/2021</a:t>
             </a:fld>
             <a:endParaRPr lang="en-US" dirty="0"/>
           </a:p>
@@ -3877,7 +3879,7 @@
           <a:p>
             <a:fld id="{B70E3CFB-BB1B-4B2A-ADF6-B1A4609854C4}" type="datetime1">
               <a:rPr lang="en-US" smtClean="0"/>
-              <a:t>2/23/2021</a:t>
+              <a:t>3/9/2021</a:t>
             </a:fld>
             <a:endParaRPr lang="en-US" dirty="0"/>
           </a:p>
@@ -4170,7 +4172,7 @@
           <a:p>
             <a:fld id="{2B3AEAA8-1A97-412E-935C-2E918F139579}" type="datetime1">
               <a:rPr lang="en-US" smtClean="0"/>
-              <a:t>2/23/2021</a:t>
+              <a:t>3/9/2021</a:t>
             </a:fld>
             <a:endParaRPr lang="en-US" dirty="0"/>
           </a:p>
@@ -4608,7 +4610,7 @@
           <a:p>
             <a:fld id="{638B0DF1-CA1F-4E36-8C65-C52A9896A8FB}" type="datetime1">
               <a:rPr lang="en-US" smtClean="0"/>
-              <a:t>2/23/2021</a:t>
+              <a:t>3/9/2021</a:t>
             </a:fld>
             <a:endParaRPr lang="en-US" dirty="0"/>
           </a:p>
@@ -4722,7 +4724,7 @@
           <a:p>
             <a:fld id="{DB6173FD-197A-4AD6-8D60-38B6A76F0734}" type="datetime1">
               <a:rPr lang="en-US" smtClean="0"/>
-              <a:t>2/23/2021</a:t>
+              <a:t>3/9/2021</a:t>
             </a:fld>
             <a:endParaRPr lang="en-US" dirty="0"/>
           </a:p>
@@ -4813,7 +4815,7 @@
           <a:p>
             <a:fld id="{6BDC3949-07FA-4C7A-A990-D6D1043EED71}" type="datetime1">
               <a:rPr lang="en-US" smtClean="0"/>
-              <a:t>2/23/2021</a:t>
+              <a:t>3/9/2021</a:t>
             </a:fld>
             <a:endParaRPr lang="en-US" dirty="0"/>
           </a:p>
@@ -5092,7 +5094,7 @@
           <a:p>
             <a:fld id="{2E9E2DE8-6D13-4218-A974-D45AA7B6E4FF}" type="datetime1">
               <a:rPr lang="en-US" smtClean="0"/>
-              <a:t>2/23/2021</a:t>
+              <a:t>3/9/2021</a:t>
             </a:fld>
             <a:endParaRPr lang="en-US" dirty="0"/>
           </a:p>
@@ -5379,7 +5381,7 @@
           <a:p>
             <a:fld id="{9CDAB7D7-4BDA-4ABC-B31D-66201C69A314}" type="datetime1">
               <a:rPr lang="en-US" smtClean="0"/>
-              <a:t>2/23/2021</a:t>
+              <a:t>3/9/2021</a:t>
             </a:fld>
             <a:endParaRPr lang="en-US" dirty="0"/>
           </a:p>
@@ -5905,7 +5907,7 @@
           <a:p>
             <a:fld id="{4E3F0A0B-291C-4112-A023-023C51AB2E85}" type="datetime1">
               <a:rPr lang="en-US" smtClean="0"/>
-              <a:t>2/23/2021</a:t>
+              <a:t>3/9/2021</a:t>
             </a:fld>
             <a:endParaRPr lang="en-US" dirty="0"/>
           </a:p>
@@ -6446,10 +6448,10 @@
           <p:cNvPr id="21" name="Rectangle 20">
             <a:extLst>
               <a:ext uri="{FF2B5EF4-FFF2-40B4-BE49-F238E27FC236}">
-                <a16:creationId xmlns:a16="http://schemas.microsoft.com/office/drawing/2014/main" id="{E5A92FE9-DB05-4D0D-AF5A-BE8664B9FFB4}"/>
+                <a16:creationId xmlns:a16="http://schemas.microsoft.com/office/drawing/2014/main" xmlns="" id="{E5A92FE9-DB05-4D0D-AF5A-BE8664B9FFB4}"/>
               </a:ext>
               <a:ext uri="{C183D7F6-B498-43B3-948B-1728B52AA6E4}">
-                <adec:decorative xmlns:adec="http://schemas.microsoft.com/office/drawing/2017/decorative" val="1"/>
+                <adec:decorative xmlns:adec="http://schemas.microsoft.com/office/drawing/2017/decorative" xmlns="" val="1"/>
               </a:ext>
             </a:extLst>
           </p:cNvPr>
@@ -6459,7 +6461,7 @@
           <p:nvPr>
             <p:extLst>
               <p:ext uri="{386F3935-93C4-4BCD-93E2-E3B085C9AB24}">
-                <p16:designElem xmlns:p16="http://schemas.microsoft.com/office/powerpoint/2015/main" val="1"/>
+                <p16:designElem xmlns:p16="http://schemas.microsoft.com/office/powerpoint/2015/main" xmlns="" val="1"/>
               </p:ext>
             </p:extLst>
           </p:nvPr>
@@ -6506,10 +6508,10 @@
           <p:cNvPr id="23" name="Group 22">
             <a:extLst>
               <a:ext uri="{FF2B5EF4-FFF2-40B4-BE49-F238E27FC236}">
-                <a16:creationId xmlns:a16="http://schemas.microsoft.com/office/drawing/2014/main" id="{53D9B26A-5143-49A7-BA98-D871D5BD719A}"/>
+                <a16:creationId xmlns:a16="http://schemas.microsoft.com/office/drawing/2014/main" xmlns="" id="{53D9B26A-5143-49A7-BA98-D871D5BD719A}"/>
               </a:ext>
               <a:ext uri="{C183D7F6-B498-43B3-948B-1728B52AA6E4}">
-                <adec:decorative xmlns:adec="http://schemas.microsoft.com/office/drawing/2017/decorative" val="1"/>
+                <adec:decorative xmlns:adec="http://schemas.microsoft.com/office/drawing/2017/decorative" xmlns="" val="1"/>
               </a:ext>
             </a:extLst>
           </p:cNvPr>
@@ -6519,7 +6521,7 @@
           <p:nvPr>
             <p:extLst>
               <p:ext uri="{386F3935-93C4-4BCD-93E2-E3B085C9AB24}">
-                <p16:designElem xmlns:p16="http://schemas.microsoft.com/office/powerpoint/2015/main" val="1"/>
+                <p16:designElem xmlns:p16="http://schemas.microsoft.com/office/powerpoint/2015/main" xmlns="" val="1"/>
               </p:ext>
             </p:extLst>
           </p:nvPr>
@@ -6537,10 +6539,10 @@
             <p:cNvPr id="24" name="Freeform 6">
               <a:extLst>
                 <a:ext uri="{FF2B5EF4-FFF2-40B4-BE49-F238E27FC236}">
-                  <a16:creationId xmlns:a16="http://schemas.microsoft.com/office/drawing/2014/main" id="{68B85E55-A2A1-4682-B891-F201358A92D5}"/>
+                  <a16:creationId xmlns:a16="http://schemas.microsoft.com/office/drawing/2014/main" xmlns="" id="{68B85E55-A2A1-4682-B891-F201358A92D5}"/>
                 </a:ext>
                 <a:ext uri="{C183D7F6-B498-43B3-948B-1728B52AA6E4}">
-                  <adec:decorative xmlns:adec="http://schemas.microsoft.com/office/drawing/2017/decorative" val="1"/>
+                  <adec:decorative xmlns:adec="http://schemas.microsoft.com/office/drawing/2017/decorative" xmlns="" val="1"/>
                 </a:ext>
               </a:extLst>
             </p:cNvPr>
@@ -6548,7 +6550,7 @@
             <p:nvPr>
               <p:extLst>
                 <p:ext uri="{386F3935-93C4-4BCD-93E2-E3B085C9AB24}">
-                  <p16:designElem xmlns:p16="http://schemas.microsoft.com/office/powerpoint/2015/main" val="1"/>
+                  <p16:designElem xmlns:p16="http://schemas.microsoft.com/office/powerpoint/2015/main" xmlns="" val="1"/>
                 </p:ext>
               </p:extLst>
             </p:nvPr>
@@ -6598,10 +6600,10 @@
             <p:cNvPr id="25" name="Freeform 7">
               <a:extLst>
                 <a:ext uri="{FF2B5EF4-FFF2-40B4-BE49-F238E27FC236}">
-                  <a16:creationId xmlns:a16="http://schemas.microsoft.com/office/drawing/2014/main" id="{45EF6EDB-9B5D-49E9-96FA-1AE08BF95E57}"/>
+                  <a16:creationId xmlns:a16="http://schemas.microsoft.com/office/drawing/2014/main" xmlns="" id="{45EF6EDB-9B5D-49E9-96FA-1AE08BF95E57}"/>
                 </a:ext>
                 <a:ext uri="{C183D7F6-B498-43B3-948B-1728B52AA6E4}">
-                  <adec:decorative xmlns:adec="http://schemas.microsoft.com/office/drawing/2017/decorative" val="1"/>
+                  <adec:decorative xmlns:adec="http://schemas.microsoft.com/office/drawing/2017/decorative" xmlns="" val="1"/>
                 </a:ext>
               </a:extLst>
             </p:cNvPr>
@@ -6609,7 +6611,7 @@
             <p:nvPr>
               <p:extLst>
                 <p:ext uri="{386F3935-93C4-4BCD-93E2-E3B085C9AB24}">
-                  <p16:designElem xmlns:p16="http://schemas.microsoft.com/office/powerpoint/2015/main" val="1"/>
+                  <p16:designElem xmlns:p16="http://schemas.microsoft.com/office/powerpoint/2015/main" xmlns="" val="1"/>
                 </p:ext>
               </p:extLst>
             </p:nvPr>
@@ -6662,10 +6664,10 @@
             <p:cNvPr id="26" name="Freeform 12">
               <a:extLst>
                 <a:ext uri="{FF2B5EF4-FFF2-40B4-BE49-F238E27FC236}">
-                  <a16:creationId xmlns:a16="http://schemas.microsoft.com/office/drawing/2014/main" id="{38338226-D6E2-4EEE-B271-DB4BD096DBA1}"/>
+                  <a16:creationId xmlns:a16="http://schemas.microsoft.com/office/drawing/2014/main" xmlns="" id="{38338226-D6E2-4EEE-B271-DB4BD096DBA1}"/>
                 </a:ext>
                 <a:ext uri="{C183D7F6-B498-43B3-948B-1728B52AA6E4}">
-                  <adec:decorative xmlns:adec="http://schemas.microsoft.com/office/drawing/2017/decorative" val="1"/>
+                  <adec:decorative xmlns:adec="http://schemas.microsoft.com/office/drawing/2017/decorative" xmlns="" val="1"/>
                 </a:ext>
               </a:extLst>
             </p:cNvPr>
@@ -6673,7 +6675,7 @@
             <p:nvPr>
               <p:extLst>
                 <p:ext uri="{386F3935-93C4-4BCD-93E2-E3B085C9AB24}">
-                  <p16:designElem xmlns:p16="http://schemas.microsoft.com/office/powerpoint/2015/main" val="1"/>
+                  <p16:designElem xmlns:p16="http://schemas.microsoft.com/office/powerpoint/2015/main" xmlns="" val="1"/>
                 </p:ext>
               </p:extLst>
             </p:nvPr>
@@ -6720,10 +6722,10 @@
             <p:cNvPr id="27" name="Freeform 13">
               <a:extLst>
                 <a:ext uri="{FF2B5EF4-FFF2-40B4-BE49-F238E27FC236}">
-                  <a16:creationId xmlns:a16="http://schemas.microsoft.com/office/drawing/2014/main" id="{4878FB48-17B3-4A11-8025-DE0945CD4E71}"/>
+                  <a16:creationId xmlns:a16="http://schemas.microsoft.com/office/drawing/2014/main" xmlns="" id="{4878FB48-17B3-4A11-8025-DE0945CD4E71}"/>
                 </a:ext>
                 <a:ext uri="{C183D7F6-B498-43B3-948B-1728B52AA6E4}">
-                  <adec:decorative xmlns:adec="http://schemas.microsoft.com/office/drawing/2017/decorative" val="1"/>
+                  <adec:decorative xmlns:adec="http://schemas.microsoft.com/office/drawing/2017/decorative" xmlns="" val="1"/>
                 </a:ext>
               </a:extLst>
             </p:cNvPr>
@@ -6731,7 +6733,7 @@
             <p:nvPr>
               <p:extLst>
                 <p:ext uri="{386F3935-93C4-4BCD-93E2-E3B085C9AB24}">
-                  <p16:designElem xmlns:p16="http://schemas.microsoft.com/office/powerpoint/2015/main" val="1"/>
+                  <p16:designElem xmlns:p16="http://schemas.microsoft.com/office/powerpoint/2015/main" xmlns="" val="1"/>
                 </p:ext>
               </p:extLst>
             </p:nvPr>
@@ -6780,10 +6782,10 @@
             <p:cNvPr id="28" name="Freeform 14">
               <a:extLst>
                 <a:ext uri="{FF2B5EF4-FFF2-40B4-BE49-F238E27FC236}">
-                  <a16:creationId xmlns:a16="http://schemas.microsoft.com/office/drawing/2014/main" id="{4150A21C-DD6D-4D3C-9E95-7A3CA263BEB9}"/>
+                  <a16:creationId xmlns:a16="http://schemas.microsoft.com/office/drawing/2014/main" xmlns="" id="{4150A21C-DD6D-4D3C-9E95-7A3CA263BEB9}"/>
                 </a:ext>
                 <a:ext uri="{C183D7F6-B498-43B3-948B-1728B52AA6E4}">
-                  <adec:decorative xmlns:adec="http://schemas.microsoft.com/office/drawing/2017/decorative" val="1"/>
+                  <adec:decorative xmlns:adec="http://schemas.microsoft.com/office/drawing/2017/decorative" xmlns="" val="1"/>
                 </a:ext>
               </a:extLst>
             </p:cNvPr>
@@ -6791,7 +6793,7 @@
             <p:nvPr>
               <p:extLst>
                 <p:ext uri="{386F3935-93C4-4BCD-93E2-E3B085C9AB24}">
-                  <p16:designElem xmlns:p16="http://schemas.microsoft.com/office/powerpoint/2015/main" val="1"/>
+                  <p16:designElem xmlns:p16="http://schemas.microsoft.com/office/powerpoint/2015/main" xmlns="" val="1"/>
                 </p:ext>
               </p:extLst>
             </p:nvPr>
@@ -6846,10 +6848,10 @@
             <p:cNvPr id="29" name="Freeform 15">
               <a:extLst>
                 <a:ext uri="{FF2B5EF4-FFF2-40B4-BE49-F238E27FC236}">
-                  <a16:creationId xmlns:a16="http://schemas.microsoft.com/office/drawing/2014/main" id="{7505BF04-104D-4180-A284-42FCD6B04DD6}"/>
+                  <a16:creationId xmlns:a16="http://schemas.microsoft.com/office/drawing/2014/main" xmlns="" id="{7505BF04-104D-4180-A284-42FCD6B04DD6}"/>
                 </a:ext>
                 <a:ext uri="{C183D7F6-B498-43B3-948B-1728B52AA6E4}">
-                  <adec:decorative xmlns:adec="http://schemas.microsoft.com/office/drawing/2017/decorative" val="1"/>
+                  <adec:decorative xmlns:adec="http://schemas.microsoft.com/office/drawing/2017/decorative" xmlns="" val="1"/>
                 </a:ext>
               </a:extLst>
             </p:cNvPr>
@@ -6857,7 +6859,7 @@
             <p:nvPr>
               <p:extLst>
                 <p:ext uri="{386F3935-93C4-4BCD-93E2-E3B085C9AB24}">
-                  <p16:designElem xmlns:p16="http://schemas.microsoft.com/office/powerpoint/2015/main" val="1"/>
+                  <p16:designElem xmlns:p16="http://schemas.microsoft.com/office/powerpoint/2015/main" xmlns="" val="1"/>
                 </p:ext>
               </p:extLst>
             </p:nvPr>
@@ -6917,7 +6919,7 @@
           <p:cNvPr id="2" name="Title 1">
             <a:extLst>
               <a:ext uri="{FF2B5EF4-FFF2-40B4-BE49-F238E27FC236}">
-                <a16:creationId xmlns:a16="http://schemas.microsoft.com/office/drawing/2014/main" id="{652CD06E-EB43-4697-A9C1-290232C3BAD6}"/>
+                <a16:creationId xmlns:a16="http://schemas.microsoft.com/office/drawing/2014/main" xmlns="" id="{652CD06E-EB43-4697-A9C1-290232C3BAD6}"/>
               </a:ext>
             </a:extLst>
           </p:cNvPr>
@@ -6953,7 +6955,7 @@
           <p:cNvPr id="3" name="Subtitle 2">
             <a:extLst>
               <a:ext uri="{FF2B5EF4-FFF2-40B4-BE49-F238E27FC236}">
-                <a16:creationId xmlns:a16="http://schemas.microsoft.com/office/drawing/2014/main" id="{1FBBDE4E-FFA3-44D5-BA0B-7575E2214B7C}"/>
+                <a16:creationId xmlns:a16="http://schemas.microsoft.com/office/drawing/2014/main" xmlns="" id="{1FBBDE4E-FFA3-44D5-BA0B-7575E2214B7C}"/>
               </a:ext>
             </a:extLst>
           </p:cNvPr>
@@ -6994,6 +6996,13 @@
   <p:clrMapOvr>
     <a:overrideClrMapping bg1="dk1" tx1="lt1" bg2="dk2" tx2="lt2" accent1="accent1" accent2="accent2" accent3="accent3" accent4="accent4" accent5="accent5" accent6="accent6" hlink="hlink" folHlink="folHlink"/>
   </p:clrMapOvr>
+  <p:timing>
+    <p:tnLst>
+      <p:par>
+        <p:cTn id="1" dur="indefinite" restart="never" nodeType="tmRoot"/>
+      </p:par>
+    </p:tnLst>
+  </p:timing>
 </p:sld>
 </file>
 
@@ -7027,10 +7036,10 @@
           <p:cNvPr id="21" name="Rectangle 20">
             <a:extLst>
               <a:ext uri="{FF2B5EF4-FFF2-40B4-BE49-F238E27FC236}">
-                <a16:creationId xmlns:a16="http://schemas.microsoft.com/office/drawing/2014/main" id="{99CAC3B1-4879-424D-8F15-206277196159}"/>
+                <a16:creationId xmlns:a16="http://schemas.microsoft.com/office/drawing/2014/main" xmlns="" id="{99CAC3B1-4879-424D-8F15-206277196159}"/>
               </a:ext>
               <a:ext uri="{C183D7F6-B498-43B3-948B-1728B52AA6E4}">
-                <adec:decorative xmlns:adec="http://schemas.microsoft.com/office/drawing/2017/decorative" val="1"/>
+                <adec:decorative xmlns:adec="http://schemas.microsoft.com/office/drawing/2017/decorative" xmlns="" val="1"/>
               </a:ext>
             </a:extLst>
           </p:cNvPr>
@@ -7040,7 +7049,7 @@
           <p:nvPr>
             <p:extLst>
               <p:ext uri="{386F3935-93C4-4BCD-93E2-E3B085C9AB24}">
-                <p16:designElem xmlns:p16="http://schemas.microsoft.com/office/powerpoint/2015/main" val="1"/>
+                <p16:designElem xmlns:p16="http://schemas.microsoft.com/office/powerpoint/2015/main" xmlns="" val="1"/>
               </p:ext>
             </p:extLst>
           </p:nvPr>
@@ -7087,10 +7096,10 @@
           <p:cNvPr id="23" name="Group 22">
             <a:extLst>
               <a:ext uri="{FF2B5EF4-FFF2-40B4-BE49-F238E27FC236}">
-                <a16:creationId xmlns:a16="http://schemas.microsoft.com/office/drawing/2014/main" id="{4B8492CB-DFBA-4A82-9778-F21493DA36C1}"/>
+                <a16:creationId xmlns:a16="http://schemas.microsoft.com/office/drawing/2014/main" xmlns="" id="{4B8492CB-DFBA-4A82-9778-F21493DA36C1}"/>
               </a:ext>
               <a:ext uri="{C183D7F6-B498-43B3-948B-1728B52AA6E4}">
-                <adec:decorative xmlns:adec="http://schemas.microsoft.com/office/drawing/2017/decorative" val="1"/>
+                <adec:decorative xmlns:adec="http://schemas.microsoft.com/office/drawing/2017/decorative" xmlns="" val="1"/>
               </a:ext>
             </a:extLst>
           </p:cNvPr>
@@ -7100,7 +7109,7 @@
           <p:nvPr>
             <p:extLst>
               <p:ext uri="{386F3935-93C4-4BCD-93E2-E3B085C9AB24}">
-                <p16:designElem xmlns:p16="http://schemas.microsoft.com/office/powerpoint/2015/main" val="1"/>
+                <p16:designElem xmlns:p16="http://schemas.microsoft.com/office/powerpoint/2015/main" xmlns="" val="1"/>
               </p:ext>
             </p:extLst>
           </p:nvPr>
@@ -7118,10 +7127,10 @@
             <p:cNvPr id="24" name="Freeform 6">
               <a:extLst>
                 <a:ext uri="{FF2B5EF4-FFF2-40B4-BE49-F238E27FC236}">
-                  <a16:creationId xmlns:a16="http://schemas.microsoft.com/office/drawing/2014/main" id="{E34CC1C8-EBDD-4AEA-83E6-B27575B62E2E}"/>
+                  <a16:creationId xmlns:a16="http://schemas.microsoft.com/office/drawing/2014/main" xmlns="" id="{E34CC1C8-EBDD-4AEA-83E6-B27575B62E2E}"/>
                 </a:ext>
                 <a:ext uri="{C183D7F6-B498-43B3-948B-1728B52AA6E4}">
-                  <adec:decorative xmlns:adec="http://schemas.microsoft.com/office/drawing/2017/decorative" val="1"/>
+                  <adec:decorative xmlns:adec="http://schemas.microsoft.com/office/drawing/2017/decorative" xmlns="" val="1"/>
                 </a:ext>
               </a:extLst>
             </p:cNvPr>
@@ -7129,7 +7138,7 @@
             <p:nvPr>
               <p:extLst>
                 <p:ext uri="{386F3935-93C4-4BCD-93E2-E3B085C9AB24}">
-                  <p16:designElem xmlns:p16="http://schemas.microsoft.com/office/powerpoint/2015/main" val="1"/>
+                  <p16:designElem xmlns:p16="http://schemas.microsoft.com/office/powerpoint/2015/main" xmlns="" val="1"/>
                 </p:ext>
               </p:extLst>
             </p:nvPr>
@@ -7179,10 +7188,10 @@
             <p:cNvPr id="25" name="Freeform 7">
               <a:extLst>
                 <a:ext uri="{FF2B5EF4-FFF2-40B4-BE49-F238E27FC236}">
-                  <a16:creationId xmlns:a16="http://schemas.microsoft.com/office/drawing/2014/main" id="{D6B38644-B85D-4211-9526-5B4C2A662BF7}"/>
+                  <a16:creationId xmlns:a16="http://schemas.microsoft.com/office/drawing/2014/main" xmlns="" id="{D6B38644-B85D-4211-9526-5B4C2A662BF7}"/>
                 </a:ext>
                 <a:ext uri="{C183D7F6-B498-43B3-948B-1728B52AA6E4}">
-                  <adec:decorative xmlns:adec="http://schemas.microsoft.com/office/drawing/2017/decorative" val="1"/>
+                  <adec:decorative xmlns:adec="http://schemas.microsoft.com/office/drawing/2017/decorative" xmlns="" val="1"/>
                 </a:ext>
               </a:extLst>
             </p:cNvPr>
@@ -7190,7 +7199,7 @@
             <p:nvPr>
               <p:extLst>
                 <p:ext uri="{386F3935-93C4-4BCD-93E2-E3B085C9AB24}">
-                  <p16:designElem xmlns:p16="http://schemas.microsoft.com/office/powerpoint/2015/main" val="1"/>
+                  <p16:designElem xmlns:p16="http://schemas.microsoft.com/office/powerpoint/2015/main" xmlns="" val="1"/>
                 </p:ext>
               </p:extLst>
             </p:nvPr>
@@ -7243,10 +7252,10 @@
             <p:cNvPr id="26" name="Freeform 12">
               <a:extLst>
                 <a:ext uri="{FF2B5EF4-FFF2-40B4-BE49-F238E27FC236}">
-                  <a16:creationId xmlns:a16="http://schemas.microsoft.com/office/drawing/2014/main" id="{8A8B2820-6B8F-4C19-BFC5-D28EE44E54CB}"/>
+                  <a16:creationId xmlns:a16="http://schemas.microsoft.com/office/drawing/2014/main" xmlns="" id="{8A8B2820-6B8F-4C19-BFC5-D28EE44E54CB}"/>
                 </a:ext>
                 <a:ext uri="{C183D7F6-B498-43B3-948B-1728B52AA6E4}">
-                  <adec:decorative xmlns:adec="http://schemas.microsoft.com/office/drawing/2017/decorative" val="1"/>
+                  <adec:decorative xmlns:adec="http://schemas.microsoft.com/office/drawing/2017/decorative" xmlns="" val="1"/>
                 </a:ext>
               </a:extLst>
             </p:cNvPr>
@@ -7254,7 +7263,7 @@
             <p:nvPr>
               <p:extLst>
                 <p:ext uri="{386F3935-93C4-4BCD-93E2-E3B085C9AB24}">
-                  <p16:designElem xmlns:p16="http://schemas.microsoft.com/office/powerpoint/2015/main" val="1"/>
+                  <p16:designElem xmlns:p16="http://schemas.microsoft.com/office/powerpoint/2015/main" xmlns="" val="1"/>
                 </p:ext>
               </p:extLst>
             </p:nvPr>
@@ -7301,10 +7310,10 @@
             <p:cNvPr id="27" name="Freeform 13">
               <a:extLst>
                 <a:ext uri="{FF2B5EF4-FFF2-40B4-BE49-F238E27FC236}">
-                  <a16:creationId xmlns:a16="http://schemas.microsoft.com/office/drawing/2014/main" id="{773528ED-4D37-4A77-A8CA-86B6221C5E82}"/>
+                  <a16:creationId xmlns:a16="http://schemas.microsoft.com/office/drawing/2014/main" xmlns="" id="{773528ED-4D37-4A77-A8CA-86B6221C5E82}"/>
                 </a:ext>
                 <a:ext uri="{C183D7F6-B498-43B3-948B-1728B52AA6E4}">
-                  <adec:decorative xmlns:adec="http://schemas.microsoft.com/office/drawing/2017/decorative" val="1"/>
+                  <adec:decorative xmlns:adec="http://schemas.microsoft.com/office/drawing/2017/decorative" xmlns="" val="1"/>
                 </a:ext>
               </a:extLst>
             </p:cNvPr>
@@ -7312,7 +7321,7 @@
             <p:nvPr>
               <p:extLst>
                 <p:ext uri="{386F3935-93C4-4BCD-93E2-E3B085C9AB24}">
-                  <p16:designElem xmlns:p16="http://schemas.microsoft.com/office/powerpoint/2015/main" val="1"/>
+                  <p16:designElem xmlns:p16="http://schemas.microsoft.com/office/powerpoint/2015/main" xmlns="" val="1"/>
                 </p:ext>
               </p:extLst>
             </p:nvPr>
@@ -7361,10 +7370,10 @@
             <p:cNvPr id="28" name="Freeform 14">
               <a:extLst>
                 <a:ext uri="{FF2B5EF4-FFF2-40B4-BE49-F238E27FC236}">
-                  <a16:creationId xmlns:a16="http://schemas.microsoft.com/office/drawing/2014/main" id="{8A58A902-E944-4399-9A93-A91A6A82B166}"/>
+                  <a16:creationId xmlns:a16="http://schemas.microsoft.com/office/drawing/2014/main" xmlns="" id="{8A58A902-E944-4399-9A93-A91A6A82B166}"/>
                 </a:ext>
                 <a:ext uri="{C183D7F6-B498-43B3-948B-1728B52AA6E4}">
-                  <adec:decorative xmlns:adec="http://schemas.microsoft.com/office/drawing/2017/decorative" val="1"/>
+                  <adec:decorative xmlns:adec="http://schemas.microsoft.com/office/drawing/2017/decorative" xmlns="" val="1"/>
                 </a:ext>
               </a:extLst>
             </p:cNvPr>
@@ -7372,7 +7381,7 @@
             <p:nvPr>
               <p:extLst>
                 <p:ext uri="{386F3935-93C4-4BCD-93E2-E3B085C9AB24}">
-                  <p16:designElem xmlns:p16="http://schemas.microsoft.com/office/powerpoint/2015/main" val="1"/>
+                  <p16:designElem xmlns:p16="http://schemas.microsoft.com/office/powerpoint/2015/main" xmlns="" val="1"/>
                 </p:ext>
               </p:extLst>
             </p:nvPr>
@@ -7427,10 +7436,10 @@
             <p:cNvPr id="29" name="Freeform 15">
               <a:extLst>
                 <a:ext uri="{FF2B5EF4-FFF2-40B4-BE49-F238E27FC236}">
-                  <a16:creationId xmlns:a16="http://schemas.microsoft.com/office/drawing/2014/main" id="{4EDB1155-2E8E-4FB8-AD42-101FE4383231}"/>
+                  <a16:creationId xmlns:a16="http://schemas.microsoft.com/office/drawing/2014/main" xmlns="" id="{4EDB1155-2E8E-4FB8-AD42-101FE4383231}"/>
                 </a:ext>
                 <a:ext uri="{C183D7F6-B498-43B3-948B-1728B52AA6E4}">
-                  <adec:decorative xmlns:adec="http://schemas.microsoft.com/office/drawing/2017/decorative" val="1"/>
+                  <adec:decorative xmlns:adec="http://schemas.microsoft.com/office/drawing/2017/decorative" xmlns="" val="1"/>
                 </a:ext>
               </a:extLst>
             </p:cNvPr>
@@ -7438,7 +7447,7 @@
             <p:nvPr>
               <p:extLst>
                 <p:ext uri="{386F3935-93C4-4BCD-93E2-E3B085C9AB24}">
-                  <p16:designElem xmlns:p16="http://schemas.microsoft.com/office/powerpoint/2015/main" val="1"/>
+                  <p16:designElem xmlns:p16="http://schemas.microsoft.com/office/powerpoint/2015/main" xmlns="" val="1"/>
                 </p:ext>
               </p:extLst>
             </p:nvPr>
@@ -7498,7 +7507,7 @@
           <p:cNvPr id="2" name="Title 1">
             <a:extLst>
               <a:ext uri="{FF2B5EF4-FFF2-40B4-BE49-F238E27FC236}">
-                <a16:creationId xmlns:a16="http://schemas.microsoft.com/office/drawing/2014/main" id="{C7492CCE-C435-464E-A19A-D4C606FDBE3D}"/>
+                <a16:creationId xmlns:a16="http://schemas.microsoft.com/office/drawing/2014/main" xmlns="" id="{C7492CCE-C435-464E-A19A-D4C606FDBE3D}"/>
               </a:ext>
             </a:extLst>
           </p:cNvPr>
@@ -7534,7 +7543,7 @@
           <p:cNvPr id="3" name="Content Placeholder 2">
             <a:extLst>
               <a:ext uri="{FF2B5EF4-FFF2-40B4-BE49-F238E27FC236}">
-                <a16:creationId xmlns:a16="http://schemas.microsoft.com/office/drawing/2014/main" id="{60DFF4FA-F598-4962-B6AB-31A8BE724E52}"/>
+                <a16:creationId xmlns:a16="http://schemas.microsoft.com/office/drawing/2014/main" xmlns="" id="{60DFF4FA-F598-4962-B6AB-31A8BE724E52}"/>
               </a:ext>
             </a:extLst>
           </p:cNvPr>
@@ -7605,6 +7614,13 @@
   <p:clrMapOvr>
     <a:overrideClrMapping bg1="dk1" tx1="lt1" bg2="dk2" tx2="lt2" accent1="accent1" accent2="accent2" accent3="accent3" accent4="accent4" accent5="accent5" accent6="accent6" hlink="hlink" folHlink="folHlink"/>
   </p:clrMapOvr>
+  <p:timing>
+    <p:tnLst>
+      <p:par>
+        <p:cTn id="1" dur="indefinite" restart="never" nodeType="tmRoot"/>
+      </p:par>
+    </p:tnLst>
+  </p:timing>
 </p:sld>
 </file>
 
@@ -7638,10 +7654,10 @@
           <p:cNvPr id="21" name="Rectangle 20">
             <a:extLst>
               <a:ext uri="{FF2B5EF4-FFF2-40B4-BE49-F238E27FC236}">
-                <a16:creationId xmlns:a16="http://schemas.microsoft.com/office/drawing/2014/main" id="{99CAC3B1-4879-424D-8F15-206277196159}"/>
+                <a16:creationId xmlns:a16="http://schemas.microsoft.com/office/drawing/2014/main" xmlns="" id="{99CAC3B1-4879-424D-8F15-206277196159}"/>
               </a:ext>
               <a:ext uri="{C183D7F6-B498-43B3-948B-1728B52AA6E4}">
-                <adec:decorative xmlns:adec="http://schemas.microsoft.com/office/drawing/2017/decorative" val="1"/>
+                <adec:decorative xmlns:adec="http://schemas.microsoft.com/office/drawing/2017/decorative" xmlns="" val="1"/>
               </a:ext>
             </a:extLst>
           </p:cNvPr>
@@ -7651,7 +7667,7 @@
           <p:nvPr>
             <p:extLst>
               <p:ext uri="{386F3935-93C4-4BCD-93E2-E3B085C9AB24}">
-                <p16:designElem xmlns:p16="http://schemas.microsoft.com/office/powerpoint/2015/main" val="1"/>
+                <p16:designElem xmlns:p16="http://schemas.microsoft.com/office/powerpoint/2015/main" xmlns="" val="1"/>
               </p:ext>
             </p:extLst>
           </p:nvPr>
@@ -7698,10 +7714,10 @@
           <p:cNvPr id="23" name="Group 22">
             <a:extLst>
               <a:ext uri="{FF2B5EF4-FFF2-40B4-BE49-F238E27FC236}">
-                <a16:creationId xmlns:a16="http://schemas.microsoft.com/office/drawing/2014/main" id="{4B8492CB-DFBA-4A82-9778-F21493DA36C1}"/>
+                <a16:creationId xmlns:a16="http://schemas.microsoft.com/office/drawing/2014/main" xmlns="" id="{4B8492CB-DFBA-4A82-9778-F21493DA36C1}"/>
               </a:ext>
               <a:ext uri="{C183D7F6-B498-43B3-948B-1728B52AA6E4}">
-                <adec:decorative xmlns:adec="http://schemas.microsoft.com/office/drawing/2017/decorative" val="1"/>
+                <adec:decorative xmlns:adec="http://schemas.microsoft.com/office/drawing/2017/decorative" xmlns="" val="1"/>
               </a:ext>
             </a:extLst>
           </p:cNvPr>
@@ -7711,7 +7727,7 @@
           <p:nvPr>
             <p:extLst>
               <p:ext uri="{386F3935-93C4-4BCD-93E2-E3B085C9AB24}">
-                <p16:designElem xmlns:p16="http://schemas.microsoft.com/office/powerpoint/2015/main" val="1"/>
+                <p16:designElem xmlns:p16="http://schemas.microsoft.com/office/powerpoint/2015/main" xmlns="" val="1"/>
               </p:ext>
             </p:extLst>
           </p:nvPr>
@@ -7729,10 +7745,10 @@
             <p:cNvPr id="24" name="Freeform 6">
               <a:extLst>
                 <a:ext uri="{FF2B5EF4-FFF2-40B4-BE49-F238E27FC236}">
-                  <a16:creationId xmlns:a16="http://schemas.microsoft.com/office/drawing/2014/main" id="{E34CC1C8-EBDD-4AEA-83E6-B27575B62E2E}"/>
+                  <a16:creationId xmlns:a16="http://schemas.microsoft.com/office/drawing/2014/main" xmlns="" id="{E34CC1C8-EBDD-4AEA-83E6-B27575B62E2E}"/>
                 </a:ext>
                 <a:ext uri="{C183D7F6-B498-43B3-948B-1728B52AA6E4}">
-                  <adec:decorative xmlns:adec="http://schemas.microsoft.com/office/drawing/2017/decorative" val="1"/>
+                  <adec:decorative xmlns:adec="http://schemas.microsoft.com/office/drawing/2017/decorative" xmlns="" val="1"/>
                 </a:ext>
               </a:extLst>
             </p:cNvPr>
@@ -7740,7 +7756,7 @@
             <p:nvPr>
               <p:extLst>
                 <p:ext uri="{386F3935-93C4-4BCD-93E2-E3B085C9AB24}">
-                  <p16:designElem xmlns:p16="http://schemas.microsoft.com/office/powerpoint/2015/main" val="1"/>
+                  <p16:designElem xmlns:p16="http://schemas.microsoft.com/office/powerpoint/2015/main" xmlns="" val="1"/>
                 </p:ext>
               </p:extLst>
             </p:nvPr>
@@ -7790,10 +7806,10 @@
             <p:cNvPr id="25" name="Freeform 7">
               <a:extLst>
                 <a:ext uri="{FF2B5EF4-FFF2-40B4-BE49-F238E27FC236}">
-                  <a16:creationId xmlns:a16="http://schemas.microsoft.com/office/drawing/2014/main" id="{D6B38644-B85D-4211-9526-5B4C2A662BF7}"/>
+                  <a16:creationId xmlns:a16="http://schemas.microsoft.com/office/drawing/2014/main" xmlns="" id="{D6B38644-B85D-4211-9526-5B4C2A662BF7}"/>
                 </a:ext>
                 <a:ext uri="{C183D7F6-B498-43B3-948B-1728B52AA6E4}">
-                  <adec:decorative xmlns:adec="http://schemas.microsoft.com/office/drawing/2017/decorative" val="1"/>
+                  <adec:decorative xmlns:adec="http://schemas.microsoft.com/office/drawing/2017/decorative" xmlns="" val="1"/>
                 </a:ext>
               </a:extLst>
             </p:cNvPr>
@@ -7801,7 +7817,7 @@
             <p:nvPr>
               <p:extLst>
                 <p:ext uri="{386F3935-93C4-4BCD-93E2-E3B085C9AB24}">
-                  <p16:designElem xmlns:p16="http://schemas.microsoft.com/office/powerpoint/2015/main" val="1"/>
+                  <p16:designElem xmlns:p16="http://schemas.microsoft.com/office/powerpoint/2015/main" xmlns="" val="1"/>
                 </p:ext>
               </p:extLst>
             </p:nvPr>
@@ -7854,10 +7870,10 @@
             <p:cNvPr id="26" name="Freeform 12">
               <a:extLst>
                 <a:ext uri="{FF2B5EF4-FFF2-40B4-BE49-F238E27FC236}">
-                  <a16:creationId xmlns:a16="http://schemas.microsoft.com/office/drawing/2014/main" id="{8A8B2820-6B8F-4C19-BFC5-D28EE44E54CB}"/>
+                  <a16:creationId xmlns:a16="http://schemas.microsoft.com/office/drawing/2014/main" xmlns="" id="{8A8B2820-6B8F-4C19-BFC5-D28EE44E54CB}"/>
                 </a:ext>
                 <a:ext uri="{C183D7F6-B498-43B3-948B-1728B52AA6E4}">
-                  <adec:decorative xmlns:adec="http://schemas.microsoft.com/office/drawing/2017/decorative" val="1"/>
+                  <adec:decorative xmlns:adec="http://schemas.microsoft.com/office/drawing/2017/decorative" xmlns="" val="1"/>
                 </a:ext>
               </a:extLst>
             </p:cNvPr>
@@ -7865,7 +7881,7 @@
             <p:nvPr>
               <p:extLst>
                 <p:ext uri="{386F3935-93C4-4BCD-93E2-E3B085C9AB24}">
-                  <p16:designElem xmlns:p16="http://schemas.microsoft.com/office/powerpoint/2015/main" val="1"/>
+                  <p16:designElem xmlns:p16="http://schemas.microsoft.com/office/powerpoint/2015/main" xmlns="" val="1"/>
                 </p:ext>
               </p:extLst>
             </p:nvPr>
@@ -7912,10 +7928,10 @@
             <p:cNvPr id="27" name="Freeform 13">
               <a:extLst>
                 <a:ext uri="{FF2B5EF4-FFF2-40B4-BE49-F238E27FC236}">
-                  <a16:creationId xmlns:a16="http://schemas.microsoft.com/office/drawing/2014/main" id="{773528ED-4D37-4A77-A8CA-86B6221C5E82}"/>
+                  <a16:creationId xmlns:a16="http://schemas.microsoft.com/office/drawing/2014/main" xmlns="" id="{773528ED-4D37-4A77-A8CA-86B6221C5E82}"/>
                 </a:ext>
                 <a:ext uri="{C183D7F6-B498-43B3-948B-1728B52AA6E4}">
-                  <adec:decorative xmlns:adec="http://schemas.microsoft.com/office/drawing/2017/decorative" val="1"/>
+                  <adec:decorative xmlns:adec="http://schemas.microsoft.com/office/drawing/2017/decorative" xmlns="" val="1"/>
                 </a:ext>
               </a:extLst>
             </p:cNvPr>
@@ -7923,7 +7939,7 @@
             <p:nvPr>
               <p:extLst>
                 <p:ext uri="{386F3935-93C4-4BCD-93E2-E3B085C9AB24}">
-                  <p16:designElem xmlns:p16="http://schemas.microsoft.com/office/powerpoint/2015/main" val="1"/>
+                  <p16:designElem xmlns:p16="http://schemas.microsoft.com/office/powerpoint/2015/main" xmlns="" val="1"/>
                 </p:ext>
               </p:extLst>
             </p:nvPr>
@@ -7972,10 +7988,10 @@
             <p:cNvPr id="28" name="Freeform 14">
               <a:extLst>
                 <a:ext uri="{FF2B5EF4-FFF2-40B4-BE49-F238E27FC236}">
-                  <a16:creationId xmlns:a16="http://schemas.microsoft.com/office/drawing/2014/main" id="{8A58A902-E944-4399-9A93-A91A6A82B166}"/>
+                  <a16:creationId xmlns:a16="http://schemas.microsoft.com/office/drawing/2014/main" xmlns="" id="{8A58A902-E944-4399-9A93-A91A6A82B166}"/>
                 </a:ext>
                 <a:ext uri="{C183D7F6-B498-43B3-948B-1728B52AA6E4}">
-                  <adec:decorative xmlns:adec="http://schemas.microsoft.com/office/drawing/2017/decorative" val="1"/>
+                  <adec:decorative xmlns:adec="http://schemas.microsoft.com/office/drawing/2017/decorative" xmlns="" val="1"/>
                 </a:ext>
               </a:extLst>
             </p:cNvPr>
@@ -7983,7 +7999,7 @@
             <p:nvPr>
               <p:extLst>
                 <p:ext uri="{386F3935-93C4-4BCD-93E2-E3B085C9AB24}">
-                  <p16:designElem xmlns:p16="http://schemas.microsoft.com/office/powerpoint/2015/main" val="1"/>
+                  <p16:designElem xmlns:p16="http://schemas.microsoft.com/office/powerpoint/2015/main" xmlns="" val="1"/>
                 </p:ext>
               </p:extLst>
             </p:nvPr>
@@ -8038,10 +8054,10 @@
             <p:cNvPr id="29" name="Freeform 15">
               <a:extLst>
                 <a:ext uri="{FF2B5EF4-FFF2-40B4-BE49-F238E27FC236}">
-                  <a16:creationId xmlns:a16="http://schemas.microsoft.com/office/drawing/2014/main" id="{4EDB1155-2E8E-4FB8-AD42-101FE4383231}"/>
+                  <a16:creationId xmlns:a16="http://schemas.microsoft.com/office/drawing/2014/main" xmlns="" id="{4EDB1155-2E8E-4FB8-AD42-101FE4383231}"/>
                 </a:ext>
                 <a:ext uri="{C183D7F6-B498-43B3-948B-1728B52AA6E4}">
-                  <adec:decorative xmlns:adec="http://schemas.microsoft.com/office/drawing/2017/decorative" val="1"/>
+                  <adec:decorative xmlns:adec="http://schemas.microsoft.com/office/drawing/2017/decorative" xmlns="" val="1"/>
                 </a:ext>
               </a:extLst>
             </p:cNvPr>
@@ -8049,7 +8065,7 @@
             <p:nvPr>
               <p:extLst>
                 <p:ext uri="{386F3935-93C4-4BCD-93E2-E3B085C9AB24}">
-                  <p16:designElem xmlns:p16="http://schemas.microsoft.com/office/powerpoint/2015/main" val="1"/>
+                  <p16:designElem xmlns:p16="http://schemas.microsoft.com/office/powerpoint/2015/main" xmlns="" val="1"/>
                 </p:ext>
               </p:extLst>
             </p:nvPr>
@@ -8109,7 +8125,7 @@
           <p:cNvPr id="2" name="Title 1">
             <a:extLst>
               <a:ext uri="{FF2B5EF4-FFF2-40B4-BE49-F238E27FC236}">
-                <a16:creationId xmlns:a16="http://schemas.microsoft.com/office/drawing/2014/main" id="{C7492CCE-C435-464E-A19A-D4C606FDBE3D}"/>
+                <a16:creationId xmlns:a16="http://schemas.microsoft.com/office/drawing/2014/main" xmlns="" id="{C7492CCE-C435-464E-A19A-D4C606FDBE3D}"/>
               </a:ext>
             </a:extLst>
           </p:cNvPr>
@@ -8133,6 +8149,18 @@
           <a:lstStyle/>
           <a:p>
             <a:pPr algn="l"/>
+            <a:r>
+              <a:rPr lang="en-US" dirty="0" smtClean="0"/>
+              <a:t>FFT with </a:t>
+            </a:r>
+            <a:r>
+              <a:rPr lang="en-US" dirty="0"/>
+              <a:t>M</a:t>
+            </a:r>
+            <a:r>
+              <a:rPr lang="en-US" dirty="0" smtClean="0"/>
+              <a:t>ultiple Arrays</a:t>
+            </a:r>
             <a:endParaRPr lang="en-US" dirty="0"/>
           </a:p>
         </p:txBody>
@@ -8142,7 +8170,7 @@
           <p:cNvPr id="3" name="Content Placeholder 2">
             <a:extLst>
               <a:ext uri="{FF2B5EF4-FFF2-40B4-BE49-F238E27FC236}">
-                <a16:creationId xmlns:a16="http://schemas.microsoft.com/office/drawing/2014/main" id="{60DFF4FA-F598-4962-B6AB-31A8BE724E52}"/>
+                <a16:creationId xmlns:a16="http://schemas.microsoft.com/office/drawing/2014/main" xmlns="" id="{60DFF4FA-F598-4962-B6AB-31A8BE724E52}"/>
               </a:ext>
             </a:extLst>
           </p:cNvPr>
@@ -8174,7 +8202,7 @@
           <p:cNvPr id="5" name="TextBox 4">
             <a:extLst>
               <a:ext uri="{FF2B5EF4-FFF2-40B4-BE49-F238E27FC236}">
-                <a16:creationId xmlns:a16="http://schemas.microsoft.com/office/drawing/2014/main" id="{466A409B-90E2-4ACB-8A16-0329B5CEE6DF}"/>
+                <a16:creationId xmlns:a16="http://schemas.microsoft.com/office/drawing/2014/main" xmlns="" id="{466A409B-90E2-4ACB-8A16-0329B5CEE6DF}"/>
               </a:ext>
             </a:extLst>
           </p:cNvPr>
@@ -8225,7 +8253,7 @@
           <p:cNvPr id="7" name="Straight Arrow Connector 6">
             <a:extLst>
               <a:ext uri="{FF2B5EF4-FFF2-40B4-BE49-F238E27FC236}">
-                <a16:creationId xmlns:a16="http://schemas.microsoft.com/office/drawing/2014/main" id="{6C986E87-252D-4CDD-90A3-050A5080DF44}"/>
+                <a16:creationId xmlns:a16="http://schemas.microsoft.com/office/drawing/2014/main" xmlns="" id="{6C986E87-252D-4CDD-90A3-050A5080DF44}"/>
               </a:ext>
             </a:extLst>
           </p:cNvPr>
@@ -8266,7 +8294,7 @@
           <p:cNvPr id="17" name="Straight Arrow Connector 16">
             <a:extLst>
               <a:ext uri="{FF2B5EF4-FFF2-40B4-BE49-F238E27FC236}">
-                <a16:creationId xmlns:a16="http://schemas.microsoft.com/office/drawing/2014/main" id="{8B32EEAB-6F30-4731-8D76-02708A63C23C}"/>
+                <a16:creationId xmlns:a16="http://schemas.microsoft.com/office/drawing/2014/main" xmlns="" id="{8B32EEAB-6F30-4731-8D76-02708A63C23C}"/>
               </a:ext>
             </a:extLst>
           </p:cNvPr>
@@ -8307,7 +8335,7 @@
           <p:cNvPr id="18" name="Straight Arrow Connector 17">
             <a:extLst>
               <a:ext uri="{FF2B5EF4-FFF2-40B4-BE49-F238E27FC236}">
-                <a16:creationId xmlns:a16="http://schemas.microsoft.com/office/drawing/2014/main" id="{E930BBA9-7BA1-48A0-A9E1-F9545CD11BAA}"/>
+                <a16:creationId xmlns:a16="http://schemas.microsoft.com/office/drawing/2014/main" xmlns="" id="{E930BBA9-7BA1-48A0-A9E1-F9545CD11BAA}"/>
               </a:ext>
             </a:extLst>
           </p:cNvPr>
@@ -8348,7 +8376,7 @@
           <p:cNvPr id="19" name="Straight Arrow Connector 18">
             <a:extLst>
               <a:ext uri="{FF2B5EF4-FFF2-40B4-BE49-F238E27FC236}">
-                <a16:creationId xmlns:a16="http://schemas.microsoft.com/office/drawing/2014/main" id="{72D8D5ED-08A2-4E59-AA33-3E70202E855D}"/>
+                <a16:creationId xmlns:a16="http://schemas.microsoft.com/office/drawing/2014/main" xmlns="" id="{72D8D5ED-08A2-4E59-AA33-3E70202E855D}"/>
               </a:ext>
             </a:extLst>
           </p:cNvPr>
@@ -8394,6 +8422,13 @@
   <p:clrMapOvr>
     <a:overrideClrMapping bg1="dk1" tx1="lt1" bg2="dk2" tx2="lt2" accent1="accent1" accent2="accent2" accent3="accent3" accent4="accent4" accent5="accent5" accent6="accent6" hlink="hlink" folHlink="folHlink"/>
   </p:clrMapOvr>
+  <p:timing>
+    <p:tnLst>
+      <p:par>
+        <p:cTn id="1" dur="indefinite" restart="never" nodeType="tmRoot"/>
+      </p:par>
+    </p:tnLst>
+  </p:timing>
 </p:sld>
 </file>
 
@@ -8427,10 +8462,10 @@
           <p:cNvPr id="21" name="Rectangle 20">
             <a:extLst>
               <a:ext uri="{FF2B5EF4-FFF2-40B4-BE49-F238E27FC236}">
-                <a16:creationId xmlns:a16="http://schemas.microsoft.com/office/drawing/2014/main" id="{99CAC3B1-4879-424D-8F15-206277196159}"/>
+                <a16:creationId xmlns:a16="http://schemas.microsoft.com/office/drawing/2014/main" xmlns="" id="{99CAC3B1-4879-424D-8F15-206277196159}"/>
               </a:ext>
               <a:ext uri="{C183D7F6-B498-43B3-948B-1728B52AA6E4}">
-                <adec:decorative xmlns:adec="http://schemas.microsoft.com/office/drawing/2017/decorative" val="1"/>
+                <adec:decorative xmlns:adec="http://schemas.microsoft.com/office/drawing/2017/decorative" xmlns="" val="1"/>
               </a:ext>
             </a:extLst>
           </p:cNvPr>
@@ -8440,7 +8475,7 @@
           <p:nvPr>
             <p:extLst>
               <p:ext uri="{386F3935-93C4-4BCD-93E2-E3B085C9AB24}">
-                <p16:designElem xmlns:p16="http://schemas.microsoft.com/office/powerpoint/2015/main" val="1"/>
+                <p16:designElem xmlns:p16="http://schemas.microsoft.com/office/powerpoint/2015/main" xmlns="" val="1"/>
               </p:ext>
             </p:extLst>
           </p:nvPr>
@@ -8487,10 +8522,10 @@
           <p:cNvPr id="23" name="Group 22">
             <a:extLst>
               <a:ext uri="{FF2B5EF4-FFF2-40B4-BE49-F238E27FC236}">
-                <a16:creationId xmlns:a16="http://schemas.microsoft.com/office/drawing/2014/main" id="{4B8492CB-DFBA-4A82-9778-F21493DA36C1}"/>
+                <a16:creationId xmlns:a16="http://schemas.microsoft.com/office/drawing/2014/main" xmlns="" id="{4B8492CB-DFBA-4A82-9778-F21493DA36C1}"/>
               </a:ext>
               <a:ext uri="{C183D7F6-B498-43B3-948B-1728B52AA6E4}">
-                <adec:decorative xmlns:adec="http://schemas.microsoft.com/office/drawing/2017/decorative" val="1"/>
+                <adec:decorative xmlns:adec="http://schemas.microsoft.com/office/drawing/2017/decorative" xmlns="" val="1"/>
               </a:ext>
             </a:extLst>
           </p:cNvPr>
@@ -8500,7 +8535,7 @@
           <p:nvPr>
             <p:extLst>
               <p:ext uri="{386F3935-93C4-4BCD-93E2-E3B085C9AB24}">
-                <p16:designElem xmlns:p16="http://schemas.microsoft.com/office/powerpoint/2015/main" val="1"/>
+                <p16:designElem xmlns:p16="http://schemas.microsoft.com/office/powerpoint/2015/main" xmlns="" val="1"/>
               </p:ext>
             </p:extLst>
           </p:nvPr>
@@ -8518,10 +8553,10 @@
             <p:cNvPr id="24" name="Freeform 6">
               <a:extLst>
                 <a:ext uri="{FF2B5EF4-FFF2-40B4-BE49-F238E27FC236}">
-                  <a16:creationId xmlns:a16="http://schemas.microsoft.com/office/drawing/2014/main" id="{E34CC1C8-EBDD-4AEA-83E6-B27575B62E2E}"/>
+                  <a16:creationId xmlns:a16="http://schemas.microsoft.com/office/drawing/2014/main" xmlns="" id="{E34CC1C8-EBDD-4AEA-83E6-B27575B62E2E}"/>
                 </a:ext>
                 <a:ext uri="{C183D7F6-B498-43B3-948B-1728B52AA6E4}">
-                  <adec:decorative xmlns:adec="http://schemas.microsoft.com/office/drawing/2017/decorative" val="1"/>
+                  <adec:decorative xmlns:adec="http://schemas.microsoft.com/office/drawing/2017/decorative" xmlns="" val="1"/>
                 </a:ext>
               </a:extLst>
             </p:cNvPr>
@@ -8529,7 +8564,7 @@
             <p:nvPr>
               <p:extLst>
                 <p:ext uri="{386F3935-93C4-4BCD-93E2-E3B085C9AB24}">
-                  <p16:designElem xmlns:p16="http://schemas.microsoft.com/office/powerpoint/2015/main" val="1"/>
+                  <p16:designElem xmlns:p16="http://schemas.microsoft.com/office/powerpoint/2015/main" xmlns="" val="1"/>
                 </p:ext>
               </p:extLst>
             </p:nvPr>
@@ -8579,10 +8614,10 @@
             <p:cNvPr id="25" name="Freeform 7">
               <a:extLst>
                 <a:ext uri="{FF2B5EF4-FFF2-40B4-BE49-F238E27FC236}">
-                  <a16:creationId xmlns:a16="http://schemas.microsoft.com/office/drawing/2014/main" id="{D6B38644-B85D-4211-9526-5B4C2A662BF7}"/>
+                  <a16:creationId xmlns:a16="http://schemas.microsoft.com/office/drawing/2014/main" xmlns="" id="{D6B38644-B85D-4211-9526-5B4C2A662BF7}"/>
                 </a:ext>
                 <a:ext uri="{C183D7F6-B498-43B3-948B-1728B52AA6E4}">
-                  <adec:decorative xmlns:adec="http://schemas.microsoft.com/office/drawing/2017/decorative" val="1"/>
+                  <adec:decorative xmlns:adec="http://schemas.microsoft.com/office/drawing/2017/decorative" xmlns="" val="1"/>
                 </a:ext>
               </a:extLst>
             </p:cNvPr>
@@ -8590,7 +8625,7 @@
             <p:nvPr>
               <p:extLst>
                 <p:ext uri="{386F3935-93C4-4BCD-93E2-E3B085C9AB24}">
-                  <p16:designElem xmlns:p16="http://schemas.microsoft.com/office/powerpoint/2015/main" val="1"/>
+                  <p16:designElem xmlns:p16="http://schemas.microsoft.com/office/powerpoint/2015/main" xmlns="" val="1"/>
                 </p:ext>
               </p:extLst>
             </p:nvPr>
@@ -8643,10 +8678,10 @@
             <p:cNvPr id="26" name="Freeform 12">
               <a:extLst>
                 <a:ext uri="{FF2B5EF4-FFF2-40B4-BE49-F238E27FC236}">
-                  <a16:creationId xmlns:a16="http://schemas.microsoft.com/office/drawing/2014/main" id="{8A8B2820-6B8F-4C19-BFC5-D28EE44E54CB}"/>
+                  <a16:creationId xmlns:a16="http://schemas.microsoft.com/office/drawing/2014/main" xmlns="" id="{8A8B2820-6B8F-4C19-BFC5-D28EE44E54CB}"/>
                 </a:ext>
                 <a:ext uri="{C183D7F6-B498-43B3-948B-1728B52AA6E4}">
-                  <adec:decorative xmlns:adec="http://schemas.microsoft.com/office/drawing/2017/decorative" val="1"/>
+                  <adec:decorative xmlns:adec="http://schemas.microsoft.com/office/drawing/2017/decorative" xmlns="" val="1"/>
                 </a:ext>
               </a:extLst>
             </p:cNvPr>
@@ -8654,7 +8689,7 @@
             <p:nvPr>
               <p:extLst>
                 <p:ext uri="{386F3935-93C4-4BCD-93E2-E3B085C9AB24}">
-                  <p16:designElem xmlns:p16="http://schemas.microsoft.com/office/powerpoint/2015/main" val="1"/>
+                  <p16:designElem xmlns:p16="http://schemas.microsoft.com/office/powerpoint/2015/main" xmlns="" val="1"/>
                 </p:ext>
               </p:extLst>
             </p:nvPr>
@@ -8701,10 +8736,10 @@
             <p:cNvPr id="27" name="Freeform 13">
               <a:extLst>
                 <a:ext uri="{FF2B5EF4-FFF2-40B4-BE49-F238E27FC236}">
-                  <a16:creationId xmlns:a16="http://schemas.microsoft.com/office/drawing/2014/main" id="{773528ED-4D37-4A77-A8CA-86B6221C5E82}"/>
+                  <a16:creationId xmlns:a16="http://schemas.microsoft.com/office/drawing/2014/main" xmlns="" id="{773528ED-4D37-4A77-A8CA-86B6221C5E82}"/>
                 </a:ext>
                 <a:ext uri="{C183D7F6-B498-43B3-948B-1728B52AA6E4}">
-                  <adec:decorative xmlns:adec="http://schemas.microsoft.com/office/drawing/2017/decorative" val="1"/>
+                  <adec:decorative xmlns:adec="http://schemas.microsoft.com/office/drawing/2017/decorative" xmlns="" val="1"/>
                 </a:ext>
               </a:extLst>
             </p:cNvPr>
@@ -8712,7 +8747,7 @@
             <p:nvPr>
               <p:extLst>
                 <p:ext uri="{386F3935-93C4-4BCD-93E2-E3B085C9AB24}">
-                  <p16:designElem xmlns:p16="http://schemas.microsoft.com/office/powerpoint/2015/main" val="1"/>
+                  <p16:designElem xmlns:p16="http://schemas.microsoft.com/office/powerpoint/2015/main" xmlns="" val="1"/>
                 </p:ext>
               </p:extLst>
             </p:nvPr>
@@ -8761,10 +8796,10 @@
             <p:cNvPr id="28" name="Freeform 14">
               <a:extLst>
                 <a:ext uri="{FF2B5EF4-FFF2-40B4-BE49-F238E27FC236}">
-                  <a16:creationId xmlns:a16="http://schemas.microsoft.com/office/drawing/2014/main" id="{8A58A902-E944-4399-9A93-A91A6A82B166}"/>
+                  <a16:creationId xmlns:a16="http://schemas.microsoft.com/office/drawing/2014/main" xmlns="" id="{8A58A902-E944-4399-9A93-A91A6A82B166}"/>
                 </a:ext>
                 <a:ext uri="{C183D7F6-B498-43B3-948B-1728B52AA6E4}">
-                  <adec:decorative xmlns:adec="http://schemas.microsoft.com/office/drawing/2017/decorative" val="1"/>
+                  <adec:decorative xmlns:adec="http://schemas.microsoft.com/office/drawing/2017/decorative" xmlns="" val="1"/>
                 </a:ext>
               </a:extLst>
             </p:cNvPr>
@@ -8772,7 +8807,7 @@
             <p:nvPr>
               <p:extLst>
                 <p:ext uri="{386F3935-93C4-4BCD-93E2-E3B085C9AB24}">
-                  <p16:designElem xmlns:p16="http://schemas.microsoft.com/office/powerpoint/2015/main" val="1"/>
+                  <p16:designElem xmlns:p16="http://schemas.microsoft.com/office/powerpoint/2015/main" xmlns="" val="1"/>
                 </p:ext>
               </p:extLst>
             </p:nvPr>
@@ -8827,10 +8862,10 @@
             <p:cNvPr id="29" name="Freeform 15">
               <a:extLst>
                 <a:ext uri="{FF2B5EF4-FFF2-40B4-BE49-F238E27FC236}">
-                  <a16:creationId xmlns:a16="http://schemas.microsoft.com/office/drawing/2014/main" id="{4EDB1155-2E8E-4FB8-AD42-101FE4383231}"/>
+                  <a16:creationId xmlns:a16="http://schemas.microsoft.com/office/drawing/2014/main" xmlns="" id="{4EDB1155-2E8E-4FB8-AD42-101FE4383231}"/>
                 </a:ext>
                 <a:ext uri="{C183D7F6-B498-43B3-948B-1728B52AA6E4}">
-                  <adec:decorative xmlns:adec="http://schemas.microsoft.com/office/drawing/2017/decorative" val="1"/>
+                  <adec:decorative xmlns:adec="http://schemas.microsoft.com/office/drawing/2017/decorative" xmlns="" val="1"/>
                 </a:ext>
               </a:extLst>
             </p:cNvPr>
@@ -8838,7 +8873,7 @@
             <p:nvPr>
               <p:extLst>
                 <p:ext uri="{386F3935-93C4-4BCD-93E2-E3B085C9AB24}">
-                  <p16:designElem xmlns:p16="http://schemas.microsoft.com/office/powerpoint/2015/main" val="1"/>
+                  <p16:designElem xmlns:p16="http://schemas.microsoft.com/office/powerpoint/2015/main" xmlns="" val="1"/>
                 </p:ext>
               </p:extLst>
             </p:nvPr>
@@ -8898,7 +8933,7 @@
           <p:cNvPr id="2" name="Title 1">
             <a:extLst>
               <a:ext uri="{FF2B5EF4-FFF2-40B4-BE49-F238E27FC236}">
-                <a16:creationId xmlns:a16="http://schemas.microsoft.com/office/drawing/2014/main" id="{C7492CCE-C435-464E-A19A-D4C606FDBE3D}"/>
+                <a16:creationId xmlns:a16="http://schemas.microsoft.com/office/drawing/2014/main" xmlns="" id="{C7492CCE-C435-464E-A19A-D4C606FDBE3D}"/>
               </a:ext>
             </a:extLst>
           </p:cNvPr>
@@ -8934,7 +8969,7 @@
           <p:cNvPr id="3" name="Content Placeholder 2">
             <a:extLst>
               <a:ext uri="{FF2B5EF4-FFF2-40B4-BE49-F238E27FC236}">
-                <a16:creationId xmlns:a16="http://schemas.microsoft.com/office/drawing/2014/main" id="{60DFF4FA-F598-4962-B6AB-31A8BE724E52}"/>
+                <a16:creationId xmlns:a16="http://schemas.microsoft.com/office/drawing/2014/main" xmlns="" id="{60DFF4FA-F598-4962-B6AB-31A8BE724E52}"/>
               </a:ext>
             </a:extLst>
           </p:cNvPr>
@@ -9005,6 +9040,13 @@
   <p:clrMapOvr>
     <a:overrideClrMapping bg1="dk1" tx1="lt1" bg2="dk2" tx2="lt2" accent1="accent1" accent2="accent2" accent3="accent3" accent4="accent4" accent5="accent5" accent6="accent6" hlink="hlink" folHlink="folHlink"/>
   </p:clrMapOvr>
+  <p:timing>
+    <p:tnLst>
+      <p:par>
+        <p:cTn id="1" dur="indefinite" restart="never" nodeType="tmRoot"/>
+      </p:par>
+    </p:tnLst>
+  </p:timing>
 </p:sld>
 </file>
 
@@ -9038,10 +9080,10 @@
           <p:cNvPr id="21" name="Rectangle 20">
             <a:extLst>
               <a:ext uri="{FF2B5EF4-FFF2-40B4-BE49-F238E27FC236}">
-                <a16:creationId xmlns:a16="http://schemas.microsoft.com/office/drawing/2014/main" id="{99CAC3B1-4879-424D-8F15-206277196159}"/>
+                <a16:creationId xmlns:a16="http://schemas.microsoft.com/office/drawing/2014/main" xmlns="" id="{99CAC3B1-4879-424D-8F15-206277196159}"/>
               </a:ext>
               <a:ext uri="{C183D7F6-B498-43B3-948B-1728B52AA6E4}">
-                <adec:decorative xmlns:adec="http://schemas.microsoft.com/office/drawing/2017/decorative" val="1"/>
+                <adec:decorative xmlns:adec="http://schemas.microsoft.com/office/drawing/2017/decorative" xmlns="" val="1"/>
               </a:ext>
             </a:extLst>
           </p:cNvPr>
@@ -9051,7 +9093,7 @@
           <p:nvPr>
             <p:extLst>
               <p:ext uri="{386F3935-93C4-4BCD-93E2-E3B085C9AB24}">
-                <p16:designElem xmlns:p16="http://schemas.microsoft.com/office/powerpoint/2015/main" val="1"/>
+                <p16:designElem xmlns:p16="http://schemas.microsoft.com/office/powerpoint/2015/main" xmlns="" val="1"/>
               </p:ext>
             </p:extLst>
           </p:nvPr>
@@ -9098,10 +9140,10 @@
           <p:cNvPr id="23" name="Group 22">
             <a:extLst>
               <a:ext uri="{FF2B5EF4-FFF2-40B4-BE49-F238E27FC236}">
-                <a16:creationId xmlns:a16="http://schemas.microsoft.com/office/drawing/2014/main" id="{4B8492CB-DFBA-4A82-9778-F21493DA36C1}"/>
+                <a16:creationId xmlns:a16="http://schemas.microsoft.com/office/drawing/2014/main" xmlns="" id="{4B8492CB-DFBA-4A82-9778-F21493DA36C1}"/>
               </a:ext>
               <a:ext uri="{C183D7F6-B498-43B3-948B-1728B52AA6E4}">
-                <adec:decorative xmlns:adec="http://schemas.microsoft.com/office/drawing/2017/decorative" val="1"/>
+                <adec:decorative xmlns:adec="http://schemas.microsoft.com/office/drawing/2017/decorative" xmlns="" val="1"/>
               </a:ext>
             </a:extLst>
           </p:cNvPr>
@@ -9111,7 +9153,7 @@
           <p:nvPr>
             <p:extLst>
               <p:ext uri="{386F3935-93C4-4BCD-93E2-E3B085C9AB24}">
-                <p16:designElem xmlns:p16="http://schemas.microsoft.com/office/powerpoint/2015/main" val="1"/>
+                <p16:designElem xmlns:p16="http://schemas.microsoft.com/office/powerpoint/2015/main" xmlns="" val="1"/>
               </p:ext>
             </p:extLst>
           </p:nvPr>
@@ -9129,10 +9171,10 @@
             <p:cNvPr id="24" name="Freeform 6">
               <a:extLst>
                 <a:ext uri="{FF2B5EF4-FFF2-40B4-BE49-F238E27FC236}">
-                  <a16:creationId xmlns:a16="http://schemas.microsoft.com/office/drawing/2014/main" id="{E34CC1C8-EBDD-4AEA-83E6-B27575B62E2E}"/>
+                  <a16:creationId xmlns:a16="http://schemas.microsoft.com/office/drawing/2014/main" xmlns="" id="{E34CC1C8-EBDD-4AEA-83E6-B27575B62E2E}"/>
                 </a:ext>
                 <a:ext uri="{C183D7F6-B498-43B3-948B-1728B52AA6E4}">
-                  <adec:decorative xmlns:adec="http://schemas.microsoft.com/office/drawing/2017/decorative" val="1"/>
+                  <adec:decorative xmlns:adec="http://schemas.microsoft.com/office/drawing/2017/decorative" xmlns="" val="1"/>
                 </a:ext>
               </a:extLst>
             </p:cNvPr>
@@ -9140,7 +9182,7 @@
             <p:nvPr>
               <p:extLst>
                 <p:ext uri="{386F3935-93C4-4BCD-93E2-E3B085C9AB24}">
-                  <p16:designElem xmlns:p16="http://schemas.microsoft.com/office/powerpoint/2015/main" val="1"/>
+                  <p16:designElem xmlns:p16="http://schemas.microsoft.com/office/powerpoint/2015/main" xmlns="" val="1"/>
                 </p:ext>
               </p:extLst>
             </p:nvPr>
@@ -9190,10 +9232,10 @@
             <p:cNvPr id="25" name="Freeform 7">
               <a:extLst>
                 <a:ext uri="{FF2B5EF4-FFF2-40B4-BE49-F238E27FC236}">
-                  <a16:creationId xmlns:a16="http://schemas.microsoft.com/office/drawing/2014/main" id="{D6B38644-B85D-4211-9526-5B4C2A662BF7}"/>
+                  <a16:creationId xmlns:a16="http://schemas.microsoft.com/office/drawing/2014/main" xmlns="" id="{D6B38644-B85D-4211-9526-5B4C2A662BF7}"/>
                 </a:ext>
                 <a:ext uri="{C183D7F6-B498-43B3-948B-1728B52AA6E4}">
-                  <adec:decorative xmlns:adec="http://schemas.microsoft.com/office/drawing/2017/decorative" val="1"/>
+                  <adec:decorative xmlns:adec="http://schemas.microsoft.com/office/drawing/2017/decorative" xmlns="" val="1"/>
                 </a:ext>
               </a:extLst>
             </p:cNvPr>
@@ -9201,7 +9243,7 @@
             <p:nvPr>
               <p:extLst>
                 <p:ext uri="{386F3935-93C4-4BCD-93E2-E3B085C9AB24}">
-                  <p16:designElem xmlns:p16="http://schemas.microsoft.com/office/powerpoint/2015/main" val="1"/>
+                  <p16:designElem xmlns:p16="http://schemas.microsoft.com/office/powerpoint/2015/main" xmlns="" val="1"/>
                 </p:ext>
               </p:extLst>
             </p:nvPr>
@@ -9254,10 +9296,10 @@
             <p:cNvPr id="26" name="Freeform 12">
               <a:extLst>
                 <a:ext uri="{FF2B5EF4-FFF2-40B4-BE49-F238E27FC236}">
-                  <a16:creationId xmlns:a16="http://schemas.microsoft.com/office/drawing/2014/main" id="{8A8B2820-6B8F-4C19-BFC5-D28EE44E54CB}"/>
+                  <a16:creationId xmlns:a16="http://schemas.microsoft.com/office/drawing/2014/main" xmlns="" id="{8A8B2820-6B8F-4C19-BFC5-D28EE44E54CB}"/>
                 </a:ext>
                 <a:ext uri="{C183D7F6-B498-43B3-948B-1728B52AA6E4}">
-                  <adec:decorative xmlns:adec="http://schemas.microsoft.com/office/drawing/2017/decorative" val="1"/>
+                  <adec:decorative xmlns:adec="http://schemas.microsoft.com/office/drawing/2017/decorative" xmlns="" val="1"/>
                 </a:ext>
               </a:extLst>
             </p:cNvPr>
@@ -9265,7 +9307,7 @@
             <p:nvPr>
               <p:extLst>
                 <p:ext uri="{386F3935-93C4-4BCD-93E2-E3B085C9AB24}">
-                  <p16:designElem xmlns:p16="http://schemas.microsoft.com/office/powerpoint/2015/main" val="1"/>
+                  <p16:designElem xmlns:p16="http://schemas.microsoft.com/office/powerpoint/2015/main" xmlns="" val="1"/>
                 </p:ext>
               </p:extLst>
             </p:nvPr>
@@ -9312,10 +9354,10 @@
             <p:cNvPr id="27" name="Freeform 13">
               <a:extLst>
                 <a:ext uri="{FF2B5EF4-FFF2-40B4-BE49-F238E27FC236}">
-                  <a16:creationId xmlns:a16="http://schemas.microsoft.com/office/drawing/2014/main" id="{773528ED-4D37-4A77-A8CA-86B6221C5E82}"/>
+                  <a16:creationId xmlns:a16="http://schemas.microsoft.com/office/drawing/2014/main" xmlns="" id="{773528ED-4D37-4A77-A8CA-86B6221C5E82}"/>
                 </a:ext>
                 <a:ext uri="{C183D7F6-B498-43B3-948B-1728B52AA6E4}">
-                  <adec:decorative xmlns:adec="http://schemas.microsoft.com/office/drawing/2017/decorative" val="1"/>
+                  <adec:decorative xmlns:adec="http://schemas.microsoft.com/office/drawing/2017/decorative" xmlns="" val="1"/>
                 </a:ext>
               </a:extLst>
             </p:cNvPr>
@@ -9323,7 +9365,7 @@
             <p:nvPr>
               <p:extLst>
                 <p:ext uri="{386F3935-93C4-4BCD-93E2-E3B085C9AB24}">
-                  <p16:designElem xmlns:p16="http://schemas.microsoft.com/office/powerpoint/2015/main" val="1"/>
+                  <p16:designElem xmlns:p16="http://schemas.microsoft.com/office/powerpoint/2015/main" xmlns="" val="1"/>
                 </p:ext>
               </p:extLst>
             </p:nvPr>
@@ -9372,10 +9414,10 @@
             <p:cNvPr id="28" name="Freeform 14">
               <a:extLst>
                 <a:ext uri="{FF2B5EF4-FFF2-40B4-BE49-F238E27FC236}">
-                  <a16:creationId xmlns:a16="http://schemas.microsoft.com/office/drawing/2014/main" id="{8A58A902-E944-4399-9A93-A91A6A82B166}"/>
+                  <a16:creationId xmlns:a16="http://schemas.microsoft.com/office/drawing/2014/main" xmlns="" id="{8A58A902-E944-4399-9A93-A91A6A82B166}"/>
                 </a:ext>
                 <a:ext uri="{C183D7F6-B498-43B3-948B-1728B52AA6E4}">
-                  <adec:decorative xmlns:adec="http://schemas.microsoft.com/office/drawing/2017/decorative" val="1"/>
+                  <adec:decorative xmlns:adec="http://schemas.microsoft.com/office/drawing/2017/decorative" xmlns="" val="1"/>
                 </a:ext>
               </a:extLst>
             </p:cNvPr>
@@ -9383,7 +9425,7 @@
             <p:nvPr>
               <p:extLst>
                 <p:ext uri="{386F3935-93C4-4BCD-93E2-E3B085C9AB24}">
-                  <p16:designElem xmlns:p16="http://schemas.microsoft.com/office/powerpoint/2015/main" val="1"/>
+                  <p16:designElem xmlns:p16="http://schemas.microsoft.com/office/powerpoint/2015/main" xmlns="" val="1"/>
                 </p:ext>
               </p:extLst>
             </p:nvPr>
@@ -9438,10 +9480,10 @@
             <p:cNvPr id="29" name="Freeform 15">
               <a:extLst>
                 <a:ext uri="{FF2B5EF4-FFF2-40B4-BE49-F238E27FC236}">
-                  <a16:creationId xmlns:a16="http://schemas.microsoft.com/office/drawing/2014/main" id="{4EDB1155-2E8E-4FB8-AD42-101FE4383231}"/>
+                  <a16:creationId xmlns:a16="http://schemas.microsoft.com/office/drawing/2014/main" xmlns="" id="{4EDB1155-2E8E-4FB8-AD42-101FE4383231}"/>
                 </a:ext>
                 <a:ext uri="{C183D7F6-B498-43B3-948B-1728B52AA6E4}">
-                  <adec:decorative xmlns:adec="http://schemas.microsoft.com/office/drawing/2017/decorative" val="1"/>
+                  <adec:decorative xmlns:adec="http://schemas.microsoft.com/office/drawing/2017/decorative" xmlns="" val="1"/>
                 </a:ext>
               </a:extLst>
             </p:cNvPr>
@@ -9449,7 +9491,7 @@
             <p:nvPr>
               <p:extLst>
                 <p:ext uri="{386F3935-93C4-4BCD-93E2-E3B085C9AB24}">
-                  <p16:designElem xmlns:p16="http://schemas.microsoft.com/office/powerpoint/2015/main" val="1"/>
+                  <p16:designElem xmlns:p16="http://schemas.microsoft.com/office/powerpoint/2015/main" xmlns="" val="1"/>
                 </p:ext>
               </p:extLst>
             </p:nvPr>
@@ -9509,7 +9551,7 @@
           <p:cNvPr id="2" name="Title 1">
             <a:extLst>
               <a:ext uri="{FF2B5EF4-FFF2-40B4-BE49-F238E27FC236}">
-                <a16:creationId xmlns:a16="http://schemas.microsoft.com/office/drawing/2014/main" id="{C7492CCE-C435-464E-A19A-D4C606FDBE3D}"/>
+                <a16:creationId xmlns:a16="http://schemas.microsoft.com/office/drawing/2014/main" xmlns="" id="{C7492CCE-C435-464E-A19A-D4C606FDBE3D}"/>
               </a:ext>
             </a:extLst>
           </p:cNvPr>
@@ -9533,6 +9575,10 @@
           <a:lstStyle/>
           <a:p>
             <a:pPr algn="l"/>
+            <a:r>
+              <a:rPr lang="en-US" dirty="0" smtClean="0"/>
+              <a:t>Performance Improvements</a:t>
+            </a:r>
             <a:endParaRPr lang="en-US" dirty="0"/>
           </a:p>
         </p:txBody>
@@ -9542,7 +9588,7 @@
           <p:cNvPr id="3" name="Content Placeholder 2">
             <a:extLst>
               <a:ext uri="{FF2B5EF4-FFF2-40B4-BE49-F238E27FC236}">
-                <a16:creationId xmlns:a16="http://schemas.microsoft.com/office/drawing/2014/main" id="{60DFF4FA-F598-4962-B6AB-31A8BE724E52}"/>
+                <a16:creationId xmlns:a16="http://schemas.microsoft.com/office/drawing/2014/main" xmlns="" id="{60DFF4FA-F598-4962-B6AB-31A8BE724E52}"/>
               </a:ext>
             </a:extLst>
           </p:cNvPr>
@@ -9565,7 +9611,31 @@
           </a:bodyPr>
           <a:lstStyle/>
           <a:p>
+            <a:r>
+              <a:rPr lang="en-US" sz="1800" dirty="0" smtClean="0"/>
+              <a:t>Wave vertex data structure</a:t>
+            </a:r>
             <a:endParaRPr lang="en-US" sz="1800" dirty="0"/>
+          </a:p>
+          <a:p>
+            <a:r>
+              <a:rPr lang="en-US" sz="1800" dirty="0" smtClean="0"/>
+              <a:t>Threaded  FFT</a:t>
+            </a:r>
+          </a:p>
+          <a:p>
+            <a:r>
+              <a:rPr lang="en-US" sz="1800" dirty="0" smtClean="0"/>
+              <a:t>Compute </a:t>
+            </a:r>
+            <a:r>
+              <a:rPr lang="en-US" sz="1800" dirty="0" err="1" smtClean="0"/>
+              <a:t>Shader</a:t>
+            </a:r>
+            <a:r>
+              <a:rPr lang="en-US" sz="1800" dirty="0" smtClean="0"/>
+              <a:t> FFT</a:t>
+            </a:r>
           </a:p>
         </p:txBody>
       </p:sp>
@@ -9574,7 +9644,7 @@
           <p:cNvPr id="5" name="TextBox 4">
             <a:extLst>
               <a:ext uri="{FF2B5EF4-FFF2-40B4-BE49-F238E27FC236}">
-                <a16:creationId xmlns:a16="http://schemas.microsoft.com/office/drawing/2014/main" id="{466A409B-90E2-4ACB-8A16-0329B5CEE6DF}"/>
+                <a16:creationId xmlns:a16="http://schemas.microsoft.com/office/drawing/2014/main" xmlns="" id="{466A409B-90E2-4ACB-8A16-0329B5CEE6DF}"/>
               </a:ext>
             </a:extLst>
           </p:cNvPr>
@@ -9625,7 +9695,7 @@
           <p:cNvPr id="7" name="Straight Arrow Connector 6">
             <a:extLst>
               <a:ext uri="{FF2B5EF4-FFF2-40B4-BE49-F238E27FC236}">
-                <a16:creationId xmlns:a16="http://schemas.microsoft.com/office/drawing/2014/main" id="{6C986E87-252D-4CDD-90A3-050A5080DF44}"/>
+                <a16:creationId xmlns:a16="http://schemas.microsoft.com/office/drawing/2014/main" xmlns="" id="{6C986E87-252D-4CDD-90A3-050A5080DF44}"/>
               </a:ext>
             </a:extLst>
           </p:cNvPr>
@@ -9666,7 +9736,7 @@
           <p:cNvPr id="17" name="Straight Arrow Connector 16">
             <a:extLst>
               <a:ext uri="{FF2B5EF4-FFF2-40B4-BE49-F238E27FC236}">
-                <a16:creationId xmlns:a16="http://schemas.microsoft.com/office/drawing/2014/main" id="{8B32EEAB-6F30-4731-8D76-02708A63C23C}"/>
+                <a16:creationId xmlns:a16="http://schemas.microsoft.com/office/drawing/2014/main" xmlns="" id="{8B32EEAB-6F30-4731-8D76-02708A63C23C}"/>
               </a:ext>
             </a:extLst>
           </p:cNvPr>
@@ -9707,7 +9777,7 @@
           <p:cNvPr id="18" name="Straight Arrow Connector 17">
             <a:extLst>
               <a:ext uri="{FF2B5EF4-FFF2-40B4-BE49-F238E27FC236}">
-                <a16:creationId xmlns:a16="http://schemas.microsoft.com/office/drawing/2014/main" id="{E930BBA9-7BA1-48A0-A9E1-F9545CD11BAA}"/>
+                <a16:creationId xmlns:a16="http://schemas.microsoft.com/office/drawing/2014/main" xmlns="" id="{E930BBA9-7BA1-48A0-A9E1-F9545CD11BAA}"/>
               </a:ext>
             </a:extLst>
           </p:cNvPr>
@@ -9748,7 +9818,7 @@
           <p:cNvPr id="19" name="Straight Arrow Connector 18">
             <a:extLst>
               <a:ext uri="{FF2B5EF4-FFF2-40B4-BE49-F238E27FC236}">
-                <a16:creationId xmlns:a16="http://schemas.microsoft.com/office/drawing/2014/main" id="{72D8D5ED-08A2-4E59-AA33-3E70202E855D}"/>
+                <a16:creationId xmlns:a16="http://schemas.microsoft.com/office/drawing/2014/main" xmlns="" id="{72D8D5ED-08A2-4E59-AA33-3E70202E855D}"/>
               </a:ext>
             </a:extLst>
           </p:cNvPr>
@@ -9794,6 +9864,13 @@
   <p:clrMapOvr>
     <a:overrideClrMapping bg1="dk1" tx1="lt1" bg2="dk2" tx2="lt2" accent1="accent1" accent2="accent2" accent3="accent3" accent4="accent4" accent5="accent5" accent6="accent6" hlink="hlink" folHlink="folHlink"/>
   </p:clrMapOvr>
+  <p:timing>
+    <p:tnLst>
+      <p:par>
+        <p:cTn id="1" dur="indefinite" restart="never" nodeType="tmRoot"/>
+      </p:par>
+    </p:tnLst>
+  </p:timing>
 </p:sld>
 </file>
 
@@ -9827,10 +9904,10 @@
           <p:cNvPr id="21" name="Rectangle 20">
             <a:extLst>
               <a:ext uri="{FF2B5EF4-FFF2-40B4-BE49-F238E27FC236}">
-                <a16:creationId xmlns:a16="http://schemas.microsoft.com/office/drawing/2014/main" id="{99CAC3B1-4879-424D-8F15-206277196159}"/>
+                <a16:creationId xmlns:a16="http://schemas.microsoft.com/office/drawing/2014/main" xmlns="" id="{99CAC3B1-4879-424D-8F15-206277196159}"/>
               </a:ext>
               <a:ext uri="{C183D7F6-B498-43B3-948B-1728B52AA6E4}">
-                <adec:decorative xmlns:adec="http://schemas.microsoft.com/office/drawing/2017/decorative" val="1"/>
+                <adec:decorative xmlns:adec="http://schemas.microsoft.com/office/drawing/2017/decorative" xmlns="" val="1"/>
               </a:ext>
             </a:extLst>
           </p:cNvPr>
@@ -9840,7 +9917,7 @@
           <p:nvPr>
             <p:extLst>
               <p:ext uri="{386F3935-93C4-4BCD-93E2-E3B085C9AB24}">
-                <p16:designElem xmlns:p16="http://schemas.microsoft.com/office/powerpoint/2015/main" val="1"/>
+                <p16:designElem xmlns:p16="http://schemas.microsoft.com/office/powerpoint/2015/main" xmlns="" val="1"/>
               </p:ext>
             </p:extLst>
           </p:nvPr>
@@ -9887,10 +9964,10 @@
           <p:cNvPr id="23" name="Group 22">
             <a:extLst>
               <a:ext uri="{FF2B5EF4-FFF2-40B4-BE49-F238E27FC236}">
-                <a16:creationId xmlns:a16="http://schemas.microsoft.com/office/drawing/2014/main" id="{4B8492CB-DFBA-4A82-9778-F21493DA36C1}"/>
+                <a16:creationId xmlns:a16="http://schemas.microsoft.com/office/drawing/2014/main" xmlns="" id="{4B8492CB-DFBA-4A82-9778-F21493DA36C1}"/>
               </a:ext>
               <a:ext uri="{C183D7F6-B498-43B3-948B-1728B52AA6E4}">
-                <adec:decorative xmlns:adec="http://schemas.microsoft.com/office/drawing/2017/decorative" val="1"/>
+                <adec:decorative xmlns:adec="http://schemas.microsoft.com/office/drawing/2017/decorative" xmlns="" val="1"/>
               </a:ext>
             </a:extLst>
           </p:cNvPr>
@@ -9900,7 +9977,7 @@
           <p:nvPr>
             <p:extLst>
               <p:ext uri="{386F3935-93C4-4BCD-93E2-E3B085C9AB24}">
-                <p16:designElem xmlns:p16="http://schemas.microsoft.com/office/powerpoint/2015/main" val="1"/>
+                <p16:designElem xmlns:p16="http://schemas.microsoft.com/office/powerpoint/2015/main" xmlns="" val="1"/>
               </p:ext>
             </p:extLst>
           </p:nvPr>
@@ -9918,10 +9995,10 @@
             <p:cNvPr id="24" name="Freeform 6">
               <a:extLst>
                 <a:ext uri="{FF2B5EF4-FFF2-40B4-BE49-F238E27FC236}">
-                  <a16:creationId xmlns:a16="http://schemas.microsoft.com/office/drawing/2014/main" id="{E34CC1C8-EBDD-4AEA-83E6-B27575B62E2E}"/>
+                  <a16:creationId xmlns:a16="http://schemas.microsoft.com/office/drawing/2014/main" xmlns="" id="{E34CC1C8-EBDD-4AEA-83E6-B27575B62E2E}"/>
                 </a:ext>
                 <a:ext uri="{C183D7F6-B498-43B3-948B-1728B52AA6E4}">
-                  <adec:decorative xmlns:adec="http://schemas.microsoft.com/office/drawing/2017/decorative" val="1"/>
+                  <adec:decorative xmlns:adec="http://schemas.microsoft.com/office/drawing/2017/decorative" xmlns="" val="1"/>
                 </a:ext>
               </a:extLst>
             </p:cNvPr>
@@ -9929,7 +10006,7 @@
             <p:nvPr>
               <p:extLst>
                 <p:ext uri="{386F3935-93C4-4BCD-93E2-E3B085C9AB24}">
-                  <p16:designElem xmlns:p16="http://schemas.microsoft.com/office/powerpoint/2015/main" val="1"/>
+                  <p16:designElem xmlns:p16="http://schemas.microsoft.com/office/powerpoint/2015/main" xmlns="" val="1"/>
                 </p:ext>
               </p:extLst>
             </p:nvPr>
@@ -9979,10 +10056,10 @@
             <p:cNvPr id="25" name="Freeform 7">
               <a:extLst>
                 <a:ext uri="{FF2B5EF4-FFF2-40B4-BE49-F238E27FC236}">
-                  <a16:creationId xmlns:a16="http://schemas.microsoft.com/office/drawing/2014/main" id="{D6B38644-B85D-4211-9526-5B4C2A662BF7}"/>
+                  <a16:creationId xmlns:a16="http://schemas.microsoft.com/office/drawing/2014/main" xmlns="" id="{D6B38644-B85D-4211-9526-5B4C2A662BF7}"/>
                 </a:ext>
                 <a:ext uri="{C183D7F6-B498-43B3-948B-1728B52AA6E4}">
-                  <adec:decorative xmlns:adec="http://schemas.microsoft.com/office/drawing/2017/decorative" val="1"/>
+                  <adec:decorative xmlns:adec="http://schemas.microsoft.com/office/drawing/2017/decorative" xmlns="" val="1"/>
                 </a:ext>
               </a:extLst>
             </p:cNvPr>
@@ -9990,7 +10067,7 @@
             <p:nvPr>
               <p:extLst>
                 <p:ext uri="{386F3935-93C4-4BCD-93E2-E3B085C9AB24}">
-                  <p16:designElem xmlns:p16="http://schemas.microsoft.com/office/powerpoint/2015/main" val="1"/>
+                  <p16:designElem xmlns:p16="http://schemas.microsoft.com/office/powerpoint/2015/main" xmlns="" val="1"/>
                 </p:ext>
               </p:extLst>
             </p:nvPr>
@@ -10043,10 +10120,10 @@
             <p:cNvPr id="26" name="Freeform 12">
               <a:extLst>
                 <a:ext uri="{FF2B5EF4-FFF2-40B4-BE49-F238E27FC236}">
-                  <a16:creationId xmlns:a16="http://schemas.microsoft.com/office/drawing/2014/main" id="{8A8B2820-6B8F-4C19-BFC5-D28EE44E54CB}"/>
+                  <a16:creationId xmlns:a16="http://schemas.microsoft.com/office/drawing/2014/main" xmlns="" id="{8A8B2820-6B8F-4C19-BFC5-D28EE44E54CB}"/>
                 </a:ext>
                 <a:ext uri="{C183D7F6-B498-43B3-948B-1728B52AA6E4}">
-                  <adec:decorative xmlns:adec="http://schemas.microsoft.com/office/drawing/2017/decorative" val="1"/>
+                  <adec:decorative xmlns:adec="http://schemas.microsoft.com/office/drawing/2017/decorative" xmlns="" val="1"/>
                 </a:ext>
               </a:extLst>
             </p:cNvPr>
@@ -10054,7 +10131,7 @@
             <p:nvPr>
               <p:extLst>
                 <p:ext uri="{386F3935-93C4-4BCD-93E2-E3B085C9AB24}">
-                  <p16:designElem xmlns:p16="http://schemas.microsoft.com/office/powerpoint/2015/main" val="1"/>
+                  <p16:designElem xmlns:p16="http://schemas.microsoft.com/office/powerpoint/2015/main" xmlns="" val="1"/>
                 </p:ext>
               </p:extLst>
             </p:nvPr>
@@ -10101,10 +10178,10 @@
             <p:cNvPr id="27" name="Freeform 13">
               <a:extLst>
                 <a:ext uri="{FF2B5EF4-FFF2-40B4-BE49-F238E27FC236}">
-                  <a16:creationId xmlns:a16="http://schemas.microsoft.com/office/drawing/2014/main" id="{773528ED-4D37-4A77-A8CA-86B6221C5E82}"/>
+                  <a16:creationId xmlns:a16="http://schemas.microsoft.com/office/drawing/2014/main" xmlns="" id="{773528ED-4D37-4A77-A8CA-86B6221C5E82}"/>
                 </a:ext>
                 <a:ext uri="{C183D7F6-B498-43B3-948B-1728B52AA6E4}">
-                  <adec:decorative xmlns:adec="http://schemas.microsoft.com/office/drawing/2017/decorative" val="1"/>
+                  <adec:decorative xmlns:adec="http://schemas.microsoft.com/office/drawing/2017/decorative" xmlns="" val="1"/>
                 </a:ext>
               </a:extLst>
             </p:cNvPr>
@@ -10112,7 +10189,7 @@
             <p:nvPr>
               <p:extLst>
                 <p:ext uri="{386F3935-93C4-4BCD-93E2-E3B085C9AB24}">
-                  <p16:designElem xmlns:p16="http://schemas.microsoft.com/office/powerpoint/2015/main" val="1"/>
+                  <p16:designElem xmlns:p16="http://schemas.microsoft.com/office/powerpoint/2015/main" xmlns="" val="1"/>
                 </p:ext>
               </p:extLst>
             </p:nvPr>
@@ -10161,10 +10238,10 @@
             <p:cNvPr id="28" name="Freeform 14">
               <a:extLst>
                 <a:ext uri="{FF2B5EF4-FFF2-40B4-BE49-F238E27FC236}">
-                  <a16:creationId xmlns:a16="http://schemas.microsoft.com/office/drawing/2014/main" id="{8A58A902-E944-4399-9A93-A91A6A82B166}"/>
+                  <a16:creationId xmlns:a16="http://schemas.microsoft.com/office/drawing/2014/main" xmlns="" id="{8A58A902-E944-4399-9A93-A91A6A82B166}"/>
                 </a:ext>
                 <a:ext uri="{C183D7F6-B498-43B3-948B-1728B52AA6E4}">
-                  <adec:decorative xmlns:adec="http://schemas.microsoft.com/office/drawing/2017/decorative" val="1"/>
+                  <adec:decorative xmlns:adec="http://schemas.microsoft.com/office/drawing/2017/decorative" xmlns="" val="1"/>
                 </a:ext>
               </a:extLst>
             </p:cNvPr>
@@ -10172,7 +10249,7 @@
             <p:nvPr>
               <p:extLst>
                 <p:ext uri="{386F3935-93C4-4BCD-93E2-E3B085C9AB24}">
-                  <p16:designElem xmlns:p16="http://schemas.microsoft.com/office/powerpoint/2015/main" val="1"/>
+                  <p16:designElem xmlns:p16="http://schemas.microsoft.com/office/powerpoint/2015/main" xmlns="" val="1"/>
                 </p:ext>
               </p:extLst>
             </p:nvPr>
@@ -10227,10 +10304,10 @@
             <p:cNvPr id="29" name="Freeform 15">
               <a:extLst>
                 <a:ext uri="{FF2B5EF4-FFF2-40B4-BE49-F238E27FC236}">
-                  <a16:creationId xmlns:a16="http://schemas.microsoft.com/office/drawing/2014/main" id="{4EDB1155-2E8E-4FB8-AD42-101FE4383231}"/>
+                  <a16:creationId xmlns:a16="http://schemas.microsoft.com/office/drawing/2014/main" xmlns="" id="{4EDB1155-2E8E-4FB8-AD42-101FE4383231}"/>
                 </a:ext>
                 <a:ext uri="{C183D7F6-B498-43B3-948B-1728B52AA6E4}">
-                  <adec:decorative xmlns:adec="http://schemas.microsoft.com/office/drawing/2017/decorative" val="1"/>
+                  <adec:decorative xmlns:adec="http://schemas.microsoft.com/office/drawing/2017/decorative" xmlns="" val="1"/>
                 </a:ext>
               </a:extLst>
             </p:cNvPr>
@@ -10238,7 +10315,7 @@
             <p:nvPr>
               <p:extLst>
                 <p:ext uri="{386F3935-93C4-4BCD-93E2-E3B085C9AB24}">
-                  <p16:designElem xmlns:p16="http://schemas.microsoft.com/office/powerpoint/2015/main" val="1"/>
+                  <p16:designElem xmlns:p16="http://schemas.microsoft.com/office/powerpoint/2015/main" xmlns="" val="1"/>
                 </p:ext>
               </p:extLst>
             </p:nvPr>
@@ -10298,7 +10375,7 @@
           <p:cNvPr id="2" name="Title 1">
             <a:extLst>
               <a:ext uri="{FF2B5EF4-FFF2-40B4-BE49-F238E27FC236}">
-                <a16:creationId xmlns:a16="http://schemas.microsoft.com/office/drawing/2014/main" id="{C7492CCE-C435-464E-A19A-D4C606FDBE3D}"/>
+                <a16:creationId xmlns:a16="http://schemas.microsoft.com/office/drawing/2014/main" xmlns="" id="{C7492CCE-C435-464E-A19A-D4C606FDBE3D}"/>
               </a:ext>
             </a:extLst>
           </p:cNvPr>
@@ -10334,7 +10411,7 @@
           <p:cNvPr id="3" name="Content Placeholder 2">
             <a:extLst>
               <a:ext uri="{FF2B5EF4-FFF2-40B4-BE49-F238E27FC236}">
-                <a16:creationId xmlns:a16="http://schemas.microsoft.com/office/drawing/2014/main" id="{60DFF4FA-F598-4962-B6AB-31A8BE724E52}"/>
+                <a16:creationId xmlns:a16="http://schemas.microsoft.com/office/drawing/2014/main" xmlns="" id="{60DFF4FA-F598-4962-B6AB-31A8BE724E52}"/>
               </a:ext>
             </a:extLst>
           </p:cNvPr>
@@ -10405,6 +10482,13 @@
   <p:clrMapOvr>
     <a:overrideClrMapping bg1="dk1" tx1="lt1" bg2="dk2" tx2="lt2" accent1="accent1" accent2="accent2" accent3="accent3" accent4="accent4" accent5="accent5" accent6="accent6" hlink="hlink" folHlink="folHlink"/>
   </p:clrMapOvr>
+  <p:timing>
+    <p:tnLst>
+      <p:par>
+        <p:cTn id="1" dur="indefinite" restart="never" nodeType="tmRoot"/>
+      </p:par>
+    </p:tnLst>
+  </p:timing>
 </p:sld>
 </file>
 
@@ -10438,10 +10522,10 @@
           <p:cNvPr id="21" name="Rectangle 20">
             <a:extLst>
               <a:ext uri="{FF2B5EF4-FFF2-40B4-BE49-F238E27FC236}">
-                <a16:creationId xmlns:a16="http://schemas.microsoft.com/office/drawing/2014/main" id="{99CAC3B1-4879-424D-8F15-206277196159}"/>
+                <a16:creationId xmlns:a16="http://schemas.microsoft.com/office/drawing/2014/main" xmlns="" id="{99CAC3B1-4879-424D-8F15-206277196159}"/>
               </a:ext>
               <a:ext uri="{C183D7F6-B498-43B3-948B-1728B52AA6E4}">
-                <adec:decorative xmlns:adec="http://schemas.microsoft.com/office/drawing/2017/decorative" val="1"/>
+                <adec:decorative xmlns:adec="http://schemas.microsoft.com/office/drawing/2017/decorative" xmlns="" val="1"/>
               </a:ext>
             </a:extLst>
           </p:cNvPr>
@@ -10451,7 +10535,7 @@
           <p:nvPr>
             <p:extLst>
               <p:ext uri="{386F3935-93C4-4BCD-93E2-E3B085C9AB24}">
-                <p16:designElem xmlns:p16="http://schemas.microsoft.com/office/powerpoint/2015/main" val="1"/>
+                <p16:designElem xmlns:p16="http://schemas.microsoft.com/office/powerpoint/2015/main" xmlns="" val="1"/>
               </p:ext>
             </p:extLst>
           </p:nvPr>
@@ -10498,10 +10582,10 @@
           <p:cNvPr id="23" name="Group 22">
             <a:extLst>
               <a:ext uri="{FF2B5EF4-FFF2-40B4-BE49-F238E27FC236}">
-                <a16:creationId xmlns:a16="http://schemas.microsoft.com/office/drawing/2014/main" id="{4B8492CB-DFBA-4A82-9778-F21493DA36C1}"/>
+                <a16:creationId xmlns:a16="http://schemas.microsoft.com/office/drawing/2014/main" xmlns="" id="{4B8492CB-DFBA-4A82-9778-F21493DA36C1}"/>
               </a:ext>
               <a:ext uri="{C183D7F6-B498-43B3-948B-1728B52AA6E4}">
-                <adec:decorative xmlns:adec="http://schemas.microsoft.com/office/drawing/2017/decorative" val="1"/>
+                <adec:decorative xmlns:adec="http://schemas.microsoft.com/office/drawing/2017/decorative" xmlns="" val="1"/>
               </a:ext>
             </a:extLst>
           </p:cNvPr>
@@ -10511,7 +10595,7 @@
           <p:nvPr>
             <p:extLst>
               <p:ext uri="{386F3935-93C4-4BCD-93E2-E3B085C9AB24}">
-                <p16:designElem xmlns:p16="http://schemas.microsoft.com/office/powerpoint/2015/main" val="1"/>
+                <p16:designElem xmlns:p16="http://schemas.microsoft.com/office/powerpoint/2015/main" xmlns="" val="1"/>
               </p:ext>
             </p:extLst>
           </p:nvPr>
@@ -10529,10 +10613,10 @@
             <p:cNvPr id="24" name="Freeform 6">
               <a:extLst>
                 <a:ext uri="{FF2B5EF4-FFF2-40B4-BE49-F238E27FC236}">
-                  <a16:creationId xmlns:a16="http://schemas.microsoft.com/office/drawing/2014/main" id="{E34CC1C8-EBDD-4AEA-83E6-B27575B62E2E}"/>
+                  <a16:creationId xmlns:a16="http://schemas.microsoft.com/office/drawing/2014/main" xmlns="" id="{E34CC1C8-EBDD-4AEA-83E6-B27575B62E2E}"/>
                 </a:ext>
                 <a:ext uri="{C183D7F6-B498-43B3-948B-1728B52AA6E4}">
-                  <adec:decorative xmlns:adec="http://schemas.microsoft.com/office/drawing/2017/decorative" val="1"/>
+                  <adec:decorative xmlns:adec="http://schemas.microsoft.com/office/drawing/2017/decorative" xmlns="" val="1"/>
                 </a:ext>
               </a:extLst>
             </p:cNvPr>
@@ -10540,7 +10624,7 @@
             <p:nvPr>
               <p:extLst>
                 <p:ext uri="{386F3935-93C4-4BCD-93E2-E3B085C9AB24}">
-                  <p16:designElem xmlns:p16="http://schemas.microsoft.com/office/powerpoint/2015/main" val="1"/>
+                  <p16:designElem xmlns:p16="http://schemas.microsoft.com/office/powerpoint/2015/main" xmlns="" val="1"/>
                 </p:ext>
               </p:extLst>
             </p:nvPr>
@@ -10590,10 +10674,10 @@
             <p:cNvPr id="25" name="Freeform 7">
               <a:extLst>
                 <a:ext uri="{FF2B5EF4-FFF2-40B4-BE49-F238E27FC236}">
-                  <a16:creationId xmlns:a16="http://schemas.microsoft.com/office/drawing/2014/main" id="{D6B38644-B85D-4211-9526-5B4C2A662BF7}"/>
+                  <a16:creationId xmlns:a16="http://schemas.microsoft.com/office/drawing/2014/main" xmlns="" id="{D6B38644-B85D-4211-9526-5B4C2A662BF7}"/>
                 </a:ext>
                 <a:ext uri="{C183D7F6-B498-43B3-948B-1728B52AA6E4}">
-                  <adec:decorative xmlns:adec="http://schemas.microsoft.com/office/drawing/2017/decorative" val="1"/>
+                  <adec:decorative xmlns:adec="http://schemas.microsoft.com/office/drawing/2017/decorative" xmlns="" val="1"/>
                 </a:ext>
               </a:extLst>
             </p:cNvPr>
@@ -10601,7 +10685,7 @@
             <p:nvPr>
               <p:extLst>
                 <p:ext uri="{386F3935-93C4-4BCD-93E2-E3B085C9AB24}">
-                  <p16:designElem xmlns:p16="http://schemas.microsoft.com/office/powerpoint/2015/main" val="1"/>
+                  <p16:designElem xmlns:p16="http://schemas.microsoft.com/office/powerpoint/2015/main" xmlns="" val="1"/>
                 </p:ext>
               </p:extLst>
             </p:nvPr>
@@ -10654,10 +10738,10 @@
             <p:cNvPr id="26" name="Freeform 12">
               <a:extLst>
                 <a:ext uri="{FF2B5EF4-FFF2-40B4-BE49-F238E27FC236}">
-                  <a16:creationId xmlns:a16="http://schemas.microsoft.com/office/drawing/2014/main" id="{8A8B2820-6B8F-4C19-BFC5-D28EE44E54CB}"/>
+                  <a16:creationId xmlns:a16="http://schemas.microsoft.com/office/drawing/2014/main" xmlns="" id="{8A8B2820-6B8F-4C19-BFC5-D28EE44E54CB}"/>
                 </a:ext>
                 <a:ext uri="{C183D7F6-B498-43B3-948B-1728B52AA6E4}">
-                  <adec:decorative xmlns:adec="http://schemas.microsoft.com/office/drawing/2017/decorative" val="1"/>
+                  <adec:decorative xmlns:adec="http://schemas.microsoft.com/office/drawing/2017/decorative" xmlns="" val="1"/>
                 </a:ext>
               </a:extLst>
             </p:cNvPr>
@@ -10665,7 +10749,7 @@
             <p:nvPr>
               <p:extLst>
                 <p:ext uri="{386F3935-93C4-4BCD-93E2-E3B085C9AB24}">
-                  <p16:designElem xmlns:p16="http://schemas.microsoft.com/office/powerpoint/2015/main" val="1"/>
+                  <p16:designElem xmlns:p16="http://schemas.microsoft.com/office/powerpoint/2015/main" xmlns="" val="1"/>
                 </p:ext>
               </p:extLst>
             </p:nvPr>
@@ -10712,10 +10796,10 @@
             <p:cNvPr id="27" name="Freeform 13">
               <a:extLst>
                 <a:ext uri="{FF2B5EF4-FFF2-40B4-BE49-F238E27FC236}">
-                  <a16:creationId xmlns:a16="http://schemas.microsoft.com/office/drawing/2014/main" id="{773528ED-4D37-4A77-A8CA-86B6221C5E82}"/>
+                  <a16:creationId xmlns:a16="http://schemas.microsoft.com/office/drawing/2014/main" xmlns="" id="{773528ED-4D37-4A77-A8CA-86B6221C5E82}"/>
                 </a:ext>
                 <a:ext uri="{C183D7F6-B498-43B3-948B-1728B52AA6E4}">
-                  <adec:decorative xmlns:adec="http://schemas.microsoft.com/office/drawing/2017/decorative" val="1"/>
+                  <adec:decorative xmlns:adec="http://schemas.microsoft.com/office/drawing/2017/decorative" xmlns="" val="1"/>
                 </a:ext>
               </a:extLst>
             </p:cNvPr>
@@ -10723,7 +10807,7 @@
             <p:nvPr>
               <p:extLst>
                 <p:ext uri="{386F3935-93C4-4BCD-93E2-E3B085C9AB24}">
-                  <p16:designElem xmlns:p16="http://schemas.microsoft.com/office/powerpoint/2015/main" val="1"/>
+                  <p16:designElem xmlns:p16="http://schemas.microsoft.com/office/powerpoint/2015/main" xmlns="" val="1"/>
                 </p:ext>
               </p:extLst>
             </p:nvPr>
@@ -10772,10 +10856,10 @@
             <p:cNvPr id="28" name="Freeform 14">
               <a:extLst>
                 <a:ext uri="{FF2B5EF4-FFF2-40B4-BE49-F238E27FC236}">
-                  <a16:creationId xmlns:a16="http://schemas.microsoft.com/office/drawing/2014/main" id="{8A58A902-E944-4399-9A93-A91A6A82B166}"/>
+                  <a16:creationId xmlns:a16="http://schemas.microsoft.com/office/drawing/2014/main" xmlns="" id="{8A58A902-E944-4399-9A93-A91A6A82B166}"/>
                 </a:ext>
                 <a:ext uri="{C183D7F6-B498-43B3-948B-1728B52AA6E4}">
-                  <adec:decorative xmlns:adec="http://schemas.microsoft.com/office/drawing/2017/decorative" val="1"/>
+                  <adec:decorative xmlns:adec="http://schemas.microsoft.com/office/drawing/2017/decorative" xmlns="" val="1"/>
                 </a:ext>
               </a:extLst>
             </p:cNvPr>
@@ -10783,7 +10867,7 @@
             <p:nvPr>
               <p:extLst>
                 <p:ext uri="{386F3935-93C4-4BCD-93E2-E3B085C9AB24}">
-                  <p16:designElem xmlns:p16="http://schemas.microsoft.com/office/powerpoint/2015/main" val="1"/>
+                  <p16:designElem xmlns:p16="http://schemas.microsoft.com/office/powerpoint/2015/main" xmlns="" val="1"/>
                 </p:ext>
               </p:extLst>
             </p:nvPr>
@@ -10838,10 +10922,10 @@
             <p:cNvPr id="29" name="Freeform 15">
               <a:extLst>
                 <a:ext uri="{FF2B5EF4-FFF2-40B4-BE49-F238E27FC236}">
-                  <a16:creationId xmlns:a16="http://schemas.microsoft.com/office/drawing/2014/main" id="{4EDB1155-2E8E-4FB8-AD42-101FE4383231}"/>
+                  <a16:creationId xmlns:a16="http://schemas.microsoft.com/office/drawing/2014/main" xmlns="" id="{4EDB1155-2E8E-4FB8-AD42-101FE4383231}"/>
                 </a:ext>
                 <a:ext uri="{C183D7F6-B498-43B3-948B-1728B52AA6E4}">
-                  <adec:decorative xmlns:adec="http://schemas.microsoft.com/office/drawing/2017/decorative" val="1"/>
+                  <adec:decorative xmlns:adec="http://schemas.microsoft.com/office/drawing/2017/decorative" xmlns="" val="1"/>
                 </a:ext>
               </a:extLst>
             </p:cNvPr>
@@ -10849,7 +10933,7 @@
             <p:nvPr>
               <p:extLst>
                 <p:ext uri="{386F3935-93C4-4BCD-93E2-E3B085C9AB24}">
-                  <p16:designElem xmlns:p16="http://schemas.microsoft.com/office/powerpoint/2015/main" val="1"/>
+                  <p16:designElem xmlns:p16="http://schemas.microsoft.com/office/powerpoint/2015/main" xmlns="" val="1"/>
                 </p:ext>
               </p:extLst>
             </p:nvPr>
@@ -10909,7 +10993,7 @@
           <p:cNvPr id="2" name="Title 1">
             <a:extLst>
               <a:ext uri="{FF2B5EF4-FFF2-40B4-BE49-F238E27FC236}">
-                <a16:creationId xmlns:a16="http://schemas.microsoft.com/office/drawing/2014/main" id="{C7492CCE-C435-464E-A19A-D4C606FDBE3D}"/>
+                <a16:creationId xmlns:a16="http://schemas.microsoft.com/office/drawing/2014/main" xmlns="" id="{C7492CCE-C435-464E-A19A-D4C606FDBE3D}"/>
               </a:ext>
             </a:extLst>
           </p:cNvPr>
@@ -10933,6 +11017,10 @@
           <a:lstStyle/>
           <a:p>
             <a:pPr algn="l"/>
+            <a:r>
+              <a:rPr lang="en-US" dirty="0" smtClean="0"/>
+              <a:t>Preliminary Results</a:t>
+            </a:r>
             <a:endParaRPr lang="en-US" dirty="0"/>
           </a:p>
         </p:txBody>
@@ -10942,7 +11030,7 @@
           <p:cNvPr id="3" name="Content Placeholder 2">
             <a:extLst>
               <a:ext uri="{FF2B5EF4-FFF2-40B4-BE49-F238E27FC236}">
-                <a16:creationId xmlns:a16="http://schemas.microsoft.com/office/drawing/2014/main" id="{60DFF4FA-F598-4962-B6AB-31A8BE724E52}"/>
+                <a16:creationId xmlns:a16="http://schemas.microsoft.com/office/drawing/2014/main" xmlns="" id="{60DFF4FA-F598-4962-B6AB-31A8BE724E52}"/>
               </a:ext>
             </a:extLst>
           </p:cNvPr>
@@ -10965,7 +11053,26 @@
           </a:bodyPr>
           <a:lstStyle/>
           <a:p>
-            <a:endParaRPr lang="en-US" sz="1800" dirty="0"/>
+            <a:r>
+              <a:rPr lang="en-US" sz="1800" dirty="0" smtClean="0"/>
+              <a:t>DFT not manageable at interactive speeds</a:t>
+            </a:r>
+          </a:p>
+          <a:p>
+            <a:r>
+              <a:rPr lang="en-US" sz="1800" dirty="0" smtClean="0"/>
+              <a:t>FFT on one thread at a low number of samples</a:t>
+            </a:r>
+          </a:p>
+          <a:p>
+            <a:r>
+              <a:rPr lang="en-US" sz="1800" dirty="0" err="1" smtClean="0"/>
+              <a:t>iWave</a:t>
+            </a:r>
+            <a:r>
+              <a:rPr lang="en-US" sz="1800" dirty="0" smtClean="0"/>
+              <a:t> impacts performance</a:t>
+            </a:r>
           </a:p>
         </p:txBody>
       </p:sp>
@@ -10974,7 +11081,7 @@
           <p:cNvPr id="5" name="TextBox 4">
             <a:extLst>
               <a:ext uri="{FF2B5EF4-FFF2-40B4-BE49-F238E27FC236}">
-                <a16:creationId xmlns:a16="http://schemas.microsoft.com/office/drawing/2014/main" id="{466A409B-90E2-4ACB-8A16-0329B5CEE6DF}"/>
+                <a16:creationId xmlns:a16="http://schemas.microsoft.com/office/drawing/2014/main" xmlns="" id="{466A409B-90E2-4ACB-8A16-0329B5CEE6DF}"/>
               </a:ext>
             </a:extLst>
           </p:cNvPr>
@@ -11021,7 +11128,7 @@
           <p:cNvPr id="7" name="Straight Arrow Connector 6">
             <a:extLst>
               <a:ext uri="{FF2B5EF4-FFF2-40B4-BE49-F238E27FC236}">
-                <a16:creationId xmlns:a16="http://schemas.microsoft.com/office/drawing/2014/main" id="{6C986E87-252D-4CDD-90A3-050A5080DF44}"/>
+                <a16:creationId xmlns:a16="http://schemas.microsoft.com/office/drawing/2014/main" xmlns="" id="{6C986E87-252D-4CDD-90A3-050A5080DF44}"/>
               </a:ext>
             </a:extLst>
           </p:cNvPr>
@@ -11062,7 +11169,7 @@
           <p:cNvPr id="17" name="Straight Arrow Connector 16">
             <a:extLst>
               <a:ext uri="{FF2B5EF4-FFF2-40B4-BE49-F238E27FC236}">
-                <a16:creationId xmlns:a16="http://schemas.microsoft.com/office/drawing/2014/main" id="{8B32EEAB-6F30-4731-8D76-02708A63C23C}"/>
+                <a16:creationId xmlns:a16="http://schemas.microsoft.com/office/drawing/2014/main" xmlns="" id="{8B32EEAB-6F30-4731-8D76-02708A63C23C}"/>
               </a:ext>
             </a:extLst>
           </p:cNvPr>
@@ -11103,7 +11210,7 @@
           <p:cNvPr id="18" name="Straight Arrow Connector 17">
             <a:extLst>
               <a:ext uri="{FF2B5EF4-FFF2-40B4-BE49-F238E27FC236}">
-                <a16:creationId xmlns:a16="http://schemas.microsoft.com/office/drawing/2014/main" id="{E930BBA9-7BA1-48A0-A9E1-F9545CD11BAA}"/>
+                <a16:creationId xmlns:a16="http://schemas.microsoft.com/office/drawing/2014/main" xmlns="" id="{E930BBA9-7BA1-48A0-A9E1-F9545CD11BAA}"/>
               </a:ext>
             </a:extLst>
           </p:cNvPr>
@@ -11144,7 +11251,7 @@
           <p:cNvPr id="19" name="Straight Arrow Connector 18">
             <a:extLst>
               <a:ext uri="{FF2B5EF4-FFF2-40B4-BE49-F238E27FC236}">
-                <a16:creationId xmlns:a16="http://schemas.microsoft.com/office/drawing/2014/main" id="{72D8D5ED-08A2-4E59-AA33-3E70202E855D}"/>
+                <a16:creationId xmlns:a16="http://schemas.microsoft.com/office/drawing/2014/main" xmlns="" id="{72D8D5ED-08A2-4E59-AA33-3E70202E855D}"/>
               </a:ext>
             </a:extLst>
           </p:cNvPr>
@@ -11190,11 +11297,18 @@
   <p:clrMapOvr>
     <a:overrideClrMapping bg1="dk1" tx1="lt1" bg2="dk2" tx2="lt2" accent1="accent1" accent2="accent2" accent3="accent3" accent4="accent4" accent5="accent5" accent6="accent6" hlink="hlink" folHlink="folHlink"/>
   </p:clrMapOvr>
+  <p:timing>
+    <p:tnLst>
+      <p:par>
+        <p:cTn id="1" dur="indefinite" restart="never" nodeType="tmRoot"/>
+      </p:par>
+    </p:tnLst>
+  </p:timing>
 </p:sld>
 </file>
 
 <file path=ppt/slides/slide16.xml><?xml version="1.0" encoding="utf-8"?>
-<p:sld xmlns:a="http://schemas.openxmlformats.org/drawingml/2006/main" xmlns:r="http://schemas.openxmlformats.org/officeDocument/2006/relationships" xmlns:p="http://schemas.openxmlformats.org/presentationml/2006/main">
+<p:sld xmlns:a="http://schemas.openxmlformats.org/drawingml/2006/main" xmlns:r="http://schemas.openxmlformats.org/officeDocument/2006/relationships" xmlns:p="http://schemas.openxmlformats.org/presentationml/2006/main" show="0">
   <p:cSld>
     <p:bg>
       <p:bgPr>
@@ -11223,10 +11337,10 @@
           <p:cNvPr id="21" name="Rectangle 20">
             <a:extLst>
               <a:ext uri="{FF2B5EF4-FFF2-40B4-BE49-F238E27FC236}">
-                <a16:creationId xmlns:a16="http://schemas.microsoft.com/office/drawing/2014/main" id="{99CAC3B1-4879-424D-8F15-206277196159}"/>
+                <a16:creationId xmlns:a16="http://schemas.microsoft.com/office/drawing/2014/main" xmlns="" id="{99CAC3B1-4879-424D-8F15-206277196159}"/>
               </a:ext>
               <a:ext uri="{C183D7F6-B498-43B3-948B-1728B52AA6E4}">
-                <adec:decorative xmlns:adec="http://schemas.microsoft.com/office/drawing/2017/decorative" val="1"/>
+                <adec:decorative xmlns:adec="http://schemas.microsoft.com/office/drawing/2017/decorative" xmlns="" val="1"/>
               </a:ext>
             </a:extLst>
           </p:cNvPr>
@@ -11236,7 +11350,7 @@
           <p:nvPr>
             <p:extLst>
               <p:ext uri="{386F3935-93C4-4BCD-93E2-E3B085C9AB24}">
-                <p16:designElem xmlns:p16="http://schemas.microsoft.com/office/powerpoint/2015/main" val="1"/>
+                <p16:designElem xmlns:p16="http://schemas.microsoft.com/office/powerpoint/2015/main" xmlns="" val="1"/>
               </p:ext>
             </p:extLst>
           </p:nvPr>
@@ -11283,10 +11397,10 @@
           <p:cNvPr id="23" name="Group 22">
             <a:extLst>
               <a:ext uri="{FF2B5EF4-FFF2-40B4-BE49-F238E27FC236}">
-                <a16:creationId xmlns:a16="http://schemas.microsoft.com/office/drawing/2014/main" id="{4B8492CB-DFBA-4A82-9778-F21493DA36C1}"/>
+                <a16:creationId xmlns:a16="http://schemas.microsoft.com/office/drawing/2014/main" xmlns="" id="{4B8492CB-DFBA-4A82-9778-F21493DA36C1}"/>
               </a:ext>
               <a:ext uri="{C183D7F6-B498-43B3-948B-1728B52AA6E4}">
-                <adec:decorative xmlns:adec="http://schemas.microsoft.com/office/drawing/2017/decorative" val="1"/>
+                <adec:decorative xmlns:adec="http://schemas.microsoft.com/office/drawing/2017/decorative" xmlns="" val="1"/>
               </a:ext>
             </a:extLst>
           </p:cNvPr>
@@ -11296,7 +11410,7 @@
           <p:nvPr>
             <p:extLst>
               <p:ext uri="{386F3935-93C4-4BCD-93E2-E3B085C9AB24}">
-                <p16:designElem xmlns:p16="http://schemas.microsoft.com/office/powerpoint/2015/main" val="1"/>
+                <p16:designElem xmlns:p16="http://schemas.microsoft.com/office/powerpoint/2015/main" xmlns="" val="1"/>
               </p:ext>
             </p:extLst>
           </p:nvPr>
@@ -11314,10 +11428,10 @@
             <p:cNvPr id="24" name="Freeform 6">
               <a:extLst>
                 <a:ext uri="{FF2B5EF4-FFF2-40B4-BE49-F238E27FC236}">
-                  <a16:creationId xmlns:a16="http://schemas.microsoft.com/office/drawing/2014/main" id="{E34CC1C8-EBDD-4AEA-83E6-B27575B62E2E}"/>
+                  <a16:creationId xmlns:a16="http://schemas.microsoft.com/office/drawing/2014/main" xmlns="" id="{E34CC1C8-EBDD-4AEA-83E6-B27575B62E2E}"/>
                 </a:ext>
                 <a:ext uri="{C183D7F6-B498-43B3-948B-1728B52AA6E4}">
-                  <adec:decorative xmlns:adec="http://schemas.microsoft.com/office/drawing/2017/decorative" val="1"/>
+                  <adec:decorative xmlns:adec="http://schemas.microsoft.com/office/drawing/2017/decorative" xmlns="" val="1"/>
                 </a:ext>
               </a:extLst>
             </p:cNvPr>
@@ -11325,7 +11439,7 @@
             <p:nvPr>
               <p:extLst>
                 <p:ext uri="{386F3935-93C4-4BCD-93E2-E3B085C9AB24}">
-                  <p16:designElem xmlns:p16="http://schemas.microsoft.com/office/powerpoint/2015/main" val="1"/>
+                  <p16:designElem xmlns:p16="http://schemas.microsoft.com/office/powerpoint/2015/main" xmlns="" val="1"/>
                 </p:ext>
               </p:extLst>
             </p:nvPr>
@@ -11375,10 +11489,10 @@
             <p:cNvPr id="25" name="Freeform 7">
               <a:extLst>
                 <a:ext uri="{FF2B5EF4-FFF2-40B4-BE49-F238E27FC236}">
-                  <a16:creationId xmlns:a16="http://schemas.microsoft.com/office/drawing/2014/main" id="{D6B38644-B85D-4211-9526-5B4C2A662BF7}"/>
+                  <a16:creationId xmlns:a16="http://schemas.microsoft.com/office/drawing/2014/main" xmlns="" id="{D6B38644-B85D-4211-9526-5B4C2A662BF7}"/>
                 </a:ext>
                 <a:ext uri="{C183D7F6-B498-43B3-948B-1728B52AA6E4}">
-                  <adec:decorative xmlns:adec="http://schemas.microsoft.com/office/drawing/2017/decorative" val="1"/>
+                  <adec:decorative xmlns:adec="http://schemas.microsoft.com/office/drawing/2017/decorative" xmlns="" val="1"/>
                 </a:ext>
               </a:extLst>
             </p:cNvPr>
@@ -11386,7 +11500,7 @@
             <p:nvPr>
               <p:extLst>
                 <p:ext uri="{386F3935-93C4-4BCD-93E2-E3B085C9AB24}">
-                  <p16:designElem xmlns:p16="http://schemas.microsoft.com/office/powerpoint/2015/main" val="1"/>
+                  <p16:designElem xmlns:p16="http://schemas.microsoft.com/office/powerpoint/2015/main" xmlns="" val="1"/>
                 </p:ext>
               </p:extLst>
             </p:nvPr>
@@ -11439,10 +11553,10 @@
             <p:cNvPr id="26" name="Freeform 12">
               <a:extLst>
                 <a:ext uri="{FF2B5EF4-FFF2-40B4-BE49-F238E27FC236}">
-                  <a16:creationId xmlns:a16="http://schemas.microsoft.com/office/drawing/2014/main" id="{8A8B2820-6B8F-4C19-BFC5-D28EE44E54CB}"/>
+                  <a16:creationId xmlns:a16="http://schemas.microsoft.com/office/drawing/2014/main" xmlns="" id="{8A8B2820-6B8F-4C19-BFC5-D28EE44E54CB}"/>
                 </a:ext>
                 <a:ext uri="{C183D7F6-B498-43B3-948B-1728B52AA6E4}">
-                  <adec:decorative xmlns:adec="http://schemas.microsoft.com/office/drawing/2017/decorative" val="1"/>
+                  <adec:decorative xmlns:adec="http://schemas.microsoft.com/office/drawing/2017/decorative" xmlns="" val="1"/>
                 </a:ext>
               </a:extLst>
             </p:cNvPr>
@@ -11450,7 +11564,7 @@
             <p:nvPr>
               <p:extLst>
                 <p:ext uri="{386F3935-93C4-4BCD-93E2-E3B085C9AB24}">
-                  <p16:designElem xmlns:p16="http://schemas.microsoft.com/office/powerpoint/2015/main" val="1"/>
+                  <p16:designElem xmlns:p16="http://schemas.microsoft.com/office/powerpoint/2015/main" xmlns="" val="1"/>
                 </p:ext>
               </p:extLst>
             </p:nvPr>
@@ -11497,10 +11611,10 @@
             <p:cNvPr id="27" name="Freeform 13">
               <a:extLst>
                 <a:ext uri="{FF2B5EF4-FFF2-40B4-BE49-F238E27FC236}">
-                  <a16:creationId xmlns:a16="http://schemas.microsoft.com/office/drawing/2014/main" id="{773528ED-4D37-4A77-A8CA-86B6221C5E82}"/>
+                  <a16:creationId xmlns:a16="http://schemas.microsoft.com/office/drawing/2014/main" xmlns="" id="{773528ED-4D37-4A77-A8CA-86B6221C5E82}"/>
                 </a:ext>
                 <a:ext uri="{C183D7F6-B498-43B3-948B-1728B52AA6E4}">
-                  <adec:decorative xmlns:adec="http://schemas.microsoft.com/office/drawing/2017/decorative" val="1"/>
+                  <adec:decorative xmlns:adec="http://schemas.microsoft.com/office/drawing/2017/decorative" xmlns="" val="1"/>
                 </a:ext>
               </a:extLst>
             </p:cNvPr>
@@ -11508,7 +11622,7 @@
             <p:nvPr>
               <p:extLst>
                 <p:ext uri="{386F3935-93C4-4BCD-93E2-E3B085C9AB24}">
-                  <p16:designElem xmlns:p16="http://schemas.microsoft.com/office/powerpoint/2015/main" val="1"/>
+                  <p16:designElem xmlns:p16="http://schemas.microsoft.com/office/powerpoint/2015/main" xmlns="" val="1"/>
                 </p:ext>
               </p:extLst>
             </p:nvPr>
@@ -11557,10 +11671,10 @@
             <p:cNvPr id="28" name="Freeform 14">
               <a:extLst>
                 <a:ext uri="{FF2B5EF4-FFF2-40B4-BE49-F238E27FC236}">
-                  <a16:creationId xmlns:a16="http://schemas.microsoft.com/office/drawing/2014/main" id="{8A58A902-E944-4399-9A93-A91A6A82B166}"/>
+                  <a16:creationId xmlns:a16="http://schemas.microsoft.com/office/drawing/2014/main" xmlns="" id="{8A58A902-E944-4399-9A93-A91A6A82B166}"/>
                 </a:ext>
                 <a:ext uri="{C183D7F6-B498-43B3-948B-1728B52AA6E4}">
-                  <adec:decorative xmlns:adec="http://schemas.microsoft.com/office/drawing/2017/decorative" val="1"/>
+                  <adec:decorative xmlns:adec="http://schemas.microsoft.com/office/drawing/2017/decorative" xmlns="" val="1"/>
                 </a:ext>
               </a:extLst>
             </p:cNvPr>
@@ -11568,7 +11682,7 @@
             <p:nvPr>
               <p:extLst>
                 <p:ext uri="{386F3935-93C4-4BCD-93E2-E3B085C9AB24}">
-                  <p16:designElem xmlns:p16="http://schemas.microsoft.com/office/powerpoint/2015/main" val="1"/>
+                  <p16:designElem xmlns:p16="http://schemas.microsoft.com/office/powerpoint/2015/main" xmlns="" val="1"/>
                 </p:ext>
               </p:extLst>
             </p:nvPr>
@@ -11623,10 +11737,10 @@
             <p:cNvPr id="29" name="Freeform 15">
               <a:extLst>
                 <a:ext uri="{FF2B5EF4-FFF2-40B4-BE49-F238E27FC236}">
-                  <a16:creationId xmlns:a16="http://schemas.microsoft.com/office/drawing/2014/main" id="{4EDB1155-2E8E-4FB8-AD42-101FE4383231}"/>
+                  <a16:creationId xmlns:a16="http://schemas.microsoft.com/office/drawing/2014/main" xmlns="" id="{4EDB1155-2E8E-4FB8-AD42-101FE4383231}"/>
                 </a:ext>
                 <a:ext uri="{C183D7F6-B498-43B3-948B-1728B52AA6E4}">
-                  <adec:decorative xmlns:adec="http://schemas.microsoft.com/office/drawing/2017/decorative" val="1"/>
+                  <adec:decorative xmlns:adec="http://schemas.microsoft.com/office/drawing/2017/decorative" xmlns="" val="1"/>
                 </a:ext>
               </a:extLst>
             </p:cNvPr>
@@ -11634,7 +11748,7 @@
             <p:nvPr>
               <p:extLst>
                 <p:ext uri="{386F3935-93C4-4BCD-93E2-E3B085C9AB24}">
-                  <p16:designElem xmlns:p16="http://schemas.microsoft.com/office/powerpoint/2015/main" val="1"/>
+                  <p16:designElem xmlns:p16="http://schemas.microsoft.com/office/powerpoint/2015/main" xmlns="" val="1"/>
                 </p:ext>
               </p:extLst>
             </p:nvPr>
@@ -11694,7 +11808,7 @@
           <p:cNvPr id="2" name="Title 1">
             <a:extLst>
               <a:ext uri="{FF2B5EF4-FFF2-40B4-BE49-F238E27FC236}">
-                <a16:creationId xmlns:a16="http://schemas.microsoft.com/office/drawing/2014/main" id="{C7492CCE-C435-464E-A19A-D4C606FDBE3D}"/>
+                <a16:creationId xmlns:a16="http://schemas.microsoft.com/office/drawing/2014/main" xmlns="" id="{C7492CCE-C435-464E-A19A-D4C606FDBE3D}"/>
               </a:ext>
             </a:extLst>
           </p:cNvPr>
@@ -11718,10 +11832,39 @@
           <a:lstStyle/>
           <a:p>
             <a:pPr algn="l"/>
-            <a:r>
-              <a:rPr lang="en-US" dirty="0"/>
-              <a:t>References</a:t>
-            </a:r>
+            <a:endParaRPr lang="en-US" dirty="0"/>
+          </a:p>
+        </p:txBody>
+      </p:sp>
+      <p:sp>
+        <p:nvSpPr>
+          <p:cNvPr id="3" name="Content Placeholder 2">
+            <a:extLst>
+              <a:ext uri="{FF2B5EF4-FFF2-40B4-BE49-F238E27FC236}">
+                <a16:creationId xmlns:a16="http://schemas.microsoft.com/office/drawing/2014/main" xmlns="" id="{60DFF4FA-F598-4962-B6AB-31A8BE724E52}"/>
+              </a:ext>
+            </a:extLst>
+          </p:cNvPr>
+          <p:cNvSpPr>
+            <a:spLocks noGrp="1"/>
+          </p:cNvSpPr>
+          <p:nvPr>
+            <p:ph idx="1"/>
+          </p:nvPr>
+        </p:nvSpPr>
+        <p:spPr>
+          <a:xfrm>
+            <a:off x="1018190" y="2666999"/>
+            <a:ext cx="7243603" cy="2719193"/>
+          </a:xfrm>
+        </p:spPr>
+        <p:txBody>
+          <a:bodyPr anchor="t">
+            <a:normAutofit/>
+          </a:bodyPr>
+          <a:lstStyle/>
+          <a:p>
+            <a:endParaRPr lang="en-US" sz="1800" dirty="0"/>
           </a:p>
         </p:txBody>
       </p:sp>
@@ -11730,7 +11873,7 @@
           <p:cNvPr id="5" name="TextBox 4">
             <a:extLst>
               <a:ext uri="{FF2B5EF4-FFF2-40B4-BE49-F238E27FC236}">
-                <a16:creationId xmlns:a16="http://schemas.microsoft.com/office/drawing/2014/main" id="{466A409B-90E2-4ACB-8A16-0329B5CEE6DF}"/>
+                <a16:creationId xmlns:a16="http://schemas.microsoft.com/office/drawing/2014/main" xmlns="" id="{466A409B-90E2-4ACB-8A16-0329B5CEE6DF}"/>
               </a:ext>
             </a:extLst>
           </p:cNvPr>
@@ -11777,7 +11920,7 @@
           <p:cNvPr id="7" name="Straight Arrow Connector 6">
             <a:extLst>
               <a:ext uri="{FF2B5EF4-FFF2-40B4-BE49-F238E27FC236}">
-                <a16:creationId xmlns:a16="http://schemas.microsoft.com/office/drawing/2014/main" id="{6C986E87-252D-4CDD-90A3-050A5080DF44}"/>
+                <a16:creationId xmlns:a16="http://schemas.microsoft.com/office/drawing/2014/main" xmlns="" id="{6C986E87-252D-4CDD-90A3-050A5080DF44}"/>
               </a:ext>
             </a:extLst>
           </p:cNvPr>
@@ -11818,7 +11961,7 @@
           <p:cNvPr id="17" name="Straight Arrow Connector 16">
             <a:extLst>
               <a:ext uri="{FF2B5EF4-FFF2-40B4-BE49-F238E27FC236}">
-                <a16:creationId xmlns:a16="http://schemas.microsoft.com/office/drawing/2014/main" id="{8B32EEAB-6F30-4731-8D76-02708A63C23C}"/>
+                <a16:creationId xmlns:a16="http://schemas.microsoft.com/office/drawing/2014/main" xmlns="" id="{8B32EEAB-6F30-4731-8D76-02708A63C23C}"/>
               </a:ext>
             </a:extLst>
           </p:cNvPr>
@@ -11859,7 +12002,7 @@
           <p:cNvPr id="18" name="Straight Arrow Connector 17">
             <a:extLst>
               <a:ext uri="{FF2B5EF4-FFF2-40B4-BE49-F238E27FC236}">
-                <a16:creationId xmlns:a16="http://schemas.microsoft.com/office/drawing/2014/main" id="{E930BBA9-7BA1-48A0-A9E1-F9545CD11BAA}"/>
+                <a16:creationId xmlns:a16="http://schemas.microsoft.com/office/drawing/2014/main" xmlns="" id="{E930BBA9-7BA1-48A0-A9E1-F9545CD11BAA}"/>
               </a:ext>
             </a:extLst>
           </p:cNvPr>
@@ -11900,7 +12043,1578 @@
           <p:cNvPr id="19" name="Straight Arrow Connector 18">
             <a:extLst>
               <a:ext uri="{FF2B5EF4-FFF2-40B4-BE49-F238E27FC236}">
-                <a16:creationId xmlns:a16="http://schemas.microsoft.com/office/drawing/2014/main" id="{72D8D5ED-08A2-4E59-AA33-3E70202E855D}"/>
+                <a16:creationId xmlns:a16="http://schemas.microsoft.com/office/drawing/2014/main" xmlns="" id="{72D8D5ED-08A2-4E59-AA33-3E70202E855D}"/>
+              </a:ext>
+            </a:extLst>
+          </p:cNvPr>
+          <p:cNvCxnSpPr>
+            <a:cxnSpLocks/>
+          </p:cNvCxnSpPr>
+          <p:nvPr/>
+        </p:nvCxnSpPr>
+        <p:spPr>
+          <a:xfrm>
+            <a:off x="8595360" y="329184"/>
+            <a:ext cx="201336" cy="0"/>
+          </a:xfrm>
+          <a:prstGeom prst="straightConnector1">
+            <a:avLst/>
+          </a:prstGeom>
+          <a:ln>
+            <a:tailEnd type="triangle"/>
+          </a:ln>
+        </p:spPr>
+        <p:style>
+          <a:lnRef idx="1">
+            <a:schemeClr val="accent1"/>
+          </a:lnRef>
+          <a:fillRef idx="0">
+            <a:schemeClr val="accent1"/>
+          </a:fillRef>
+          <a:effectRef idx="0">
+            <a:schemeClr val="accent1"/>
+          </a:effectRef>
+          <a:fontRef idx="minor">
+            <a:schemeClr val="tx1"/>
+          </a:fontRef>
+        </p:style>
+      </p:cxnSp>
+    </p:spTree>
+    <p:extLst>
+      <p:ext uri="{BB962C8B-B14F-4D97-AF65-F5344CB8AC3E}">
+        <p14:creationId xmlns:p14="http://schemas.microsoft.com/office/powerpoint/2010/main" val="190120493"/>
+      </p:ext>
+    </p:extLst>
+  </p:cSld>
+  <p:clrMapOvr>
+    <a:overrideClrMapping bg1="dk1" tx1="lt1" bg2="dk2" tx2="lt2" accent1="accent1" accent2="accent2" accent3="accent3" accent4="accent4" accent5="accent5" accent6="accent6" hlink="hlink" folHlink="folHlink"/>
+  </p:clrMapOvr>
+  <mc:AlternateContent xmlns:mc="http://schemas.openxmlformats.org/markup-compatibility/2006">
+    <mc:Choice xmlns:p14="http://schemas.microsoft.com/office/powerpoint/2010/main" Requires="p14">
+      <p:transition spd="slow" p14:dur="2000"/>
+    </mc:Choice>
+    <mc:Fallback>
+      <p:transition spd="slow"/>
+    </mc:Fallback>
+  </mc:AlternateContent>
+  <p:timing>
+    <p:tnLst>
+      <p:par>
+        <p:cTn id="1" dur="indefinite" restart="never" nodeType="tmRoot"/>
+      </p:par>
+    </p:tnLst>
+  </p:timing>
+</p:sld>
+</file>
+
+<file path=ppt/slides/slide17.xml><?xml version="1.0" encoding="utf-8"?>
+<p:sld xmlns:a="http://schemas.openxmlformats.org/drawingml/2006/main" xmlns:r="http://schemas.openxmlformats.org/officeDocument/2006/relationships" xmlns:p="http://schemas.openxmlformats.org/presentationml/2006/main" show="0">
+  <p:cSld>
+    <p:bg>
+      <p:bgPr>
+        <a:solidFill>
+          <a:schemeClr val="bg2"/>
+        </a:solidFill>
+        <a:effectLst/>
+      </p:bgPr>
+    </p:bg>
+    <p:spTree>
+      <p:nvGrpSpPr>
+        <p:cNvPr id="1" name=""/>
+        <p:cNvGrpSpPr/>
+        <p:nvPr/>
+      </p:nvGrpSpPr>
+      <p:grpSpPr>
+        <a:xfrm>
+          <a:off x="0" y="0"/>
+          <a:ext cx="0" cy="0"/>
+          <a:chOff x="0" y="0"/>
+          <a:chExt cx="0" cy="0"/>
+        </a:xfrm>
+      </p:grpSpPr>
+      <p:sp useBgFill="1">
+        <p:nvSpPr>
+          <p:cNvPr id="21" name="Rectangle 20">
+            <a:extLst>
+              <a:ext uri="{FF2B5EF4-FFF2-40B4-BE49-F238E27FC236}">
+                <a16:creationId xmlns:a16="http://schemas.microsoft.com/office/drawing/2014/main" xmlns="" id="{99CAC3B1-4879-424D-8F15-206277196159}"/>
+              </a:ext>
+              <a:ext uri="{C183D7F6-B498-43B3-948B-1728B52AA6E4}">
+                <adec:decorative xmlns:adec="http://schemas.microsoft.com/office/drawing/2017/decorative" xmlns="" val="1"/>
+              </a:ext>
+            </a:extLst>
+          </p:cNvPr>
+          <p:cNvSpPr>
+            <a:spLocks noGrp="1" noRot="1" noChangeAspect="1" noMove="1" noResize="1" noEditPoints="1" noAdjustHandles="1" noChangeArrowheads="1" noChangeShapeType="1" noTextEdit="1"/>
+          </p:cNvSpPr>
+          <p:nvPr>
+            <p:extLst>
+              <p:ext uri="{386F3935-93C4-4BCD-93E2-E3B085C9AB24}">
+                <p16:designElem xmlns:p16="http://schemas.microsoft.com/office/powerpoint/2015/main" xmlns="" val="1"/>
+              </p:ext>
+            </p:extLst>
+          </p:nvPr>
+        </p:nvSpPr>
+        <p:spPr>
+          <a:xfrm>
+            <a:off x="0" y="0"/>
+            <a:ext cx="12192000" cy="6858000"/>
+          </a:xfrm>
+          <a:prstGeom prst="rect">
+            <a:avLst/>
+          </a:prstGeom>
+          <a:ln>
+            <a:noFill/>
+          </a:ln>
+        </p:spPr>
+        <p:style>
+          <a:lnRef idx="2">
+            <a:schemeClr val="accent1">
+              <a:shade val="50000"/>
+            </a:schemeClr>
+          </a:lnRef>
+          <a:fillRef idx="1">
+            <a:schemeClr val="accent1"/>
+          </a:fillRef>
+          <a:effectRef idx="0">
+            <a:schemeClr val="accent1"/>
+          </a:effectRef>
+          <a:fontRef idx="minor">
+            <a:schemeClr val="lt1"/>
+          </a:fontRef>
+        </p:style>
+        <p:txBody>
+          <a:bodyPr rtlCol="0" anchor="ctr"/>
+          <a:lstStyle/>
+          <a:p>
+            <a:pPr algn="ctr"/>
+            <a:endParaRPr lang="en-US" dirty="0"/>
+          </a:p>
+        </p:txBody>
+      </p:sp>
+      <p:grpSp>
+        <p:nvGrpSpPr>
+          <p:cNvPr id="23" name="Group 22">
+            <a:extLst>
+              <a:ext uri="{FF2B5EF4-FFF2-40B4-BE49-F238E27FC236}">
+                <a16:creationId xmlns:a16="http://schemas.microsoft.com/office/drawing/2014/main" xmlns="" id="{4B8492CB-DFBA-4A82-9778-F21493DA36C1}"/>
+              </a:ext>
+              <a:ext uri="{C183D7F6-B498-43B3-948B-1728B52AA6E4}">
+                <adec:decorative xmlns:adec="http://schemas.microsoft.com/office/drawing/2017/decorative" xmlns="" val="1"/>
+              </a:ext>
+            </a:extLst>
+          </p:cNvPr>
+          <p:cNvGrpSpPr>
+            <a:grpSpLocks noGrp="1" noUngrp="1" noRot="1" noChangeAspect="1" noMove="1" noResize="1"/>
+          </p:cNvGrpSpPr>
+          <p:nvPr>
+            <p:extLst>
+              <p:ext uri="{386F3935-93C4-4BCD-93E2-E3B085C9AB24}">
+                <p16:designElem xmlns:p16="http://schemas.microsoft.com/office/powerpoint/2015/main" xmlns="" val="1"/>
+              </p:ext>
+            </p:extLst>
+          </p:nvPr>
+        </p:nvGrpSpPr>
+        <p:grpSpPr>
+          <a:xfrm flipH="1">
+            <a:off x="6526211" y="0"/>
+            <a:ext cx="5014912" cy="6862763"/>
+            <a:chOff x="2928938" y="-4763"/>
+            <a:chExt cx="5014912" cy="6862763"/>
+          </a:xfrm>
+        </p:grpSpPr>
+        <p:sp>
+          <p:nvSpPr>
+            <p:cNvPr id="24" name="Freeform 6">
+              <a:extLst>
+                <a:ext uri="{FF2B5EF4-FFF2-40B4-BE49-F238E27FC236}">
+                  <a16:creationId xmlns:a16="http://schemas.microsoft.com/office/drawing/2014/main" xmlns="" id="{E34CC1C8-EBDD-4AEA-83E6-B27575B62E2E}"/>
+                </a:ext>
+                <a:ext uri="{C183D7F6-B498-43B3-948B-1728B52AA6E4}">
+                  <adec:decorative xmlns:adec="http://schemas.microsoft.com/office/drawing/2017/decorative" xmlns="" val="1"/>
+                </a:ext>
+              </a:extLst>
+            </p:cNvPr>
+            <p:cNvSpPr/>
+            <p:nvPr>
+              <p:extLst>
+                <p:ext uri="{386F3935-93C4-4BCD-93E2-E3B085C9AB24}">
+                  <p16:designElem xmlns:p16="http://schemas.microsoft.com/office/powerpoint/2015/main" xmlns="" val="1"/>
+                </p:ext>
+              </p:extLst>
+            </p:nvPr>
+          </p:nvSpPr>
+          <p:spPr bwMode="auto">
+            <a:xfrm>
+              <a:off x="3367088" y="-4763"/>
+              <a:ext cx="1063625" cy="2782888"/>
+            </a:xfrm>
+            <a:custGeom>
+              <a:avLst/>
+              <a:gdLst/>
+              <a:ahLst/>
+              <a:cxnLst/>
+              <a:rect l="0" t="0" r="r" b="b"/>
+              <a:pathLst>
+                <a:path w="670" h="1753">
+                  <a:moveTo>
+                    <a:pt x="0" y="1696"/>
+                  </a:moveTo>
+                  <a:lnTo>
+                    <a:pt x="225" y="1753"/>
+                  </a:lnTo>
+                  <a:lnTo>
+                    <a:pt x="670" y="0"/>
+                  </a:lnTo>
+                  <a:lnTo>
+                    <a:pt x="430" y="0"/>
+                  </a:lnTo>
+                  <a:lnTo>
+                    <a:pt x="0" y="1696"/>
+                  </a:lnTo>
+                  <a:close/>
+                </a:path>
+              </a:pathLst>
+            </a:custGeom>
+            <a:solidFill>
+              <a:schemeClr val="accent1"/>
+            </a:solidFill>
+            <a:ln>
+              <a:noFill/>
+            </a:ln>
+          </p:spPr>
+        </p:sp>
+        <p:sp>
+          <p:nvSpPr>
+            <p:cNvPr id="25" name="Freeform 7">
+              <a:extLst>
+                <a:ext uri="{FF2B5EF4-FFF2-40B4-BE49-F238E27FC236}">
+                  <a16:creationId xmlns:a16="http://schemas.microsoft.com/office/drawing/2014/main" xmlns="" id="{D6B38644-B85D-4211-9526-5B4C2A662BF7}"/>
+                </a:ext>
+                <a:ext uri="{C183D7F6-B498-43B3-948B-1728B52AA6E4}">
+                  <adec:decorative xmlns:adec="http://schemas.microsoft.com/office/drawing/2017/decorative" xmlns="" val="1"/>
+                </a:ext>
+              </a:extLst>
+            </p:cNvPr>
+            <p:cNvSpPr/>
+            <p:nvPr>
+              <p:extLst>
+                <p:ext uri="{386F3935-93C4-4BCD-93E2-E3B085C9AB24}">
+                  <p16:designElem xmlns:p16="http://schemas.microsoft.com/office/powerpoint/2015/main" xmlns="" val="1"/>
+                </p:ext>
+              </p:extLst>
+            </p:nvPr>
+          </p:nvSpPr>
+          <p:spPr bwMode="auto">
+            <a:xfrm>
+              <a:off x="2928938" y="-4763"/>
+              <a:ext cx="1035050" cy="2673350"/>
+            </a:xfrm>
+            <a:custGeom>
+              <a:avLst/>
+              <a:gdLst/>
+              <a:ahLst/>
+              <a:cxnLst/>
+              <a:rect l="0" t="0" r="r" b="b"/>
+              <a:pathLst>
+                <a:path w="652" h="1684">
+                  <a:moveTo>
+                    <a:pt x="225" y="1684"/>
+                  </a:moveTo>
+                  <a:lnTo>
+                    <a:pt x="652" y="0"/>
+                  </a:lnTo>
+                  <a:lnTo>
+                    <a:pt x="411" y="0"/>
+                  </a:lnTo>
+                  <a:lnTo>
+                    <a:pt x="0" y="1627"/>
+                  </a:lnTo>
+                  <a:lnTo>
+                    <a:pt x="219" y="1681"/>
+                  </a:lnTo>
+                  <a:lnTo>
+                    <a:pt x="225" y="1684"/>
+                  </a:lnTo>
+                  <a:close/>
+                </a:path>
+              </a:pathLst>
+            </a:custGeom>
+            <a:solidFill>
+              <a:srgbClr val="595959"/>
+            </a:solidFill>
+            <a:ln>
+              <a:noFill/>
+            </a:ln>
+          </p:spPr>
+        </p:sp>
+        <p:sp>
+          <p:nvSpPr>
+            <p:cNvPr id="26" name="Freeform 12">
+              <a:extLst>
+                <a:ext uri="{FF2B5EF4-FFF2-40B4-BE49-F238E27FC236}">
+                  <a16:creationId xmlns:a16="http://schemas.microsoft.com/office/drawing/2014/main" xmlns="" id="{8A8B2820-6B8F-4C19-BFC5-D28EE44E54CB}"/>
+                </a:ext>
+                <a:ext uri="{C183D7F6-B498-43B3-948B-1728B52AA6E4}">
+                  <adec:decorative xmlns:adec="http://schemas.microsoft.com/office/drawing/2017/decorative" xmlns="" val="1"/>
+                </a:ext>
+              </a:extLst>
+            </p:cNvPr>
+            <p:cNvSpPr/>
+            <p:nvPr>
+              <p:extLst>
+                <p:ext uri="{386F3935-93C4-4BCD-93E2-E3B085C9AB24}">
+                  <p16:designElem xmlns:p16="http://schemas.microsoft.com/office/powerpoint/2015/main" xmlns="" val="1"/>
+                </p:ext>
+              </p:extLst>
+            </p:nvPr>
+          </p:nvSpPr>
+          <p:spPr bwMode="auto">
+            <a:xfrm>
+              <a:off x="2928938" y="2582862"/>
+              <a:ext cx="2693987" cy="4275138"/>
+            </a:xfrm>
+            <a:custGeom>
+              <a:avLst/>
+              <a:gdLst/>
+              <a:ahLst/>
+              <a:cxnLst/>
+              <a:rect l="0" t="0" r="r" b="b"/>
+              <a:pathLst>
+                <a:path w="1697" h="2693">
+                  <a:moveTo>
+                    <a:pt x="0" y="0"/>
+                  </a:moveTo>
+                  <a:lnTo>
+                    <a:pt x="1622" y="2693"/>
+                  </a:lnTo>
+                  <a:lnTo>
+                    <a:pt x="1697" y="2693"/>
+                  </a:lnTo>
+                  <a:lnTo>
+                    <a:pt x="0" y="0"/>
+                  </a:lnTo>
+                  <a:close/>
+                </a:path>
+              </a:pathLst>
+            </a:custGeom>
+            <a:solidFill>
+              <a:srgbClr val="262626"/>
+            </a:solidFill>
+            <a:ln>
+              <a:noFill/>
+            </a:ln>
+          </p:spPr>
+        </p:sp>
+        <p:sp>
+          <p:nvSpPr>
+            <p:cNvPr id="27" name="Freeform 13">
+              <a:extLst>
+                <a:ext uri="{FF2B5EF4-FFF2-40B4-BE49-F238E27FC236}">
+                  <a16:creationId xmlns:a16="http://schemas.microsoft.com/office/drawing/2014/main" xmlns="" id="{773528ED-4D37-4A77-A8CA-86B6221C5E82}"/>
+                </a:ext>
+                <a:ext uri="{C183D7F6-B498-43B3-948B-1728B52AA6E4}">
+                  <adec:decorative xmlns:adec="http://schemas.microsoft.com/office/drawing/2017/decorative" xmlns="" val="1"/>
+                </a:ext>
+              </a:extLst>
+            </p:cNvPr>
+            <p:cNvSpPr/>
+            <p:nvPr>
+              <p:extLst>
+                <p:ext uri="{386F3935-93C4-4BCD-93E2-E3B085C9AB24}">
+                  <p16:designElem xmlns:p16="http://schemas.microsoft.com/office/powerpoint/2015/main" xmlns="" val="1"/>
+                </p:ext>
+              </p:extLst>
+            </p:nvPr>
+          </p:nvSpPr>
+          <p:spPr bwMode="auto">
+            <a:xfrm>
+              <a:off x="3371850" y="2692400"/>
+              <a:ext cx="3332162" cy="4165600"/>
+            </a:xfrm>
+            <a:custGeom>
+              <a:avLst/>
+              <a:gdLst/>
+              <a:ahLst/>
+              <a:cxnLst/>
+              <a:rect l="0" t="0" r="r" b="b"/>
+              <a:pathLst>
+                <a:path w="2099" h="2624">
+                  <a:moveTo>
+                    <a:pt x="2099" y="2624"/>
+                  </a:moveTo>
+                  <a:lnTo>
+                    <a:pt x="0" y="0"/>
+                  </a:lnTo>
+                  <a:lnTo>
+                    <a:pt x="2021" y="2624"/>
+                  </a:lnTo>
+                  <a:lnTo>
+                    <a:pt x="2099" y="2624"/>
+                  </a:lnTo>
+                  <a:close/>
+                </a:path>
+              </a:pathLst>
+            </a:custGeom>
+            <a:solidFill>
+              <a:schemeClr val="accent1">
+                <a:lumMod val="50000"/>
+              </a:schemeClr>
+            </a:solidFill>
+            <a:ln>
+              <a:noFill/>
+            </a:ln>
+          </p:spPr>
+        </p:sp>
+        <p:sp>
+          <p:nvSpPr>
+            <p:cNvPr id="28" name="Freeform 14">
+              <a:extLst>
+                <a:ext uri="{FF2B5EF4-FFF2-40B4-BE49-F238E27FC236}">
+                  <a16:creationId xmlns:a16="http://schemas.microsoft.com/office/drawing/2014/main" xmlns="" id="{8A58A902-E944-4399-9A93-A91A6A82B166}"/>
+                </a:ext>
+                <a:ext uri="{C183D7F6-B498-43B3-948B-1728B52AA6E4}">
+                  <adec:decorative xmlns:adec="http://schemas.microsoft.com/office/drawing/2017/decorative" xmlns="" val="1"/>
+                </a:ext>
+              </a:extLst>
+            </p:cNvPr>
+            <p:cNvSpPr/>
+            <p:nvPr>
+              <p:extLst>
+                <p:ext uri="{386F3935-93C4-4BCD-93E2-E3B085C9AB24}">
+                  <p16:designElem xmlns:p16="http://schemas.microsoft.com/office/powerpoint/2015/main" xmlns="" val="1"/>
+                </p:ext>
+              </p:extLst>
+            </p:nvPr>
+          </p:nvSpPr>
+          <p:spPr bwMode="auto">
+            <a:xfrm>
+              <a:off x="3367088" y="2687637"/>
+              <a:ext cx="4576762" cy="4170363"/>
+            </a:xfrm>
+            <a:custGeom>
+              <a:avLst/>
+              <a:gdLst/>
+              <a:ahLst/>
+              <a:cxnLst/>
+              <a:rect l="0" t="0" r="r" b="b"/>
+              <a:pathLst>
+                <a:path w="2883" h="2627">
+                  <a:moveTo>
+                    <a:pt x="0" y="0"/>
+                  </a:moveTo>
+                  <a:lnTo>
+                    <a:pt x="3" y="3"/>
+                  </a:lnTo>
+                  <a:lnTo>
+                    <a:pt x="2102" y="2627"/>
+                  </a:lnTo>
+                  <a:lnTo>
+                    <a:pt x="2883" y="2627"/>
+                  </a:lnTo>
+                  <a:lnTo>
+                    <a:pt x="225" y="57"/>
+                  </a:lnTo>
+                  <a:lnTo>
+                    <a:pt x="0" y="0"/>
+                  </a:lnTo>
+                  <a:close/>
+                </a:path>
+              </a:pathLst>
+            </a:custGeom>
+            <a:solidFill>
+              <a:schemeClr val="accent1">
+                <a:lumMod val="75000"/>
+              </a:schemeClr>
+            </a:solidFill>
+            <a:ln>
+              <a:noFill/>
+            </a:ln>
+          </p:spPr>
+        </p:sp>
+        <p:sp>
+          <p:nvSpPr>
+            <p:cNvPr id="29" name="Freeform 15">
+              <a:extLst>
+                <a:ext uri="{FF2B5EF4-FFF2-40B4-BE49-F238E27FC236}">
+                  <a16:creationId xmlns:a16="http://schemas.microsoft.com/office/drawing/2014/main" xmlns="" id="{4EDB1155-2E8E-4FB8-AD42-101FE4383231}"/>
+                </a:ext>
+                <a:ext uri="{C183D7F6-B498-43B3-948B-1728B52AA6E4}">
+                  <adec:decorative xmlns:adec="http://schemas.microsoft.com/office/drawing/2017/decorative" xmlns="" val="1"/>
+                </a:ext>
+              </a:extLst>
+            </p:cNvPr>
+            <p:cNvSpPr/>
+            <p:nvPr>
+              <p:extLst>
+                <p:ext uri="{386F3935-93C4-4BCD-93E2-E3B085C9AB24}">
+                  <p16:designElem xmlns:p16="http://schemas.microsoft.com/office/powerpoint/2015/main" xmlns="" val="1"/>
+                </p:ext>
+              </p:extLst>
+            </p:nvPr>
+          </p:nvSpPr>
+          <p:spPr bwMode="auto">
+            <a:xfrm>
+              <a:off x="2928938" y="2578100"/>
+              <a:ext cx="3584575" cy="4279900"/>
+            </a:xfrm>
+            <a:custGeom>
+              <a:avLst/>
+              <a:gdLst/>
+              <a:ahLst/>
+              <a:cxnLst/>
+              <a:rect l="0" t="0" r="r" b="b"/>
+              <a:pathLst>
+                <a:path w="2258" h="2696">
+                  <a:moveTo>
+                    <a:pt x="2258" y="2696"/>
+                  </a:moveTo>
+                  <a:lnTo>
+                    <a:pt x="264" y="111"/>
+                  </a:lnTo>
+                  <a:lnTo>
+                    <a:pt x="228" y="60"/>
+                  </a:lnTo>
+                  <a:lnTo>
+                    <a:pt x="225" y="57"/>
+                  </a:lnTo>
+                  <a:lnTo>
+                    <a:pt x="0" y="0"/>
+                  </a:lnTo>
+                  <a:lnTo>
+                    <a:pt x="0" y="3"/>
+                  </a:lnTo>
+                  <a:lnTo>
+                    <a:pt x="1697" y="2696"/>
+                  </a:lnTo>
+                  <a:lnTo>
+                    <a:pt x="2258" y="2696"/>
+                  </a:lnTo>
+                  <a:close/>
+                </a:path>
+              </a:pathLst>
+            </a:custGeom>
+            <a:solidFill>
+              <a:srgbClr val="404040"/>
+            </a:solidFill>
+            <a:ln>
+              <a:noFill/>
+            </a:ln>
+          </p:spPr>
+        </p:sp>
+      </p:grpSp>
+      <p:sp>
+        <p:nvSpPr>
+          <p:cNvPr id="2" name="Title 1">
+            <a:extLst>
+              <a:ext uri="{FF2B5EF4-FFF2-40B4-BE49-F238E27FC236}">
+                <a16:creationId xmlns:a16="http://schemas.microsoft.com/office/drawing/2014/main" xmlns="" id="{C7492CCE-C435-464E-A19A-D4C606FDBE3D}"/>
+              </a:ext>
+            </a:extLst>
+          </p:cNvPr>
+          <p:cNvSpPr>
+            <a:spLocks noGrp="1"/>
+          </p:cNvSpPr>
+          <p:nvPr>
+            <p:ph type="title"/>
+          </p:nvPr>
+        </p:nvSpPr>
+        <p:spPr>
+          <a:xfrm>
+            <a:off x="1018191" y="685800"/>
+            <a:ext cx="7411825" cy="1752599"/>
+          </a:xfrm>
+        </p:spPr>
+        <p:txBody>
+          <a:bodyPr>
+            <a:normAutofit/>
+          </a:bodyPr>
+          <a:lstStyle/>
+          <a:p>
+            <a:pPr algn="l"/>
+            <a:endParaRPr lang="en-US" dirty="0"/>
+          </a:p>
+        </p:txBody>
+      </p:sp>
+      <p:sp>
+        <p:nvSpPr>
+          <p:cNvPr id="3" name="Content Placeholder 2">
+            <a:extLst>
+              <a:ext uri="{FF2B5EF4-FFF2-40B4-BE49-F238E27FC236}">
+                <a16:creationId xmlns:a16="http://schemas.microsoft.com/office/drawing/2014/main" xmlns="" id="{60DFF4FA-F598-4962-B6AB-31A8BE724E52}"/>
+              </a:ext>
+            </a:extLst>
+          </p:cNvPr>
+          <p:cNvSpPr>
+            <a:spLocks noGrp="1"/>
+          </p:cNvSpPr>
+          <p:nvPr>
+            <p:ph idx="1"/>
+          </p:nvPr>
+        </p:nvSpPr>
+        <p:spPr>
+          <a:xfrm>
+            <a:off x="1018190" y="2666999"/>
+            <a:ext cx="7243603" cy="2719193"/>
+          </a:xfrm>
+        </p:spPr>
+        <p:txBody>
+          <a:bodyPr anchor="t">
+            <a:normAutofit/>
+          </a:bodyPr>
+          <a:lstStyle/>
+          <a:p>
+            <a:endParaRPr lang="en-US" sz="1800" dirty="0"/>
+          </a:p>
+        </p:txBody>
+      </p:sp>
+      <p:sp>
+        <p:nvSpPr>
+          <p:cNvPr id="5" name="TextBox 4">
+            <a:extLst>
+              <a:ext uri="{FF2B5EF4-FFF2-40B4-BE49-F238E27FC236}">
+                <a16:creationId xmlns:a16="http://schemas.microsoft.com/office/drawing/2014/main" xmlns="" id="{466A409B-90E2-4ACB-8A16-0329B5CEE6DF}"/>
+              </a:ext>
+            </a:extLst>
+          </p:cNvPr>
+          <p:cNvSpPr txBox="1"/>
+          <p:nvPr/>
+        </p:nvSpPr>
+        <p:spPr>
+          <a:xfrm>
+            <a:off x="1018190" y="164812"/>
+            <a:ext cx="8481269" cy="584775"/>
+          </a:xfrm>
+          <a:prstGeom prst="rect">
+            <a:avLst/>
+          </a:prstGeom>
+          <a:noFill/>
+        </p:spPr>
+        <p:txBody>
+          <a:bodyPr wrap="square" rtlCol="0">
+            <a:spAutoFit/>
+          </a:bodyPr>
+          <a:lstStyle/>
+          <a:p>
+            <a:pPr algn="ctr"/>
+            <a:r>
+              <a:rPr lang="en-US" sz="1400" dirty="0"/>
+              <a:t>Background          Early Experimentations          Initial Implementations          Performance Improvements         </a:t>
+            </a:r>
+            <a:r>
+              <a:rPr lang="en-US" sz="1400" b="1" dirty="0">
+                <a:solidFill>
+                  <a:schemeClr val="accent1"/>
+                </a:solidFill>
+              </a:rPr>
+              <a:t>Results</a:t>
+            </a:r>
+          </a:p>
+          <a:p>
+            <a:endParaRPr lang="en-US" dirty="0"/>
+          </a:p>
+        </p:txBody>
+      </p:sp>
+      <p:cxnSp>
+        <p:nvCxnSpPr>
+          <p:cNvPr id="7" name="Straight Arrow Connector 6">
+            <a:extLst>
+              <a:ext uri="{FF2B5EF4-FFF2-40B4-BE49-F238E27FC236}">
+                <a16:creationId xmlns:a16="http://schemas.microsoft.com/office/drawing/2014/main" xmlns="" id="{6C986E87-252D-4CDD-90A3-050A5080DF44}"/>
+              </a:ext>
+            </a:extLst>
+          </p:cNvPr>
+          <p:cNvCxnSpPr>
+            <a:cxnSpLocks/>
+          </p:cNvCxnSpPr>
+          <p:nvPr/>
+        </p:nvCxnSpPr>
+        <p:spPr>
+          <a:xfrm>
+            <a:off x="2097248" y="326178"/>
+            <a:ext cx="201336" cy="0"/>
+          </a:xfrm>
+          <a:prstGeom prst="straightConnector1">
+            <a:avLst/>
+          </a:prstGeom>
+          <a:ln>
+            <a:tailEnd type="triangle"/>
+          </a:ln>
+        </p:spPr>
+        <p:style>
+          <a:lnRef idx="1">
+            <a:schemeClr val="accent1"/>
+          </a:lnRef>
+          <a:fillRef idx="0">
+            <a:schemeClr val="accent1"/>
+          </a:fillRef>
+          <a:effectRef idx="0">
+            <a:schemeClr val="accent1"/>
+          </a:effectRef>
+          <a:fontRef idx="minor">
+            <a:schemeClr val="tx1"/>
+          </a:fontRef>
+        </p:style>
+      </p:cxnSp>
+      <p:cxnSp>
+        <p:nvCxnSpPr>
+          <p:cNvPr id="17" name="Straight Arrow Connector 16">
+            <a:extLst>
+              <a:ext uri="{FF2B5EF4-FFF2-40B4-BE49-F238E27FC236}">
+                <a16:creationId xmlns:a16="http://schemas.microsoft.com/office/drawing/2014/main" xmlns="" id="{8B32EEAB-6F30-4731-8D76-02708A63C23C}"/>
+              </a:ext>
+            </a:extLst>
+          </p:cNvPr>
+          <p:cNvCxnSpPr>
+            <a:cxnSpLocks/>
+          </p:cNvCxnSpPr>
+          <p:nvPr/>
+        </p:nvCxnSpPr>
+        <p:spPr>
+          <a:xfrm>
+            <a:off x="4160520" y="329184"/>
+            <a:ext cx="201336" cy="0"/>
+          </a:xfrm>
+          <a:prstGeom prst="straightConnector1">
+            <a:avLst/>
+          </a:prstGeom>
+          <a:ln>
+            <a:tailEnd type="triangle"/>
+          </a:ln>
+        </p:spPr>
+        <p:style>
+          <a:lnRef idx="1">
+            <a:schemeClr val="accent1"/>
+          </a:lnRef>
+          <a:fillRef idx="0">
+            <a:schemeClr val="accent1"/>
+          </a:fillRef>
+          <a:effectRef idx="0">
+            <a:schemeClr val="accent1"/>
+          </a:effectRef>
+          <a:fontRef idx="minor">
+            <a:schemeClr val="tx1"/>
+          </a:fontRef>
+        </p:style>
+      </p:cxnSp>
+      <p:cxnSp>
+        <p:nvCxnSpPr>
+          <p:cNvPr id="18" name="Straight Arrow Connector 17">
+            <a:extLst>
+              <a:ext uri="{FF2B5EF4-FFF2-40B4-BE49-F238E27FC236}">
+                <a16:creationId xmlns:a16="http://schemas.microsoft.com/office/drawing/2014/main" xmlns="" id="{E930BBA9-7BA1-48A0-A9E1-F9545CD11BAA}"/>
+              </a:ext>
+            </a:extLst>
+          </p:cNvPr>
+          <p:cNvCxnSpPr>
+            <a:cxnSpLocks/>
+          </p:cNvCxnSpPr>
+          <p:nvPr/>
+        </p:nvCxnSpPr>
+        <p:spPr>
+          <a:xfrm>
+            <a:off x="6218268" y="329184"/>
+            <a:ext cx="201336" cy="0"/>
+          </a:xfrm>
+          <a:prstGeom prst="straightConnector1">
+            <a:avLst/>
+          </a:prstGeom>
+          <a:ln>
+            <a:tailEnd type="triangle"/>
+          </a:ln>
+        </p:spPr>
+        <p:style>
+          <a:lnRef idx="1">
+            <a:schemeClr val="accent1"/>
+          </a:lnRef>
+          <a:fillRef idx="0">
+            <a:schemeClr val="accent1"/>
+          </a:fillRef>
+          <a:effectRef idx="0">
+            <a:schemeClr val="accent1"/>
+          </a:effectRef>
+          <a:fontRef idx="minor">
+            <a:schemeClr val="tx1"/>
+          </a:fontRef>
+        </p:style>
+      </p:cxnSp>
+      <p:cxnSp>
+        <p:nvCxnSpPr>
+          <p:cNvPr id="19" name="Straight Arrow Connector 18">
+            <a:extLst>
+              <a:ext uri="{FF2B5EF4-FFF2-40B4-BE49-F238E27FC236}">
+                <a16:creationId xmlns:a16="http://schemas.microsoft.com/office/drawing/2014/main" xmlns="" id="{72D8D5ED-08A2-4E59-AA33-3E70202E855D}"/>
+              </a:ext>
+            </a:extLst>
+          </p:cNvPr>
+          <p:cNvCxnSpPr>
+            <a:cxnSpLocks/>
+          </p:cNvCxnSpPr>
+          <p:nvPr/>
+        </p:nvCxnSpPr>
+        <p:spPr>
+          <a:xfrm>
+            <a:off x="8595360" y="329184"/>
+            <a:ext cx="201336" cy="0"/>
+          </a:xfrm>
+          <a:prstGeom prst="straightConnector1">
+            <a:avLst/>
+          </a:prstGeom>
+          <a:ln>
+            <a:tailEnd type="triangle"/>
+          </a:ln>
+        </p:spPr>
+        <p:style>
+          <a:lnRef idx="1">
+            <a:schemeClr val="accent1"/>
+          </a:lnRef>
+          <a:fillRef idx="0">
+            <a:schemeClr val="accent1"/>
+          </a:fillRef>
+          <a:effectRef idx="0">
+            <a:schemeClr val="accent1"/>
+          </a:effectRef>
+          <a:fontRef idx="minor">
+            <a:schemeClr val="tx1"/>
+          </a:fontRef>
+        </p:style>
+      </p:cxnSp>
+    </p:spTree>
+    <p:extLst>
+      <p:ext uri="{BB962C8B-B14F-4D97-AF65-F5344CB8AC3E}">
+        <p14:creationId xmlns:p14="http://schemas.microsoft.com/office/powerpoint/2010/main" val="3830138857"/>
+      </p:ext>
+    </p:extLst>
+  </p:cSld>
+  <p:clrMapOvr>
+    <a:overrideClrMapping bg1="dk1" tx1="lt1" bg2="dk2" tx2="lt2" accent1="accent1" accent2="accent2" accent3="accent3" accent4="accent4" accent5="accent5" accent6="accent6" hlink="hlink" folHlink="folHlink"/>
+  </p:clrMapOvr>
+  <mc:AlternateContent xmlns:mc="http://schemas.openxmlformats.org/markup-compatibility/2006">
+    <mc:Choice xmlns:p14="http://schemas.microsoft.com/office/powerpoint/2010/main" Requires="p14">
+      <p:transition spd="slow" p14:dur="2000"/>
+    </mc:Choice>
+    <mc:Fallback>
+      <p:transition spd="slow"/>
+    </mc:Fallback>
+  </mc:AlternateContent>
+  <p:timing>
+    <p:tnLst>
+      <p:par>
+        <p:cTn id="1" dur="indefinite" restart="never" nodeType="tmRoot"/>
+      </p:par>
+    </p:tnLst>
+  </p:timing>
+</p:sld>
+</file>
+
+<file path=ppt/slides/slide18.xml><?xml version="1.0" encoding="utf-8"?>
+<p:sld xmlns:a="http://schemas.openxmlformats.org/drawingml/2006/main" xmlns:r="http://schemas.openxmlformats.org/officeDocument/2006/relationships" xmlns:p="http://schemas.openxmlformats.org/presentationml/2006/main">
+  <p:cSld>
+    <p:bg>
+      <p:bgPr>
+        <a:solidFill>
+          <a:schemeClr val="bg2"/>
+        </a:solidFill>
+        <a:effectLst/>
+      </p:bgPr>
+    </p:bg>
+    <p:spTree>
+      <p:nvGrpSpPr>
+        <p:cNvPr id="1" name=""/>
+        <p:cNvGrpSpPr/>
+        <p:nvPr/>
+      </p:nvGrpSpPr>
+      <p:grpSpPr>
+        <a:xfrm>
+          <a:off x="0" y="0"/>
+          <a:ext cx="0" cy="0"/>
+          <a:chOff x="0" y="0"/>
+          <a:chExt cx="0" cy="0"/>
+        </a:xfrm>
+      </p:grpSpPr>
+      <p:sp useBgFill="1">
+        <p:nvSpPr>
+          <p:cNvPr id="21" name="Rectangle 20">
+            <a:extLst>
+              <a:ext uri="{FF2B5EF4-FFF2-40B4-BE49-F238E27FC236}">
+                <a16:creationId xmlns:a16="http://schemas.microsoft.com/office/drawing/2014/main" xmlns="" id="{99CAC3B1-4879-424D-8F15-206277196159}"/>
+              </a:ext>
+              <a:ext uri="{C183D7F6-B498-43B3-948B-1728B52AA6E4}">
+                <adec:decorative xmlns:adec="http://schemas.microsoft.com/office/drawing/2017/decorative" xmlns="" val="1"/>
+              </a:ext>
+            </a:extLst>
+          </p:cNvPr>
+          <p:cNvSpPr>
+            <a:spLocks noGrp="1" noRot="1" noChangeAspect="1" noMove="1" noResize="1" noEditPoints="1" noAdjustHandles="1" noChangeArrowheads="1" noChangeShapeType="1" noTextEdit="1"/>
+          </p:cNvSpPr>
+          <p:nvPr>
+            <p:extLst>
+              <p:ext uri="{386F3935-93C4-4BCD-93E2-E3B085C9AB24}">
+                <p16:designElem xmlns:p16="http://schemas.microsoft.com/office/powerpoint/2015/main" xmlns="" val="1"/>
+              </p:ext>
+            </p:extLst>
+          </p:nvPr>
+        </p:nvSpPr>
+        <p:spPr>
+          <a:xfrm>
+            <a:off x="0" y="0"/>
+            <a:ext cx="12192000" cy="6858000"/>
+          </a:xfrm>
+          <a:prstGeom prst="rect">
+            <a:avLst/>
+          </a:prstGeom>
+          <a:ln>
+            <a:noFill/>
+          </a:ln>
+        </p:spPr>
+        <p:style>
+          <a:lnRef idx="2">
+            <a:schemeClr val="accent1">
+              <a:shade val="50000"/>
+            </a:schemeClr>
+          </a:lnRef>
+          <a:fillRef idx="1">
+            <a:schemeClr val="accent1"/>
+          </a:fillRef>
+          <a:effectRef idx="0">
+            <a:schemeClr val="accent1"/>
+          </a:effectRef>
+          <a:fontRef idx="minor">
+            <a:schemeClr val="lt1"/>
+          </a:fontRef>
+        </p:style>
+        <p:txBody>
+          <a:bodyPr rtlCol="0" anchor="ctr"/>
+          <a:lstStyle/>
+          <a:p>
+            <a:pPr algn="ctr"/>
+            <a:endParaRPr lang="en-US" dirty="0"/>
+          </a:p>
+        </p:txBody>
+      </p:sp>
+      <p:grpSp>
+        <p:nvGrpSpPr>
+          <p:cNvPr id="23" name="Group 22">
+            <a:extLst>
+              <a:ext uri="{FF2B5EF4-FFF2-40B4-BE49-F238E27FC236}">
+                <a16:creationId xmlns:a16="http://schemas.microsoft.com/office/drawing/2014/main" xmlns="" id="{4B8492CB-DFBA-4A82-9778-F21493DA36C1}"/>
+              </a:ext>
+              <a:ext uri="{C183D7F6-B498-43B3-948B-1728B52AA6E4}">
+                <adec:decorative xmlns:adec="http://schemas.microsoft.com/office/drawing/2017/decorative" xmlns="" val="1"/>
+              </a:ext>
+            </a:extLst>
+          </p:cNvPr>
+          <p:cNvGrpSpPr>
+            <a:grpSpLocks noGrp="1" noUngrp="1" noRot="1" noChangeAspect="1" noMove="1" noResize="1"/>
+          </p:cNvGrpSpPr>
+          <p:nvPr>
+            <p:extLst>
+              <p:ext uri="{386F3935-93C4-4BCD-93E2-E3B085C9AB24}">
+                <p16:designElem xmlns:p16="http://schemas.microsoft.com/office/powerpoint/2015/main" xmlns="" val="1"/>
+              </p:ext>
+            </p:extLst>
+          </p:nvPr>
+        </p:nvGrpSpPr>
+        <p:grpSpPr>
+          <a:xfrm flipH="1">
+            <a:off x="6526211" y="0"/>
+            <a:ext cx="5014912" cy="6862763"/>
+            <a:chOff x="2928938" y="-4763"/>
+            <a:chExt cx="5014912" cy="6862763"/>
+          </a:xfrm>
+        </p:grpSpPr>
+        <p:sp>
+          <p:nvSpPr>
+            <p:cNvPr id="24" name="Freeform 6">
+              <a:extLst>
+                <a:ext uri="{FF2B5EF4-FFF2-40B4-BE49-F238E27FC236}">
+                  <a16:creationId xmlns:a16="http://schemas.microsoft.com/office/drawing/2014/main" xmlns="" id="{E34CC1C8-EBDD-4AEA-83E6-B27575B62E2E}"/>
+                </a:ext>
+                <a:ext uri="{C183D7F6-B498-43B3-948B-1728B52AA6E4}">
+                  <adec:decorative xmlns:adec="http://schemas.microsoft.com/office/drawing/2017/decorative" xmlns="" val="1"/>
+                </a:ext>
+              </a:extLst>
+            </p:cNvPr>
+            <p:cNvSpPr/>
+            <p:nvPr>
+              <p:extLst>
+                <p:ext uri="{386F3935-93C4-4BCD-93E2-E3B085C9AB24}">
+                  <p16:designElem xmlns:p16="http://schemas.microsoft.com/office/powerpoint/2015/main" xmlns="" val="1"/>
+                </p:ext>
+              </p:extLst>
+            </p:nvPr>
+          </p:nvSpPr>
+          <p:spPr bwMode="auto">
+            <a:xfrm>
+              <a:off x="3367088" y="-4763"/>
+              <a:ext cx="1063625" cy="2782888"/>
+            </a:xfrm>
+            <a:custGeom>
+              <a:avLst/>
+              <a:gdLst/>
+              <a:ahLst/>
+              <a:cxnLst/>
+              <a:rect l="0" t="0" r="r" b="b"/>
+              <a:pathLst>
+                <a:path w="670" h="1753">
+                  <a:moveTo>
+                    <a:pt x="0" y="1696"/>
+                  </a:moveTo>
+                  <a:lnTo>
+                    <a:pt x="225" y="1753"/>
+                  </a:lnTo>
+                  <a:lnTo>
+                    <a:pt x="670" y="0"/>
+                  </a:lnTo>
+                  <a:lnTo>
+                    <a:pt x="430" y="0"/>
+                  </a:lnTo>
+                  <a:lnTo>
+                    <a:pt x="0" y="1696"/>
+                  </a:lnTo>
+                  <a:close/>
+                </a:path>
+              </a:pathLst>
+            </a:custGeom>
+            <a:solidFill>
+              <a:schemeClr val="accent1"/>
+            </a:solidFill>
+            <a:ln>
+              <a:noFill/>
+            </a:ln>
+          </p:spPr>
+        </p:sp>
+        <p:sp>
+          <p:nvSpPr>
+            <p:cNvPr id="25" name="Freeform 7">
+              <a:extLst>
+                <a:ext uri="{FF2B5EF4-FFF2-40B4-BE49-F238E27FC236}">
+                  <a16:creationId xmlns:a16="http://schemas.microsoft.com/office/drawing/2014/main" xmlns="" id="{D6B38644-B85D-4211-9526-5B4C2A662BF7}"/>
+                </a:ext>
+                <a:ext uri="{C183D7F6-B498-43B3-948B-1728B52AA6E4}">
+                  <adec:decorative xmlns:adec="http://schemas.microsoft.com/office/drawing/2017/decorative" xmlns="" val="1"/>
+                </a:ext>
+              </a:extLst>
+            </p:cNvPr>
+            <p:cNvSpPr/>
+            <p:nvPr>
+              <p:extLst>
+                <p:ext uri="{386F3935-93C4-4BCD-93E2-E3B085C9AB24}">
+                  <p16:designElem xmlns:p16="http://schemas.microsoft.com/office/powerpoint/2015/main" xmlns="" val="1"/>
+                </p:ext>
+              </p:extLst>
+            </p:nvPr>
+          </p:nvSpPr>
+          <p:spPr bwMode="auto">
+            <a:xfrm>
+              <a:off x="2928938" y="-4763"/>
+              <a:ext cx="1035050" cy="2673350"/>
+            </a:xfrm>
+            <a:custGeom>
+              <a:avLst/>
+              <a:gdLst/>
+              <a:ahLst/>
+              <a:cxnLst/>
+              <a:rect l="0" t="0" r="r" b="b"/>
+              <a:pathLst>
+                <a:path w="652" h="1684">
+                  <a:moveTo>
+                    <a:pt x="225" y="1684"/>
+                  </a:moveTo>
+                  <a:lnTo>
+                    <a:pt x="652" y="0"/>
+                  </a:lnTo>
+                  <a:lnTo>
+                    <a:pt x="411" y="0"/>
+                  </a:lnTo>
+                  <a:lnTo>
+                    <a:pt x="0" y="1627"/>
+                  </a:lnTo>
+                  <a:lnTo>
+                    <a:pt x="219" y="1681"/>
+                  </a:lnTo>
+                  <a:lnTo>
+                    <a:pt x="225" y="1684"/>
+                  </a:lnTo>
+                  <a:close/>
+                </a:path>
+              </a:pathLst>
+            </a:custGeom>
+            <a:solidFill>
+              <a:srgbClr val="595959"/>
+            </a:solidFill>
+            <a:ln>
+              <a:noFill/>
+            </a:ln>
+          </p:spPr>
+        </p:sp>
+        <p:sp>
+          <p:nvSpPr>
+            <p:cNvPr id="26" name="Freeform 12">
+              <a:extLst>
+                <a:ext uri="{FF2B5EF4-FFF2-40B4-BE49-F238E27FC236}">
+                  <a16:creationId xmlns:a16="http://schemas.microsoft.com/office/drawing/2014/main" xmlns="" id="{8A8B2820-6B8F-4C19-BFC5-D28EE44E54CB}"/>
+                </a:ext>
+                <a:ext uri="{C183D7F6-B498-43B3-948B-1728B52AA6E4}">
+                  <adec:decorative xmlns:adec="http://schemas.microsoft.com/office/drawing/2017/decorative" xmlns="" val="1"/>
+                </a:ext>
+              </a:extLst>
+            </p:cNvPr>
+            <p:cNvSpPr/>
+            <p:nvPr>
+              <p:extLst>
+                <p:ext uri="{386F3935-93C4-4BCD-93E2-E3B085C9AB24}">
+                  <p16:designElem xmlns:p16="http://schemas.microsoft.com/office/powerpoint/2015/main" xmlns="" val="1"/>
+                </p:ext>
+              </p:extLst>
+            </p:nvPr>
+          </p:nvSpPr>
+          <p:spPr bwMode="auto">
+            <a:xfrm>
+              <a:off x="2928938" y="2582862"/>
+              <a:ext cx="2693987" cy="4275138"/>
+            </a:xfrm>
+            <a:custGeom>
+              <a:avLst/>
+              <a:gdLst/>
+              <a:ahLst/>
+              <a:cxnLst/>
+              <a:rect l="0" t="0" r="r" b="b"/>
+              <a:pathLst>
+                <a:path w="1697" h="2693">
+                  <a:moveTo>
+                    <a:pt x="0" y="0"/>
+                  </a:moveTo>
+                  <a:lnTo>
+                    <a:pt x="1622" y="2693"/>
+                  </a:lnTo>
+                  <a:lnTo>
+                    <a:pt x="1697" y="2693"/>
+                  </a:lnTo>
+                  <a:lnTo>
+                    <a:pt x="0" y="0"/>
+                  </a:lnTo>
+                  <a:close/>
+                </a:path>
+              </a:pathLst>
+            </a:custGeom>
+            <a:solidFill>
+              <a:srgbClr val="262626"/>
+            </a:solidFill>
+            <a:ln>
+              <a:noFill/>
+            </a:ln>
+          </p:spPr>
+        </p:sp>
+        <p:sp>
+          <p:nvSpPr>
+            <p:cNvPr id="27" name="Freeform 13">
+              <a:extLst>
+                <a:ext uri="{FF2B5EF4-FFF2-40B4-BE49-F238E27FC236}">
+                  <a16:creationId xmlns:a16="http://schemas.microsoft.com/office/drawing/2014/main" xmlns="" id="{773528ED-4D37-4A77-A8CA-86B6221C5E82}"/>
+                </a:ext>
+                <a:ext uri="{C183D7F6-B498-43B3-948B-1728B52AA6E4}">
+                  <adec:decorative xmlns:adec="http://schemas.microsoft.com/office/drawing/2017/decorative" xmlns="" val="1"/>
+                </a:ext>
+              </a:extLst>
+            </p:cNvPr>
+            <p:cNvSpPr/>
+            <p:nvPr>
+              <p:extLst>
+                <p:ext uri="{386F3935-93C4-4BCD-93E2-E3B085C9AB24}">
+                  <p16:designElem xmlns:p16="http://schemas.microsoft.com/office/powerpoint/2015/main" xmlns="" val="1"/>
+                </p:ext>
+              </p:extLst>
+            </p:nvPr>
+          </p:nvSpPr>
+          <p:spPr bwMode="auto">
+            <a:xfrm>
+              <a:off x="3371850" y="2692400"/>
+              <a:ext cx="3332162" cy="4165600"/>
+            </a:xfrm>
+            <a:custGeom>
+              <a:avLst/>
+              <a:gdLst/>
+              <a:ahLst/>
+              <a:cxnLst/>
+              <a:rect l="0" t="0" r="r" b="b"/>
+              <a:pathLst>
+                <a:path w="2099" h="2624">
+                  <a:moveTo>
+                    <a:pt x="2099" y="2624"/>
+                  </a:moveTo>
+                  <a:lnTo>
+                    <a:pt x="0" y="0"/>
+                  </a:lnTo>
+                  <a:lnTo>
+                    <a:pt x="2021" y="2624"/>
+                  </a:lnTo>
+                  <a:lnTo>
+                    <a:pt x="2099" y="2624"/>
+                  </a:lnTo>
+                  <a:close/>
+                </a:path>
+              </a:pathLst>
+            </a:custGeom>
+            <a:solidFill>
+              <a:schemeClr val="accent1">
+                <a:lumMod val="50000"/>
+              </a:schemeClr>
+            </a:solidFill>
+            <a:ln>
+              <a:noFill/>
+            </a:ln>
+          </p:spPr>
+        </p:sp>
+        <p:sp>
+          <p:nvSpPr>
+            <p:cNvPr id="28" name="Freeform 14">
+              <a:extLst>
+                <a:ext uri="{FF2B5EF4-FFF2-40B4-BE49-F238E27FC236}">
+                  <a16:creationId xmlns:a16="http://schemas.microsoft.com/office/drawing/2014/main" xmlns="" id="{8A58A902-E944-4399-9A93-A91A6A82B166}"/>
+                </a:ext>
+                <a:ext uri="{C183D7F6-B498-43B3-948B-1728B52AA6E4}">
+                  <adec:decorative xmlns:adec="http://schemas.microsoft.com/office/drawing/2017/decorative" xmlns="" val="1"/>
+                </a:ext>
+              </a:extLst>
+            </p:cNvPr>
+            <p:cNvSpPr/>
+            <p:nvPr>
+              <p:extLst>
+                <p:ext uri="{386F3935-93C4-4BCD-93E2-E3B085C9AB24}">
+                  <p16:designElem xmlns:p16="http://schemas.microsoft.com/office/powerpoint/2015/main" xmlns="" val="1"/>
+                </p:ext>
+              </p:extLst>
+            </p:nvPr>
+          </p:nvSpPr>
+          <p:spPr bwMode="auto">
+            <a:xfrm>
+              <a:off x="3367088" y="2687637"/>
+              <a:ext cx="4576762" cy="4170363"/>
+            </a:xfrm>
+            <a:custGeom>
+              <a:avLst/>
+              <a:gdLst/>
+              <a:ahLst/>
+              <a:cxnLst/>
+              <a:rect l="0" t="0" r="r" b="b"/>
+              <a:pathLst>
+                <a:path w="2883" h="2627">
+                  <a:moveTo>
+                    <a:pt x="0" y="0"/>
+                  </a:moveTo>
+                  <a:lnTo>
+                    <a:pt x="3" y="3"/>
+                  </a:lnTo>
+                  <a:lnTo>
+                    <a:pt x="2102" y="2627"/>
+                  </a:lnTo>
+                  <a:lnTo>
+                    <a:pt x="2883" y="2627"/>
+                  </a:lnTo>
+                  <a:lnTo>
+                    <a:pt x="225" y="57"/>
+                  </a:lnTo>
+                  <a:lnTo>
+                    <a:pt x="0" y="0"/>
+                  </a:lnTo>
+                  <a:close/>
+                </a:path>
+              </a:pathLst>
+            </a:custGeom>
+            <a:solidFill>
+              <a:schemeClr val="accent1">
+                <a:lumMod val="75000"/>
+              </a:schemeClr>
+            </a:solidFill>
+            <a:ln>
+              <a:noFill/>
+            </a:ln>
+          </p:spPr>
+        </p:sp>
+        <p:sp>
+          <p:nvSpPr>
+            <p:cNvPr id="29" name="Freeform 15">
+              <a:extLst>
+                <a:ext uri="{FF2B5EF4-FFF2-40B4-BE49-F238E27FC236}">
+                  <a16:creationId xmlns:a16="http://schemas.microsoft.com/office/drawing/2014/main" xmlns="" id="{4EDB1155-2E8E-4FB8-AD42-101FE4383231}"/>
+                </a:ext>
+                <a:ext uri="{C183D7F6-B498-43B3-948B-1728B52AA6E4}">
+                  <adec:decorative xmlns:adec="http://schemas.microsoft.com/office/drawing/2017/decorative" xmlns="" val="1"/>
+                </a:ext>
+              </a:extLst>
+            </p:cNvPr>
+            <p:cNvSpPr/>
+            <p:nvPr>
+              <p:extLst>
+                <p:ext uri="{386F3935-93C4-4BCD-93E2-E3B085C9AB24}">
+                  <p16:designElem xmlns:p16="http://schemas.microsoft.com/office/powerpoint/2015/main" xmlns="" val="1"/>
+                </p:ext>
+              </p:extLst>
+            </p:nvPr>
+          </p:nvSpPr>
+          <p:spPr bwMode="auto">
+            <a:xfrm>
+              <a:off x="2928938" y="2578100"/>
+              <a:ext cx="3584575" cy="4279900"/>
+            </a:xfrm>
+            <a:custGeom>
+              <a:avLst/>
+              <a:gdLst/>
+              <a:ahLst/>
+              <a:cxnLst/>
+              <a:rect l="0" t="0" r="r" b="b"/>
+              <a:pathLst>
+                <a:path w="2258" h="2696">
+                  <a:moveTo>
+                    <a:pt x="2258" y="2696"/>
+                  </a:moveTo>
+                  <a:lnTo>
+                    <a:pt x="264" y="111"/>
+                  </a:lnTo>
+                  <a:lnTo>
+                    <a:pt x="228" y="60"/>
+                  </a:lnTo>
+                  <a:lnTo>
+                    <a:pt x="225" y="57"/>
+                  </a:lnTo>
+                  <a:lnTo>
+                    <a:pt x="0" y="0"/>
+                  </a:lnTo>
+                  <a:lnTo>
+                    <a:pt x="0" y="3"/>
+                  </a:lnTo>
+                  <a:lnTo>
+                    <a:pt x="1697" y="2696"/>
+                  </a:lnTo>
+                  <a:lnTo>
+                    <a:pt x="2258" y="2696"/>
+                  </a:lnTo>
+                  <a:close/>
+                </a:path>
+              </a:pathLst>
+            </a:custGeom>
+            <a:solidFill>
+              <a:srgbClr val="404040"/>
+            </a:solidFill>
+            <a:ln>
+              <a:noFill/>
+            </a:ln>
+          </p:spPr>
+        </p:sp>
+      </p:grpSp>
+      <p:sp>
+        <p:nvSpPr>
+          <p:cNvPr id="2" name="Title 1">
+            <a:extLst>
+              <a:ext uri="{FF2B5EF4-FFF2-40B4-BE49-F238E27FC236}">
+                <a16:creationId xmlns:a16="http://schemas.microsoft.com/office/drawing/2014/main" xmlns="" id="{C7492CCE-C435-464E-A19A-D4C606FDBE3D}"/>
+              </a:ext>
+            </a:extLst>
+          </p:cNvPr>
+          <p:cNvSpPr>
+            <a:spLocks noGrp="1"/>
+          </p:cNvSpPr>
+          <p:nvPr>
+            <p:ph type="title"/>
+          </p:nvPr>
+        </p:nvSpPr>
+        <p:spPr>
+          <a:xfrm>
+            <a:off x="1018191" y="685800"/>
+            <a:ext cx="7411825" cy="1752599"/>
+          </a:xfrm>
+        </p:spPr>
+        <p:txBody>
+          <a:bodyPr>
+            <a:normAutofit/>
+          </a:bodyPr>
+          <a:lstStyle/>
+          <a:p>
+            <a:pPr algn="l"/>
+            <a:r>
+              <a:rPr lang="en-US" dirty="0"/>
+              <a:t>References</a:t>
+            </a:r>
+          </a:p>
+        </p:txBody>
+      </p:sp>
+      <p:sp>
+        <p:nvSpPr>
+          <p:cNvPr id="5" name="TextBox 4">
+            <a:extLst>
+              <a:ext uri="{FF2B5EF4-FFF2-40B4-BE49-F238E27FC236}">
+                <a16:creationId xmlns:a16="http://schemas.microsoft.com/office/drawing/2014/main" xmlns="" id="{466A409B-90E2-4ACB-8A16-0329B5CEE6DF}"/>
+              </a:ext>
+            </a:extLst>
+          </p:cNvPr>
+          <p:cNvSpPr txBox="1"/>
+          <p:nvPr/>
+        </p:nvSpPr>
+        <p:spPr>
+          <a:xfrm>
+            <a:off x="1018190" y="164812"/>
+            <a:ext cx="8481269" cy="584775"/>
+          </a:xfrm>
+          <a:prstGeom prst="rect">
+            <a:avLst/>
+          </a:prstGeom>
+          <a:noFill/>
+        </p:spPr>
+        <p:txBody>
+          <a:bodyPr wrap="square" rtlCol="0">
+            <a:spAutoFit/>
+          </a:bodyPr>
+          <a:lstStyle/>
+          <a:p>
+            <a:pPr algn="ctr"/>
+            <a:r>
+              <a:rPr lang="en-US" sz="1400" dirty="0"/>
+              <a:t>Background          Early Experimentations          Initial Implementations          Performance Improvements         </a:t>
+            </a:r>
+            <a:r>
+              <a:rPr lang="en-US" sz="1400" b="1" dirty="0">
+                <a:solidFill>
+                  <a:schemeClr val="accent1"/>
+                </a:solidFill>
+              </a:rPr>
+              <a:t>Results</a:t>
+            </a:r>
+          </a:p>
+          <a:p>
+            <a:endParaRPr lang="en-US" dirty="0"/>
+          </a:p>
+        </p:txBody>
+      </p:sp>
+      <p:cxnSp>
+        <p:nvCxnSpPr>
+          <p:cNvPr id="7" name="Straight Arrow Connector 6">
+            <a:extLst>
+              <a:ext uri="{FF2B5EF4-FFF2-40B4-BE49-F238E27FC236}">
+                <a16:creationId xmlns:a16="http://schemas.microsoft.com/office/drawing/2014/main" xmlns="" id="{6C986E87-252D-4CDD-90A3-050A5080DF44}"/>
+              </a:ext>
+            </a:extLst>
+          </p:cNvPr>
+          <p:cNvCxnSpPr>
+            <a:cxnSpLocks/>
+          </p:cNvCxnSpPr>
+          <p:nvPr/>
+        </p:nvCxnSpPr>
+        <p:spPr>
+          <a:xfrm>
+            <a:off x="2097248" y="326178"/>
+            <a:ext cx="201336" cy="0"/>
+          </a:xfrm>
+          <a:prstGeom prst="straightConnector1">
+            <a:avLst/>
+          </a:prstGeom>
+          <a:ln>
+            <a:tailEnd type="triangle"/>
+          </a:ln>
+        </p:spPr>
+        <p:style>
+          <a:lnRef idx="1">
+            <a:schemeClr val="accent1"/>
+          </a:lnRef>
+          <a:fillRef idx="0">
+            <a:schemeClr val="accent1"/>
+          </a:fillRef>
+          <a:effectRef idx="0">
+            <a:schemeClr val="accent1"/>
+          </a:effectRef>
+          <a:fontRef idx="minor">
+            <a:schemeClr val="tx1"/>
+          </a:fontRef>
+        </p:style>
+      </p:cxnSp>
+      <p:cxnSp>
+        <p:nvCxnSpPr>
+          <p:cNvPr id="17" name="Straight Arrow Connector 16">
+            <a:extLst>
+              <a:ext uri="{FF2B5EF4-FFF2-40B4-BE49-F238E27FC236}">
+                <a16:creationId xmlns:a16="http://schemas.microsoft.com/office/drawing/2014/main" xmlns="" id="{8B32EEAB-6F30-4731-8D76-02708A63C23C}"/>
+              </a:ext>
+            </a:extLst>
+          </p:cNvPr>
+          <p:cNvCxnSpPr>
+            <a:cxnSpLocks/>
+          </p:cNvCxnSpPr>
+          <p:nvPr/>
+        </p:nvCxnSpPr>
+        <p:spPr>
+          <a:xfrm>
+            <a:off x="4160520" y="329184"/>
+            <a:ext cx="201336" cy="0"/>
+          </a:xfrm>
+          <a:prstGeom prst="straightConnector1">
+            <a:avLst/>
+          </a:prstGeom>
+          <a:ln>
+            <a:tailEnd type="triangle"/>
+          </a:ln>
+        </p:spPr>
+        <p:style>
+          <a:lnRef idx="1">
+            <a:schemeClr val="accent1"/>
+          </a:lnRef>
+          <a:fillRef idx="0">
+            <a:schemeClr val="accent1"/>
+          </a:fillRef>
+          <a:effectRef idx="0">
+            <a:schemeClr val="accent1"/>
+          </a:effectRef>
+          <a:fontRef idx="minor">
+            <a:schemeClr val="tx1"/>
+          </a:fontRef>
+        </p:style>
+      </p:cxnSp>
+      <p:cxnSp>
+        <p:nvCxnSpPr>
+          <p:cNvPr id="18" name="Straight Arrow Connector 17">
+            <a:extLst>
+              <a:ext uri="{FF2B5EF4-FFF2-40B4-BE49-F238E27FC236}">
+                <a16:creationId xmlns:a16="http://schemas.microsoft.com/office/drawing/2014/main" xmlns="" id="{E930BBA9-7BA1-48A0-A9E1-F9545CD11BAA}"/>
+              </a:ext>
+            </a:extLst>
+          </p:cNvPr>
+          <p:cNvCxnSpPr>
+            <a:cxnSpLocks/>
+          </p:cNvCxnSpPr>
+          <p:nvPr/>
+        </p:nvCxnSpPr>
+        <p:spPr>
+          <a:xfrm>
+            <a:off x="6218268" y="329184"/>
+            <a:ext cx="201336" cy="0"/>
+          </a:xfrm>
+          <a:prstGeom prst="straightConnector1">
+            <a:avLst/>
+          </a:prstGeom>
+          <a:ln>
+            <a:tailEnd type="triangle"/>
+          </a:ln>
+        </p:spPr>
+        <p:style>
+          <a:lnRef idx="1">
+            <a:schemeClr val="accent1"/>
+          </a:lnRef>
+          <a:fillRef idx="0">
+            <a:schemeClr val="accent1"/>
+          </a:fillRef>
+          <a:effectRef idx="0">
+            <a:schemeClr val="accent1"/>
+          </a:effectRef>
+          <a:fontRef idx="minor">
+            <a:schemeClr val="tx1"/>
+          </a:fontRef>
+        </p:style>
+      </p:cxnSp>
+      <p:cxnSp>
+        <p:nvCxnSpPr>
+          <p:cNvPr id="19" name="Straight Arrow Connector 18">
+            <a:extLst>
+              <a:ext uri="{FF2B5EF4-FFF2-40B4-BE49-F238E27FC236}">
+                <a16:creationId xmlns:a16="http://schemas.microsoft.com/office/drawing/2014/main" xmlns="" id="{72D8D5ED-08A2-4E59-AA33-3E70202E855D}"/>
               </a:ext>
             </a:extLst>
           </p:cNvPr>
@@ -11952,7 +13666,7 @@
         </p:nvGraphicFramePr>
         <p:xfrm>
           <a:off x="1190247" y="2052830"/>
-          <a:ext cx="8753851" cy="1743025"/>
+          <a:ext cx="8753851" cy="1750963"/>
         </p:xfrm>
         <a:graphic>
           <a:graphicData uri="http://schemas.openxmlformats.org/drawingml/2006/table">
@@ -11964,14 +13678,14 @@
                 <a:gridCol w="208692">
                   <a:extLst>
                     <a:ext uri="{9D8B030D-6E8A-4147-A177-3AD203B41FA5}">
-                      <a16:colId xmlns:a16="http://schemas.microsoft.com/office/drawing/2014/main" val="20000"/>
+                      <a16:colId xmlns:a16="http://schemas.microsoft.com/office/drawing/2014/main" xmlns="" val="20000"/>
                     </a:ext>
                   </a:extLst>
                 </a:gridCol>
                 <a:gridCol w="8545159">
                   <a:extLst>
                     <a:ext uri="{9D8B030D-6E8A-4147-A177-3AD203B41FA5}">
-                      <a16:colId xmlns:a16="http://schemas.microsoft.com/office/drawing/2014/main" val="20001"/>
+                      <a16:colId xmlns:a16="http://schemas.microsoft.com/office/drawing/2014/main" xmlns="" val="20001"/>
                     </a:ext>
                   </a:extLst>
                 </a:gridCol>
@@ -12099,7 +13813,7 @@
                 </a:tc>
                 <a:extLst>
                   <a:ext uri="{0D108BD9-81ED-4DB2-BD59-A6C34878D82A}">
-                    <a16:rowId xmlns:a16="http://schemas.microsoft.com/office/drawing/2014/main" val="10000"/>
+                    <a16:rowId xmlns:a16="http://schemas.microsoft.com/office/drawing/2014/main" xmlns="" val="10000"/>
                   </a:ext>
                 </a:extLst>
               </a:tr>
@@ -12226,7 +13940,7 @@
                 </a:tc>
                 <a:extLst>
                   <a:ext uri="{0D108BD9-81ED-4DB2-BD59-A6C34878D82A}">
-                    <a16:rowId xmlns:a16="http://schemas.microsoft.com/office/drawing/2014/main" val="10001"/>
+                    <a16:rowId xmlns:a16="http://schemas.microsoft.com/office/drawing/2014/main" xmlns="" val="10001"/>
                   </a:ext>
                 </a:extLst>
               </a:tr>
@@ -12353,7 +14067,7 @@
                 </a:tc>
                 <a:extLst>
                   <a:ext uri="{0D108BD9-81ED-4DB2-BD59-A6C34878D82A}">
-                    <a16:rowId xmlns:a16="http://schemas.microsoft.com/office/drawing/2014/main" val="10002"/>
+                    <a16:rowId xmlns:a16="http://schemas.microsoft.com/office/drawing/2014/main" xmlns="" val="10002"/>
                   </a:ext>
                 </a:extLst>
               </a:tr>
@@ -12498,7 +14212,7 @@
                 </a:tc>
                 <a:extLst>
                   <a:ext uri="{0D108BD9-81ED-4DB2-BD59-A6C34878D82A}">
-                    <a16:rowId xmlns:a16="http://schemas.microsoft.com/office/drawing/2014/main" val="10003"/>
+                    <a16:rowId xmlns:a16="http://schemas.microsoft.com/office/drawing/2014/main" xmlns="" val="10003"/>
                   </a:ext>
                 </a:extLst>
               </a:tr>
@@ -12516,6 +14230,13 @@
   <p:clrMapOvr>
     <a:overrideClrMapping bg1="dk1" tx1="lt1" bg2="dk2" tx2="lt2" accent1="accent1" accent2="accent2" accent3="accent3" accent4="accent4" accent5="accent5" accent6="accent6" hlink="hlink" folHlink="folHlink"/>
   </p:clrMapOvr>
+  <p:timing>
+    <p:tnLst>
+      <p:par>
+        <p:cTn id="1" dur="indefinite" restart="never" nodeType="tmRoot"/>
+      </p:par>
+    </p:tnLst>
+  </p:timing>
 </p:sld>
 </file>
 
@@ -12549,10 +14270,10 @@
           <p:cNvPr id="21" name="Rectangle 20">
             <a:extLst>
               <a:ext uri="{FF2B5EF4-FFF2-40B4-BE49-F238E27FC236}">
-                <a16:creationId xmlns:a16="http://schemas.microsoft.com/office/drawing/2014/main" id="{99CAC3B1-4879-424D-8F15-206277196159}"/>
+                <a16:creationId xmlns:a16="http://schemas.microsoft.com/office/drawing/2014/main" xmlns="" id="{99CAC3B1-4879-424D-8F15-206277196159}"/>
               </a:ext>
               <a:ext uri="{C183D7F6-B498-43B3-948B-1728B52AA6E4}">
-                <adec:decorative xmlns:adec="http://schemas.microsoft.com/office/drawing/2017/decorative" val="1"/>
+                <adec:decorative xmlns:adec="http://schemas.microsoft.com/office/drawing/2017/decorative" xmlns="" val="1"/>
               </a:ext>
             </a:extLst>
           </p:cNvPr>
@@ -12562,7 +14283,7 @@
           <p:nvPr>
             <p:extLst>
               <p:ext uri="{386F3935-93C4-4BCD-93E2-E3B085C9AB24}">
-                <p16:designElem xmlns:p16="http://schemas.microsoft.com/office/powerpoint/2015/main" val="1"/>
+                <p16:designElem xmlns:p16="http://schemas.microsoft.com/office/powerpoint/2015/main" xmlns="" val="1"/>
               </p:ext>
             </p:extLst>
           </p:nvPr>
@@ -12609,10 +14330,10 @@
           <p:cNvPr id="23" name="Group 22">
             <a:extLst>
               <a:ext uri="{FF2B5EF4-FFF2-40B4-BE49-F238E27FC236}">
-                <a16:creationId xmlns:a16="http://schemas.microsoft.com/office/drawing/2014/main" id="{4B8492CB-DFBA-4A82-9778-F21493DA36C1}"/>
+                <a16:creationId xmlns:a16="http://schemas.microsoft.com/office/drawing/2014/main" xmlns="" id="{4B8492CB-DFBA-4A82-9778-F21493DA36C1}"/>
               </a:ext>
               <a:ext uri="{C183D7F6-B498-43B3-948B-1728B52AA6E4}">
-                <adec:decorative xmlns:adec="http://schemas.microsoft.com/office/drawing/2017/decorative" val="1"/>
+                <adec:decorative xmlns:adec="http://schemas.microsoft.com/office/drawing/2017/decorative" xmlns="" val="1"/>
               </a:ext>
             </a:extLst>
           </p:cNvPr>
@@ -12622,7 +14343,7 @@
           <p:nvPr>
             <p:extLst>
               <p:ext uri="{386F3935-93C4-4BCD-93E2-E3B085C9AB24}">
-                <p16:designElem xmlns:p16="http://schemas.microsoft.com/office/powerpoint/2015/main" val="1"/>
+                <p16:designElem xmlns:p16="http://schemas.microsoft.com/office/powerpoint/2015/main" xmlns="" val="1"/>
               </p:ext>
             </p:extLst>
           </p:nvPr>
@@ -12640,10 +14361,10 @@
             <p:cNvPr id="24" name="Freeform 6">
               <a:extLst>
                 <a:ext uri="{FF2B5EF4-FFF2-40B4-BE49-F238E27FC236}">
-                  <a16:creationId xmlns:a16="http://schemas.microsoft.com/office/drawing/2014/main" id="{E34CC1C8-EBDD-4AEA-83E6-B27575B62E2E}"/>
+                  <a16:creationId xmlns:a16="http://schemas.microsoft.com/office/drawing/2014/main" xmlns="" id="{E34CC1C8-EBDD-4AEA-83E6-B27575B62E2E}"/>
                 </a:ext>
                 <a:ext uri="{C183D7F6-B498-43B3-948B-1728B52AA6E4}">
-                  <adec:decorative xmlns:adec="http://schemas.microsoft.com/office/drawing/2017/decorative" val="1"/>
+                  <adec:decorative xmlns:adec="http://schemas.microsoft.com/office/drawing/2017/decorative" xmlns="" val="1"/>
                 </a:ext>
               </a:extLst>
             </p:cNvPr>
@@ -12651,7 +14372,7 @@
             <p:nvPr>
               <p:extLst>
                 <p:ext uri="{386F3935-93C4-4BCD-93E2-E3B085C9AB24}">
-                  <p16:designElem xmlns:p16="http://schemas.microsoft.com/office/powerpoint/2015/main" val="1"/>
+                  <p16:designElem xmlns:p16="http://schemas.microsoft.com/office/powerpoint/2015/main" xmlns="" val="1"/>
                 </p:ext>
               </p:extLst>
             </p:nvPr>
@@ -12701,10 +14422,10 @@
             <p:cNvPr id="25" name="Freeform 7">
               <a:extLst>
                 <a:ext uri="{FF2B5EF4-FFF2-40B4-BE49-F238E27FC236}">
-                  <a16:creationId xmlns:a16="http://schemas.microsoft.com/office/drawing/2014/main" id="{D6B38644-B85D-4211-9526-5B4C2A662BF7}"/>
+                  <a16:creationId xmlns:a16="http://schemas.microsoft.com/office/drawing/2014/main" xmlns="" id="{D6B38644-B85D-4211-9526-5B4C2A662BF7}"/>
                 </a:ext>
                 <a:ext uri="{C183D7F6-B498-43B3-948B-1728B52AA6E4}">
-                  <adec:decorative xmlns:adec="http://schemas.microsoft.com/office/drawing/2017/decorative" val="1"/>
+                  <adec:decorative xmlns:adec="http://schemas.microsoft.com/office/drawing/2017/decorative" xmlns="" val="1"/>
                 </a:ext>
               </a:extLst>
             </p:cNvPr>
@@ -12712,7 +14433,7 @@
             <p:nvPr>
               <p:extLst>
                 <p:ext uri="{386F3935-93C4-4BCD-93E2-E3B085C9AB24}">
-                  <p16:designElem xmlns:p16="http://schemas.microsoft.com/office/powerpoint/2015/main" val="1"/>
+                  <p16:designElem xmlns:p16="http://schemas.microsoft.com/office/powerpoint/2015/main" xmlns="" val="1"/>
                 </p:ext>
               </p:extLst>
             </p:nvPr>
@@ -12765,10 +14486,10 @@
             <p:cNvPr id="26" name="Freeform 12">
               <a:extLst>
                 <a:ext uri="{FF2B5EF4-FFF2-40B4-BE49-F238E27FC236}">
-                  <a16:creationId xmlns:a16="http://schemas.microsoft.com/office/drawing/2014/main" id="{8A8B2820-6B8F-4C19-BFC5-D28EE44E54CB}"/>
+                  <a16:creationId xmlns:a16="http://schemas.microsoft.com/office/drawing/2014/main" xmlns="" id="{8A8B2820-6B8F-4C19-BFC5-D28EE44E54CB}"/>
                 </a:ext>
                 <a:ext uri="{C183D7F6-B498-43B3-948B-1728B52AA6E4}">
-                  <adec:decorative xmlns:adec="http://schemas.microsoft.com/office/drawing/2017/decorative" val="1"/>
+                  <adec:decorative xmlns:adec="http://schemas.microsoft.com/office/drawing/2017/decorative" xmlns="" val="1"/>
                 </a:ext>
               </a:extLst>
             </p:cNvPr>
@@ -12776,7 +14497,7 @@
             <p:nvPr>
               <p:extLst>
                 <p:ext uri="{386F3935-93C4-4BCD-93E2-E3B085C9AB24}">
-                  <p16:designElem xmlns:p16="http://schemas.microsoft.com/office/powerpoint/2015/main" val="1"/>
+                  <p16:designElem xmlns:p16="http://schemas.microsoft.com/office/powerpoint/2015/main" xmlns="" val="1"/>
                 </p:ext>
               </p:extLst>
             </p:nvPr>
@@ -12823,10 +14544,10 @@
             <p:cNvPr id="27" name="Freeform 13">
               <a:extLst>
                 <a:ext uri="{FF2B5EF4-FFF2-40B4-BE49-F238E27FC236}">
-                  <a16:creationId xmlns:a16="http://schemas.microsoft.com/office/drawing/2014/main" id="{773528ED-4D37-4A77-A8CA-86B6221C5E82}"/>
+                  <a16:creationId xmlns:a16="http://schemas.microsoft.com/office/drawing/2014/main" xmlns="" id="{773528ED-4D37-4A77-A8CA-86B6221C5E82}"/>
                 </a:ext>
                 <a:ext uri="{C183D7F6-B498-43B3-948B-1728B52AA6E4}">
-                  <adec:decorative xmlns:adec="http://schemas.microsoft.com/office/drawing/2017/decorative" val="1"/>
+                  <adec:decorative xmlns:adec="http://schemas.microsoft.com/office/drawing/2017/decorative" xmlns="" val="1"/>
                 </a:ext>
               </a:extLst>
             </p:cNvPr>
@@ -12834,7 +14555,7 @@
             <p:nvPr>
               <p:extLst>
                 <p:ext uri="{386F3935-93C4-4BCD-93E2-E3B085C9AB24}">
-                  <p16:designElem xmlns:p16="http://schemas.microsoft.com/office/powerpoint/2015/main" val="1"/>
+                  <p16:designElem xmlns:p16="http://schemas.microsoft.com/office/powerpoint/2015/main" xmlns="" val="1"/>
                 </p:ext>
               </p:extLst>
             </p:nvPr>
@@ -12883,10 +14604,10 @@
             <p:cNvPr id="28" name="Freeform 14">
               <a:extLst>
                 <a:ext uri="{FF2B5EF4-FFF2-40B4-BE49-F238E27FC236}">
-                  <a16:creationId xmlns:a16="http://schemas.microsoft.com/office/drawing/2014/main" id="{8A58A902-E944-4399-9A93-A91A6A82B166}"/>
+                  <a16:creationId xmlns:a16="http://schemas.microsoft.com/office/drawing/2014/main" xmlns="" id="{8A58A902-E944-4399-9A93-A91A6A82B166}"/>
                 </a:ext>
                 <a:ext uri="{C183D7F6-B498-43B3-948B-1728B52AA6E4}">
-                  <adec:decorative xmlns:adec="http://schemas.microsoft.com/office/drawing/2017/decorative" val="1"/>
+                  <adec:decorative xmlns:adec="http://schemas.microsoft.com/office/drawing/2017/decorative" xmlns="" val="1"/>
                 </a:ext>
               </a:extLst>
             </p:cNvPr>
@@ -12894,7 +14615,7 @@
             <p:nvPr>
               <p:extLst>
                 <p:ext uri="{386F3935-93C4-4BCD-93E2-E3B085C9AB24}">
-                  <p16:designElem xmlns:p16="http://schemas.microsoft.com/office/powerpoint/2015/main" val="1"/>
+                  <p16:designElem xmlns:p16="http://schemas.microsoft.com/office/powerpoint/2015/main" xmlns="" val="1"/>
                 </p:ext>
               </p:extLst>
             </p:nvPr>
@@ -12949,10 +14670,10 @@
             <p:cNvPr id="29" name="Freeform 15">
               <a:extLst>
                 <a:ext uri="{FF2B5EF4-FFF2-40B4-BE49-F238E27FC236}">
-                  <a16:creationId xmlns:a16="http://schemas.microsoft.com/office/drawing/2014/main" id="{4EDB1155-2E8E-4FB8-AD42-101FE4383231}"/>
+                  <a16:creationId xmlns:a16="http://schemas.microsoft.com/office/drawing/2014/main" xmlns="" id="{4EDB1155-2E8E-4FB8-AD42-101FE4383231}"/>
                 </a:ext>
                 <a:ext uri="{C183D7F6-B498-43B3-948B-1728B52AA6E4}">
-                  <adec:decorative xmlns:adec="http://schemas.microsoft.com/office/drawing/2017/decorative" val="1"/>
+                  <adec:decorative xmlns:adec="http://schemas.microsoft.com/office/drawing/2017/decorative" xmlns="" val="1"/>
                 </a:ext>
               </a:extLst>
             </p:cNvPr>
@@ -12960,7 +14681,7 @@
             <p:nvPr>
               <p:extLst>
                 <p:ext uri="{386F3935-93C4-4BCD-93E2-E3B085C9AB24}">
-                  <p16:designElem xmlns:p16="http://schemas.microsoft.com/office/powerpoint/2015/main" val="1"/>
+                  <p16:designElem xmlns:p16="http://schemas.microsoft.com/office/powerpoint/2015/main" xmlns="" val="1"/>
                 </p:ext>
               </p:extLst>
             </p:nvPr>
@@ -13020,7 +14741,7 @@
           <p:cNvPr id="2" name="Title 1">
             <a:extLst>
               <a:ext uri="{FF2B5EF4-FFF2-40B4-BE49-F238E27FC236}">
-                <a16:creationId xmlns:a16="http://schemas.microsoft.com/office/drawing/2014/main" id="{C7492CCE-C435-464E-A19A-D4C606FDBE3D}"/>
+                <a16:creationId xmlns:a16="http://schemas.microsoft.com/office/drawing/2014/main" xmlns="" id="{C7492CCE-C435-464E-A19A-D4C606FDBE3D}"/>
               </a:ext>
             </a:extLst>
           </p:cNvPr>
@@ -13056,7 +14777,7 @@
           <p:cNvPr id="3" name="Content Placeholder 2">
             <a:extLst>
               <a:ext uri="{FF2B5EF4-FFF2-40B4-BE49-F238E27FC236}">
-                <a16:creationId xmlns:a16="http://schemas.microsoft.com/office/drawing/2014/main" id="{60DFF4FA-F598-4962-B6AB-31A8BE724E52}"/>
+                <a16:creationId xmlns:a16="http://schemas.microsoft.com/office/drawing/2014/main" xmlns="" id="{60DFF4FA-F598-4962-B6AB-31A8BE724E52}"/>
               </a:ext>
             </a:extLst>
           </p:cNvPr>
@@ -13123,6 +14844,13 @@
   <p:clrMapOvr>
     <a:overrideClrMapping bg1="dk1" tx1="lt1" bg2="dk2" tx2="lt2" accent1="accent1" accent2="accent2" accent3="accent3" accent4="accent4" accent5="accent5" accent6="accent6" hlink="hlink" folHlink="folHlink"/>
   </p:clrMapOvr>
+  <p:timing>
+    <p:tnLst>
+      <p:par>
+        <p:cTn id="1" dur="indefinite" restart="never" nodeType="tmRoot"/>
+      </p:par>
+    </p:tnLst>
+  </p:timing>
 </p:sld>
 </file>
 
@@ -13156,10 +14884,10 @@
           <p:cNvPr id="21" name="Rectangle 20">
             <a:extLst>
               <a:ext uri="{FF2B5EF4-FFF2-40B4-BE49-F238E27FC236}">
-                <a16:creationId xmlns:a16="http://schemas.microsoft.com/office/drawing/2014/main" id="{99CAC3B1-4879-424D-8F15-206277196159}"/>
+                <a16:creationId xmlns:a16="http://schemas.microsoft.com/office/drawing/2014/main" xmlns="" id="{99CAC3B1-4879-424D-8F15-206277196159}"/>
               </a:ext>
               <a:ext uri="{C183D7F6-B498-43B3-948B-1728B52AA6E4}">
-                <adec:decorative xmlns:adec="http://schemas.microsoft.com/office/drawing/2017/decorative" val="1"/>
+                <adec:decorative xmlns:adec="http://schemas.microsoft.com/office/drawing/2017/decorative" xmlns="" val="1"/>
               </a:ext>
             </a:extLst>
           </p:cNvPr>
@@ -13169,7 +14897,7 @@
           <p:nvPr>
             <p:extLst>
               <p:ext uri="{386F3935-93C4-4BCD-93E2-E3B085C9AB24}">
-                <p16:designElem xmlns:p16="http://schemas.microsoft.com/office/powerpoint/2015/main" val="1"/>
+                <p16:designElem xmlns:p16="http://schemas.microsoft.com/office/powerpoint/2015/main" xmlns="" val="1"/>
               </p:ext>
             </p:extLst>
           </p:nvPr>
@@ -13216,10 +14944,10 @@
           <p:cNvPr id="23" name="Group 22">
             <a:extLst>
               <a:ext uri="{FF2B5EF4-FFF2-40B4-BE49-F238E27FC236}">
-                <a16:creationId xmlns:a16="http://schemas.microsoft.com/office/drawing/2014/main" id="{4B8492CB-DFBA-4A82-9778-F21493DA36C1}"/>
+                <a16:creationId xmlns:a16="http://schemas.microsoft.com/office/drawing/2014/main" xmlns="" id="{4B8492CB-DFBA-4A82-9778-F21493DA36C1}"/>
               </a:ext>
               <a:ext uri="{C183D7F6-B498-43B3-948B-1728B52AA6E4}">
-                <adec:decorative xmlns:adec="http://schemas.microsoft.com/office/drawing/2017/decorative" val="1"/>
+                <adec:decorative xmlns:adec="http://schemas.microsoft.com/office/drawing/2017/decorative" xmlns="" val="1"/>
               </a:ext>
             </a:extLst>
           </p:cNvPr>
@@ -13229,7 +14957,7 @@
           <p:nvPr>
             <p:extLst>
               <p:ext uri="{386F3935-93C4-4BCD-93E2-E3B085C9AB24}">
-                <p16:designElem xmlns:p16="http://schemas.microsoft.com/office/powerpoint/2015/main" val="1"/>
+                <p16:designElem xmlns:p16="http://schemas.microsoft.com/office/powerpoint/2015/main" xmlns="" val="1"/>
               </p:ext>
             </p:extLst>
           </p:nvPr>
@@ -13247,10 +14975,10 @@
             <p:cNvPr id="24" name="Freeform 6">
               <a:extLst>
                 <a:ext uri="{FF2B5EF4-FFF2-40B4-BE49-F238E27FC236}">
-                  <a16:creationId xmlns:a16="http://schemas.microsoft.com/office/drawing/2014/main" id="{E34CC1C8-EBDD-4AEA-83E6-B27575B62E2E}"/>
+                  <a16:creationId xmlns:a16="http://schemas.microsoft.com/office/drawing/2014/main" xmlns="" id="{E34CC1C8-EBDD-4AEA-83E6-B27575B62E2E}"/>
                 </a:ext>
                 <a:ext uri="{C183D7F6-B498-43B3-948B-1728B52AA6E4}">
-                  <adec:decorative xmlns:adec="http://schemas.microsoft.com/office/drawing/2017/decorative" val="1"/>
+                  <adec:decorative xmlns:adec="http://schemas.microsoft.com/office/drawing/2017/decorative" xmlns="" val="1"/>
                 </a:ext>
               </a:extLst>
             </p:cNvPr>
@@ -13258,7 +14986,7 @@
             <p:nvPr>
               <p:extLst>
                 <p:ext uri="{386F3935-93C4-4BCD-93E2-E3B085C9AB24}">
-                  <p16:designElem xmlns:p16="http://schemas.microsoft.com/office/powerpoint/2015/main" val="1"/>
+                  <p16:designElem xmlns:p16="http://schemas.microsoft.com/office/powerpoint/2015/main" xmlns="" val="1"/>
                 </p:ext>
               </p:extLst>
             </p:nvPr>
@@ -13308,10 +15036,10 @@
             <p:cNvPr id="25" name="Freeform 7">
               <a:extLst>
                 <a:ext uri="{FF2B5EF4-FFF2-40B4-BE49-F238E27FC236}">
-                  <a16:creationId xmlns:a16="http://schemas.microsoft.com/office/drawing/2014/main" id="{D6B38644-B85D-4211-9526-5B4C2A662BF7}"/>
+                  <a16:creationId xmlns:a16="http://schemas.microsoft.com/office/drawing/2014/main" xmlns="" id="{D6B38644-B85D-4211-9526-5B4C2A662BF7}"/>
                 </a:ext>
                 <a:ext uri="{C183D7F6-B498-43B3-948B-1728B52AA6E4}">
-                  <adec:decorative xmlns:adec="http://schemas.microsoft.com/office/drawing/2017/decorative" val="1"/>
+                  <adec:decorative xmlns:adec="http://schemas.microsoft.com/office/drawing/2017/decorative" xmlns="" val="1"/>
                 </a:ext>
               </a:extLst>
             </p:cNvPr>
@@ -13319,7 +15047,7 @@
             <p:nvPr>
               <p:extLst>
                 <p:ext uri="{386F3935-93C4-4BCD-93E2-E3B085C9AB24}">
-                  <p16:designElem xmlns:p16="http://schemas.microsoft.com/office/powerpoint/2015/main" val="1"/>
+                  <p16:designElem xmlns:p16="http://schemas.microsoft.com/office/powerpoint/2015/main" xmlns="" val="1"/>
                 </p:ext>
               </p:extLst>
             </p:nvPr>
@@ -13372,10 +15100,10 @@
             <p:cNvPr id="26" name="Freeform 12">
               <a:extLst>
                 <a:ext uri="{FF2B5EF4-FFF2-40B4-BE49-F238E27FC236}">
-                  <a16:creationId xmlns:a16="http://schemas.microsoft.com/office/drawing/2014/main" id="{8A8B2820-6B8F-4C19-BFC5-D28EE44E54CB}"/>
+                  <a16:creationId xmlns:a16="http://schemas.microsoft.com/office/drawing/2014/main" xmlns="" id="{8A8B2820-6B8F-4C19-BFC5-D28EE44E54CB}"/>
                 </a:ext>
                 <a:ext uri="{C183D7F6-B498-43B3-948B-1728B52AA6E4}">
-                  <adec:decorative xmlns:adec="http://schemas.microsoft.com/office/drawing/2017/decorative" val="1"/>
+                  <adec:decorative xmlns:adec="http://schemas.microsoft.com/office/drawing/2017/decorative" xmlns="" val="1"/>
                 </a:ext>
               </a:extLst>
             </p:cNvPr>
@@ -13383,7 +15111,7 @@
             <p:nvPr>
               <p:extLst>
                 <p:ext uri="{386F3935-93C4-4BCD-93E2-E3B085C9AB24}">
-                  <p16:designElem xmlns:p16="http://schemas.microsoft.com/office/powerpoint/2015/main" val="1"/>
+                  <p16:designElem xmlns:p16="http://schemas.microsoft.com/office/powerpoint/2015/main" xmlns="" val="1"/>
                 </p:ext>
               </p:extLst>
             </p:nvPr>
@@ -13430,10 +15158,10 @@
             <p:cNvPr id="27" name="Freeform 13">
               <a:extLst>
                 <a:ext uri="{FF2B5EF4-FFF2-40B4-BE49-F238E27FC236}">
-                  <a16:creationId xmlns:a16="http://schemas.microsoft.com/office/drawing/2014/main" id="{773528ED-4D37-4A77-A8CA-86B6221C5E82}"/>
+                  <a16:creationId xmlns:a16="http://schemas.microsoft.com/office/drawing/2014/main" xmlns="" id="{773528ED-4D37-4A77-A8CA-86B6221C5E82}"/>
                 </a:ext>
                 <a:ext uri="{C183D7F6-B498-43B3-948B-1728B52AA6E4}">
-                  <adec:decorative xmlns:adec="http://schemas.microsoft.com/office/drawing/2017/decorative" val="1"/>
+                  <adec:decorative xmlns:adec="http://schemas.microsoft.com/office/drawing/2017/decorative" xmlns="" val="1"/>
                 </a:ext>
               </a:extLst>
             </p:cNvPr>
@@ -13441,7 +15169,7 @@
             <p:nvPr>
               <p:extLst>
                 <p:ext uri="{386F3935-93C4-4BCD-93E2-E3B085C9AB24}">
-                  <p16:designElem xmlns:p16="http://schemas.microsoft.com/office/powerpoint/2015/main" val="1"/>
+                  <p16:designElem xmlns:p16="http://schemas.microsoft.com/office/powerpoint/2015/main" xmlns="" val="1"/>
                 </p:ext>
               </p:extLst>
             </p:nvPr>
@@ -13490,10 +15218,10 @@
             <p:cNvPr id="28" name="Freeform 14">
               <a:extLst>
                 <a:ext uri="{FF2B5EF4-FFF2-40B4-BE49-F238E27FC236}">
-                  <a16:creationId xmlns:a16="http://schemas.microsoft.com/office/drawing/2014/main" id="{8A58A902-E944-4399-9A93-A91A6A82B166}"/>
+                  <a16:creationId xmlns:a16="http://schemas.microsoft.com/office/drawing/2014/main" xmlns="" id="{8A58A902-E944-4399-9A93-A91A6A82B166}"/>
                 </a:ext>
                 <a:ext uri="{C183D7F6-B498-43B3-948B-1728B52AA6E4}">
-                  <adec:decorative xmlns:adec="http://schemas.microsoft.com/office/drawing/2017/decorative" val="1"/>
+                  <adec:decorative xmlns:adec="http://schemas.microsoft.com/office/drawing/2017/decorative" xmlns="" val="1"/>
                 </a:ext>
               </a:extLst>
             </p:cNvPr>
@@ -13501,7 +15229,7 @@
             <p:nvPr>
               <p:extLst>
                 <p:ext uri="{386F3935-93C4-4BCD-93E2-E3B085C9AB24}">
-                  <p16:designElem xmlns:p16="http://schemas.microsoft.com/office/powerpoint/2015/main" val="1"/>
+                  <p16:designElem xmlns:p16="http://schemas.microsoft.com/office/powerpoint/2015/main" xmlns="" val="1"/>
                 </p:ext>
               </p:extLst>
             </p:nvPr>
@@ -13556,10 +15284,10 @@
             <p:cNvPr id="29" name="Freeform 15">
               <a:extLst>
                 <a:ext uri="{FF2B5EF4-FFF2-40B4-BE49-F238E27FC236}">
-                  <a16:creationId xmlns:a16="http://schemas.microsoft.com/office/drawing/2014/main" id="{4EDB1155-2E8E-4FB8-AD42-101FE4383231}"/>
+                  <a16:creationId xmlns:a16="http://schemas.microsoft.com/office/drawing/2014/main" xmlns="" id="{4EDB1155-2E8E-4FB8-AD42-101FE4383231}"/>
                 </a:ext>
                 <a:ext uri="{C183D7F6-B498-43B3-948B-1728B52AA6E4}">
-                  <adec:decorative xmlns:adec="http://schemas.microsoft.com/office/drawing/2017/decorative" val="1"/>
+                  <adec:decorative xmlns:adec="http://schemas.microsoft.com/office/drawing/2017/decorative" xmlns="" val="1"/>
                 </a:ext>
               </a:extLst>
             </p:cNvPr>
@@ -13567,7 +15295,7 @@
             <p:nvPr>
               <p:extLst>
                 <p:ext uri="{386F3935-93C4-4BCD-93E2-E3B085C9AB24}">
-                  <p16:designElem xmlns:p16="http://schemas.microsoft.com/office/powerpoint/2015/main" val="1"/>
+                  <p16:designElem xmlns:p16="http://schemas.microsoft.com/office/powerpoint/2015/main" xmlns="" val="1"/>
                 </p:ext>
               </p:extLst>
             </p:nvPr>
@@ -13627,7 +15355,7 @@
           <p:cNvPr id="2" name="Title 1">
             <a:extLst>
               <a:ext uri="{FF2B5EF4-FFF2-40B4-BE49-F238E27FC236}">
-                <a16:creationId xmlns:a16="http://schemas.microsoft.com/office/drawing/2014/main" id="{C7492CCE-C435-464E-A19A-D4C606FDBE3D}"/>
+                <a16:creationId xmlns:a16="http://schemas.microsoft.com/office/drawing/2014/main" xmlns="" id="{C7492CCE-C435-464E-A19A-D4C606FDBE3D}"/>
               </a:ext>
             </a:extLst>
           </p:cNvPr>
@@ -13663,7 +15391,7 @@
           <p:cNvPr id="3" name="Content Placeholder 2">
             <a:extLst>
               <a:ext uri="{FF2B5EF4-FFF2-40B4-BE49-F238E27FC236}">
-                <a16:creationId xmlns:a16="http://schemas.microsoft.com/office/drawing/2014/main" id="{60DFF4FA-F598-4962-B6AB-31A8BE724E52}"/>
+                <a16:creationId xmlns:a16="http://schemas.microsoft.com/office/drawing/2014/main" xmlns="" id="{60DFF4FA-F598-4962-B6AB-31A8BE724E52}"/>
               </a:ext>
             </a:extLst>
           </p:cNvPr>
@@ -13734,6 +15462,13 @@
   <p:clrMapOvr>
     <a:overrideClrMapping bg1="dk1" tx1="lt1" bg2="dk2" tx2="lt2" accent1="accent1" accent2="accent2" accent3="accent3" accent4="accent4" accent5="accent5" accent6="accent6" hlink="hlink" folHlink="folHlink"/>
   </p:clrMapOvr>
+  <p:timing>
+    <p:tnLst>
+      <p:par>
+        <p:cTn id="1" dur="indefinite" restart="never" nodeType="tmRoot"/>
+      </p:par>
+    </p:tnLst>
+  </p:timing>
 </p:sld>
 </file>
 
@@ -13767,10 +15502,10 @@
           <p:cNvPr id="21" name="Rectangle 20">
             <a:extLst>
               <a:ext uri="{FF2B5EF4-FFF2-40B4-BE49-F238E27FC236}">
-                <a16:creationId xmlns:a16="http://schemas.microsoft.com/office/drawing/2014/main" id="{99CAC3B1-4879-424D-8F15-206277196159}"/>
+                <a16:creationId xmlns:a16="http://schemas.microsoft.com/office/drawing/2014/main" xmlns="" id="{99CAC3B1-4879-424D-8F15-206277196159}"/>
               </a:ext>
               <a:ext uri="{C183D7F6-B498-43B3-948B-1728B52AA6E4}">
-                <adec:decorative xmlns:adec="http://schemas.microsoft.com/office/drawing/2017/decorative" val="1"/>
+                <adec:decorative xmlns:adec="http://schemas.microsoft.com/office/drawing/2017/decorative" xmlns="" val="1"/>
               </a:ext>
             </a:extLst>
           </p:cNvPr>
@@ -13780,7 +15515,7 @@
           <p:nvPr>
             <p:extLst>
               <p:ext uri="{386F3935-93C4-4BCD-93E2-E3B085C9AB24}">
-                <p16:designElem xmlns:p16="http://schemas.microsoft.com/office/powerpoint/2015/main" val="1"/>
+                <p16:designElem xmlns:p16="http://schemas.microsoft.com/office/powerpoint/2015/main" xmlns="" val="1"/>
               </p:ext>
             </p:extLst>
           </p:nvPr>
@@ -13827,10 +15562,10 @@
           <p:cNvPr id="23" name="Group 22">
             <a:extLst>
               <a:ext uri="{FF2B5EF4-FFF2-40B4-BE49-F238E27FC236}">
-                <a16:creationId xmlns:a16="http://schemas.microsoft.com/office/drawing/2014/main" id="{4B8492CB-DFBA-4A82-9778-F21493DA36C1}"/>
+                <a16:creationId xmlns:a16="http://schemas.microsoft.com/office/drawing/2014/main" xmlns="" id="{4B8492CB-DFBA-4A82-9778-F21493DA36C1}"/>
               </a:ext>
               <a:ext uri="{C183D7F6-B498-43B3-948B-1728B52AA6E4}">
-                <adec:decorative xmlns:adec="http://schemas.microsoft.com/office/drawing/2017/decorative" val="1"/>
+                <adec:decorative xmlns:adec="http://schemas.microsoft.com/office/drawing/2017/decorative" xmlns="" val="1"/>
               </a:ext>
             </a:extLst>
           </p:cNvPr>
@@ -13840,7 +15575,7 @@
           <p:nvPr>
             <p:extLst>
               <p:ext uri="{386F3935-93C4-4BCD-93E2-E3B085C9AB24}">
-                <p16:designElem xmlns:p16="http://schemas.microsoft.com/office/powerpoint/2015/main" val="1"/>
+                <p16:designElem xmlns:p16="http://schemas.microsoft.com/office/powerpoint/2015/main" xmlns="" val="1"/>
               </p:ext>
             </p:extLst>
           </p:nvPr>
@@ -13858,10 +15593,10 @@
             <p:cNvPr id="24" name="Freeform 6">
               <a:extLst>
                 <a:ext uri="{FF2B5EF4-FFF2-40B4-BE49-F238E27FC236}">
-                  <a16:creationId xmlns:a16="http://schemas.microsoft.com/office/drawing/2014/main" id="{E34CC1C8-EBDD-4AEA-83E6-B27575B62E2E}"/>
+                  <a16:creationId xmlns:a16="http://schemas.microsoft.com/office/drawing/2014/main" xmlns="" id="{E34CC1C8-EBDD-4AEA-83E6-B27575B62E2E}"/>
                 </a:ext>
                 <a:ext uri="{C183D7F6-B498-43B3-948B-1728B52AA6E4}">
-                  <adec:decorative xmlns:adec="http://schemas.microsoft.com/office/drawing/2017/decorative" val="1"/>
+                  <adec:decorative xmlns:adec="http://schemas.microsoft.com/office/drawing/2017/decorative" xmlns="" val="1"/>
                 </a:ext>
               </a:extLst>
             </p:cNvPr>
@@ -13869,7 +15604,7 @@
             <p:nvPr>
               <p:extLst>
                 <p:ext uri="{386F3935-93C4-4BCD-93E2-E3B085C9AB24}">
-                  <p16:designElem xmlns:p16="http://schemas.microsoft.com/office/powerpoint/2015/main" val="1"/>
+                  <p16:designElem xmlns:p16="http://schemas.microsoft.com/office/powerpoint/2015/main" xmlns="" val="1"/>
                 </p:ext>
               </p:extLst>
             </p:nvPr>
@@ -13919,10 +15654,10 @@
             <p:cNvPr id="25" name="Freeform 7">
               <a:extLst>
                 <a:ext uri="{FF2B5EF4-FFF2-40B4-BE49-F238E27FC236}">
-                  <a16:creationId xmlns:a16="http://schemas.microsoft.com/office/drawing/2014/main" id="{D6B38644-B85D-4211-9526-5B4C2A662BF7}"/>
+                  <a16:creationId xmlns:a16="http://schemas.microsoft.com/office/drawing/2014/main" xmlns="" id="{D6B38644-B85D-4211-9526-5B4C2A662BF7}"/>
                 </a:ext>
                 <a:ext uri="{C183D7F6-B498-43B3-948B-1728B52AA6E4}">
-                  <adec:decorative xmlns:adec="http://schemas.microsoft.com/office/drawing/2017/decorative" val="1"/>
+                  <adec:decorative xmlns:adec="http://schemas.microsoft.com/office/drawing/2017/decorative" xmlns="" val="1"/>
                 </a:ext>
               </a:extLst>
             </p:cNvPr>
@@ -13930,7 +15665,7 @@
             <p:nvPr>
               <p:extLst>
                 <p:ext uri="{386F3935-93C4-4BCD-93E2-E3B085C9AB24}">
-                  <p16:designElem xmlns:p16="http://schemas.microsoft.com/office/powerpoint/2015/main" val="1"/>
+                  <p16:designElem xmlns:p16="http://schemas.microsoft.com/office/powerpoint/2015/main" xmlns="" val="1"/>
                 </p:ext>
               </p:extLst>
             </p:nvPr>
@@ -13983,10 +15718,10 @@
             <p:cNvPr id="26" name="Freeform 12">
               <a:extLst>
                 <a:ext uri="{FF2B5EF4-FFF2-40B4-BE49-F238E27FC236}">
-                  <a16:creationId xmlns:a16="http://schemas.microsoft.com/office/drawing/2014/main" id="{8A8B2820-6B8F-4C19-BFC5-D28EE44E54CB}"/>
+                  <a16:creationId xmlns:a16="http://schemas.microsoft.com/office/drawing/2014/main" xmlns="" id="{8A8B2820-6B8F-4C19-BFC5-D28EE44E54CB}"/>
                 </a:ext>
                 <a:ext uri="{C183D7F6-B498-43B3-948B-1728B52AA6E4}">
-                  <adec:decorative xmlns:adec="http://schemas.microsoft.com/office/drawing/2017/decorative" val="1"/>
+                  <adec:decorative xmlns:adec="http://schemas.microsoft.com/office/drawing/2017/decorative" xmlns="" val="1"/>
                 </a:ext>
               </a:extLst>
             </p:cNvPr>
@@ -13994,7 +15729,7 @@
             <p:nvPr>
               <p:extLst>
                 <p:ext uri="{386F3935-93C4-4BCD-93E2-E3B085C9AB24}">
-                  <p16:designElem xmlns:p16="http://schemas.microsoft.com/office/powerpoint/2015/main" val="1"/>
+                  <p16:designElem xmlns:p16="http://schemas.microsoft.com/office/powerpoint/2015/main" xmlns="" val="1"/>
                 </p:ext>
               </p:extLst>
             </p:nvPr>
@@ -14041,10 +15776,10 @@
             <p:cNvPr id="27" name="Freeform 13">
               <a:extLst>
                 <a:ext uri="{FF2B5EF4-FFF2-40B4-BE49-F238E27FC236}">
-                  <a16:creationId xmlns:a16="http://schemas.microsoft.com/office/drawing/2014/main" id="{773528ED-4D37-4A77-A8CA-86B6221C5E82}"/>
+                  <a16:creationId xmlns:a16="http://schemas.microsoft.com/office/drawing/2014/main" xmlns="" id="{773528ED-4D37-4A77-A8CA-86B6221C5E82}"/>
                 </a:ext>
                 <a:ext uri="{C183D7F6-B498-43B3-948B-1728B52AA6E4}">
-                  <adec:decorative xmlns:adec="http://schemas.microsoft.com/office/drawing/2017/decorative" val="1"/>
+                  <adec:decorative xmlns:adec="http://schemas.microsoft.com/office/drawing/2017/decorative" xmlns="" val="1"/>
                 </a:ext>
               </a:extLst>
             </p:cNvPr>
@@ -14052,7 +15787,7 @@
             <p:nvPr>
               <p:extLst>
                 <p:ext uri="{386F3935-93C4-4BCD-93E2-E3B085C9AB24}">
-                  <p16:designElem xmlns:p16="http://schemas.microsoft.com/office/powerpoint/2015/main" val="1"/>
+                  <p16:designElem xmlns:p16="http://schemas.microsoft.com/office/powerpoint/2015/main" xmlns="" val="1"/>
                 </p:ext>
               </p:extLst>
             </p:nvPr>
@@ -14101,10 +15836,10 @@
             <p:cNvPr id="28" name="Freeform 14">
               <a:extLst>
                 <a:ext uri="{FF2B5EF4-FFF2-40B4-BE49-F238E27FC236}">
-                  <a16:creationId xmlns:a16="http://schemas.microsoft.com/office/drawing/2014/main" id="{8A58A902-E944-4399-9A93-A91A6A82B166}"/>
+                  <a16:creationId xmlns:a16="http://schemas.microsoft.com/office/drawing/2014/main" xmlns="" id="{8A58A902-E944-4399-9A93-A91A6A82B166}"/>
                 </a:ext>
                 <a:ext uri="{C183D7F6-B498-43B3-948B-1728B52AA6E4}">
-                  <adec:decorative xmlns:adec="http://schemas.microsoft.com/office/drawing/2017/decorative" val="1"/>
+                  <adec:decorative xmlns:adec="http://schemas.microsoft.com/office/drawing/2017/decorative" xmlns="" val="1"/>
                 </a:ext>
               </a:extLst>
             </p:cNvPr>
@@ -14112,7 +15847,7 @@
             <p:nvPr>
               <p:extLst>
                 <p:ext uri="{386F3935-93C4-4BCD-93E2-E3B085C9AB24}">
-                  <p16:designElem xmlns:p16="http://schemas.microsoft.com/office/powerpoint/2015/main" val="1"/>
+                  <p16:designElem xmlns:p16="http://schemas.microsoft.com/office/powerpoint/2015/main" xmlns="" val="1"/>
                 </p:ext>
               </p:extLst>
             </p:nvPr>
@@ -14167,10 +15902,10 @@
             <p:cNvPr id="29" name="Freeform 15">
               <a:extLst>
                 <a:ext uri="{FF2B5EF4-FFF2-40B4-BE49-F238E27FC236}">
-                  <a16:creationId xmlns:a16="http://schemas.microsoft.com/office/drawing/2014/main" id="{4EDB1155-2E8E-4FB8-AD42-101FE4383231}"/>
+                  <a16:creationId xmlns:a16="http://schemas.microsoft.com/office/drawing/2014/main" xmlns="" id="{4EDB1155-2E8E-4FB8-AD42-101FE4383231}"/>
                 </a:ext>
                 <a:ext uri="{C183D7F6-B498-43B3-948B-1728B52AA6E4}">
-                  <adec:decorative xmlns:adec="http://schemas.microsoft.com/office/drawing/2017/decorative" val="1"/>
+                  <adec:decorative xmlns:adec="http://schemas.microsoft.com/office/drawing/2017/decorative" xmlns="" val="1"/>
                 </a:ext>
               </a:extLst>
             </p:cNvPr>
@@ -14178,7 +15913,7 @@
             <p:nvPr>
               <p:extLst>
                 <p:ext uri="{386F3935-93C4-4BCD-93E2-E3B085C9AB24}">
-                  <p16:designElem xmlns:p16="http://schemas.microsoft.com/office/powerpoint/2015/main" val="1"/>
+                  <p16:designElem xmlns:p16="http://schemas.microsoft.com/office/powerpoint/2015/main" xmlns="" val="1"/>
                 </p:ext>
               </p:extLst>
             </p:nvPr>
@@ -14238,7 +15973,7 @@
           <p:cNvPr id="2" name="Title 1">
             <a:extLst>
               <a:ext uri="{FF2B5EF4-FFF2-40B4-BE49-F238E27FC236}">
-                <a16:creationId xmlns:a16="http://schemas.microsoft.com/office/drawing/2014/main" id="{C7492CCE-C435-464E-A19A-D4C606FDBE3D}"/>
+                <a16:creationId xmlns:a16="http://schemas.microsoft.com/office/drawing/2014/main" xmlns="" id="{C7492CCE-C435-464E-A19A-D4C606FDBE3D}"/>
               </a:ext>
             </a:extLst>
           </p:cNvPr>
@@ -14274,7 +16009,7 @@
           <p:cNvPr id="3" name="Content Placeholder 2">
             <a:extLst>
               <a:ext uri="{FF2B5EF4-FFF2-40B4-BE49-F238E27FC236}">
-                <a16:creationId xmlns:a16="http://schemas.microsoft.com/office/drawing/2014/main" id="{60DFF4FA-F598-4962-B6AB-31A8BE724E52}"/>
+                <a16:creationId xmlns:a16="http://schemas.microsoft.com/office/drawing/2014/main" xmlns="" id="{60DFF4FA-F598-4962-B6AB-31A8BE724E52}"/>
               </a:ext>
             </a:extLst>
           </p:cNvPr>
@@ -14327,7 +16062,7 @@
           <p:cNvPr id="5" name="TextBox 4">
             <a:extLst>
               <a:ext uri="{FF2B5EF4-FFF2-40B4-BE49-F238E27FC236}">
-                <a16:creationId xmlns:a16="http://schemas.microsoft.com/office/drawing/2014/main" id="{466A409B-90E2-4ACB-8A16-0329B5CEE6DF}"/>
+                <a16:creationId xmlns:a16="http://schemas.microsoft.com/office/drawing/2014/main" xmlns="" id="{466A409B-90E2-4ACB-8A16-0329B5CEE6DF}"/>
               </a:ext>
             </a:extLst>
           </p:cNvPr>
@@ -14374,7 +16109,7 @@
           <p:cNvPr id="7" name="Straight Arrow Connector 6">
             <a:extLst>
               <a:ext uri="{FF2B5EF4-FFF2-40B4-BE49-F238E27FC236}">
-                <a16:creationId xmlns:a16="http://schemas.microsoft.com/office/drawing/2014/main" id="{6C986E87-252D-4CDD-90A3-050A5080DF44}"/>
+                <a16:creationId xmlns:a16="http://schemas.microsoft.com/office/drawing/2014/main" xmlns="" id="{6C986E87-252D-4CDD-90A3-050A5080DF44}"/>
               </a:ext>
             </a:extLst>
           </p:cNvPr>
@@ -14415,7 +16150,7 @@
           <p:cNvPr id="17" name="Straight Arrow Connector 16">
             <a:extLst>
               <a:ext uri="{FF2B5EF4-FFF2-40B4-BE49-F238E27FC236}">
-                <a16:creationId xmlns:a16="http://schemas.microsoft.com/office/drawing/2014/main" id="{8B32EEAB-6F30-4731-8D76-02708A63C23C}"/>
+                <a16:creationId xmlns:a16="http://schemas.microsoft.com/office/drawing/2014/main" xmlns="" id="{8B32EEAB-6F30-4731-8D76-02708A63C23C}"/>
               </a:ext>
             </a:extLst>
           </p:cNvPr>
@@ -14456,7 +16191,7 @@
           <p:cNvPr id="18" name="Straight Arrow Connector 17">
             <a:extLst>
               <a:ext uri="{FF2B5EF4-FFF2-40B4-BE49-F238E27FC236}">
-                <a16:creationId xmlns:a16="http://schemas.microsoft.com/office/drawing/2014/main" id="{E930BBA9-7BA1-48A0-A9E1-F9545CD11BAA}"/>
+                <a16:creationId xmlns:a16="http://schemas.microsoft.com/office/drawing/2014/main" xmlns="" id="{E930BBA9-7BA1-48A0-A9E1-F9545CD11BAA}"/>
               </a:ext>
             </a:extLst>
           </p:cNvPr>
@@ -14497,7 +16232,7 @@
           <p:cNvPr id="19" name="Straight Arrow Connector 18">
             <a:extLst>
               <a:ext uri="{FF2B5EF4-FFF2-40B4-BE49-F238E27FC236}">
-                <a16:creationId xmlns:a16="http://schemas.microsoft.com/office/drawing/2014/main" id="{72D8D5ED-08A2-4E59-AA33-3E70202E855D}"/>
+                <a16:creationId xmlns:a16="http://schemas.microsoft.com/office/drawing/2014/main" xmlns="" id="{72D8D5ED-08A2-4E59-AA33-3E70202E855D}"/>
               </a:ext>
             </a:extLst>
           </p:cNvPr>
@@ -15069,10 +16804,10 @@
           <p:cNvPr id="21" name="Rectangle 20">
             <a:extLst>
               <a:ext uri="{FF2B5EF4-FFF2-40B4-BE49-F238E27FC236}">
-                <a16:creationId xmlns:a16="http://schemas.microsoft.com/office/drawing/2014/main" id="{99CAC3B1-4879-424D-8F15-206277196159}"/>
+                <a16:creationId xmlns:a16="http://schemas.microsoft.com/office/drawing/2014/main" xmlns="" id="{99CAC3B1-4879-424D-8F15-206277196159}"/>
               </a:ext>
               <a:ext uri="{C183D7F6-B498-43B3-948B-1728B52AA6E4}">
-                <adec:decorative xmlns:adec="http://schemas.microsoft.com/office/drawing/2017/decorative" val="1"/>
+                <adec:decorative xmlns:adec="http://schemas.microsoft.com/office/drawing/2017/decorative" xmlns="" val="1"/>
               </a:ext>
             </a:extLst>
           </p:cNvPr>
@@ -15082,7 +16817,7 @@
           <p:nvPr>
             <p:extLst>
               <p:ext uri="{386F3935-93C4-4BCD-93E2-E3B085C9AB24}">
-                <p16:designElem xmlns:p16="http://schemas.microsoft.com/office/powerpoint/2015/main" val="1"/>
+                <p16:designElem xmlns:p16="http://schemas.microsoft.com/office/powerpoint/2015/main" xmlns="" val="1"/>
               </p:ext>
             </p:extLst>
           </p:nvPr>
@@ -15129,10 +16864,10 @@
           <p:cNvPr id="23" name="Group 22">
             <a:extLst>
               <a:ext uri="{FF2B5EF4-FFF2-40B4-BE49-F238E27FC236}">
-                <a16:creationId xmlns:a16="http://schemas.microsoft.com/office/drawing/2014/main" id="{4B8492CB-DFBA-4A82-9778-F21493DA36C1}"/>
+                <a16:creationId xmlns:a16="http://schemas.microsoft.com/office/drawing/2014/main" xmlns="" id="{4B8492CB-DFBA-4A82-9778-F21493DA36C1}"/>
               </a:ext>
               <a:ext uri="{C183D7F6-B498-43B3-948B-1728B52AA6E4}">
-                <adec:decorative xmlns:adec="http://schemas.microsoft.com/office/drawing/2017/decorative" val="1"/>
+                <adec:decorative xmlns:adec="http://schemas.microsoft.com/office/drawing/2017/decorative" xmlns="" val="1"/>
               </a:ext>
             </a:extLst>
           </p:cNvPr>
@@ -15142,7 +16877,7 @@
           <p:nvPr>
             <p:extLst>
               <p:ext uri="{386F3935-93C4-4BCD-93E2-E3B085C9AB24}">
-                <p16:designElem xmlns:p16="http://schemas.microsoft.com/office/powerpoint/2015/main" val="1"/>
+                <p16:designElem xmlns:p16="http://schemas.microsoft.com/office/powerpoint/2015/main" xmlns="" val="1"/>
               </p:ext>
             </p:extLst>
           </p:nvPr>
@@ -15160,10 +16895,10 @@
             <p:cNvPr id="24" name="Freeform 6">
               <a:extLst>
                 <a:ext uri="{FF2B5EF4-FFF2-40B4-BE49-F238E27FC236}">
-                  <a16:creationId xmlns:a16="http://schemas.microsoft.com/office/drawing/2014/main" id="{E34CC1C8-EBDD-4AEA-83E6-B27575B62E2E}"/>
+                  <a16:creationId xmlns:a16="http://schemas.microsoft.com/office/drawing/2014/main" xmlns="" id="{E34CC1C8-EBDD-4AEA-83E6-B27575B62E2E}"/>
                 </a:ext>
                 <a:ext uri="{C183D7F6-B498-43B3-948B-1728B52AA6E4}">
-                  <adec:decorative xmlns:adec="http://schemas.microsoft.com/office/drawing/2017/decorative" val="1"/>
+                  <adec:decorative xmlns:adec="http://schemas.microsoft.com/office/drawing/2017/decorative" xmlns="" val="1"/>
                 </a:ext>
               </a:extLst>
             </p:cNvPr>
@@ -15171,7 +16906,7 @@
             <p:nvPr>
               <p:extLst>
                 <p:ext uri="{386F3935-93C4-4BCD-93E2-E3B085C9AB24}">
-                  <p16:designElem xmlns:p16="http://schemas.microsoft.com/office/powerpoint/2015/main" val="1"/>
+                  <p16:designElem xmlns:p16="http://schemas.microsoft.com/office/powerpoint/2015/main" xmlns="" val="1"/>
                 </p:ext>
               </p:extLst>
             </p:nvPr>
@@ -15221,10 +16956,10 @@
             <p:cNvPr id="25" name="Freeform 7">
               <a:extLst>
                 <a:ext uri="{FF2B5EF4-FFF2-40B4-BE49-F238E27FC236}">
-                  <a16:creationId xmlns:a16="http://schemas.microsoft.com/office/drawing/2014/main" id="{D6B38644-B85D-4211-9526-5B4C2A662BF7}"/>
+                  <a16:creationId xmlns:a16="http://schemas.microsoft.com/office/drawing/2014/main" xmlns="" id="{D6B38644-B85D-4211-9526-5B4C2A662BF7}"/>
                 </a:ext>
                 <a:ext uri="{C183D7F6-B498-43B3-948B-1728B52AA6E4}">
-                  <adec:decorative xmlns:adec="http://schemas.microsoft.com/office/drawing/2017/decorative" val="1"/>
+                  <adec:decorative xmlns:adec="http://schemas.microsoft.com/office/drawing/2017/decorative" xmlns="" val="1"/>
                 </a:ext>
               </a:extLst>
             </p:cNvPr>
@@ -15232,7 +16967,7 @@
             <p:nvPr>
               <p:extLst>
                 <p:ext uri="{386F3935-93C4-4BCD-93E2-E3B085C9AB24}">
-                  <p16:designElem xmlns:p16="http://schemas.microsoft.com/office/powerpoint/2015/main" val="1"/>
+                  <p16:designElem xmlns:p16="http://schemas.microsoft.com/office/powerpoint/2015/main" xmlns="" val="1"/>
                 </p:ext>
               </p:extLst>
             </p:nvPr>
@@ -15285,10 +17020,10 @@
             <p:cNvPr id="26" name="Freeform 12">
               <a:extLst>
                 <a:ext uri="{FF2B5EF4-FFF2-40B4-BE49-F238E27FC236}">
-                  <a16:creationId xmlns:a16="http://schemas.microsoft.com/office/drawing/2014/main" id="{8A8B2820-6B8F-4C19-BFC5-D28EE44E54CB}"/>
+                  <a16:creationId xmlns:a16="http://schemas.microsoft.com/office/drawing/2014/main" xmlns="" id="{8A8B2820-6B8F-4C19-BFC5-D28EE44E54CB}"/>
                 </a:ext>
                 <a:ext uri="{C183D7F6-B498-43B3-948B-1728B52AA6E4}">
-                  <adec:decorative xmlns:adec="http://schemas.microsoft.com/office/drawing/2017/decorative" val="1"/>
+                  <adec:decorative xmlns:adec="http://schemas.microsoft.com/office/drawing/2017/decorative" xmlns="" val="1"/>
                 </a:ext>
               </a:extLst>
             </p:cNvPr>
@@ -15296,7 +17031,7 @@
             <p:nvPr>
               <p:extLst>
                 <p:ext uri="{386F3935-93C4-4BCD-93E2-E3B085C9AB24}">
-                  <p16:designElem xmlns:p16="http://schemas.microsoft.com/office/powerpoint/2015/main" val="1"/>
+                  <p16:designElem xmlns:p16="http://schemas.microsoft.com/office/powerpoint/2015/main" xmlns="" val="1"/>
                 </p:ext>
               </p:extLst>
             </p:nvPr>
@@ -15343,10 +17078,10 @@
             <p:cNvPr id="27" name="Freeform 13">
               <a:extLst>
                 <a:ext uri="{FF2B5EF4-FFF2-40B4-BE49-F238E27FC236}">
-                  <a16:creationId xmlns:a16="http://schemas.microsoft.com/office/drawing/2014/main" id="{773528ED-4D37-4A77-A8CA-86B6221C5E82}"/>
+                  <a16:creationId xmlns:a16="http://schemas.microsoft.com/office/drawing/2014/main" xmlns="" id="{773528ED-4D37-4A77-A8CA-86B6221C5E82}"/>
                 </a:ext>
                 <a:ext uri="{C183D7F6-B498-43B3-948B-1728B52AA6E4}">
-                  <adec:decorative xmlns:adec="http://schemas.microsoft.com/office/drawing/2017/decorative" val="1"/>
+                  <adec:decorative xmlns:adec="http://schemas.microsoft.com/office/drawing/2017/decorative" xmlns="" val="1"/>
                 </a:ext>
               </a:extLst>
             </p:cNvPr>
@@ -15354,7 +17089,7 @@
             <p:nvPr>
               <p:extLst>
                 <p:ext uri="{386F3935-93C4-4BCD-93E2-E3B085C9AB24}">
-                  <p16:designElem xmlns:p16="http://schemas.microsoft.com/office/powerpoint/2015/main" val="1"/>
+                  <p16:designElem xmlns:p16="http://schemas.microsoft.com/office/powerpoint/2015/main" xmlns="" val="1"/>
                 </p:ext>
               </p:extLst>
             </p:nvPr>
@@ -15403,10 +17138,10 @@
             <p:cNvPr id="28" name="Freeform 14">
               <a:extLst>
                 <a:ext uri="{FF2B5EF4-FFF2-40B4-BE49-F238E27FC236}">
-                  <a16:creationId xmlns:a16="http://schemas.microsoft.com/office/drawing/2014/main" id="{8A58A902-E944-4399-9A93-A91A6A82B166}"/>
+                  <a16:creationId xmlns:a16="http://schemas.microsoft.com/office/drawing/2014/main" xmlns="" id="{8A58A902-E944-4399-9A93-A91A6A82B166}"/>
                 </a:ext>
                 <a:ext uri="{C183D7F6-B498-43B3-948B-1728B52AA6E4}">
-                  <adec:decorative xmlns:adec="http://schemas.microsoft.com/office/drawing/2017/decorative" val="1"/>
+                  <adec:decorative xmlns:adec="http://schemas.microsoft.com/office/drawing/2017/decorative" xmlns="" val="1"/>
                 </a:ext>
               </a:extLst>
             </p:cNvPr>
@@ -15414,7 +17149,7 @@
             <p:nvPr>
               <p:extLst>
                 <p:ext uri="{386F3935-93C4-4BCD-93E2-E3B085C9AB24}">
-                  <p16:designElem xmlns:p16="http://schemas.microsoft.com/office/powerpoint/2015/main" val="1"/>
+                  <p16:designElem xmlns:p16="http://schemas.microsoft.com/office/powerpoint/2015/main" xmlns="" val="1"/>
                 </p:ext>
               </p:extLst>
             </p:nvPr>
@@ -15469,10 +17204,10 @@
             <p:cNvPr id="29" name="Freeform 15">
               <a:extLst>
                 <a:ext uri="{FF2B5EF4-FFF2-40B4-BE49-F238E27FC236}">
-                  <a16:creationId xmlns:a16="http://schemas.microsoft.com/office/drawing/2014/main" id="{4EDB1155-2E8E-4FB8-AD42-101FE4383231}"/>
+                  <a16:creationId xmlns:a16="http://schemas.microsoft.com/office/drawing/2014/main" xmlns="" id="{4EDB1155-2E8E-4FB8-AD42-101FE4383231}"/>
                 </a:ext>
                 <a:ext uri="{C183D7F6-B498-43B3-948B-1728B52AA6E4}">
-                  <adec:decorative xmlns:adec="http://schemas.microsoft.com/office/drawing/2017/decorative" val="1"/>
+                  <adec:decorative xmlns:adec="http://schemas.microsoft.com/office/drawing/2017/decorative" xmlns="" val="1"/>
                 </a:ext>
               </a:extLst>
             </p:cNvPr>
@@ -15480,7 +17215,7 @@
             <p:nvPr>
               <p:extLst>
                 <p:ext uri="{386F3935-93C4-4BCD-93E2-E3B085C9AB24}">
-                  <p16:designElem xmlns:p16="http://schemas.microsoft.com/office/powerpoint/2015/main" val="1"/>
+                  <p16:designElem xmlns:p16="http://schemas.microsoft.com/office/powerpoint/2015/main" xmlns="" val="1"/>
                 </p:ext>
               </p:extLst>
             </p:nvPr>
@@ -15540,7 +17275,7 @@
           <p:cNvPr id="5" name="TextBox 4">
             <a:extLst>
               <a:ext uri="{FF2B5EF4-FFF2-40B4-BE49-F238E27FC236}">
-                <a16:creationId xmlns:a16="http://schemas.microsoft.com/office/drawing/2014/main" id="{466A409B-90E2-4ACB-8A16-0329B5CEE6DF}"/>
+                <a16:creationId xmlns:a16="http://schemas.microsoft.com/office/drawing/2014/main" xmlns="" id="{466A409B-90E2-4ACB-8A16-0329B5CEE6DF}"/>
               </a:ext>
             </a:extLst>
           </p:cNvPr>
@@ -15587,7 +17322,7 @@
           <p:cNvPr id="7" name="Straight Arrow Connector 6">
             <a:extLst>
               <a:ext uri="{FF2B5EF4-FFF2-40B4-BE49-F238E27FC236}">
-                <a16:creationId xmlns:a16="http://schemas.microsoft.com/office/drawing/2014/main" id="{6C986E87-252D-4CDD-90A3-050A5080DF44}"/>
+                <a16:creationId xmlns:a16="http://schemas.microsoft.com/office/drawing/2014/main" xmlns="" id="{6C986E87-252D-4CDD-90A3-050A5080DF44}"/>
               </a:ext>
             </a:extLst>
           </p:cNvPr>
@@ -15628,7 +17363,7 @@
           <p:cNvPr id="17" name="Straight Arrow Connector 16">
             <a:extLst>
               <a:ext uri="{FF2B5EF4-FFF2-40B4-BE49-F238E27FC236}">
-                <a16:creationId xmlns:a16="http://schemas.microsoft.com/office/drawing/2014/main" id="{8B32EEAB-6F30-4731-8D76-02708A63C23C}"/>
+                <a16:creationId xmlns:a16="http://schemas.microsoft.com/office/drawing/2014/main" xmlns="" id="{8B32EEAB-6F30-4731-8D76-02708A63C23C}"/>
               </a:ext>
             </a:extLst>
           </p:cNvPr>
@@ -15669,7 +17404,7 @@
           <p:cNvPr id="18" name="Straight Arrow Connector 17">
             <a:extLst>
               <a:ext uri="{FF2B5EF4-FFF2-40B4-BE49-F238E27FC236}">
-                <a16:creationId xmlns:a16="http://schemas.microsoft.com/office/drawing/2014/main" id="{E930BBA9-7BA1-48A0-A9E1-F9545CD11BAA}"/>
+                <a16:creationId xmlns:a16="http://schemas.microsoft.com/office/drawing/2014/main" xmlns="" id="{E930BBA9-7BA1-48A0-A9E1-F9545CD11BAA}"/>
               </a:ext>
             </a:extLst>
           </p:cNvPr>
@@ -15710,7 +17445,7 @@
           <p:cNvPr id="19" name="Straight Arrow Connector 18">
             <a:extLst>
               <a:ext uri="{FF2B5EF4-FFF2-40B4-BE49-F238E27FC236}">
-                <a16:creationId xmlns:a16="http://schemas.microsoft.com/office/drawing/2014/main" id="{72D8D5ED-08A2-4E59-AA33-3E70202E855D}"/>
+                <a16:creationId xmlns:a16="http://schemas.microsoft.com/office/drawing/2014/main" xmlns="" id="{72D8D5ED-08A2-4E59-AA33-3E70202E855D}"/>
               </a:ext>
             </a:extLst>
           </p:cNvPr>
@@ -15751,7 +17486,7 @@
           <p:cNvPr id="34" name="Picture 33">
             <a:extLst>
               <a:ext uri="{FF2B5EF4-FFF2-40B4-BE49-F238E27FC236}">
-                <a16:creationId xmlns:a16="http://schemas.microsoft.com/office/drawing/2014/main" id="{C796CA00-FA13-476A-9ABE-1A17344ABC61}"/>
+                <a16:creationId xmlns:a16="http://schemas.microsoft.com/office/drawing/2014/main" xmlns="" id="{C796CA00-FA13-476A-9ABE-1A17344ABC61}"/>
               </a:ext>
             </a:extLst>
           </p:cNvPr>
@@ -15781,7 +17516,7 @@
           <p:cNvPr id="35" name="Picture 34">
             <a:extLst>
               <a:ext uri="{FF2B5EF4-FFF2-40B4-BE49-F238E27FC236}">
-                <a16:creationId xmlns:a16="http://schemas.microsoft.com/office/drawing/2014/main" id="{A79A5D21-C558-490D-B09E-AE5E23A6C111}"/>
+                <a16:creationId xmlns:a16="http://schemas.microsoft.com/office/drawing/2014/main" xmlns="" id="{A79A5D21-C558-490D-B09E-AE5E23A6C111}"/>
               </a:ext>
             </a:extLst>
           </p:cNvPr>
@@ -15811,7 +17546,7 @@
           <p:cNvPr id="36" name="Picture 35">
             <a:extLst>
               <a:ext uri="{FF2B5EF4-FFF2-40B4-BE49-F238E27FC236}">
-                <a16:creationId xmlns:a16="http://schemas.microsoft.com/office/drawing/2014/main" id="{24BE2ABE-8A1A-4A61-8921-27405C2CCB19}"/>
+                <a16:creationId xmlns:a16="http://schemas.microsoft.com/office/drawing/2014/main" xmlns="" id="{24BE2ABE-8A1A-4A61-8921-27405C2CCB19}"/>
               </a:ext>
             </a:extLst>
           </p:cNvPr>
@@ -15841,7 +17576,7 @@
           <p:cNvPr id="37" name="TextBox 11">
             <a:extLst>
               <a:ext uri="{FF2B5EF4-FFF2-40B4-BE49-F238E27FC236}">
-                <a16:creationId xmlns:a16="http://schemas.microsoft.com/office/drawing/2014/main" id="{3ED8D828-23F6-4F62-895A-0C04DE02C6A7}"/>
+                <a16:creationId xmlns:a16="http://schemas.microsoft.com/office/drawing/2014/main" xmlns="" id="{3ED8D828-23F6-4F62-895A-0C04DE02C6A7}"/>
               </a:ext>
             </a:extLst>
           </p:cNvPr>
@@ -15970,7 +17705,7 @@
           <p:cNvPr id="38" name="TextBox 13">
             <a:extLst>
               <a:ext uri="{FF2B5EF4-FFF2-40B4-BE49-F238E27FC236}">
-                <a16:creationId xmlns:a16="http://schemas.microsoft.com/office/drawing/2014/main" id="{0FFC0F84-7529-4C07-88EE-CFAA4120297D}"/>
+                <a16:creationId xmlns:a16="http://schemas.microsoft.com/office/drawing/2014/main" xmlns="" id="{0FFC0F84-7529-4C07-88EE-CFAA4120297D}"/>
               </a:ext>
             </a:extLst>
           </p:cNvPr>
@@ -16099,7 +17834,7 @@
           <p:cNvPr id="39" name="TextBox 2">
             <a:extLst>
               <a:ext uri="{FF2B5EF4-FFF2-40B4-BE49-F238E27FC236}">
-                <a16:creationId xmlns:a16="http://schemas.microsoft.com/office/drawing/2014/main" id="{0D872DD5-0F01-4E78-8D4F-A7666652FBC9}"/>
+                <a16:creationId xmlns:a16="http://schemas.microsoft.com/office/drawing/2014/main" xmlns="" id="{0D872DD5-0F01-4E78-8D4F-A7666652FBC9}"/>
               </a:ext>
             </a:extLst>
           </p:cNvPr>
@@ -16428,10 +18163,10 @@
           <p:cNvPr id="21" name="Rectangle 20">
             <a:extLst>
               <a:ext uri="{FF2B5EF4-FFF2-40B4-BE49-F238E27FC236}">
-                <a16:creationId xmlns:a16="http://schemas.microsoft.com/office/drawing/2014/main" id="{99CAC3B1-4879-424D-8F15-206277196159}"/>
+                <a16:creationId xmlns:a16="http://schemas.microsoft.com/office/drawing/2014/main" xmlns="" id="{99CAC3B1-4879-424D-8F15-206277196159}"/>
               </a:ext>
               <a:ext uri="{C183D7F6-B498-43B3-948B-1728B52AA6E4}">
-                <adec:decorative xmlns:adec="http://schemas.microsoft.com/office/drawing/2017/decorative" val="1"/>
+                <adec:decorative xmlns:adec="http://schemas.microsoft.com/office/drawing/2017/decorative" xmlns="" val="1"/>
               </a:ext>
             </a:extLst>
           </p:cNvPr>
@@ -16441,7 +18176,7 @@
           <p:nvPr>
             <p:extLst>
               <p:ext uri="{386F3935-93C4-4BCD-93E2-E3B085C9AB24}">
-                <p16:designElem xmlns:p16="http://schemas.microsoft.com/office/powerpoint/2015/main" val="1"/>
+                <p16:designElem xmlns:p16="http://schemas.microsoft.com/office/powerpoint/2015/main" xmlns="" val="1"/>
               </p:ext>
             </p:extLst>
           </p:nvPr>
@@ -16488,10 +18223,10 @@
           <p:cNvPr id="23" name="Group 22">
             <a:extLst>
               <a:ext uri="{FF2B5EF4-FFF2-40B4-BE49-F238E27FC236}">
-                <a16:creationId xmlns:a16="http://schemas.microsoft.com/office/drawing/2014/main" id="{4B8492CB-DFBA-4A82-9778-F21493DA36C1}"/>
+                <a16:creationId xmlns:a16="http://schemas.microsoft.com/office/drawing/2014/main" xmlns="" id="{4B8492CB-DFBA-4A82-9778-F21493DA36C1}"/>
               </a:ext>
               <a:ext uri="{C183D7F6-B498-43B3-948B-1728B52AA6E4}">
-                <adec:decorative xmlns:adec="http://schemas.microsoft.com/office/drawing/2017/decorative" val="1"/>
+                <adec:decorative xmlns:adec="http://schemas.microsoft.com/office/drawing/2017/decorative" xmlns="" val="1"/>
               </a:ext>
             </a:extLst>
           </p:cNvPr>
@@ -16501,7 +18236,7 @@
           <p:nvPr>
             <p:extLst>
               <p:ext uri="{386F3935-93C4-4BCD-93E2-E3B085C9AB24}">
-                <p16:designElem xmlns:p16="http://schemas.microsoft.com/office/powerpoint/2015/main" val="1"/>
+                <p16:designElem xmlns:p16="http://schemas.microsoft.com/office/powerpoint/2015/main" xmlns="" val="1"/>
               </p:ext>
             </p:extLst>
           </p:nvPr>
@@ -16519,10 +18254,10 @@
             <p:cNvPr id="24" name="Freeform 6">
               <a:extLst>
                 <a:ext uri="{FF2B5EF4-FFF2-40B4-BE49-F238E27FC236}">
-                  <a16:creationId xmlns:a16="http://schemas.microsoft.com/office/drawing/2014/main" id="{E34CC1C8-EBDD-4AEA-83E6-B27575B62E2E}"/>
+                  <a16:creationId xmlns:a16="http://schemas.microsoft.com/office/drawing/2014/main" xmlns="" id="{E34CC1C8-EBDD-4AEA-83E6-B27575B62E2E}"/>
                 </a:ext>
                 <a:ext uri="{C183D7F6-B498-43B3-948B-1728B52AA6E4}">
-                  <adec:decorative xmlns:adec="http://schemas.microsoft.com/office/drawing/2017/decorative" val="1"/>
+                  <adec:decorative xmlns:adec="http://schemas.microsoft.com/office/drawing/2017/decorative" xmlns="" val="1"/>
                 </a:ext>
               </a:extLst>
             </p:cNvPr>
@@ -16530,7 +18265,7 @@
             <p:nvPr>
               <p:extLst>
                 <p:ext uri="{386F3935-93C4-4BCD-93E2-E3B085C9AB24}">
-                  <p16:designElem xmlns:p16="http://schemas.microsoft.com/office/powerpoint/2015/main" val="1"/>
+                  <p16:designElem xmlns:p16="http://schemas.microsoft.com/office/powerpoint/2015/main" xmlns="" val="1"/>
                 </p:ext>
               </p:extLst>
             </p:nvPr>
@@ -16580,10 +18315,10 @@
             <p:cNvPr id="25" name="Freeform 7">
               <a:extLst>
                 <a:ext uri="{FF2B5EF4-FFF2-40B4-BE49-F238E27FC236}">
-                  <a16:creationId xmlns:a16="http://schemas.microsoft.com/office/drawing/2014/main" id="{D6B38644-B85D-4211-9526-5B4C2A662BF7}"/>
+                  <a16:creationId xmlns:a16="http://schemas.microsoft.com/office/drawing/2014/main" xmlns="" id="{D6B38644-B85D-4211-9526-5B4C2A662BF7}"/>
                 </a:ext>
                 <a:ext uri="{C183D7F6-B498-43B3-948B-1728B52AA6E4}">
-                  <adec:decorative xmlns:adec="http://schemas.microsoft.com/office/drawing/2017/decorative" val="1"/>
+                  <adec:decorative xmlns:adec="http://schemas.microsoft.com/office/drawing/2017/decorative" xmlns="" val="1"/>
                 </a:ext>
               </a:extLst>
             </p:cNvPr>
@@ -16591,7 +18326,7 @@
             <p:nvPr>
               <p:extLst>
                 <p:ext uri="{386F3935-93C4-4BCD-93E2-E3B085C9AB24}">
-                  <p16:designElem xmlns:p16="http://schemas.microsoft.com/office/powerpoint/2015/main" val="1"/>
+                  <p16:designElem xmlns:p16="http://schemas.microsoft.com/office/powerpoint/2015/main" xmlns="" val="1"/>
                 </p:ext>
               </p:extLst>
             </p:nvPr>
@@ -16644,10 +18379,10 @@
             <p:cNvPr id="26" name="Freeform 12">
               <a:extLst>
                 <a:ext uri="{FF2B5EF4-FFF2-40B4-BE49-F238E27FC236}">
-                  <a16:creationId xmlns:a16="http://schemas.microsoft.com/office/drawing/2014/main" id="{8A8B2820-6B8F-4C19-BFC5-D28EE44E54CB}"/>
+                  <a16:creationId xmlns:a16="http://schemas.microsoft.com/office/drawing/2014/main" xmlns="" id="{8A8B2820-6B8F-4C19-BFC5-D28EE44E54CB}"/>
                 </a:ext>
                 <a:ext uri="{C183D7F6-B498-43B3-948B-1728B52AA6E4}">
-                  <adec:decorative xmlns:adec="http://schemas.microsoft.com/office/drawing/2017/decorative" val="1"/>
+                  <adec:decorative xmlns:adec="http://schemas.microsoft.com/office/drawing/2017/decorative" xmlns="" val="1"/>
                 </a:ext>
               </a:extLst>
             </p:cNvPr>
@@ -16655,7 +18390,7 @@
             <p:nvPr>
               <p:extLst>
                 <p:ext uri="{386F3935-93C4-4BCD-93E2-E3B085C9AB24}">
-                  <p16:designElem xmlns:p16="http://schemas.microsoft.com/office/powerpoint/2015/main" val="1"/>
+                  <p16:designElem xmlns:p16="http://schemas.microsoft.com/office/powerpoint/2015/main" xmlns="" val="1"/>
                 </p:ext>
               </p:extLst>
             </p:nvPr>
@@ -16702,10 +18437,10 @@
             <p:cNvPr id="27" name="Freeform 13">
               <a:extLst>
                 <a:ext uri="{FF2B5EF4-FFF2-40B4-BE49-F238E27FC236}">
-                  <a16:creationId xmlns:a16="http://schemas.microsoft.com/office/drawing/2014/main" id="{773528ED-4D37-4A77-A8CA-86B6221C5E82}"/>
+                  <a16:creationId xmlns:a16="http://schemas.microsoft.com/office/drawing/2014/main" xmlns="" id="{773528ED-4D37-4A77-A8CA-86B6221C5E82}"/>
                 </a:ext>
                 <a:ext uri="{C183D7F6-B498-43B3-948B-1728B52AA6E4}">
-                  <adec:decorative xmlns:adec="http://schemas.microsoft.com/office/drawing/2017/decorative" val="1"/>
+                  <adec:decorative xmlns:adec="http://schemas.microsoft.com/office/drawing/2017/decorative" xmlns="" val="1"/>
                 </a:ext>
               </a:extLst>
             </p:cNvPr>
@@ -16713,7 +18448,7 @@
             <p:nvPr>
               <p:extLst>
                 <p:ext uri="{386F3935-93C4-4BCD-93E2-E3B085C9AB24}">
-                  <p16:designElem xmlns:p16="http://schemas.microsoft.com/office/powerpoint/2015/main" val="1"/>
+                  <p16:designElem xmlns:p16="http://schemas.microsoft.com/office/powerpoint/2015/main" xmlns="" val="1"/>
                 </p:ext>
               </p:extLst>
             </p:nvPr>
@@ -16762,10 +18497,10 @@
             <p:cNvPr id="28" name="Freeform 14">
               <a:extLst>
                 <a:ext uri="{FF2B5EF4-FFF2-40B4-BE49-F238E27FC236}">
-                  <a16:creationId xmlns:a16="http://schemas.microsoft.com/office/drawing/2014/main" id="{8A58A902-E944-4399-9A93-A91A6A82B166}"/>
+                  <a16:creationId xmlns:a16="http://schemas.microsoft.com/office/drawing/2014/main" xmlns="" id="{8A58A902-E944-4399-9A93-A91A6A82B166}"/>
                 </a:ext>
                 <a:ext uri="{C183D7F6-B498-43B3-948B-1728B52AA6E4}">
-                  <adec:decorative xmlns:adec="http://schemas.microsoft.com/office/drawing/2017/decorative" val="1"/>
+                  <adec:decorative xmlns:adec="http://schemas.microsoft.com/office/drawing/2017/decorative" xmlns="" val="1"/>
                 </a:ext>
               </a:extLst>
             </p:cNvPr>
@@ -16773,7 +18508,7 @@
             <p:nvPr>
               <p:extLst>
                 <p:ext uri="{386F3935-93C4-4BCD-93E2-E3B085C9AB24}">
-                  <p16:designElem xmlns:p16="http://schemas.microsoft.com/office/powerpoint/2015/main" val="1"/>
+                  <p16:designElem xmlns:p16="http://schemas.microsoft.com/office/powerpoint/2015/main" xmlns="" val="1"/>
                 </p:ext>
               </p:extLst>
             </p:nvPr>
@@ -16828,10 +18563,10 @@
             <p:cNvPr id="29" name="Freeform 15">
               <a:extLst>
                 <a:ext uri="{FF2B5EF4-FFF2-40B4-BE49-F238E27FC236}">
-                  <a16:creationId xmlns:a16="http://schemas.microsoft.com/office/drawing/2014/main" id="{4EDB1155-2E8E-4FB8-AD42-101FE4383231}"/>
+                  <a16:creationId xmlns:a16="http://schemas.microsoft.com/office/drawing/2014/main" xmlns="" id="{4EDB1155-2E8E-4FB8-AD42-101FE4383231}"/>
                 </a:ext>
                 <a:ext uri="{C183D7F6-B498-43B3-948B-1728B52AA6E4}">
-                  <adec:decorative xmlns:adec="http://schemas.microsoft.com/office/drawing/2017/decorative" val="1"/>
+                  <adec:decorative xmlns:adec="http://schemas.microsoft.com/office/drawing/2017/decorative" xmlns="" val="1"/>
                 </a:ext>
               </a:extLst>
             </p:cNvPr>
@@ -16839,7 +18574,7 @@
             <p:nvPr>
               <p:extLst>
                 <p:ext uri="{386F3935-93C4-4BCD-93E2-E3B085C9AB24}">
-                  <p16:designElem xmlns:p16="http://schemas.microsoft.com/office/powerpoint/2015/main" val="1"/>
+                  <p16:designElem xmlns:p16="http://schemas.microsoft.com/office/powerpoint/2015/main" xmlns="" val="1"/>
                 </p:ext>
               </p:extLst>
             </p:nvPr>
@@ -16899,7 +18634,7 @@
           <p:cNvPr id="2" name="Title 1">
             <a:extLst>
               <a:ext uri="{FF2B5EF4-FFF2-40B4-BE49-F238E27FC236}">
-                <a16:creationId xmlns:a16="http://schemas.microsoft.com/office/drawing/2014/main" id="{C7492CCE-C435-464E-A19A-D4C606FDBE3D}"/>
+                <a16:creationId xmlns:a16="http://schemas.microsoft.com/office/drawing/2014/main" xmlns="" id="{C7492CCE-C435-464E-A19A-D4C606FDBE3D}"/>
               </a:ext>
             </a:extLst>
           </p:cNvPr>
@@ -16935,7 +18670,7 @@
           <p:cNvPr id="3" name="Content Placeholder 2">
             <a:extLst>
               <a:ext uri="{FF2B5EF4-FFF2-40B4-BE49-F238E27FC236}">
-                <a16:creationId xmlns:a16="http://schemas.microsoft.com/office/drawing/2014/main" id="{60DFF4FA-F598-4962-B6AB-31A8BE724E52}"/>
+                <a16:creationId xmlns:a16="http://schemas.microsoft.com/office/drawing/2014/main" xmlns="" id="{60DFF4FA-F598-4962-B6AB-31A8BE724E52}"/>
               </a:ext>
             </a:extLst>
           </p:cNvPr>
@@ -17006,6 +18741,13 @@
   <p:clrMapOvr>
     <a:overrideClrMapping bg1="dk1" tx1="lt1" bg2="dk2" tx2="lt2" accent1="accent1" accent2="accent2" accent3="accent3" accent4="accent4" accent5="accent5" accent6="accent6" hlink="hlink" folHlink="folHlink"/>
   </p:clrMapOvr>
+  <p:timing>
+    <p:tnLst>
+      <p:par>
+        <p:cTn id="1" dur="indefinite" restart="never" nodeType="tmRoot"/>
+      </p:par>
+    </p:tnLst>
+  </p:timing>
 </p:sld>
 </file>
 
@@ -17039,10 +18781,10 @@
           <p:cNvPr id="21" name="Rectangle 20">
             <a:extLst>
               <a:ext uri="{FF2B5EF4-FFF2-40B4-BE49-F238E27FC236}">
-                <a16:creationId xmlns:a16="http://schemas.microsoft.com/office/drawing/2014/main" id="{99CAC3B1-4879-424D-8F15-206277196159}"/>
+                <a16:creationId xmlns:a16="http://schemas.microsoft.com/office/drawing/2014/main" xmlns="" id="{99CAC3B1-4879-424D-8F15-206277196159}"/>
               </a:ext>
               <a:ext uri="{C183D7F6-B498-43B3-948B-1728B52AA6E4}">
-                <adec:decorative xmlns:adec="http://schemas.microsoft.com/office/drawing/2017/decorative" val="1"/>
+                <adec:decorative xmlns:adec="http://schemas.microsoft.com/office/drawing/2017/decorative" xmlns="" val="1"/>
               </a:ext>
             </a:extLst>
           </p:cNvPr>
@@ -17052,7 +18794,7 @@
           <p:nvPr>
             <p:extLst>
               <p:ext uri="{386F3935-93C4-4BCD-93E2-E3B085C9AB24}">
-                <p16:designElem xmlns:p16="http://schemas.microsoft.com/office/powerpoint/2015/main" val="1"/>
+                <p16:designElem xmlns:p16="http://schemas.microsoft.com/office/powerpoint/2015/main" xmlns="" val="1"/>
               </p:ext>
             </p:extLst>
           </p:nvPr>
@@ -17099,10 +18841,10 @@
           <p:cNvPr id="23" name="Group 22">
             <a:extLst>
               <a:ext uri="{FF2B5EF4-FFF2-40B4-BE49-F238E27FC236}">
-                <a16:creationId xmlns:a16="http://schemas.microsoft.com/office/drawing/2014/main" id="{4B8492CB-DFBA-4A82-9778-F21493DA36C1}"/>
+                <a16:creationId xmlns:a16="http://schemas.microsoft.com/office/drawing/2014/main" xmlns="" id="{4B8492CB-DFBA-4A82-9778-F21493DA36C1}"/>
               </a:ext>
               <a:ext uri="{C183D7F6-B498-43B3-948B-1728B52AA6E4}">
-                <adec:decorative xmlns:adec="http://schemas.microsoft.com/office/drawing/2017/decorative" val="1"/>
+                <adec:decorative xmlns:adec="http://schemas.microsoft.com/office/drawing/2017/decorative" xmlns="" val="1"/>
               </a:ext>
             </a:extLst>
           </p:cNvPr>
@@ -17112,7 +18854,7 @@
           <p:nvPr>
             <p:extLst>
               <p:ext uri="{386F3935-93C4-4BCD-93E2-E3B085C9AB24}">
-                <p16:designElem xmlns:p16="http://schemas.microsoft.com/office/powerpoint/2015/main" val="1"/>
+                <p16:designElem xmlns:p16="http://schemas.microsoft.com/office/powerpoint/2015/main" xmlns="" val="1"/>
               </p:ext>
             </p:extLst>
           </p:nvPr>
@@ -17130,10 +18872,10 @@
             <p:cNvPr id="24" name="Freeform 6">
               <a:extLst>
                 <a:ext uri="{FF2B5EF4-FFF2-40B4-BE49-F238E27FC236}">
-                  <a16:creationId xmlns:a16="http://schemas.microsoft.com/office/drawing/2014/main" id="{E34CC1C8-EBDD-4AEA-83E6-B27575B62E2E}"/>
+                  <a16:creationId xmlns:a16="http://schemas.microsoft.com/office/drawing/2014/main" xmlns="" id="{E34CC1C8-EBDD-4AEA-83E6-B27575B62E2E}"/>
                 </a:ext>
                 <a:ext uri="{C183D7F6-B498-43B3-948B-1728B52AA6E4}">
-                  <adec:decorative xmlns:adec="http://schemas.microsoft.com/office/drawing/2017/decorative" val="1"/>
+                  <adec:decorative xmlns:adec="http://schemas.microsoft.com/office/drawing/2017/decorative" xmlns="" val="1"/>
                 </a:ext>
               </a:extLst>
             </p:cNvPr>
@@ -17141,7 +18883,7 @@
             <p:nvPr>
               <p:extLst>
                 <p:ext uri="{386F3935-93C4-4BCD-93E2-E3B085C9AB24}">
-                  <p16:designElem xmlns:p16="http://schemas.microsoft.com/office/powerpoint/2015/main" val="1"/>
+                  <p16:designElem xmlns:p16="http://schemas.microsoft.com/office/powerpoint/2015/main" xmlns="" val="1"/>
                 </p:ext>
               </p:extLst>
             </p:nvPr>
@@ -17191,10 +18933,10 @@
             <p:cNvPr id="25" name="Freeform 7">
               <a:extLst>
                 <a:ext uri="{FF2B5EF4-FFF2-40B4-BE49-F238E27FC236}">
-                  <a16:creationId xmlns:a16="http://schemas.microsoft.com/office/drawing/2014/main" id="{D6B38644-B85D-4211-9526-5B4C2A662BF7}"/>
+                  <a16:creationId xmlns:a16="http://schemas.microsoft.com/office/drawing/2014/main" xmlns="" id="{D6B38644-B85D-4211-9526-5B4C2A662BF7}"/>
                 </a:ext>
                 <a:ext uri="{C183D7F6-B498-43B3-948B-1728B52AA6E4}">
-                  <adec:decorative xmlns:adec="http://schemas.microsoft.com/office/drawing/2017/decorative" val="1"/>
+                  <adec:decorative xmlns:adec="http://schemas.microsoft.com/office/drawing/2017/decorative" xmlns="" val="1"/>
                 </a:ext>
               </a:extLst>
             </p:cNvPr>
@@ -17202,7 +18944,7 @@
             <p:nvPr>
               <p:extLst>
                 <p:ext uri="{386F3935-93C4-4BCD-93E2-E3B085C9AB24}">
-                  <p16:designElem xmlns:p16="http://schemas.microsoft.com/office/powerpoint/2015/main" val="1"/>
+                  <p16:designElem xmlns:p16="http://schemas.microsoft.com/office/powerpoint/2015/main" xmlns="" val="1"/>
                 </p:ext>
               </p:extLst>
             </p:nvPr>
@@ -17255,10 +18997,10 @@
             <p:cNvPr id="26" name="Freeform 12">
               <a:extLst>
                 <a:ext uri="{FF2B5EF4-FFF2-40B4-BE49-F238E27FC236}">
-                  <a16:creationId xmlns:a16="http://schemas.microsoft.com/office/drawing/2014/main" id="{8A8B2820-6B8F-4C19-BFC5-D28EE44E54CB}"/>
+                  <a16:creationId xmlns:a16="http://schemas.microsoft.com/office/drawing/2014/main" xmlns="" id="{8A8B2820-6B8F-4C19-BFC5-D28EE44E54CB}"/>
                 </a:ext>
                 <a:ext uri="{C183D7F6-B498-43B3-948B-1728B52AA6E4}">
-                  <adec:decorative xmlns:adec="http://schemas.microsoft.com/office/drawing/2017/decorative" val="1"/>
+                  <adec:decorative xmlns:adec="http://schemas.microsoft.com/office/drawing/2017/decorative" xmlns="" val="1"/>
                 </a:ext>
               </a:extLst>
             </p:cNvPr>
@@ -17266,7 +19008,7 @@
             <p:nvPr>
               <p:extLst>
                 <p:ext uri="{386F3935-93C4-4BCD-93E2-E3B085C9AB24}">
-                  <p16:designElem xmlns:p16="http://schemas.microsoft.com/office/powerpoint/2015/main" val="1"/>
+                  <p16:designElem xmlns:p16="http://schemas.microsoft.com/office/powerpoint/2015/main" xmlns="" val="1"/>
                 </p:ext>
               </p:extLst>
             </p:nvPr>
@@ -17313,10 +19055,10 @@
             <p:cNvPr id="27" name="Freeform 13">
               <a:extLst>
                 <a:ext uri="{FF2B5EF4-FFF2-40B4-BE49-F238E27FC236}">
-                  <a16:creationId xmlns:a16="http://schemas.microsoft.com/office/drawing/2014/main" id="{773528ED-4D37-4A77-A8CA-86B6221C5E82}"/>
+                  <a16:creationId xmlns:a16="http://schemas.microsoft.com/office/drawing/2014/main" xmlns="" id="{773528ED-4D37-4A77-A8CA-86B6221C5E82}"/>
                 </a:ext>
                 <a:ext uri="{C183D7F6-B498-43B3-948B-1728B52AA6E4}">
-                  <adec:decorative xmlns:adec="http://schemas.microsoft.com/office/drawing/2017/decorative" val="1"/>
+                  <adec:decorative xmlns:adec="http://schemas.microsoft.com/office/drawing/2017/decorative" xmlns="" val="1"/>
                 </a:ext>
               </a:extLst>
             </p:cNvPr>
@@ -17324,7 +19066,7 @@
             <p:nvPr>
               <p:extLst>
                 <p:ext uri="{386F3935-93C4-4BCD-93E2-E3B085C9AB24}">
-                  <p16:designElem xmlns:p16="http://schemas.microsoft.com/office/powerpoint/2015/main" val="1"/>
+                  <p16:designElem xmlns:p16="http://schemas.microsoft.com/office/powerpoint/2015/main" xmlns="" val="1"/>
                 </p:ext>
               </p:extLst>
             </p:nvPr>
@@ -17373,10 +19115,10 @@
             <p:cNvPr id="28" name="Freeform 14">
               <a:extLst>
                 <a:ext uri="{FF2B5EF4-FFF2-40B4-BE49-F238E27FC236}">
-                  <a16:creationId xmlns:a16="http://schemas.microsoft.com/office/drawing/2014/main" id="{8A58A902-E944-4399-9A93-A91A6A82B166}"/>
+                  <a16:creationId xmlns:a16="http://schemas.microsoft.com/office/drawing/2014/main" xmlns="" id="{8A58A902-E944-4399-9A93-A91A6A82B166}"/>
                 </a:ext>
                 <a:ext uri="{C183D7F6-B498-43B3-948B-1728B52AA6E4}">
-                  <adec:decorative xmlns:adec="http://schemas.microsoft.com/office/drawing/2017/decorative" val="1"/>
+                  <adec:decorative xmlns:adec="http://schemas.microsoft.com/office/drawing/2017/decorative" xmlns="" val="1"/>
                 </a:ext>
               </a:extLst>
             </p:cNvPr>
@@ -17384,7 +19126,7 @@
             <p:nvPr>
               <p:extLst>
                 <p:ext uri="{386F3935-93C4-4BCD-93E2-E3B085C9AB24}">
-                  <p16:designElem xmlns:p16="http://schemas.microsoft.com/office/powerpoint/2015/main" val="1"/>
+                  <p16:designElem xmlns:p16="http://schemas.microsoft.com/office/powerpoint/2015/main" xmlns="" val="1"/>
                 </p:ext>
               </p:extLst>
             </p:nvPr>
@@ -17439,10 +19181,10 @@
             <p:cNvPr id="29" name="Freeform 15">
               <a:extLst>
                 <a:ext uri="{FF2B5EF4-FFF2-40B4-BE49-F238E27FC236}">
-                  <a16:creationId xmlns:a16="http://schemas.microsoft.com/office/drawing/2014/main" id="{4EDB1155-2E8E-4FB8-AD42-101FE4383231}"/>
+                  <a16:creationId xmlns:a16="http://schemas.microsoft.com/office/drawing/2014/main" xmlns="" id="{4EDB1155-2E8E-4FB8-AD42-101FE4383231}"/>
                 </a:ext>
                 <a:ext uri="{C183D7F6-B498-43B3-948B-1728B52AA6E4}">
-                  <adec:decorative xmlns:adec="http://schemas.microsoft.com/office/drawing/2017/decorative" val="1"/>
+                  <adec:decorative xmlns:adec="http://schemas.microsoft.com/office/drawing/2017/decorative" xmlns="" val="1"/>
                 </a:ext>
               </a:extLst>
             </p:cNvPr>
@@ -17450,7 +19192,7 @@
             <p:nvPr>
               <p:extLst>
                 <p:ext uri="{386F3935-93C4-4BCD-93E2-E3B085C9AB24}">
-                  <p16:designElem xmlns:p16="http://schemas.microsoft.com/office/powerpoint/2015/main" val="1"/>
+                  <p16:designElem xmlns:p16="http://schemas.microsoft.com/office/powerpoint/2015/main" xmlns="" val="1"/>
                 </p:ext>
               </p:extLst>
             </p:nvPr>
@@ -17510,7 +19252,7 @@
           <p:cNvPr id="2" name="Title 1">
             <a:extLst>
               <a:ext uri="{FF2B5EF4-FFF2-40B4-BE49-F238E27FC236}">
-                <a16:creationId xmlns:a16="http://schemas.microsoft.com/office/drawing/2014/main" id="{C7492CCE-C435-464E-A19A-D4C606FDBE3D}"/>
+                <a16:creationId xmlns:a16="http://schemas.microsoft.com/office/drawing/2014/main" xmlns="" id="{C7492CCE-C435-464E-A19A-D4C606FDBE3D}"/>
               </a:ext>
             </a:extLst>
           </p:cNvPr>
@@ -17572,7 +19314,7 @@
           <p:cNvPr id="5" name="TextBox 4">
             <a:extLst>
               <a:ext uri="{FF2B5EF4-FFF2-40B4-BE49-F238E27FC236}">
-                <a16:creationId xmlns:a16="http://schemas.microsoft.com/office/drawing/2014/main" id="{466A409B-90E2-4ACB-8A16-0329B5CEE6DF}"/>
+                <a16:creationId xmlns:a16="http://schemas.microsoft.com/office/drawing/2014/main" xmlns="" id="{466A409B-90E2-4ACB-8A16-0329B5CEE6DF}"/>
               </a:ext>
             </a:extLst>
           </p:cNvPr>
@@ -17623,7 +19365,7 @@
           <p:cNvPr id="7" name="Straight Arrow Connector 6">
             <a:extLst>
               <a:ext uri="{FF2B5EF4-FFF2-40B4-BE49-F238E27FC236}">
-                <a16:creationId xmlns:a16="http://schemas.microsoft.com/office/drawing/2014/main" id="{6C986E87-252D-4CDD-90A3-050A5080DF44}"/>
+                <a16:creationId xmlns:a16="http://schemas.microsoft.com/office/drawing/2014/main" xmlns="" id="{6C986E87-252D-4CDD-90A3-050A5080DF44}"/>
               </a:ext>
             </a:extLst>
           </p:cNvPr>
@@ -17664,7 +19406,7 @@
           <p:cNvPr id="17" name="Straight Arrow Connector 16">
             <a:extLst>
               <a:ext uri="{FF2B5EF4-FFF2-40B4-BE49-F238E27FC236}">
-                <a16:creationId xmlns:a16="http://schemas.microsoft.com/office/drawing/2014/main" id="{8B32EEAB-6F30-4731-8D76-02708A63C23C}"/>
+                <a16:creationId xmlns:a16="http://schemas.microsoft.com/office/drawing/2014/main" xmlns="" id="{8B32EEAB-6F30-4731-8D76-02708A63C23C}"/>
               </a:ext>
             </a:extLst>
           </p:cNvPr>
@@ -17705,7 +19447,7 @@
           <p:cNvPr id="18" name="Straight Arrow Connector 17">
             <a:extLst>
               <a:ext uri="{FF2B5EF4-FFF2-40B4-BE49-F238E27FC236}">
-                <a16:creationId xmlns:a16="http://schemas.microsoft.com/office/drawing/2014/main" id="{E930BBA9-7BA1-48A0-A9E1-F9545CD11BAA}"/>
+                <a16:creationId xmlns:a16="http://schemas.microsoft.com/office/drawing/2014/main" xmlns="" id="{E930BBA9-7BA1-48A0-A9E1-F9545CD11BAA}"/>
               </a:ext>
             </a:extLst>
           </p:cNvPr>
@@ -17746,7 +19488,7 @@
           <p:cNvPr id="19" name="Straight Arrow Connector 18">
             <a:extLst>
               <a:ext uri="{FF2B5EF4-FFF2-40B4-BE49-F238E27FC236}">
-                <a16:creationId xmlns:a16="http://schemas.microsoft.com/office/drawing/2014/main" id="{72D8D5ED-08A2-4E59-AA33-3E70202E855D}"/>
+                <a16:creationId xmlns:a16="http://schemas.microsoft.com/office/drawing/2014/main" xmlns="" id="{72D8D5ED-08A2-4E59-AA33-3E70202E855D}"/>
               </a:ext>
             </a:extLst>
           </p:cNvPr>
@@ -17811,7 +19553,7 @@
           <p:cNvPr id="20" name="TextBox 11">
             <a:extLst>
               <a:ext uri="{FF2B5EF4-FFF2-40B4-BE49-F238E27FC236}">
-                <a16:creationId xmlns:a16="http://schemas.microsoft.com/office/drawing/2014/main" id="{3ED8D828-23F6-4F62-895A-0C04DE02C6A7}"/>
+                <a16:creationId xmlns:a16="http://schemas.microsoft.com/office/drawing/2014/main" xmlns="" id="{3ED8D828-23F6-4F62-895A-0C04DE02C6A7}"/>
               </a:ext>
             </a:extLst>
           </p:cNvPr>
@@ -17940,7 +19682,7 @@
           <p:cNvPr id="22" name="TextBox 11">
             <a:extLst>
               <a:ext uri="{FF2B5EF4-FFF2-40B4-BE49-F238E27FC236}">
-                <a16:creationId xmlns:a16="http://schemas.microsoft.com/office/drawing/2014/main" id="{3ED8D828-23F6-4F62-895A-0C04DE02C6A7}"/>
+                <a16:creationId xmlns:a16="http://schemas.microsoft.com/office/drawing/2014/main" xmlns="" id="{3ED8D828-23F6-4F62-895A-0C04DE02C6A7}"/>
               </a:ext>
             </a:extLst>
           </p:cNvPr>
@@ -18074,6 +19816,13 @@
   <p:clrMapOvr>
     <a:overrideClrMapping bg1="dk1" tx1="lt1" bg2="dk2" tx2="lt2" accent1="accent1" accent2="accent2" accent3="accent3" accent4="accent4" accent5="accent5" accent6="accent6" hlink="hlink" folHlink="folHlink"/>
   </p:clrMapOvr>
+  <p:timing>
+    <p:tnLst>
+      <p:par>
+        <p:cTn id="1" dur="indefinite" restart="never" nodeType="tmRoot"/>
+      </p:par>
+    </p:tnLst>
+  </p:timing>
 </p:sld>
 </file>
 
@@ -18107,10 +19856,10 @@
           <p:cNvPr id="21" name="Rectangle 20">
             <a:extLst>
               <a:ext uri="{FF2B5EF4-FFF2-40B4-BE49-F238E27FC236}">
-                <a16:creationId xmlns:a16="http://schemas.microsoft.com/office/drawing/2014/main" id="{99CAC3B1-4879-424D-8F15-206277196159}"/>
+                <a16:creationId xmlns:a16="http://schemas.microsoft.com/office/drawing/2014/main" xmlns="" id="{99CAC3B1-4879-424D-8F15-206277196159}"/>
               </a:ext>
               <a:ext uri="{C183D7F6-B498-43B3-948B-1728B52AA6E4}">
-                <adec:decorative xmlns:adec="http://schemas.microsoft.com/office/drawing/2017/decorative" val="1"/>
+                <adec:decorative xmlns:adec="http://schemas.microsoft.com/office/drawing/2017/decorative" xmlns="" val="1"/>
               </a:ext>
             </a:extLst>
           </p:cNvPr>
@@ -18120,7 +19869,7 @@
           <p:nvPr>
             <p:extLst>
               <p:ext uri="{386F3935-93C4-4BCD-93E2-E3B085C9AB24}">
-                <p16:designElem xmlns:p16="http://schemas.microsoft.com/office/powerpoint/2015/main" val="1"/>
+                <p16:designElem xmlns:p16="http://schemas.microsoft.com/office/powerpoint/2015/main" xmlns="" val="1"/>
               </p:ext>
             </p:extLst>
           </p:nvPr>
@@ -18167,10 +19916,10 @@
           <p:cNvPr id="23" name="Group 22">
             <a:extLst>
               <a:ext uri="{FF2B5EF4-FFF2-40B4-BE49-F238E27FC236}">
-                <a16:creationId xmlns:a16="http://schemas.microsoft.com/office/drawing/2014/main" id="{4B8492CB-DFBA-4A82-9778-F21493DA36C1}"/>
+                <a16:creationId xmlns:a16="http://schemas.microsoft.com/office/drawing/2014/main" xmlns="" id="{4B8492CB-DFBA-4A82-9778-F21493DA36C1}"/>
               </a:ext>
               <a:ext uri="{C183D7F6-B498-43B3-948B-1728B52AA6E4}">
-                <adec:decorative xmlns:adec="http://schemas.microsoft.com/office/drawing/2017/decorative" val="1"/>
+                <adec:decorative xmlns:adec="http://schemas.microsoft.com/office/drawing/2017/decorative" xmlns="" val="1"/>
               </a:ext>
             </a:extLst>
           </p:cNvPr>
@@ -18180,7 +19929,7 @@
           <p:nvPr>
             <p:extLst>
               <p:ext uri="{386F3935-93C4-4BCD-93E2-E3B085C9AB24}">
-                <p16:designElem xmlns:p16="http://schemas.microsoft.com/office/powerpoint/2015/main" val="1"/>
+                <p16:designElem xmlns:p16="http://schemas.microsoft.com/office/powerpoint/2015/main" xmlns="" val="1"/>
               </p:ext>
             </p:extLst>
           </p:nvPr>
@@ -18198,10 +19947,10 @@
             <p:cNvPr id="24" name="Freeform 6">
               <a:extLst>
                 <a:ext uri="{FF2B5EF4-FFF2-40B4-BE49-F238E27FC236}">
-                  <a16:creationId xmlns:a16="http://schemas.microsoft.com/office/drawing/2014/main" id="{E34CC1C8-EBDD-4AEA-83E6-B27575B62E2E}"/>
+                  <a16:creationId xmlns:a16="http://schemas.microsoft.com/office/drawing/2014/main" xmlns="" id="{E34CC1C8-EBDD-4AEA-83E6-B27575B62E2E}"/>
                 </a:ext>
                 <a:ext uri="{C183D7F6-B498-43B3-948B-1728B52AA6E4}">
-                  <adec:decorative xmlns:adec="http://schemas.microsoft.com/office/drawing/2017/decorative" val="1"/>
+                  <adec:decorative xmlns:adec="http://schemas.microsoft.com/office/drawing/2017/decorative" xmlns="" val="1"/>
                 </a:ext>
               </a:extLst>
             </p:cNvPr>
@@ -18209,7 +19958,7 @@
             <p:nvPr>
               <p:extLst>
                 <p:ext uri="{386F3935-93C4-4BCD-93E2-E3B085C9AB24}">
-                  <p16:designElem xmlns:p16="http://schemas.microsoft.com/office/powerpoint/2015/main" val="1"/>
+                  <p16:designElem xmlns:p16="http://schemas.microsoft.com/office/powerpoint/2015/main" xmlns="" val="1"/>
                 </p:ext>
               </p:extLst>
             </p:nvPr>
@@ -18259,10 +20008,10 @@
             <p:cNvPr id="25" name="Freeform 7">
               <a:extLst>
                 <a:ext uri="{FF2B5EF4-FFF2-40B4-BE49-F238E27FC236}">
-                  <a16:creationId xmlns:a16="http://schemas.microsoft.com/office/drawing/2014/main" id="{D6B38644-B85D-4211-9526-5B4C2A662BF7}"/>
+                  <a16:creationId xmlns:a16="http://schemas.microsoft.com/office/drawing/2014/main" xmlns="" id="{D6B38644-B85D-4211-9526-5B4C2A662BF7}"/>
                 </a:ext>
                 <a:ext uri="{C183D7F6-B498-43B3-948B-1728B52AA6E4}">
-                  <adec:decorative xmlns:adec="http://schemas.microsoft.com/office/drawing/2017/decorative" val="1"/>
+                  <adec:decorative xmlns:adec="http://schemas.microsoft.com/office/drawing/2017/decorative" xmlns="" val="1"/>
                 </a:ext>
               </a:extLst>
             </p:cNvPr>
@@ -18270,7 +20019,7 @@
             <p:nvPr>
               <p:extLst>
                 <p:ext uri="{386F3935-93C4-4BCD-93E2-E3B085C9AB24}">
-                  <p16:designElem xmlns:p16="http://schemas.microsoft.com/office/powerpoint/2015/main" val="1"/>
+                  <p16:designElem xmlns:p16="http://schemas.microsoft.com/office/powerpoint/2015/main" xmlns="" val="1"/>
                 </p:ext>
               </p:extLst>
             </p:nvPr>
@@ -18323,10 +20072,10 @@
             <p:cNvPr id="26" name="Freeform 12">
               <a:extLst>
                 <a:ext uri="{FF2B5EF4-FFF2-40B4-BE49-F238E27FC236}">
-                  <a16:creationId xmlns:a16="http://schemas.microsoft.com/office/drawing/2014/main" id="{8A8B2820-6B8F-4C19-BFC5-D28EE44E54CB}"/>
+                  <a16:creationId xmlns:a16="http://schemas.microsoft.com/office/drawing/2014/main" xmlns="" id="{8A8B2820-6B8F-4C19-BFC5-D28EE44E54CB}"/>
                 </a:ext>
                 <a:ext uri="{C183D7F6-B498-43B3-948B-1728B52AA6E4}">
-                  <adec:decorative xmlns:adec="http://schemas.microsoft.com/office/drawing/2017/decorative" val="1"/>
+                  <adec:decorative xmlns:adec="http://schemas.microsoft.com/office/drawing/2017/decorative" xmlns="" val="1"/>
                 </a:ext>
               </a:extLst>
             </p:cNvPr>
@@ -18334,7 +20083,7 @@
             <p:nvPr>
               <p:extLst>
                 <p:ext uri="{386F3935-93C4-4BCD-93E2-E3B085C9AB24}">
-                  <p16:designElem xmlns:p16="http://schemas.microsoft.com/office/powerpoint/2015/main" val="1"/>
+                  <p16:designElem xmlns:p16="http://schemas.microsoft.com/office/powerpoint/2015/main" xmlns="" val="1"/>
                 </p:ext>
               </p:extLst>
             </p:nvPr>
@@ -18381,10 +20130,10 @@
             <p:cNvPr id="27" name="Freeform 13">
               <a:extLst>
                 <a:ext uri="{FF2B5EF4-FFF2-40B4-BE49-F238E27FC236}">
-                  <a16:creationId xmlns:a16="http://schemas.microsoft.com/office/drawing/2014/main" id="{773528ED-4D37-4A77-A8CA-86B6221C5E82}"/>
+                  <a16:creationId xmlns:a16="http://schemas.microsoft.com/office/drawing/2014/main" xmlns="" id="{773528ED-4D37-4A77-A8CA-86B6221C5E82}"/>
                 </a:ext>
                 <a:ext uri="{C183D7F6-B498-43B3-948B-1728B52AA6E4}">
-                  <adec:decorative xmlns:adec="http://schemas.microsoft.com/office/drawing/2017/decorative" val="1"/>
+                  <adec:decorative xmlns:adec="http://schemas.microsoft.com/office/drawing/2017/decorative" xmlns="" val="1"/>
                 </a:ext>
               </a:extLst>
             </p:cNvPr>
@@ -18392,7 +20141,7 @@
             <p:nvPr>
               <p:extLst>
                 <p:ext uri="{386F3935-93C4-4BCD-93E2-E3B085C9AB24}">
-                  <p16:designElem xmlns:p16="http://schemas.microsoft.com/office/powerpoint/2015/main" val="1"/>
+                  <p16:designElem xmlns:p16="http://schemas.microsoft.com/office/powerpoint/2015/main" xmlns="" val="1"/>
                 </p:ext>
               </p:extLst>
             </p:nvPr>
@@ -18441,10 +20190,10 @@
             <p:cNvPr id="28" name="Freeform 14">
               <a:extLst>
                 <a:ext uri="{FF2B5EF4-FFF2-40B4-BE49-F238E27FC236}">
-                  <a16:creationId xmlns:a16="http://schemas.microsoft.com/office/drawing/2014/main" id="{8A58A902-E944-4399-9A93-A91A6A82B166}"/>
+                  <a16:creationId xmlns:a16="http://schemas.microsoft.com/office/drawing/2014/main" xmlns="" id="{8A58A902-E944-4399-9A93-A91A6A82B166}"/>
                 </a:ext>
                 <a:ext uri="{C183D7F6-B498-43B3-948B-1728B52AA6E4}">
-                  <adec:decorative xmlns:adec="http://schemas.microsoft.com/office/drawing/2017/decorative" val="1"/>
+                  <adec:decorative xmlns:adec="http://schemas.microsoft.com/office/drawing/2017/decorative" xmlns="" val="1"/>
                 </a:ext>
               </a:extLst>
             </p:cNvPr>
@@ -18452,7 +20201,7 @@
             <p:nvPr>
               <p:extLst>
                 <p:ext uri="{386F3935-93C4-4BCD-93E2-E3B085C9AB24}">
-                  <p16:designElem xmlns:p16="http://schemas.microsoft.com/office/powerpoint/2015/main" val="1"/>
+                  <p16:designElem xmlns:p16="http://schemas.microsoft.com/office/powerpoint/2015/main" xmlns="" val="1"/>
                 </p:ext>
               </p:extLst>
             </p:nvPr>
@@ -18507,10 +20256,10 @@
             <p:cNvPr id="29" name="Freeform 15">
               <a:extLst>
                 <a:ext uri="{FF2B5EF4-FFF2-40B4-BE49-F238E27FC236}">
-                  <a16:creationId xmlns:a16="http://schemas.microsoft.com/office/drawing/2014/main" id="{4EDB1155-2E8E-4FB8-AD42-101FE4383231}"/>
+                  <a16:creationId xmlns:a16="http://schemas.microsoft.com/office/drawing/2014/main" xmlns="" id="{4EDB1155-2E8E-4FB8-AD42-101FE4383231}"/>
                 </a:ext>
                 <a:ext uri="{C183D7F6-B498-43B3-948B-1728B52AA6E4}">
-                  <adec:decorative xmlns:adec="http://schemas.microsoft.com/office/drawing/2017/decorative" val="1"/>
+                  <adec:decorative xmlns:adec="http://schemas.microsoft.com/office/drawing/2017/decorative" xmlns="" val="1"/>
                 </a:ext>
               </a:extLst>
             </p:cNvPr>
@@ -18518,7 +20267,7 @@
             <p:nvPr>
               <p:extLst>
                 <p:ext uri="{386F3935-93C4-4BCD-93E2-E3B085C9AB24}">
-                  <p16:designElem xmlns:p16="http://schemas.microsoft.com/office/powerpoint/2015/main" val="1"/>
+                  <p16:designElem xmlns:p16="http://schemas.microsoft.com/office/powerpoint/2015/main" xmlns="" val="1"/>
                 </p:ext>
               </p:extLst>
             </p:nvPr>
@@ -18578,7 +20327,7 @@
           <p:cNvPr id="2" name="Title 1">
             <a:extLst>
               <a:ext uri="{FF2B5EF4-FFF2-40B4-BE49-F238E27FC236}">
-                <a16:creationId xmlns:a16="http://schemas.microsoft.com/office/drawing/2014/main" id="{C7492CCE-C435-464E-A19A-D4C606FDBE3D}"/>
+                <a16:creationId xmlns:a16="http://schemas.microsoft.com/office/drawing/2014/main" xmlns="" id="{C7492CCE-C435-464E-A19A-D4C606FDBE3D}"/>
               </a:ext>
             </a:extLst>
           </p:cNvPr>
@@ -18614,7 +20363,7 @@
           <p:cNvPr id="5" name="TextBox 4">
             <a:extLst>
               <a:ext uri="{FF2B5EF4-FFF2-40B4-BE49-F238E27FC236}">
-                <a16:creationId xmlns:a16="http://schemas.microsoft.com/office/drawing/2014/main" id="{466A409B-90E2-4ACB-8A16-0329B5CEE6DF}"/>
+                <a16:creationId xmlns:a16="http://schemas.microsoft.com/office/drawing/2014/main" xmlns="" id="{466A409B-90E2-4ACB-8A16-0329B5CEE6DF}"/>
               </a:ext>
             </a:extLst>
           </p:cNvPr>
@@ -18665,7 +20414,7 @@
           <p:cNvPr id="7" name="Straight Arrow Connector 6">
             <a:extLst>
               <a:ext uri="{FF2B5EF4-FFF2-40B4-BE49-F238E27FC236}">
-                <a16:creationId xmlns:a16="http://schemas.microsoft.com/office/drawing/2014/main" id="{6C986E87-252D-4CDD-90A3-050A5080DF44}"/>
+                <a16:creationId xmlns:a16="http://schemas.microsoft.com/office/drawing/2014/main" xmlns="" id="{6C986E87-252D-4CDD-90A3-050A5080DF44}"/>
               </a:ext>
             </a:extLst>
           </p:cNvPr>
@@ -18706,7 +20455,7 @@
           <p:cNvPr id="17" name="Straight Arrow Connector 16">
             <a:extLst>
               <a:ext uri="{FF2B5EF4-FFF2-40B4-BE49-F238E27FC236}">
-                <a16:creationId xmlns:a16="http://schemas.microsoft.com/office/drawing/2014/main" id="{8B32EEAB-6F30-4731-8D76-02708A63C23C}"/>
+                <a16:creationId xmlns:a16="http://schemas.microsoft.com/office/drawing/2014/main" xmlns="" id="{8B32EEAB-6F30-4731-8D76-02708A63C23C}"/>
               </a:ext>
             </a:extLst>
           </p:cNvPr>
@@ -18747,7 +20496,7 @@
           <p:cNvPr id="18" name="Straight Arrow Connector 17">
             <a:extLst>
               <a:ext uri="{FF2B5EF4-FFF2-40B4-BE49-F238E27FC236}">
-                <a16:creationId xmlns:a16="http://schemas.microsoft.com/office/drawing/2014/main" id="{E930BBA9-7BA1-48A0-A9E1-F9545CD11BAA}"/>
+                <a16:creationId xmlns:a16="http://schemas.microsoft.com/office/drawing/2014/main" xmlns="" id="{E930BBA9-7BA1-48A0-A9E1-F9545CD11BAA}"/>
               </a:ext>
             </a:extLst>
           </p:cNvPr>
@@ -18788,7 +20537,7 @@
           <p:cNvPr id="19" name="Straight Arrow Connector 18">
             <a:extLst>
               <a:ext uri="{FF2B5EF4-FFF2-40B4-BE49-F238E27FC236}">
-                <a16:creationId xmlns:a16="http://schemas.microsoft.com/office/drawing/2014/main" id="{72D8D5ED-08A2-4E59-AA33-3E70202E855D}"/>
+                <a16:creationId xmlns:a16="http://schemas.microsoft.com/office/drawing/2014/main" xmlns="" id="{72D8D5ED-08A2-4E59-AA33-3E70202E855D}"/>
               </a:ext>
             </a:extLst>
           </p:cNvPr>
@@ -18879,7 +20628,7 @@
           <p:cNvPr id="30" name="TextBox 11">
             <a:extLst>
               <a:ext uri="{FF2B5EF4-FFF2-40B4-BE49-F238E27FC236}">
-                <a16:creationId xmlns:a16="http://schemas.microsoft.com/office/drawing/2014/main" id="{3ED8D828-23F6-4F62-895A-0C04DE02C6A7}"/>
+                <a16:creationId xmlns:a16="http://schemas.microsoft.com/office/drawing/2014/main" xmlns="" id="{3ED8D828-23F6-4F62-895A-0C04DE02C6A7}"/>
               </a:ext>
             </a:extLst>
           </p:cNvPr>
@@ -19008,7 +20757,7 @@
           <p:cNvPr id="31" name="TextBox 11">
             <a:extLst>
               <a:ext uri="{FF2B5EF4-FFF2-40B4-BE49-F238E27FC236}">
-                <a16:creationId xmlns:a16="http://schemas.microsoft.com/office/drawing/2014/main" id="{3ED8D828-23F6-4F62-895A-0C04DE02C6A7}"/>
+                <a16:creationId xmlns:a16="http://schemas.microsoft.com/office/drawing/2014/main" xmlns="" id="{3ED8D828-23F6-4F62-895A-0C04DE02C6A7}"/>
               </a:ext>
             </a:extLst>
           </p:cNvPr>
@@ -19142,6 +20891,13 @@
   <p:clrMapOvr>
     <a:overrideClrMapping bg1="dk1" tx1="lt1" bg2="dk2" tx2="lt2" accent1="accent1" accent2="accent2" accent3="accent3" accent4="accent4" accent5="accent5" accent6="accent6" hlink="hlink" folHlink="folHlink"/>
   </p:clrMapOvr>
+  <p:timing>
+    <p:tnLst>
+      <p:par>
+        <p:cTn id="1" dur="indefinite" restart="never" nodeType="tmRoot"/>
+      </p:par>
+    </p:tnLst>
+  </p:timing>
 </p:sld>
 </file>
 
@@ -19175,10 +20931,10 @@
           <p:cNvPr id="21" name="Rectangle 20">
             <a:extLst>
               <a:ext uri="{FF2B5EF4-FFF2-40B4-BE49-F238E27FC236}">
-                <a16:creationId xmlns:a16="http://schemas.microsoft.com/office/drawing/2014/main" id="{99CAC3B1-4879-424D-8F15-206277196159}"/>
+                <a16:creationId xmlns:a16="http://schemas.microsoft.com/office/drawing/2014/main" xmlns="" id="{99CAC3B1-4879-424D-8F15-206277196159}"/>
               </a:ext>
               <a:ext uri="{C183D7F6-B498-43B3-948B-1728B52AA6E4}">
-                <adec:decorative xmlns:adec="http://schemas.microsoft.com/office/drawing/2017/decorative" val="1"/>
+                <adec:decorative xmlns:adec="http://schemas.microsoft.com/office/drawing/2017/decorative" xmlns="" val="1"/>
               </a:ext>
             </a:extLst>
           </p:cNvPr>
@@ -19188,7 +20944,7 @@
           <p:nvPr>
             <p:extLst>
               <p:ext uri="{386F3935-93C4-4BCD-93E2-E3B085C9AB24}">
-                <p16:designElem xmlns:p16="http://schemas.microsoft.com/office/powerpoint/2015/main" val="1"/>
+                <p16:designElem xmlns:p16="http://schemas.microsoft.com/office/powerpoint/2015/main" xmlns="" val="1"/>
               </p:ext>
             </p:extLst>
           </p:nvPr>
@@ -19235,10 +20991,10 @@
           <p:cNvPr id="23" name="Group 22">
             <a:extLst>
               <a:ext uri="{FF2B5EF4-FFF2-40B4-BE49-F238E27FC236}">
-                <a16:creationId xmlns:a16="http://schemas.microsoft.com/office/drawing/2014/main" id="{4B8492CB-DFBA-4A82-9778-F21493DA36C1}"/>
+                <a16:creationId xmlns:a16="http://schemas.microsoft.com/office/drawing/2014/main" xmlns="" id="{4B8492CB-DFBA-4A82-9778-F21493DA36C1}"/>
               </a:ext>
               <a:ext uri="{C183D7F6-B498-43B3-948B-1728B52AA6E4}">
-                <adec:decorative xmlns:adec="http://schemas.microsoft.com/office/drawing/2017/decorative" val="1"/>
+                <adec:decorative xmlns:adec="http://schemas.microsoft.com/office/drawing/2017/decorative" xmlns="" val="1"/>
               </a:ext>
             </a:extLst>
           </p:cNvPr>
@@ -19248,7 +21004,7 @@
           <p:nvPr>
             <p:extLst>
               <p:ext uri="{386F3935-93C4-4BCD-93E2-E3B085C9AB24}">
-                <p16:designElem xmlns:p16="http://schemas.microsoft.com/office/powerpoint/2015/main" val="1"/>
+                <p16:designElem xmlns:p16="http://schemas.microsoft.com/office/powerpoint/2015/main" xmlns="" val="1"/>
               </p:ext>
             </p:extLst>
           </p:nvPr>
@@ -19266,10 +21022,10 @@
             <p:cNvPr id="24" name="Freeform 6">
               <a:extLst>
                 <a:ext uri="{FF2B5EF4-FFF2-40B4-BE49-F238E27FC236}">
-                  <a16:creationId xmlns:a16="http://schemas.microsoft.com/office/drawing/2014/main" id="{E34CC1C8-EBDD-4AEA-83E6-B27575B62E2E}"/>
+                  <a16:creationId xmlns:a16="http://schemas.microsoft.com/office/drawing/2014/main" xmlns="" id="{E34CC1C8-EBDD-4AEA-83E6-B27575B62E2E}"/>
                 </a:ext>
                 <a:ext uri="{C183D7F6-B498-43B3-948B-1728B52AA6E4}">
-                  <adec:decorative xmlns:adec="http://schemas.microsoft.com/office/drawing/2017/decorative" val="1"/>
+                  <adec:decorative xmlns:adec="http://schemas.microsoft.com/office/drawing/2017/decorative" xmlns="" val="1"/>
                 </a:ext>
               </a:extLst>
             </p:cNvPr>
@@ -19277,7 +21033,7 @@
             <p:nvPr>
               <p:extLst>
                 <p:ext uri="{386F3935-93C4-4BCD-93E2-E3B085C9AB24}">
-                  <p16:designElem xmlns:p16="http://schemas.microsoft.com/office/powerpoint/2015/main" val="1"/>
+                  <p16:designElem xmlns:p16="http://schemas.microsoft.com/office/powerpoint/2015/main" xmlns="" val="1"/>
                 </p:ext>
               </p:extLst>
             </p:nvPr>
@@ -19327,10 +21083,10 @@
             <p:cNvPr id="25" name="Freeform 7">
               <a:extLst>
                 <a:ext uri="{FF2B5EF4-FFF2-40B4-BE49-F238E27FC236}">
-                  <a16:creationId xmlns:a16="http://schemas.microsoft.com/office/drawing/2014/main" id="{D6B38644-B85D-4211-9526-5B4C2A662BF7}"/>
+                  <a16:creationId xmlns:a16="http://schemas.microsoft.com/office/drawing/2014/main" xmlns="" id="{D6B38644-B85D-4211-9526-5B4C2A662BF7}"/>
                 </a:ext>
                 <a:ext uri="{C183D7F6-B498-43B3-948B-1728B52AA6E4}">
-                  <adec:decorative xmlns:adec="http://schemas.microsoft.com/office/drawing/2017/decorative" val="1"/>
+                  <adec:decorative xmlns:adec="http://schemas.microsoft.com/office/drawing/2017/decorative" xmlns="" val="1"/>
                 </a:ext>
               </a:extLst>
             </p:cNvPr>
@@ -19338,7 +21094,7 @@
             <p:nvPr>
               <p:extLst>
                 <p:ext uri="{386F3935-93C4-4BCD-93E2-E3B085C9AB24}">
-                  <p16:designElem xmlns:p16="http://schemas.microsoft.com/office/powerpoint/2015/main" val="1"/>
+                  <p16:designElem xmlns:p16="http://schemas.microsoft.com/office/powerpoint/2015/main" xmlns="" val="1"/>
                 </p:ext>
               </p:extLst>
             </p:nvPr>
@@ -19391,10 +21147,10 @@
             <p:cNvPr id="26" name="Freeform 12">
               <a:extLst>
                 <a:ext uri="{FF2B5EF4-FFF2-40B4-BE49-F238E27FC236}">
-                  <a16:creationId xmlns:a16="http://schemas.microsoft.com/office/drawing/2014/main" id="{8A8B2820-6B8F-4C19-BFC5-D28EE44E54CB}"/>
+                  <a16:creationId xmlns:a16="http://schemas.microsoft.com/office/drawing/2014/main" xmlns="" id="{8A8B2820-6B8F-4C19-BFC5-D28EE44E54CB}"/>
                 </a:ext>
                 <a:ext uri="{C183D7F6-B498-43B3-948B-1728B52AA6E4}">
-                  <adec:decorative xmlns:adec="http://schemas.microsoft.com/office/drawing/2017/decorative" val="1"/>
+                  <adec:decorative xmlns:adec="http://schemas.microsoft.com/office/drawing/2017/decorative" xmlns="" val="1"/>
                 </a:ext>
               </a:extLst>
             </p:cNvPr>
@@ -19402,7 +21158,7 @@
             <p:nvPr>
               <p:extLst>
                 <p:ext uri="{386F3935-93C4-4BCD-93E2-E3B085C9AB24}">
-                  <p16:designElem xmlns:p16="http://schemas.microsoft.com/office/powerpoint/2015/main" val="1"/>
+                  <p16:designElem xmlns:p16="http://schemas.microsoft.com/office/powerpoint/2015/main" xmlns="" val="1"/>
                 </p:ext>
               </p:extLst>
             </p:nvPr>
@@ -19449,10 +21205,10 @@
             <p:cNvPr id="27" name="Freeform 13">
               <a:extLst>
                 <a:ext uri="{FF2B5EF4-FFF2-40B4-BE49-F238E27FC236}">
-                  <a16:creationId xmlns:a16="http://schemas.microsoft.com/office/drawing/2014/main" id="{773528ED-4D37-4A77-A8CA-86B6221C5E82}"/>
+                  <a16:creationId xmlns:a16="http://schemas.microsoft.com/office/drawing/2014/main" xmlns="" id="{773528ED-4D37-4A77-A8CA-86B6221C5E82}"/>
                 </a:ext>
                 <a:ext uri="{C183D7F6-B498-43B3-948B-1728B52AA6E4}">
-                  <adec:decorative xmlns:adec="http://schemas.microsoft.com/office/drawing/2017/decorative" val="1"/>
+                  <adec:decorative xmlns:adec="http://schemas.microsoft.com/office/drawing/2017/decorative" xmlns="" val="1"/>
                 </a:ext>
               </a:extLst>
             </p:cNvPr>
@@ -19460,7 +21216,7 @@
             <p:nvPr>
               <p:extLst>
                 <p:ext uri="{386F3935-93C4-4BCD-93E2-E3B085C9AB24}">
-                  <p16:designElem xmlns:p16="http://schemas.microsoft.com/office/powerpoint/2015/main" val="1"/>
+                  <p16:designElem xmlns:p16="http://schemas.microsoft.com/office/powerpoint/2015/main" xmlns="" val="1"/>
                 </p:ext>
               </p:extLst>
             </p:nvPr>
@@ -19509,10 +21265,10 @@
             <p:cNvPr id="28" name="Freeform 14">
               <a:extLst>
                 <a:ext uri="{FF2B5EF4-FFF2-40B4-BE49-F238E27FC236}">
-                  <a16:creationId xmlns:a16="http://schemas.microsoft.com/office/drawing/2014/main" id="{8A58A902-E944-4399-9A93-A91A6A82B166}"/>
+                  <a16:creationId xmlns:a16="http://schemas.microsoft.com/office/drawing/2014/main" xmlns="" id="{8A58A902-E944-4399-9A93-A91A6A82B166}"/>
                 </a:ext>
                 <a:ext uri="{C183D7F6-B498-43B3-948B-1728B52AA6E4}">
-                  <adec:decorative xmlns:adec="http://schemas.microsoft.com/office/drawing/2017/decorative" val="1"/>
+                  <adec:decorative xmlns:adec="http://schemas.microsoft.com/office/drawing/2017/decorative" xmlns="" val="1"/>
                 </a:ext>
               </a:extLst>
             </p:cNvPr>
@@ -19520,7 +21276,7 @@
             <p:nvPr>
               <p:extLst>
                 <p:ext uri="{386F3935-93C4-4BCD-93E2-E3B085C9AB24}">
-                  <p16:designElem xmlns:p16="http://schemas.microsoft.com/office/powerpoint/2015/main" val="1"/>
+                  <p16:designElem xmlns:p16="http://schemas.microsoft.com/office/powerpoint/2015/main" xmlns="" val="1"/>
                 </p:ext>
               </p:extLst>
             </p:nvPr>
@@ -19575,10 +21331,10 @@
             <p:cNvPr id="29" name="Freeform 15">
               <a:extLst>
                 <a:ext uri="{FF2B5EF4-FFF2-40B4-BE49-F238E27FC236}">
-                  <a16:creationId xmlns:a16="http://schemas.microsoft.com/office/drawing/2014/main" id="{4EDB1155-2E8E-4FB8-AD42-101FE4383231}"/>
+                  <a16:creationId xmlns:a16="http://schemas.microsoft.com/office/drawing/2014/main" xmlns="" id="{4EDB1155-2E8E-4FB8-AD42-101FE4383231}"/>
                 </a:ext>
                 <a:ext uri="{C183D7F6-B498-43B3-948B-1728B52AA6E4}">
-                  <adec:decorative xmlns:adec="http://schemas.microsoft.com/office/drawing/2017/decorative" val="1"/>
+                  <adec:decorative xmlns:adec="http://schemas.microsoft.com/office/drawing/2017/decorative" xmlns="" val="1"/>
                 </a:ext>
               </a:extLst>
             </p:cNvPr>
@@ -19586,7 +21342,7 @@
             <p:nvPr>
               <p:extLst>
                 <p:ext uri="{386F3935-93C4-4BCD-93E2-E3B085C9AB24}">
-                  <p16:designElem xmlns:p16="http://schemas.microsoft.com/office/powerpoint/2015/main" val="1"/>
+                  <p16:designElem xmlns:p16="http://schemas.microsoft.com/office/powerpoint/2015/main" xmlns="" val="1"/>
                 </p:ext>
               </p:extLst>
             </p:nvPr>
@@ -19646,7 +21402,7 @@
           <p:cNvPr id="2" name="Title 1">
             <a:extLst>
               <a:ext uri="{FF2B5EF4-FFF2-40B4-BE49-F238E27FC236}">
-                <a16:creationId xmlns:a16="http://schemas.microsoft.com/office/drawing/2014/main" id="{C7492CCE-C435-464E-A19A-D4C606FDBE3D}"/>
+                <a16:creationId xmlns:a16="http://schemas.microsoft.com/office/drawing/2014/main" xmlns="" id="{C7492CCE-C435-464E-A19A-D4C606FDBE3D}"/>
               </a:ext>
             </a:extLst>
           </p:cNvPr>
@@ -19682,7 +21438,7 @@
           <p:cNvPr id="5" name="TextBox 4">
             <a:extLst>
               <a:ext uri="{FF2B5EF4-FFF2-40B4-BE49-F238E27FC236}">
-                <a16:creationId xmlns:a16="http://schemas.microsoft.com/office/drawing/2014/main" id="{466A409B-90E2-4ACB-8A16-0329B5CEE6DF}"/>
+                <a16:creationId xmlns:a16="http://schemas.microsoft.com/office/drawing/2014/main" xmlns="" id="{466A409B-90E2-4ACB-8A16-0329B5CEE6DF}"/>
               </a:ext>
             </a:extLst>
           </p:cNvPr>
@@ -19733,7 +21489,7 @@
           <p:cNvPr id="7" name="Straight Arrow Connector 6">
             <a:extLst>
               <a:ext uri="{FF2B5EF4-FFF2-40B4-BE49-F238E27FC236}">
-                <a16:creationId xmlns:a16="http://schemas.microsoft.com/office/drawing/2014/main" id="{6C986E87-252D-4CDD-90A3-050A5080DF44}"/>
+                <a16:creationId xmlns:a16="http://schemas.microsoft.com/office/drawing/2014/main" xmlns="" id="{6C986E87-252D-4CDD-90A3-050A5080DF44}"/>
               </a:ext>
             </a:extLst>
           </p:cNvPr>
@@ -19774,7 +21530,7 @@
           <p:cNvPr id="17" name="Straight Arrow Connector 16">
             <a:extLst>
               <a:ext uri="{FF2B5EF4-FFF2-40B4-BE49-F238E27FC236}">
-                <a16:creationId xmlns:a16="http://schemas.microsoft.com/office/drawing/2014/main" id="{8B32EEAB-6F30-4731-8D76-02708A63C23C}"/>
+                <a16:creationId xmlns:a16="http://schemas.microsoft.com/office/drawing/2014/main" xmlns="" id="{8B32EEAB-6F30-4731-8D76-02708A63C23C}"/>
               </a:ext>
             </a:extLst>
           </p:cNvPr>
@@ -19815,7 +21571,7 @@
           <p:cNvPr id="18" name="Straight Arrow Connector 17">
             <a:extLst>
               <a:ext uri="{FF2B5EF4-FFF2-40B4-BE49-F238E27FC236}">
-                <a16:creationId xmlns:a16="http://schemas.microsoft.com/office/drawing/2014/main" id="{E930BBA9-7BA1-48A0-A9E1-F9545CD11BAA}"/>
+                <a16:creationId xmlns:a16="http://schemas.microsoft.com/office/drawing/2014/main" xmlns="" id="{E930BBA9-7BA1-48A0-A9E1-F9545CD11BAA}"/>
               </a:ext>
             </a:extLst>
           </p:cNvPr>
@@ -19856,7 +21612,7 @@
           <p:cNvPr id="19" name="Straight Arrow Connector 18">
             <a:extLst>
               <a:ext uri="{FF2B5EF4-FFF2-40B4-BE49-F238E27FC236}">
-                <a16:creationId xmlns:a16="http://schemas.microsoft.com/office/drawing/2014/main" id="{72D8D5ED-08A2-4E59-AA33-3E70202E855D}"/>
+                <a16:creationId xmlns:a16="http://schemas.microsoft.com/office/drawing/2014/main" xmlns="" id="{72D8D5ED-08A2-4E59-AA33-3E70202E855D}"/>
               </a:ext>
             </a:extLst>
           </p:cNvPr>
@@ -19921,7 +21677,7 @@
           <p:cNvPr id="20" name="TextBox 11">
             <a:extLst>
               <a:ext uri="{FF2B5EF4-FFF2-40B4-BE49-F238E27FC236}">
-                <a16:creationId xmlns:a16="http://schemas.microsoft.com/office/drawing/2014/main" id="{3ED8D828-23F6-4F62-895A-0C04DE02C6A7}"/>
+                <a16:creationId xmlns:a16="http://schemas.microsoft.com/office/drawing/2014/main" xmlns="" id="{3ED8D828-23F6-4F62-895A-0C04DE02C6A7}"/>
               </a:ext>
             </a:extLst>
           </p:cNvPr>
@@ -20055,6 +21811,13 @@
   <p:clrMapOvr>
     <a:overrideClrMapping bg1="dk1" tx1="lt1" bg2="dk2" tx2="lt2" accent1="accent1" accent2="accent2" accent3="accent3" accent4="accent4" accent5="accent5" accent6="accent6" hlink="hlink" folHlink="folHlink"/>
   </p:clrMapOvr>
+  <p:timing>
+    <p:tnLst>
+      <p:par>
+        <p:cTn id="1" dur="indefinite" restart="never" nodeType="tmRoot"/>
+      </p:par>
+    </p:tnLst>
+  </p:timing>
 </p:sld>
 </file>
 
@@ -20610,11 +22373,12 @@
 </file>
 
 <file path=customXml/item1.xml><?xml version="1.0" encoding="utf-8"?>
-<p:properties xmlns:p="http://schemas.microsoft.com/office/2006/metadata/properties" xmlns:xsi="http://www.w3.org/2001/XMLSchema-instance" xmlns:pc="http://schemas.microsoft.com/office/infopath/2007/PartnerControls">
-  <documentManagement>
-    <MediaServiceKeyPoints xmlns="71af3243-3dd4-4a8d-8c0d-dd76da1f02a5" xsi:nil="true"/>
-  </documentManagement>
-</p:properties>
+<?mso-contentType ?>
+<FormTemplates xmlns="http://schemas.microsoft.com/sharepoint/v3/contenttype/forms">
+  <Display>DocumentLibraryForm</Display>
+  <Edit>DocumentLibraryForm</Edit>
+  <New>DocumentLibraryForm</New>
+</FormTemplates>
 </file>
 
 <file path=customXml/item2.xml><?xml version="1.0" encoding="utf-8"?>
@@ -20829,20 +22593,17 @@
 </file>
 
 <file path=customXml/item3.xml><?xml version="1.0" encoding="utf-8"?>
-<?mso-contentType ?>
-<FormTemplates xmlns="http://schemas.microsoft.com/sharepoint/v3/contenttype/forms">
-  <Display>DocumentLibraryForm</Display>
-  <Edit>DocumentLibraryForm</Edit>
-  <New>DocumentLibraryForm</New>
-</FormTemplates>
+<p:properties xmlns:p="http://schemas.microsoft.com/office/2006/metadata/properties" xmlns:xsi="http://www.w3.org/2001/XMLSchema-instance" xmlns:pc="http://schemas.microsoft.com/office/infopath/2007/PartnerControls">
+  <documentManagement>
+    <MediaServiceKeyPoints xmlns="71af3243-3dd4-4a8d-8c0d-dd76da1f02a5" xsi:nil="true"/>
+  </documentManagement>
+</p:properties>
 </file>
 
 <file path=customXml/itemProps1.xml><?xml version="1.0" encoding="utf-8"?>
-<ds:datastoreItem xmlns:ds="http://schemas.openxmlformats.org/officeDocument/2006/customXml" ds:itemID="{D7023227-530E-4024-91EF-312A851A758C}">
+<ds:datastoreItem xmlns:ds="http://schemas.openxmlformats.org/officeDocument/2006/customXml" ds:itemID="{33315AA3-EAE3-44ED-8368-BAC2FFFB4817}">
   <ds:schemaRefs>
-    <ds:schemaRef ds:uri="http://schemas.microsoft.com/office/2006/metadata/properties"/>
-    <ds:schemaRef ds:uri="http://schemas.microsoft.com/office/infopath/2007/PartnerControls"/>
-    <ds:schemaRef ds:uri="71af3243-3dd4-4a8d-8c0d-dd76da1f02a5"/>
+    <ds:schemaRef ds:uri="http://schemas.microsoft.com/sharepoint/v3/contenttype/forms"/>
   </ds:schemaRefs>
 </ds:datastoreItem>
 </file>
@@ -20867,9 +22628,11 @@
 </file>
 
 <file path=customXml/itemProps3.xml><?xml version="1.0" encoding="utf-8"?>
-<ds:datastoreItem xmlns:ds="http://schemas.openxmlformats.org/officeDocument/2006/customXml" ds:itemID="{33315AA3-EAE3-44ED-8368-BAC2FFFB4817}">
+<ds:datastoreItem xmlns:ds="http://schemas.openxmlformats.org/officeDocument/2006/customXml" ds:itemID="{D7023227-530E-4024-91EF-312A851A758C}">
   <ds:schemaRefs>
-    <ds:schemaRef ds:uri="http://schemas.microsoft.com/sharepoint/v3/contenttype/forms"/>
+    <ds:schemaRef ds:uri="http://schemas.microsoft.com/office/2006/metadata/properties"/>
+    <ds:schemaRef ds:uri="http://schemas.microsoft.com/office/infopath/2007/PartnerControls"/>
+    <ds:schemaRef ds:uri="71af3243-3dd4-4a8d-8c0d-dd76da1f02a5"/>
   </ds:schemaRefs>
 </ds:datastoreItem>
 </file>